--- a/PPP1_WV.pptx
+++ b/PPP1_WV.pptx
@@ -204,7 +204,7 @@
           <a:p>
             <a:fld id="{9AFCC6B9-8706-0F4D-A3CC-6A72CC9B9592}" type="datetimeFigureOut">
               <a:rPr lang="nl-NL" smtClean="0"/>
-              <a:t>25/10/15</a:t>
+              <a:t>25-10-2015</a:t>
             </a:fld>
             <a:endParaRPr lang="nl-NL"/>
           </a:p>
@@ -363,7 +363,7 @@
           <a:p>
             <a:fld id="{8787E021-A170-414E-8B92-16820204145C}" type="slidenum">
               <a:rPr lang="nl-NL" smtClean="0"/>
-              <a:t>‹nr.›</a:t>
+              <a:t>‹#›</a:t>
             </a:fld>
             <a:endParaRPr lang="nl-NL"/>
           </a:p>
@@ -575,7 +575,7 @@
       </p:grpSpPr>
       <p:sp>
         <p:nvSpPr>
-          <p:cNvPr id="2" name="Tijdelijke aanduiding voor dia-afbeelding 1"/>
+          <p:cNvPr id="2" name="Slide Image Placeholder 1"/>
           <p:cNvSpPr>
             <a:spLocks noGrp="1" noRot="1" noChangeAspect="1"/>
           </p:cNvSpPr>
@@ -587,7 +587,7 @@
       </p:sp>
       <p:sp>
         <p:nvSpPr>
-          <p:cNvPr id="3" name="Tijdelijke aanduiding voor notities 2"/>
+          <p:cNvPr id="3" name="Notes Placeholder 2"/>
           <p:cNvSpPr>
             <a:spLocks noGrp="1"/>
           </p:cNvSpPr>
@@ -601,32 +601,20 @@
           <a:lstStyle/>
           <a:p>
             <a:r>
-              <a:rPr lang="nl-NL" dirty="0" smtClean="0"/>
-              <a:t>Uitleggen </a:t>
-            </a:r>
-            <a:r>
-              <a:rPr lang="nl-NL" dirty="0" err="1" smtClean="0"/>
-              <a:t>layers</a:t>
-            </a:r>
-            <a:r>
-              <a:rPr lang="nl-NL" dirty="0" smtClean="0"/>
-              <a:t> </a:t>
-            </a:r>
-            <a:r>
-              <a:rPr lang="nl-NL" dirty="0" err="1" smtClean="0"/>
-              <a:t>ahv</a:t>
-            </a:r>
-            <a:r>
-              <a:rPr lang="nl-NL" dirty="0" smtClean="0"/>
-              <a:t> voorbeelden</a:t>
-            </a:r>
-            <a:endParaRPr lang="nl-NL" dirty="0"/>
-          </a:p>
-        </p:txBody>
-      </p:sp>
-      <p:sp>
-        <p:nvSpPr>
-          <p:cNvPr id="4" name="Tijdelijke aanduiding voor dianummer 3"/>
+              <a:rPr lang="nl-BE" dirty="0" smtClean="0"/>
+              <a:t>i</a:t>
+            </a:r>
+            <a:r>
+              <a:rPr lang="nl-BE" baseline="0" dirty="0" smtClean="0"/>
+              <a:t> &lt; j vermelden!</a:t>
+            </a:r>
+            <a:endParaRPr lang="nl-BE" dirty="0"/>
+          </a:p>
+        </p:txBody>
+      </p:sp>
+      <p:sp>
+        <p:nvSpPr>
+          <p:cNvPr id="4" name="Slide Number Placeholder 3"/>
           <p:cNvSpPr>
             <a:spLocks noGrp="1"/>
           </p:cNvSpPr>
@@ -641,7 +629,7 @@
           <a:p>
             <a:fld id="{8787E021-A170-414E-8B92-16820204145C}" type="slidenum">
               <a:rPr lang="nl-NL" smtClean="0"/>
-              <a:t>7</a:t>
+              <a:t>3</a:t>
             </a:fld>
             <a:endParaRPr lang="nl-NL"/>
           </a:p>
@@ -650,7 +638,7 @@
     </p:spTree>
     <p:extLst>
       <p:ext uri="{BB962C8B-B14F-4D97-AF65-F5344CB8AC3E}">
-        <p14:creationId xmlns:p14="http://schemas.microsoft.com/office/powerpoint/2010/main" val="2352307695"/>
+        <p14:creationId xmlns:p14="http://schemas.microsoft.com/office/powerpoint/2010/main" val="979629243"/>
       </p:ext>
     </p:extLst>
   </p:cSld>
@@ -706,27 +694,23 @@
           <a:p>
             <a:r>
               <a:rPr lang="nl-NL" dirty="0" smtClean="0"/>
-              <a:t>Uitleg hoe we aan de 55</a:t>
-            </a:r>
-            <a:r>
-              <a:rPr lang="nl-NL" dirty="0" smtClean="0"/>
-              <a:t>^33 komen.</a:t>
-            </a:r>
-          </a:p>
-          <a:p>
-            <a:r>
-              <a:rPr lang="nl-NL" dirty="0" smtClean="0"/>
-              <a:t>55^^33 = </a:t>
-            </a:r>
-            <a:r>
-              <a:rPr lang="nl-NL" baseline="0" dirty="0" smtClean="0"/>
-              <a:t>2,7*10^57</a:t>
-            </a:r>
-          </a:p>
-          <a:p>
-            <a:r>
-              <a:rPr lang="nl-NL" dirty="0" smtClean="0"/>
-              <a:t>55^^35 = 8,1*10^60</a:t>
+              <a:t>Uitleggen </a:t>
+            </a:r>
+            <a:r>
+              <a:rPr lang="nl-NL" dirty="0" err="1" smtClean="0"/>
+              <a:t>layers</a:t>
+            </a:r>
+            <a:r>
+              <a:rPr lang="nl-NL" dirty="0" smtClean="0"/>
+              <a:t> </a:t>
+            </a:r>
+            <a:r>
+              <a:rPr lang="nl-NL" dirty="0" err="1" smtClean="0"/>
+              <a:t>ahv</a:t>
+            </a:r>
+            <a:r>
+              <a:rPr lang="nl-NL" dirty="0" smtClean="0"/>
+              <a:t> voorbeelden</a:t>
             </a:r>
             <a:endParaRPr lang="nl-NL" dirty="0"/>
           </a:p>
@@ -749,7 +733,7 @@
           <a:p>
             <a:fld id="{8787E021-A170-414E-8B92-16820204145C}" type="slidenum">
               <a:rPr lang="nl-NL" smtClean="0"/>
-              <a:t>8</a:t>
+              <a:t>7</a:t>
             </a:fld>
             <a:endParaRPr lang="nl-NL"/>
           </a:p>
@@ -814,35 +798,28 @@
           <a:p>
             <a:r>
               <a:rPr lang="nl-NL" dirty="0" smtClean="0"/>
-              <a:t>Als n</a:t>
+              <a:t>Uitleg hoe we aan de 55^33 komen.</a:t>
+            </a:r>
+          </a:p>
+          <a:p>
+            <a:r>
+              <a:rPr lang="nl-NL" dirty="0" smtClean="0"/>
+              <a:t>55^^33 = </a:t>
             </a:r>
             <a:r>
               <a:rPr lang="nl-NL" baseline="0" dirty="0" smtClean="0"/>
-              <a:t> gevonden -&gt; </a:t>
-            </a:r>
-            <a:r>
-              <a:rPr lang="nl-NL" baseline="0" dirty="0" err="1" smtClean="0"/>
-              <a:t>lower</a:t>
-            </a:r>
-            <a:r>
-              <a:rPr lang="nl-NL" baseline="0" dirty="0" smtClean="0"/>
-              <a:t>/</a:t>
-            </a:r>
-            <a:r>
-              <a:rPr lang="nl-NL" baseline="0" dirty="0" err="1" smtClean="0"/>
-              <a:t>upper</a:t>
-            </a:r>
-            <a:r>
-              <a:rPr lang="nl-NL" baseline="0" dirty="0" smtClean="0"/>
-              <a:t> </a:t>
-            </a:r>
-            <a:r>
-              <a:rPr lang="nl-NL" baseline="0" dirty="0" err="1" smtClean="0"/>
-              <a:t>bound</a:t>
-            </a:r>
-            <a:r>
-              <a:rPr lang="nl-NL" baseline="0" dirty="0" smtClean="0"/>
-              <a:t> verbetert</a:t>
+              <a:t>2 7*10^57</a:t>
+            </a:r>
+            <a:endParaRPr lang="nl-NL" baseline="0" dirty="0" smtClean="0"/>
+          </a:p>
+          <a:p>
+            <a:r>
+              <a:rPr lang="nl-NL" dirty="0" smtClean="0"/>
+              <a:t>55^^35 = </a:t>
+            </a:r>
+            <a:r>
+              <a:rPr lang="nl-NL" dirty="0" smtClean="0"/>
+              <a:t>8 1*10^60</a:t>
             </a:r>
             <a:endParaRPr lang="nl-NL" dirty="0"/>
           </a:p>
@@ -865,7 +842,7 @@
           <a:p>
             <a:fld id="{8787E021-A170-414E-8B92-16820204145C}" type="slidenum">
               <a:rPr lang="nl-NL" smtClean="0"/>
-              <a:t>9</a:t>
+              <a:t>8</a:t>
             </a:fld>
             <a:endParaRPr lang="nl-NL"/>
           </a:p>
@@ -929,16 +906,38 @@
           <a:lstStyle/>
           <a:p>
             <a:r>
-              <a:rPr lang="nl-NL" dirty="0" err="1" smtClean="0"/>
-              <a:t>Prunen</a:t>
+              <a:rPr lang="nl-NL" dirty="0" smtClean="0"/>
+              <a:t>Als n</a:t>
             </a:r>
             <a:r>
               <a:rPr lang="nl-NL" baseline="0" dirty="0" smtClean="0"/>
-              <a:t> = schrap de HELE TAK voor de generatie</a:t>
-            </a:r>
-          </a:p>
-          <a:p>
-            <a:endParaRPr lang="nl-NL" baseline="0" dirty="0" smtClean="0"/>
+              <a:t> gevonden -&gt; </a:t>
+            </a:r>
+            <a:r>
+              <a:rPr lang="nl-NL" baseline="0" dirty="0" err="1" smtClean="0"/>
+              <a:t>lower</a:t>
+            </a:r>
+            <a:r>
+              <a:rPr lang="nl-NL" baseline="0" dirty="0" smtClean="0"/>
+              <a:t>/</a:t>
+            </a:r>
+            <a:r>
+              <a:rPr lang="nl-NL" baseline="0" dirty="0" err="1" smtClean="0"/>
+              <a:t>upper</a:t>
+            </a:r>
+            <a:r>
+              <a:rPr lang="nl-NL" baseline="0" dirty="0" smtClean="0"/>
+              <a:t> </a:t>
+            </a:r>
+            <a:r>
+              <a:rPr lang="nl-NL" baseline="0" dirty="0" err="1" smtClean="0"/>
+              <a:t>bound</a:t>
+            </a:r>
+            <a:r>
+              <a:rPr lang="nl-NL" baseline="0" dirty="0" smtClean="0"/>
+              <a:t> verbetert</a:t>
+            </a:r>
+            <a:endParaRPr lang="nl-NL" dirty="0"/>
           </a:p>
         </p:txBody>
       </p:sp>
@@ -959,7 +958,7 @@
           <a:p>
             <a:fld id="{8787E021-A170-414E-8B92-16820204145C}" type="slidenum">
               <a:rPr lang="nl-NL" smtClean="0"/>
-              <a:t>10</a:t>
+              <a:t>9</a:t>
             </a:fld>
             <a:endParaRPr lang="nl-NL"/>
           </a:p>
@@ -968,7 +967,7 @@
     </p:spTree>
     <p:extLst>
       <p:ext uri="{BB962C8B-B14F-4D97-AF65-F5344CB8AC3E}">
-        <p14:creationId xmlns:p14="http://schemas.microsoft.com/office/powerpoint/2010/main" val="4034858920"/>
+        <p14:creationId xmlns:p14="http://schemas.microsoft.com/office/powerpoint/2010/main" val="2352307695"/>
       </p:ext>
     </p:extLst>
   </p:cSld>
@@ -1023,6 +1022,100 @@
           <a:lstStyle/>
           <a:p>
             <a:r>
+              <a:rPr lang="nl-NL" dirty="0" err="1" smtClean="0"/>
+              <a:t>Prunen</a:t>
+            </a:r>
+            <a:r>
+              <a:rPr lang="nl-NL" baseline="0" dirty="0" smtClean="0"/>
+              <a:t> = schrap de HELE TAK voor de generatie</a:t>
+            </a:r>
+          </a:p>
+          <a:p>
+            <a:endParaRPr lang="nl-NL" baseline="0" dirty="0" smtClean="0"/>
+          </a:p>
+        </p:txBody>
+      </p:sp>
+      <p:sp>
+        <p:nvSpPr>
+          <p:cNvPr id="4" name="Tijdelijke aanduiding voor dianummer 3"/>
+          <p:cNvSpPr>
+            <a:spLocks noGrp="1"/>
+          </p:cNvSpPr>
+          <p:nvPr>
+            <p:ph type="sldNum" sz="quarter" idx="10"/>
+          </p:nvPr>
+        </p:nvSpPr>
+        <p:spPr/>
+        <p:txBody>
+          <a:bodyPr/>
+          <a:lstStyle/>
+          <a:p>
+            <a:fld id="{8787E021-A170-414E-8B92-16820204145C}" type="slidenum">
+              <a:rPr lang="nl-NL" smtClean="0"/>
+              <a:t>10</a:t>
+            </a:fld>
+            <a:endParaRPr lang="nl-NL"/>
+          </a:p>
+        </p:txBody>
+      </p:sp>
+    </p:spTree>
+    <p:extLst>
+      <p:ext uri="{BB962C8B-B14F-4D97-AF65-F5344CB8AC3E}">
+        <p14:creationId xmlns:p14="http://schemas.microsoft.com/office/powerpoint/2010/main" val="4034858920"/>
+      </p:ext>
+    </p:extLst>
+  </p:cSld>
+  <p:clrMapOvr>
+    <a:masterClrMapping/>
+  </p:clrMapOvr>
+</p:notes>
+</file>
+
+<file path=ppt/notesSlides/notesSlide7.xml><?xml version="1.0" encoding="utf-8"?>
+<p:notes xmlns:a="http://schemas.openxmlformats.org/drawingml/2006/main" xmlns:r="http://schemas.openxmlformats.org/officeDocument/2006/relationships" xmlns:p="http://schemas.openxmlformats.org/presentationml/2006/main">
+  <p:cSld>
+    <p:spTree>
+      <p:nvGrpSpPr>
+        <p:cNvPr id="1" name=""/>
+        <p:cNvGrpSpPr/>
+        <p:nvPr/>
+      </p:nvGrpSpPr>
+      <p:grpSpPr>
+        <a:xfrm>
+          <a:off x="0" y="0"/>
+          <a:ext cx="0" cy="0"/>
+          <a:chOff x="0" y="0"/>
+          <a:chExt cx="0" cy="0"/>
+        </a:xfrm>
+      </p:grpSpPr>
+      <p:sp>
+        <p:nvSpPr>
+          <p:cNvPr id="2" name="Tijdelijke aanduiding voor dia-afbeelding 1"/>
+          <p:cNvSpPr>
+            <a:spLocks noGrp="1" noRot="1" noChangeAspect="1"/>
+          </p:cNvSpPr>
+          <p:nvPr>
+            <p:ph type="sldImg"/>
+          </p:nvPr>
+        </p:nvSpPr>
+        <p:spPr/>
+      </p:sp>
+      <p:sp>
+        <p:nvSpPr>
+          <p:cNvPr id="3" name="Tijdelijke aanduiding voor notities 2"/>
+          <p:cNvSpPr>
+            <a:spLocks noGrp="1"/>
+          </p:cNvSpPr>
+          <p:nvPr>
+            <p:ph type="body" idx="1"/>
+          </p:nvPr>
+        </p:nvSpPr>
+        <p:spPr/>
+        <p:txBody>
+          <a:bodyPr/>
+          <a:lstStyle/>
+          <a:p>
+            <a:r>
               <a:rPr lang="nl-NL" dirty="0" smtClean="0"/>
               <a:t>Vermeldt onderaan equivalent mits parallel.</a:t>
             </a:r>
@@ -1066,7 +1159,7 @@
 </p:notes>
 </file>
 
-<file path=ppt/notesSlides/notesSlide7.xml><?xml version="1.0" encoding="utf-8"?>
+<file path=ppt/notesSlides/notesSlide8.xml><?xml version="1.0" encoding="utf-8"?>
 <p:notes xmlns:a="http://schemas.openxmlformats.org/drawingml/2006/main" xmlns:r="http://schemas.openxmlformats.org/officeDocument/2006/relationships" xmlns:p="http://schemas.openxmlformats.org/presentationml/2006/main">
   <p:cSld>
     <p:spTree>
@@ -1553,7 +1646,7 @@
           <a:p>
             <a:fld id="{4708D4E0-8E34-BE43-A9D9-F58B6D72D4C6}" type="datetimeFigureOut">
               <a:rPr lang="nl-NL" smtClean="0"/>
-              <a:t>25/10/15</a:t>
+              <a:t>25-10-2015</a:t>
             </a:fld>
             <a:endParaRPr lang="nl-NL"/>
           </a:p>
@@ -1982,7 +2075,7 @@
           <a:p>
             <a:fld id="{4708D4E0-8E34-BE43-A9D9-F58B6D72D4C6}" type="datetimeFigureOut">
               <a:rPr lang="nl-NL" smtClean="0"/>
-              <a:t>25/10/15</a:t>
+              <a:t>25-10-2015</a:t>
             </a:fld>
             <a:endParaRPr lang="nl-NL"/>
           </a:p>
@@ -2038,7 +2131,7 @@
           <a:p>
             <a:fld id="{2817EBE5-85DD-144A-B1FE-756E61FED028}" type="slidenum">
               <a:rPr lang="nl-NL" smtClean="0"/>
-              <a:t>‹nr.›</a:t>
+              <a:t>‹#›</a:t>
             </a:fld>
             <a:endParaRPr lang="nl-NL"/>
           </a:p>
@@ -2187,7 +2280,7 @@
           <a:p>
             <a:fld id="{4708D4E0-8E34-BE43-A9D9-F58B6D72D4C6}" type="datetimeFigureOut">
               <a:rPr lang="nl-NL" smtClean="0"/>
-              <a:t>25/10/15</a:t>
+              <a:t>25-10-2015</a:t>
             </a:fld>
             <a:endParaRPr lang="nl-NL"/>
           </a:p>
@@ -2229,7 +2322,7 @@
           <a:p>
             <a:fld id="{19371D3E-5A18-49EB-AD2A-429AF165759F}" type="slidenum">
               <a:rPr lang="en-US" smtClean="0"/>
-              <a:t>‹nr.›</a:t>
+              <a:t>‹#›</a:t>
             </a:fld>
             <a:endParaRPr lang="en-US"/>
           </a:p>
@@ -2458,7 +2551,7 @@
           <a:p>
             <a:fld id="{4708D4E0-8E34-BE43-A9D9-F58B6D72D4C6}" type="datetimeFigureOut">
               <a:rPr lang="nl-NL" smtClean="0"/>
-              <a:t>25/10/15</a:t>
+              <a:t>25-10-2015</a:t>
             </a:fld>
             <a:endParaRPr lang="nl-NL"/>
           </a:p>
@@ -2500,7 +2593,7 @@
           <a:p>
             <a:fld id="{2817EBE5-85DD-144A-B1FE-756E61FED028}" type="slidenum">
               <a:rPr lang="nl-NL" smtClean="0"/>
-              <a:t>‹nr.›</a:t>
+              <a:t>‹#›</a:t>
             </a:fld>
             <a:endParaRPr lang="nl-NL"/>
           </a:p>
@@ -2739,7 +2832,7 @@
           <a:p>
             <a:fld id="{4708D4E0-8E34-BE43-A9D9-F58B6D72D4C6}" type="datetimeFigureOut">
               <a:rPr lang="nl-NL" smtClean="0"/>
-              <a:t>25/10/15</a:t>
+              <a:t>25-10-2015</a:t>
             </a:fld>
             <a:endParaRPr lang="nl-NL"/>
           </a:p>
@@ -2781,7 +2874,7 @@
           <a:p>
             <a:fld id="{2817EBE5-85DD-144A-B1FE-756E61FED028}" type="slidenum">
               <a:rPr lang="nl-NL" smtClean="0"/>
-              <a:t>‹nr.›</a:t>
+              <a:t>‹#›</a:t>
             </a:fld>
             <a:endParaRPr lang="nl-NL"/>
           </a:p>
@@ -2974,7 +3067,7 @@
           <a:p>
             <a:fld id="{4708D4E0-8E34-BE43-A9D9-F58B6D72D4C6}" type="datetimeFigureOut">
               <a:rPr lang="nl-NL" smtClean="0"/>
-              <a:t>25/10/15</a:t>
+              <a:t>25-10-2015</a:t>
             </a:fld>
             <a:endParaRPr lang="nl-NL"/>
           </a:p>
@@ -3016,7 +3109,7 @@
           <a:p>
             <a:fld id="{2817EBE5-85DD-144A-B1FE-756E61FED028}" type="slidenum">
               <a:rPr lang="nl-NL" smtClean="0"/>
-              <a:t>‹nr.›</a:t>
+              <a:t>‹#›</a:t>
             </a:fld>
             <a:endParaRPr lang="nl-NL"/>
           </a:p>
@@ -3255,7 +3348,7 @@
           <a:p>
             <a:fld id="{4708D4E0-8E34-BE43-A9D9-F58B6D72D4C6}" type="datetimeFigureOut">
               <a:rPr lang="nl-NL" smtClean="0"/>
-              <a:t>25/10/15</a:t>
+              <a:t>25-10-2015</a:t>
             </a:fld>
             <a:endParaRPr lang="nl-NL"/>
           </a:p>
@@ -3297,7 +3390,7 @@
           <a:p>
             <a:fld id="{2817EBE5-85DD-144A-B1FE-756E61FED028}" type="slidenum">
               <a:rPr lang="nl-NL" smtClean="0"/>
-              <a:t>‹nr.›</a:t>
+              <a:t>‹#›</a:t>
             </a:fld>
             <a:endParaRPr lang="nl-NL"/>
           </a:p>
@@ -3682,7 +3775,7 @@
           <a:p>
             <a:fld id="{4708D4E0-8E34-BE43-A9D9-F58B6D72D4C6}" type="datetimeFigureOut">
               <a:rPr lang="nl-NL" smtClean="0"/>
-              <a:t>25/10/15</a:t>
+              <a:t>25-10-2015</a:t>
             </a:fld>
             <a:endParaRPr lang="nl-NL"/>
           </a:p>
@@ -4205,7 +4298,7 @@
           <a:p>
             <a:fld id="{4708D4E0-8E34-BE43-A9D9-F58B6D72D4C6}" type="datetimeFigureOut">
               <a:rPr lang="nl-NL" smtClean="0"/>
-              <a:t>25/10/15</a:t>
+              <a:t>25-10-2015</a:t>
             </a:fld>
             <a:endParaRPr lang="nl-NL"/>
           </a:p>
@@ -4567,7 +4660,7 @@
           <a:p>
             <a:fld id="{4708D4E0-8E34-BE43-A9D9-F58B6D72D4C6}" type="datetimeFigureOut">
               <a:rPr lang="nl-NL" smtClean="0"/>
-              <a:t>25/10/15</a:t>
+              <a:t>25-10-2015</a:t>
             </a:fld>
             <a:endParaRPr lang="nl-NL"/>
           </a:p>
@@ -4609,7 +4702,7 @@
           <a:p>
             <a:fld id="{2817EBE5-85DD-144A-B1FE-756E61FED028}" type="slidenum">
               <a:rPr lang="nl-NL" smtClean="0"/>
-              <a:t>‹nr.›</a:t>
+              <a:t>‹#›</a:t>
             </a:fld>
             <a:endParaRPr lang="nl-NL"/>
           </a:p>
@@ -5123,7 +5216,7 @@
           <a:p>
             <a:fld id="{4708D4E0-8E34-BE43-A9D9-F58B6D72D4C6}" type="datetimeFigureOut">
               <a:rPr lang="nl-NL" smtClean="0"/>
-              <a:t>25/10/15</a:t>
+              <a:t>25-10-2015</a:t>
             </a:fld>
             <a:endParaRPr lang="nl-NL"/>
           </a:p>
@@ -5165,7 +5258,7 @@
           <a:p>
             <a:fld id="{2817EBE5-85DD-144A-B1FE-756E61FED028}" type="slidenum">
               <a:rPr lang="nl-NL" smtClean="0"/>
-              <a:t>‹nr.›</a:t>
+              <a:t>‹#›</a:t>
             </a:fld>
             <a:endParaRPr lang="nl-NL"/>
           </a:p>
@@ -5348,7 +5441,7 @@
           <a:p>
             <a:fld id="{4708D4E0-8E34-BE43-A9D9-F58B6D72D4C6}" type="datetimeFigureOut">
               <a:rPr lang="nl-NL" smtClean="0"/>
-              <a:t>25/10/15</a:t>
+              <a:t>25-10-2015</a:t>
             </a:fld>
             <a:endParaRPr lang="nl-NL"/>
           </a:p>
@@ -5390,7 +5483,7 @@
           <a:p>
             <a:fld id="{2817EBE5-85DD-144A-B1FE-756E61FED028}" type="slidenum">
               <a:rPr lang="nl-NL" smtClean="0"/>
-              <a:t>‹nr.›</a:t>
+              <a:t>‹#›</a:t>
             </a:fld>
             <a:endParaRPr lang="nl-NL"/>
           </a:p>
@@ -5494,7 +5587,7 @@
           <a:p>
             <a:fld id="{4708D4E0-8E34-BE43-A9D9-F58B6D72D4C6}" type="datetimeFigureOut">
               <a:rPr lang="nl-NL" smtClean="0"/>
-              <a:t>25/10/15</a:t>
+              <a:t>25-10-2015</a:t>
             </a:fld>
             <a:endParaRPr lang="nl-NL"/>
           </a:p>
@@ -5536,7 +5629,7 @@
           <a:p>
             <a:fld id="{2817EBE5-85DD-144A-B1FE-756E61FED028}" type="slidenum">
               <a:rPr lang="nl-NL" smtClean="0"/>
-              <a:t>‹nr.›</a:t>
+              <a:t>‹#›</a:t>
             </a:fld>
             <a:endParaRPr lang="nl-NL"/>
           </a:p>
@@ -5959,7 +6052,7 @@
           <a:p>
             <a:fld id="{4708D4E0-8E34-BE43-A9D9-F58B6D72D4C6}" type="datetimeFigureOut">
               <a:rPr lang="nl-NL" smtClean="0"/>
-              <a:t>25/10/15</a:t>
+              <a:t>25-10-2015</a:t>
             </a:fld>
             <a:endParaRPr lang="nl-NL"/>
           </a:p>
@@ -6015,7 +6108,7 @@
           <a:p>
             <a:fld id="{2817EBE5-85DD-144A-B1FE-756E61FED028}" type="slidenum">
               <a:rPr lang="nl-NL" smtClean="0"/>
-              <a:t>‹nr.›</a:t>
+              <a:t>‹#›</a:t>
             </a:fld>
             <a:endParaRPr lang="nl-NL"/>
           </a:p>
@@ -6181,7 +6274,7 @@
           <a:p>
             <a:fld id="{4708D4E0-8E34-BE43-A9D9-F58B6D72D4C6}" type="datetimeFigureOut">
               <a:rPr lang="nl-NL" smtClean="0"/>
-              <a:t>25/10/15</a:t>
+              <a:t>25-10-2015</a:t>
             </a:fld>
             <a:endParaRPr lang="nl-NL"/>
           </a:p>
@@ -6259,7 +6352,7 @@
           <a:p>
             <a:fld id="{2817EBE5-85DD-144A-B1FE-756E61FED028}" type="slidenum">
               <a:rPr lang="nl-NL" smtClean="0"/>
-              <a:t>‹nr.›</a:t>
+              <a:t>‹#›</a:t>
             </a:fld>
             <a:endParaRPr lang="nl-NL"/>
           </a:p>
@@ -6727,7 +6820,7 @@
   <p:timing>
     <p:tnLst>
       <p:par>
-        <p:cTn xmlns:p14="http://schemas.microsoft.com/office/powerpoint/2010/main" id="1" dur="indefinite" restart="never" nodeType="tmRoot"/>
+        <p:cTn id="1" dur="indefinite" restart="never" nodeType="tmRoot"/>
       </p:par>
     </p:tnLst>
   </p:timing>
@@ -6841,49 +6934,88 @@
           </a:p>
         </p:txBody>
       </p:sp>
-      <p:sp>
-        <p:nvSpPr>
-          <p:cNvPr id="4" name="Tijdelijke aanduiding voor inhoud 3"/>
-          <p:cNvSpPr>
-            <a:spLocks noGrp="1"/>
-          </p:cNvSpPr>
-          <p:nvPr>
-            <p:ph sz="half" idx="2"/>
-          </p:nvPr>
-        </p:nvSpPr>
-        <p:spPr/>
-        <p:txBody>
-          <a:bodyPr/>
-          <a:lstStyle/>
-          <a:p>
-            <a:r>
-              <a:rPr lang="nl-NL" dirty="0" smtClean="0"/>
-              <a:t>(voorbeeld met overbodige </a:t>
-            </a:r>
-            <a:r>
-              <a:rPr lang="nl-NL" dirty="0" err="1" smtClean="0"/>
-              <a:t>comparator</a:t>
-            </a:r>
-            <a:r>
-              <a:rPr lang="nl-NL" dirty="0" smtClean="0"/>
-              <a:t> + parallel </a:t>
-            </a:r>
-            <a:r>
-              <a:rPr lang="nl-NL" dirty="0" err="1" smtClean="0"/>
-              <a:t>comparators</a:t>
-            </a:r>
-            <a:r>
-              <a:rPr lang="nl-NL" dirty="0"/>
-              <a:t> </a:t>
-            </a:r>
-            <a:r>
-              <a:rPr lang="nl-NL" dirty="0" smtClean="0"/>
-              <a:t>naast elkaar)</a:t>
-            </a:r>
-            <a:endParaRPr lang="nl-NL" dirty="0"/>
-          </a:p>
-        </p:txBody>
-      </p:sp>
+      <p:pic>
+        <p:nvPicPr>
+          <p:cNvPr id="2050" name="Picture 2" descr="C:\Users\Admin\Desktop\Overbodige5.png"/>
+          <p:cNvPicPr>
+            <a:picLocks noChangeAspect="1" noChangeArrowheads="1"/>
+          </p:cNvPicPr>
+          <p:nvPr/>
+        </p:nvPicPr>
+        <p:blipFill>
+          <a:blip r:embed="rId3">
+            <a:extLst>
+              <a:ext uri="{28A0092B-C50C-407E-A947-70E740481C1C}">
+                <a14:useLocalDpi xmlns:a14="http://schemas.microsoft.com/office/drawing/2010/main" val="0"/>
+              </a:ext>
+            </a:extLst>
+          </a:blip>
+          <a:srcRect/>
+          <a:stretch>
+            <a:fillRect/>
+          </a:stretch>
+        </p:blipFill>
+        <p:spPr bwMode="auto">
+          <a:xfrm>
+            <a:off x="4780344" y="2108525"/>
+            <a:ext cx="2685335" cy="1532105"/>
+          </a:xfrm>
+          <a:prstGeom prst="rect">
+            <a:avLst/>
+          </a:prstGeom>
+          <a:noFill/>
+          <a:extLst>
+            <a:ext uri="{909E8E84-426E-40DD-AFC4-6F175D3DCCD1}">
+              <a14:hiddenFill xmlns:a14="http://schemas.microsoft.com/office/drawing/2010/main">
+                <a:solidFill>
+                  <a:srgbClr val="FFFFFF"/>
+                </a:solidFill>
+              </a14:hiddenFill>
+            </a:ext>
+          </a:extLst>
+        </p:spPr>
+      </p:pic>
+      <p:pic>
+        <p:nvPicPr>
+          <p:cNvPr id="2051" name="Picture 3" descr="C:\Users\Admin\Desktop\Overbodige52.png"/>
+          <p:cNvPicPr>
+            <a:picLocks noChangeAspect="1" noChangeArrowheads="1"/>
+          </p:cNvPicPr>
+          <p:nvPr/>
+        </p:nvPicPr>
+        <p:blipFill>
+          <a:blip r:embed="rId4">
+            <a:extLst>
+              <a:ext uri="{28A0092B-C50C-407E-A947-70E740481C1C}">
+                <a14:useLocalDpi xmlns:a14="http://schemas.microsoft.com/office/drawing/2010/main" val="0"/>
+              </a:ext>
+            </a:extLst>
+          </a:blip>
+          <a:srcRect/>
+          <a:stretch>
+            <a:fillRect/>
+          </a:stretch>
+        </p:blipFill>
+        <p:spPr bwMode="auto">
+          <a:xfrm>
+            <a:off x="4780344" y="3960478"/>
+            <a:ext cx="2696910" cy="1532105"/>
+          </a:xfrm>
+          <a:prstGeom prst="rect">
+            <a:avLst/>
+          </a:prstGeom>
+          <a:noFill/>
+          <a:extLst>
+            <a:ext uri="{909E8E84-426E-40DD-AFC4-6F175D3DCCD1}">
+              <a14:hiddenFill xmlns:a14="http://schemas.microsoft.com/office/drawing/2010/main">
+                <a:solidFill>
+                  <a:srgbClr val="FFFFFF"/>
+                </a:solidFill>
+              </a14:hiddenFill>
+            </a:ext>
+          </a:extLst>
+        </p:spPr>
+      </p:pic>
     </p:spTree>
     <p:extLst>
       <p:ext uri="{BB962C8B-B14F-4D97-AF65-F5344CB8AC3E}">
@@ -6897,7 +7029,7 @@
   <p:timing>
     <p:tnLst>
       <p:par>
-        <p:cTn xmlns:p14="http://schemas.microsoft.com/office/powerpoint/2010/main" id="1" dur="indefinite" restart="never" nodeType="tmRoot"/>
+        <p:cTn id="1" dur="indefinite" restart="never" nodeType="tmRoot"/>
       </p:par>
     </p:tnLst>
   </p:timing>
@@ -6974,14 +7106,106 @@
             </a:pPr>
             <a:r>
               <a:rPr lang="nl-NL" dirty="0" smtClean="0"/>
-              <a:t>(1,2)(3,4)(1,4)(1,3)(2,4)(2,3)</a:t>
+              <a:t>a=(1 2</a:t>
+            </a:r>
+            <a:r>
+              <a:rPr lang="nl-NL" dirty="0" smtClean="0"/>
+              <a:t>)(</a:t>
+            </a:r>
+            <a:r>
+              <a:rPr lang="nl-NL" dirty="0" smtClean="0"/>
+              <a:t>3 4</a:t>
+            </a:r>
+            <a:r>
+              <a:rPr lang="nl-NL" dirty="0" smtClean="0"/>
+              <a:t>)(</a:t>
+            </a:r>
+            <a:r>
+              <a:rPr lang="nl-NL" dirty="0" smtClean="0"/>
+              <a:t>1 4</a:t>
+            </a:r>
+            <a:r>
+              <a:rPr lang="nl-NL" dirty="0" smtClean="0"/>
+              <a:t>)(</a:t>
+            </a:r>
+            <a:r>
+              <a:rPr lang="nl-NL" dirty="0" smtClean="0"/>
+              <a:t>1 3</a:t>
+            </a:r>
+            <a:r>
+              <a:rPr lang="nl-NL" dirty="0" smtClean="0"/>
+              <a:t>)(</a:t>
+            </a:r>
+            <a:r>
+              <a:rPr lang="nl-NL" dirty="0" smtClean="0"/>
+              <a:t>2 4</a:t>
+            </a:r>
+            <a:r>
+              <a:rPr lang="nl-NL" dirty="0" smtClean="0"/>
+              <a:t>)(</a:t>
+            </a:r>
+            <a:r>
+              <a:rPr lang="nl-NL" dirty="0" smtClean="0"/>
+              <a:t>2 3</a:t>
+            </a:r>
+            <a:r>
+              <a:rPr lang="nl-NL" dirty="0" smtClean="0"/>
+              <a:t>)</a:t>
             </a:r>
             <a:br>
               <a:rPr lang="nl-NL" dirty="0" smtClean="0"/>
             </a:br>
             <a:r>
               <a:rPr lang="nl-NL" dirty="0" smtClean="0"/>
-              <a:t>(3,4)(1,2)(3,2)(3,1)(4,2)(4,1)</a:t>
+              <a:t>(</a:t>
+            </a:r>
+            <a:r>
+              <a:rPr lang="nl-NL" dirty="0" smtClean="0"/>
+              <a:t>3 4</a:t>
+            </a:r>
+            <a:r>
+              <a:rPr lang="nl-NL" dirty="0" smtClean="0"/>
+              <a:t>)(</a:t>
+            </a:r>
+            <a:r>
+              <a:rPr lang="nl-NL" dirty="0" smtClean="0"/>
+              <a:t>1 2</a:t>
+            </a:r>
+            <a:r>
+              <a:rPr lang="nl-NL" dirty="0" smtClean="0"/>
+              <a:t>)(</a:t>
+            </a:r>
+            <a:r>
+              <a:rPr lang="nl-NL" dirty="0" smtClean="0"/>
+              <a:t>3 2</a:t>
+            </a:r>
+            <a:r>
+              <a:rPr lang="nl-NL" dirty="0" smtClean="0"/>
+              <a:t>)(</a:t>
+            </a:r>
+            <a:r>
+              <a:rPr lang="nl-NL" dirty="0" smtClean="0"/>
+              <a:t>3 1</a:t>
+            </a:r>
+            <a:r>
+              <a:rPr lang="nl-NL" dirty="0" smtClean="0"/>
+              <a:t>)(</a:t>
+            </a:r>
+            <a:r>
+              <a:rPr lang="nl-NL" dirty="0" smtClean="0"/>
+              <a:t>4 2</a:t>
+            </a:r>
+            <a:r>
+              <a:rPr lang="nl-NL" dirty="0" smtClean="0"/>
+              <a:t>)(</a:t>
+            </a:r>
+            <a:r>
+              <a:rPr lang="nl-NL" dirty="0" smtClean="0"/>
+              <a:t>4 1</a:t>
+            </a:r>
+            <a:r>
+              <a:rPr lang="nl-NL" dirty="0" smtClean="0"/>
+              <a:t>)</a:t>
             </a:r>
             <a:r>
               <a:rPr lang="nl-NL" dirty="0"/>
@@ -6991,7 +7215,7 @@
               <a:rPr lang="nl-NL" dirty="0"/>
             </a:br>
             <a:r>
-              <a:rPr lang="nl-NL" dirty="0" err="1" smtClean="0"/>
+              <a:rPr lang="nl-NL" dirty="0" smtClean="0"/>
               <a:t>Untangling</a:t>
             </a:r>
             <a:r>
@@ -7003,7 +7227,23 @@
             </a:br>
             <a:r>
               <a:rPr lang="nl-NL" dirty="0" smtClean="0"/>
-              <a:t>(3,4)(1,2)</a:t>
+              <a:t>(</a:t>
+            </a:r>
+            <a:r>
+              <a:rPr lang="nl-NL" dirty="0" smtClean="0"/>
+              <a:t>3 4</a:t>
+            </a:r>
+            <a:r>
+              <a:rPr lang="nl-NL" dirty="0" smtClean="0"/>
+              <a:t>)(</a:t>
+            </a:r>
+            <a:r>
+              <a:rPr lang="nl-NL" dirty="0" smtClean="0"/>
+              <a:t>1 2</a:t>
+            </a:r>
+            <a:r>
+              <a:rPr lang="nl-NL" dirty="0" smtClean="0"/>
+              <a:t>)</a:t>
             </a:r>
             <a:r>
               <a:rPr lang="nl-NL" dirty="0" smtClean="0">
@@ -7011,11 +7251,51 @@
                   <a:srgbClr val="FF0000"/>
                 </a:solidFill>
               </a:rPr>
-              <a:t>(2,3)</a:t>
-            </a:r>
-            <a:r>
-              <a:rPr lang="nl-NL" dirty="0" smtClean="0"/>
-              <a:t>(2,1)(4,3)(4,1)</a:t>
+              <a:t>(</a:t>
+            </a:r>
+            <a:r>
+              <a:rPr lang="nl-NL" dirty="0" smtClean="0">
+                <a:solidFill>
+                  <a:srgbClr val="FF0000"/>
+                </a:solidFill>
+              </a:rPr>
+              <a:t>2 3</a:t>
+            </a:r>
+            <a:r>
+              <a:rPr lang="nl-NL" dirty="0" smtClean="0">
+                <a:solidFill>
+                  <a:srgbClr val="FF0000"/>
+                </a:solidFill>
+              </a:rPr>
+              <a:t>)</a:t>
+            </a:r>
+            <a:r>
+              <a:rPr lang="nl-NL" dirty="0" smtClean="0"/>
+              <a:t>(</a:t>
+            </a:r>
+            <a:r>
+              <a:rPr lang="nl-NL" dirty="0" smtClean="0"/>
+              <a:t>2 1</a:t>
+            </a:r>
+            <a:r>
+              <a:rPr lang="nl-NL" dirty="0" smtClean="0"/>
+              <a:t>)(</a:t>
+            </a:r>
+            <a:r>
+              <a:rPr lang="nl-NL" dirty="0" smtClean="0"/>
+              <a:t>4 3</a:t>
+            </a:r>
+            <a:r>
+              <a:rPr lang="nl-NL" dirty="0" smtClean="0"/>
+              <a:t>)(</a:t>
+            </a:r>
+            <a:r>
+              <a:rPr lang="nl-NL" dirty="0" smtClean="0"/>
+              <a:t>4 1</a:t>
+            </a:r>
+            <a:r>
+              <a:rPr lang="nl-NL" dirty="0" smtClean="0"/>
+              <a:t>)</a:t>
             </a:r>
             <a:br>
               <a:rPr lang="nl-NL" dirty="0" smtClean="0"/>
@@ -7026,7 +7306,55 @@
                   <a:srgbClr val="FFFFFF"/>
                 </a:solidFill>
               </a:rPr>
-              <a:t>(3,4)(1,2)(2,3)</a:t>
+              <a:t>(</a:t>
+            </a:r>
+            <a:r>
+              <a:rPr lang="nl-NL" dirty="0" smtClean="0">
+                <a:solidFill>
+                  <a:srgbClr val="FFFFFF"/>
+                </a:solidFill>
+              </a:rPr>
+              <a:t>3 4</a:t>
+            </a:r>
+            <a:r>
+              <a:rPr lang="nl-NL" dirty="0" smtClean="0">
+                <a:solidFill>
+                  <a:srgbClr val="FFFFFF"/>
+                </a:solidFill>
+              </a:rPr>
+              <a:t>)(</a:t>
+            </a:r>
+            <a:r>
+              <a:rPr lang="nl-NL" dirty="0" smtClean="0">
+                <a:solidFill>
+                  <a:srgbClr val="FFFFFF"/>
+                </a:solidFill>
+              </a:rPr>
+              <a:t>1 2</a:t>
+            </a:r>
+            <a:r>
+              <a:rPr lang="nl-NL" dirty="0" smtClean="0">
+                <a:solidFill>
+                  <a:srgbClr val="FFFFFF"/>
+                </a:solidFill>
+              </a:rPr>
+              <a:t>)(</a:t>
+            </a:r>
+            <a:r>
+              <a:rPr lang="nl-NL" dirty="0" smtClean="0">
+                <a:solidFill>
+                  <a:srgbClr val="FFFFFF"/>
+                </a:solidFill>
+              </a:rPr>
+              <a:t>2 3</a:t>
+            </a:r>
+            <a:r>
+              <a:rPr lang="nl-NL" dirty="0" smtClean="0">
+                <a:solidFill>
+                  <a:srgbClr val="FFFFFF"/>
+                </a:solidFill>
+              </a:rPr>
+              <a:t>)</a:t>
             </a:r>
             <a:r>
               <a:rPr lang="nl-NL" dirty="0" smtClean="0">
@@ -7034,11 +7362,43 @@
                   <a:srgbClr val="FF0000"/>
                 </a:solidFill>
               </a:rPr>
-              <a:t>(1,2)</a:t>
-            </a:r>
-            <a:r>
-              <a:rPr lang="nl-NL" dirty="0" smtClean="0"/>
-              <a:t>(4,3)(4,2)</a:t>
+              <a:t>(</a:t>
+            </a:r>
+            <a:r>
+              <a:rPr lang="nl-NL" dirty="0" smtClean="0">
+                <a:solidFill>
+                  <a:srgbClr val="FF0000"/>
+                </a:solidFill>
+              </a:rPr>
+              <a:t>1 2</a:t>
+            </a:r>
+            <a:r>
+              <a:rPr lang="nl-NL" dirty="0" smtClean="0">
+                <a:solidFill>
+                  <a:srgbClr val="FF0000"/>
+                </a:solidFill>
+              </a:rPr>
+              <a:t>)</a:t>
+            </a:r>
+            <a:r>
+              <a:rPr lang="nl-NL" dirty="0" smtClean="0"/>
+              <a:t>(</a:t>
+            </a:r>
+            <a:r>
+              <a:rPr lang="nl-NL" dirty="0" smtClean="0"/>
+              <a:t>4 3</a:t>
+            </a:r>
+            <a:r>
+              <a:rPr lang="nl-NL" dirty="0" smtClean="0"/>
+              <a:t>)(</a:t>
+            </a:r>
+            <a:r>
+              <a:rPr lang="nl-NL" dirty="0" smtClean="0"/>
+              <a:t>4 2</a:t>
+            </a:r>
+            <a:r>
+              <a:rPr lang="nl-NL" dirty="0" smtClean="0"/>
+              <a:t>)</a:t>
             </a:r>
             <a:br>
               <a:rPr lang="nl-NL" dirty="0" smtClean="0"/>
@@ -7049,7 +7409,71 @@
                   <a:schemeClr val="bg1"/>
                 </a:solidFill>
               </a:rPr>
-              <a:t>(3,4)(1,2)(2,3)(1,2)</a:t>
+              <a:t>(</a:t>
+            </a:r>
+            <a:r>
+              <a:rPr lang="nl-NL" dirty="0" smtClean="0">
+                <a:solidFill>
+                  <a:schemeClr val="bg1"/>
+                </a:solidFill>
+              </a:rPr>
+              <a:t>3 4</a:t>
+            </a:r>
+            <a:r>
+              <a:rPr lang="nl-NL" dirty="0" smtClean="0">
+                <a:solidFill>
+                  <a:schemeClr val="bg1"/>
+                </a:solidFill>
+              </a:rPr>
+              <a:t>)(</a:t>
+            </a:r>
+            <a:r>
+              <a:rPr lang="nl-NL" dirty="0" smtClean="0">
+                <a:solidFill>
+                  <a:schemeClr val="bg1"/>
+                </a:solidFill>
+              </a:rPr>
+              <a:t>1 2</a:t>
+            </a:r>
+            <a:r>
+              <a:rPr lang="nl-NL" dirty="0" smtClean="0">
+                <a:solidFill>
+                  <a:schemeClr val="bg1"/>
+                </a:solidFill>
+              </a:rPr>
+              <a:t>)(</a:t>
+            </a:r>
+            <a:r>
+              <a:rPr lang="nl-NL" dirty="0" smtClean="0">
+                <a:solidFill>
+                  <a:schemeClr val="bg1"/>
+                </a:solidFill>
+              </a:rPr>
+              <a:t>2 3</a:t>
+            </a:r>
+            <a:r>
+              <a:rPr lang="nl-NL" dirty="0" smtClean="0">
+                <a:solidFill>
+                  <a:schemeClr val="bg1"/>
+                </a:solidFill>
+              </a:rPr>
+              <a:t>)(</a:t>
+            </a:r>
+            <a:r>
+              <a:rPr lang="nl-NL" dirty="0" smtClean="0">
+                <a:solidFill>
+                  <a:schemeClr val="bg1"/>
+                </a:solidFill>
+              </a:rPr>
+              <a:t>1 2</a:t>
+            </a:r>
+            <a:r>
+              <a:rPr lang="nl-NL" dirty="0" smtClean="0">
+                <a:solidFill>
+                  <a:schemeClr val="bg1"/>
+                </a:solidFill>
+              </a:rPr>
+              <a:t>)</a:t>
             </a:r>
             <a:r>
               <a:rPr lang="nl-NL" dirty="0" smtClean="0">
@@ -7057,18 +7481,7 @@
                   <a:srgbClr val="FF0000"/>
                 </a:solidFill>
               </a:rPr>
-              <a:t>(3,4)</a:t>
-            </a:r>
-            <a:r>
-              <a:rPr lang="nl-NL" dirty="0" smtClean="0"/>
-              <a:t>(3,2)</a:t>
-            </a:r>
-            <a:br>
-              <a:rPr lang="nl-NL" dirty="0" smtClean="0"/>
-            </a:br>
-            <a:r>
-              <a:rPr lang="nl-NL" dirty="0" smtClean="0"/>
-              <a:t>(3,4)(1,2)(2,3)(1,2)(3,4)</a:t>
+              <a:t>(</a:t>
             </a:r>
             <a:r>
               <a:rPr lang="nl-NL" dirty="0" smtClean="0">
@@ -7076,7 +7489,98 @@
                   <a:srgbClr val="FF0000"/>
                 </a:solidFill>
               </a:rPr>
-              <a:t>(2,3)</a:t>
+              <a:t>3 4</a:t>
+            </a:r>
+            <a:r>
+              <a:rPr lang="nl-NL" dirty="0" smtClean="0">
+                <a:solidFill>
+                  <a:srgbClr val="FF0000"/>
+                </a:solidFill>
+              </a:rPr>
+              <a:t>)</a:t>
+            </a:r>
+            <a:r>
+              <a:rPr lang="nl-NL" dirty="0" smtClean="0"/>
+              <a:t>(</a:t>
+            </a:r>
+            <a:r>
+              <a:rPr lang="nl-NL" dirty="0" smtClean="0"/>
+              <a:t>3 2</a:t>
+            </a:r>
+            <a:r>
+              <a:rPr lang="nl-NL" dirty="0" smtClean="0"/>
+              <a:t>)</a:t>
+            </a:r>
+            <a:br>
+              <a:rPr lang="nl-NL" dirty="0" smtClean="0"/>
+            </a:br>
+            <a:r>
+              <a:rPr lang="nl-NL" dirty="0" smtClean="0"/>
+              <a:t>(</a:t>
+            </a:r>
+            <a:r>
+              <a:rPr lang="nl-NL" dirty="0" smtClean="0"/>
+              <a:t>3 4</a:t>
+            </a:r>
+            <a:r>
+              <a:rPr lang="nl-NL" dirty="0" smtClean="0"/>
+              <a:t>)(</a:t>
+            </a:r>
+            <a:r>
+              <a:rPr lang="nl-NL" dirty="0" smtClean="0"/>
+              <a:t>1 2</a:t>
+            </a:r>
+            <a:r>
+              <a:rPr lang="nl-NL" dirty="0" smtClean="0"/>
+              <a:t>)(</a:t>
+            </a:r>
+            <a:r>
+              <a:rPr lang="nl-NL" dirty="0" smtClean="0"/>
+              <a:t>2 3</a:t>
+            </a:r>
+            <a:r>
+              <a:rPr lang="nl-NL" dirty="0" smtClean="0"/>
+              <a:t>)(</a:t>
+            </a:r>
+            <a:r>
+              <a:rPr lang="nl-NL" dirty="0" smtClean="0"/>
+              <a:t>1 2</a:t>
+            </a:r>
+            <a:r>
+              <a:rPr lang="nl-NL" dirty="0" smtClean="0"/>
+              <a:t>)(</a:t>
+            </a:r>
+            <a:r>
+              <a:rPr lang="nl-NL" dirty="0" smtClean="0"/>
+              <a:t>3 4</a:t>
+            </a:r>
+            <a:r>
+              <a:rPr lang="nl-NL" dirty="0" smtClean="0"/>
+              <a:t>)</a:t>
+            </a:r>
+            <a:r>
+              <a:rPr lang="nl-NL" dirty="0" smtClean="0">
+                <a:solidFill>
+                  <a:srgbClr val="FF0000"/>
+                </a:solidFill>
+              </a:rPr>
+              <a:t>(</a:t>
+            </a:r>
+            <a:r>
+              <a:rPr lang="nl-NL" dirty="0" smtClean="0">
+                <a:solidFill>
+                  <a:srgbClr val="FF0000"/>
+                </a:solidFill>
+              </a:rPr>
+              <a:t>2 3</a:t>
+            </a:r>
+            <a:r>
+              <a:rPr lang="nl-NL" dirty="0" smtClean="0">
+                <a:solidFill>
+                  <a:srgbClr val="FF0000"/>
+                </a:solidFill>
+              </a:rPr>
+              <a:t>)</a:t>
             </a:r>
           </a:p>
         </p:txBody>
@@ -7091,19 +7595,141 @@
             <p:ph sz="half" idx="2"/>
           </p:nvPr>
         </p:nvSpPr>
-        <p:spPr/>
+        <p:spPr>
+          <a:xfrm>
+            <a:off x="4705351" y="1992776"/>
+            <a:ext cx="3657600" cy="3975100"/>
+          </a:xfrm>
+        </p:spPr>
         <p:txBody>
           <a:bodyPr/>
           <a:lstStyle/>
           <a:p>
-            <a:r>
-              <a:rPr lang="nl-NL" dirty="0" smtClean="0"/>
-              <a:t>(voorbeeld 2 netwerken a, b + tekstuele representatie)</a:t>
-            </a:r>
+            <a:pPr marL="0" indent="0">
+              <a:buNone/>
+            </a:pPr>
+            <a:endParaRPr lang="nl-NL" dirty="0" smtClean="0"/>
+          </a:p>
+          <a:p>
+            <a:pPr marL="0" indent="0">
+              <a:buNone/>
+            </a:pPr>
             <a:endParaRPr lang="nl-NL" dirty="0"/>
           </a:p>
-        </p:txBody>
-      </p:sp>
+          <a:p>
+            <a:pPr marL="0" indent="0">
+              <a:buNone/>
+            </a:pPr>
+            <a:r>
+              <a:rPr lang="nl-NL" dirty="0" smtClean="0"/>
+              <a:t/>
+            </a:r>
+            <a:br>
+              <a:rPr lang="nl-NL" dirty="0" smtClean="0"/>
+            </a:br>
+            <a:r>
+              <a:rPr lang="nl-NL" dirty="0" smtClean="0"/>
+              <a:t>	a	             b</a:t>
+            </a:r>
+            <a:br>
+              <a:rPr lang="nl-NL" dirty="0" smtClean="0"/>
+            </a:br>
+            <a:r>
+              <a:rPr lang="nl-NL" dirty="0" smtClean="0"/>
+              <a:t>a) (1 2)(3 4)(1 4)(1 3)(2 4)(2 3)</a:t>
+            </a:r>
+            <a:br>
+              <a:rPr lang="nl-NL" dirty="0" smtClean="0"/>
+            </a:br>
+            <a:r>
+              <a:rPr lang="nl-NL" dirty="0" smtClean="0"/>
+              <a:t>b) (1 2)(3 4)(2 3)(1 2)(3 4)(2 3)</a:t>
+            </a:r>
+          </a:p>
+        </p:txBody>
+      </p:sp>
+      <p:pic>
+        <p:nvPicPr>
+          <p:cNvPr id="3074" name="Picture 2" descr="C:\Users\Admin\Desktop\B.png"/>
+          <p:cNvPicPr>
+            <a:picLocks noChangeAspect="1" noChangeArrowheads="1"/>
+          </p:cNvPicPr>
+          <p:nvPr/>
+        </p:nvPicPr>
+        <p:blipFill>
+          <a:blip r:embed="rId3">
+            <a:extLst>
+              <a:ext uri="{28A0092B-C50C-407E-A947-70E740481C1C}">
+                <a14:useLocalDpi xmlns:a14="http://schemas.microsoft.com/office/drawing/2010/main" val="0"/>
+              </a:ext>
+            </a:extLst>
+          </a:blip>
+          <a:srcRect/>
+          <a:stretch>
+            <a:fillRect/>
+          </a:stretch>
+        </p:blipFill>
+        <p:spPr bwMode="auto">
+          <a:xfrm>
+            <a:off x="6580501" y="2221827"/>
+            <a:ext cx="1566418" cy="1171623"/>
+          </a:xfrm>
+          <a:prstGeom prst="rect">
+            <a:avLst/>
+          </a:prstGeom>
+          <a:noFill/>
+          <a:extLst>
+            <a:ext uri="{909E8E84-426E-40DD-AFC4-6F175D3DCCD1}">
+              <a14:hiddenFill xmlns:a14="http://schemas.microsoft.com/office/drawing/2010/main">
+                <a:solidFill>
+                  <a:srgbClr val="FFFFFF"/>
+                </a:solidFill>
+              </a14:hiddenFill>
+            </a:ext>
+          </a:extLst>
+        </p:spPr>
+      </p:pic>
+      <p:pic>
+        <p:nvPicPr>
+          <p:cNvPr id="3076" name="Picture 4" descr="C:\Users\Admin\Desktop\A.png"/>
+          <p:cNvPicPr>
+            <a:picLocks noChangeAspect="1" noChangeArrowheads="1"/>
+          </p:cNvPicPr>
+          <p:nvPr/>
+        </p:nvPicPr>
+        <p:blipFill>
+          <a:blip r:embed="rId4">
+            <a:extLst>
+              <a:ext uri="{28A0092B-C50C-407E-A947-70E740481C1C}">
+                <a14:useLocalDpi xmlns:a14="http://schemas.microsoft.com/office/drawing/2010/main" val="0"/>
+              </a:ext>
+            </a:extLst>
+          </a:blip>
+          <a:srcRect/>
+          <a:stretch>
+            <a:fillRect/>
+          </a:stretch>
+        </p:blipFill>
+        <p:spPr bwMode="auto">
+          <a:xfrm>
+            <a:off x="4863513" y="2221827"/>
+            <a:ext cx="1566418" cy="1171623"/>
+          </a:xfrm>
+          <a:prstGeom prst="rect">
+            <a:avLst/>
+          </a:prstGeom>
+          <a:noFill/>
+          <a:extLst>
+            <a:ext uri="{909E8E84-426E-40DD-AFC4-6F175D3DCCD1}">
+              <a14:hiddenFill xmlns:a14="http://schemas.microsoft.com/office/drawing/2010/main">
+                <a:solidFill>
+                  <a:srgbClr val="FFFFFF"/>
+                </a:solidFill>
+              </a14:hiddenFill>
+            </a:ext>
+          </a:extLst>
+        </p:spPr>
+      </p:pic>
     </p:spTree>
     <p:extLst>
       <p:ext uri="{BB962C8B-B14F-4D97-AF65-F5344CB8AC3E}">
@@ -7117,7 +7743,7 @@
   <p:timing>
     <p:tnLst>
       <p:par>
-        <p:cTn xmlns:p14="http://schemas.microsoft.com/office/powerpoint/2010/main" id="1" dur="indefinite" restart="never" nodeType="tmRoot"/>
+        <p:cTn id="1" dur="indefinite" restart="never" nodeType="tmRoot"/>
       </p:par>
     </p:tnLst>
   </p:timing>
@@ -7196,14 +7822,10 @@
             </a:r>
             <a:r>
               <a:rPr lang="nl-NL" dirty="0" smtClean="0"/>
-              <a:t>: (1 2) en </a:t>
-            </a:r>
-            <a:r>
-              <a:rPr lang="nl-NL" dirty="0" err="1" smtClean="0"/>
-              <a:t>C</a:t>
-            </a:r>
-            <a:r>
-              <a:rPr lang="nl-NL" baseline="-25000" dirty="0" err="1" smtClean="0"/>
+              <a:t>: (1 2) en C</a:t>
+            </a:r>
+            <a:r>
+              <a:rPr lang="nl-NL" baseline="-25000" dirty="0" smtClean="0"/>
               <a:t>b</a:t>
             </a:r>
             <a:r>
@@ -7214,12 +7836,8 @@
               <a:rPr lang="nl-NL" dirty="0" smtClean="0"/>
             </a:br>
             <a:r>
-              <a:rPr lang="nl-NL" dirty="0" err="1" smtClean="0"/>
-              <a:t>outputs</a:t>
-            </a:r>
-            <a:r>
-              <a:rPr lang="nl-NL" dirty="0" smtClean="0"/>
-              <a:t>(C</a:t>
+              <a:rPr lang="nl-NL" dirty="0" smtClean="0"/>
+              <a:t>outputs(C</a:t>
             </a:r>
             <a:r>
               <a:rPr lang="nl-NL" baseline="-25000" dirty="0" smtClean="0"/>
@@ -7231,66 +7849,78 @@
             </a:r>
             <a:r>
               <a:rPr lang="nl-NL" dirty="0"/>
-              <a:t>(0,0,0), (0,0,1), (0,1,0), </a:t>
-            </a:r>
-            <a:r>
-              <a:rPr lang="nl-NL" strike="sngStrike" dirty="0">
+              <a:t>(</a:t>
+            </a:r>
+            <a:r>
+              <a:rPr lang="nl-NL" dirty="0" smtClean="0"/>
+              <a:t>0 0 0),(0 0 1),(0 1 0),</a:t>
+            </a:r>
+            <a:r>
+              <a:rPr lang="nl-NL" strike="sngStrike" dirty="0" smtClean="0">
                 <a:solidFill>
                   <a:srgbClr val="FF0000"/>
                 </a:solidFill>
               </a:rPr>
-              <a:t>(1,0,0)</a:t>
+              <a:t>(1 0 0)</a:t>
             </a:r>
             <a:r>
               <a:rPr lang="nl-NL" dirty="0"/>
-              <a:t>, (0,1,1), </a:t>
-            </a:r>
-            <a:r>
-              <a:rPr lang="nl-NL" strike="sngStrike" dirty="0">
+              <a:t>,</a:t>
+            </a:r>
+            <a:r>
+              <a:rPr lang="nl-NL" dirty="0" smtClean="0"/>
+              <a:t>(0 1 1),</a:t>
+            </a:r>
+            <a:r>
+              <a:rPr lang="nl-NL" strike="sngStrike" dirty="0" smtClean="0">
                 <a:solidFill>
                   <a:srgbClr val="FF0000"/>
                 </a:solidFill>
               </a:rPr>
-              <a:t>(1,0,1)</a:t>
+              <a:t>(1 0 1)</a:t>
             </a:r>
             <a:r>
               <a:rPr lang="nl-NL" dirty="0"/>
-              <a:t>, (1,1,0), (1,1,1)}</a:t>
+              <a:t>,</a:t>
+            </a:r>
+            <a:r>
+              <a:rPr lang="nl-NL" dirty="0" smtClean="0"/>
+              <a:t>(1 1 0), (1 1 1</a:t>
+            </a:r>
+            <a:r>
+              <a:rPr lang="nl-NL" dirty="0"/>
+              <a:t>)}</a:t>
             </a:r>
             <a:br>
               <a:rPr lang="nl-NL" dirty="0"/>
             </a:br>
             <a:r>
-              <a:rPr lang="nl-NL" dirty="0" err="1" smtClean="0"/>
-              <a:t>outputs</a:t>
-            </a:r>
-            <a:r>
-              <a:rPr lang="nl-NL" dirty="0" smtClean="0"/>
+              <a:rPr lang="nl-NL" dirty="0" smtClean="0"/>
+              <a:t>outputs(C</a:t>
+            </a:r>
+            <a:r>
+              <a:rPr lang="nl-NL" baseline="-25000" dirty="0" smtClean="0"/>
+              <a:t>b</a:t>
+            </a:r>
+            <a:r>
+              <a:rPr lang="nl-NL" dirty="0" smtClean="0"/>
+              <a:t>) = {</a:t>
+            </a:r>
+            <a:r>
+              <a:rPr lang="nl-NL" dirty="0"/>
               <a:t>(</a:t>
             </a:r>
             <a:r>
-              <a:rPr lang="nl-NL" dirty="0" err="1" smtClean="0"/>
-              <a:t>C</a:t>
-            </a:r>
-            <a:r>
-              <a:rPr lang="nl-NL" baseline="-25000" dirty="0" err="1" smtClean="0"/>
-              <a:t>b</a:t>
-            </a:r>
-            <a:r>
-              <a:rPr lang="nl-NL" dirty="0" smtClean="0"/>
-              <a:t>) = {</a:t>
-            </a:r>
-            <a:r>
-              <a:rPr lang="nl-NL" dirty="0"/>
-              <a:t>(0,0,0), (0,0,1), </a:t>
-            </a:r>
-            <a:r>
-              <a:rPr lang="nl-NL" strike="sngStrike" dirty="0">
+              <a:rPr lang="nl-NL" dirty="0" smtClean="0"/>
+              <a:t>0 0 0),(0 0 1),</a:t>
+            </a:r>
+            <a:r>
+              <a:rPr lang="nl-NL" strike="sngStrike" dirty="0" smtClean="0">
                 <a:solidFill>
                   <a:srgbClr val="FF0000"/>
                 </a:solidFill>
               </a:rPr>
-              <a:t>(0,1,0)</a:t>
+              <a:t>(0 1 0)</a:t>
             </a:r>
             <a:r>
               <a:rPr lang="nl-NL" dirty="0">
@@ -7298,35 +7928,51 @@
                   <a:schemeClr val="tx1"/>
                 </a:solidFill>
               </a:rPr>
-              <a:t>, (1,0,0)</a:t>
+              <a:t>,</a:t>
+            </a:r>
+            <a:r>
+              <a:rPr lang="nl-NL" dirty="0" smtClean="0">
+                <a:solidFill>
+                  <a:schemeClr val="tx1"/>
+                </a:solidFill>
+              </a:rPr>
+              <a:t>(1 0 0)</a:t>
             </a:r>
             <a:r>
               <a:rPr lang="nl-NL" dirty="0"/>
-              <a:t>, (0,1,1), </a:t>
-            </a:r>
-            <a:r>
-              <a:rPr lang="nl-NL" dirty="0">
+              <a:t>,</a:t>
+            </a:r>
+            <a:r>
+              <a:rPr lang="nl-NL" dirty="0" smtClean="0"/>
+              <a:t>(0 1 1),</a:t>
+            </a:r>
+            <a:r>
+              <a:rPr lang="nl-NL" dirty="0" smtClean="0">
                 <a:solidFill>
                   <a:srgbClr val="103154"/>
                 </a:solidFill>
               </a:rPr>
-              <a:t>(1,0,1)</a:t>
+              <a:t>(1 0 1)</a:t>
             </a:r>
             <a:r>
               <a:rPr lang="nl-NL" dirty="0"/>
-              <a:t>, </a:t>
-            </a:r>
-            <a:r>
-              <a:rPr lang="nl-NL" strike="sngStrike" dirty="0">
+              <a:t>,</a:t>
+            </a:r>
+            <a:r>
+              <a:rPr lang="nl-NL" strike="sngStrike" dirty="0" smtClean="0">
                 <a:solidFill>
                   <a:srgbClr val="FF0000"/>
                 </a:solidFill>
               </a:rPr>
-              <a:t>(1,1,0)</a:t>
+              <a:t>(1 1 0),</a:t>
             </a:r>
             <a:r>
               <a:rPr lang="nl-NL" dirty="0"/>
-              <a:t>, (1,1,1</a:t>
+              <a:t> </a:t>
+            </a:r>
+            <a:r>
+              <a:rPr lang="nl-NL" dirty="0" smtClean="0"/>
+              <a:t>(1 1 1</a:t>
             </a:r>
             <a:r>
               <a:rPr lang="nl-NL" dirty="0" smtClean="0"/>
@@ -7345,16 +7991,20 @@
           </a:p>
           <a:p>
             <a:r>
+              <a:rPr lang="nl-NL" dirty="0" smtClean="0"/>
+              <a:t>(C</a:t>
+            </a:r>
+            <a:r>
+              <a:rPr lang="nl-NL" baseline="-25000" dirty="0" smtClean="0"/>
+              <a:t>a</a:t>
+            </a:r>
+            <a:r>
+              <a:rPr lang="nl-NL" dirty="0" smtClean="0"/>
+              <a:t> </a:t>
+            </a:r>
+            <a:r>
               <a:rPr lang="nl-NL" dirty="0"/>
-              <a:t>C</a:t>
-            </a:r>
-            <a:r>
-              <a:rPr lang="nl-NL" baseline="-25000" dirty="0"/>
-              <a:t>a</a:t>
-            </a:r>
-            <a:r>
-              <a:rPr lang="nl-NL" dirty="0"/>
-              <a:t> ≤</a:t>
+              <a:t>≤</a:t>
             </a:r>
             <a:r>
               <a:rPr lang="nl-NL" baseline="-25000" dirty="0"/>
@@ -7365,23 +8015,23 @@
               <a:t> </a:t>
             </a:r>
             <a:r>
-              <a:rPr lang="nl-NL" dirty="0" err="1" smtClean="0"/>
+              <a:rPr lang="nl-NL" dirty="0" smtClean="0"/>
               <a:t>C</a:t>
             </a:r>
             <a:r>
-              <a:rPr lang="nl-NL" baseline="-25000" dirty="0" err="1" smtClean="0"/>
+              <a:rPr lang="nl-NL" baseline="-25000" dirty="0" smtClean="0"/>
               <a:t>b</a:t>
             </a:r>
             <a:r>
               <a:rPr lang="nl-NL" dirty="0" smtClean="0"/>
-              <a:t> ⇒ </a:t>
-            </a:r>
-            <a:r>
-              <a:rPr lang="nl-NL" dirty="0" err="1" smtClean="0"/>
-              <a:t>C</a:t>
-            </a:r>
-            <a:r>
-              <a:rPr lang="nl-NL" baseline="-25000" dirty="0" err="1" smtClean="0"/>
+              <a:t>) </a:t>
+            </a:r>
+            <a:r>
+              <a:rPr lang="nl-NL" dirty="0" smtClean="0"/>
+              <a:t>⇒ C</a:t>
+            </a:r>
+            <a:r>
+              <a:rPr lang="nl-NL" baseline="-25000" dirty="0" smtClean="0"/>
               <a:t>b</a:t>
             </a:r>
             <a:r>
@@ -7390,13 +8040,8 @@
             </a:r>
             <a:r>
               <a:rPr lang="nl-NL" dirty="0" smtClean="0"/>
-              <a:t>niet uitbreiden (</a:t>
-            </a:r>
-            <a:r>
-              <a:rPr lang="nl-NL" smtClean="0"/>
-              <a:t>als |a|=|b|)</a:t>
-            </a:r>
-            <a:endParaRPr lang="nl-NL" dirty="0" smtClean="0"/>
+              <a:t>niet uitbreiden (als |a|=|b|)</a:t>
+            </a:r>
           </a:p>
         </p:txBody>
       </p:sp>
@@ -7709,7 +8354,6 @@
               <a:rPr lang="nl-NL" dirty="0" smtClean="0"/>
               <a:t>)</a:t>
             </a:r>
-            <a:endParaRPr lang="nl-NL" dirty="0" smtClean="0"/>
           </a:p>
         </p:txBody>
       </p:sp>
@@ -7726,7 +8370,7 @@
   <p:timing>
     <p:tnLst>
       <p:par>
-        <p:cTn xmlns:p14="http://schemas.microsoft.com/office/powerpoint/2010/main" id="1" dur="indefinite" restart="never" nodeType="tmRoot"/>
+        <p:cTn id="1" dur="indefinite" restart="never" nodeType="tmRoot"/>
       </p:par>
     </p:tnLst>
   </p:timing>
@@ -7798,6 +8442,13 @@
   <p:clrMapOvr>
     <a:masterClrMapping/>
   </p:clrMapOvr>
+  <p:timing>
+    <p:tnLst>
+      <p:par>
+        <p:cTn id="1" dur="indefinite" restart="never" nodeType="tmRoot"/>
+      </p:par>
+    </p:tnLst>
+  </p:timing>
 </p:sld>
 </file>
 
@@ -7873,7 +8524,7 @@
   <p:timing>
     <p:tnLst>
       <p:par>
-        <p:cTn xmlns:p14="http://schemas.microsoft.com/office/powerpoint/2010/main" id="1" dur="indefinite" restart="never" nodeType="tmRoot"/>
+        <p:cTn id="1" dur="indefinite" restart="never" nodeType="tmRoot"/>
       </p:par>
     </p:tnLst>
   </p:timing>
@@ -7914,7 +8565,19 @@
           <a:p>
             <a:r>
               <a:rPr lang="nl-NL" dirty="0" smtClean="0"/>
-              <a:t>Wat is een netwerk?</a:t>
+              <a:t>Wat is een </a:t>
+            </a:r>
+            <a:r>
+              <a:rPr lang="nl-NL" dirty="0" smtClean="0"/>
+              <a:t>comparator </a:t>
+            </a:r>
+            <a:r>
+              <a:rPr lang="nl-NL" dirty="0" smtClean="0"/>
+              <a:t>network</a:t>
+            </a:r>
+            <a:r>
+              <a:rPr lang="nl-NL" dirty="0" smtClean="0"/>
+              <a:t>?</a:t>
             </a:r>
             <a:endParaRPr lang="nl-NL" dirty="0"/>
           </a:p>
@@ -7930,31 +8593,41 @@
             <p:ph sz="half" idx="1"/>
           </p:nvPr>
         </p:nvSpPr>
-        <p:spPr/>
+        <p:spPr>
+          <a:xfrm>
+            <a:off x="737121" y="1981201"/>
+            <a:ext cx="3657600" cy="3975100"/>
+          </a:xfrm>
+        </p:spPr>
         <p:txBody>
           <a:bodyPr/>
           <a:lstStyle/>
           <a:p>
-            <a:r>
-              <a:rPr lang="nl-NL" dirty="0" smtClean="0"/>
-              <a:t>Hier komt een foto van een netwerk met </a:t>
-            </a:r>
-            <a:r>
-              <a:rPr lang="nl-NL" dirty="0" err="1" smtClean="0"/>
-              <a:t>comparators</a:t>
-            </a:r>
-            <a:r>
-              <a:rPr lang="nl-NL" dirty="0"/>
-              <a:t/>
-            </a:r>
-            <a:br>
-              <a:rPr lang="nl-NL" dirty="0"/>
-            </a:br>
-            <a:r>
-              <a:rPr lang="nl-NL" dirty="0" smtClean="0"/>
-              <a:t>+ onderaan de tekstuele voorstelling en i&lt;j vermelden</a:t>
-            </a:r>
+            <a:pPr marL="0" indent="0">
+              <a:buNone/>
+            </a:pPr>
             <a:endParaRPr lang="nl-NL" dirty="0" smtClean="0"/>
+          </a:p>
+          <a:p>
+            <a:pPr marL="0" indent="0">
+              <a:buNone/>
+            </a:pPr>
+            <a:endParaRPr lang="nl-NL" dirty="0"/>
+          </a:p>
+          <a:p>
+            <a:pPr marL="0" indent="0">
+              <a:buNone/>
+            </a:pPr>
+            <a:endParaRPr lang="nl-NL" dirty="0"/>
+          </a:p>
+          <a:p>
+            <a:pPr marL="0" indent="0">
+              <a:buNone/>
+            </a:pPr>
+            <a:r>
+              <a:rPr lang="nl-NL" dirty="0" smtClean="0"/>
+              <a:t>   (1 2)(3 4)(2 3)(1 2)</a:t>
+            </a:r>
           </a:p>
         </p:txBody>
       </p:sp>
@@ -8029,33 +8702,106 @@
             </a:pPr>
             <a:r>
               <a:rPr lang="nl-NL" dirty="0" smtClean="0"/>
-              <a:t>a &gt; b:  a&lt;-&gt;b</a:t>
-            </a:r>
-          </a:p>
-          <a:p>
-            <a:pPr lvl="1">
-              <a:buFont typeface="Wingdings" charset="2"/>
-              <a:buChar char="Ø"/>
-            </a:pPr>
-            <a:r>
-              <a:rPr lang="nl-NL" dirty="0" smtClean="0"/>
-              <a:t>(extra foto </a:t>
-            </a:r>
-            <a:r>
-              <a:rPr lang="nl-NL" dirty="0" err="1" smtClean="0"/>
-              <a:t>comparator</a:t>
-            </a:r>
-            <a:r>
-              <a:rPr lang="nl-NL" dirty="0" smtClean="0"/>
-              <a:t>)</a:t>
-            </a:r>
-          </a:p>
-          <a:p>
-            <a:pPr lvl="1"/>
-            <a:endParaRPr lang="nl-NL" dirty="0"/>
-          </a:p>
-        </p:txBody>
-      </p:sp>
+              <a:t>a &gt; b:  </a:t>
+            </a:r>
+            <a:r>
+              <a:rPr lang="nl-NL" dirty="0" smtClean="0"/>
+              <a:t>a</a:t>
+            </a:r>
+            <a:r>
+              <a:rPr lang="nl-BE" dirty="0"/>
+              <a:t>↔</a:t>
+            </a:r>
+            <a:r>
+              <a:rPr lang="nl-NL" dirty="0" smtClean="0"/>
+              <a:t>b</a:t>
+            </a:r>
+            <a:endParaRPr lang="nl-NL" dirty="0" smtClean="0"/>
+          </a:p>
+        </p:txBody>
+      </p:sp>
+      <p:pic>
+        <p:nvPicPr>
+          <p:cNvPr id="4098" name="Picture 2" descr="C:\Users\Admin\Desktop\Comparator.png"/>
+          <p:cNvPicPr>
+            <a:picLocks noChangeAspect="1" noChangeArrowheads="1"/>
+          </p:cNvPicPr>
+          <p:nvPr/>
+        </p:nvPicPr>
+        <p:blipFill>
+          <a:blip r:embed="rId3">
+            <a:extLst>
+              <a:ext uri="{28A0092B-C50C-407E-A947-70E740481C1C}">
+                <a14:useLocalDpi xmlns:a14="http://schemas.microsoft.com/office/drawing/2010/main" val="0"/>
+              </a:ext>
+            </a:extLst>
+          </a:blip>
+          <a:srcRect/>
+          <a:stretch>
+            <a:fillRect/>
+          </a:stretch>
+        </p:blipFill>
+        <p:spPr bwMode="auto">
+          <a:xfrm>
+            <a:off x="4991771" y="4654146"/>
+            <a:ext cx="3000794" cy="1362265"/>
+          </a:xfrm>
+          <a:prstGeom prst="rect">
+            <a:avLst/>
+          </a:prstGeom>
+          <a:noFill/>
+          <a:extLst>
+            <a:ext uri="{909E8E84-426E-40DD-AFC4-6F175D3DCCD1}">
+              <a14:hiddenFill xmlns:a14="http://schemas.microsoft.com/office/drawing/2010/main">
+                <a:solidFill>
+                  <a:srgbClr val="FFFFFF"/>
+                </a:solidFill>
+              </a14:hiddenFill>
+            </a:ext>
+          </a:extLst>
+        </p:spPr>
+      </p:pic>
+      <p:pic>
+        <p:nvPicPr>
+          <p:cNvPr id="4099" name="Picture 3" descr="C:\Users\Admin\Desktop\Overbodige5Parallel.png"/>
+          <p:cNvPicPr>
+            <a:picLocks noChangeAspect="1" noChangeArrowheads="1"/>
+          </p:cNvPicPr>
+          <p:nvPr/>
+        </p:nvPicPr>
+        <p:blipFill>
+          <a:blip r:embed="rId4">
+            <a:extLst>
+              <a:ext uri="{28A0092B-C50C-407E-A947-70E740481C1C}">
+                <a14:useLocalDpi xmlns:a14="http://schemas.microsoft.com/office/drawing/2010/main" val="0"/>
+              </a:ext>
+            </a:extLst>
+          </a:blip>
+          <a:srcRect/>
+          <a:stretch>
+            <a:fillRect/>
+          </a:stretch>
+        </p:blipFill>
+        <p:spPr bwMode="auto">
+          <a:xfrm>
+            <a:off x="960699" y="2132813"/>
+            <a:ext cx="2141316" cy="1548713"/>
+          </a:xfrm>
+          <a:prstGeom prst="rect">
+            <a:avLst/>
+          </a:prstGeom>
+          <a:noFill/>
+          <a:extLst>
+            <a:ext uri="{909E8E84-426E-40DD-AFC4-6F175D3DCCD1}">
+              <a14:hiddenFill xmlns:a14="http://schemas.microsoft.com/office/drawing/2010/main">
+                <a:solidFill>
+                  <a:srgbClr val="FFFFFF"/>
+                </a:solidFill>
+              </a14:hiddenFill>
+            </a:ext>
+          </a:extLst>
+        </p:spPr>
+      </p:pic>
     </p:spTree>
     <p:extLst>
       <p:ext uri="{BB962C8B-B14F-4D97-AF65-F5344CB8AC3E}">
@@ -8069,7 +8815,7 @@
   <p:timing>
     <p:tnLst>
       <p:par>
-        <p:cTn xmlns:p14="http://schemas.microsoft.com/office/powerpoint/2010/main" id="1" dur="indefinite" restart="never" nodeType="tmRoot"/>
+        <p:cTn id="1" dur="indefinite" restart="never" nodeType="tmRoot"/>
       </p:par>
     </p:tnLst>
   </p:timing>
@@ -8134,7 +8880,12 @@
             <p:ph type="body" idx="1"/>
           </p:nvPr>
         </p:nvSpPr>
-        <p:spPr/>
+        <p:spPr>
+          <a:xfrm>
+            <a:off x="490088" y="1852426"/>
+            <a:ext cx="3657600" cy="868362"/>
+          </a:xfrm>
+        </p:spPr>
         <p:txBody>
           <a:bodyPr/>
           <a:lstStyle/>
@@ -8157,27 +8908,28 @@
             <p:ph sz="half" idx="2"/>
           </p:nvPr>
         </p:nvSpPr>
-        <p:spPr/>
+        <p:spPr>
+          <a:xfrm>
+            <a:off x="779463" y="3032568"/>
+            <a:ext cx="4012456" cy="3213100"/>
+          </a:xfrm>
+        </p:spPr>
         <p:txBody>
           <a:bodyPr/>
           <a:lstStyle/>
           <a:p>
-            <a:r>
-              <a:rPr lang="nl-NL" dirty="0" smtClean="0"/>
-              <a:t>(foto)</a:t>
-            </a:r>
-          </a:p>
-          <a:p>
-            <a:r>
-              <a:rPr lang="nl-NL" dirty="0"/>
-              <a:t>O</a:t>
-            </a:r>
-            <a:r>
-              <a:rPr lang="nl-NL" dirty="0" smtClean="0"/>
-              <a:t>utput is gesorteerd</a:t>
-            </a:r>
+            <a:endParaRPr lang="nl-NL" dirty="0" smtClean="0"/>
+          </a:p>
+          <a:p>
             <a:endParaRPr lang="nl-NL" dirty="0"/>
           </a:p>
+          <a:p>
+            <a:r>
+              <a:rPr lang="nl-NL" sz="2200" dirty="0" smtClean="0"/>
+              <a:t>Output is gesorteerd</a:t>
+            </a:r>
+            <a:endParaRPr lang="nl-NL" sz="2200" dirty="0"/>
+          </a:p>
         </p:txBody>
       </p:sp>
       <p:sp>
@@ -8190,7 +8942,12 @@
             <p:ph type="body" sz="quarter" idx="3"/>
           </p:nvPr>
         </p:nvSpPr>
-        <p:spPr/>
+        <p:spPr>
+          <a:xfrm>
+            <a:off x="4624326" y="1864001"/>
+            <a:ext cx="3657600" cy="868362"/>
+          </a:xfrm>
+        </p:spPr>
         <p:txBody>
           <a:bodyPr/>
           <a:lstStyle/>
@@ -8213,25 +8970,123 @@
             <p:ph sz="quarter" idx="4"/>
           </p:nvPr>
         </p:nvSpPr>
-        <p:spPr/>
+        <p:spPr>
+          <a:xfrm>
+            <a:off x="4757194" y="3032568"/>
+            <a:ext cx="3848832" cy="3213100"/>
+          </a:xfrm>
+        </p:spPr>
         <p:txBody>
           <a:bodyPr/>
           <a:lstStyle/>
           <a:p>
-            <a:r>
-              <a:rPr lang="nl-NL" dirty="0" smtClean="0"/>
-              <a:t>(foto)</a:t>
-            </a:r>
-          </a:p>
-          <a:p>
-            <a:r>
-              <a:rPr lang="nl-NL" dirty="0" smtClean="0"/>
-              <a:t>(tekst: voorbeeld ongesorteerd)</a:t>
-            </a:r>
+            <a:endParaRPr lang="nl-NL" dirty="0" smtClean="0"/>
+          </a:p>
+          <a:p>
             <a:endParaRPr lang="nl-NL" dirty="0"/>
           </a:p>
-        </p:txBody>
-      </p:sp>
+          <a:p>
+            <a:r>
+              <a:rPr lang="nl-NL" sz="2200" dirty="0" smtClean="0"/>
+              <a:t>Niet alle output gesorteerd.</a:t>
+            </a:r>
+            <a:br>
+              <a:rPr lang="nl-NL" sz="2200" dirty="0" smtClean="0"/>
+            </a:br>
+            <a:r>
+              <a:rPr lang="nl-NL" sz="2200" dirty="0" smtClean="0"/>
+              <a:t>(110 </a:t>
+            </a:r>
+            <a:r>
+              <a:rPr lang="nl-BE" sz="2400" dirty="0" smtClean="0"/>
+              <a:t>→ 101)</a:t>
+            </a:r>
+            <a:endParaRPr lang="nl-NL" sz="2200" dirty="0" smtClean="0"/>
+          </a:p>
+        </p:txBody>
+      </p:sp>
+      <p:pic>
+        <p:nvPicPr>
+          <p:cNvPr id="1026" name="Picture 2" descr="C:\Users\Admin\Desktop\PresentatieSorted4.png"/>
+          <p:cNvPicPr>
+            <a:picLocks noChangeAspect="1" noChangeArrowheads="1"/>
+          </p:cNvPicPr>
+          <p:nvPr/>
+        </p:nvPicPr>
+        <p:blipFill>
+          <a:blip r:embed="rId2">
+            <a:extLst>
+              <a:ext uri="{28A0092B-C50C-407E-A947-70E740481C1C}">
+                <a14:useLocalDpi xmlns:a14="http://schemas.microsoft.com/office/drawing/2010/main" val="0"/>
+              </a:ext>
+            </a:extLst>
+          </a:blip>
+          <a:srcRect/>
+          <a:stretch>
+            <a:fillRect/>
+          </a:stretch>
+        </p:blipFill>
+        <p:spPr bwMode="auto">
+          <a:xfrm>
+            <a:off x="1238492" y="2495508"/>
+            <a:ext cx="2345271" cy="1615139"/>
+          </a:xfrm>
+          <a:prstGeom prst="rect">
+            <a:avLst/>
+          </a:prstGeom>
+          <a:noFill/>
+          <a:extLst>
+            <a:ext uri="{909E8E84-426E-40DD-AFC4-6F175D3DCCD1}">
+              <a14:hiddenFill xmlns:a14="http://schemas.microsoft.com/office/drawing/2010/main">
+                <a:solidFill>
+                  <a:srgbClr val="FFFFFF"/>
+                </a:solidFill>
+              </a14:hiddenFill>
+            </a:ext>
+          </a:extLst>
+        </p:spPr>
+      </p:pic>
+      <p:pic>
+        <p:nvPicPr>
+          <p:cNvPr id="1027" name="Picture 3" descr="C:\Users\Admin\Desktop\PresentatieUnsorted4.png"/>
+          <p:cNvPicPr>
+            <a:picLocks noChangeAspect="1" noChangeArrowheads="1"/>
+          </p:cNvPicPr>
+          <p:nvPr/>
+        </p:nvPicPr>
+        <p:blipFill>
+          <a:blip r:embed="rId3">
+            <a:extLst>
+              <a:ext uri="{28A0092B-C50C-407E-A947-70E740481C1C}">
+                <a14:useLocalDpi xmlns:a14="http://schemas.microsoft.com/office/drawing/2010/main" val="0"/>
+              </a:ext>
+            </a:extLst>
+          </a:blip>
+          <a:srcRect/>
+          <a:stretch>
+            <a:fillRect/>
+          </a:stretch>
+        </p:blipFill>
+        <p:spPr bwMode="auto">
+          <a:xfrm>
+            <a:off x="5278056" y="2495507"/>
+            <a:ext cx="2413571" cy="1573131"/>
+          </a:xfrm>
+          <a:prstGeom prst="rect">
+            <a:avLst/>
+          </a:prstGeom>
+          <a:noFill/>
+          <a:extLst>
+            <a:ext uri="{909E8E84-426E-40DD-AFC4-6F175D3DCCD1}">
+              <a14:hiddenFill xmlns:a14="http://schemas.microsoft.com/office/drawing/2010/main">
+                <a:solidFill>
+                  <a:srgbClr val="FFFFFF"/>
+                </a:solidFill>
+              </a14:hiddenFill>
+            </a:ext>
+          </a:extLst>
+        </p:spPr>
+      </p:pic>
     </p:spTree>
     <p:extLst>
       <p:ext uri="{BB962C8B-B14F-4D97-AF65-F5344CB8AC3E}">
@@ -8245,7 +9100,7 @@
   <p:timing>
     <p:tnLst>
       <p:par>
-        <p:cTn xmlns:p14="http://schemas.microsoft.com/office/powerpoint/2010/main" id="1" dur="indefinite" restart="never" nodeType="tmRoot"/>
+        <p:cTn id="1" dur="indefinite" restart="never" nodeType="tmRoot"/>
       </p:par>
     </p:tnLst>
   </p:timing>
@@ -8360,12 +9215,17 @@
             </a:r>
             <a:r>
               <a:rPr lang="is-IS" dirty="0"/>
-              <a:t> ∈{0,1}</a:t>
+              <a:t> ∈{</a:t>
+            </a:r>
+            <a:r>
+              <a:rPr lang="is-IS" dirty="0" smtClean="0"/>
+              <a:t>0,1}</a:t>
             </a:r>
             <a:r>
               <a:rPr lang="is-IS" baseline="30000" dirty="0" smtClean="0"/>
               <a:t>n</a:t>
             </a:r>
+            <a:endParaRPr lang="is-IS" baseline="30000" dirty="0" smtClean="0"/>
           </a:p>
           <a:p>
             <a:r>
@@ -8395,7 +9255,7 @@
   <p:timing>
     <p:tnLst>
       <p:par>
-        <p:cTn xmlns:p14="http://schemas.microsoft.com/office/powerpoint/2010/main" id="1" dur="indefinite" restart="never" nodeType="tmRoot"/>
+        <p:cTn id="1" dur="indefinite" restart="never" nodeType="tmRoot"/>
       </p:par>
     </p:tnLst>
   </p:timing>
@@ -8556,7 +9416,7 @@
   <p:timing>
     <p:tnLst>
       <p:par>
-        <p:cTn xmlns:p14="http://schemas.microsoft.com/office/powerpoint/2010/main" id="1" dur="indefinite" restart="never" nodeType="tmRoot"/>
+        <p:cTn id="1" dur="indefinite" restart="never" nodeType="tmRoot"/>
       </p:par>
     </p:tnLst>
   </p:timing>
@@ -8743,7 +9603,7 @@
   <p:timing>
     <p:tnLst>
       <p:par>
-        <p:cTn xmlns:p14="http://schemas.microsoft.com/office/powerpoint/2010/main" id="1" dur="indefinite" restart="never" nodeType="tmRoot"/>
+        <p:cTn id="1" dur="indefinite" restart="never" nodeType="tmRoot"/>
       </p:par>
     </p:tnLst>
   </p:timing>
@@ -8941,7 +9801,7 @@
   <p:timing>
     <p:tnLst>
       <p:par>
-        <p:cTn xmlns:p14="http://schemas.microsoft.com/office/powerpoint/2010/main" id="1" dur="indefinite" restart="never" nodeType="tmRoot"/>
+        <p:cTn id="1" dur="indefinite" restart="never" nodeType="tmRoot"/>
       </p:par>
     </p:tnLst>
   </p:timing>
@@ -9931,7 +10791,7 @@
   <p:timing>
     <p:tnLst>
       <p:par>
-        <p:cTn xmlns:p14="http://schemas.microsoft.com/office/powerpoint/2010/main" id="1" dur="indefinite" restart="never" nodeType="tmRoot"/>
+        <p:cTn id="1" dur="indefinite" restart="never" nodeType="tmRoot"/>
       </p:par>
     </p:tnLst>
   </p:timing>

--- a/PPP1_WV.pptx
+++ b/PPP1_WV.pptx
@@ -5,8 +5,11 @@
     <p:sldMasterId id="2147483677" r:id="rId1"/>
   </p:sldMasterIdLst>
   <p:notesMasterIdLst>
-    <p:notesMasterId r:id="rId15"/>
+    <p:notesMasterId r:id="rId20"/>
   </p:notesMasterIdLst>
+  <p:handoutMasterIdLst>
+    <p:handoutMasterId r:id="rId21"/>
+  </p:handoutMasterIdLst>
   <p:sldIdLst>
     <p:sldId id="256" r:id="rId2"/>
     <p:sldId id="263" r:id="rId3"/>
@@ -14,13 +17,18 @@
     <p:sldId id="261" r:id="rId5"/>
     <p:sldId id="262" r:id="rId6"/>
     <p:sldId id="264" r:id="rId7"/>
-    <p:sldId id="265" r:id="rId8"/>
-    <p:sldId id="266" r:id="rId9"/>
-    <p:sldId id="267" r:id="rId10"/>
-    <p:sldId id="268" r:id="rId11"/>
-    <p:sldId id="270" r:id="rId12"/>
-    <p:sldId id="269" r:id="rId13"/>
-    <p:sldId id="271" r:id="rId14"/>
+    <p:sldId id="272" r:id="rId8"/>
+    <p:sldId id="273" r:id="rId9"/>
+    <p:sldId id="274" r:id="rId10"/>
+    <p:sldId id="265" r:id="rId11"/>
+    <p:sldId id="266" r:id="rId12"/>
+    <p:sldId id="267" r:id="rId13"/>
+    <p:sldId id="268" r:id="rId14"/>
+    <p:sldId id="270" r:id="rId15"/>
+    <p:sldId id="269" r:id="rId16"/>
+    <p:sldId id="275" r:id="rId17"/>
+    <p:sldId id="276" r:id="rId18"/>
+    <p:sldId id="277" r:id="rId19"/>
   </p:sldIdLst>
   <p:sldSz cx="9144000" cy="6858000" type="screen4x3"/>
   <p:notesSz cx="6858000" cy="9144000"/>
@@ -122,6 +130,171 @@
 </p:presentation>
 </file>
 
+<file path=ppt/handoutMasters/handoutMaster1.xml><?xml version="1.0" encoding="utf-8"?>
+<p:handoutMaster xmlns:a="http://schemas.openxmlformats.org/drawingml/2006/main" xmlns:r="http://schemas.openxmlformats.org/officeDocument/2006/relationships" xmlns:p="http://schemas.openxmlformats.org/presentationml/2006/main">
+  <p:cSld>
+    <p:bg>
+      <p:bgRef idx="1001">
+        <a:schemeClr val="bg1"/>
+      </p:bgRef>
+    </p:bg>
+    <p:spTree>
+      <p:nvGrpSpPr>
+        <p:cNvPr id="1" name=""/>
+        <p:cNvGrpSpPr/>
+        <p:nvPr/>
+      </p:nvGrpSpPr>
+      <p:grpSpPr>
+        <a:xfrm>
+          <a:off x="0" y="0"/>
+          <a:ext cx="0" cy="0"/>
+          <a:chOff x="0" y="0"/>
+          <a:chExt cx="0" cy="0"/>
+        </a:xfrm>
+      </p:grpSpPr>
+      <p:sp>
+        <p:nvSpPr>
+          <p:cNvPr id="2" name="Tijdelijke aanduiding voor koptekst 1"/>
+          <p:cNvSpPr>
+            <a:spLocks noGrp="1"/>
+          </p:cNvSpPr>
+          <p:nvPr>
+            <p:ph type="hdr" sz="quarter"/>
+          </p:nvPr>
+        </p:nvSpPr>
+        <p:spPr>
+          <a:xfrm>
+            <a:off x="0" y="0"/>
+            <a:ext cx="2971800" cy="457200"/>
+          </a:xfrm>
+          <a:prstGeom prst="rect">
+            <a:avLst/>
+          </a:prstGeom>
+        </p:spPr>
+        <p:txBody>
+          <a:bodyPr vert="horz" lIns="91440" tIns="45720" rIns="91440" bIns="45720" rtlCol="0"/>
+          <a:lstStyle>
+            <a:lvl1pPr algn="l">
+              <a:defRPr sz="1200"/>
+            </a:lvl1pPr>
+          </a:lstStyle>
+          <a:p>
+            <a:endParaRPr lang="nl-NL"/>
+          </a:p>
+        </p:txBody>
+      </p:sp>
+      <p:sp>
+        <p:nvSpPr>
+          <p:cNvPr id="3" name="Tijdelijke aanduiding voor datum 2"/>
+          <p:cNvSpPr>
+            <a:spLocks noGrp="1"/>
+          </p:cNvSpPr>
+          <p:nvPr>
+            <p:ph type="dt" sz="quarter" idx="1"/>
+          </p:nvPr>
+        </p:nvSpPr>
+        <p:spPr>
+          <a:xfrm>
+            <a:off x="3884613" y="0"/>
+            <a:ext cx="2971800" cy="457200"/>
+          </a:xfrm>
+          <a:prstGeom prst="rect">
+            <a:avLst/>
+          </a:prstGeom>
+        </p:spPr>
+        <p:txBody>
+          <a:bodyPr vert="horz" lIns="91440" tIns="45720" rIns="91440" bIns="45720" rtlCol="0"/>
+          <a:lstStyle>
+            <a:lvl1pPr algn="r">
+              <a:defRPr sz="1200"/>
+            </a:lvl1pPr>
+          </a:lstStyle>
+          <a:p>
+            <a:fld id="{E2865B6A-A572-6A49-9497-876CFF488E2C}" type="datetimeFigureOut">
+              <a:rPr lang="nl-NL" smtClean="0"/>
+              <a:t>26/10/15</a:t>
+            </a:fld>
+            <a:endParaRPr lang="nl-NL"/>
+          </a:p>
+        </p:txBody>
+      </p:sp>
+      <p:sp>
+        <p:nvSpPr>
+          <p:cNvPr id="4" name="Tijdelijke aanduiding voor voettekst 3"/>
+          <p:cNvSpPr>
+            <a:spLocks noGrp="1"/>
+          </p:cNvSpPr>
+          <p:nvPr>
+            <p:ph type="ftr" sz="quarter" idx="2"/>
+          </p:nvPr>
+        </p:nvSpPr>
+        <p:spPr>
+          <a:xfrm>
+            <a:off x="0" y="8685213"/>
+            <a:ext cx="2971800" cy="457200"/>
+          </a:xfrm>
+          <a:prstGeom prst="rect">
+            <a:avLst/>
+          </a:prstGeom>
+        </p:spPr>
+        <p:txBody>
+          <a:bodyPr vert="horz" lIns="91440" tIns="45720" rIns="91440" bIns="45720" rtlCol="0" anchor="b"/>
+          <a:lstStyle>
+            <a:lvl1pPr algn="l">
+              <a:defRPr sz="1200"/>
+            </a:lvl1pPr>
+          </a:lstStyle>
+          <a:p>
+            <a:endParaRPr lang="nl-NL"/>
+          </a:p>
+        </p:txBody>
+      </p:sp>
+      <p:sp>
+        <p:nvSpPr>
+          <p:cNvPr id="5" name="Tijdelijke aanduiding voor dianummer 4"/>
+          <p:cNvSpPr>
+            <a:spLocks noGrp="1"/>
+          </p:cNvSpPr>
+          <p:nvPr>
+            <p:ph type="sldNum" sz="quarter" idx="3"/>
+          </p:nvPr>
+        </p:nvSpPr>
+        <p:spPr>
+          <a:xfrm>
+            <a:off x="3884613" y="8685213"/>
+            <a:ext cx="2971800" cy="457200"/>
+          </a:xfrm>
+          <a:prstGeom prst="rect">
+            <a:avLst/>
+          </a:prstGeom>
+        </p:spPr>
+        <p:txBody>
+          <a:bodyPr vert="horz" lIns="91440" tIns="45720" rIns="91440" bIns="45720" rtlCol="0" anchor="b"/>
+          <a:lstStyle>
+            <a:lvl1pPr algn="r">
+              <a:defRPr sz="1200"/>
+            </a:lvl1pPr>
+          </a:lstStyle>
+          <a:p>
+            <a:fld id="{A8D5CC3F-F307-C94E-9E20-06D528328E43}" type="slidenum">
+              <a:rPr lang="nl-NL" smtClean="0"/>
+              <a:t>‹nr.›</a:t>
+            </a:fld>
+            <a:endParaRPr lang="nl-NL"/>
+          </a:p>
+        </p:txBody>
+      </p:sp>
+    </p:spTree>
+    <p:extLst>
+      <p:ext uri="{BB962C8B-B14F-4D97-AF65-F5344CB8AC3E}">
+        <p14:creationId xmlns:p14="http://schemas.microsoft.com/office/powerpoint/2010/main" val="750525854"/>
+      </p:ext>
+    </p:extLst>
+  </p:cSld>
+  <p:clrMap bg1="lt1" tx1="dk1" bg2="lt2" tx2="dk2" accent1="accent1" accent2="accent2" accent3="accent3" accent4="accent4" accent5="accent5" accent6="accent6" hlink="hlink" folHlink="folHlink"/>
+</p:handoutMaster>
+</file>
+
 <file path=ppt/notesMasters/notesMaster1.xml><?xml version="1.0" encoding="utf-8"?>
 <p:notesMaster xmlns:a="http://schemas.openxmlformats.org/drawingml/2006/main" xmlns:r="http://schemas.openxmlformats.org/officeDocument/2006/relationships" xmlns:p="http://schemas.openxmlformats.org/presentationml/2006/main">
   <p:cSld>
@@ -204,7 +377,7 @@
           <a:p>
             <a:fld id="{9AFCC6B9-8706-0F4D-A3CC-6A72CC9B9592}" type="datetimeFigureOut">
               <a:rPr lang="nl-NL" smtClean="0"/>
-              <a:t>25-10-2015</a:t>
+              <a:t>26/10/15</a:t>
             </a:fld>
             <a:endParaRPr lang="nl-NL"/>
           </a:p>
@@ -363,7 +536,7 @@
           <a:p>
             <a:fld id="{8787E021-A170-414E-8B92-16820204145C}" type="slidenum">
               <a:rPr lang="nl-NL" smtClean="0"/>
-              <a:t>‹#›</a:t>
+              <a:t>‹nr.›</a:t>
             </a:fld>
             <a:endParaRPr lang="nl-NL"/>
           </a:p>
@@ -556,6 +729,900 @@
 </p:notes>
 </file>
 
+<file path=ppt/notesSlides/notesSlide10.xml><?xml version="1.0" encoding="utf-8"?>
+<p:notes xmlns:a="http://schemas.openxmlformats.org/drawingml/2006/main" xmlns:r="http://schemas.openxmlformats.org/officeDocument/2006/relationships" xmlns:p="http://schemas.openxmlformats.org/presentationml/2006/main">
+  <p:cSld>
+    <p:spTree>
+      <p:nvGrpSpPr>
+        <p:cNvPr id="1" name=""/>
+        <p:cNvGrpSpPr/>
+        <p:nvPr/>
+      </p:nvGrpSpPr>
+      <p:grpSpPr>
+        <a:xfrm>
+          <a:off x="0" y="0"/>
+          <a:ext cx="0" cy="0"/>
+          <a:chOff x="0" y="0"/>
+          <a:chExt cx="0" cy="0"/>
+        </a:xfrm>
+      </p:grpSpPr>
+      <p:sp>
+        <p:nvSpPr>
+          <p:cNvPr id="2" name="Tijdelijke aanduiding voor dia-afbeelding 1"/>
+          <p:cNvSpPr>
+            <a:spLocks noGrp="1" noRot="1" noChangeAspect="1"/>
+          </p:cNvSpPr>
+          <p:nvPr>
+            <p:ph type="sldImg"/>
+          </p:nvPr>
+        </p:nvSpPr>
+        <p:spPr/>
+      </p:sp>
+      <p:sp>
+        <p:nvSpPr>
+          <p:cNvPr id="3" name="Tijdelijke aanduiding voor notities 2"/>
+          <p:cNvSpPr>
+            <a:spLocks noGrp="1"/>
+          </p:cNvSpPr>
+          <p:nvPr>
+            <p:ph type="body" idx="1"/>
+          </p:nvPr>
+        </p:nvSpPr>
+        <p:spPr/>
+        <p:txBody>
+          <a:bodyPr/>
+          <a:lstStyle/>
+          <a:p>
+            <a:r>
+              <a:rPr lang="nl-NL" dirty="0" smtClean="0"/>
+              <a:t>Uitleggen </a:t>
+            </a:r>
+            <a:r>
+              <a:rPr lang="nl-NL" dirty="0" err="1" smtClean="0"/>
+              <a:t>layers</a:t>
+            </a:r>
+            <a:r>
+              <a:rPr lang="nl-NL" dirty="0" smtClean="0"/>
+              <a:t> </a:t>
+            </a:r>
+            <a:r>
+              <a:rPr lang="nl-NL" dirty="0" err="1" smtClean="0"/>
+              <a:t>ahv</a:t>
+            </a:r>
+            <a:r>
+              <a:rPr lang="nl-NL" dirty="0" smtClean="0"/>
+              <a:t> voorbeelden</a:t>
+            </a:r>
+            <a:endParaRPr lang="nl-NL" dirty="0"/>
+          </a:p>
+        </p:txBody>
+      </p:sp>
+      <p:sp>
+        <p:nvSpPr>
+          <p:cNvPr id="4" name="Tijdelijke aanduiding voor dianummer 3"/>
+          <p:cNvSpPr>
+            <a:spLocks noGrp="1"/>
+          </p:cNvSpPr>
+          <p:nvPr>
+            <p:ph type="sldNum" sz="quarter" idx="10"/>
+          </p:nvPr>
+        </p:nvSpPr>
+        <p:spPr/>
+        <p:txBody>
+          <a:bodyPr/>
+          <a:lstStyle/>
+          <a:p>
+            <a:fld id="{8787E021-A170-414E-8B92-16820204145C}" type="slidenum">
+              <a:rPr lang="nl-NL" smtClean="0"/>
+              <a:t>10</a:t>
+            </a:fld>
+            <a:endParaRPr lang="nl-NL"/>
+          </a:p>
+        </p:txBody>
+      </p:sp>
+    </p:spTree>
+    <p:extLst>
+      <p:ext uri="{BB962C8B-B14F-4D97-AF65-F5344CB8AC3E}">
+        <p14:creationId xmlns:p14="http://schemas.microsoft.com/office/powerpoint/2010/main" val="2352307695"/>
+      </p:ext>
+    </p:extLst>
+  </p:cSld>
+  <p:clrMapOvr>
+    <a:masterClrMapping/>
+  </p:clrMapOvr>
+</p:notes>
+</file>
+
+<file path=ppt/notesSlides/notesSlide11.xml><?xml version="1.0" encoding="utf-8"?>
+<p:notes xmlns:a="http://schemas.openxmlformats.org/drawingml/2006/main" xmlns:r="http://schemas.openxmlformats.org/officeDocument/2006/relationships" xmlns:p="http://schemas.openxmlformats.org/presentationml/2006/main">
+  <p:cSld>
+    <p:spTree>
+      <p:nvGrpSpPr>
+        <p:cNvPr id="1" name=""/>
+        <p:cNvGrpSpPr/>
+        <p:nvPr/>
+      </p:nvGrpSpPr>
+      <p:grpSpPr>
+        <a:xfrm>
+          <a:off x="0" y="0"/>
+          <a:ext cx="0" cy="0"/>
+          <a:chOff x="0" y="0"/>
+          <a:chExt cx="0" cy="0"/>
+        </a:xfrm>
+      </p:grpSpPr>
+      <p:sp>
+        <p:nvSpPr>
+          <p:cNvPr id="2" name="Tijdelijke aanduiding voor dia-afbeelding 1"/>
+          <p:cNvSpPr>
+            <a:spLocks noGrp="1" noRot="1" noChangeAspect="1"/>
+          </p:cNvSpPr>
+          <p:nvPr>
+            <p:ph type="sldImg"/>
+          </p:nvPr>
+        </p:nvSpPr>
+        <p:spPr/>
+      </p:sp>
+      <p:sp>
+        <p:nvSpPr>
+          <p:cNvPr id="3" name="Tijdelijke aanduiding voor notities 2"/>
+          <p:cNvSpPr>
+            <a:spLocks noGrp="1"/>
+          </p:cNvSpPr>
+          <p:nvPr>
+            <p:ph type="body" idx="1"/>
+          </p:nvPr>
+        </p:nvSpPr>
+        <p:spPr/>
+        <p:txBody>
+          <a:bodyPr/>
+          <a:lstStyle/>
+          <a:p>
+            <a:r>
+              <a:rPr lang="nl-NL" dirty="0" smtClean="0"/>
+              <a:t>Uitleg hoe we aan de 55^33 komen.</a:t>
+            </a:r>
+          </a:p>
+          <a:p>
+            <a:r>
+              <a:rPr lang="nl-NL" dirty="0" smtClean="0"/>
+              <a:t>55^^33 = </a:t>
+            </a:r>
+            <a:r>
+              <a:rPr lang="nl-NL" baseline="0" dirty="0" smtClean="0"/>
+              <a:t>2 7*10^57</a:t>
+            </a:r>
+          </a:p>
+          <a:p>
+            <a:r>
+              <a:rPr lang="nl-NL" dirty="0" smtClean="0"/>
+              <a:t>55^^35 = 8 1*10^60</a:t>
+            </a:r>
+            <a:endParaRPr lang="nl-NL" dirty="0"/>
+          </a:p>
+        </p:txBody>
+      </p:sp>
+      <p:sp>
+        <p:nvSpPr>
+          <p:cNvPr id="4" name="Tijdelijke aanduiding voor dianummer 3"/>
+          <p:cNvSpPr>
+            <a:spLocks noGrp="1"/>
+          </p:cNvSpPr>
+          <p:nvPr>
+            <p:ph type="sldNum" sz="quarter" idx="10"/>
+          </p:nvPr>
+        </p:nvSpPr>
+        <p:spPr/>
+        <p:txBody>
+          <a:bodyPr/>
+          <a:lstStyle/>
+          <a:p>
+            <a:fld id="{8787E021-A170-414E-8B92-16820204145C}" type="slidenum">
+              <a:rPr lang="nl-NL" smtClean="0"/>
+              <a:t>11</a:t>
+            </a:fld>
+            <a:endParaRPr lang="nl-NL"/>
+          </a:p>
+        </p:txBody>
+      </p:sp>
+    </p:spTree>
+    <p:extLst>
+      <p:ext uri="{BB962C8B-B14F-4D97-AF65-F5344CB8AC3E}">
+        <p14:creationId xmlns:p14="http://schemas.microsoft.com/office/powerpoint/2010/main" val="2352307695"/>
+      </p:ext>
+    </p:extLst>
+  </p:cSld>
+  <p:clrMapOvr>
+    <a:masterClrMapping/>
+  </p:clrMapOvr>
+</p:notes>
+</file>
+
+<file path=ppt/notesSlides/notesSlide12.xml><?xml version="1.0" encoding="utf-8"?>
+<p:notes xmlns:a="http://schemas.openxmlformats.org/drawingml/2006/main" xmlns:r="http://schemas.openxmlformats.org/officeDocument/2006/relationships" xmlns:p="http://schemas.openxmlformats.org/presentationml/2006/main">
+  <p:cSld>
+    <p:spTree>
+      <p:nvGrpSpPr>
+        <p:cNvPr id="1" name=""/>
+        <p:cNvGrpSpPr/>
+        <p:nvPr/>
+      </p:nvGrpSpPr>
+      <p:grpSpPr>
+        <a:xfrm>
+          <a:off x="0" y="0"/>
+          <a:ext cx="0" cy="0"/>
+          <a:chOff x="0" y="0"/>
+          <a:chExt cx="0" cy="0"/>
+        </a:xfrm>
+      </p:grpSpPr>
+      <p:sp>
+        <p:nvSpPr>
+          <p:cNvPr id="2" name="Tijdelijke aanduiding voor dia-afbeelding 1"/>
+          <p:cNvSpPr>
+            <a:spLocks noGrp="1" noRot="1" noChangeAspect="1"/>
+          </p:cNvSpPr>
+          <p:nvPr>
+            <p:ph type="sldImg"/>
+          </p:nvPr>
+        </p:nvSpPr>
+        <p:spPr/>
+      </p:sp>
+      <p:sp>
+        <p:nvSpPr>
+          <p:cNvPr id="3" name="Tijdelijke aanduiding voor notities 2"/>
+          <p:cNvSpPr>
+            <a:spLocks noGrp="1"/>
+          </p:cNvSpPr>
+          <p:nvPr>
+            <p:ph type="body" idx="1"/>
+          </p:nvPr>
+        </p:nvSpPr>
+        <p:spPr/>
+        <p:txBody>
+          <a:bodyPr/>
+          <a:lstStyle/>
+          <a:p>
+            <a:r>
+              <a:rPr lang="nl-NL" dirty="0" smtClean="0"/>
+              <a:t>Als n</a:t>
+            </a:r>
+            <a:r>
+              <a:rPr lang="nl-NL" baseline="0" dirty="0" smtClean="0"/>
+              <a:t> gevonden -&gt; </a:t>
+            </a:r>
+            <a:r>
+              <a:rPr lang="nl-NL" baseline="0" dirty="0" err="1" smtClean="0"/>
+              <a:t>lower</a:t>
+            </a:r>
+            <a:r>
+              <a:rPr lang="nl-NL" baseline="0" dirty="0" smtClean="0"/>
+              <a:t>/</a:t>
+            </a:r>
+            <a:r>
+              <a:rPr lang="nl-NL" baseline="0" dirty="0" err="1" smtClean="0"/>
+              <a:t>upper</a:t>
+            </a:r>
+            <a:r>
+              <a:rPr lang="nl-NL" baseline="0" dirty="0" smtClean="0"/>
+              <a:t> </a:t>
+            </a:r>
+            <a:r>
+              <a:rPr lang="nl-NL" baseline="0" dirty="0" err="1" smtClean="0"/>
+              <a:t>bound</a:t>
+            </a:r>
+            <a:r>
+              <a:rPr lang="nl-NL" baseline="0" dirty="0" smtClean="0"/>
+              <a:t> verbetert</a:t>
+            </a:r>
+            <a:endParaRPr lang="nl-NL" dirty="0"/>
+          </a:p>
+        </p:txBody>
+      </p:sp>
+      <p:sp>
+        <p:nvSpPr>
+          <p:cNvPr id="4" name="Tijdelijke aanduiding voor dianummer 3"/>
+          <p:cNvSpPr>
+            <a:spLocks noGrp="1"/>
+          </p:cNvSpPr>
+          <p:nvPr>
+            <p:ph type="sldNum" sz="quarter" idx="10"/>
+          </p:nvPr>
+        </p:nvSpPr>
+        <p:spPr/>
+        <p:txBody>
+          <a:bodyPr/>
+          <a:lstStyle/>
+          <a:p>
+            <a:fld id="{8787E021-A170-414E-8B92-16820204145C}" type="slidenum">
+              <a:rPr lang="nl-NL" smtClean="0"/>
+              <a:t>12</a:t>
+            </a:fld>
+            <a:endParaRPr lang="nl-NL"/>
+          </a:p>
+        </p:txBody>
+      </p:sp>
+    </p:spTree>
+    <p:extLst>
+      <p:ext uri="{BB962C8B-B14F-4D97-AF65-F5344CB8AC3E}">
+        <p14:creationId xmlns:p14="http://schemas.microsoft.com/office/powerpoint/2010/main" val="2352307695"/>
+      </p:ext>
+    </p:extLst>
+  </p:cSld>
+  <p:clrMapOvr>
+    <a:masterClrMapping/>
+  </p:clrMapOvr>
+</p:notes>
+</file>
+
+<file path=ppt/notesSlides/notesSlide13.xml><?xml version="1.0" encoding="utf-8"?>
+<p:notes xmlns:a="http://schemas.openxmlformats.org/drawingml/2006/main" xmlns:r="http://schemas.openxmlformats.org/officeDocument/2006/relationships" xmlns:p="http://schemas.openxmlformats.org/presentationml/2006/main">
+  <p:cSld>
+    <p:spTree>
+      <p:nvGrpSpPr>
+        <p:cNvPr id="1" name=""/>
+        <p:cNvGrpSpPr/>
+        <p:nvPr/>
+      </p:nvGrpSpPr>
+      <p:grpSpPr>
+        <a:xfrm>
+          <a:off x="0" y="0"/>
+          <a:ext cx="0" cy="0"/>
+          <a:chOff x="0" y="0"/>
+          <a:chExt cx="0" cy="0"/>
+        </a:xfrm>
+      </p:grpSpPr>
+      <p:sp>
+        <p:nvSpPr>
+          <p:cNvPr id="2" name="Tijdelijke aanduiding voor dia-afbeelding 1"/>
+          <p:cNvSpPr>
+            <a:spLocks noGrp="1" noRot="1" noChangeAspect="1"/>
+          </p:cNvSpPr>
+          <p:nvPr>
+            <p:ph type="sldImg"/>
+          </p:nvPr>
+        </p:nvSpPr>
+        <p:spPr/>
+      </p:sp>
+      <p:sp>
+        <p:nvSpPr>
+          <p:cNvPr id="3" name="Tijdelijke aanduiding voor notities 2"/>
+          <p:cNvSpPr>
+            <a:spLocks noGrp="1"/>
+          </p:cNvSpPr>
+          <p:nvPr>
+            <p:ph type="body" idx="1"/>
+          </p:nvPr>
+        </p:nvSpPr>
+        <p:spPr/>
+        <p:txBody>
+          <a:bodyPr/>
+          <a:lstStyle/>
+          <a:p>
+            <a:r>
+              <a:rPr lang="nl-NL" dirty="0" err="1" smtClean="0"/>
+              <a:t>Prunen</a:t>
+            </a:r>
+            <a:r>
+              <a:rPr lang="nl-NL" baseline="0" dirty="0" smtClean="0"/>
+              <a:t> = schrap de HELE TAK voor de generatie</a:t>
+            </a:r>
+          </a:p>
+          <a:p>
+            <a:endParaRPr lang="nl-NL" baseline="0" dirty="0" smtClean="0"/>
+          </a:p>
+        </p:txBody>
+      </p:sp>
+      <p:sp>
+        <p:nvSpPr>
+          <p:cNvPr id="4" name="Tijdelijke aanduiding voor dianummer 3"/>
+          <p:cNvSpPr>
+            <a:spLocks noGrp="1"/>
+          </p:cNvSpPr>
+          <p:nvPr>
+            <p:ph type="sldNum" sz="quarter" idx="10"/>
+          </p:nvPr>
+        </p:nvSpPr>
+        <p:spPr/>
+        <p:txBody>
+          <a:bodyPr/>
+          <a:lstStyle/>
+          <a:p>
+            <a:fld id="{8787E021-A170-414E-8B92-16820204145C}" type="slidenum">
+              <a:rPr lang="nl-NL" smtClean="0"/>
+              <a:t>13</a:t>
+            </a:fld>
+            <a:endParaRPr lang="nl-NL"/>
+          </a:p>
+        </p:txBody>
+      </p:sp>
+    </p:spTree>
+    <p:extLst>
+      <p:ext uri="{BB962C8B-B14F-4D97-AF65-F5344CB8AC3E}">
+        <p14:creationId xmlns:p14="http://schemas.microsoft.com/office/powerpoint/2010/main" val="4034858920"/>
+      </p:ext>
+    </p:extLst>
+  </p:cSld>
+  <p:clrMapOvr>
+    <a:masterClrMapping/>
+  </p:clrMapOvr>
+</p:notes>
+</file>
+
+<file path=ppt/notesSlides/notesSlide14.xml><?xml version="1.0" encoding="utf-8"?>
+<p:notes xmlns:a="http://schemas.openxmlformats.org/drawingml/2006/main" xmlns:r="http://schemas.openxmlformats.org/officeDocument/2006/relationships" xmlns:p="http://schemas.openxmlformats.org/presentationml/2006/main">
+  <p:cSld>
+    <p:spTree>
+      <p:nvGrpSpPr>
+        <p:cNvPr id="1" name=""/>
+        <p:cNvGrpSpPr/>
+        <p:nvPr/>
+      </p:nvGrpSpPr>
+      <p:grpSpPr>
+        <a:xfrm>
+          <a:off x="0" y="0"/>
+          <a:ext cx="0" cy="0"/>
+          <a:chOff x="0" y="0"/>
+          <a:chExt cx="0" cy="0"/>
+        </a:xfrm>
+      </p:grpSpPr>
+      <p:sp>
+        <p:nvSpPr>
+          <p:cNvPr id="2" name="Tijdelijke aanduiding voor dia-afbeelding 1"/>
+          <p:cNvSpPr>
+            <a:spLocks noGrp="1" noRot="1" noChangeAspect="1"/>
+          </p:cNvSpPr>
+          <p:nvPr>
+            <p:ph type="sldImg"/>
+          </p:nvPr>
+        </p:nvSpPr>
+        <p:spPr/>
+      </p:sp>
+      <p:sp>
+        <p:nvSpPr>
+          <p:cNvPr id="3" name="Tijdelijke aanduiding voor notities 2"/>
+          <p:cNvSpPr>
+            <a:spLocks noGrp="1"/>
+          </p:cNvSpPr>
+          <p:nvPr>
+            <p:ph type="body" idx="1"/>
+          </p:nvPr>
+        </p:nvSpPr>
+        <p:spPr/>
+        <p:txBody>
+          <a:bodyPr/>
+          <a:lstStyle/>
+          <a:p>
+            <a:r>
+              <a:rPr lang="nl-NL" dirty="0" smtClean="0"/>
+              <a:t>Vermeldt onderaan equivalent mits parallel.</a:t>
+            </a:r>
+            <a:endParaRPr lang="nl-NL" dirty="0"/>
+          </a:p>
+        </p:txBody>
+      </p:sp>
+      <p:sp>
+        <p:nvSpPr>
+          <p:cNvPr id="4" name="Tijdelijke aanduiding voor dianummer 3"/>
+          <p:cNvSpPr>
+            <a:spLocks noGrp="1"/>
+          </p:cNvSpPr>
+          <p:nvPr>
+            <p:ph type="sldNum" sz="quarter" idx="10"/>
+          </p:nvPr>
+        </p:nvSpPr>
+        <p:spPr/>
+        <p:txBody>
+          <a:bodyPr/>
+          <a:lstStyle/>
+          <a:p>
+            <a:fld id="{8787E021-A170-414E-8B92-16820204145C}" type="slidenum">
+              <a:rPr lang="nl-NL" smtClean="0"/>
+              <a:t>14</a:t>
+            </a:fld>
+            <a:endParaRPr lang="nl-NL"/>
+          </a:p>
+        </p:txBody>
+      </p:sp>
+    </p:spTree>
+    <p:extLst>
+      <p:ext uri="{BB962C8B-B14F-4D97-AF65-F5344CB8AC3E}">
+        <p14:creationId xmlns:p14="http://schemas.microsoft.com/office/powerpoint/2010/main" val="617584284"/>
+      </p:ext>
+    </p:extLst>
+  </p:cSld>
+  <p:clrMapOvr>
+    <a:masterClrMapping/>
+  </p:clrMapOvr>
+</p:notes>
+</file>
+
+<file path=ppt/notesSlides/notesSlide15.xml><?xml version="1.0" encoding="utf-8"?>
+<p:notes xmlns:a="http://schemas.openxmlformats.org/drawingml/2006/main" xmlns:r="http://schemas.openxmlformats.org/officeDocument/2006/relationships" xmlns:p="http://schemas.openxmlformats.org/presentationml/2006/main">
+  <p:cSld>
+    <p:spTree>
+      <p:nvGrpSpPr>
+        <p:cNvPr id="1" name=""/>
+        <p:cNvGrpSpPr/>
+        <p:nvPr/>
+      </p:nvGrpSpPr>
+      <p:grpSpPr>
+        <a:xfrm>
+          <a:off x="0" y="0"/>
+          <a:ext cx="0" cy="0"/>
+          <a:chOff x="0" y="0"/>
+          <a:chExt cx="0" cy="0"/>
+        </a:xfrm>
+      </p:grpSpPr>
+      <p:sp>
+        <p:nvSpPr>
+          <p:cNvPr id="2" name="Tijdelijke aanduiding voor dia-afbeelding 1"/>
+          <p:cNvSpPr>
+            <a:spLocks noGrp="1" noRot="1" noChangeAspect="1"/>
+          </p:cNvSpPr>
+          <p:nvPr>
+            <p:ph type="sldImg"/>
+          </p:nvPr>
+        </p:nvSpPr>
+        <p:spPr/>
+      </p:sp>
+      <p:sp>
+        <p:nvSpPr>
+          <p:cNvPr id="3" name="Tijdelijke aanduiding voor notities 2"/>
+          <p:cNvSpPr>
+            <a:spLocks noGrp="1"/>
+          </p:cNvSpPr>
+          <p:nvPr>
+            <p:ph type="body" idx="1"/>
+          </p:nvPr>
+        </p:nvSpPr>
+        <p:spPr/>
+        <p:txBody>
+          <a:bodyPr/>
+          <a:lstStyle/>
+          <a:p>
+            <a:r>
+              <a:rPr lang="nl-NL" dirty="0" err="1" smtClean="0"/>
+              <a:t>Cb</a:t>
+            </a:r>
+            <a:r>
+              <a:rPr lang="nl-NL" dirty="0" smtClean="0"/>
+              <a:t> niet uitbreiden want als er een een </a:t>
+            </a:r>
+            <a:r>
+              <a:rPr lang="nl-NL" dirty="0" err="1" smtClean="0"/>
+              <a:t>network</a:t>
+            </a:r>
+            <a:r>
+              <a:rPr lang="nl-NL" dirty="0" smtClean="0"/>
+              <a:t> bestaat dat uit </a:t>
+            </a:r>
+            <a:r>
+              <a:rPr lang="nl-NL" dirty="0" err="1" smtClean="0"/>
+              <a:t>Cb</a:t>
+            </a:r>
+            <a:r>
+              <a:rPr lang="nl-NL" dirty="0" smtClean="0"/>
+              <a:t> volgt dan bestaat er ook 1 van </a:t>
+            </a:r>
+            <a:r>
+              <a:rPr lang="nl-NL" smtClean="0"/>
+              <a:t>zelfde</a:t>
+            </a:r>
+            <a:r>
+              <a:rPr lang="nl-NL" baseline="0" smtClean="0"/>
+              <a:t> lengte dat uit Ca volgt.</a:t>
+            </a:r>
+            <a:endParaRPr lang="nl-NL"/>
+          </a:p>
+        </p:txBody>
+      </p:sp>
+      <p:sp>
+        <p:nvSpPr>
+          <p:cNvPr id="4" name="Tijdelijke aanduiding voor dianummer 3"/>
+          <p:cNvSpPr>
+            <a:spLocks noGrp="1"/>
+          </p:cNvSpPr>
+          <p:nvPr>
+            <p:ph type="sldNum" sz="quarter" idx="10"/>
+          </p:nvPr>
+        </p:nvSpPr>
+        <p:spPr/>
+        <p:txBody>
+          <a:bodyPr/>
+          <a:lstStyle/>
+          <a:p>
+            <a:fld id="{8787E021-A170-414E-8B92-16820204145C}" type="slidenum">
+              <a:rPr lang="nl-NL" smtClean="0"/>
+              <a:t>15</a:t>
+            </a:fld>
+            <a:endParaRPr lang="nl-NL"/>
+          </a:p>
+        </p:txBody>
+      </p:sp>
+    </p:spTree>
+    <p:extLst>
+      <p:ext uri="{BB962C8B-B14F-4D97-AF65-F5344CB8AC3E}">
+        <p14:creationId xmlns:p14="http://schemas.microsoft.com/office/powerpoint/2010/main" val="3329142534"/>
+      </p:ext>
+    </p:extLst>
+  </p:cSld>
+  <p:clrMapOvr>
+    <a:masterClrMapping/>
+  </p:clrMapOvr>
+</p:notes>
+</file>
+
+<file path=ppt/notesSlides/notesSlide16.xml><?xml version="1.0" encoding="utf-8"?>
+<p:notes xmlns:a="http://schemas.openxmlformats.org/drawingml/2006/main" xmlns:r="http://schemas.openxmlformats.org/officeDocument/2006/relationships" xmlns:p="http://schemas.openxmlformats.org/presentationml/2006/main">
+  <p:cSld>
+    <p:spTree>
+      <p:nvGrpSpPr>
+        <p:cNvPr id="1" name=""/>
+        <p:cNvGrpSpPr/>
+        <p:nvPr/>
+      </p:nvGrpSpPr>
+      <p:grpSpPr>
+        <a:xfrm>
+          <a:off x="0" y="0"/>
+          <a:ext cx="0" cy="0"/>
+          <a:chOff x="0" y="0"/>
+          <a:chExt cx="0" cy="0"/>
+        </a:xfrm>
+      </p:grpSpPr>
+      <p:sp>
+        <p:nvSpPr>
+          <p:cNvPr id="2" name="Tijdelijke aanduiding voor dia-afbeelding 1"/>
+          <p:cNvSpPr>
+            <a:spLocks noGrp="1" noRot="1" noChangeAspect="1"/>
+          </p:cNvSpPr>
+          <p:nvPr>
+            <p:ph type="sldImg"/>
+          </p:nvPr>
+        </p:nvSpPr>
+        <p:spPr/>
+      </p:sp>
+      <p:sp>
+        <p:nvSpPr>
+          <p:cNvPr id="3" name="Tijdelijke aanduiding voor notities 2"/>
+          <p:cNvSpPr>
+            <a:spLocks noGrp="1"/>
+          </p:cNvSpPr>
+          <p:nvPr>
+            <p:ph type="body" idx="1"/>
+          </p:nvPr>
+        </p:nvSpPr>
+        <p:spPr/>
+        <p:txBody>
+          <a:bodyPr/>
+          <a:lstStyle/>
+          <a:p>
+            <a:r>
+              <a:rPr lang="nl-NL" dirty="0" smtClean="0"/>
+              <a:t>n = #</a:t>
+            </a:r>
+            <a:r>
+              <a:rPr lang="nl-NL" baseline="0" dirty="0" smtClean="0"/>
+              <a:t> </a:t>
+            </a:r>
+            <a:r>
+              <a:rPr lang="nl-NL" baseline="0" dirty="0" err="1" smtClean="0"/>
+              <a:t>channels</a:t>
+            </a:r>
+            <a:r>
+              <a:rPr lang="nl-NL" baseline="0" dirty="0" smtClean="0"/>
+              <a:t>, k = # </a:t>
+            </a:r>
+            <a:r>
+              <a:rPr lang="nl-NL" baseline="0" dirty="0" err="1" smtClean="0"/>
+              <a:t>comparators</a:t>
+            </a:r>
+            <a:endParaRPr lang="nl-NL" dirty="0"/>
+          </a:p>
+        </p:txBody>
+      </p:sp>
+      <p:sp>
+        <p:nvSpPr>
+          <p:cNvPr id="4" name="Tijdelijke aanduiding voor dianummer 3"/>
+          <p:cNvSpPr>
+            <a:spLocks noGrp="1"/>
+          </p:cNvSpPr>
+          <p:nvPr>
+            <p:ph type="sldNum" sz="quarter" idx="10"/>
+          </p:nvPr>
+        </p:nvSpPr>
+        <p:spPr/>
+        <p:txBody>
+          <a:bodyPr/>
+          <a:lstStyle/>
+          <a:p>
+            <a:fld id="{8787E021-A170-414E-8B92-16820204145C}" type="slidenum">
+              <a:rPr lang="nl-NL" smtClean="0"/>
+              <a:t>16</a:t>
+            </a:fld>
+            <a:endParaRPr lang="nl-NL"/>
+          </a:p>
+        </p:txBody>
+      </p:sp>
+    </p:spTree>
+    <p:extLst>
+      <p:ext uri="{BB962C8B-B14F-4D97-AF65-F5344CB8AC3E}">
+        <p14:creationId xmlns:p14="http://schemas.microsoft.com/office/powerpoint/2010/main" val="3653321180"/>
+      </p:ext>
+    </p:extLst>
+  </p:cSld>
+  <p:clrMapOvr>
+    <a:masterClrMapping/>
+  </p:clrMapOvr>
+</p:notes>
+</file>
+
+<file path=ppt/notesSlides/notesSlide17.xml><?xml version="1.0" encoding="utf-8"?>
+<p:notes xmlns:a="http://schemas.openxmlformats.org/drawingml/2006/main" xmlns:r="http://schemas.openxmlformats.org/officeDocument/2006/relationships" xmlns:p="http://schemas.openxmlformats.org/presentationml/2006/main">
+  <p:cSld>
+    <p:spTree>
+      <p:nvGrpSpPr>
+        <p:cNvPr id="1" name=""/>
+        <p:cNvGrpSpPr/>
+        <p:nvPr/>
+      </p:nvGrpSpPr>
+      <p:grpSpPr>
+        <a:xfrm>
+          <a:off x="0" y="0"/>
+          <a:ext cx="0" cy="0"/>
+          <a:chOff x="0" y="0"/>
+          <a:chExt cx="0" cy="0"/>
+        </a:xfrm>
+      </p:grpSpPr>
+      <p:sp>
+        <p:nvSpPr>
+          <p:cNvPr id="2" name="Tijdelijke aanduiding voor dia-afbeelding 1"/>
+          <p:cNvSpPr>
+            <a:spLocks noGrp="1" noRot="1" noChangeAspect="1"/>
+          </p:cNvSpPr>
+          <p:nvPr>
+            <p:ph type="sldImg"/>
+          </p:nvPr>
+        </p:nvSpPr>
+        <p:spPr/>
+      </p:sp>
+      <p:sp>
+        <p:nvSpPr>
+          <p:cNvPr id="3" name="Tijdelijke aanduiding voor notities 2"/>
+          <p:cNvSpPr>
+            <a:spLocks noGrp="1"/>
+          </p:cNvSpPr>
+          <p:nvPr>
+            <p:ph type="body" idx="1"/>
+          </p:nvPr>
+        </p:nvSpPr>
+        <p:spPr/>
+        <p:txBody>
+          <a:bodyPr/>
+          <a:lstStyle/>
+          <a:p>
+            <a:endParaRPr lang="nl-NL"/>
+          </a:p>
+        </p:txBody>
+      </p:sp>
+      <p:sp>
+        <p:nvSpPr>
+          <p:cNvPr id="4" name="Tijdelijke aanduiding voor dianummer 3"/>
+          <p:cNvSpPr>
+            <a:spLocks noGrp="1"/>
+          </p:cNvSpPr>
+          <p:nvPr>
+            <p:ph type="sldNum" sz="quarter" idx="10"/>
+          </p:nvPr>
+        </p:nvSpPr>
+        <p:spPr/>
+        <p:txBody>
+          <a:bodyPr/>
+          <a:lstStyle/>
+          <a:p>
+            <a:fld id="{8787E021-A170-414E-8B92-16820204145C}" type="slidenum">
+              <a:rPr lang="nl-NL" smtClean="0"/>
+              <a:t>17</a:t>
+            </a:fld>
+            <a:endParaRPr lang="nl-NL"/>
+          </a:p>
+        </p:txBody>
+      </p:sp>
+    </p:spTree>
+    <p:extLst>
+      <p:ext uri="{BB962C8B-B14F-4D97-AF65-F5344CB8AC3E}">
+        <p14:creationId xmlns:p14="http://schemas.microsoft.com/office/powerpoint/2010/main" val="2798971029"/>
+      </p:ext>
+    </p:extLst>
+  </p:cSld>
+  <p:clrMapOvr>
+    <a:masterClrMapping/>
+  </p:clrMapOvr>
+</p:notes>
+</file>
+
+<file path=ppt/notesSlides/notesSlide18.xml><?xml version="1.0" encoding="utf-8"?>
+<p:notes xmlns:a="http://schemas.openxmlformats.org/drawingml/2006/main" xmlns:r="http://schemas.openxmlformats.org/officeDocument/2006/relationships" xmlns:p="http://schemas.openxmlformats.org/presentationml/2006/main">
+  <p:cSld>
+    <p:spTree>
+      <p:nvGrpSpPr>
+        <p:cNvPr id="1" name=""/>
+        <p:cNvGrpSpPr/>
+        <p:nvPr/>
+      </p:nvGrpSpPr>
+      <p:grpSpPr>
+        <a:xfrm>
+          <a:off x="0" y="0"/>
+          <a:ext cx="0" cy="0"/>
+          <a:chOff x="0" y="0"/>
+          <a:chExt cx="0" cy="0"/>
+        </a:xfrm>
+      </p:grpSpPr>
+      <p:sp>
+        <p:nvSpPr>
+          <p:cNvPr id="2" name="Tijdelijke aanduiding voor dia-afbeelding 1"/>
+          <p:cNvSpPr>
+            <a:spLocks noGrp="1" noRot="1" noChangeAspect="1"/>
+          </p:cNvSpPr>
+          <p:nvPr>
+            <p:ph type="sldImg"/>
+          </p:nvPr>
+        </p:nvSpPr>
+        <p:spPr/>
+      </p:sp>
+      <p:sp>
+        <p:nvSpPr>
+          <p:cNvPr id="3" name="Tijdelijke aanduiding voor notities 2"/>
+          <p:cNvSpPr>
+            <a:spLocks noGrp="1"/>
+          </p:cNvSpPr>
+          <p:nvPr>
+            <p:ph type="body" idx="1"/>
+          </p:nvPr>
+        </p:nvSpPr>
+        <p:spPr/>
+        <p:txBody>
+          <a:bodyPr/>
+          <a:lstStyle/>
+          <a:p>
+            <a:endParaRPr lang="nl-NL" dirty="0"/>
+          </a:p>
+        </p:txBody>
+      </p:sp>
+      <p:sp>
+        <p:nvSpPr>
+          <p:cNvPr id="4" name="Tijdelijke aanduiding voor dianummer 3"/>
+          <p:cNvSpPr>
+            <a:spLocks noGrp="1"/>
+          </p:cNvSpPr>
+          <p:nvPr>
+            <p:ph type="sldNum" sz="quarter" idx="10"/>
+          </p:nvPr>
+        </p:nvSpPr>
+        <p:spPr/>
+        <p:txBody>
+          <a:bodyPr/>
+          <a:lstStyle/>
+          <a:p>
+            <a:fld id="{8787E021-A170-414E-8B92-16820204145C}" type="slidenum">
+              <a:rPr lang="nl-NL" smtClean="0"/>
+              <a:t>18</a:t>
+            </a:fld>
+            <a:endParaRPr lang="nl-NL"/>
+          </a:p>
+        </p:txBody>
+      </p:sp>
+    </p:spTree>
+    <p:extLst>
+      <p:ext uri="{BB962C8B-B14F-4D97-AF65-F5344CB8AC3E}">
+        <p14:creationId xmlns:p14="http://schemas.microsoft.com/office/powerpoint/2010/main" val="3053550307"/>
+      </p:ext>
+    </p:extLst>
+  </p:cSld>
+  <p:clrMapOvr>
+    <a:masterClrMapping/>
+  </p:clrMapOvr>
+</p:notes>
+</file>
+
 <file path=ppt/notesSlides/notesSlide2.xml><?xml version="1.0" encoding="utf-8"?>
 <p:notes xmlns:a="http://schemas.openxmlformats.org/drawingml/2006/main" xmlns:r="http://schemas.openxmlformats.org/officeDocument/2006/relationships" xmlns:p="http://schemas.openxmlformats.org/presentationml/2006/main">
   <p:cSld>
@@ -575,7 +1642,7 @@
       </p:grpSpPr>
       <p:sp>
         <p:nvSpPr>
-          <p:cNvPr id="2" name="Slide Image Placeholder 1"/>
+          <p:cNvPr id="2" name="Tijdelijke aanduiding voor dia-afbeelding 1"/>
           <p:cNvSpPr>
             <a:spLocks noGrp="1" noRot="1" noChangeAspect="1"/>
           </p:cNvSpPr>
@@ -587,7 +1654,7 @@
       </p:sp>
       <p:sp>
         <p:nvSpPr>
-          <p:cNvPr id="3" name="Notes Placeholder 2"/>
+          <p:cNvPr id="3" name="Tijdelijke aanduiding voor notities 2"/>
           <p:cNvSpPr>
             <a:spLocks noGrp="1"/>
           </p:cNvSpPr>
@@ -600,21 +1667,13 @@
           <a:bodyPr/>
           <a:lstStyle/>
           <a:p>
-            <a:r>
-              <a:rPr lang="nl-BE" dirty="0" smtClean="0"/>
-              <a:t>i</a:t>
-            </a:r>
-            <a:r>
-              <a:rPr lang="nl-BE" baseline="0" dirty="0" smtClean="0"/>
-              <a:t> &lt; j vermelden!</a:t>
-            </a:r>
-            <a:endParaRPr lang="nl-BE" dirty="0"/>
-          </a:p>
-        </p:txBody>
-      </p:sp>
-      <p:sp>
-        <p:nvSpPr>
-          <p:cNvPr id="4" name="Slide Number Placeholder 3"/>
+            <a:endParaRPr lang="nl-NL"/>
+          </a:p>
+        </p:txBody>
+      </p:sp>
+      <p:sp>
+        <p:nvSpPr>
+          <p:cNvPr id="4" name="Tijdelijke aanduiding voor dianummer 3"/>
           <p:cNvSpPr>
             <a:spLocks noGrp="1"/>
           </p:cNvSpPr>
@@ -629,7 +1688,7 @@
           <a:p>
             <a:fld id="{8787E021-A170-414E-8B92-16820204145C}" type="slidenum">
               <a:rPr lang="nl-NL" smtClean="0"/>
-              <a:t>3</a:t>
+              <a:t>2</a:t>
             </a:fld>
             <a:endParaRPr lang="nl-NL"/>
           </a:p>
@@ -638,7 +1697,7 @@
     </p:spTree>
     <p:extLst>
       <p:ext uri="{BB962C8B-B14F-4D97-AF65-F5344CB8AC3E}">
-        <p14:creationId xmlns:p14="http://schemas.microsoft.com/office/powerpoint/2010/main" val="979629243"/>
+        <p14:creationId xmlns:p14="http://schemas.microsoft.com/office/powerpoint/2010/main" val="601608008"/>
       </p:ext>
     </p:extLst>
   </p:cSld>
@@ -667,7 +1726,7 @@
       </p:grpSpPr>
       <p:sp>
         <p:nvSpPr>
-          <p:cNvPr id="2" name="Tijdelijke aanduiding voor dia-afbeelding 1"/>
+          <p:cNvPr id="2" name="Slide Image Placeholder 1"/>
           <p:cNvSpPr>
             <a:spLocks noGrp="1" noRot="1" noChangeAspect="1"/>
           </p:cNvSpPr>
@@ -679,7 +1738,7 @@
       </p:sp>
       <p:sp>
         <p:nvSpPr>
-          <p:cNvPr id="3" name="Tijdelijke aanduiding voor notities 2"/>
+          <p:cNvPr id="3" name="Notes Placeholder 2"/>
           <p:cNvSpPr>
             <a:spLocks noGrp="1"/>
           </p:cNvSpPr>
@@ -693,32 +1752,20 @@
           <a:lstStyle/>
           <a:p>
             <a:r>
-              <a:rPr lang="nl-NL" dirty="0" smtClean="0"/>
-              <a:t>Uitleggen </a:t>
-            </a:r>
-            <a:r>
-              <a:rPr lang="nl-NL" dirty="0" err="1" smtClean="0"/>
-              <a:t>layers</a:t>
-            </a:r>
-            <a:r>
-              <a:rPr lang="nl-NL" dirty="0" smtClean="0"/>
-              <a:t> </a:t>
-            </a:r>
-            <a:r>
-              <a:rPr lang="nl-NL" dirty="0" err="1" smtClean="0"/>
-              <a:t>ahv</a:t>
-            </a:r>
-            <a:r>
-              <a:rPr lang="nl-NL" dirty="0" smtClean="0"/>
-              <a:t> voorbeelden</a:t>
-            </a:r>
-            <a:endParaRPr lang="nl-NL" dirty="0"/>
-          </a:p>
-        </p:txBody>
-      </p:sp>
-      <p:sp>
-        <p:nvSpPr>
-          <p:cNvPr id="4" name="Tijdelijke aanduiding voor dianummer 3"/>
+              <a:rPr lang="nl-BE" dirty="0" smtClean="0"/>
+              <a:t>i</a:t>
+            </a:r>
+            <a:r>
+              <a:rPr lang="nl-BE" baseline="0" dirty="0" smtClean="0"/>
+              <a:t> &lt; j vermelden!</a:t>
+            </a:r>
+            <a:endParaRPr lang="nl-BE" dirty="0"/>
+          </a:p>
+        </p:txBody>
+      </p:sp>
+      <p:sp>
+        <p:nvSpPr>
+          <p:cNvPr id="4" name="Slide Number Placeholder 3"/>
           <p:cNvSpPr>
             <a:spLocks noGrp="1"/>
           </p:cNvSpPr>
@@ -733,7 +1780,7 @@
           <a:p>
             <a:fld id="{8787E021-A170-414E-8B92-16820204145C}" type="slidenum">
               <a:rPr lang="nl-NL" smtClean="0"/>
-              <a:t>7</a:t>
+              <a:t>3</a:t>
             </a:fld>
             <a:endParaRPr lang="nl-NL"/>
           </a:p>
@@ -742,7 +1789,7 @@
     </p:spTree>
     <p:extLst>
       <p:ext uri="{BB962C8B-B14F-4D97-AF65-F5344CB8AC3E}">
-        <p14:creationId xmlns:p14="http://schemas.microsoft.com/office/powerpoint/2010/main" val="2352307695"/>
+        <p14:creationId xmlns:p14="http://schemas.microsoft.com/office/powerpoint/2010/main" val="979629243"/>
       </p:ext>
     </p:extLst>
   </p:cSld>
@@ -796,32 +1843,7 @@
           <a:bodyPr/>
           <a:lstStyle/>
           <a:p>
-            <a:r>
-              <a:rPr lang="nl-NL" dirty="0" smtClean="0"/>
-              <a:t>Uitleg hoe we aan de 55^33 komen.</a:t>
-            </a:r>
-          </a:p>
-          <a:p>
-            <a:r>
-              <a:rPr lang="nl-NL" dirty="0" smtClean="0"/>
-              <a:t>55^^33 = </a:t>
-            </a:r>
-            <a:r>
-              <a:rPr lang="nl-NL" baseline="0" dirty="0" smtClean="0"/>
-              <a:t>2 7*10^57</a:t>
-            </a:r>
-            <a:endParaRPr lang="nl-NL" baseline="0" dirty="0" smtClean="0"/>
-          </a:p>
-          <a:p>
-            <a:r>
-              <a:rPr lang="nl-NL" dirty="0" smtClean="0"/>
-              <a:t>55^^35 = </a:t>
-            </a:r>
-            <a:r>
-              <a:rPr lang="nl-NL" dirty="0" smtClean="0"/>
-              <a:t>8 1*10^60</a:t>
-            </a:r>
-            <a:endParaRPr lang="nl-NL" dirty="0"/>
+            <a:endParaRPr lang="nl-NL"/>
           </a:p>
         </p:txBody>
       </p:sp>
@@ -842,7 +1864,7 @@
           <a:p>
             <a:fld id="{8787E021-A170-414E-8B92-16820204145C}" type="slidenum">
               <a:rPr lang="nl-NL" smtClean="0"/>
-              <a:t>8</a:t>
+              <a:t>4</a:t>
             </a:fld>
             <a:endParaRPr lang="nl-NL"/>
           </a:p>
@@ -851,7 +1873,7 @@
     </p:spTree>
     <p:extLst>
       <p:ext uri="{BB962C8B-B14F-4D97-AF65-F5344CB8AC3E}">
-        <p14:creationId xmlns:p14="http://schemas.microsoft.com/office/powerpoint/2010/main" val="2352307695"/>
+        <p14:creationId xmlns:p14="http://schemas.microsoft.com/office/powerpoint/2010/main" val="1509663702"/>
       </p:ext>
     </p:extLst>
   </p:cSld>
@@ -905,39 +1927,7 @@
           <a:bodyPr/>
           <a:lstStyle/>
           <a:p>
-            <a:r>
-              <a:rPr lang="nl-NL" dirty="0" smtClean="0"/>
-              <a:t>Als n</a:t>
-            </a:r>
-            <a:r>
-              <a:rPr lang="nl-NL" baseline="0" dirty="0" smtClean="0"/>
-              <a:t> gevonden -&gt; </a:t>
-            </a:r>
-            <a:r>
-              <a:rPr lang="nl-NL" baseline="0" dirty="0" err="1" smtClean="0"/>
-              <a:t>lower</a:t>
-            </a:r>
-            <a:r>
-              <a:rPr lang="nl-NL" baseline="0" dirty="0" smtClean="0"/>
-              <a:t>/</a:t>
-            </a:r>
-            <a:r>
-              <a:rPr lang="nl-NL" baseline="0" dirty="0" err="1" smtClean="0"/>
-              <a:t>upper</a:t>
-            </a:r>
-            <a:r>
-              <a:rPr lang="nl-NL" baseline="0" dirty="0" smtClean="0"/>
-              <a:t> </a:t>
-            </a:r>
-            <a:r>
-              <a:rPr lang="nl-NL" baseline="0" dirty="0" err="1" smtClean="0"/>
-              <a:t>bound</a:t>
-            </a:r>
-            <a:r>
-              <a:rPr lang="nl-NL" baseline="0" dirty="0" smtClean="0"/>
-              <a:t> verbetert</a:t>
-            </a:r>
-            <a:endParaRPr lang="nl-NL" dirty="0"/>
+            <a:endParaRPr lang="nl-NL"/>
           </a:p>
         </p:txBody>
       </p:sp>
@@ -958,7 +1948,7 @@
           <a:p>
             <a:fld id="{8787E021-A170-414E-8B92-16820204145C}" type="slidenum">
               <a:rPr lang="nl-NL" smtClean="0"/>
-              <a:t>9</a:t>
+              <a:t>5</a:t>
             </a:fld>
             <a:endParaRPr lang="nl-NL"/>
           </a:p>
@@ -967,7 +1957,7 @@
     </p:spTree>
     <p:extLst>
       <p:ext uri="{BB962C8B-B14F-4D97-AF65-F5344CB8AC3E}">
-        <p14:creationId xmlns:p14="http://schemas.microsoft.com/office/powerpoint/2010/main" val="2352307695"/>
+        <p14:creationId xmlns:p14="http://schemas.microsoft.com/office/powerpoint/2010/main" val="781767975"/>
       </p:ext>
     </p:extLst>
   </p:cSld>
@@ -1021,17 +2011,7 @@
           <a:bodyPr/>
           <a:lstStyle/>
           <a:p>
-            <a:r>
-              <a:rPr lang="nl-NL" dirty="0" err="1" smtClean="0"/>
-              <a:t>Prunen</a:t>
-            </a:r>
-            <a:r>
-              <a:rPr lang="nl-NL" baseline="0" dirty="0" smtClean="0"/>
-              <a:t> = schrap de HELE TAK voor de generatie</a:t>
-            </a:r>
-          </a:p>
-          <a:p>
-            <a:endParaRPr lang="nl-NL" baseline="0" dirty="0" smtClean="0"/>
+            <a:endParaRPr lang="nl-NL"/>
           </a:p>
         </p:txBody>
       </p:sp>
@@ -1052,7 +2032,7 @@
           <a:p>
             <a:fld id="{8787E021-A170-414E-8B92-16820204145C}" type="slidenum">
               <a:rPr lang="nl-NL" smtClean="0"/>
-              <a:t>10</a:t>
+              <a:t>6</a:t>
             </a:fld>
             <a:endParaRPr lang="nl-NL"/>
           </a:p>
@@ -1061,7 +2041,7 @@
     </p:spTree>
     <p:extLst>
       <p:ext uri="{BB962C8B-B14F-4D97-AF65-F5344CB8AC3E}">
-        <p14:creationId xmlns:p14="http://schemas.microsoft.com/office/powerpoint/2010/main" val="4034858920"/>
+        <p14:creationId xmlns:p14="http://schemas.microsoft.com/office/powerpoint/2010/main" val="4269153334"/>
       </p:ext>
     </p:extLst>
   </p:cSld>
@@ -1115,11 +2095,7 @@
           <a:bodyPr/>
           <a:lstStyle/>
           <a:p>
-            <a:r>
-              <a:rPr lang="nl-NL" dirty="0" smtClean="0"/>
-              <a:t>Vermeldt onderaan equivalent mits parallel.</a:t>
-            </a:r>
-            <a:endParaRPr lang="nl-NL" dirty="0"/>
+            <a:endParaRPr lang="nl-NL"/>
           </a:p>
         </p:txBody>
       </p:sp>
@@ -1140,7 +2116,7 @@
           <a:p>
             <a:fld id="{8787E021-A170-414E-8B92-16820204145C}" type="slidenum">
               <a:rPr lang="nl-NL" smtClean="0"/>
-              <a:t>11</a:t>
+              <a:t>7</a:t>
             </a:fld>
             <a:endParaRPr lang="nl-NL"/>
           </a:p>
@@ -1149,7 +2125,7 @@
     </p:spTree>
     <p:extLst>
       <p:ext uri="{BB962C8B-B14F-4D97-AF65-F5344CB8AC3E}">
-        <p14:creationId xmlns:p14="http://schemas.microsoft.com/office/powerpoint/2010/main" val="617584284"/>
+        <p14:creationId xmlns:p14="http://schemas.microsoft.com/office/powerpoint/2010/main" val="341210471"/>
       </p:ext>
     </p:extLst>
   </p:cSld>
@@ -1203,38 +2179,6 @@
           <a:bodyPr/>
           <a:lstStyle/>
           <a:p>
-            <a:r>
-              <a:rPr lang="nl-NL" dirty="0" err="1" smtClean="0"/>
-              <a:t>Cb</a:t>
-            </a:r>
-            <a:r>
-              <a:rPr lang="nl-NL" dirty="0" smtClean="0"/>
-              <a:t> niet uitbreiden want als er een een </a:t>
-            </a:r>
-            <a:r>
-              <a:rPr lang="nl-NL" dirty="0" err="1" smtClean="0"/>
-              <a:t>network</a:t>
-            </a:r>
-            <a:r>
-              <a:rPr lang="nl-NL" dirty="0" smtClean="0"/>
-              <a:t> bestaat dat uit </a:t>
-            </a:r>
-            <a:r>
-              <a:rPr lang="nl-NL" dirty="0" err="1" smtClean="0"/>
-              <a:t>Cb</a:t>
-            </a:r>
-            <a:r>
-              <a:rPr lang="nl-NL" dirty="0" smtClean="0"/>
-              <a:t> volgt dan bestaat er ook 1 van </a:t>
-            </a:r>
-            <a:r>
-              <a:rPr lang="nl-NL" smtClean="0"/>
-              <a:t>zelfde</a:t>
-            </a:r>
-            <a:r>
-              <a:rPr lang="nl-NL" baseline="0" smtClean="0"/>
-              <a:t> lengte dat uit Ca volgt.</a:t>
-            </a:r>
             <a:endParaRPr lang="nl-NL"/>
           </a:p>
         </p:txBody>
@@ -1256,7 +2200,7 @@
           <a:p>
             <a:fld id="{8787E021-A170-414E-8B92-16820204145C}" type="slidenum">
               <a:rPr lang="nl-NL" smtClean="0"/>
-              <a:t>12</a:t>
+              <a:t>8</a:t>
             </a:fld>
             <a:endParaRPr lang="nl-NL"/>
           </a:p>
@@ -1265,7 +2209,91 @@
     </p:spTree>
     <p:extLst>
       <p:ext uri="{BB962C8B-B14F-4D97-AF65-F5344CB8AC3E}">
-        <p14:creationId xmlns:p14="http://schemas.microsoft.com/office/powerpoint/2010/main" val="3329142534"/>
+        <p14:creationId xmlns:p14="http://schemas.microsoft.com/office/powerpoint/2010/main" val="3869560187"/>
+      </p:ext>
+    </p:extLst>
+  </p:cSld>
+  <p:clrMapOvr>
+    <a:masterClrMapping/>
+  </p:clrMapOvr>
+</p:notes>
+</file>
+
+<file path=ppt/notesSlides/notesSlide9.xml><?xml version="1.0" encoding="utf-8"?>
+<p:notes xmlns:a="http://schemas.openxmlformats.org/drawingml/2006/main" xmlns:r="http://schemas.openxmlformats.org/officeDocument/2006/relationships" xmlns:p="http://schemas.openxmlformats.org/presentationml/2006/main">
+  <p:cSld>
+    <p:spTree>
+      <p:nvGrpSpPr>
+        <p:cNvPr id="1" name=""/>
+        <p:cNvGrpSpPr/>
+        <p:nvPr/>
+      </p:nvGrpSpPr>
+      <p:grpSpPr>
+        <a:xfrm>
+          <a:off x="0" y="0"/>
+          <a:ext cx="0" cy="0"/>
+          <a:chOff x="0" y="0"/>
+          <a:chExt cx="0" cy="0"/>
+        </a:xfrm>
+      </p:grpSpPr>
+      <p:sp>
+        <p:nvSpPr>
+          <p:cNvPr id="2" name="Tijdelijke aanduiding voor dia-afbeelding 1"/>
+          <p:cNvSpPr>
+            <a:spLocks noGrp="1" noRot="1" noChangeAspect="1"/>
+          </p:cNvSpPr>
+          <p:nvPr>
+            <p:ph type="sldImg"/>
+          </p:nvPr>
+        </p:nvSpPr>
+        <p:spPr/>
+      </p:sp>
+      <p:sp>
+        <p:nvSpPr>
+          <p:cNvPr id="3" name="Tijdelijke aanduiding voor notities 2"/>
+          <p:cNvSpPr>
+            <a:spLocks noGrp="1"/>
+          </p:cNvSpPr>
+          <p:nvPr>
+            <p:ph type="body" idx="1"/>
+          </p:nvPr>
+        </p:nvSpPr>
+        <p:spPr/>
+        <p:txBody>
+          <a:bodyPr/>
+          <a:lstStyle/>
+          <a:p>
+            <a:endParaRPr lang="nl-NL"/>
+          </a:p>
+        </p:txBody>
+      </p:sp>
+      <p:sp>
+        <p:nvSpPr>
+          <p:cNvPr id="4" name="Tijdelijke aanduiding voor dianummer 3"/>
+          <p:cNvSpPr>
+            <a:spLocks noGrp="1"/>
+          </p:cNvSpPr>
+          <p:nvPr>
+            <p:ph type="sldNum" sz="quarter" idx="10"/>
+          </p:nvPr>
+        </p:nvSpPr>
+        <p:spPr/>
+        <p:txBody>
+          <a:bodyPr/>
+          <a:lstStyle/>
+          <a:p>
+            <a:fld id="{8787E021-A170-414E-8B92-16820204145C}" type="slidenum">
+              <a:rPr lang="nl-NL" smtClean="0"/>
+              <a:t>9</a:t>
+            </a:fld>
+            <a:endParaRPr lang="nl-NL"/>
+          </a:p>
+        </p:txBody>
+      </p:sp>
+    </p:spTree>
+    <p:extLst>
+      <p:ext uri="{BB962C8B-B14F-4D97-AF65-F5344CB8AC3E}">
+        <p14:creationId xmlns:p14="http://schemas.microsoft.com/office/powerpoint/2010/main" val="2799616109"/>
       </p:ext>
     </p:extLst>
   </p:cSld>
@@ -1646,7 +2674,7 @@
           <a:p>
             <a:fld id="{4708D4E0-8E34-BE43-A9D9-F58B6D72D4C6}" type="datetimeFigureOut">
               <a:rPr lang="nl-NL" smtClean="0"/>
-              <a:t>25-10-2015</a:t>
+              <a:t>26/10/15</a:t>
             </a:fld>
             <a:endParaRPr lang="nl-NL"/>
           </a:p>
@@ -2075,7 +3103,7 @@
           <a:p>
             <a:fld id="{4708D4E0-8E34-BE43-A9D9-F58B6D72D4C6}" type="datetimeFigureOut">
               <a:rPr lang="nl-NL" smtClean="0"/>
-              <a:t>25-10-2015</a:t>
+              <a:t>26/10/15</a:t>
             </a:fld>
             <a:endParaRPr lang="nl-NL"/>
           </a:p>
@@ -2131,7 +3159,7 @@
           <a:p>
             <a:fld id="{2817EBE5-85DD-144A-B1FE-756E61FED028}" type="slidenum">
               <a:rPr lang="nl-NL" smtClean="0"/>
-              <a:t>‹#›</a:t>
+              <a:t>‹nr.›</a:t>
             </a:fld>
             <a:endParaRPr lang="nl-NL"/>
           </a:p>
@@ -2280,7 +3308,7 @@
           <a:p>
             <a:fld id="{4708D4E0-8E34-BE43-A9D9-F58B6D72D4C6}" type="datetimeFigureOut">
               <a:rPr lang="nl-NL" smtClean="0"/>
-              <a:t>25-10-2015</a:t>
+              <a:t>26/10/15</a:t>
             </a:fld>
             <a:endParaRPr lang="nl-NL"/>
           </a:p>
@@ -2322,7 +3350,7 @@
           <a:p>
             <a:fld id="{19371D3E-5A18-49EB-AD2A-429AF165759F}" type="slidenum">
               <a:rPr lang="en-US" smtClean="0"/>
-              <a:t>‹#›</a:t>
+              <a:t>‹nr.›</a:t>
             </a:fld>
             <a:endParaRPr lang="en-US"/>
           </a:p>
@@ -2551,7 +3579,7 @@
           <a:p>
             <a:fld id="{4708D4E0-8E34-BE43-A9D9-F58B6D72D4C6}" type="datetimeFigureOut">
               <a:rPr lang="nl-NL" smtClean="0"/>
-              <a:t>25-10-2015</a:t>
+              <a:t>26/10/15</a:t>
             </a:fld>
             <a:endParaRPr lang="nl-NL"/>
           </a:p>
@@ -2593,7 +3621,7 @@
           <a:p>
             <a:fld id="{2817EBE5-85DD-144A-B1FE-756E61FED028}" type="slidenum">
               <a:rPr lang="nl-NL" smtClean="0"/>
-              <a:t>‹#›</a:t>
+              <a:t>‹nr.›</a:t>
             </a:fld>
             <a:endParaRPr lang="nl-NL"/>
           </a:p>
@@ -2832,7 +3860,7 @@
           <a:p>
             <a:fld id="{4708D4E0-8E34-BE43-A9D9-F58B6D72D4C6}" type="datetimeFigureOut">
               <a:rPr lang="nl-NL" smtClean="0"/>
-              <a:t>25-10-2015</a:t>
+              <a:t>26/10/15</a:t>
             </a:fld>
             <a:endParaRPr lang="nl-NL"/>
           </a:p>
@@ -2874,7 +3902,7 @@
           <a:p>
             <a:fld id="{2817EBE5-85DD-144A-B1FE-756E61FED028}" type="slidenum">
               <a:rPr lang="nl-NL" smtClean="0"/>
-              <a:t>‹#›</a:t>
+              <a:t>‹nr.›</a:t>
             </a:fld>
             <a:endParaRPr lang="nl-NL"/>
           </a:p>
@@ -3067,7 +4095,7 @@
           <a:p>
             <a:fld id="{4708D4E0-8E34-BE43-A9D9-F58B6D72D4C6}" type="datetimeFigureOut">
               <a:rPr lang="nl-NL" smtClean="0"/>
-              <a:t>25-10-2015</a:t>
+              <a:t>26/10/15</a:t>
             </a:fld>
             <a:endParaRPr lang="nl-NL"/>
           </a:p>
@@ -3109,7 +4137,7 @@
           <a:p>
             <a:fld id="{2817EBE5-85DD-144A-B1FE-756E61FED028}" type="slidenum">
               <a:rPr lang="nl-NL" smtClean="0"/>
-              <a:t>‹#›</a:t>
+              <a:t>‹nr.›</a:t>
             </a:fld>
             <a:endParaRPr lang="nl-NL"/>
           </a:p>
@@ -3348,7 +4376,7 @@
           <a:p>
             <a:fld id="{4708D4E0-8E34-BE43-A9D9-F58B6D72D4C6}" type="datetimeFigureOut">
               <a:rPr lang="nl-NL" smtClean="0"/>
-              <a:t>25-10-2015</a:t>
+              <a:t>26/10/15</a:t>
             </a:fld>
             <a:endParaRPr lang="nl-NL"/>
           </a:p>
@@ -3390,7 +4418,7 @@
           <a:p>
             <a:fld id="{2817EBE5-85DD-144A-B1FE-756E61FED028}" type="slidenum">
               <a:rPr lang="nl-NL" smtClean="0"/>
-              <a:t>‹#›</a:t>
+              <a:t>‹nr.›</a:t>
             </a:fld>
             <a:endParaRPr lang="nl-NL"/>
           </a:p>
@@ -3775,7 +4803,7 @@
           <a:p>
             <a:fld id="{4708D4E0-8E34-BE43-A9D9-F58B6D72D4C6}" type="datetimeFigureOut">
               <a:rPr lang="nl-NL" smtClean="0"/>
-              <a:t>25-10-2015</a:t>
+              <a:t>26/10/15</a:t>
             </a:fld>
             <a:endParaRPr lang="nl-NL"/>
           </a:p>
@@ -4298,7 +5326,7 @@
           <a:p>
             <a:fld id="{4708D4E0-8E34-BE43-A9D9-F58B6D72D4C6}" type="datetimeFigureOut">
               <a:rPr lang="nl-NL" smtClean="0"/>
-              <a:t>25-10-2015</a:t>
+              <a:t>26/10/15</a:t>
             </a:fld>
             <a:endParaRPr lang="nl-NL"/>
           </a:p>
@@ -4660,7 +5688,7 @@
           <a:p>
             <a:fld id="{4708D4E0-8E34-BE43-A9D9-F58B6D72D4C6}" type="datetimeFigureOut">
               <a:rPr lang="nl-NL" smtClean="0"/>
-              <a:t>25-10-2015</a:t>
+              <a:t>26/10/15</a:t>
             </a:fld>
             <a:endParaRPr lang="nl-NL"/>
           </a:p>
@@ -4702,7 +5730,7 @@
           <a:p>
             <a:fld id="{2817EBE5-85DD-144A-B1FE-756E61FED028}" type="slidenum">
               <a:rPr lang="nl-NL" smtClean="0"/>
-              <a:t>‹#›</a:t>
+              <a:t>‹nr.›</a:t>
             </a:fld>
             <a:endParaRPr lang="nl-NL"/>
           </a:p>
@@ -5216,7 +6244,7 @@
           <a:p>
             <a:fld id="{4708D4E0-8E34-BE43-A9D9-F58B6D72D4C6}" type="datetimeFigureOut">
               <a:rPr lang="nl-NL" smtClean="0"/>
-              <a:t>25-10-2015</a:t>
+              <a:t>26/10/15</a:t>
             </a:fld>
             <a:endParaRPr lang="nl-NL"/>
           </a:p>
@@ -5258,7 +6286,7 @@
           <a:p>
             <a:fld id="{2817EBE5-85DD-144A-B1FE-756E61FED028}" type="slidenum">
               <a:rPr lang="nl-NL" smtClean="0"/>
-              <a:t>‹#›</a:t>
+              <a:t>‹nr.›</a:t>
             </a:fld>
             <a:endParaRPr lang="nl-NL"/>
           </a:p>
@@ -5441,7 +6469,7 @@
           <a:p>
             <a:fld id="{4708D4E0-8E34-BE43-A9D9-F58B6D72D4C6}" type="datetimeFigureOut">
               <a:rPr lang="nl-NL" smtClean="0"/>
-              <a:t>25-10-2015</a:t>
+              <a:t>26/10/15</a:t>
             </a:fld>
             <a:endParaRPr lang="nl-NL"/>
           </a:p>
@@ -5483,7 +6511,7 @@
           <a:p>
             <a:fld id="{2817EBE5-85DD-144A-B1FE-756E61FED028}" type="slidenum">
               <a:rPr lang="nl-NL" smtClean="0"/>
-              <a:t>‹#›</a:t>
+              <a:t>‹nr.›</a:t>
             </a:fld>
             <a:endParaRPr lang="nl-NL"/>
           </a:p>
@@ -5587,7 +6615,7 @@
           <a:p>
             <a:fld id="{4708D4E0-8E34-BE43-A9D9-F58B6D72D4C6}" type="datetimeFigureOut">
               <a:rPr lang="nl-NL" smtClean="0"/>
-              <a:t>25-10-2015</a:t>
+              <a:t>26/10/15</a:t>
             </a:fld>
             <a:endParaRPr lang="nl-NL"/>
           </a:p>
@@ -5629,7 +6657,7 @@
           <a:p>
             <a:fld id="{2817EBE5-85DD-144A-B1FE-756E61FED028}" type="slidenum">
               <a:rPr lang="nl-NL" smtClean="0"/>
-              <a:t>‹#›</a:t>
+              <a:t>‹nr.›</a:t>
             </a:fld>
             <a:endParaRPr lang="nl-NL"/>
           </a:p>
@@ -6052,7 +7080,7 @@
           <a:p>
             <a:fld id="{4708D4E0-8E34-BE43-A9D9-F58B6D72D4C6}" type="datetimeFigureOut">
               <a:rPr lang="nl-NL" smtClean="0"/>
-              <a:t>25-10-2015</a:t>
+              <a:t>26/10/15</a:t>
             </a:fld>
             <a:endParaRPr lang="nl-NL"/>
           </a:p>
@@ -6108,7 +7136,7 @@
           <a:p>
             <a:fld id="{2817EBE5-85DD-144A-B1FE-756E61FED028}" type="slidenum">
               <a:rPr lang="nl-NL" smtClean="0"/>
-              <a:t>‹#›</a:t>
+              <a:t>‹nr.›</a:t>
             </a:fld>
             <a:endParaRPr lang="nl-NL"/>
           </a:p>
@@ -6274,7 +7302,7 @@
           <a:p>
             <a:fld id="{4708D4E0-8E34-BE43-A9D9-F58B6D72D4C6}" type="datetimeFigureOut">
               <a:rPr lang="nl-NL" smtClean="0"/>
-              <a:t>25-10-2015</a:t>
+              <a:t>26/10/15</a:t>
             </a:fld>
             <a:endParaRPr lang="nl-NL"/>
           </a:p>
@@ -6352,7 +7380,7 @@
           <a:p>
             <a:fld id="{2817EBE5-85DD-144A-B1FE-756E61FED028}" type="slidenum">
               <a:rPr lang="nl-NL" smtClean="0"/>
-              <a:t>‹#›</a:t>
+              <a:t>‹nr.›</a:t>
             </a:fld>
             <a:endParaRPr lang="nl-NL"/>
           </a:p>
@@ -6817,10 +7845,22 @@
   <p:clrMapOvr>
     <a:masterClrMapping/>
   </p:clrMapOvr>
+  <mc:AlternateContent xmlns:mc="http://schemas.openxmlformats.org/markup-compatibility/2006">
+    <mc:Choice xmlns:p14="http://schemas.microsoft.com/office/powerpoint/2010/main" Requires="p14">
+      <p:transition spd="med" p14:dur="700">
+        <p:fade/>
+      </p:transition>
+    </mc:Choice>
+    <mc:Fallback>
+      <p:transition xmlns:p14="http://schemas.microsoft.com/office/powerpoint/2010/main" spd="med">
+        <p:fade/>
+      </p:transition>
+    </mc:Fallback>
+  </mc:AlternateContent>
   <p:timing>
     <p:tnLst>
       <p:par>
-        <p:cTn id="1" dur="indefinite" restart="never" nodeType="tmRoot"/>
+        <p:cTn xmlns:p14="http://schemas.microsoft.com/office/powerpoint/2010/main" id="1" dur="indefinite" restart="never" nodeType="tmRoot"/>
       </p:par>
     </p:tnLst>
   </p:timing>
@@ -6883,153 +7923,143 @@
           <a:lstStyle/>
           <a:p>
             <a:r>
-              <a:rPr lang="nl-NL" dirty="0" smtClean="0"/>
-              <a:t>Optimalisatie test</a:t>
-            </a:r>
-          </a:p>
-          <a:p>
-            <a:r>
-              <a:rPr lang="nl-NL" dirty="0" smtClean="0"/>
-              <a:t>Optimalisatie domein (</a:t>
-            </a:r>
-            <a:r>
               <a:rPr lang="nl-NL" dirty="0" err="1" smtClean="0"/>
-              <a:t>Generate</a:t>
-            </a:r>
-            <a:r>
-              <a:rPr lang="nl-NL" dirty="0" smtClean="0"/>
-              <a:t> + </a:t>
-            </a:r>
-            <a:r>
-              <a:rPr lang="nl-NL" dirty="0" err="1" smtClean="0"/>
-              <a:t>pruning</a:t>
-            </a:r>
-            <a:r>
-              <a:rPr lang="nl-NL" dirty="0" smtClean="0"/>
-              <a:t>)</a:t>
-            </a:r>
-          </a:p>
-          <a:p>
-            <a:pPr lvl="1"/>
-            <a:r>
-              <a:rPr lang="nl-NL" dirty="0" smtClean="0"/>
-              <a:t>Overbodige </a:t>
+              <a:t>Optimal</a:t>
+            </a:r>
+            <a:r>
+              <a:rPr lang="nl-NL" dirty="0" smtClean="0"/>
+              <a:t> </a:t>
+            </a:r>
+            <a:r>
+              <a:rPr lang="nl-NL" dirty="0" err="1"/>
+              <a:t>size</a:t>
+            </a:r>
+            <a:endParaRPr lang="nl-NL" dirty="0"/>
+          </a:p>
+          <a:p>
+            <a:pPr lvl="1">
+              <a:buFont typeface="Wingdings" charset="2"/>
+              <a:buChar char="Ø"/>
+            </a:pPr>
+            <a:r>
+              <a:rPr lang="nl-NL" dirty="0" smtClean="0"/>
+              <a:t>Minimaal # </a:t>
             </a:r>
             <a:r>
               <a:rPr lang="nl-NL" dirty="0" err="1" smtClean="0"/>
               <a:t>comparators</a:t>
             </a:r>
-            <a:r>
-              <a:rPr lang="nl-NL" dirty="0" smtClean="0"/>
-              <a:t> verwijderen.</a:t>
+            <a:endParaRPr lang="nl-NL" dirty="0" smtClean="0"/>
+          </a:p>
+          <a:p>
+            <a:pPr lvl="1">
+              <a:buFont typeface="Wingdings" charset="2"/>
+              <a:buChar char="Ø"/>
+            </a:pPr>
+            <a:r>
+              <a:rPr lang="nl-NL" dirty="0" err="1" smtClean="0"/>
+              <a:t>Size</a:t>
+            </a:r>
+            <a:r>
+              <a:rPr lang="nl-NL" dirty="0" smtClean="0"/>
+              <a:t> 11 kanalen = ?</a:t>
+            </a:r>
+          </a:p>
+          <a:p>
+            <a:r>
+              <a:rPr lang="nl-NL" dirty="0" err="1" smtClean="0"/>
+              <a:t>Optimal</a:t>
+            </a:r>
+            <a:r>
+              <a:rPr lang="nl-NL" dirty="0" smtClean="0"/>
+              <a:t> </a:t>
+            </a:r>
+            <a:r>
+              <a:rPr lang="nl-NL" dirty="0" err="1"/>
+              <a:t>depth</a:t>
+            </a:r>
+            <a:endParaRPr lang="nl-NL" dirty="0"/>
+          </a:p>
+          <a:p>
+            <a:pPr lvl="1">
+              <a:buFont typeface="Wingdings" charset="2"/>
+              <a:buChar char="Ø"/>
+            </a:pPr>
+            <a:r>
+              <a:rPr lang="nl-NL" dirty="0" smtClean="0"/>
+              <a:t>Minimaal # </a:t>
+            </a:r>
+            <a:r>
+              <a:rPr lang="nl-NL" dirty="0" err="1" smtClean="0"/>
+              <a:t>layers</a:t>
+            </a:r>
+            <a:endParaRPr lang="nl-NL" dirty="0" smtClean="0"/>
+          </a:p>
+          <a:p>
+            <a:pPr lvl="1">
+              <a:buFont typeface="Wingdings" charset="2"/>
+              <a:buChar char="Ø"/>
+            </a:pPr>
+            <a:r>
+              <a:rPr lang="nl-NL" dirty="0" smtClean="0"/>
+              <a:t>Depth 17 kanalen = ?</a:t>
             </a:r>
           </a:p>
           <a:p>
             <a:pPr lvl="1"/>
             <a:endParaRPr lang="nl-NL" dirty="0" smtClean="0"/>
           </a:p>
-          <a:p>
-            <a:pPr lvl="1"/>
+        </p:txBody>
+      </p:sp>
+      <p:sp>
+        <p:nvSpPr>
+          <p:cNvPr id="4" name="Tijdelijke aanduiding voor inhoud 3"/>
+          <p:cNvSpPr>
+            <a:spLocks noGrp="1"/>
+          </p:cNvSpPr>
+          <p:nvPr>
+            <p:ph sz="half" idx="2"/>
+          </p:nvPr>
+        </p:nvSpPr>
+        <p:spPr/>
+        <p:txBody>
+          <a:bodyPr/>
+          <a:lstStyle/>
+          <a:p>
+            <a:r>
+              <a:rPr lang="nl-NL" dirty="0" smtClean="0"/>
+              <a:t>(twee voorbeelden)</a:t>
+            </a:r>
             <a:endParaRPr lang="nl-NL" dirty="0"/>
           </a:p>
         </p:txBody>
       </p:sp>
-      <p:pic>
-        <p:nvPicPr>
-          <p:cNvPr id="2050" name="Picture 2" descr="C:\Users\Admin\Desktop\Overbodige5.png"/>
-          <p:cNvPicPr>
-            <a:picLocks noChangeAspect="1" noChangeArrowheads="1"/>
-          </p:cNvPicPr>
-          <p:nvPr/>
-        </p:nvPicPr>
-        <p:blipFill>
-          <a:blip r:embed="rId3">
-            <a:extLst>
-              <a:ext uri="{28A0092B-C50C-407E-A947-70E740481C1C}">
-                <a14:useLocalDpi xmlns:a14="http://schemas.microsoft.com/office/drawing/2010/main" val="0"/>
-              </a:ext>
-            </a:extLst>
-          </a:blip>
-          <a:srcRect/>
-          <a:stretch>
-            <a:fillRect/>
-          </a:stretch>
-        </p:blipFill>
-        <p:spPr bwMode="auto">
-          <a:xfrm>
-            <a:off x="4780344" y="2108525"/>
-            <a:ext cx="2685335" cy="1532105"/>
-          </a:xfrm>
-          <a:prstGeom prst="rect">
-            <a:avLst/>
-          </a:prstGeom>
-          <a:noFill/>
-          <a:extLst>
-            <a:ext uri="{909E8E84-426E-40DD-AFC4-6F175D3DCCD1}">
-              <a14:hiddenFill xmlns:a14="http://schemas.microsoft.com/office/drawing/2010/main">
-                <a:solidFill>
-                  <a:srgbClr val="FFFFFF"/>
-                </a:solidFill>
-              </a14:hiddenFill>
-            </a:ext>
-          </a:extLst>
-        </p:spPr>
-      </p:pic>
-      <p:pic>
-        <p:nvPicPr>
-          <p:cNvPr id="2051" name="Picture 3" descr="C:\Users\Admin\Desktop\Overbodige52.png"/>
-          <p:cNvPicPr>
-            <a:picLocks noChangeAspect="1" noChangeArrowheads="1"/>
-          </p:cNvPicPr>
-          <p:nvPr/>
-        </p:nvPicPr>
-        <p:blipFill>
-          <a:blip r:embed="rId4">
-            <a:extLst>
-              <a:ext uri="{28A0092B-C50C-407E-A947-70E740481C1C}">
-                <a14:useLocalDpi xmlns:a14="http://schemas.microsoft.com/office/drawing/2010/main" val="0"/>
-              </a:ext>
-            </a:extLst>
-          </a:blip>
-          <a:srcRect/>
-          <a:stretch>
-            <a:fillRect/>
-          </a:stretch>
-        </p:blipFill>
-        <p:spPr bwMode="auto">
-          <a:xfrm>
-            <a:off x="4780344" y="3960478"/>
-            <a:ext cx="2696910" cy="1532105"/>
-          </a:xfrm>
-          <a:prstGeom prst="rect">
-            <a:avLst/>
-          </a:prstGeom>
-          <a:noFill/>
-          <a:extLst>
-            <a:ext uri="{909E8E84-426E-40DD-AFC4-6F175D3DCCD1}">
-              <a14:hiddenFill xmlns:a14="http://schemas.microsoft.com/office/drawing/2010/main">
-                <a:solidFill>
-                  <a:srgbClr val="FFFFFF"/>
-                </a:solidFill>
-              </a14:hiddenFill>
-            </a:ext>
-          </a:extLst>
-        </p:spPr>
-      </p:pic>
     </p:spTree>
     <p:extLst>
       <p:ext uri="{BB962C8B-B14F-4D97-AF65-F5344CB8AC3E}">
-        <p14:creationId xmlns:p14="http://schemas.microsoft.com/office/powerpoint/2010/main" val="3839918824"/>
+        <p14:creationId xmlns:p14="http://schemas.microsoft.com/office/powerpoint/2010/main" val="3804513990"/>
       </p:ext>
     </p:extLst>
   </p:cSld>
   <p:clrMapOvr>
     <a:masterClrMapping/>
   </p:clrMapOvr>
+  <mc:AlternateContent xmlns:mc="http://schemas.openxmlformats.org/markup-compatibility/2006">
+    <mc:Choice xmlns:p14="http://schemas.microsoft.com/office/powerpoint/2010/main" Requires="p14">
+      <p:transition spd="med" p14:dur="700">
+        <p:fade/>
+      </p:transition>
+    </mc:Choice>
+    <mc:Fallback>
+      <p:transition xmlns:p14="http://schemas.microsoft.com/office/powerpoint/2010/main" spd="med">
+        <p:fade/>
+      </p:transition>
+    </mc:Fallback>
+  </mc:AlternateContent>
   <p:timing>
     <p:tnLst>
       <p:par>
-        <p:cTn id="1" dur="indefinite" restart="never" nodeType="tmRoot"/>
+        <p:cTn xmlns:p14="http://schemas.microsoft.com/office/powerpoint/2010/main" id="1" dur="indefinite" restart="never" nodeType="tmRoot"/>
       </p:par>
     </p:tnLst>
   </p:timing>
@@ -7070,2580 +8100,6 @@
           <a:p>
             <a:r>
               <a:rPr lang="nl-NL" dirty="0" smtClean="0"/>
-              <a:t>Permutatie - </a:t>
-            </a:r>
-            <a:r>
-              <a:rPr lang="nl-NL" dirty="0" err="1" smtClean="0"/>
-              <a:t>Untangling</a:t>
-            </a:r>
-            <a:endParaRPr lang="nl-NL" dirty="0"/>
-          </a:p>
-        </p:txBody>
-      </p:sp>
-      <p:sp>
-        <p:nvSpPr>
-          <p:cNvPr id="3" name="Tijdelijke aanduiding voor inhoud 2"/>
-          <p:cNvSpPr>
-            <a:spLocks noGrp="1"/>
-          </p:cNvSpPr>
-          <p:nvPr>
-            <p:ph sz="half" idx="1"/>
-          </p:nvPr>
-        </p:nvSpPr>
-        <p:spPr/>
-        <p:txBody>
-          <a:bodyPr/>
-          <a:lstStyle/>
-          <a:p>
-            <a:r>
-              <a:rPr lang="nl-NL" dirty="0" smtClean="0"/>
-              <a:t>a ≈ b via (1 3)(2 4)</a:t>
-            </a:r>
-          </a:p>
-          <a:p>
-            <a:pPr marL="0" indent="0">
-              <a:buNone/>
-            </a:pPr>
-            <a:r>
-              <a:rPr lang="nl-NL" dirty="0" smtClean="0"/>
-              <a:t>a=(1 2</a:t>
-            </a:r>
-            <a:r>
-              <a:rPr lang="nl-NL" dirty="0" smtClean="0"/>
-              <a:t>)(</a:t>
-            </a:r>
-            <a:r>
-              <a:rPr lang="nl-NL" dirty="0" smtClean="0"/>
-              <a:t>3 4</a:t>
-            </a:r>
-            <a:r>
-              <a:rPr lang="nl-NL" dirty="0" smtClean="0"/>
-              <a:t>)(</a:t>
-            </a:r>
-            <a:r>
-              <a:rPr lang="nl-NL" dirty="0" smtClean="0"/>
-              <a:t>1 4</a:t>
-            </a:r>
-            <a:r>
-              <a:rPr lang="nl-NL" dirty="0" smtClean="0"/>
-              <a:t>)(</a:t>
-            </a:r>
-            <a:r>
-              <a:rPr lang="nl-NL" dirty="0" smtClean="0"/>
-              <a:t>1 3</a:t>
-            </a:r>
-            <a:r>
-              <a:rPr lang="nl-NL" dirty="0" smtClean="0"/>
-              <a:t>)(</a:t>
-            </a:r>
-            <a:r>
-              <a:rPr lang="nl-NL" dirty="0" smtClean="0"/>
-              <a:t>2 4</a:t>
-            </a:r>
-            <a:r>
-              <a:rPr lang="nl-NL" dirty="0" smtClean="0"/>
-              <a:t>)(</a:t>
-            </a:r>
-            <a:r>
-              <a:rPr lang="nl-NL" dirty="0" smtClean="0"/>
-              <a:t>2 3</a:t>
-            </a:r>
-            <a:r>
-              <a:rPr lang="nl-NL" dirty="0" smtClean="0"/>
-              <a:t>)</a:t>
-            </a:r>
-            <a:br>
-              <a:rPr lang="nl-NL" dirty="0" smtClean="0"/>
-            </a:br>
-            <a:r>
-              <a:rPr lang="nl-NL" dirty="0" smtClean="0"/>
-              <a:t>(</a:t>
-            </a:r>
-            <a:r>
-              <a:rPr lang="nl-NL" dirty="0" smtClean="0"/>
-              <a:t>3 4</a:t>
-            </a:r>
-            <a:r>
-              <a:rPr lang="nl-NL" dirty="0" smtClean="0"/>
-              <a:t>)(</a:t>
-            </a:r>
-            <a:r>
-              <a:rPr lang="nl-NL" dirty="0" smtClean="0"/>
-              <a:t>1 2</a:t>
-            </a:r>
-            <a:r>
-              <a:rPr lang="nl-NL" dirty="0" smtClean="0"/>
-              <a:t>)(</a:t>
-            </a:r>
-            <a:r>
-              <a:rPr lang="nl-NL" dirty="0" smtClean="0"/>
-              <a:t>3 2</a:t>
-            </a:r>
-            <a:r>
-              <a:rPr lang="nl-NL" dirty="0" smtClean="0"/>
-              <a:t>)(</a:t>
-            </a:r>
-            <a:r>
-              <a:rPr lang="nl-NL" dirty="0" smtClean="0"/>
-              <a:t>3 1</a:t>
-            </a:r>
-            <a:r>
-              <a:rPr lang="nl-NL" dirty="0" smtClean="0"/>
-              <a:t>)(</a:t>
-            </a:r>
-            <a:r>
-              <a:rPr lang="nl-NL" dirty="0" smtClean="0"/>
-              <a:t>4 2</a:t>
-            </a:r>
-            <a:r>
-              <a:rPr lang="nl-NL" dirty="0" smtClean="0"/>
-              <a:t>)(</a:t>
-            </a:r>
-            <a:r>
-              <a:rPr lang="nl-NL" dirty="0" smtClean="0"/>
-              <a:t>4 1</a:t>
-            </a:r>
-            <a:r>
-              <a:rPr lang="nl-NL" dirty="0" smtClean="0"/>
-              <a:t>)</a:t>
-            </a:r>
-            <a:r>
-              <a:rPr lang="nl-NL" dirty="0"/>
-              <a:t/>
-            </a:r>
-            <a:br>
-              <a:rPr lang="nl-NL" dirty="0"/>
-            </a:br>
-            <a:r>
-              <a:rPr lang="nl-NL" dirty="0" smtClean="0"/>
-              <a:t>Untangling</a:t>
-            </a:r>
-            <a:r>
-              <a:rPr lang="nl-NL" dirty="0"/>
-              <a:t/>
-            </a:r>
-            <a:br>
-              <a:rPr lang="nl-NL" dirty="0"/>
-            </a:br>
-            <a:r>
-              <a:rPr lang="nl-NL" dirty="0" smtClean="0"/>
-              <a:t>(</a:t>
-            </a:r>
-            <a:r>
-              <a:rPr lang="nl-NL" dirty="0" smtClean="0"/>
-              <a:t>3 4</a:t>
-            </a:r>
-            <a:r>
-              <a:rPr lang="nl-NL" dirty="0" smtClean="0"/>
-              <a:t>)(</a:t>
-            </a:r>
-            <a:r>
-              <a:rPr lang="nl-NL" dirty="0" smtClean="0"/>
-              <a:t>1 2</a:t>
-            </a:r>
-            <a:r>
-              <a:rPr lang="nl-NL" dirty="0" smtClean="0"/>
-              <a:t>)</a:t>
-            </a:r>
-            <a:r>
-              <a:rPr lang="nl-NL" dirty="0" smtClean="0">
-                <a:solidFill>
-                  <a:srgbClr val="FF0000"/>
-                </a:solidFill>
-              </a:rPr>
-              <a:t>(</a:t>
-            </a:r>
-            <a:r>
-              <a:rPr lang="nl-NL" dirty="0" smtClean="0">
-                <a:solidFill>
-                  <a:srgbClr val="FF0000"/>
-                </a:solidFill>
-              </a:rPr>
-              <a:t>2 3</a:t>
-            </a:r>
-            <a:r>
-              <a:rPr lang="nl-NL" dirty="0" smtClean="0">
-                <a:solidFill>
-                  <a:srgbClr val="FF0000"/>
-                </a:solidFill>
-              </a:rPr>
-              <a:t>)</a:t>
-            </a:r>
-            <a:r>
-              <a:rPr lang="nl-NL" dirty="0" smtClean="0"/>
-              <a:t>(</a:t>
-            </a:r>
-            <a:r>
-              <a:rPr lang="nl-NL" dirty="0" smtClean="0"/>
-              <a:t>2 1</a:t>
-            </a:r>
-            <a:r>
-              <a:rPr lang="nl-NL" dirty="0" smtClean="0"/>
-              <a:t>)(</a:t>
-            </a:r>
-            <a:r>
-              <a:rPr lang="nl-NL" dirty="0" smtClean="0"/>
-              <a:t>4 3</a:t>
-            </a:r>
-            <a:r>
-              <a:rPr lang="nl-NL" dirty="0" smtClean="0"/>
-              <a:t>)(</a:t>
-            </a:r>
-            <a:r>
-              <a:rPr lang="nl-NL" dirty="0" smtClean="0"/>
-              <a:t>4 1</a:t>
-            </a:r>
-            <a:r>
-              <a:rPr lang="nl-NL" dirty="0" smtClean="0"/>
-              <a:t>)</a:t>
-            </a:r>
-            <a:br>
-              <a:rPr lang="nl-NL" dirty="0" smtClean="0"/>
-            </a:br>
-            <a:r>
-              <a:rPr lang="nl-NL" dirty="0" smtClean="0">
-                <a:solidFill>
-                  <a:srgbClr val="FFFFFF"/>
-                </a:solidFill>
-              </a:rPr>
-              <a:t>(</a:t>
-            </a:r>
-            <a:r>
-              <a:rPr lang="nl-NL" dirty="0" smtClean="0">
-                <a:solidFill>
-                  <a:srgbClr val="FFFFFF"/>
-                </a:solidFill>
-              </a:rPr>
-              <a:t>3 4</a:t>
-            </a:r>
-            <a:r>
-              <a:rPr lang="nl-NL" dirty="0" smtClean="0">
-                <a:solidFill>
-                  <a:srgbClr val="FFFFFF"/>
-                </a:solidFill>
-              </a:rPr>
-              <a:t>)(</a:t>
-            </a:r>
-            <a:r>
-              <a:rPr lang="nl-NL" dirty="0" smtClean="0">
-                <a:solidFill>
-                  <a:srgbClr val="FFFFFF"/>
-                </a:solidFill>
-              </a:rPr>
-              <a:t>1 2</a:t>
-            </a:r>
-            <a:r>
-              <a:rPr lang="nl-NL" dirty="0" smtClean="0">
-                <a:solidFill>
-                  <a:srgbClr val="FFFFFF"/>
-                </a:solidFill>
-              </a:rPr>
-              <a:t>)(</a:t>
-            </a:r>
-            <a:r>
-              <a:rPr lang="nl-NL" dirty="0" smtClean="0">
-                <a:solidFill>
-                  <a:srgbClr val="FFFFFF"/>
-                </a:solidFill>
-              </a:rPr>
-              <a:t>2 3</a:t>
-            </a:r>
-            <a:r>
-              <a:rPr lang="nl-NL" dirty="0" smtClean="0">
-                <a:solidFill>
-                  <a:srgbClr val="FFFFFF"/>
-                </a:solidFill>
-              </a:rPr>
-              <a:t>)</a:t>
-            </a:r>
-            <a:r>
-              <a:rPr lang="nl-NL" dirty="0" smtClean="0">
-                <a:solidFill>
-                  <a:srgbClr val="FF0000"/>
-                </a:solidFill>
-              </a:rPr>
-              <a:t>(</a:t>
-            </a:r>
-            <a:r>
-              <a:rPr lang="nl-NL" dirty="0" smtClean="0">
-                <a:solidFill>
-                  <a:srgbClr val="FF0000"/>
-                </a:solidFill>
-              </a:rPr>
-              <a:t>1 2</a:t>
-            </a:r>
-            <a:r>
-              <a:rPr lang="nl-NL" dirty="0" smtClean="0">
-                <a:solidFill>
-                  <a:srgbClr val="FF0000"/>
-                </a:solidFill>
-              </a:rPr>
-              <a:t>)</a:t>
-            </a:r>
-            <a:r>
-              <a:rPr lang="nl-NL" dirty="0" smtClean="0"/>
-              <a:t>(</a:t>
-            </a:r>
-            <a:r>
-              <a:rPr lang="nl-NL" dirty="0" smtClean="0"/>
-              <a:t>4 3</a:t>
-            </a:r>
-            <a:r>
-              <a:rPr lang="nl-NL" dirty="0" smtClean="0"/>
-              <a:t>)(</a:t>
-            </a:r>
-            <a:r>
-              <a:rPr lang="nl-NL" dirty="0" smtClean="0"/>
-              <a:t>4 2</a:t>
-            </a:r>
-            <a:r>
-              <a:rPr lang="nl-NL" dirty="0" smtClean="0"/>
-              <a:t>)</a:t>
-            </a:r>
-            <a:br>
-              <a:rPr lang="nl-NL" dirty="0" smtClean="0"/>
-            </a:br>
-            <a:r>
-              <a:rPr lang="nl-NL" dirty="0" smtClean="0">
-                <a:solidFill>
-                  <a:schemeClr val="bg1"/>
-                </a:solidFill>
-              </a:rPr>
-              <a:t>(</a:t>
-            </a:r>
-            <a:r>
-              <a:rPr lang="nl-NL" dirty="0" smtClean="0">
-                <a:solidFill>
-                  <a:schemeClr val="bg1"/>
-                </a:solidFill>
-              </a:rPr>
-              <a:t>3 4</a:t>
-            </a:r>
-            <a:r>
-              <a:rPr lang="nl-NL" dirty="0" smtClean="0">
-                <a:solidFill>
-                  <a:schemeClr val="bg1"/>
-                </a:solidFill>
-              </a:rPr>
-              <a:t>)(</a:t>
-            </a:r>
-            <a:r>
-              <a:rPr lang="nl-NL" dirty="0" smtClean="0">
-                <a:solidFill>
-                  <a:schemeClr val="bg1"/>
-                </a:solidFill>
-              </a:rPr>
-              <a:t>1 2</a:t>
-            </a:r>
-            <a:r>
-              <a:rPr lang="nl-NL" dirty="0" smtClean="0">
-                <a:solidFill>
-                  <a:schemeClr val="bg1"/>
-                </a:solidFill>
-              </a:rPr>
-              <a:t>)(</a:t>
-            </a:r>
-            <a:r>
-              <a:rPr lang="nl-NL" dirty="0" smtClean="0">
-                <a:solidFill>
-                  <a:schemeClr val="bg1"/>
-                </a:solidFill>
-              </a:rPr>
-              <a:t>2 3</a:t>
-            </a:r>
-            <a:r>
-              <a:rPr lang="nl-NL" dirty="0" smtClean="0">
-                <a:solidFill>
-                  <a:schemeClr val="bg1"/>
-                </a:solidFill>
-              </a:rPr>
-              <a:t>)(</a:t>
-            </a:r>
-            <a:r>
-              <a:rPr lang="nl-NL" dirty="0" smtClean="0">
-                <a:solidFill>
-                  <a:schemeClr val="bg1"/>
-                </a:solidFill>
-              </a:rPr>
-              <a:t>1 2</a:t>
-            </a:r>
-            <a:r>
-              <a:rPr lang="nl-NL" dirty="0" smtClean="0">
-                <a:solidFill>
-                  <a:schemeClr val="bg1"/>
-                </a:solidFill>
-              </a:rPr>
-              <a:t>)</a:t>
-            </a:r>
-            <a:r>
-              <a:rPr lang="nl-NL" dirty="0" smtClean="0">
-                <a:solidFill>
-                  <a:srgbClr val="FF0000"/>
-                </a:solidFill>
-              </a:rPr>
-              <a:t>(</a:t>
-            </a:r>
-            <a:r>
-              <a:rPr lang="nl-NL" dirty="0" smtClean="0">
-                <a:solidFill>
-                  <a:srgbClr val="FF0000"/>
-                </a:solidFill>
-              </a:rPr>
-              <a:t>3 4</a:t>
-            </a:r>
-            <a:r>
-              <a:rPr lang="nl-NL" dirty="0" smtClean="0">
-                <a:solidFill>
-                  <a:srgbClr val="FF0000"/>
-                </a:solidFill>
-              </a:rPr>
-              <a:t>)</a:t>
-            </a:r>
-            <a:r>
-              <a:rPr lang="nl-NL" dirty="0" smtClean="0"/>
-              <a:t>(</a:t>
-            </a:r>
-            <a:r>
-              <a:rPr lang="nl-NL" dirty="0" smtClean="0"/>
-              <a:t>3 2</a:t>
-            </a:r>
-            <a:r>
-              <a:rPr lang="nl-NL" dirty="0" smtClean="0"/>
-              <a:t>)</a:t>
-            </a:r>
-            <a:br>
-              <a:rPr lang="nl-NL" dirty="0" smtClean="0"/>
-            </a:br>
-            <a:r>
-              <a:rPr lang="nl-NL" dirty="0" smtClean="0"/>
-              <a:t>(</a:t>
-            </a:r>
-            <a:r>
-              <a:rPr lang="nl-NL" dirty="0" smtClean="0"/>
-              <a:t>3 4</a:t>
-            </a:r>
-            <a:r>
-              <a:rPr lang="nl-NL" dirty="0" smtClean="0"/>
-              <a:t>)(</a:t>
-            </a:r>
-            <a:r>
-              <a:rPr lang="nl-NL" dirty="0" smtClean="0"/>
-              <a:t>1 2</a:t>
-            </a:r>
-            <a:r>
-              <a:rPr lang="nl-NL" dirty="0" smtClean="0"/>
-              <a:t>)(</a:t>
-            </a:r>
-            <a:r>
-              <a:rPr lang="nl-NL" dirty="0" smtClean="0"/>
-              <a:t>2 3</a:t>
-            </a:r>
-            <a:r>
-              <a:rPr lang="nl-NL" dirty="0" smtClean="0"/>
-              <a:t>)(</a:t>
-            </a:r>
-            <a:r>
-              <a:rPr lang="nl-NL" dirty="0" smtClean="0"/>
-              <a:t>1 2</a:t>
-            </a:r>
-            <a:r>
-              <a:rPr lang="nl-NL" dirty="0" smtClean="0"/>
-              <a:t>)(</a:t>
-            </a:r>
-            <a:r>
-              <a:rPr lang="nl-NL" dirty="0" smtClean="0"/>
-              <a:t>3 4</a:t>
-            </a:r>
-            <a:r>
-              <a:rPr lang="nl-NL" dirty="0" smtClean="0"/>
-              <a:t>)</a:t>
-            </a:r>
-            <a:r>
-              <a:rPr lang="nl-NL" dirty="0" smtClean="0">
-                <a:solidFill>
-                  <a:srgbClr val="FF0000"/>
-                </a:solidFill>
-              </a:rPr>
-              <a:t>(</a:t>
-            </a:r>
-            <a:r>
-              <a:rPr lang="nl-NL" dirty="0" smtClean="0">
-                <a:solidFill>
-                  <a:srgbClr val="FF0000"/>
-                </a:solidFill>
-              </a:rPr>
-              <a:t>2 3</a:t>
-            </a:r>
-            <a:r>
-              <a:rPr lang="nl-NL" dirty="0" smtClean="0">
-                <a:solidFill>
-                  <a:srgbClr val="FF0000"/>
-                </a:solidFill>
-              </a:rPr>
-              <a:t>)</a:t>
-            </a:r>
-          </a:p>
-        </p:txBody>
-      </p:sp>
-      <p:sp>
-        <p:nvSpPr>
-          <p:cNvPr id="4" name="Tijdelijke aanduiding voor inhoud 3"/>
-          <p:cNvSpPr>
-            <a:spLocks noGrp="1"/>
-          </p:cNvSpPr>
-          <p:nvPr>
-            <p:ph sz="half" idx="2"/>
-          </p:nvPr>
-        </p:nvSpPr>
-        <p:spPr>
-          <a:xfrm>
-            <a:off x="4705351" y="1992776"/>
-            <a:ext cx="3657600" cy="3975100"/>
-          </a:xfrm>
-        </p:spPr>
-        <p:txBody>
-          <a:bodyPr/>
-          <a:lstStyle/>
-          <a:p>
-            <a:pPr marL="0" indent="0">
-              <a:buNone/>
-            </a:pPr>
-            <a:endParaRPr lang="nl-NL" dirty="0" smtClean="0"/>
-          </a:p>
-          <a:p>
-            <a:pPr marL="0" indent="0">
-              <a:buNone/>
-            </a:pPr>
-            <a:endParaRPr lang="nl-NL" dirty="0"/>
-          </a:p>
-          <a:p>
-            <a:pPr marL="0" indent="0">
-              <a:buNone/>
-            </a:pPr>
-            <a:r>
-              <a:rPr lang="nl-NL" dirty="0" smtClean="0"/>
-              <a:t/>
-            </a:r>
-            <a:br>
-              <a:rPr lang="nl-NL" dirty="0" smtClean="0"/>
-            </a:br>
-            <a:r>
-              <a:rPr lang="nl-NL" dirty="0" smtClean="0"/>
-              <a:t>	a	             b</a:t>
-            </a:r>
-            <a:br>
-              <a:rPr lang="nl-NL" dirty="0" smtClean="0"/>
-            </a:br>
-            <a:r>
-              <a:rPr lang="nl-NL" dirty="0" smtClean="0"/>
-              <a:t>a) (1 2)(3 4)(1 4)(1 3)(2 4)(2 3)</a:t>
-            </a:r>
-            <a:br>
-              <a:rPr lang="nl-NL" dirty="0" smtClean="0"/>
-            </a:br>
-            <a:r>
-              <a:rPr lang="nl-NL" dirty="0" smtClean="0"/>
-              <a:t>b) (1 2)(3 4)(2 3)(1 2)(3 4)(2 3)</a:t>
-            </a:r>
-          </a:p>
-        </p:txBody>
-      </p:sp>
-      <p:pic>
-        <p:nvPicPr>
-          <p:cNvPr id="3074" name="Picture 2" descr="C:\Users\Admin\Desktop\B.png"/>
-          <p:cNvPicPr>
-            <a:picLocks noChangeAspect="1" noChangeArrowheads="1"/>
-          </p:cNvPicPr>
-          <p:nvPr/>
-        </p:nvPicPr>
-        <p:blipFill>
-          <a:blip r:embed="rId3">
-            <a:extLst>
-              <a:ext uri="{28A0092B-C50C-407E-A947-70E740481C1C}">
-                <a14:useLocalDpi xmlns:a14="http://schemas.microsoft.com/office/drawing/2010/main" val="0"/>
-              </a:ext>
-            </a:extLst>
-          </a:blip>
-          <a:srcRect/>
-          <a:stretch>
-            <a:fillRect/>
-          </a:stretch>
-        </p:blipFill>
-        <p:spPr bwMode="auto">
-          <a:xfrm>
-            <a:off x="6580501" y="2221827"/>
-            <a:ext cx="1566418" cy="1171623"/>
-          </a:xfrm>
-          <a:prstGeom prst="rect">
-            <a:avLst/>
-          </a:prstGeom>
-          <a:noFill/>
-          <a:extLst>
-            <a:ext uri="{909E8E84-426E-40DD-AFC4-6F175D3DCCD1}">
-              <a14:hiddenFill xmlns:a14="http://schemas.microsoft.com/office/drawing/2010/main">
-                <a:solidFill>
-                  <a:srgbClr val="FFFFFF"/>
-                </a:solidFill>
-              </a14:hiddenFill>
-            </a:ext>
-          </a:extLst>
-        </p:spPr>
-      </p:pic>
-      <p:pic>
-        <p:nvPicPr>
-          <p:cNvPr id="3076" name="Picture 4" descr="C:\Users\Admin\Desktop\A.png"/>
-          <p:cNvPicPr>
-            <a:picLocks noChangeAspect="1" noChangeArrowheads="1"/>
-          </p:cNvPicPr>
-          <p:nvPr/>
-        </p:nvPicPr>
-        <p:blipFill>
-          <a:blip r:embed="rId4">
-            <a:extLst>
-              <a:ext uri="{28A0092B-C50C-407E-A947-70E740481C1C}">
-                <a14:useLocalDpi xmlns:a14="http://schemas.microsoft.com/office/drawing/2010/main" val="0"/>
-              </a:ext>
-            </a:extLst>
-          </a:blip>
-          <a:srcRect/>
-          <a:stretch>
-            <a:fillRect/>
-          </a:stretch>
-        </p:blipFill>
-        <p:spPr bwMode="auto">
-          <a:xfrm>
-            <a:off x="4863513" y="2221827"/>
-            <a:ext cx="1566418" cy="1171623"/>
-          </a:xfrm>
-          <a:prstGeom prst="rect">
-            <a:avLst/>
-          </a:prstGeom>
-          <a:noFill/>
-          <a:extLst>
-            <a:ext uri="{909E8E84-426E-40DD-AFC4-6F175D3DCCD1}">
-              <a14:hiddenFill xmlns:a14="http://schemas.microsoft.com/office/drawing/2010/main">
-                <a:solidFill>
-                  <a:srgbClr val="FFFFFF"/>
-                </a:solidFill>
-              </a14:hiddenFill>
-            </a:ext>
-          </a:extLst>
-        </p:spPr>
-      </p:pic>
-    </p:spTree>
-    <p:extLst>
-      <p:ext uri="{BB962C8B-B14F-4D97-AF65-F5344CB8AC3E}">
-        <p14:creationId xmlns:p14="http://schemas.microsoft.com/office/powerpoint/2010/main" val="2141208287"/>
-      </p:ext>
-    </p:extLst>
-  </p:cSld>
-  <p:clrMapOvr>
-    <a:masterClrMapping/>
-  </p:clrMapOvr>
-  <p:timing>
-    <p:tnLst>
-      <p:par>
-        <p:cTn id="1" dur="indefinite" restart="never" nodeType="tmRoot"/>
-      </p:par>
-    </p:tnLst>
-  </p:timing>
-</p:sld>
-</file>
-
-<file path=ppt/slides/slide12.xml><?xml version="1.0" encoding="utf-8"?>
-<p:sld xmlns:a="http://schemas.openxmlformats.org/drawingml/2006/main" xmlns:r="http://schemas.openxmlformats.org/officeDocument/2006/relationships" xmlns:p="http://schemas.openxmlformats.org/presentationml/2006/main">
-  <p:cSld>
-    <p:spTree>
-      <p:nvGrpSpPr>
-        <p:cNvPr id="1" name=""/>
-        <p:cNvGrpSpPr/>
-        <p:nvPr/>
-      </p:nvGrpSpPr>
-      <p:grpSpPr>
-        <a:xfrm>
-          <a:off x="0" y="0"/>
-          <a:ext cx="0" cy="0"/>
-          <a:chOff x="0" y="0"/>
-          <a:chExt cx="0" cy="0"/>
-        </a:xfrm>
-      </p:grpSpPr>
-      <p:sp>
-        <p:nvSpPr>
-          <p:cNvPr id="2" name="Titel 1"/>
-          <p:cNvSpPr>
-            <a:spLocks noGrp="1"/>
-          </p:cNvSpPr>
-          <p:nvPr>
-            <p:ph type="title"/>
-          </p:nvPr>
-        </p:nvSpPr>
-        <p:spPr/>
-        <p:txBody>
-          <a:bodyPr/>
-          <a:lstStyle/>
-          <a:p>
-            <a:r>
-              <a:rPr lang="nl-NL" dirty="0" err="1" smtClean="0"/>
-              <a:t>Subsumes</a:t>
-            </a:r>
-            <a:endParaRPr lang="nl-NL" dirty="0"/>
-          </a:p>
-        </p:txBody>
-      </p:sp>
-      <p:sp>
-        <p:nvSpPr>
-          <p:cNvPr id="5" name="Tijdelijke aanduiding voor inhoud 4"/>
-          <p:cNvSpPr>
-            <a:spLocks noGrp="1"/>
-          </p:cNvSpPr>
-          <p:nvPr>
-            <p:ph idx="1"/>
-          </p:nvPr>
-        </p:nvSpPr>
-        <p:spPr>
-          <a:xfrm>
-            <a:off x="779463" y="3104488"/>
-            <a:ext cx="7583488" cy="3205368"/>
-          </a:xfrm>
-        </p:spPr>
-        <p:txBody>
-          <a:bodyPr>
-            <a:normAutofit/>
-          </a:bodyPr>
-          <a:lstStyle/>
-          <a:p>
-            <a:r>
-              <a:rPr lang="nl-NL" dirty="0" smtClean="0"/>
-              <a:t>C</a:t>
-            </a:r>
-            <a:r>
-              <a:rPr lang="nl-NL" baseline="-25000" dirty="0" smtClean="0"/>
-              <a:t>a</a:t>
-            </a:r>
-            <a:r>
-              <a:rPr lang="nl-NL" dirty="0" smtClean="0"/>
-              <a:t>: (1 2) en C</a:t>
-            </a:r>
-            <a:r>
-              <a:rPr lang="nl-NL" baseline="-25000" dirty="0" smtClean="0"/>
-              <a:t>b</a:t>
-            </a:r>
-            <a:r>
-              <a:rPr lang="nl-NL" dirty="0" smtClean="0"/>
-              <a:t>: (2 3)</a:t>
-            </a:r>
-            <a:br>
-              <a:rPr lang="nl-NL" dirty="0" smtClean="0"/>
-            </a:br>
-            <a:r>
-              <a:rPr lang="nl-NL" dirty="0" smtClean="0"/>
-              <a:t>outputs(C</a:t>
-            </a:r>
-            <a:r>
-              <a:rPr lang="nl-NL" baseline="-25000" dirty="0" smtClean="0"/>
-              <a:t>a</a:t>
-            </a:r>
-            <a:r>
-              <a:rPr lang="nl-NL" dirty="0" smtClean="0"/>
-              <a:t>) = {</a:t>
-            </a:r>
-            <a:r>
-              <a:rPr lang="nl-NL" dirty="0"/>
-              <a:t>(</a:t>
-            </a:r>
-            <a:r>
-              <a:rPr lang="nl-NL" dirty="0" smtClean="0"/>
-              <a:t>0 0 0),(0 0 1),(0 1 0),</a:t>
-            </a:r>
-            <a:r>
-              <a:rPr lang="nl-NL" strike="sngStrike" dirty="0" smtClean="0">
-                <a:solidFill>
-                  <a:srgbClr val="FF0000"/>
-                </a:solidFill>
-              </a:rPr>
-              <a:t>(1 0 0)</a:t>
-            </a:r>
-            <a:r>
-              <a:rPr lang="nl-NL" dirty="0"/>
-              <a:t>,</a:t>
-            </a:r>
-            <a:r>
-              <a:rPr lang="nl-NL" dirty="0" smtClean="0"/>
-              <a:t>(0 1 1),</a:t>
-            </a:r>
-            <a:r>
-              <a:rPr lang="nl-NL" strike="sngStrike" dirty="0" smtClean="0">
-                <a:solidFill>
-                  <a:srgbClr val="FF0000"/>
-                </a:solidFill>
-              </a:rPr>
-              <a:t>(1 0 1)</a:t>
-            </a:r>
-            <a:r>
-              <a:rPr lang="nl-NL" dirty="0"/>
-              <a:t>,</a:t>
-            </a:r>
-            <a:r>
-              <a:rPr lang="nl-NL" dirty="0" smtClean="0"/>
-              <a:t>(1 1 0), (1 1 1</a:t>
-            </a:r>
-            <a:r>
-              <a:rPr lang="nl-NL" dirty="0"/>
-              <a:t>)}</a:t>
-            </a:r>
-            <a:br>
-              <a:rPr lang="nl-NL" dirty="0"/>
-            </a:br>
-            <a:r>
-              <a:rPr lang="nl-NL" dirty="0" smtClean="0"/>
-              <a:t>outputs(C</a:t>
-            </a:r>
-            <a:r>
-              <a:rPr lang="nl-NL" baseline="-25000" dirty="0" smtClean="0"/>
-              <a:t>b</a:t>
-            </a:r>
-            <a:r>
-              <a:rPr lang="nl-NL" dirty="0" smtClean="0"/>
-              <a:t>) = {</a:t>
-            </a:r>
-            <a:r>
-              <a:rPr lang="nl-NL" dirty="0"/>
-              <a:t>(</a:t>
-            </a:r>
-            <a:r>
-              <a:rPr lang="nl-NL" dirty="0" smtClean="0"/>
-              <a:t>0 0 0),(0 0 1),</a:t>
-            </a:r>
-            <a:r>
-              <a:rPr lang="nl-NL" strike="sngStrike" dirty="0" smtClean="0">
-                <a:solidFill>
-                  <a:srgbClr val="FF0000"/>
-                </a:solidFill>
-              </a:rPr>
-              <a:t>(0 1 0)</a:t>
-            </a:r>
-            <a:r>
-              <a:rPr lang="nl-NL" dirty="0">
-                <a:solidFill>
-                  <a:schemeClr val="tx1"/>
-                </a:solidFill>
-              </a:rPr>
-              <a:t>,</a:t>
-            </a:r>
-            <a:r>
-              <a:rPr lang="nl-NL" dirty="0" smtClean="0">
-                <a:solidFill>
-                  <a:schemeClr val="tx1"/>
-                </a:solidFill>
-              </a:rPr>
-              <a:t>(1 0 0)</a:t>
-            </a:r>
-            <a:r>
-              <a:rPr lang="nl-NL" dirty="0"/>
-              <a:t>,</a:t>
-            </a:r>
-            <a:r>
-              <a:rPr lang="nl-NL" dirty="0" smtClean="0"/>
-              <a:t>(0 1 1),</a:t>
-            </a:r>
-            <a:r>
-              <a:rPr lang="nl-NL" dirty="0" smtClean="0">
-                <a:solidFill>
-                  <a:srgbClr val="103154"/>
-                </a:solidFill>
-              </a:rPr>
-              <a:t>(1 0 1)</a:t>
-            </a:r>
-            <a:r>
-              <a:rPr lang="nl-NL" dirty="0"/>
-              <a:t>,</a:t>
-            </a:r>
-            <a:r>
-              <a:rPr lang="nl-NL" strike="sngStrike" dirty="0" smtClean="0">
-                <a:solidFill>
-                  <a:srgbClr val="FF0000"/>
-                </a:solidFill>
-              </a:rPr>
-              <a:t>(1 1 0),</a:t>
-            </a:r>
-            <a:r>
-              <a:rPr lang="nl-NL" dirty="0"/>
-              <a:t> </a:t>
-            </a:r>
-            <a:r>
-              <a:rPr lang="nl-NL" dirty="0" smtClean="0"/>
-              <a:t>(1 1 1</a:t>
-            </a:r>
-            <a:r>
-              <a:rPr lang="nl-NL" dirty="0" smtClean="0"/>
-              <a:t>)}</a:t>
-            </a:r>
-          </a:p>
-          <a:p>
-            <a:r>
-              <a:rPr lang="nl-NL" dirty="0"/>
-              <a:t>p</a:t>
-            </a:r>
-            <a:r>
-              <a:rPr lang="nl-NL" dirty="0" smtClean="0"/>
-              <a:t> = (2 3)(1 2)</a:t>
-            </a:r>
-          </a:p>
-          <a:p>
-            <a:r>
-              <a:rPr lang="nl-NL" dirty="0" smtClean="0"/>
-              <a:t>(C</a:t>
-            </a:r>
-            <a:r>
-              <a:rPr lang="nl-NL" baseline="-25000" dirty="0" smtClean="0"/>
-              <a:t>a</a:t>
-            </a:r>
-            <a:r>
-              <a:rPr lang="nl-NL" dirty="0" smtClean="0"/>
-              <a:t> </a:t>
-            </a:r>
-            <a:r>
-              <a:rPr lang="nl-NL" dirty="0"/>
-              <a:t>≤</a:t>
-            </a:r>
-            <a:r>
-              <a:rPr lang="nl-NL" baseline="-25000" dirty="0"/>
-              <a:t>p</a:t>
-            </a:r>
-            <a:r>
-              <a:rPr lang="nl-NL" dirty="0"/>
-              <a:t> </a:t>
-            </a:r>
-            <a:r>
-              <a:rPr lang="nl-NL" dirty="0" smtClean="0"/>
-              <a:t>C</a:t>
-            </a:r>
-            <a:r>
-              <a:rPr lang="nl-NL" baseline="-25000" dirty="0" smtClean="0"/>
-              <a:t>b</a:t>
-            </a:r>
-            <a:r>
-              <a:rPr lang="nl-NL" dirty="0" smtClean="0"/>
-              <a:t>) </a:t>
-            </a:r>
-            <a:r>
-              <a:rPr lang="nl-NL" dirty="0" smtClean="0"/>
-              <a:t>⇒ C</a:t>
-            </a:r>
-            <a:r>
-              <a:rPr lang="nl-NL" baseline="-25000" dirty="0" smtClean="0"/>
-              <a:t>b</a:t>
-            </a:r>
-            <a:r>
-              <a:rPr lang="nl-NL" dirty="0"/>
-              <a:t> </a:t>
-            </a:r>
-            <a:r>
-              <a:rPr lang="nl-NL" dirty="0" smtClean="0"/>
-              <a:t>niet uitbreiden (als |a|=|b|)</a:t>
-            </a:r>
-          </a:p>
-        </p:txBody>
-      </p:sp>
-      <p:sp>
-        <p:nvSpPr>
-          <p:cNvPr id="6" name="Tijdelijke aanduiding voor inhoud 10"/>
-          <p:cNvSpPr txBox="1">
-            <a:spLocks/>
-          </p:cNvSpPr>
-          <p:nvPr/>
-        </p:nvSpPr>
-        <p:spPr>
-          <a:xfrm>
-            <a:off x="779463" y="1949824"/>
-            <a:ext cx="7583488" cy="1154665"/>
-          </a:xfrm>
-          <a:prstGeom prst="rect">
-            <a:avLst/>
-          </a:prstGeom>
-          <a:gradFill flip="none" rotWithShape="1">
-            <a:gsLst>
-              <a:gs pos="20000">
-                <a:schemeClr val="bg2"/>
-              </a:gs>
-              <a:gs pos="100000">
-                <a:schemeClr val="tx1">
-                  <a:lumMod val="75000"/>
-                  <a:lumOff val="25000"/>
-                </a:schemeClr>
-              </a:gs>
-            </a:gsLst>
-            <a:lin ang="5400000" scaled="0"/>
-            <a:tileRect/>
-          </a:gradFill>
-        </p:spPr>
-        <p:style>
-          <a:lnRef idx="2">
-            <a:schemeClr val="dk1"/>
-          </a:lnRef>
-          <a:fillRef idx="1">
-            <a:schemeClr val="lt1"/>
-          </a:fillRef>
-          <a:effectRef idx="0">
-            <a:schemeClr val="dk1"/>
-          </a:effectRef>
-          <a:fontRef idx="minor">
-            <a:schemeClr val="dk1"/>
-          </a:fontRef>
-        </p:style>
-        <p:txBody>
-          <a:bodyPr vert="horz" lIns="91440" tIns="45720" rIns="91440" bIns="45720" rtlCol="0">
-            <a:normAutofit/>
-          </a:bodyPr>
-          <a:lstStyle>
-            <a:lvl1pPr marL="342900" indent="-342900" algn="l" defTabSz="914400" rtl="0" eaLnBrk="1" latinLnBrk="0" hangingPunct="1">
-              <a:spcBef>
-                <a:spcPts val="2000"/>
-              </a:spcBef>
-              <a:buClr>
-                <a:schemeClr val="accent1"/>
-              </a:buClr>
-              <a:buSzPct val="90000"/>
-              <a:buFont typeface="Wingdings 2" pitchFamily="18" charset="2"/>
-              <a:buChar char=""/>
-              <a:defRPr sz="2200" kern="1200">
-                <a:solidFill>
-                  <a:schemeClr val="dk1"/>
-                </a:solidFill>
-                <a:latin typeface="+mn-lt"/>
-                <a:ea typeface="+mn-ea"/>
-                <a:cs typeface="+mn-cs"/>
-              </a:defRPr>
-            </a:lvl1pPr>
-            <a:lvl2pPr marL="685800" indent="-336550" algn="l" defTabSz="914400" rtl="0" eaLnBrk="1" latinLnBrk="0" hangingPunct="1">
-              <a:spcBef>
-                <a:spcPts val="600"/>
-              </a:spcBef>
-              <a:buClr>
-                <a:schemeClr val="accent1"/>
-              </a:buClr>
-              <a:buSzPct val="90000"/>
-              <a:buFont typeface="Wingdings 2" pitchFamily="18" charset="2"/>
-              <a:buChar char=""/>
-              <a:defRPr sz="2000" kern="1200">
-                <a:solidFill>
-                  <a:schemeClr val="dk1"/>
-                </a:solidFill>
-                <a:latin typeface="+mn-lt"/>
-                <a:ea typeface="+mn-ea"/>
-                <a:cs typeface="+mn-cs"/>
-              </a:defRPr>
-            </a:lvl2pPr>
-            <a:lvl3pPr marL="1035050" indent="-349250" algn="l" defTabSz="914400" rtl="0" eaLnBrk="1" latinLnBrk="0" hangingPunct="1">
-              <a:spcBef>
-                <a:spcPts val="600"/>
-              </a:spcBef>
-              <a:buClr>
-                <a:schemeClr val="accent1"/>
-              </a:buClr>
-              <a:buSzPct val="90000"/>
-              <a:buFont typeface="Wingdings 2" pitchFamily="18" charset="2"/>
-              <a:buChar char=""/>
-              <a:defRPr sz="1800" kern="1200">
-                <a:solidFill>
-                  <a:schemeClr val="dk1"/>
-                </a:solidFill>
-                <a:latin typeface="+mn-lt"/>
-                <a:ea typeface="+mn-ea"/>
-                <a:cs typeface="+mn-cs"/>
-              </a:defRPr>
-            </a:lvl3pPr>
-            <a:lvl4pPr marL="1371600" indent="-336550" algn="l" defTabSz="914400" rtl="0" eaLnBrk="1" latinLnBrk="0" hangingPunct="1">
-              <a:spcBef>
-                <a:spcPts val="600"/>
-              </a:spcBef>
-              <a:buClr>
-                <a:schemeClr val="accent1"/>
-              </a:buClr>
-              <a:buSzPct val="90000"/>
-              <a:buFont typeface="Wingdings 2" pitchFamily="18" charset="2"/>
-              <a:buChar char=""/>
-              <a:defRPr sz="1800" kern="1200">
-                <a:solidFill>
-                  <a:schemeClr val="dk1"/>
-                </a:solidFill>
-                <a:latin typeface="+mn-lt"/>
-                <a:ea typeface="+mn-ea"/>
-                <a:cs typeface="+mn-cs"/>
-              </a:defRPr>
-            </a:lvl4pPr>
-            <a:lvl5pPr marL="1720850" indent="-349250" algn="l" defTabSz="914400" rtl="0" eaLnBrk="1" latinLnBrk="0" hangingPunct="1">
-              <a:spcBef>
-                <a:spcPts val="600"/>
-              </a:spcBef>
-              <a:buClr>
-                <a:schemeClr val="accent1"/>
-              </a:buClr>
-              <a:buSzPct val="90000"/>
-              <a:buFont typeface="Wingdings 2" pitchFamily="18" charset="2"/>
-              <a:buChar char=""/>
-              <a:defRPr sz="1800" kern="1200">
-                <a:solidFill>
-                  <a:schemeClr val="dk1"/>
-                </a:solidFill>
-                <a:latin typeface="+mn-lt"/>
-                <a:ea typeface="+mn-ea"/>
-                <a:cs typeface="+mn-cs"/>
-              </a:defRPr>
-            </a:lvl5pPr>
-            <a:lvl6pPr marL="2055813" indent="-344488" algn="l" defTabSz="914400" rtl="0" eaLnBrk="1" latinLnBrk="0" hangingPunct="1">
-              <a:spcBef>
-                <a:spcPct val="20000"/>
-              </a:spcBef>
-              <a:buClr>
-                <a:schemeClr val="accent1"/>
-              </a:buClr>
-              <a:buSzPct val="90000"/>
-              <a:buFont typeface="Wingdings 2" pitchFamily="18" charset="2"/>
-              <a:buChar char=""/>
-              <a:defRPr lang="en-US" sz="1800" kern="1200" dirty="0" smtClean="0">
-                <a:solidFill>
-                  <a:schemeClr val="dk1"/>
-                </a:solidFill>
-                <a:latin typeface="+mn-lt"/>
-                <a:ea typeface="+mn-ea"/>
-                <a:cs typeface="+mn-cs"/>
-              </a:defRPr>
-            </a:lvl6pPr>
-            <a:lvl7pPr marL="2398713" indent="-344488" algn="l" defTabSz="914400" rtl="0" eaLnBrk="1" latinLnBrk="0" hangingPunct="1">
-              <a:spcBef>
-                <a:spcPct val="20000"/>
-              </a:spcBef>
-              <a:buClr>
-                <a:schemeClr val="accent1"/>
-              </a:buClr>
-              <a:buSzPct val="90000"/>
-              <a:buFont typeface="Wingdings 2" pitchFamily="18" charset="2"/>
-              <a:buChar char=""/>
-              <a:defRPr lang="en-US" sz="1800" kern="1200" dirty="0" smtClean="0">
-                <a:solidFill>
-                  <a:schemeClr val="dk1"/>
-                </a:solidFill>
-                <a:latin typeface="+mn-lt"/>
-                <a:ea typeface="+mn-ea"/>
-                <a:cs typeface="+mn-cs"/>
-              </a:defRPr>
-            </a:lvl7pPr>
-            <a:lvl8pPr marL="2743200" indent="-344488" algn="l" defTabSz="914400" rtl="0" eaLnBrk="1" latinLnBrk="0" hangingPunct="1">
-              <a:spcBef>
-                <a:spcPct val="20000"/>
-              </a:spcBef>
-              <a:buClr>
-                <a:schemeClr val="accent1"/>
-              </a:buClr>
-              <a:buSzPct val="90000"/>
-              <a:buFont typeface="Wingdings 2" pitchFamily="18" charset="2"/>
-              <a:buChar char=""/>
-              <a:defRPr lang="en-US" sz="1800" kern="1200" dirty="0" smtClean="0">
-                <a:solidFill>
-                  <a:schemeClr val="dk1"/>
-                </a:solidFill>
-                <a:latin typeface="+mn-lt"/>
-                <a:ea typeface="+mn-ea"/>
-                <a:cs typeface="+mn-cs"/>
-              </a:defRPr>
-            </a:lvl8pPr>
-            <a:lvl9pPr marL="3087688" indent="-344488" algn="l" defTabSz="914400" rtl="0" eaLnBrk="1" latinLnBrk="0" hangingPunct="1">
-              <a:spcBef>
-                <a:spcPct val="20000"/>
-              </a:spcBef>
-              <a:buClr>
-                <a:schemeClr val="accent1"/>
-              </a:buClr>
-              <a:buSzPct val="90000"/>
-              <a:buFont typeface="Wingdings 2" pitchFamily="18" charset="2"/>
-              <a:buChar char=""/>
-              <a:defRPr lang="en-US" sz="1800" kern="1200" dirty="0">
-                <a:solidFill>
-                  <a:schemeClr val="dk1"/>
-                </a:solidFill>
-                <a:latin typeface="+mn-lt"/>
-                <a:ea typeface="+mn-ea"/>
-                <a:cs typeface="+mn-cs"/>
-              </a:defRPr>
-            </a:lvl9pPr>
-          </a:lstStyle>
-          <a:p>
-            <a:pPr marL="0" indent="0" algn="ctr">
-              <a:buNone/>
-            </a:pPr>
-            <a:r>
-              <a:rPr lang="nl-NL" dirty="0" smtClean="0"/>
-              <a:t>C</a:t>
-            </a:r>
-            <a:r>
-              <a:rPr lang="nl-NL" baseline="-25000" dirty="0" smtClean="0"/>
-              <a:t>a</a:t>
-            </a:r>
-            <a:r>
-              <a:rPr lang="nl-NL" dirty="0" smtClean="0"/>
-              <a:t> ≤</a:t>
-            </a:r>
-            <a:r>
-              <a:rPr lang="nl-NL" baseline="-25000" dirty="0" smtClean="0"/>
-              <a:t>p</a:t>
-            </a:r>
-            <a:r>
-              <a:rPr lang="nl-NL" dirty="0" smtClean="0"/>
-              <a:t> </a:t>
-            </a:r>
-            <a:r>
-              <a:rPr lang="nl-NL" dirty="0" err="1" smtClean="0"/>
-              <a:t>C</a:t>
-            </a:r>
-            <a:r>
-              <a:rPr lang="nl-NL" baseline="-25000" dirty="0" err="1" smtClean="0"/>
-              <a:t>b</a:t>
-            </a:r>
-            <a:r>
-              <a:rPr lang="nl-NL" dirty="0" smtClean="0"/>
-              <a:t/>
-            </a:r>
-            <a:br>
-              <a:rPr lang="nl-NL" dirty="0" smtClean="0"/>
-            </a:br>
-            <a:r>
-              <a:rPr lang="nl-NL" dirty="0" smtClean="0"/>
-              <a:t>⇔</a:t>
-            </a:r>
-            <a:br>
-              <a:rPr lang="nl-NL" dirty="0" smtClean="0"/>
-            </a:br>
-            <a:r>
-              <a:rPr lang="nl-NL" dirty="0" smtClean="0"/>
-              <a:t>P(</a:t>
-            </a:r>
-            <a:r>
-              <a:rPr lang="nl-NL" dirty="0" err="1" smtClean="0"/>
-              <a:t>outputs</a:t>
-            </a:r>
-            <a:r>
-              <a:rPr lang="nl-NL" dirty="0" smtClean="0"/>
-              <a:t>(C</a:t>
-            </a:r>
-            <a:r>
-              <a:rPr lang="nl-NL" baseline="-25000" dirty="0" smtClean="0"/>
-              <a:t>a</a:t>
-            </a:r>
-            <a:r>
-              <a:rPr lang="nl-NL" dirty="0" smtClean="0"/>
-              <a:t>)) ⊆ </a:t>
-            </a:r>
-            <a:r>
-              <a:rPr lang="nl-NL" dirty="0" err="1" smtClean="0"/>
-              <a:t>outputs</a:t>
-            </a:r>
-            <a:r>
-              <a:rPr lang="nl-NL" dirty="0" smtClean="0"/>
-              <a:t>(</a:t>
-            </a:r>
-            <a:r>
-              <a:rPr lang="nl-NL" dirty="0" err="1" smtClean="0"/>
-              <a:t>C</a:t>
-            </a:r>
-            <a:r>
-              <a:rPr lang="nl-NL" baseline="-25000" dirty="0" err="1" smtClean="0"/>
-              <a:t>b</a:t>
-            </a:r>
-            <a:r>
-              <a:rPr lang="nl-NL" dirty="0" smtClean="0"/>
-              <a:t>)</a:t>
-            </a:r>
-          </a:p>
-        </p:txBody>
-      </p:sp>
-    </p:spTree>
-    <p:extLst>
-      <p:ext uri="{BB962C8B-B14F-4D97-AF65-F5344CB8AC3E}">
-        <p14:creationId xmlns:p14="http://schemas.microsoft.com/office/powerpoint/2010/main" val="2805660567"/>
-      </p:ext>
-    </p:extLst>
-  </p:cSld>
-  <p:clrMapOvr>
-    <a:masterClrMapping/>
-  </p:clrMapOvr>
-  <p:timing>
-    <p:tnLst>
-      <p:par>
-        <p:cTn id="1" dur="indefinite" restart="never" nodeType="tmRoot"/>
-      </p:par>
-    </p:tnLst>
-  </p:timing>
-</p:sld>
-</file>
-
-<file path=ppt/slides/slide13.xml><?xml version="1.0" encoding="utf-8"?>
-<p:sld xmlns:a="http://schemas.openxmlformats.org/drawingml/2006/main" xmlns:r="http://schemas.openxmlformats.org/officeDocument/2006/relationships" xmlns:p="http://schemas.openxmlformats.org/presentationml/2006/main">
-  <p:cSld>
-    <p:spTree>
-      <p:nvGrpSpPr>
-        <p:cNvPr id="1" name=""/>
-        <p:cNvGrpSpPr/>
-        <p:nvPr/>
-      </p:nvGrpSpPr>
-      <p:grpSpPr>
-        <a:xfrm>
-          <a:off x="0" y="0"/>
-          <a:ext cx="0" cy="0"/>
-          <a:chOff x="0" y="0"/>
-          <a:chExt cx="0" cy="0"/>
-        </a:xfrm>
-      </p:grpSpPr>
-      <p:sp>
-        <p:nvSpPr>
-          <p:cNvPr id="2" name="Titel 1"/>
-          <p:cNvSpPr>
-            <a:spLocks noGrp="1"/>
-          </p:cNvSpPr>
-          <p:nvPr>
-            <p:ph type="title"/>
-          </p:nvPr>
-        </p:nvSpPr>
-        <p:spPr/>
-        <p:txBody>
-          <a:bodyPr/>
-          <a:lstStyle/>
-          <a:p>
-            <a:endParaRPr lang="nl-NL"/>
-          </a:p>
-        </p:txBody>
-      </p:sp>
-      <p:sp>
-        <p:nvSpPr>
-          <p:cNvPr id="3" name="Tijdelijke aanduiding voor inhoud 2"/>
-          <p:cNvSpPr>
-            <a:spLocks noGrp="1"/>
-          </p:cNvSpPr>
-          <p:nvPr>
-            <p:ph idx="1"/>
-          </p:nvPr>
-        </p:nvSpPr>
-        <p:spPr/>
-        <p:txBody>
-          <a:bodyPr/>
-          <a:lstStyle/>
-          <a:p>
-            <a:endParaRPr lang="nl-NL"/>
-          </a:p>
-        </p:txBody>
-      </p:sp>
-    </p:spTree>
-    <p:extLst>
-      <p:ext uri="{BB962C8B-B14F-4D97-AF65-F5344CB8AC3E}">
-        <p14:creationId xmlns:p14="http://schemas.microsoft.com/office/powerpoint/2010/main" val="3380090593"/>
-      </p:ext>
-    </p:extLst>
-  </p:cSld>
-  <p:clrMapOvr>
-    <a:masterClrMapping/>
-  </p:clrMapOvr>
-  <p:timing>
-    <p:tnLst>
-      <p:par>
-        <p:cTn id="1" dur="indefinite" restart="never" nodeType="tmRoot"/>
-      </p:par>
-    </p:tnLst>
-  </p:timing>
-</p:sld>
-</file>
-
-<file path=ppt/slides/slide2.xml><?xml version="1.0" encoding="utf-8"?>
-<p:sld xmlns:a="http://schemas.openxmlformats.org/drawingml/2006/main" xmlns:r="http://schemas.openxmlformats.org/officeDocument/2006/relationships" xmlns:p="http://schemas.openxmlformats.org/presentationml/2006/main">
-  <p:cSld>
-    <p:spTree>
-      <p:nvGrpSpPr>
-        <p:cNvPr id="1" name=""/>
-        <p:cNvGrpSpPr/>
-        <p:nvPr/>
-      </p:nvGrpSpPr>
-      <p:grpSpPr>
-        <a:xfrm>
-          <a:off x="0" y="0"/>
-          <a:ext cx="0" cy="0"/>
-          <a:chOff x="0" y="0"/>
-          <a:chExt cx="0" cy="0"/>
-        </a:xfrm>
-      </p:grpSpPr>
-      <p:sp>
-        <p:nvSpPr>
-          <p:cNvPr id="2" name="Titel 1"/>
-          <p:cNvSpPr>
-            <a:spLocks noGrp="1"/>
-          </p:cNvSpPr>
-          <p:nvPr>
-            <p:ph type="title"/>
-          </p:nvPr>
-        </p:nvSpPr>
-        <p:spPr/>
-        <p:txBody>
-          <a:bodyPr/>
-          <a:lstStyle/>
-          <a:p>
-            <a:r>
-              <a:rPr lang="nl-NL" dirty="0" smtClean="0"/>
-              <a:t>Overzicht</a:t>
-            </a:r>
-            <a:endParaRPr lang="nl-NL" dirty="0"/>
-          </a:p>
-        </p:txBody>
-      </p:sp>
-      <p:sp>
-        <p:nvSpPr>
-          <p:cNvPr id="3" name="Tijdelijke aanduiding voor inhoud 2"/>
-          <p:cNvSpPr>
-            <a:spLocks noGrp="1"/>
-          </p:cNvSpPr>
-          <p:nvPr>
-            <p:ph idx="1"/>
-          </p:nvPr>
-        </p:nvSpPr>
-        <p:spPr/>
-        <p:txBody>
-          <a:bodyPr/>
-          <a:lstStyle/>
-          <a:p>
-            <a:endParaRPr lang="nl-NL"/>
-          </a:p>
-        </p:txBody>
-      </p:sp>
-    </p:spTree>
-    <p:extLst>
-      <p:ext uri="{BB962C8B-B14F-4D97-AF65-F5344CB8AC3E}">
-        <p14:creationId xmlns:p14="http://schemas.microsoft.com/office/powerpoint/2010/main" val="4130736356"/>
-      </p:ext>
-    </p:extLst>
-  </p:cSld>
-  <p:clrMapOvr>
-    <a:masterClrMapping/>
-  </p:clrMapOvr>
-  <p:timing>
-    <p:tnLst>
-      <p:par>
-        <p:cTn id="1" dur="indefinite" restart="never" nodeType="tmRoot"/>
-      </p:par>
-    </p:tnLst>
-  </p:timing>
-</p:sld>
-</file>
-
-<file path=ppt/slides/slide3.xml><?xml version="1.0" encoding="utf-8"?>
-<p:sld xmlns:a="http://schemas.openxmlformats.org/drawingml/2006/main" xmlns:r="http://schemas.openxmlformats.org/officeDocument/2006/relationships" xmlns:p="http://schemas.openxmlformats.org/presentationml/2006/main">
-  <p:cSld>
-    <p:spTree>
-      <p:nvGrpSpPr>
-        <p:cNvPr id="1" name=""/>
-        <p:cNvGrpSpPr/>
-        <p:nvPr/>
-      </p:nvGrpSpPr>
-      <p:grpSpPr>
-        <a:xfrm>
-          <a:off x="0" y="0"/>
-          <a:ext cx="0" cy="0"/>
-          <a:chOff x="0" y="0"/>
-          <a:chExt cx="0" cy="0"/>
-        </a:xfrm>
-      </p:grpSpPr>
-      <p:sp>
-        <p:nvSpPr>
-          <p:cNvPr id="2" name="Titel 1"/>
-          <p:cNvSpPr>
-            <a:spLocks noGrp="1"/>
-          </p:cNvSpPr>
-          <p:nvPr>
-            <p:ph type="title"/>
-          </p:nvPr>
-        </p:nvSpPr>
-        <p:spPr/>
-        <p:txBody>
-          <a:bodyPr/>
-          <a:lstStyle/>
-          <a:p>
-            <a:r>
-              <a:rPr lang="nl-NL" dirty="0" smtClean="0"/>
-              <a:t>Wat is een </a:t>
-            </a:r>
-            <a:r>
-              <a:rPr lang="nl-NL" dirty="0" smtClean="0"/>
-              <a:t>comparator </a:t>
-            </a:r>
-            <a:r>
-              <a:rPr lang="nl-NL" dirty="0" smtClean="0"/>
-              <a:t>network</a:t>
-            </a:r>
-            <a:r>
-              <a:rPr lang="nl-NL" dirty="0" smtClean="0"/>
-              <a:t>?</a:t>
-            </a:r>
-            <a:endParaRPr lang="nl-NL" dirty="0"/>
-          </a:p>
-        </p:txBody>
-      </p:sp>
-      <p:sp>
-        <p:nvSpPr>
-          <p:cNvPr id="3" name="Tijdelijke aanduiding voor inhoud 2"/>
-          <p:cNvSpPr>
-            <a:spLocks noGrp="1"/>
-          </p:cNvSpPr>
-          <p:nvPr>
-            <p:ph sz="half" idx="1"/>
-          </p:nvPr>
-        </p:nvSpPr>
-        <p:spPr>
-          <a:xfrm>
-            <a:off x="737121" y="1981201"/>
-            <a:ext cx="3657600" cy="3975100"/>
-          </a:xfrm>
-        </p:spPr>
-        <p:txBody>
-          <a:bodyPr/>
-          <a:lstStyle/>
-          <a:p>
-            <a:pPr marL="0" indent="0">
-              <a:buNone/>
-            </a:pPr>
-            <a:endParaRPr lang="nl-NL" dirty="0" smtClean="0"/>
-          </a:p>
-          <a:p>
-            <a:pPr marL="0" indent="0">
-              <a:buNone/>
-            </a:pPr>
-            <a:endParaRPr lang="nl-NL" dirty="0"/>
-          </a:p>
-          <a:p>
-            <a:pPr marL="0" indent="0">
-              <a:buNone/>
-            </a:pPr>
-            <a:endParaRPr lang="nl-NL" dirty="0"/>
-          </a:p>
-          <a:p>
-            <a:pPr marL="0" indent="0">
-              <a:buNone/>
-            </a:pPr>
-            <a:r>
-              <a:rPr lang="nl-NL" dirty="0" smtClean="0"/>
-              <a:t>   (1 2)(3 4)(2 3)(1 2)</a:t>
-            </a:r>
-          </a:p>
-        </p:txBody>
-      </p:sp>
-      <p:sp>
-        <p:nvSpPr>
-          <p:cNvPr id="4" name="Tijdelijke aanduiding voor inhoud 3"/>
-          <p:cNvSpPr>
-            <a:spLocks noGrp="1"/>
-          </p:cNvSpPr>
-          <p:nvPr>
-            <p:ph sz="half" idx="2"/>
-          </p:nvPr>
-        </p:nvSpPr>
-        <p:spPr/>
-        <p:txBody>
-          <a:bodyPr/>
-          <a:lstStyle/>
-          <a:p>
-            <a:r>
-              <a:rPr lang="nl-NL" dirty="0" smtClean="0"/>
-              <a:t>Kanalen</a:t>
-            </a:r>
-          </a:p>
-          <a:p>
-            <a:pPr lvl="1">
-              <a:buFont typeface="Wingdings" charset="2"/>
-              <a:buChar char="Ø"/>
-            </a:pPr>
-            <a:r>
-              <a:rPr lang="nl-NL" dirty="0" smtClean="0"/>
-              <a:t>Input</a:t>
-            </a:r>
-          </a:p>
-          <a:p>
-            <a:pPr lvl="1">
-              <a:buFont typeface="Wingdings" charset="2"/>
-              <a:buChar char="Ø"/>
-            </a:pPr>
-            <a:r>
-              <a:rPr lang="nl-NL" dirty="0" smtClean="0"/>
-              <a:t>Output</a:t>
-            </a:r>
-          </a:p>
-          <a:p>
-            <a:r>
-              <a:rPr lang="nl-NL" dirty="0" err="1" smtClean="0"/>
-              <a:t>Comparators</a:t>
-            </a:r>
-            <a:r>
-              <a:rPr lang="nl-NL" dirty="0"/>
-              <a:t> </a:t>
-            </a:r>
-            <a:r>
-              <a:rPr lang="nl-NL" dirty="0" smtClean="0"/>
-              <a:t>(a b)</a:t>
-            </a:r>
-          </a:p>
-          <a:p>
-            <a:pPr lvl="1">
-              <a:buFont typeface="Wingdings" charset="2"/>
-              <a:buChar char="Ø"/>
-            </a:pPr>
-            <a:r>
-              <a:rPr lang="nl-NL" dirty="0" smtClean="0"/>
-              <a:t>a &lt; b</a:t>
-            </a:r>
-          </a:p>
-          <a:p>
-            <a:pPr lvl="1">
-              <a:buFont typeface="Wingdings" charset="2"/>
-              <a:buChar char="Ø"/>
-            </a:pPr>
-            <a:r>
-              <a:rPr lang="nl-NL" dirty="0" smtClean="0"/>
-              <a:t>a &gt; b:  </a:t>
-            </a:r>
-            <a:r>
-              <a:rPr lang="nl-NL" dirty="0" smtClean="0"/>
-              <a:t>a</a:t>
-            </a:r>
-            <a:r>
-              <a:rPr lang="nl-BE" dirty="0"/>
-              <a:t>↔</a:t>
-            </a:r>
-            <a:r>
-              <a:rPr lang="nl-NL" dirty="0" smtClean="0"/>
-              <a:t>b</a:t>
-            </a:r>
-            <a:endParaRPr lang="nl-NL" dirty="0" smtClean="0"/>
-          </a:p>
-        </p:txBody>
-      </p:sp>
-      <p:pic>
-        <p:nvPicPr>
-          <p:cNvPr id="4098" name="Picture 2" descr="C:\Users\Admin\Desktop\Comparator.png"/>
-          <p:cNvPicPr>
-            <a:picLocks noChangeAspect="1" noChangeArrowheads="1"/>
-          </p:cNvPicPr>
-          <p:nvPr/>
-        </p:nvPicPr>
-        <p:blipFill>
-          <a:blip r:embed="rId3">
-            <a:extLst>
-              <a:ext uri="{28A0092B-C50C-407E-A947-70E740481C1C}">
-                <a14:useLocalDpi xmlns:a14="http://schemas.microsoft.com/office/drawing/2010/main" val="0"/>
-              </a:ext>
-            </a:extLst>
-          </a:blip>
-          <a:srcRect/>
-          <a:stretch>
-            <a:fillRect/>
-          </a:stretch>
-        </p:blipFill>
-        <p:spPr bwMode="auto">
-          <a:xfrm>
-            <a:off x="4991771" y="4654146"/>
-            <a:ext cx="3000794" cy="1362265"/>
-          </a:xfrm>
-          <a:prstGeom prst="rect">
-            <a:avLst/>
-          </a:prstGeom>
-          <a:noFill/>
-          <a:extLst>
-            <a:ext uri="{909E8E84-426E-40DD-AFC4-6F175D3DCCD1}">
-              <a14:hiddenFill xmlns:a14="http://schemas.microsoft.com/office/drawing/2010/main">
-                <a:solidFill>
-                  <a:srgbClr val="FFFFFF"/>
-                </a:solidFill>
-              </a14:hiddenFill>
-            </a:ext>
-          </a:extLst>
-        </p:spPr>
-      </p:pic>
-      <p:pic>
-        <p:nvPicPr>
-          <p:cNvPr id="4099" name="Picture 3" descr="C:\Users\Admin\Desktop\Overbodige5Parallel.png"/>
-          <p:cNvPicPr>
-            <a:picLocks noChangeAspect="1" noChangeArrowheads="1"/>
-          </p:cNvPicPr>
-          <p:nvPr/>
-        </p:nvPicPr>
-        <p:blipFill>
-          <a:blip r:embed="rId4">
-            <a:extLst>
-              <a:ext uri="{28A0092B-C50C-407E-A947-70E740481C1C}">
-                <a14:useLocalDpi xmlns:a14="http://schemas.microsoft.com/office/drawing/2010/main" val="0"/>
-              </a:ext>
-            </a:extLst>
-          </a:blip>
-          <a:srcRect/>
-          <a:stretch>
-            <a:fillRect/>
-          </a:stretch>
-        </p:blipFill>
-        <p:spPr bwMode="auto">
-          <a:xfrm>
-            <a:off x="960699" y="2132813"/>
-            <a:ext cx="2141316" cy="1548713"/>
-          </a:xfrm>
-          <a:prstGeom prst="rect">
-            <a:avLst/>
-          </a:prstGeom>
-          <a:noFill/>
-          <a:extLst>
-            <a:ext uri="{909E8E84-426E-40DD-AFC4-6F175D3DCCD1}">
-              <a14:hiddenFill xmlns:a14="http://schemas.microsoft.com/office/drawing/2010/main">
-                <a:solidFill>
-                  <a:srgbClr val="FFFFFF"/>
-                </a:solidFill>
-              </a14:hiddenFill>
-            </a:ext>
-          </a:extLst>
-        </p:spPr>
-      </p:pic>
-    </p:spTree>
-    <p:extLst>
-      <p:ext uri="{BB962C8B-B14F-4D97-AF65-F5344CB8AC3E}">
-        <p14:creationId xmlns:p14="http://schemas.microsoft.com/office/powerpoint/2010/main" val="859536278"/>
-      </p:ext>
-    </p:extLst>
-  </p:cSld>
-  <p:clrMapOvr>
-    <a:masterClrMapping/>
-  </p:clrMapOvr>
-  <p:timing>
-    <p:tnLst>
-      <p:par>
-        <p:cTn id="1" dur="indefinite" restart="never" nodeType="tmRoot"/>
-      </p:par>
-    </p:tnLst>
-  </p:timing>
-</p:sld>
-</file>
-
-<file path=ppt/slides/slide4.xml><?xml version="1.0" encoding="utf-8"?>
-<p:sld xmlns:a="http://schemas.openxmlformats.org/drawingml/2006/main" xmlns:r="http://schemas.openxmlformats.org/officeDocument/2006/relationships" xmlns:p="http://schemas.openxmlformats.org/presentationml/2006/main">
-  <p:cSld>
-    <p:spTree>
-      <p:nvGrpSpPr>
-        <p:cNvPr id="1" name=""/>
-        <p:cNvGrpSpPr/>
-        <p:nvPr/>
-      </p:nvGrpSpPr>
-      <p:grpSpPr>
-        <a:xfrm>
-          <a:off x="0" y="0"/>
-          <a:ext cx="0" cy="0"/>
-          <a:chOff x="0" y="0"/>
-          <a:chExt cx="0" cy="0"/>
-        </a:xfrm>
-      </p:grpSpPr>
-      <p:sp>
-        <p:nvSpPr>
-          <p:cNvPr id="2" name="Titel 1"/>
-          <p:cNvSpPr>
-            <a:spLocks noGrp="1"/>
-          </p:cNvSpPr>
-          <p:nvPr>
-            <p:ph type="title"/>
-          </p:nvPr>
-        </p:nvSpPr>
-        <p:spPr/>
-        <p:txBody>
-          <a:bodyPr/>
-          <a:lstStyle/>
-          <a:p>
-            <a:r>
-              <a:rPr lang="nl-NL" dirty="0" smtClean="0"/>
-              <a:t>Wat is een </a:t>
-            </a:r>
-            <a:r>
-              <a:rPr lang="nl-NL" dirty="0" err="1" smtClean="0"/>
-              <a:t>Sorting</a:t>
-            </a:r>
-            <a:r>
-              <a:rPr lang="nl-NL" dirty="0" smtClean="0"/>
-              <a:t> Network?</a:t>
-            </a:r>
-            <a:endParaRPr lang="nl-NL" dirty="0"/>
-          </a:p>
-        </p:txBody>
-      </p:sp>
-      <p:sp>
-        <p:nvSpPr>
-          <p:cNvPr id="3" name="Tijdelijke aanduiding voor tekst 2"/>
-          <p:cNvSpPr>
-            <a:spLocks noGrp="1"/>
-          </p:cNvSpPr>
-          <p:nvPr>
-            <p:ph type="body" idx="1"/>
-          </p:nvPr>
-        </p:nvSpPr>
-        <p:spPr>
-          <a:xfrm>
-            <a:off x="490088" y="1852426"/>
-            <a:ext cx="3657600" cy="868362"/>
-          </a:xfrm>
-        </p:spPr>
-        <p:txBody>
-          <a:bodyPr/>
-          <a:lstStyle/>
-          <a:p>
-            <a:r>
-              <a:rPr lang="nl-NL" dirty="0" smtClean="0"/>
-              <a:t>Gesorteerd</a:t>
-            </a:r>
-            <a:endParaRPr lang="nl-NL" dirty="0"/>
-          </a:p>
-        </p:txBody>
-      </p:sp>
-      <p:sp>
-        <p:nvSpPr>
-          <p:cNvPr id="4" name="Tijdelijke aanduiding voor inhoud 3"/>
-          <p:cNvSpPr>
-            <a:spLocks noGrp="1"/>
-          </p:cNvSpPr>
-          <p:nvPr>
-            <p:ph sz="half" idx="2"/>
-          </p:nvPr>
-        </p:nvSpPr>
-        <p:spPr>
-          <a:xfrm>
-            <a:off x="779463" y="3032568"/>
-            <a:ext cx="4012456" cy="3213100"/>
-          </a:xfrm>
-        </p:spPr>
-        <p:txBody>
-          <a:bodyPr/>
-          <a:lstStyle/>
-          <a:p>
-            <a:endParaRPr lang="nl-NL" dirty="0" smtClean="0"/>
-          </a:p>
-          <a:p>
-            <a:endParaRPr lang="nl-NL" dirty="0"/>
-          </a:p>
-          <a:p>
-            <a:r>
-              <a:rPr lang="nl-NL" sz="2200" dirty="0" smtClean="0"/>
-              <a:t>Output is gesorteerd</a:t>
-            </a:r>
-            <a:endParaRPr lang="nl-NL" sz="2200" dirty="0"/>
-          </a:p>
-        </p:txBody>
-      </p:sp>
-      <p:sp>
-        <p:nvSpPr>
-          <p:cNvPr id="5" name="Tijdelijke aanduiding voor tekst 4"/>
-          <p:cNvSpPr>
-            <a:spLocks noGrp="1"/>
-          </p:cNvSpPr>
-          <p:nvPr>
-            <p:ph type="body" sz="quarter" idx="3"/>
-          </p:nvPr>
-        </p:nvSpPr>
-        <p:spPr>
-          <a:xfrm>
-            <a:off x="4624326" y="1864001"/>
-            <a:ext cx="3657600" cy="868362"/>
-          </a:xfrm>
-        </p:spPr>
-        <p:txBody>
-          <a:bodyPr/>
-          <a:lstStyle/>
-          <a:p>
-            <a:r>
-              <a:rPr lang="nl-NL" dirty="0" smtClean="0"/>
-              <a:t>Ongesorteerd</a:t>
-            </a:r>
-            <a:endParaRPr lang="nl-NL" dirty="0"/>
-          </a:p>
-        </p:txBody>
-      </p:sp>
-      <p:sp>
-        <p:nvSpPr>
-          <p:cNvPr id="6" name="Tijdelijke aanduiding voor inhoud 5"/>
-          <p:cNvSpPr>
-            <a:spLocks noGrp="1"/>
-          </p:cNvSpPr>
-          <p:nvPr>
-            <p:ph sz="quarter" idx="4"/>
-          </p:nvPr>
-        </p:nvSpPr>
-        <p:spPr>
-          <a:xfrm>
-            <a:off x="4757194" y="3032568"/>
-            <a:ext cx="3848832" cy="3213100"/>
-          </a:xfrm>
-        </p:spPr>
-        <p:txBody>
-          <a:bodyPr/>
-          <a:lstStyle/>
-          <a:p>
-            <a:endParaRPr lang="nl-NL" dirty="0" smtClean="0"/>
-          </a:p>
-          <a:p>
-            <a:endParaRPr lang="nl-NL" dirty="0"/>
-          </a:p>
-          <a:p>
-            <a:r>
-              <a:rPr lang="nl-NL" sz="2200" dirty="0" smtClean="0"/>
-              <a:t>Niet alle output gesorteerd.</a:t>
-            </a:r>
-            <a:br>
-              <a:rPr lang="nl-NL" sz="2200" dirty="0" smtClean="0"/>
-            </a:br>
-            <a:r>
-              <a:rPr lang="nl-NL" sz="2200" dirty="0" smtClean="0"/>
-              <a:t>(110 </a:t>
-            </a:r>
-            <a:r>
-              <a:rPr lang="nl-BE" sz="2400" dirty="0" smtClean="0"/>
-              <a:t>→ 101)</a:t>
-            </a:r>
-            <a:endParaRPr lang="nl-NL" sz="2200" dirty="0" smtClean="0"/>
-          </a:p>
-        </p:txBody>
-      </p:sp>
-      <p:pic>
-        <p:nvPicPr>
-          <p:cNvPr id="1026" name="Picture 2" descr="C:\Users\Admin\Desktop\PresentatieSorted4.png"/>
-          <p:cNvPicPr>
-            <a:picLocks noChangeAspect="1" noChangeArrowheads="1"/>
-          </p:cNvPicPr>
-          <p:nvPr/>
-        </p:nvPicPr>
-        <p:blipFill>
-          <a:blip r:embed="rId2">
-            <a:extLst>
-              <a:ext uri="{28A0092B-C50C-407E-A947-70E740481C1C}">
-                <a14:useLocalDpi xmlns:a14="http://schemas.microsoft.com/office/drawing/2010/main" val="0"/>
-              </a:ext>
-            </a:extLst>
-          </a:blip>
-          <a:srcRect/>
-          <a:stretch>
-            <a:fillRect/>
-          </a:stretch>
-        </p:blipFill>
-        <p:spPr bwMode="auto">
-          <a:xfrm>
-            <a:off x="1238492" y="2495508"/>
-            <a:ext cx="2345271" cy="1615139"/>
-          </a:xfrm>
-          <a:prstGeom prst="rect">
-            <a:avLst/>
-          </a:prstGeom>
-          <a:noFill/>
-          <a:extLst>
-            <a:ext uri="{909E8E84-426E-40DD-AFC4-6F175D3DCCD1}">
-              <a14:hiddenFill xmlns:a14="http://schemas.microsoft.com/office/drawing/2010/main">
-                <a:solidFill>
-                  <a:srgbClr val="FFFFFF"/>
-                </a:solidFill>
-              </a14:hiddenFill>
-            </a:ext>
-          </a:extLst>
-        </p:spPr>
-      </p:pic>
-      <p:pic>
-        <p:nvPicPr>
-          <p:cNvPr id="1027" name="Picture 3" descr="C:\Users\Admin\Desktop\PresentatieUnsorted4.png"/>
-          <p:cNvPicPr>
-            <a:picLocks noChangeAspect="1" noChangeArrowheads="1"/>
-          </p:cNvPicPr>
-          <p:nvPr/>
-        </p:nvPicPr>
-        <p:blipFill>
-          <a:blip r:embed="rId3">
-            <a:extLst>
-              <a:ext uri="{28A0092B-C50C-407E-A947-70E740481C1C}">
-                <a14:useLocalDpi xmlns:a14="http://schemas.microsoft.com/office/drawing/2010/main" val="0"/>
-              </a:ext>
-            </a:extLst>
-          </a:blip>
-          <a:srcRect/>
-          <a:stretch>
-            <a:fillRect/>
-          </a:stretch>
-        </p:blipFill>
-        <p:spPr bwMode="auto">
-          <a:xfrm>
-            <a:off x="5278056" y="2495507"/>
-            <a:ext cx="2413571" cy="1573131"/>
-          </a:xfrm>
-          <a:prstGeom prst="rect">
-            <a:avLst/>
-          </a:prstGeom>
-          <a:noFill/>
-          <a:extLst>
-            <a:ext uri="{909E8E84-426E-40DD-AFC4-6F175D3DCCD1}">
-              <a14:hiddenFill xmlns:a14="http://schemas.microsoft.com/office/drawing/2010/main">
-                <a:solidFill>
-                  <a:srgbClr val="FFFFFF"/>
-                </a:solidFill>
-              </a14:hiddenFill>
-            </a:ext>
-          </a:extLst>
-        </p:spPr>
-      </p:pic>
-    </p:spTree>
-    <p:extLst>
-      <p:ext uri="{BB962C8B-B14F-4D97-AF65-F5344CB8AC3E}">
-        <p14:creationId xmlns:p14="http://schemas.microsoft.com/office/powerpoint/2010/main" val="345810850"/>
-      </p:ext>
-    </p:extLst>
-  </p:cSld>
-  <p:clrMapOvr>
-    <a:masterClrMapping/>
-  </p:clrMapOvr>
-  <p:timing>
-    <p:tnLst>
-      <p:par>
-        <p:cTn id="1" dur="indefinite" restart="never" nodeType="tmRoot"/>
-      </p:par>
-    </p:tnLst>
-  </p:timing>
-</p:sld>
-</file>
-
-<file path=ppt/slides/slide5.xml><?xml version="1.0" encoding="utf-8"?>
-<p:sld xmlns:a="http://schemas.openxmlformats.org/drawingml/2006/main" xmlns:r="http://schemas.openxmlformats.org/officeDocument/2006/relationships" xmlns:p="http://schemas.openxmlformats.org/presentationml/2006/main">
-  <p:cSld>
-    <p:spTree>
-      <p:nvGrpSpPr>
-        <p:cNvPr id="1" name=""/>
-        <p:cNvGrpSpPr/>
-        <p:nvPr/>
-      </p:nvGrpSpPr>
-      <p:grpSpPr>
-        <a:xfrm>
-          <a:off x="0" y="0"/>
-          <a:ext cx="0" cy="0"/>
-          <a:chOff x="0" y="0"/>
-          <a:chExt cx="0" cy="0"/>
-        </a:xfrm>
-      </p:grpSpPr>
-      <p:sp>
-        <p:nvSpPr>
-          <p:cNvPr id="2" name="Titel 1"/>
-          <p:cNvSpPr>
-            <a:spLocks noGrp="1"/>
-          </p:cNvSpPr>
-          <p:nvPr>
-            <p:ph type="title"/>
-          </p:nvPr>
-        </p:nvSpPr>
-        <p:spPr/>
-        <p:txBody>
-          <a:bodyPr/>
-          <a:lstStyle/>
-          <a:p>
-            <a:r>
-              <a:rPr lang="nl-NL" dirty="0" smtClean="0"/>
-              <a:t>Nul – één principe</a:t>
-            </a:r>
-            <a:endParaRPr lang="nl-NL" dirty="0"/>
-          </a:p>
-        </p:txBody>
-      </p:sp>
-      <p:sp>
-        <p:nvSpPr>
-          <p:cNvPr id="11" name="Tijdelijke aanduiding voor inhoud 10"/>
-          <p:cNvSpPr>
-            <a:spLocks noGrp="1"/>
-          </p:cNvSpPr>
-          <p:nvPr>
-            <p:ph idx="1"/>
-          </p:nvPr>
-        </p:nvSpPr>
-        <p:spPr>
-          <a:xfrm>
-            <a:off x="779463" y="3230487"/>
-            <a:ext cx="7583488" cy="1687687"/>
-          </a:xfrm>
-          <a:gradFill flip="none" rotWithShape="1">
-            <a:gsLst>
-              <a:gs pos="20000">
-                <a:schemeClr val="bg2"/>
-              </a:gs>
-              <a:gs pos="100000">
-                <a:schemeClr val="tx1">
-                  <a:lumMod val="75000"/>
-                  <a:lumOff val="25000"/>
-                </a:schemeClr>
-              </a:gs>
-            </a:gsLst>
-            <a:lin ang="5400000" scaled="0"/>
-            <a:tileRect/>
-          </a:gradFill>
-          <a:ln/>
-        </p:spPr>
-        <p:style>
-          <a:lnRef idx="2">
-            <a:schemeClr val="dk1"/>
-          </a:lnRef>
-          <a:fillRef idx="1">
-            <a:schemeClr val="lt1"/>
-          </a:fillRef>
-          <a:effectRef idx="0">
-            <a:schemeClr val="dk1"/>
-          </a:effectRef>
-          <a:fontRef idx="minor">
-            <a:schemeClr val="dk1"/>
-          </a:fontRef>
-        </p:style>
-        <p:txBody>
-          <a:bodyPr/>
-          <a:lstStyle/>
-          <a:p>
-            <a:r>
-              <a:rPr lang="nl-NL" dirty="0" smtClean="0"/>
-              <a:t>(x) = x</a:t>
-            </a:r>
-            <a:r>
-              <a:rPr lang="nl-NL" baseline="-25000" dirty="0" smtClean="0"/>
-              <a:t>1</a:t>
-            </a:r>
-            <a:r>
-              <a:rPr lang="is-IS" dirty="0"/>
-              <a:t>…x</a:t>
-            </a:r>
-            <a:r>
-              <a:rPr lang="is-IS" baseline="-25000" dirty="0"/>
-              <a:t>n</a:t>
-            </a:r>
-            <a:r>
-              <a:rPr lang="is-IS" dirty="0"/>
-              <a:t> ∈{</a:t>
-            </a:r>
-            <a:r>
-              <a:rPr lang="is-IS" dirty="0" smtClean="0"/>
-              <a:t>0,1}</a:t>
-            </a:r>
-            <a:r>
-              <a:rPr lang="is-IS" baseline="30000" dirty="0" smtClean="0"/>
-              <a:t>n</a:t>
-            </a:r>
-            <a:endParaRPr lang="is-IS" baseline="30000" dirty="0" smtClean="0"/>
-          </a:p>
-          <a:p>
-            <a:r>
-              <a:rPr lang="is-IS" dirty="0" smtClean="0"/>
-              <a:t>(y) = sequentie van een totaal geordende set</a:t>
-            </a:r>
-            <a:endParaRPr lang="nl-NL" dirty="0" smtClean="0"/>
-          </a:p>
-          <a:p>
-            <a:r>
-              <a:rPr lang="nl-NL" dirty="0" smtClean="0"/>
-              <a:t>∀(x) gesorteerd ⇒ ∀(y) gesorteerd</a:t>
-            </a:r>
-          </a:p>
-        </p:txBody>
-      </p:sp>
-    </p:spTree>
-    <p:extLst>
-      <p:ext uri="{BB962C8B-B14F-4D97-AF65-F5344CB8AC3E}">
-        <p14:creationId xmlns:p14="http://schemas.microsoft.com/office/powerpoint/2010/main" val="330839700"/>
-      </p:ext>
-    </p:extLst>
-  </p:cSld>
-  <p:clrMapOvr>
-    <a:masterClrMapping/>
-  </p:clrMapOvr>
-  <p:timing>
-    <p:tnLst>
-      <p:par>
-        <p:cTn id="1" dur="indefinite" restart="never" nodeType="tmRoot"/>
-      </p:par>
-    </p:tnLst>
-  </p:timing>
-</p:sld>
-</file>
-
-<file path=ppt/slides/slide6.xml><?xml version="1.0" encoding="utf-8"?>
-<p:sld xmlns:a="http://schemas.openxmlformats.org/drawingml/2006/main" xmlns:r="http://schemas.openxmlformats.org/officeDocument/2006/relationships" xmlns:p="http://schemas.openxmlformats.org/presentationml/2006/main">
-  <p:cSld>
-    <p:spTree>
-      <p:nvGrpSpPr>
-        <p:cNvPr id="1" name=""/>
-        <p:cNvGrpSpPr/>
-        <p:nvPr/>
-      </p:nvGrpSpPr>
-      <p:grpSpPr>
-        <a:xfrm>
-          <a:off x="0" y="0"/>
-          <a:ext cx="0" cy="0"/>
-          <a:chOff x="0" y="0"/>
-          <a:chExt cx="0" cy="0"/>
-        </a:xfrm>
-      </p:grpSpPr>
-      <p:sp>
-        <p:nvSpPr>
-          <p:cNvPr id="2" name="Titel 1"/>
-          <p:cNvSpPr>
-            <a:spLocks noGrp="1"/>
-          </p:cNvSpPr>
-          <p:nvPr>
-            <p:ph type="title"/>
-          </p:nvPr>
-        </p:nvSpPr>
-        <p:spPr/>
-        <p:txBody>
-          <a:bodyPr/>
-          <a:lstStyle/>
-          <a:p>
-            <a:r>
-              <a:rPr lang="nl-NL" dirty="0" smtClean="0"/>
-              <a:t>Toepassingen</a:t>
-            </a:r>
-            <a:endParaRPr lang="nl-NL" dirty="0"/>
-          </a:p>
-        </p:txBody>
-      </p:sp>
-      <p:sp>
-        <p:nvSpPr>
-          <p:cNvPr id="3" name="Tijdelijke aanduiding voor inhoud 2"/>
-          <p:cNvSpPr>
-            <a:spLocks noGrp="1"/>
-          </p:cNvSpPr>
-          <p:nvPr>
-            <p:ph sz="half" idx="1"/>
-          </p:nvPr>
-        </p:nvSpPr>
-        <p:spPr/>
-        <p:txBody>
-          <a:bodyPr/>
-          <a:lstStyle/>
-          <a:p>
-            <a:r>
-              <a:rPr lang="nl-NL" dirty="0" err="1" smtClean="0"/>
-              <a:t>Switching</a:t>
-            </a:r>
-            <a:r>
-              <a:rPr lang="nl-NL" dirty="0" smtClean="0"/>
-              <a:t> </a:t>
-            </a:r>
-            <a:r>
-              <a:rPr lang="nl-NL" dirty="0" err="1" smtClean="0"/>
-              <a:t>network</a:t>
-            </a:r>
-            <a:r>
-              <a:rPr lang="nl-NL" dirty="0" smtClean="0"/>
-              <a:t> </a:t>
-            </a:r>
-            <a:r>
-              <a:rPr lang="nl-NL" dirty="0" err="1" smtClean="0"/>
-              <a:t>with</a:t>
-            </a:r>
-            <a:r>
-              <a:rPr lang="nl-NL" dirty="0" smtClean="0"/>
-              <a:t> buffering</a:t>
-            </a:r>
-          </a:p>
-          <a:p>
-            <a:r>
-              <a:rPr lang="nl-NL" dirty="0" err="1" smtClean="0"/>
-              <a:t>Multiaccess</a:t>
-            </a:r>
-            <a:r>
-              <a:rPr lang="nl-NL" dirty="0" smtClean="0"/>
-              <a:t> memory</a:t>
-            </a:r>
-          </a:p>
-          <a:p>
-            <a:r>
-              <a:rPr lang="nl-NL" dirty="0" err="1" smtClean="0"/>
-              <a:t>Multiaccess</a:t>
-            </a:r>
-            <a:r>
-              <a:rPr lang="nl-NL" dirty="0" smtClean="0"/>
-              <a:t> content-</a:t>
-            </a:r>
-            <a:r>
-              <a:rPr lang="nl-NL" dirty="0" err="1" smtClean="0"/>
-              <a:t>addressable</a:t>
-            </a:r>
-            <a:r>
-              <a:rPr lang="nl-NL" dirty="0" smtClean="0"/>
-              <a:t> memory</a:t>
-            </a:r>
-          </a:p>
-          <a:p>
-            <a:r>
-              <a:rPr lang="nl-NL" dirty="0" smtClean="0"/>
-              <a:t>Multiprocessor</a:t>
-            </a:r>
-          </a:p>
-          <a:p>
-            <a:r>
-              <a:rPr lang="nl-NL" dirty="0" smtClean="0"/>
-              <a:t>Om te sorteren</a:t>
-            </a:r>
-          </a:p>
-        </p:txBody>
-      </p:sp>
-      <p:sp>
-        <p:nvSpPr>
-          <p:cNvPr id="4" name="Tijdelijke aanduiding voor inhoud 3"/>
-          <p:cNvSpPr>
-            <a:spLocks noGrp="1"/>
-          </p:cNvSpPr>
-          <p:nvPr>
-            <p:ph sz="half" idx="2"/>
-          </p:nvPr>
-        </p:nvSpPr>
-        <p:spPr/>
-        <p:txBody>
-          <a:bodyPr/>
-          <a:lstStyle/>
-          <a:p>
-            <a:endParaRPr lang="nl-NL"/>
-          </a:p>
-        </p:txBody>
-      </p:sp>
-    </p:spTree>
-    <p:extLst>
-      <p:ext uri="{BB962C8B-B14F-4D97-AF65-F5344CB8AC3E}">
-        <p14:creationId xmlns:p14="http://schemas.microsoft.com/office/powerpoint/2010/main" val="4139928805"/>
-      </p:ext>
-    </p:extLst>
-  </p:cSld>
-  <p:clrMapOvr>
-    <a:masterClrMapping/>
-  </p:clrMapOvr>
-  <p:timing>
-    <p:tnLst>
-      <p:par>
-        <p:cTn id="1" dur="indefinite" restart="never" nodeType="tmRoot"/>
-      </p:par>
-    </p:tnLst>
-  </p:timing>
-</p:sld>
-</file>
-
-<file path=ppt/slides/slide7.xml><?xml version="1.0" encoding="utf-8"?>
-<p:sld xmlns:a="http://schemas.openxmlformats.org/drawingml/2006/main" xmlns:r="http://schemas.openxmlformats.org/officeDocument/2006/relationships" xmlns:p="http://schemas.openxmlformats.org/presentationml/2006/main">
-  <p:cSld>
-    <p:spTree>
-      <p:nvGrpSpPr>
-        <p:cNvPr id="1" name=""/>
-        <p:cNvGrpSpPr/>
-        <p:nvPr/>
-      </p:nvGrpSpPr>
-      <p:grpSpPr>
-        <a:xfrm>
-          <a:off x="0" y="0"/>
-          <a:ext cx="0" cy="0"/>
-          <a:chOff x="0" y="0"/>
-          <a:chExt cx="0" cy="0"/>
-        </a:xfrm>
-      </p:grpSpPr>
-      <p:sp>
-        <p:nvSpPr>
-          <p:cNvPr id="2" name="Titel 1"/>
-          <p:cNvSpPr>
-            <a:spLocks noGrp="1"/>
-          </p:cNvSpPr>
-          <p:nvPr>
-            <p:ph type="title"/>
-          </p:nvPr>
-        </p:nvSpPr>
-        <p:spPr/>
-        <p:txBody>
-          <a:bodyPr/>
-          <a:lstStyle/>
-          <a:p>
-            <a:r>
-              <a:rPr lang="nl-NL" dirty="0" smtClean="0"/>
-              <a:t>Doel</a:t>
-            </a:r>
-            <a:endParaRPr lang="nl-NL" dirty="0"/>
-          </a:p>
-        </p:txBody>
-      </p:sp>
-      <p:sp>
-        <p:nvSpPr>
-          <p:cNvPr id="3" name="Tijdelijke aanduiding voor inhoud 2"/>
-          <p:cNvSpPr>
-            <a:spLocks noGrp="1"/>
-          </p:cNvSpPr>
-          <p:nvPr>
-            <p:ph sz="half" idx="1"/>
-          </p:nvPr>
-        </p:nvSpPr>
-        <p:spPr/>
-        <p:txBody>
-          <a:bodyPr/>
-          <a:lstStyle/>
-          <a:p>
-            <a:r>
-              <a:rPr lang="nl-NL" dirty="0" err="1" smtClean="0"/>
-              <a:t>Optimal</a:t>
-            </a:r>
-            <a:r>
-              <a:rPr lang="nl-NL" dirty="0" smtClean="0"/>
-              <a:t> </a:t>
-            </a:r>
-            <a:r>
-              <a:rPr lang="nl-NL" dirty="0" err="1"/>
-              <a:t>size</a:t>
-            </a:r>
-            <a:endParaRPr lang="nl-NL" dirty="0"/>
-          </a:p>
-          <a:p>
-            <a:pPr lvl="1">
-              <a:buFont typeface="Wingdings" charset="2"/>
-              <a:buChar char="Ø"/>
-            </a:pPr>
-            <a:r>
-              <a:rPr lang="nl-NL" dirty="0" smtClean="0"/>
-              <a:t>Minimaal # </a:t>
-            </a:r>
-            <a:r>
-              <a:rPr lang="nl-NL" dirty="0" err="1" smtClean="0"/>
-              <a:t>comparators</a:t>
-            </a:r>
-            <a:endParaRPr lang="nl-NL" dirty="0" smtClean="0"/>
-          </a:p>
-          <a:p>
-            <a:pPr lvl="1">
-              <a:buFont typeface="Wingdings" charset="2"/>
-              <a:buChar char="Ø"/>
-            </a:pPr>
-            <a:r>
-              <a:rPr lang="nl-NL" dirty="0" err="1" smtClean="0"/>
-              <a:t>Size</a:t>
-            </a:r>
-            <a:r>
-              <a:rPr lang="nl-NL" dirty="0" smtClean="0"/>
-              <a:t> 11 kanalen = ?</a:t>
-            </a:r>
-          </a:p>
-          <a:p>
-            <a:r>
-              <a:rPr lang="nl-NL" dirty="0" err="1" smtClean="0"/>
-              <a:t>Optimal</a:t>
-            </a:r>
-            <a:r>
-              <a:rPr lang="nl-NL" dirty="0" smtClean="0"/>
-              <a:t> </a:t>
-            </a:r>
-            <a:r>
-              <a:rPr lang="nl-NL" dirty="0" err="1"/>
-              <a:t>depth</a:t>
-            </a:r>
-            <a:endParaRPr lang="nl-NL" dirty="0"/>
-          </a:p>
-          <a:p>
-            <a:pPr lvl="1">
-              <a:buFont typeface="Wingdings" charset="2"/>
-              <a:buChar char="Ø"/>
-            </a:pPr>
-            <a:r>
-              <a:rPr lang="nl-NL" dirty="0" smtClean="0"/>
-              <a:t>Minimaal # </a:t>
-            </a:r>
-            <a:r>
-              <a:rPr lang="nl-NL" dirty="0" err="1" smtClean="0"/>
-              <a:t>layers</a:t>
-            </a:r>
-            <a:endParaRPr lang="nl-NL" dirty="0" smtClean="0"/>
-          </a:p>
-          <a:p>
-            <a:pPr lvl="1">
-              <a:buFont typeface="Wingdings" charset="2"/>
-              <a:buChar char="Ø"/>
-            </a:pPr>
-            <a:r>
-              <a:rPr lang="nl-NL" dirty="0" smtClean="0"/>
-              <a:t>Depth 17 kanalen = ?</a:t>
-            </a:r>
-          </a:p>
-          <a:p>
-            <a:pPr lvl="1"/>
-            <a:endParaRPr lang="nl-NL" dirty="0" smtClean="0"/>
-          </a:p>
-        </p:txBody>
-      </p:sp>
-      <p:sp>
-        <p:nvSpPr>
-          <p:cNvPr id="4" name="Tijdelijke aanduiding voor inhoud 3"/>
-          <p:cNvSpPr>
-            <a:spLocks noGrp="1"/>
-          </p:cNvSpPr>
-          <p:nvPr>
-            <p:ph sz="half" idx="2"/>
-          </p:nvPr>
-        </p:nvSpPr>
-        <p:spPr/>
-        <p:txBody>
-          <a:bodyPr/>
-          <a:lstStyle/>
-          <a:p>
-            <a:r>
-              <a:rPr lang="nl-NL" dirty="0" smtClean="0"/>
-              <a:t>(twee voorbeelden)</a:t>
-            </a:r>
-            <a:endParaRPr lang="nl-NL" dirty="0"/>
-          </a:p>
-        </p:txBody>
-      </p:sp>
-    </p:spTree>
-    <p:extLst>
-      <p:ext uri="{BB962C8B-B14F-4D97-AF65-F5344CB8AC3E}">
-        <p14:creationId xmlns:p14="http://schemas.microsoft.com/office/powerpoint/2010/main" val="3804513990"/>
-      </p:ext>
-    </p:extLst>
-  </p:cSld>
-  <p:clrMapOvr>
-    <a:masterClrMapping/>
-  </p:clrMapOvr>
-  <p:timing>
-    <p:tnLst>
-      <p:par>
-        <p:cTn id="1" dur="indefinite" restart="never" nodeType="tmRoot"/>
-      </p:par>
-    </p:tnLst>
-  </p:timing>
-</p:sld>
-</file>
-
-<file path=ppt/slides/slide8.xml><?xml version="1.0" encoding="utf-8"?>
-<p:sld xmlns:a="http://schemas.openxmlformats.org/drawingml/2006/main" xmlns:r="http://schemas.openxmlformats.org/officeDocument/2006/relationships" xmlns:p="http://schemas.openxmlformats.org/presentationml/2006/main">
-  <p:cSld>
-    <p:spTree>
-      <p:nvGrpSpPr>
-        <p:cNvPr id="1" name=""/>
-        <p:cNvGrpSpPr/>
-        <p:nvPr/>
-      </p:nvGrpSpPr>
-      <p:grpSpPr>
-        <a:xfrm>
-          <a:off x="0" y="0"/>
-          <a:ext cx="0" cy="0"/>
-          <a:chOff x="0" y="0"/>
-          <a:chExt cx="0" cy="0"/>
-        </a:xfrm>
-      </p:grpSpPr>
-      <p:sp>
-        <p:nvSpPr>
-          <p:cNvPr id="2" name="Titel 1"/>
-          <p:cNvSpPr>
-            <a:spLocks noGrp="1"/>
-          </p:cNvSpPr>
-          <p:nvPr>
-            <p:ph type="title"/>
-          </p:nvPr>
-        </p:nvSpPr>
-        <p:spPr/>
-        <p:txBody>
-          <a:bodyPr/>
-          <a:lstStyle/>
-          <a:p>
-            <a:r>
-              <a:rPr lang="nl-NL" dirty="0" smtClean="0"/>
               <a:t>Doel</a:t>
             </a:r>
             <a:endParaRPr lang="nl-NL" dirty="0"/>
@@ -9798,17 +8254,29 @@
   <p:clrMapOvr>
     <a:masterClrMapping/>
   </p:clrMapOvr>
+  <mc:AlternateContent xmlns:mc="http://schemas.openxmlformats.org/markup-compatibility/2006">
+    <mc:Choice xmlns:p14="http://schemas.microsoft.com/office/powerpoint/2010/main" Requires="p14">
+      <p:transition spd="med" p14:dur="700">
+        <p:fade/>
+      </p:transition>
+    </mc:Choice>
+    <mc:Fallback>
+      <p:transition xmlns:p14="http://schemas.microsoft.com/office/powerpoint/2010/main" spd="med">
+        <p:fade/>
+      </p:transition>
+    </mc:Fallback>
+  </mc:AlternateContent>
   <p:timing>
     <p:tnLst>
       <p:par>
-        <p:cTn id="1" dur="indefinite" restart="never" nodeType="tmRoot"/>
+        <p:cTn xmlns:p14="http://schemas.microsoft.com/office/powerpoint/2010/main" id="1" dur="indefinite" restart="never" nodeType="tmRoot"/>
       </p:par>
     </p:tnLst>
   </p:timing>
 </p:sld>
 </file>
 
-<file path=ppt/slides/slide9.xml><?xml version="1.0" encoding="utf-8"?>
+<file path=ppt/slides/slide12.xml><?xml version="1.0" encoding="utf-8"?>
 <p:sld xmlns:a="http://schemas.openxmlformats.org/drawingml/2006/main" xmlns:r="http://schemas.openxmlformats.org/officeDocument/2006/relationships" xmlns:p="http://schemas.openxmlformats.org/presentationml/2006/main">
   <p:cSld>
     <p:spTree>
@@ -10788,10 +9256,3493 @@
   <p:clrMapOvr>
     <a:masterClrMapping/>
   </p:clrMapOvr>
+  <mc:AlternateContent xmlns:mc="http://schemas.openxmlformats.org/markup-compatibility/2006">
+    <mc:Choice xmlns:p14="http://schemas.microsoft.com/office/powerpoint/2010/main" Requires="p14">
+      <p:transition spd="med" p14:dur="700">
+        <p:fade/>
+      </p:transition>
+    </mc:Choice>
+    <mc:Fallback>
+      <p:transition xmlns:p14="http://schemas.microsoft.com/office/powerpoint/2010/main" spd="med">
+        <p:fade/>
+      </p:transition>
+    </mc:Fallback>
+  </mc:AlternateContent>
   <p:timing>
     <p:tnLst>
       <p:par>
-        <p:cTn id="1" dur="indefinite" restart="never" nodeType="tmRoot"/>
+        <p:cTn xmlns:p14="http://schemas.microsoft.com/office/powerpoint/2010/main" id="1" dur="indefinite" restart="never" nodeType="tmRoot"/>
+      </p:par>
+    </p:tnLst>
+  </p:timing>
+</p:sld>
+</file>
+
+<file path=ppt/slides/slide13.xml><?xml version="1.0" encoding="utf-8"?>
+<p:sld xmlns:a="http://schemas.openxmlformats.org/drawingml/2006/main" xmlns:r="http://schemas.openxmlformats.org/officeDocument/2006/relationships" xmlns:p="http://schemas.openxmlformats.org/presentationml/2006/main">
+  <p:cSld>
+    <p:spTree>
+      <p:nvGrpSpPr>
+        <p:cNvPr id="1" name=""/>
+        <p:cNvGrpSpPr/>
+        <p:nvPr/>
+      </p:nvGrpSpPr>
+      <p:grpSpPr>
+        <a:xfrm>
+          <a:off x="0" y="0"/>
+          <a:ext cx="0" cy="0"/>
+          <a:chOff x="0" y="0"/>
+          <a:chExt cx="0" cy="0"/>
+        </a:xfrm>
+      </p:grpSpPr>
+      <p:sp>
+        <p:nvSpPr>
+          <p:cNvPr id="2" name="Titel 1"/>
+          <p:cNvSpPr>
+            <a:spLocks noGrp="1"/>
+          </p:cNvSpPr>
+          <p:nvPr>
+            <p:ph type="title"/>
+          </p:nvPr>
+        </p:nvSpPr>
+        <p:spPr/>
+        <p:txBody>
+          <a:bodyPr/>
+          <a:lstStyle/>
+          <a:p>
+            <a:r>
+              <a:rPr lang="nl-NL" dirty="0" smtClean="0"/>
+              <a:t>Doel</a:t>
+            </a:r>
+            <a:endParaRPr lang="nl-NL" dirty="0"/>
+          </a:p>
+        </p:txBody>
+      </p:sp>
+      <p:sp>
+        <p:nvSpPr>
+          <p:cNvPr id="3" name="Tijdelijke aanduiding voor inhoud 2"/>
+          <p:cNvSpPr>
+            <a:spLocks noGrp="1"/>
+          </p:cNvSpPr>
+          <p:nvPr>
+            <p:ph sz="half" idx="1"/>
+          </p:nvPr>
+        </p:nvSpPr>
+        <p:spPr/>
+        <p:txBody>
+          <a:bodyPr/>
+          <a:lstStyle/>
+          <a:p>
+            <a:r>
+              <a:rPr lang="nl-NL" dirty="0" smtClean="0"/>
+              <a:t>Optimalisatie test</a:t>
+            </a:r>
+          </a:p>
+          <a:p>
+            <a:r>
+              <a:rPr lang="nl-NL" dirty="0" smtClean="0"/>
+              <a:t>Optimalisatie domein (</a:t>
+            </a:r>
+            <a:r>
+              <a:rPr lang="nl-NL" dirty="0" err="1" smtClean="0"/>
+              <a:t>Generate</a:t>
+            </a:r>
+            <a:r>
+              <a:rPr lang="nl-NL" dirty="0" smtClean="0"/>
+              <a:t> + </a:t>
+            </a:r>
+            <a:r>
+              <a:rPr lang="nl-NL" dirty="0" err="1" smtClean="0"/>
+              <a:t>pruning</a:t>
+            </a:r>
+            <a:r>
+              <a:rPr lang="nl-NL" dirty="0" smtClean="0"/>
+              <a:t>)</a:t>
+            </a:r>
+          </a:p>
+          <a:p>
+            <a:pPr lvl="1">
+              <a:buFont typeface="Wingdings" charset="2"/>
+              <a:buChar char="Ø"/>
+            </a:pPr>
+            <a:r>
+              <a:rPr lang="nl-NL" dirty="0" smtClean="0"/>
+              <a:t>Overbodige </a:t>
+            </a:r>
+            <a:r>
+              <a:rPr lang="nl-NL" dirty="0" err="1" smtClean="0"/>
+              <a:t>comparators</a:t>
+            </a:r>
+            <a:r>
+              <a:rPr lang="nl-NL" dirty="0" smtClean="0"/>
+              <a:t> verwijderen.</a:t>
+            </a:r>
+          </a:p>
+          <a:p>
+            <a:pPr lvl="1"/>
+            <a:endParaRPr lang="nl-NL" dirty="0" smtClean="0"/>
+          </a:p>
+          <a:p>
+            <a:pPr lvl="1"/>
+            <a:endParaRPr lang="nl-NL" dirty="0"/>
+          </a:p>
+        </p:txBody>
+      </p:sp>
+      <p:pic>
+        <p:nvPicPr>
+          <p:cNvPr id="2050" name="Picture 2" descr="C:\Users\Admin\Desktop\Overbodige5.png"/>
+          <p:cNvPicPr>
+            <a:picLocks noChangeAspect="1" noChangeArrowheads="1"/>
+          </p:cNvPicPr>
+          <p:nvPr/>
+        </p:nvPicPr>
+        <p:blipFill>
+          <a:blip r:embed="rId3">
+            <a:extLst>
+              <a:ext uri="{28A0092B-C50C-407E-A947-70E740481C1C}">
+                <a14:useLocalDpi xmlns:a14="http://schemas.microsoft.com/office/drawing/2010/main" val="0"/>
+              </a:ext>
+            </a:extLst>
+          </a:blip>
+          <a:srcRect/>
+          <a:stretch>
+            <a:fillRect/>
+          </a:stretch>
+        </p:blipFill>
+        <p:spPr bwMode="auto">
+          <a:xfrm>
+            <a:off x="4780344" y="2108525"/>
+            <a:ext cx="2685335" cy="1532105"/>
+          </a:xfrm>
+          <a:prstGeom prst="rect">
+            <a:avLst/>
+          </a:prstGeom>
+          <a:noFill/>
+          <a:extLst>
+            <a:ext uri="{909E8E84-426E-40dd-AFC4-6F175D3DCCD1}">
+              <a14:hiddenFill xmlns:a14="http://schemas.microsoft.com/office/drawing/2010/main">
+                <a:solidFill>
+                  <a:srgbClr val="FFFFFF"/>
+                </a:solidFill>
+              </a14:hiddenFill>
+            </a:ext>
+          </a:extLst>
+        </p:spPr>
+      </p:pic>
+      <p:pic>
+        <p:nvPicPr>
+          <p:cNvPr id="2051" name="Picture 3" descr="C:\Users\Admin\Desktop\Overbodige52.png"/>
+          <p:cNvPicPr>
+            <a:picLocks noChangeAspect="1" noChangeArrowheads="1"/>
+          </p:cNvPicPr>
+          <p:nvPr/>
+        </p:nvPicPr>
+        <p:blipFill>
+          <a:blip r:embed="rId4">
+            <a:extLst>
+              <a:ext uri="{28A0092B-C50C-407E-A947-70E740481C1C}">
+                <a14:useLocalDpi xmlns:a14="http://schemas.microsoft.com/office/drawing/2010/main" val="0"/>
+              </a:ext>
+            </a:extLst>
+          </a:blip>
+          <a:srcRect/>
+          <a:stretch>
+            <a:fillRect/>
+          </a:stretch>
+        </p:blipFill>
+        <p:spPr bwMode="auto">
+          <a:xfrm>
+            <a:off x="4780344" y="3960478"/>
+            <a:ext cx="2696910" cy="1532105"/>
+          </a:xfrm>
+          <a:prstGeom prst="rect">
+            <a:avLst/>
+          </a:prstGeom>
+          <a:noFill/>
+          <a:extLst>
+            <a:ext uri="{909E8E84-426E-40dd-AFC4-6F175D3DCCD1}">
+              <a14:hiddenFill xmlns:a14="http://schemas.microsoft.com/office/drawing/2010/main">
+                <a:solidFill>
+                  <a:srgbClr val="FFFFFF"/>
+                </a:solidFill>
+              </a14:hiddenFill>
+            </a:ext>
+          </a:extLst>
+        </p:spPr>
+      </p:pic>
+    </p:spTree>
+    <p:extLst>
+      <p:ext uri="{BB962C8B-B14F-4D97-AF65-F5344CB8AC3E}">
+        <p14:creationId xmlns:p14="http://schemas.microsoft.com/office/powerpoint/2010/main" val="3839918824"/>
+      </p:ext>
+    </p:extLst>
+  </p:cSld>
+  <p:clrMapOvr>
+    <a:masterClrMapping/>
+  </p:clrMapOvr>
+  <mc:AlternateContent xmlns:mc="http://schemas.openxmlformats.org/markup-compatibility/2006">
+    <mc:Choice xmlns:p14="http://schemas.microsoft.com/office/powerpoint/2010/main" Requires="p14">
+      <p:transition spd="med" p14:dur="700">
+        <p:fade/>
+      </p:transition>
+    </mc:Choice>
+    <mc:Fallback>
+      <p:transition xmlns:p14="http://schemas.microsoft.com/office/powerpoint/2010/main" spd="med">
+        <p:fade/>
+      </p:transition>
+    </mc:Fallback>
+  </mc:AlternateContent>
+  <p:timing>
+    <p:tnLst>
+      <p:par>
+        <p:cTn xmlns:p14="http://schemas.microsoft.com/office/powerpoint/2010/main" id="1" dur="indefinite" restart="never" nodeType="tmRoot"/>
+      </p:par>
+    </p:tnLst>
+  </p:timing>
+</p:sld>
+</file>
+
+<file path=ppt/slides/slide14.xml><?xml version="1.0" encoding="utf-8"?>
+<p:sld xmlns:a="http://schemas.openxmlformats.org/drawingml/2006/main" xmlns:r="http://schemas.openxmlformats.org/officeDocument/2006/relationships" xmlns:p="http://schemas.openxmlformats.org/presentationml/2006/main">
+  <p:cSld>
+    <p:spTree>
+      <p:nvGrpSpPr>
+        <p:cNvPr id="1" name=""/>
+        <p:cNvGrpSpPr/>
+        <p:nvPr/>
+      </p:nvGrpSpPr>
+      <p:grpSpPr>
+        <a:xfrm>
+          <a:off x="0" y="0"/>
+          <a:ext cx="0" cy="0"/>
+          <a:chOff x="0" y="0"/>
+          <a:chExt cx="0" cy="0"/>
+        </a:xfrm>
+      </p:grpSpPr>
+      <p:sp>
+        <p:nvSpPr>
+          <p:cNvPr id="2" name="Titel 1"/>
+          <p:cNvSpPr>
+            <a:spLocks noGrp="1"/>
+          </p:cNvSpPr>
+          <p:nvPr>
+            <p:ph type="title"/>
+          </p:nvPr>
+        </p:nvSpPr>
+        <p:spPr/>
+        <p:txBody>
+          <a:bodyPr/>
+          <a:lstStyle/>
+          <a:p>
+            <a:r>
+              <a:rPr lang="nl-NL" dirty="0" smtClean="0"/>
+              <a:t>Permutatie - </a:t>
+            </a:r>
+            <a:r>
+              <a:rPr lang="nl-NL" dirty="0" err="1" smtClean="0"/>
+              <a:t>Untangling</a:t>
+            </a:r>
+            <a:endParaRPr lang="nl-NL" dirty="0"/>
+          </a:p>
+        </p:txBody>
+      </p:sp>
+      <p:sp>
+        <p:nvSpPr>
+          <p:cNvPr id="3" name="Tijdelijke aanduiding voor inhoud 2"/>
+          <p:cNvSpPr>
+            <a:spLocks noGrp="1"/>
+          </p:cNvSpPr>
+          <p:nvPr>
+            <p:ph sz="half" idx="1"/>
+          </p:nvPr>
+        </p:nvSpPr>
+        <p:spPr/>
+        <p:txBody>
+          <a:bodyPr/>
+          <a:lstStyle/>
+          <a:p>
+            <a:r>
+              <a:rPr lang="nl-NL" dirty="0" smtClean="0"/>
+              <a:t>a ≈ b via (1 3)(2 4)</a:t>
+            </a:r>
+          </a:p>
+          <a:p>
+            <a:pPr marL="0" indent="0">
+              <a:buNone/>
+            </a:pPr>
+            <a:r>
+              <a:rPr lang="nl-NL" dirty="0" smtClean="0"/>
+              <a:t>a=(1 2)(3 4)(1 4)(1 3)(2 4)(2 3)</a:t>
+            </a:r>
+            <a:br>
+              <a:rPr lang="nl-NL" dirty="0" smtClean="0"/>
+            </a:br>
+            <a:r>
+              <a:rPr lang="nl-NL" dirty="0" smtClean="0"/>
+              <a:t>(3 4)(1 2)(3 2)(3 1)(4 2)(4 1)</a:t>
+            </a:r>
+            <a:r>
+              <a:rPr lang="nl-NL" dirty="0"/>
+              <a:t/>
+            </a:r>
+            <a:br>
+              <a:rPr lang="nl-NL" dirty="0"/>
+            </a:br>
+            <a:r>
+              <a:rPr lang="nl-NL" dirty="0" smtClean="0"/>
+              <a:t>Untangling</a:t>
+            </a:r>
+            <a:r>
+              <a:rPr lang="nl-NL" dirty="0"/>
+              <a:t/>
+            </a:r>
+            <a:br>
+              <a:rPr lang="nl-NL" dirty="0"/>
+            </a:br>
+            <a:r>
+              <a:rPr lang="nl-NL" dirty="0" smtClean="0"/>
+              <a:t>(3 4)(1 2)</a:t>
+            </a:r>
+            <a:r>
+              <a:rPr lang="nl-NL" dirty="0" smtClean="0">
+                <a:solidFill>
+                  <a:srgbClr val="FF0000"/>
+                </a:solidFill>
+              </a:rPr>
+              <a:t>(2 3)</a:t>
+            </a:r>
+            <a:r>
+              <a:rPr lang="nl-NL" dirty="0" smtClean="0"/>
+              <a:t>(2 1)(4 3)(4 1)</a:t>
+            </a:r>
+            <a:br>
+              <a:rPr lang="nl-NL" dirty="0" smtClean="0"/>
+            </a:br>
+            <a:r>
+              <a:rPr lang="nl-NL" dirty="0" smtClean="0">
+                <a:solidFill>
+                  <a:srgbClr val="FFFFFF"/>
+                </a:solidFill>
+              </a:rPr>
+              <a:t>(3 4)(1 2)(2 3)</a:t>
+            </a:r>
+            <a:r>
+              <a:rPr lang="nl-NL" dirty="0" smtClean="0">
+                <a:solidFill>
+                  <a:srgbClr val="FF0000"/>
+                </a:solidFill>
+              </a:rPr>
+              <a:t>(1 2)</a:t>
+            </a:r>
+            <a:r>
+              <a:rPr lang="nl-NL" dirty="0" smtClean="0"/>
+              <a:t>(4 3)(4 2)</a:t>
+            </a:r>
+            <a:br>
+              <a:rPr lang="nl-NL" dirty="0" smtClean="0"/>
+            </a:br>
+            <a:r>
+              <a:rPr lang="nl-NL" dirty="0" smtClean="0">
+                <a:solidFill>
+                  <a:schemeClr val="bg1"/>
+                </a:solidFill>
+              </a:rPr>
+              <a:t>(3 4)(1 2)(2 3)(1 2)</a:t>
+            </a:r>
+            <a:r>
+              <a:rPr lang="nl-NL" dirty="0" smtClean="0">
+                <a:solidFill>
+                  <a:srgbClr val="FF0000"/>
+                </a:solidFill>
+              </a:rPr>
+              <a:t>(3 4)</a:t>
+            </a:r>
+            <a:r>
+              <a:rPr lang="nl-NL" dirty="0" smtClean="0"/>
+              <a:t>(3 2)</a:t>
+            </a:r>
+            <a:br>
+              <a:rPr lang="nl-NL" dirty="0" smtClean="0"/>
+            </a:br>
+            <a:r>
+              <a:rPr lang="nl-NL" dirty="0" smtClean="0"/>
+              <a:t>(3 4)(1 2)(2 3)(1 2)(3 4)</a:t>
+            </a:r>
+            <a:r>
+              <a:rPr lang="nl-NL" dirty="0" smtClean="0">
+                <a:solidFill>
+                  <a:srgbClr val="FF0000"/>
+                </a:solidFill>
+              </a:rPr>
+              <a:t>(2 3)</a:t>
+            </a:r>
+          </a:p>
+        </p:txBody>
+      </p:sp>
+      <p:sp>
+        <p:nvSpPr>
+          <p:cNvPr id="4" name="Tijdelijke aanduiding voor inhoud 3"/>
+          <p:cNvSpPr>
+            <a:spLocks noGrp="1"/>
+          </p:cNvSpPr>
+          <p:nvPr>
+            <p:ph sz="half" idx="2"/>
+          </p:nvPr>
+        </p:nvSpPr>
+        <p:spPr>
+          <a:xfrm>
+            <a:off x="4705351" y="1992776"/>
+            <a:ext cx="3657600" cy="3975100"/>
+          </a:xfrm>
+        </p:spPr>
+        <p:txBody>
+          <a:bodyPr/>
+          <a:lstStyle/>
+          <a:p>
+            <a:pPr marL="0" indent="0">
+              <a:buNone/>
+            </a:pPr>
+            <a:endParaRPr lang="nl-NL" dirty="0" smtClean="0"/>
+          </a:p>
+          <a:p>
+            <a:pPr marL="0" indent="0">
+              <a:buNone/>
+            </a:pPr>
+            <a:endParaRPr lang="nl-NL" dirty="0"/>
+          </a:p>
+          <a:p>
+            <a:pPr marL="0" indent="0">
+              <a:buNone/>
+            </a:pPr>
+            <a:r>
+              <a:rPr lang="nl-NL" dirty="0" smtClean="0"/>
+              <a:t/>
+            </a:r>
+            <a:br>
+              <a:rPr lang="nl-NL" dirty="0" smtClean="0"/>
+            </a:br>
+            <a:r>
+              <a:rPr lang="nl-NL" dirty="0" smtClean="0"/>
+              <a:t>	a	             b</a:t>
+            </a:r>
+            <a:br>
+              <a:rPr lang="nl-NL" dirty="0" smtClean="0"/>
+            </a:br>
+            <a:r>
+              <a:rPr lang="nl-NL" dirty="0" smtClean="0"/>
+              <a:t>a) (1 2)(3 4)(1 4)(1 3)(2 4)(2 3)</a:t>
+            </a:r>
+            <a:br>
+              <a:rPr lang="nl-NL" dirty="0" smtClean="0"/>
+            </a:br>
+            <a:r>
+              <a:rPr lang="nl-NL" dirty="0" smtClean="0"/>
+              <a:t>b) (1 2)(3 4)(2 3)(1 2)(3 4)(2 3)</a:t>
+            </a:r>
+          </a:p>
+        </p:txBody>
+      </p:sp>
+      <p:pic>
+        <p:nvPicPr>
+          <p:cNvPr id="3074" name="Picture 2" descr="C:\Users\Admin\Desktop\B.png"/>
+          <p:cNvPicPr>
+            <a:picLocks noChangeAspect="1" noChangeArrowheads="1"/>
+          </p:cNvPicPr>
+          <p:nvPr/>
+        </p:nvPicPr>
+        <p:blipFill>
+          <a:blip r:embed="rId3">
+            <a:extLst>
+              <a:ext uri="{28A0092B-C50C-407E-A947-70E740481C1C}">
+                <a14:useLocalDpi xmlns:a14="http://schemas.microsoft.com/office/drawing/2010/main" val="0"/>
+              </a:ext>
+            </a:extLst>
+          </a:blip>
+          <a:srcRect/>
+          <a:stretch>
+            <a:fillRect/>
+          </a:stretch>
+        </p:blipFill>
+        <p:spPr bwMode="auto">
+          <a:xfrm>
+            <a:off x="6580501" y="2221827"/>
+            <a:ext cx="1566418" cy="1171623"/>
+          </a:xfrm>
+          <a:prstGeom prst="rect">
+            <a:avLst/>
+          </a:prstGeom>
+          <a:noFill/>
+          <a:extLst>
+            <a:ext uri="{909E8E84-426E-40dd-AFC4-6F175D3DCCD1}">
+              <a14:hiddenFill xmlns:a14="http://schemas.microsoft.com/office/drawing/2010/main">
+                <a:solidFill>
+                  <a:srgbClr val="FFFFFF"/>
+                </a:solidFill>
+              </a14:hiddenFill>
+            </a:ext>
+          </a:extLst>
+        </p:spPr>
+      </p:pic>
+      <p:pic>
+        <p:nvPicPr>
+          <p:cNvPr id="3076" name="Picture 4" descr="C:\Users\Admin\Desktop\A.png"/>
+          <p:cNvPicPr>
+            <a:picLocks noChangeAspect="1" noChangeArrowheads="1"/>
+          </p:cNvPicPr>
+          <p:nvPr/>
+        </p:nvPicPr>
+        <p:blipFill>
+          <a:blip r:embed="rId4">
+            <a:extLst>
+              <a:ext uri="{28A0092B-C50C-407E-A947-70E740481C1C}">
+                <a14:useLocalDpi xmlns:a14="http://schemas.microsoft.com/office/drawing/2010/main" val="0"/>
+              </a:ext>
+            </a:extLst>
+          </a:blip>
+          <a:srcRect/>
+          <a:stretch>
+            <a:fillRect/>
+          </a:stretch>
+        </p:blipFill>
+        <p:spPr bwMode="auto">
+          <a:xfrm>
+            <a:off x="4863513" y="2221827"/>
+            <a:ext cx="1566418" cy="1171623"/>
+          </a:xfrm>
+          <a:prstGeom prst="rect">
+            <a:avLst/>
+          </a:prstGeom>
+          <a:noFill/>
+          <a:extLst>
+            <a:ext uri="{909E8E84-426E-40dd-AFC4-6F175D3DCCD1}">
+              <a14:hiddenFill xmlns:a14="http://schemas.microsoft.com/office/drawing/2010/main">
+                <a:solidFill>
+                  <a:srgbClr val="FFFFFF"/>
+                </a:solidFill>
+              </a14:hiddenFill>
+            </a:ext>
+          </a:extLst>
+        </p:spPr>
+      </p:pic>
+    </p:spTree>
+    <p:extLst>
+      <p:ext uri="{BB962C8B-B14F-4D97-AF65-F5344CB8AC3E}">
+        <p14:creationId xmlns:p14="http://schemas.microsoft.com/office/powerpoint/2010/main" val="2141208287"/>
+      </p:ext>
+    </p:extLst>
+  </p:cSld>
+  <p:clrMapOvr>
+    <a:masterClrMapping/>
+  </p:clrMapOvr>
+  <mc:AlternateContent xmlns:mc="http://schemas.openxmlformats.org/markup-compatibility/2006">
+    <mc:Choice xmlns:p14="http://schemas.microsoft.com/office/powerpoint/2010/main" Requires="p14">
+      <p:transition spd="med" p14:dur="700">
+        <p:fade/>
+      </p:transition>
+    </mc:Choice>
+    <mc:Fallback>
+      <p:transition xmlns:p14="http://schemas.microsoft.com/office/powerpoint/2010/main" spd="med">
+        <p:fade/>
+      </p:transition>
+    </mc:Fallback>
+  </mc:AlternateContent>
+  <p:timing>
+    <p:tnLst>
+      <p:par>
+        <p:cTn xmlns:p14="http://schemas.microsoft.com/office/powerpoint/2010/main" id="1" dur="indefinite" restart="never" nodeType="tmRoot"/>
+      </p:par>
+    </p:tnLst>
+  </p:timing>
+</p:sld>
+</file>
+
+<file path=ppt/slides/slide15.xml><?xml version="1.0" encoding="utf-8"?>
+<p:sld xmlns:a="http://schemas.openxmlformats.org/drawingml/2006/main" xmlns:r="http://schemas.openxmlformats.org/officeDocument/2006/relationships" xmlns:p="http://schemas.openxmlformats.org/presentationml/2006/main">
+  <p:cSld>
+    <p:spTree>
+      <p:nvGrpSpPr>
+        <p:cNvPr id="1" name=""/>
+        <p:cNvGrpSpPr/>
+        <p:nvPr/>
+      </p:nvGrpSpPr>
+      <p:grpSpPr>
+        <a:xfrm>
+          <a:off x="0" y="0"/>
+          <a:ext cx="0" cy="0"/>
+          <a:chOff x="0" y="0"/>
+          <a:chExt cx="0" cy="0"/>
+        </a:xfrm>
+      </p:grpSpPr>
+      <p:sp>
+        <p:nvSpPr>
+          <p:cNvPr id="2" name="Titel 1"/>
+          <p:cNvSpPr>
+            <a:spLocks noGrp="1"/>
+          </p:cNvSpPr>
+          <p:nvPr>
+            <p:ph type="title"/>
+          </p:nvPr>
+        </p:nvSpPr>
+        <p:spPr/>
+        <p:txBody>
+          <a:bodyPr/>
+          <a:lstStyle/>
+          <a:p>
+            <a:r>
+              <a:rPr lang="nl-NL" dirty="0" err="1" smtClean="0"/>
+              <a:t>Subsumes</a:t>
+            </a:r>
+            <a:endParaRPr lang="nl-NL" dirty="0"/>
+          </a:p>
+        </p:txBody>
+      </p:sp>
+      <p:sp>
+        <p:nvSpPr>
+          <p:cNvPr id="5" name="Tijdelijke aanduiding voor inhoud 4"/>
+          <p:cNvSpPr>
+            <a:spLocks noGrp="1"/>
+          </p:cNvSpPr>
+          <p:nvPr>
+            <p:ph idx="1"/>
+          </p:nvPr>
+        </p:nvSpPr>
+        <p:spPr>
+          <a:xfrm>
+            <a:off x="779463" y="3104488"/>
+            <a:ext cx="7583488" cy="3205368"/>
+          </a:xfrm>
+        </p:spPr>
+        <p:txBody>
+          <a:bodyPr>
+            <a:normAutofit/>
+          </a:bodyPr>
+          <a:lstStyle/>
+          <a:p>
+            <a:r>
+              <a:rPr lang="nl-NL" dirty="0" smtClean="0"/>
+              <a:t>C</a:t>
+            </a:r>
+            <a:r>
+              <a:rPr lang="nl-NL" baseline="-25000" dirty="0" smtClean="0"/>
+              <a:t>a</a:t>
+            </a:r>
+            <a:r>
+              <a:rPr lang="nl-NL" dirty="0" smtClean="0"/>
+              <a:t>: (1 2) en C</a:t>
+            </a:r>
+            <a:r>
+              <a:rPr lang="nl-NL" baseline="-25000" dirty="0" smtClean="0"/>
+              <a:t>b</a:t>
+            </a:r>
+            <a:r>
+              <a:rPr lang="nl-NL" dirty="0" smtClean="0"/>
+              <a:t>: (2 3)</a:t>
+            </a:r>
+            <a:br>
+              <a:rPr lang="nl-NL" dirty="0" smtClean="0"/>
+            </a:br>
+            <a:r>
+              <a:rPr lang="nl-NL" dirty="0" smtClean="0"/>
+              <a:t>outputs(C</a:t>
+            </a:r>
+            <a:r>
+              <a:rPr lang="nl-NL" baseline="-25000" dirty="0" smtClean="0"/>
+              <a:t>a</a:t>
+            </a:r>
+            <a:r>
+              <a:rPr lang="nl-NL" dirty="0" smtClean="0"/>
+              <a:t>) = {</a:t>
+            </a:r>
+            <a:r>
+              <a:rPr lang="nl-NL" dirty="0"/>
+              <a:t>(</a:t>
+            </a:r>
+            <a:r>
+              <a:rPr lang="nl-NL" dirty="0" smtClean="0"/>
+              <a:t>0 0 0),(0 0 1),(0 1 0),</a:t>
+            </a:r>
+            <a:r>
+              <a:rPr lang="nl-NL" strike="sngStrike" dirty="0" smtClean="0">
+                <a:solidFill>
+                  <a:srgbClr val="FF0000"/>
+                </a:solidFill>
+              </a:rPr>
+              <a:t>(1 0 0)</a:t>
+            </a:r>
+            <a:r>
+              <a:rPr lang="nl-NL" dirty="0"/>
+              <a:t>,</a:t>
+            </a:r>
+            <a:r>
+              <a:rPr lang="nl-NL" dirty="0" smtClean="0"/>
+              <a:t>(0 1 1),</a:t>
+            </a:r>
+            <a:r>
+              <a:rPr lang="nl-NL" strike="sngStrike" dirty="0" smtClean="0">
+                <a:solidFill>
+                  <a:srgbClr val="FF0000"/>
+                </a:solidFill>
+              </a:rPr>
+              <a:t>(1 0 1)</a:t>
+            </a:r>
+            <a:r>
+              <a:rPr lang="nl-NL" dirty="0"/>
+              <a:t>,</a:t>
+            </a:r>
+            <a:r>
+              <a:rPr lang="nl-NL" dirty="0" smtClean="0"/>
+              <a:t>(1 1 0), (1 1 1</a:t>
+            </a:r>
+            <a:r>
+              <a:rPr lang="nl-NL" dirty="0"/>
+              <a:t>)}</a:t>
+            </a:r>
+            <a:br>
+              <a:rPr lang="nl-NL" dirty="0"/>
+            </a:br>
+            <a:r>
+              <a:rPr lang="nl-NL" dirty="0" smtClean="0"/>
+              <a:t>outputs(C</a:t>
+            </a:r>
+            <a:r>
+              <a:rPr lang="nl-NL" baseline="-25000" dirty="0" smtClean="0"/>
+              <a:t>b</a:t>
+            </a:r>
+            <a:r>
+              <a:rPr lang="nl-NL" dirty="0" smtClean="0"/>
+              <a:t>) = {</a:t>
+            </a:r>
+            <a:r>
+              <a:rPr lang="nl-NL" dirty="0"/>
+              <a:t>(</a:t>
+            </a:r>
+            <a:r>
+              <a:rPr lang="nl-NL" dirty="0" smtClean="0"/>
+              <a:t>0 0 0),(0 0 1),</a:t>
+            </a:r>
+            <a:r>
+              <a:rPr lang="nl-NL" strike="sngStrike" dirty="0" smtClean="0">
+                <a:solidFill>
+                  <a:srgbClr val="FF0000"/>
+                </a:solidFill>
+              </a:rPr>
+              <a:t>(0 1 0)</a:t>
+            </a:r>
+            <a:r>
+              <a:rPr lang="nl-NL" dirty="0">
+                <a:solidFill>
+                  <a:schemeClr val="tx1"/>
+                </a:solidFill>
+              </a:rPr>
+              <a:t>,</a:t>
+            </a:r>
+            <a:r>
+              <a:rPr lang="nl-NL" dirty="0" smtClean="0">
+                <a:solidFill>
+                  <a:schemeClr val="tx1"/>
+                </a:solidFill>
+              </a:rPr>
+              <a:t>(1 0 0)</a:t>
+            </a:r>
+            <a:r>
+              <a:rPr lang="nl-NL" dirty="0"/>
+              <a:t>,</a:t>
+            </a:r>
+            <a:r>
+              <a:rPr lang="nl-NL" dirty="0" smtClean="0"/>
+              <a:t>(0 1 1),</a:t>
+            </a:r>
+            <a:r>
+              <a:rPr lang="nl-NL" dirty="0" smtClean="0">
+                <a:solidFill>
+                  <a:srgbClr val="103154"/>
+                </a:solidFill>
+              </a:rPr>
+              <a:t>(1 0 1)</a:t>
+            </a:r>
+            <a:r>
+              <a:rPr lang="nl-NL" dirty="0"/>
+              <a:t>,</a:t>
+            </a:r>
+            <a:r>
+              <a:rPr lang="nl-NL" strike="sngStrike" dirty="0" smtClean="0">
+                <a:solidFill>
+                  <a:srgbClr val="FF0000"/>
+                </a:solidFill>
+              </a:rPr>
+              <a:t>(1 1 0),</a:t>
+            </a:r>
+            <a:r>
+              <a:rPr lang="nl-NL" dirty="0"/>
+              <a:t> </a:t>
+            </a:r>
+            <a:r>
+              <a:rPr lang="nl-NL" dirty="0" smtClean="0"/>
+              <a:t>(1 1 1)}</a:t>
+            </a:r>
+          </a:p>
+          <a:p>
+            <a:r>
+              <a:rPr lang="nl-NL" dirty="0"/>
+              <a:t>p</a:t>
+            </a:r>
+            <a:r>
+              <a:rPr lang="nl-NL" dirty="0" smtClean="0"/>
+              <a:t> = (2 3)(1 2</a:t>
+            </a:r>
+            <a:r>
+              <a:rPr lang="nl-NL" dirty="0" smtClean="0"/>
+              <a:t>)</a:t>
+            </a:r>
+            <a:endParaRPr lang="nl-NL" dirty="0" smtClean="0"/>
+          </a:p>
+        </p:txBody>
+      </p:sp>
+      <p:sp>
+        <p:nvSpPr>
+          <p:cNvPr id="6" name="Tijdelijke aanduiding voor inhoud 10"/>
+          <p:cNvSpPr txBox="1">
+            <a:spLocks/>
+          </p:cNvSpPr>
+          <p:nvPr/>
+        </p:nvSpPr>
+        <p:spPr>
+          <a:xfrm>
+            <a:off x="779463" y="1949824"/>
+            <a:ext cx="7583488" cy="1154665"/>
+          </a:xfrm>
+          <a:prstGeom prst="rect">
+            <a:avLst/>
+          </a:prstGeom>
+          <a:gradFill flip="none" rotWithShape="1">
+            <a:gsLst>
+              <a:gs pos="20000">
+                <a:schemeClr val="bg2"/>
+              </a:gs>
+              <a:gs pos="100000">
+                <a:schemeClr val="tx1">
+                  <a:lumMod val="75000"/>
+                  <a:lumOff val="25000"/>
+                </a:schemeClr>
+              </a:gs>
+            </a:gsLst>
+            <a:lin ang="5400000" scaled="0"/>
+            <a:tileRect/>
+          </a:gradFill>
+        </p:spPr>
+        <p:style>
+          <a:lnRef idx="2">
+            <a:schemeClr val="dk1"/>
+          </a:lnRef>
+          <a:fillRef idx="1">
+            <a:schemeClr val="lt1"/>
+          </a:fillRef>
+          <a:effectRef idx="0">
+            <a:schemeClr val="dk1"/>
+          </a:effectRef>
+          <a:fontRef idx="minor">
+            <a:schemeClr val="dk1"/>
+          </a:fontRef>
+        </p:style>
+        <p:txBody>
+          <a:bodyPr vert="horz" lIns="91440" tIns="45720" rIns="91440" bIns="45720" rtlCol="0">
+            <a:normAutofit/>
+          </a:bodyPr>
+          <a:lstStyle>
+            <a:lvl1pPr marL="342900" indent="-342900" algn="l" defTabSz="914400" rtl="0" eaLnBrk="1" latinLnBrk="0" hangingPunct="1">
+              <a:spcBef>
+                <a:spcPts val="2000"/>
+              </a:spcBef>
+              <a:buClr>
+                <a:schemeClr val="accent1"/>
+              </a:buClr>
+              <a:buSzPct val="90000"/>
+              <a:buFont typeface="Wingdings 2" pitchFamily="18" charset="2"/>
+              <a:buChar char=""/>
+              <a:defRPr sz="2200" kern="1200">
+                <a:solidFill>
+                  <a:schemeClr val="dk1"/>
+                </a:solidFill>
+                <a:latin typeface="+mn-lt"/>
+                <a:ea typeface="+mn-ea"/>
+                <a:cs typeface="+mn-cs"/>
+              </a:defRPr>
+            </a:lvl1pPr>
+            <a:lvl2pPr marL="685800" indent="-336550" algn="l" defTabSz="914400" rtl="0" eaLnBrk="1" latinLnBrk="0" hangingPunct="1">
+              <a:spcBef>
+                <a:spcPts val="600"/>
+              </a:spcBef>
+              <a:buClr>
+                <a:schemeClr val="accent1"/>
+              </a:buClr>
+              <a:buSzPct val="90000"/>
+              <a:buFont typeface="Wingdings 2" pitchFamily="18" charset="2"/>
+              <a:buChar char=""/>
+              <a:defRPr sz="2000" kern="1200">
+                <a:solidFill>
+                  <a:schemeClr val="dk1"/>
+                </a:solidFill>
+                <a:latin typeface="+mn-lt"/>
+                <a:ea typeface="+mn-ea"/>
+                <a:cs typeface="+mn-cs"/>
+              </a:defRPr>
+            </a:lvl2pPr>
+            <a:lvl3pPr marL="1035050" indent="-349250" algn="l" defTabSz="914400" rtl="0" eaLnBrk="1" latinLnBrk="0" hangingPunct="1">
+              <a:spcBef>
+                <a:spcPts val="600"/>
+              </a:spcBef>
+              <a:buClr>
+                <a:schemeClr val="accent1"/>
+              </a:buClr>
+              <a:buSzPct val="90000"/>
+              <a:buFont typeface="Wingdings 2" pitchFamily="18" charset="2"/>
+              <a:buChar char=""/>
+              <a:defRPr sz="1800" kern="1200">
+                <a:solidFill>
+                  <a:schemeClr val="dk1"/>
+                </a:solidFill>
+                <a:latin typeface="+mn-lt"/>
+                <a:ea typeface="+mn-ea"/>
+                <a:cs typeface="+mn-cs"/>
+              </a:defRPr>
+            </a:lvl3pPr>
+            <a:lvl4pPr marL="1371600" indent="-336550" algn="l" defTabSz="914400" rtl="0" eaLnBrk="1" latinLnBrk="0" hangingPunct="1">
+              <a:spcBef>
+                <a:spcPts val="600"/>
+              </a:spcBef>
+              <a:buClr>
+                <a:schemeClr val="accent1"/>
+              </a:buClr>
+              <a:buSzPct val="90000"/>
+              <a:buFont typeface="Wingdings 2" pitchFamily="18" charset="2"/>
+              <a:buChar char=""/>
+              <a:defRPr sz="1800" kern="1200">
+                <a:solidFill>
+                  <a:schemeClr val="dk1"/>
+                </a:solidFill>
+                <a:latin typeface="+mn-lt"/>
+                <a:ea typeface="+mn-ea"/>
+                <a:cs typeface="+mn-cs"/>
+              </a:defRPr>
+            </a:lvl4pPr>
+            <a:lvl5pPr marL="1720850" indent="-349250" algn="l" defTabSz="914400" rtl="0" eaLnBrk="1" latinLnBrk="0" hangingPunct="1">
+              <a:spcBef>
+                <a:spcPts val="600"/>
+              </a:spcBef>
+              <a:buClr>
+                <a:schemeClr val="accent1"/>
+              </a:buClr>
+              <a:buSzPct val="90000"/>
+              <a:buFont typeface="Wingdings 2" pitchFamily="18" charset="2"/>
+              <a:buChar char=""/>
+              <a:defRPr sz="1800" kern="1200">
+                <a:solidFill>
+                  <a:schemeClr val="dk1"/>
+                </a:solidFill>
+                <a:latin typeface="+mn-lt"/>
+                <a:ea typeface="+mn-ea"/>
+                <a:cs typeface="+mn-cs"/>
+              </a:defRPr>
+            </a:lvl5pPr>
+            <a:lvl6pPr marL="2055813" indent="-344488" algn="l" defTabSz="914400" rtl="0" eaLnBrk="1" latinLnBrk="0" hangingPunct="1">
+              <a:spcBef>
+                <a:spcPct val="20000"/>
+              </a:spcBef>
+              <a:buClr>
+                <a:schemeClr val="accent1"/>
+              </a:buClr>
+              <a:buSzPct val="90000"/>
+              <a:buFont typeface="Wingdings 2" pitchFamily="18" charset="2"/>
+              <a:buChar char=""/>
+              <a:defRPr lang="en-US" sz="1800" kern="1200" dirty="0" smtClean="0">
+                <a:solidFill>
+                  <a:schemeClr val="dk1"/>
+                </a:solidFill>
+                <a:latin typeface="+mn-lt"/>
+                <a:ea typeface="+mn-ea"/>
+                <a:cs typeface="+mn-cs"/>
+              </a:defRPr>
+            </a:lvl6pPr>
+            <a:lvl7pPr marL="2398713" indent="-344488" algn="l" defTabSz="914400" rtl="0" eaLnBrk="1" latinLnBrk="0" hangingPunct="1">
+              <a:spcBef>
+                <a:spcPct val="20000"/>
+              </a:spcBef>
+              <a:buClr>
+                <a:schemeClr val="accent1"/>
+              </a:buClr>
+              <a:buSzPct val="90000"/>
+              <a:buFont typeface="Wingdings 2" pitchFamily="18" charset="2"/>
+              <a:buChar char=""/>
+              <a:defRPr lang="en-US" sz="1800" kern="1200" dirty="0" smtClean="0">
+                <a:solidFill>
+                  <a:schemeClr val="dk1"/>
+                </a:solidFill>
+                <a:latin typeface="+mn-lt"/>
+                <a:ea typeface="+mn-ea"/>
+                <a:cs typeface="+mn-cs"/>
+              </a:defRPr>
+            </a:lvl7pPr>
+            <a:lvl8pPr marL="2743200" indent="-344488" algn="l" defTabSz="914400" rtl="0" eaLnBrk="1" latinLnBrk="0" hangingPunct="1">
+              <a:spcBef>
+                <a:spcPct val="20000"/>
+              </a:spcBef>
+              <a:buClr>
+                <a:schemeClr val="accent1"/>
+              </a:buClr>
+              <a:buSzPct val="90000"/>
+              <a:buFont typeface="Wingdings 2" pitchFamily="18" charset="2"/>
+              <a:buChar char=""/>
+              <a:defRPr lang="en-US" sz="1800" kern="1200" dirty="0" smtClean="0">
+                <a:solidFill>
+                  <a:schemeClr val="dk1"/>
+                </a:solidFill>
+                <a:latin typeface="+mn-lt"/>
+                <a:ea typeface="+mn-ea"/>
+                <a:cs typeface="+mn-cs"/>
+              </a:defRPr>
+            </a:lvl8pPr>
+            <a:lvl9pPr marL="3087688" indent="-344488" algn="l" defTabSz="914400" rtl="0" eaLnBrk="1" latinLnBrk="0" hangingPunct="1">
+              <a:spcBef>
+                <a:spcPct val="20000"/>
+              </a:spcBef>
+              <a:buClr>
+                <a:schemeClr val="accent1"/>
+              </a:buClr>
+              <a:buSzPct val="90000"/>
+              <a:buFont typeface="Wingdings 2" pitchFamily="18" charset="2"/>
+              <a:buChar char=""/>
+              <a:defRPr lang="en-US" sz="1800" kern="1200" dirty="0">
+                <a:solidFill>
+                  <a:schemeClr val="dk1"/>
+                </a:solidFill>
+                <a:latin typeface="+mn-lt"/>
+                <a:ea typeface="+mn-ea"/>
+                <a:cs typeface="+mn-cs"/>
+              </a:defRPr>
+            </a:lvl9pPr>
+          </a:lstStyle>
+          <a:p>
+            <a:pPr marL="0" indent="0" algn="ctr">
+              <a:buNone/>
+            </a:pPr>
+            <a:r>
+              <a:rPr lang="nl-NL" dirty="0" smtClean="0"/>
+              <a:t>C</a:t>
+            </a:r>
+            <a:r>
+              <a:rPr lang="nl-NL" baseline="-25000" dirty="0" smtClean="0"/>
+              <a:t>a</a:t>
+            </a:r>
+            <a:r>
+              <a:rPr lang="nl-NL" dirty="0" smtClean="0"/>
+              <a:t> ≤</a:t>
+            </a:r>
+            <a:r>
+              <a:rPr lang="nl-NL" baseline="-25000" dirty="0" smtClean="0"/>
+              <a:t>p</a:t>
+            </a:r>
+            <a:r>
+              <a:rPr lang="nl-NL" dirty="0" smtClean="0"/>
+              <a:t> </a:t>
+            </a:r>
+            <a:r>
+              <a:rPr lang="nl-NL" dirty="0" err="1" smtClean="0"/>
+              <a:t>C</a:t>
+            </a:r>
+            <a:r>
+              <a:rPr lang="nl-NL" baseline="-25000" dirty="0" err="1" smtClean="0"/>
+              <a:t>b</a:t>
+            </a:r>
+            <a:r>
+              <a:rPr lang="nl-NL" dirty="0" smtClean="0"/>
+              <a:t/>
+            </a:r>
+            <a:br>
+              <a:rPr lang="nl-NL" dirty="0" smtClean="0"/>
+            </a:br>
+            <a:r>
+              <a:rPr lang="nl-NL" dirty="0" smtClean="0"/>
+              <a:t>⇔</a:t>
+            </a:r>
+            <a:br>
+              <a:rPr lang="nl-NL" dirty="0" smtClean="0"/>
+            </a:br>
+            <a:r>
+              <a:rPr lang="nl-NL" dirty="0" smtClean="0"/>
+              <a:t>P(</a:t>
+            </a:r>
+            <a:r>
+              <a:rPr lang="nl-NL" dirty="0" err="1" smtClean="0"/>
+              <a:t>outputs</a:t>
+            </a:r>
+            <a:r>
+              <a:rPr lang="nl-NL" dirty="0" smtClean="0"/>
+              <a:t>(C</a:t>
+            </a:r>
+            <a:r>
+              <a:rPr lang="nl-NL" baseline="-25000" dirty="0" smtClean="0"/>
+              <a:t>a</a:t>
+            </a:r>
+            <a:r>
+              <a:rPr lang="nl-NL" dirty="0" smtClean="0"/>
+              <a:t>)) ⊆ </a:t>
+            </a:r>
+            <a:r>
+              <a:rPr lang="nl-NL" dirty="0" err="1" smtClean="0"/>
+              <a:t>outputs</a:t>
+            </a:r>
+            <a:r>
+              <a:rPr lang="nl-NL" dirty="0" smtClean="0"/>
+              <a:t>(</a:t>
+            </a:r>
+            <a:r>
+              <a:rPr lang="nl-NL" dirty="0" err="1" smtClean="0"/>
+              <a:t>C</a:t>
+            </a:r>
+            <a:r>
+              <a:rPr lang="nl-NL" baseline="-25000" dirty="0" err="1" smtClean="0"/>
+              <a:t>b</a:t>
+            </a:r>
+            <a:r>
+              <a:rPr lang="nl-NL" dirty="0" smtClean="0"/>
+              <a:t>)</a:t>
+            </a:r>
+          </a:p>
+        </p:txBody>
+      </p:sp>
+    </p:spTree>
+    <p:extLst>
+      <p:ext uri="{BB962C8B-B14F-4D97-AF65-F5344CB8AC3E}">
+        <p14:creationId xmlns:p14="http://schemas.microsoft.com/office/powerpoint/2010/main" val="2805660567"/>
+      </p:ext>
+    </p:extLst>
+  </p:cSld>
+  <p:clrMapOvr>
+    <a:masterClrMapping/>
+  </p:clrMapOvr>
+  <mc:AlternateContent xmlns:mc="http://schemas.openxmlformats.org/markup-compatibility/2006">
+    <mc:Choice xmlns:p14="http://schemas.microsoft.com/office/powerpoint/2010/main" Requires="p14">
+      <p:transition spd="med" p14:dur="700">
+        <p:fade/>
+      </p:transition>
+    </mc:Choice>
+    <mc:Fallback>
+      <p:transition xmlns:p14="http://schemas.microsoft.com/office/powerpoint/2010/main" spd="med">
+        <p:fade/>
+      </p:transition>
+    </mc:Fallback>
+  </mc:AlternateContent>
+  <p:timing>
+    <p:tnLst>
+      <p:par>
+        <p:cTn xmlns:p14="http://schemas.microsoft.com/office/powerpoint/2010/main" id="1" dur="indefinite" restart="never" nodeType="tmRoot"/>
+      </p:par>
+    </p:tnLst>
+  </p:timing>
+</p:sld>
+</file>
+
+<file path=ppt/slides/slide16.xml><?xml version="1.0" encoding="utf-8"?>
+<p:sld xmlns:a="http://schemas.openxmlformats.org/drawingml/2006/main" xmlns:r="http://schemas.openxmlformats.org/officeDocument/2006/relationships" xmlns:p="http://schemas.openxmlformats.org/presentationml/2006/main">
+  <p:cSld>
+    <p:spTree>
+      <p:nvGrpSpPr>
+        <p:cNvPr id="1" name=""/>
+        <p:cNvGrpSpPr/>
+        <p:nvPr/>
+      </p:nvGrpSpPr>
+      <p:grpSpPr>
+        <a:xfrm>
+          <a:off x="0" y="0"/>
+          <a:ext cx="0" cy="0"/>
+          <a:chOff x="0" y="0"/>
+          <a:chExt cx="0" cy="0"/>
+        </a:xfrm>
+      </p:grpSpPr>
+      <p:sp>
+        <p:nvSpPr>
+          <p:cNvPr id="2" name="Titel 1"/>
+          <p:cNvSpPr>
+            <a:spLocks noGrp="1"/>
+          </p:cNvSpPr>
+          <p:nvPr>
+            <p:ph type="title"/>
+          </p:nvPr>
+        </p:nvSpPr>
+        <p:spPr/>
+        <p:txBody>
+          <a:bodyPr/>
+          <a:lstStyle/>
+          <a:p>
+            <a:r>
+              <a:rPr lang="nl-NL" dirty="0" err="1" smtClean="0"/>
+              <a:t>Generate</a:t>
+            </a:r>
+            <a:r>
+              <a:rPr lang="nl-NL" dirty="0" smtClean="0"/>
+              <a:t> &amp; prune</a:t>
+            </a:r>
+            <a:endParaRPr lang="nl-NL" dirty="0"/>
+          </a:p>
+        </p:txBody>
+      </p:sp>
+      <p:sp>
+        <p:nvSpPr>
+          <p:cNvPr id="3" name="Tijdelijke aanduiding voor inhoud 2"/>
+          <p:cNvSpPr>
+            <a:spLocks noGrp="1"/>
+          </p:cNvSpPr>
+          <p:nvPr>
+            <p:ph idx="1"/>
+          </p:nvPr>
+        </p:nvSpPr>
+        <p:spPr/>
+        <p:txBody>
+          <a:bodyPr/>
+          <a:lstStyle/>
+          <a:p>
+            <a:pPr marL="457200" indent="-457200">
+              <a:buFont typeface="+mj-lt"/>
+              <a:buAutoNum type="arabicPeriod"/>
+            </a:pPr>
+            <a:r>
+              <a:rPr lang="nl-NL" dirty="0" err="1" smtClean="0"/>
+              <a:t>Generate</a:t>
+            </a:r>
+            <a:r>
+              <a:rPr lang="nl-NL" dirty="0" smtClean="0"/>
+              <a:t/>
+            </a:r>
+            <a:br>
+              <a:rPr lang="nl-NL" dirty="0" smtClean="0"/>
+            </a:br>
+            <a:r>
+              <a:rPr lang="nl-NL" dirty="0" smtClean="0"/>
+              <a:t>Voeg een </a:t>
+            </a:r>
+            <a:r>
+              <a:rPr lang="nl-NL" dirty="0" err="1" smtClean="0"/>
+              <a:t>comparator</a:t>
+            </a:r>
+            <a:r>
+              <a:rPr lang="nl-NL" dirty="0" smtClean="0"/>
+              <a:t> toe achter elk bestaand netwerk van  </a:t>
+            </a:r>
+            <a:r>
+              <a:rPr lang="nl-NL" i="1" dirty="0" err="1"/>
+              <a:t>R</a:t>
+            </a:r>
+            <a:r>
+              <a:rPr lang="nl-NL" i="1" baseline="30000" smtClean="0"/>
+              <a:t>n</a:t>
+            </a:r>
+            <a:r>
+              <a:rPr lang="nl-NL" i="1" baseline="-25000" smtClean="0"/>
+              <a:t>k</a:t>
+            </a:r>
+            <a:r>
+              <a:rPr lang="nl-NL" i="1" baseline="30000" dirty="0" smtClean="0"/>
+              <a:t> </a:t>
+            </a:r>
+            <a:r>
+              <a:rPr lang="nl-NL" dirty="0" smtClean="0"/>
+              <a:t>⇒</a:t>
+            </a:r>
+            <a:r>
+              <a:rPr lang="nl-NL" i="1" dirty="0" smtClean="0"/>
+              <a:t>N</a:t>
+            </a:r>
+            <a:r>
+              <a:rPr lang="nl-NL" i="1" baseline="30000" dirty="0" smtClean="0"/>
+              <a:t>n</a:t>
+            </a:r>
+            <a:r>
+              <a:rPr lang="nl-NL" i="1" baseline="-25000" dirty="0" smtClean="0"/>
+              <a:t>k+1</a:t>
+            </a:r>
+            <a:endParaRPr lang="nl-NL" dirty="0" smtClean="0"/>
+          </a:p>
+          <a:p>
+            <a:pPr marL="457200" indent="-457200">
+              <a:buFont typeface="+mj-lt"/>
+              <a:buAutoNum type="arabicPeriod"/>
+            </a:pPr>
+            <a:r>
+              <a:rPr lang="nl-NL" dirty="0" smtClean="0"/>
+              <a:t>Prune</a:t>
+            </a:r>
+            <a:br>
+              <a:rPr lang="nl-NL" dirty="0" smtClean="0"/>
+            </a:br>
+            <a:r>
+              <a:rPr lang="nl-NL" dirty="0" smtClean="0"/>
+              <a:t>(</a:t>
+            </a:r>
+            <a:r>
+              <a:rPr lang="nl-NL" dirty="0"/>
+              <a:t>C</a:t>
+            </a:r>
+            <a:r>
+              <a:rPr lang="nl-NL" baseline="-25000" dirty="0"/>
+              <a:t>a</a:t>
+            </a:r>
+            <a:r>
+              <a:rPr lang="nl-NL" dirty="0"/>
+              <a:t> ≤</a:t>
+            </a:r>
+            <a:r>
+              <a:rPr lang="nl-NL" baseline="-25000" dirty="0"/>
+              <a:t>p</a:t>
+            </a:r>
+            <a:r>
+              <a:rPr lang="nl-NL" dirty="0"/>
+              <a:t> </a:t>
+            </a:r>
+            <a:r>
+              <a:rPr lang="nl-NL" dirty="0" err="1"/>
+              <a:t>C</a:t>
+            </a:r>
+            <a:r>
+              <a:rPr lang="nl-NL" baseline="-25000" dirty="0" err="1"/>
+              <a:t>b</a:t>
+            </a:r>
+            <a:r>
+              <a:rPr lang="nl-NL" dirty="0"/>
+              <a:t>) ⇒ </a:t>
+            </a:r>
+            <a:r>
+              <a:rPr lang="nl-NL" dirty="0" err="1"/>
+              <a:t>C</a:t>
+            </a:r>
+            <a:r>
+              <a:rPr lang="nl-NL" baseline="-25000" dirty="0" err="1"/>
+              <a:t>b</a:t>
+            </a:r>
+            <a:r>
+              <a:rPr lang="nl-NL" dirty="0"/>
+              <a:t> niet uitbreiden (als |a|=|b|</a:t>
+            </a:r>
+            <a:r>
+              <a:rPr lang="nl-NL" dirty="0" smtClean="0"/>
+              <a:t>)</a:t>
+            </a:r>
+            <a:br>
+              <a:rPr lang="nl-NL" dirty="0" smtClean="0"/>
+            </a:br>
+            <a:r>
+              <a:rPr lang="nl-NL" dirty="0" smtClean="0"/>
+              <a:t>¬(</a:t>
+            </a:r>
+            <a:r>
+              <a:rPr lang="nl-NL" dirty="0"/>
+              <a:t>C</a:t>
+            </a:r>
+            <a:r>
+              <a:rPr lang="nl-NL" baseline="-25000" dirty="0"/>
+              <a:t>a</a:t>
+            </a:r>
+            <a:r>
+              <a:rPr lang="nl-NL" dirty="0"/>
+              <a:t> ≤</a:t>
+            </a:r>
+            <a:r>
+              <a:rPr lang="nl-NL" baseline="-25000" dirty="0"/>
+              <a:t>p</a:t>
+            </a:r>
+            <a:r>
+              <a:rPr lang="nl-NL" dirty="0"/>
+              <a:t> </a:t>
+            </a:r>
+            <a:r>
+              <a:rPr lang="nl-NL" dirty="0" err="1"/>
+              <a:t>C</a:t>
+            </a:r>
+            <a:r>
+              <a:rPr lang="nl-NL" baseline="-25000" dirty="0" err="1"/>
+              <a:t>b</a:t>
+            </a:r>
+            <a:r>
+              <a:rPr lang="nl-NL" dirty="0"/>
+              <a:t>) </a:t>
+            </a:r>
+            <a:r>
+              <a:rPr lang="nl-NL" dirty="0" smtClean="0"/>
+              <a:t>⇒ </a:t>
+            </a:r>
+            <a:r>
+              <a:rPr lang="nl-NL" dirty="0" err="1" smtClean="0"/>
+              <a:t>C</a:t>
+            </a:r>
+            <a:r>
+              <a:rPr lang="nl-NL" baseline="-25000" dirty="0" err="1" smtClean="0"/>
+              <a:t>b</a:t>
+            </a:r>
+            <a:r>
+              <a:rPr lang="nl-NL" baseline="-25000" dirty="0" smtClean="0"/>
+              <a:t> </a:t>
+            </a:r>
+            <a:r>
+              <a:rPr lang="nl-NL" dirty="0" smtClean="0"/>
+              <a:t>∈ </a:t>
+            </a:r>
+            <a:r>
+              <a:rPr lang="nl-NL" i="1" dirty="0" smtClean="0"/>
+              <a:t>R</a:t>
+            </a:r>
+            <a:r>
+              <a:rPr lang="nl-NL" i="1" baseline="30000" dirty="0" smtClean="0"/>
+              <a:t>n</a:t>
+            </a:r>
+            <a:r>
+              <a:rPr lang="nl-NL" i="1" baseline="-25000" dirty="0" smtClean="0"/>
+              <a:t>k+1</a:t>
+            </a:r>
+          </a:p>
+          <a:p>
+            <a:pPr marL="457200" indent="-457200">
+              <a:buFont typeface="+mj-lt"/>
+              <a:buAutoNum type="arabicPeriod"/>
+            </a:pPr>
+            <a:r>
+              <a:rPr lang="nl-NL" dirty="0" smtClean="0"/>
+              <a:t>Herhaal het proces</a:t>
+            </a:r>
+          </a:p>
+          <a:p>
+            <a:endParaRPr lang="nl-NL" dirty="0"/>
+          </a:p>
+          <a:p>
+            <a:endParaRPr lang="nl-NL" dirty="0"/>
+          </a:p>
+        </p:txBody>
+      </p:sp>
+    </p:spTree>
+    <p:extLst>
+      <p:ext uri="{BB962C8B-B14F-4D97-AF65-F5344CB8AC3E}">
+        <p14:creationId xmlns:p14="http://schemas.microsoft.com/office/powerpoint/2010/main" val="2685099402"/>
+      </p:ext>
+    </p:extLst>
+  </p:cSld>
+  <p:clrMapOvr>
+    <a:masterClrMapping/>
+  </p:clrMapOvr>
+  <mc:AlternateContent xmlns:mc="http://schemas.openxmlformats.org/markup-compatibility/2006">
+    <mc:Choice xmlns:p14="http://schemas.microsoft.com/office/powerpoint/2010/main" Requires="p14">
+      <p:transition spd="med" p14:dur="700">
+        <p:fade/>
+      </p:transition>
+    </mc:Choice>
+    <mc:Fallback>
+      <p:transition xmlns:p14="http://schemas.microsoft.com/office/powerpoint/2010/main" spd="med">
+        <p:fade/>
+      </p:transition>
+    </mc:Fallback>
+  </mc:AlternateContent>
+  <p:timing>
+    <p:tnLst>
+      <p:par>
+        <p:cTn xmlns:p14="http://schemas.microsoft.com/office/powerpoint/2010/main" id="1" dur="indefinite" restart="never" nodeType="tmRoot"/>
+      </p:par>
+    </p:tnLst>
+  </p:timing>
+</p:sld>
+</file>
+
+<file path=ppt/slides/slide17.xml><?xml version="1.0" encoding="utf-8"?>
+<p:sld xmlns:a="http://schemas.openxmlformats.org/drawingml/2006/main" xmlns:r="http://schemas.openxmlformats.org/officeDocument/2006/relationships" xmlns:p="http://schemas.openxmlformats.org/presentationml/2006/main">
+  <p:cSld>
+    <p:spTree>
+      <p:nvGrpSpPr>
+        <p:cNvPr id="1" name=""/>
+        <p:cNvGrpSpPr/>
+        <p:nvPr/>
+      </p:nvGrpSpPr>
+      <p:grpSpPr>
+        <a:xfrm>
+          <a:off x="0" y="0"/>
+          <a:ext cx="0" cy="0"/>
+          <a:chOff x="0" y="0"/>
+          <a:chExt cx="0" cy="0"/>
+        </a:xfrm>
+      </p:grpSpPr>
+      <p:sp>
+        <p:nvSpPr>
+          <p:cNvPr id="2" name="Titel 1"/>
+          <p:cNvSpPr>
+            <a:spLocks noGrp="1"/>
+          </p:cNvSpPr>
+          <p:nvPr>
+            <p:ph type="title"/>
+          </p:nvPr>
+        </p:nvSpPr>
+        <p:spPr/>
+        <p:txBody>
+          <a:bodyPr/>
+          <a:lstStyle/>
+          <a:p>
+            <a:r>
+              <a:rPr lang="nl-NL" dirty="0" err="1" smtClean="0"/>
+              <a:t>Generate</a:t>
+            </a:r>
+            <a:r>
+              <a:rPr lang="nl-NL" dirty="0" smtClean="0"/>
+              <a:t> &amp; prune: implementatie</a:t>
+            </a:r>
+            <a:endParaRPr lang="nl-NL" dirty="0"/>
+          </a:p>
+        </p:txBody>
+      </p:sp>
+      <p:sp>
+        <p:nvSpPr>
+          <p:cNvPr id="3" name="Tijdelijke aanduiding voor inhoud 2"/>
+          <p:cNvSpPr>
+            <a:spLocks noGrp="1"/>
+          </p:cNvSpPr>
+          <p:nvPr>
+            <p:ph idx="1"/>
+          </p:nvPr>
+        </p:nvSpPr>
+        <p:spPr/>
+        <p:txBody>
+          <a:bodyPr/>
+          <a:lstStyle/>
+          <a:p>
+            <a:r>
+              <a:rPr lang="nl-NL" dirty="0" smtClean="0"/>
+              <a:t>Bewaren van de output</a:t>
+            </a:r>
+            <a:br>
+              <a:rPr lang="nl-NL" dirty="0" smtClean="0"/>
+            </a:br>
+            <a:r>
+              <a:rPr lang="nl-NL" dirty="0" smtClean="0"/>
+              <a:t>⇒ </a:t>
+            </a:r>
+            <a:r>
+              <a:rPr lang="nl-NL" dirty="0" smtClean="0">
+                <a:sym typeface="Wingdings"/>
+              </a:rPr>
+              <a:t>toevoegen </a:t>
+            </a:r>
+            <a:r>
+              <a:rPr lang="nl-NL" dirty="0" err="1" smtClean="0">
+                <a:sym typeface="Wingdings"/>
+              </a:rPr>
+              <a:t>comparator</a:t>
+            </a:r>
+            <a:r>
+              <a:rPr lang="nl-NL" dirty="0" smtClean="0">
+                <a:sym typeface="Wingdings"/>
+              </a:rPr>
+              <a:t> = permutatie op </a:t>
+            </a:r>
+            <a:r>
+              <a:rPr lang="nl-NL" dirty="0" err="1" smtClean="0">
+                <a:sym typeface="Wingdings"/>
+              </a:rPr>
+              <a:t>outputs</a:t>
+            </a:r>
+            <a:r>
+              <a:rPr lang="nl-NL" dirty="0" smtClean="0">
+                <a:sym typeface="Wingdings"/>
+              </a:rPr>
+              <a:t/>
+            </a:r>
+            <a:br>
+              <a:rPr lang="nl-NL" dirty="0" smtClean="0">
+                <a:sym typeface="Wingdings"/>
+              </a:rPr>
+            </a:br>
+            <a:r>
+              <a:rPr lang="nl-NL" dirty="0" smtClean="0">
+                <a:sym typeface="Wingdings"/>
+              </a:rPr>
+              <a:t>→ grootte van de </a:t>
+            </a:r>
+            <a:r>
+              <a:rPr lang="nl-NL" dirty="0" err="1" smtClean="0">
+                <a:sym typeface="Wingdings"/>
+              </a:rPr>
+              <a:t>outputset</a:t>
+            </a:r>
+            <a:r>
+              <a:rPr lang="nl-NL" dirty="0" smtClean="0">
+                <a:sym typeface="Wingdings"/>
+              </a:rPr>
+              <a:t> krimpt</a:t>
+            </a:r>
+            <a:endParaRPr lang="nl-NL" dirty="0" smtClean="0"/>
+          </a:p>
+          <a:p>
+            <a:endParaRPr lang="nl-NL" dirty="0" smtClean="0"/>
+          </a:p>
+        </p:txBody>
+      </p:sp>
+      <p:pic>
+        <p:nvPicPr>
+          <p:cNvPr id="4" name="Afbeelding 3" descr="Schermafbeelding 2015-10-26 om 15.57.36.png"/>
+          <p:cNvPicPr>
+            <a:picLocks noChangeAspect="1"/>
+          </p:cNvPicPr>
+          <p:nvPr/>
+        </p:nvPicPr>
+        <p:blipFill>
+          <a:blip r:embed="rId3">
+            <a:extLst>
+              <a:ext uri="{28A0092B-C50C-407E-A947-70E740481C1C}">
+                <a14:useLocalDpi xmlns:a14="http://schemas.microsoft.com/office/drawing/2010/main" val="0"/>
+              </a:ext>
+            </a:extLst>
+          </a:blip>
+          <a:stretch>
+            <a:fillRect/>
+          </a:stretch>
+        </p:blipFill>
+        <p:spPr>
+          <a:xfrm>
+            <a:off x="1109197" y="3431933"/>
+            <a:ext cx="6804409" cy="3087238"/>
+          </a:xfrm>
+          <a:prstGeom prst="rect">
+            <a:avLst/>
+          </a:prstGeom>
+        </p:spPr>
+      </p:pic>
+    </p:spTree>
+    <p:extLst>
+      <p:ext uri="{BB962C8B-B14F-4D97-AF65-F5344CB8AC3E}">
+        <p14:creationId xmlns:p14="http://schemas.microsoft.com/office/powerpoint/2010/main" val="911199030"/>
+      </p:ext>
+    </p:extLst>
+  </p:cSld>
+  <p:clrMapOvr>
+    <a:masterClrMapping/>
+  </p:clrMapOvr>
+  <mc:AlternateContent xmlns:mc="http://schemas.openxmlformats.org/markup-compatibility/2006">
+    <mc:Choice xmlns:p14="http://schemas.microsoft.com/office/powerpoint/2010/main" Requires="p14">
+      <p:transition spd="med" p14:dur="700">
+        <p:fade/>
+      </p:transition>
+    </mc:Choice>
+    <mc:Fallback>
+      <p:transition xmlns:p14="http://schemas.microsoft.com/office/powerpoint/2010/main" spd="med">
+        <p:fade/>
+      </p:transition>
+    </mc:Fallback>
+  </mc:AlternateContent>
+  <p:timing>
+    <p:tnLst>
+      <p:par>
+        <p:cTn xmlns:p14="http://schemas.microsoft.com/office/powerpoint/2010/main" id="1" dur="indefinite" restart="never" nodeType="tmRoot"/>
+      </p:par>
+    </p:tnLst>
+  </p:timing>
+</p:sld>
+</file>
+
+<file path=ppt/slides/slide18.xml><?xml version="1.0" encoding="utf-8"?>
+<p:sld xmlns:a="http://schemas.openxmlformats.org/drawingml/2006/main" xmlns:r="http://schemas.openxmlformats.org/officeDocument/2006/relationships" xmlns:p="http://schemas.openxmlformats.org/presentationml/2006/main">
+  <p:cSld>
+    <p:spTree>
+      <p:nvGrpSpPr>
+        <p:cNvPr id="1" name=""/>
+        <p:cNvGrpSpPr/>
+        <p:nvPr/>
+      </p:nvGrpSpPr>
+      <p:grpSpPr>
+        <a:xfrm>
+          <a:off x="0" y="0"/>
+          <a:ext cx="0" cy="0"/>
+          <a:chOff x="0" y="0"/>
+          <a:chExt cx="0" cy="0"/>
+        </a:xfrm>
+      </p:grpSpPr>
+      <p:sp>
+        <p:nvSpPr>
+          <p:cNvPr id="2" name="Titel 1"/>
+          <p:cNvSpPr>
+            <a:spLocks noGrp="1"/>
+          </p:cNvSpPr>
+          <p:nvPr>
+            <p:ph type="title"/>
+          </p:nvPr>
+        </p:nvSpPr>
+        <p:spPr/>
+        <p:txBody>
+          <a:bodyPr/>
+          <a:lstStyle/>
+          <a:p>
+            <a:r>
+              <a:rPr lang="nl-NL" dirty="0" err="1" smtClean="0"/>
+              <a:t>Generate</a:t>
+            </a:r>
+            <a:r>
+              <a:rPr lang="nl-NL" dirty="0" smtClean="0"/>
+              <a:t> &amp; prune: implementatie</a:t>
+            </a:r>
+            <a:endParaRPr lang="nl-NL" dirty="0"/>
+          </a:p>
+        </p:txBody>
+      </p:sp>
+      <p:sp>
+        <p:nvSpPr>
+          <p:cNvPr id="3" name="Tijdelijke aanduiding voor inhoud 2"/>
+          <p:cNvSpPr>
+            <a:spLocks noGrp="1"/>
+          </p:cNvSpPr>
+          <p:nvPr>
+            <p:ph idx="1"/>
+          </p:nvPr>
+        </p:nvSpPr>
+        <p:spPr>
+          <a:xfrm>
+            <a:off x="779463" y="1949823"/>
+            <a:ext cx="7583488" cy="4668535"/>
+          </a:xfrm>
+        </p:spPr>
+        <p:txBody>
+          <a:bodyPr/>
+          <a:lstStyle/>
+          <a:p>
+            <a:endParaRPr lang="nl-NL" dirty="0" smtClean="0"/>
+          </a:p>
+          <a:p>
+            <a:endParaRPr lang="nl-NL" dirty="0" smtClean="0"/>
+          </a:p>
+          <a:p>
+            <a:endParaRPr lang="nl-NL" dirty="0" smtClean="0"/>
+          </a:p>
+          <a:p>
+            <a:endParaRPr lang="nl-NL" dirty="0" smtClean="0"/>
+          </a:p>
+          <a:p>
+            <a:endParaRPr lang="nl-NL" dirty="0" smtClean="0"/>
+          </a:p>
+          <a:p>
+            <a:r>
+              <a:rPr lang="nl-NL" dirty="0" smtClean="0"/>
+              <a:t>Uitsluiten van een permutaties</a:t>
+            </a:r>
+          </a:p>
+          <a:p>
+            <a:pPr lvl="1">
+              <a:buFont typeface="Wingdings" charset="2"/>
+              <a:buChar char="Ø"/>
+            </a:pPr>
+            <a:r>
+              <a:rPr lang="nl-NL" dirty="0" smtClean="0"/>
+              <a:t>C</a:t>
+            </a:r>
+            <a:r>
+              <a:rPr lang="nl-NL" baseline="-25000" dirty="0" smtClean="0"/>
+              <a:t>2</a:t>
+            </a:r>
+            <a:r>
+              <a:rPr lang="nl-NL" dirty="0" smtClean="0"/>
+              <a:t> ⋠ C</a:t>
+            </a:r>
+            <a:r>
+              <a:rPr lang="nl-NL" baseline="-25000" dirty="0" smtClean="0"/>
+              <a:t>1</a:t>
+            </a:r>
+            <a:r>
+              <a:rPr lang="nl-NL" dirty="0" smtClean="0"/>
+              <a:t> (zie kolom 2 1’en; #</a:t>
+            </a:r>
+            <a:r>
+              <a:rPr lang="nl-NL" dirty="0" err="1" smtClean="0"/>
+              <a:t>outputs</a:t>
+            </a:r>
+            <a:r>
+              <a:rPr lang="nl-NL" dirty="0" smtClean="0"/>
+              <a:t>)</a:t>
+            </a:r>
+          </a:p>
+          <a:p>
+            <a:pPr lvl="1">
+              <a:buFont typeface="Wingdings" charset="2"/>
+              <a:buChar char="Ø"/>
+            </a:pPr>
+            <a:r>
+              <a:rPr lang="nl-NL" dirty="0" smtClean="0"/>
+              <a:t>C</a:t>
+            </a:r>
+            <a:r>
+              <a:rPr lang="nl-NL" baseline="-25000" dirty="0" smtClean="0"/>
+              <a:t>1</a:t>
+            </a:r>
+            <a:r>
+              <a:rPr lang="nl-NL" dirty="0" smtClean="0"/>
+              <a:t> </a:t>
+            </a:r>
+            <a:r>
+              <a:rPr lang="nl-NL" dirty="0"/>
+              <a:t>⋠ </a:t>
+            </a:r>
+            <a:r>
+              <a:rPr lang="nl-NL" dirty="0" smtClean="0"/>
+              <a:t>C</a:t>
+            </a:r>
+            <a:r>
+              <a:rPr lang="nl-NL" baseline="-25000" dirty="0" smtClean="0"/>
+              <a:t>3</a:t>
+            </a:r>
+            <a:r>
+              <a:rPr lang="nl-NL" dirty="0" smtClean="0"/>
+              <a:t> (zie kolom 3 1’en; #0 plaatsen)</a:t>
+            </a:r>
+          </a:p>
+        </p:txBody>
+      </p:sp>
+      <p:pic>
+        <p:nvPicPr>
+          <p:cNvPr id="4" name="Afbeelding 3" descr="Schermafbeelding 2015-10-26 om 15.57.36.png"/>
+          <p:cNvPicPr>
+            <a:picLocks noChangeAspect="1"/>
+          </p:cNvPicPr>
+          <p:nvPr/>
+        </p:nvPicPr>
+        <p:blipFill>
+          <a:blip r:embed="rId3">
+            <a:extLst>
+              <a:ext uri="{28A0092B-C50C-407E-A947-70E740481C1C}">
+                <a14:useLocalDpi xmlns:a14="http://schemas.microsoft.com/office/drawing/2010/main" val="0"/>
+              </a:ext>
+            </a:extLst>
+          </a:blip>
+          <a:stretch>
+            <a:fillRect/>
+          </a:stretch>
+        </p:blipFill>
+        <p:spPr>
+          <a:xfrm>
+            <a:off x="1109197" y="1949824"/>
+            <a:ext cx="6804409" cy="3087238"/>
+          </a:xfrm>
+          <a:prstGeom prst="rect">
+            <a:avLst/>
+          </a:prstGeom>
+        </p:spPr>
+      </p:pic>
+    </p:spTree>
+    <p:extLst>
+      <p:ext uri="{BB962C8B-B14F-4D97-AF65-F5344CB8AC3E}">
+        <p14:creationId xmlns:p14="http://schemas.microsoft.com/office/powerpoint/2010/main" val="3156478776"/>
+      </p:ext>
+    </p:extLst>
+  </p:cSld>
+  <p:clrMapOvr>
+    <a:masterClrMapping/>
+  </p:clrMapOvr>
+  <mc:AlternateContent xmlns:mc="http://schemas.openxmlformats.org/markup-compatibility/2006">
+    <mc:Choice xmlns:p14="http://schemas.microsoft.com/office/powerpoint/2010/main" Requires="p14">
+      <p:transition spd="med" p14:dur="700">
+        <p:fade/>
+      </p:transition>
+    </mc:Choice>
+    <mc:Fallback>
+      <p:transition xmlns:p14="http://schemas.microsoft.com/office/powerpoint/2010/main" spd="med">
+        <p:fade/>
+      </p:transition>
+    </mc:Fallback>
+  </mc:AlternateContent>
+  <p:timing>
+    <p:tnLst>
+      <p:par>
+        <p:cTn xmlns:p14="http://schemas.microsoft.com/office/powerpoint/2010/main" id="1" dur="indefinite" restart="never" nodeType="tmRoot"/>
+      </p:par>
+    </p:tnLst>
+  </p:timing>
+</p:sld>
+</file>
+
+<file path=ppt/slides/slide2.xml><?xml version="1.0" encoding="utf-8"?>
+<p:sld xmlns:a="http://schemas.openxmlformats.org/drawingml/2006/main" xmlns:r="http://schemas.openxmlformats.org/officeDocument/2006/relationships" xmlns:p="http://schemas.openxmlformats.org/presentationml/2006/main">
+  <p:cSld>
+    <p:spTree>
+      <p:nvGrpSpPr>
+        <p:cNvPr id="1" name=""/>
+        <p:cNvGrpSpPr/>
+        <p:nvPr/>
+      </p:nvGrpSpPr>
+      <p:grpSpPr>
+        <a:xfrm>
+          <a:off x="0" y="0"/>
+          <a:ext cx="0" cy="0"/>
+          <a:chOff x="0" y="0"/>
+          <a:chExt cx="0" cy="0"/>
+        </a:xfrm>
+      </p:grpSpPr>
+      <p:sp>
+        <p:nvSpPr>
+          <p:cNvPr id="2" name="Titel 1"/>
+          <p:cNvSpPr>
+            <a:spLocks noGrp="1"/>
+          </p:cNvSpPr>
+          <p:nvPr>
+            <p:ph type="title"/>
+          </p:nvPr>
+        </p:nvSpPr>
+        <p:spPr/>
+        <p:txBody>
+          <a:bodyPr/>
+          <a:lstStyle/>
+          <a:p>
+            <a:r>
+              <a:rPr lang="nl-NL" dirty="0" smtClean="0"/>
+              <a:t>Overzicht</a:t>
+            </a:r>
+            <a:endParaRPr lang="nl-NL" dirty="0"/>
+          </a:p>
+        </p:txBody>
+      </p:sp>
+      <p:sp>
+        <p:nvSpPr>
+          <p:cNvPr id="3" name="Tijdelijke aanduiding voor inhoud 2"/>
+          <p:cNvSpPr>
+            <a:spLocks noGrp="1"/>
+          </p:cNvSpPr>
+          <p:nvPr>
+            <p:ph idx="1"/>
+          </p:nvPr>
+        </p:nvSpPr>
+        <p:spPr/>
+        <p:txBody>
+          <a:bodyPr/>
+          <a:lstStyle/>
+          <a:p>
+            <a:endParaRPr lang="nl-NL"/>
+          </a:p>
+        </p:txBody>
+      </p:sp>
+    </p:spTree>
+    <p:extLst>
+      <p:ext uri="{BB962C8B-B14F-4D97-AF65-F5344CB8AC3E}">
+        <p14:creationId xmlns:p14="http://schemas.microsoft.com/office/powerpoint/2010/main" val="4130736356"/>
+      </p:ext>
+    </p:extLst>
+  </p:cSld>
+  <p:clrMapOvr>
+    <a:masterClrMapping/>
+  </p:clrMapOvr>
+  <mc:AlternateContent xmlns:mc="http://schemas.openxmlformats.org/markup-compatibility/2006">
+    <mc:Choice xmlns:p14="http://schemas.microsoft.com/office/powerpoint/2010/main" Requires="p14">
+      <p:transition spd="med" p14:dur="700">
+        <p:fade/>
+      </p:transition>
+    </mc:Choice>
+    <mc:Fallback>
+      <p:transition xmlns:p14="http://schemas.microsoft.com/office/powerpoint/2010/main" spd="med">
+        <p:fade/>
+      </p:transition>
+    </mc:Fallback>
+  </mc:AlternateContent>
+  <p:timing>
+    <p:tnLst>
+      <p:par>
+        <p:cTn xmlns:p14="http://schemas.microsoft.com/office/powerpoint/2010/main" id="1" dur="indefinite" restart="never" nodeType="tmRoot"/>
+      </p:par>
+    </p:tnLst>
+  </p:timing>
+</p:sld>
+</file>
+
+<file path=ppt/slides/slide3.xml><?xml version="1.0" encoding="utf-8"?>
+<p:sld xmlns:a="http://schemas.openxmlformats.org/drawingml/2006/main" xmlns:r="http://schemas.openxmlformats.org/officeDocument/2006/relationships" xmlns:p="http://schemas.openxmlformats.org/presentationml/2006/main">
+  <p:cSld>
+    <p:spTree>
+      <p:nvGrpSpPr>
+        <p:cNvPr id="1" name=""/>
+        <p:cNvGrpSpPr/>
+        <p:nvPr/>
+      </p:nvGrpSpPr>
+      <p:grpSpPr>
+        <a:xfrm>
+          <a:off x="0" y="0"/>
+          <a:ext cx="0" cy="0"/>
+          <a:chOff x="0" y="0"/>
+          <a:chExt cx="0" cy="0"/>
+        </a:xfrm>
+      </p:grpSpPr>
+      <p:sp>
+        <p:nvSpPr>
+          <p:cNvPr id="2" name="Titel 1"/>
+          <p:cNvSpPr>
+            <a:spLocks noGrp="1"/>
+          </p:cNvSpPr>
+          <p:nvPr>
+            <p:ph type="title"/>
+          </p:nvPr>
+        </p:nvSpPr>
+        <p:spPr/>
+        <p:txBody>
+          <a:bodyPr/>
+          <a:lstStyle/>
+          <a:p>
+            <a:r>
+              <a:rPr lang="nl-NL" dirty="0" smtClean="0"/>
+              <a:t>Wat is een comparator network?</a:t>
+            </a:r>
+            <a:endParaRPr lang="nl-NL" dirty="0"/>
+          </a:p>
+        </p:txBody>
+      </p:sp>
+      <p:sp>
+        <p:nvSpPr>
+          <p:cNvPr id="3" name="Tijdelijke aanduiding voor inhoud 2"/>
+          <p:cNvSpPr>
+            <a:spLocks noGrp="1"/>
+          </p:cNvSpPr>
+          <p:nvPr>
+            <p:ph sz="half" idx="1"/>
+          </p:nvPr>
+        </p:nvSpPr>
+        <p:spPr>
+          <a:xfrm>
+            <a:off x="737121" y="1981201"/>
+            <a:ext cx="3657600" cy="3975100"/>
+          </a:xfrm>
+        </p:spPr>
+        <p:txBody>
+          <a:bodyPr/>
+          <a:lstStyle/>
+          <a:p>
+            <a:pPr marL="0" indent="0">
+              <a:buNone/>
+            </a:pPr>
+            <a:endParaRPr lang="nl-NL" dirty="0" smtClean="0"/>
+          </a:p>
+          <a:p>
+            <a:pPr marL="0" indent="0">
+              <a:buNone/>
+            </a:pPr>
+            <a:endParaRPr lang="nl-NL" dirty="0"/>
+          </a:p>
+          <a:p>
+            <a:pPr marL="0" indent="0">
+              <a:buNone/>
+            </a:pPr>
+            <a:endParaRPr lang="nl-NL" dirty="0"/>
+          </a:p>
+          <a:p>
+            <a:pPr marL="0" indent="0">
+              <a:buNone/>
+            </a:pPr>
+            <a:r>
+              <a:rPr lang="nl-NL" dirty="0" smtClean="0"/>
+              <a:t>   (1 2)(3 4)(2 3)(1 2)</a:t>
+            </a:r>
+          </a:p>
+        </p:txBody>
+      </p:sp>
+      <p:sp>
+        <p:nvSpPr>
+          <p:cNvPr id="4" name="Tijdelijke aanduiding voor inhoud 3"/>
+          <p:cNvSpPr>
+            <a:spLocks noGrp="1"/>
+          </p:cNvSpPr>
+          <p:nvPr>
+            <p:ph sz="half" idx="2"/>
+          </p:nvPr>
+        </p:nvSpPr>
+        <p:spPr/>
+        <p:txBody>
+          <a:bodyPr/>
+          <a:lstStyle/>
+          <a:p>
+            <a:r>
+              <a:rPr lang="nl-NL" dirty="0" smtClean="0"/>
+              <a:t>Kanalen</a:t>
+            </a:r>
+          </a:p>
+          <a:p>
+            <a:pPr lvl="1">
+              <a:buFont typeface="Wingdings" charset="2"/>
+              <a:buChar char="Ø"/>
+            </a:pPr>
+            <a:r>
+              <a:rPr lang="nl-NL" dirty="0" smtClean="0"/>
+              <a:t>Input</a:t>
+            </a:r>
+          </a:p>
+          <a:p>
+            <a:pPr lvl="1">
+              <a:buFont typeface="Wingdings" charset="2"/>
+              <a:buChar char="Ø"/>
+            </a:pPr>
+            <a:r>
+              <a:rPr lang="nl-NL" dirty="0" smtClean="0"/>
+              <a:t>Output</a:t>
+            </a:r>
+          </a:p>
+          <a:p>
+            <a:r>
+              <a:rPr lang="nl-NL" dirty="0" err="1" smtClean="0"/>
+              <a:t>Comparators</a:t>
+            </a:r>
+            <a:r>
+              <a:rPr lang="nl-NL" dirty="0"/>
+              <a:t> </a:t>
+            </a:r>
+            <a:r>
+              <a:rPr lang="nl-NL" dirty="0" smtClean="0"/>
+              <a:t>(a b)</a:t>
+            </a:r>
+          </a:p>
+          <a:p>
+            <a:pPr lvl="1">
+              <a:buFont typeface="Wingdings" charset="2"/>
+              <a:buChar char="Ø"/>
+            </a:pPr>
+            <a:r>
+              <a:rPr lang="nl-NL" dirty="0" smtClean="0"/>
+              <a:t>a &lt; b</a:t>
+            </a:r>
+          </a:p>
+          <a:p>
+            <a:pPr lvl="1">
+              <a:buFont typeface="Wingdings" charset="2"/>
+              <a:buChar char="Ø"/>
+            </a:pPr>
+            <a:r>
+              <a:rPr lang="nl-NL" dirty="0" smtClean="0"/>
+              <a:t>a &gt; b:  </a:t>
+            </a:r>
+            <a:r>
+              <a:rPr lang="nl-NL" dirty="0" smtClean="0"/>
+              <a:t>a </a:t>
+            </a:r>
+            <a:r>
+              <a:rPr lang="nl-BE" dirty="0" smtClean="0"/>
+              <a:t>↔ </a:t>
+            </a:r>
+            <a:r>
+              <a:rPr lang="nl-NL" dirty="0" smtClean="0"/>
+              <a:t>b</a:t>
+            </a:r>
+            <a:endParaRPr lang="nl-NL" dirty="0" smtClean="0"/>
+          </a:p>
+        </p:txBody>
+      </p:sp>
+      <p:pic>
+        <p:nvPicPr>
+          <p:cNvPr id="4098" name="Picture 2" descr="C:\Users\Admin\Desktop\Comparator.png"/>
+          <p:cNvPicPr>
+            <a:picLocks noChangeAspect="1" noChangeArrowheads="1"/>
+          </p:cNvPicPr>
+          <p:nvPr/>
+        </p:nvPicPr>
+        <p:blipFill>
+          <a:blip r:embed="rId3">
+            <a:extLst>
+              <a:ext uri="{28A0092B-C50C-407E-A947-70E740481C1C}">
+                <a14:useLocalDpi xmlns:a14="http://schemas.microsoft.com/office/drawing/2010/main" val="0"/>
+              </a:ext>
+            </a:extLst>
+          </a:blip>
+          <a:srcRect/>
+          <a:stretch>
+            <a:fillRect/>
+          </a:stretch>
+        </p:blipFill>
+        <p:spPr bwMode="auto">
+          <a:xfrm>
+            <a:off x="4991771" y="4654146"/>
+            <a:ext cx="3000794" cy="1362265"/>
+          </a:xfrm>
+          <a:prstGeom prst="rect">
+            <a:avLst/>
+          </a:prstGeom>
+          <a:noFill/>
+          <a:extLst>
+            <a:ext uri="{909E8E84-426E-40dd-AFC4-6F175D3DCCD1}">
+              <a14:hiddenFill xmlns:a14="http://schemas.microsoft.com/office/drawing/2010/main">
+                <a:solidFill>
+                  <a:srgbClr val="FFFFFF"/>
+                </a:solidFill>
+              </a14:hiddenFill>
+            </a:ext>
+          </a:extLst>
+        </p:spPr>
+      </p:pic>
+      <p:pic>
+        <p:nvPicPr>
+          <p:cNvPr id="4099" name="Picture 3" descr="C:\Users\Admin\Desktop\Overbodige5Parallel.png"/>
+          <p:cNvPicPr>
+            <a:picLocks noChangeAspect="1" noChangeArrowheads="1"/>
+          </p:cNvPicPr>
+          <p:nvPr/>
+        </p:nvPicPr>
+        <p:blipFill>
+          <a:blip r:embed="rId4">
+            <a:extLst>
+              <a:ext uri="{28A0092B-C50C-407E-A947-70E740481C1C}">
+                <a14:useLocalDpi xmlns:a14="http://schemas.microsoft.com/office/drawing/2010/main" val="0"/>
+              </a:ext>
+            </a:extLst>
+          </a:blip>
+          <a:srcRect/>
+          <a:stretch>
+            <a:fillRect/>
+          </a:stretch>
+        </p:blipFill>
+        <p:spPr bwMode="auto">
+          <a:xfrm>
+            <a:off x="960699" y="2132813"/>
+            <a:ext cx="2141316" cy="1548713"/>
+          </a:xfrm>
+          <a:prstGeom prst="rect">
+            <a:avLst/>
+          </a:prstGeom>
+          <a:noFill/>
+          <a:extLst>
+            <a:ext uri="{909E8E84-426E-40dd-AFC4-6F175D3DCCD1}">
+              <a14:hiddenFill xmlns:a14="http://schemas.microsoft.com/office/drawing/2010/main">
+                <a:solidFill>
+                  <a:srgbClr val="FFFFFF"/>
+                </a:solidFill>
+              </a14:hiddenFill>
+            </a:ext>
+          </a:extLst>
+        </p:spPr>
+      </p:pic>
+    </p:spTree>
+    <p:extLst>
+      <p:ext uri="{BB962C8B-B14F-4D97-AF65-F5344CB8AC3E}">
+        <p14:creationId xmlns:p14="http://schemas.microsoft.com/office/powerpoint/2010/main" val="859536278"/>
+      </p:ext>
+    </p:extLst>
+  </p:cSld>
+  <p:clrMapOvr>
+    <a:masterClrMapping/>
+  </p:clrMapOvr>
+  <mc:AlternateContent xmlns:mc="http://schemas.openxmlformats.org/markup-compatibility/2006">
+    <mc:Choice xmlns:p14="http://schemas.microsoft.com/office/powerpoint/2010/main" Requires="p14">
+      <p:transition spd="med" p14:dur="700">
+        <p:fade/>
+      </p:transition>
+    </mc:Choice>
+    <mc:Fallback>
+      <p:transition xmlns:p14="http://schemas.microsoft.com/office/powerpoint/2010/main" spd="med">
+        <p:fade/>
+      </p:transition>
+    </mc:Fallback>
+  </mc:AlternateContent>
+  <p:timing>
+    <p:tnLst>
+      <p:par>
+        <p:cTn xmlns:p14="http://schemas.microsoft.com/office/powerpoint/2010/main" id="1" dur="indefinite" restart="never" nodeType="tmRoot"/>
+      </p:par>
+    </p:tnLst>
+  </p:timing>
+</p:sld>
+</file>
+
+<file path=ppt/slides/slide4.xml><?xml version="1.0" encoding="utf-8"?>
+<p:sld xmlns:a="http://schemas.openxmlformats.org/drawingml/2006/main" xmlns:r="http://schemas.openxmlformats.org/officeDocument/2006/relationships" xmlns:p="http://schemas.openxmlformats.org/presentationml/2006/main">
+  <p:cSld>
+    <p:spTree>
+      <p:nvGrpSpPr>
+        <p:cNvPr id="1" name=""/>
+        <p:cNvGrpSpPr/>
+        <p:nvPr/>
+      </p:nvGrpSpPr>
+      <p:grpSpPr>
+        <a:xfrm>
+          <a:off x="0" y="0"/>
+          <a:ext cx="0" cy="0"/>
+          <a:chOff x="0" y="0"/>
+          <a:chExt cx="0" cy="0"/>
+        </a:xfrm>
+      </p:grpSpPr>
+      <p:sp>
+        <p:nvSpPr>
+          <p:cNvPr id="2" name="Titel 1"/>
+          <p:cNvSpPr>
+            <a:spLocks noGrp="1"/>
+          </p:cNvSpPr>
+          <p:nvPr>
+            <p:ph type="title"/>
+          </p:nvPr>
+        </p:nvSpPr>
+        <p:spPr/>
+        <p:txBody>
+          <a:bodyPr/>
+          <a:lstStyle/>
+          <a:p>
+            <a:r>
+              <a:rPr lang="nl-NL" dirty="0" smtClean="0"/>
+              <a:t>Wat is een </a:t>
+            </a:r>
+            <a:r>
+              <a:rPr lang="nl-NL" dirty="0" err="1" smtClean="0"/>
+              <a:t>Sorting</a:t>
+            </a:r>
+            <a:r>
+              <a:rPr lang="nl-NL" dirty="0" smtClean="0"/>
+              <a:t> Network?</a:t>
+            </a:r>
+            <a:endParaRPr lang="nl-NL" dirty="0"/>
+          </a:p>
+        </p:txBody>
+      </p:sp>
+      <p:sp>
+        <p:nvSpPr>
+          <p:cNvPr id="3" name="Tijdelijke aanduiding voor tekst 2"/>
+          <p:cNvSpPr>
+            <a:spLocks noGrp="1"/>
+          </p:cNvSpPr>
+          <p:nvPr>
+            <p:ph type="body" idx="1"/>
+          </p:nvPr>
+        </p:nvSpPr>
+        <p:spPr>
+          <a:xfrm>
+            <a:off x="490088" y="1852426"/>
+            <a:ext cx="3657600" cy="868362"/>
+          </a:xfrm>
+        </p:spPr>
+        <p:txBody>
+          <a:bodyPr/>
+          <a:lstStyle/>
+          <a:p>
+            <a:r>
+              <a:rPr lang="nl-NL" dirty="0" smtClean="0"/>
+              <a:t>Gesorteerd</a:t>
+            </a:r>
+            <a:endParaRPr lang="nl-NL" dirty="0"/>
+          </a:p>
+        </p:txBody>
+      </p:sp>
+      <p:sp>
+        <p:nvSpPr>
+          <p:cNvPr id="4" name="Tijdelijke aanduiding voor inhoud 3"/>
+          <p:cNvSpPr>
+            <a:spLocks noGrp="1"/>
+          </p:cNvSpPr>
+          <p:nvPr>
+            <p:ph sz="half" idx="2"/>
+          </p:nvPr>
+        </p:nvSpPr>
+        <p:spPr>
+          <a:xfrm>
+            <a:off x="779463" y="3032568"/>
+            <a:ext cx="4012456" cy="3213100"/>
+          </a:xfrm>
+        </p:spPr>
+        <p:txBody>
+          <a:bodyPr/>
+          <a:lstStyle/>
+          <a:p>
+            <a:endParaRPr lang="nl-NL" dirty="0" smtClean="0"/>
+          </a:p>
+          <a:p>
+            <a:endParaRPr lang="nl-NL" dirty="0"/>
+          </a:p>
+          <a:p>
+            <a:r>
+              <a:rPr lang="nl-NL" sz="2200" dirty="0" smtClean="0"/>
+              <a:t>Output is gesorteerd</a:t>
+            </a:r>
+            <a:endParaRPr lang="nl-NL" sz="2200" dirty="0"/>
+          </a:p>
+        </p:txBody>
+      </p:sp>
+      <p:sp>
+        <p:nvSpPr>
+          <p:cNvPr id="5" name="Tijdelijke aanduiding voor tekst 4"/>
+          <p:cNvSpPr>
+            <a:spLocks noGrp="1"/>
+          </p:cNvSpPr>
+          <p:nvPr>
+            <p:ph type="body" sz="quarter" idx="3"/>
+          </p:nvPr>
+        </p:nvSpPr>
+        <p:spPr>
+          <a:xfrm>
+            <a:off x="4624326" y="1864001"/>
+            <a:ext cx="3657600" cy="868362"/>
+          </a:xfrm>
+        </p:spPr>
+        <p:txBody>
+          <a:bodyPr/>
+          <a:lstStyle/>
+          <a:p>
+            <a:r>
+              <a:rPr lang="nl-NL" dirty="0" smtClean="0"/>
+              <a:t>Ongesorteerd</a:t>
+            </a:r>
+            <a:endParaRPr lang="nl-NL" dirty="0"/>
+          </a:p>
+        </p:txBody>
+      </p:sp>
+      <p:sp>
+        <p:nvSpPr>
+          <p:cNvPr id="6" name="Tijdelijke aanduiding voor inhoud 5"/>
+          <p:cNvSpPr>
+            <a:spLocks noGrp="1"/>
+          </p:cNvSpPr>
+          <p:nvPr>
+            <p:ph sz="quarter" idx="4"/>
+          </p:nvPr>
+        </p:nvSpPr>
+        <p:spPr>
+          <a:xfrm>
+            <a:off x="4757194" y="3032568"/>
+            <a:ext cx="3848832" cy="3213100"/>
+          </a:xfrm>
+        </p:spPr>
+        <p:txBody>
+          <a:bodyPr/>
+          <a:lstStyle/>
+          <a:p>
+            <a:endParaRPr lang="nl-NL" dirty="0" smtClean="0"/>
+          </a:p>
+          <a:p>
+            <a:endParaRPr lang="nl-NL" dirty="0"/>
+          </a:p>
+          <a:p>
+            <a:r>
+              <a:rPr lang="nl-NL" sz="2200" dirty="0" smtClean="0"/>
+              <a:t>Niet alle output gesorteerd.</a:t>
+            </a:r>
+            <a:br>
+              <a:rPr lang="nl-NL" sz="2200" dirty="0" smtClean="0"/>
+            </a:br>
+            <a:r>
+              <a:rPr lang="nl-NL" sz="2200" dirty="0" smtClean="0"/>
+              <a:t>(110 </a:t>
+            </a:r>
+            <a:r>
+              <a:rPr lang="nl-BE" sz="2400" dirty="0" smtClean="0"/>
+              <a:t>→ 101)</a:t>
+            </a:r>
+            <a:endParaRPr lang="nl-NL" sz="2200" dirty="0" smtClean="0"/>
+          </a:p>
+        </p:txBody>
+      </p:sp>
+      <p:pic>
+        <p:nvPicPr>
+          <p:cNvPr id="1026" name="Picture 2" descr="C:\Users\Admin\Desktop\PresentatieSorted4.png"/>
+          <p:cNvPicPr>
+            <a:picLocks noChangeAspect="1" noChangeArrowheads="1"/>
+          </p:cNvPicPr>
+          <p:nvPr/>
+        </p:nvPicPr>
+        <p:blipFill>
+          <a:blip r:embed="rId3">
+            <a:extLst>
+              <a:ext uri="{28A0092B-C50C-407E-A947-70E740481C1C}">
+                <a14:useLocalDpi xmlns:a14="http://schemas.microsoft.com/office/drawing/2010/main" val="0"/>
+              </a:ext>
+            </a:extLst>
+          </a:blip>
+          <a:srcRect/>
+          <a:stretch>
+            <a:fillRect/>
+          </a:stretch>
+        </p:blipFill>
+        <p:spPr bwMode="auto">
+          <a:xfrm>
+            <a:off x="1238492" y="2495508"/>
+            <a:ext cx="2345271" cy="1615139"/>
+          </a:xfrm>
+          <a:prstGeom prst="rect">
+            <a:avLst/>
+          </a:prstGeom>
+          <a:noFill/>
+          <a:extLst>
+            <a:ext uri="{909E8E84-426E-40dd-AFC4-6F175D3DCCD1}">
+              <a14:hiddenFill xmlns:a14="http://schemas.microsoft.com/office/drawing/2010/main">
+                <a:solidFill>
+                  <a:srgbClr val="FFFFFF"/>
+                </a:solidFill>
+              </a14:hiddenFill>
+            </a:ext>
+          </a:extLst>
+        </p:spPr>
+      </p:pic>
+      <p:pic>
+        <p:nvPicPr>
+          <p:cNvPr id="1027" name="Picture 3" descr="C:\Users\Admin\Desktop\PresentatieUnsorted4.png"/>
+          <p:cNvPicPr>
+            <a:picLocks noChangeAspect="1" noChangeArrowheads="1"/>
+          </p:cNvPicPr>
+          <p:nvPr/>
+        </p:nvPicPr>
+        <p:blipFill>
+          <a:blip r:embed="rId4">
+            <a:extLst>
+              <a:ext uri="{28A0092B-C50C-407E-A947-70E740481C1C}">
+                <a14:useLocalDpi xmlns:a14="http://schemas.microsoft.com/office/drawing/2010/main" val="0"/>
+              </a:ext>
+            </a:extLst>
+          </a:blip>
+          <a:srcRect/>
+          <a:stretch>
+            <a:fillRect/>
+          </a:stretch>
+        </p:blipFill>
+        <p:spPr bwMode="auto">
+          <a:xfrm>
+            <a:off x="5278056" y="2495507"/>
+            <a:ext cx="2413571" cy="1573131"/>
+          </a:xfrm>
+          <a:prstGeom prst="rect">
+            <a:avLst/>
+          </a:prstGeom>
+          <a:noFill/>
+          <a:extLst>
+            <a:ext uri="{909E8E84-426E-40dd-AFC4-6F175D3DCCD1}">
+              <a14:hiddenFill xmlns:a14="http://schemas.microsoft.com/office/drawing/2010/main">
+                <a:solidFill>
+                  <a:srgbClr val="FFFFFF"/>
+                </a:solidFill>
+              </a14:hiddenFill>
+            </a:ext>
+          </a:extLst>
+        </p:spPr>
+      </p:pic>
+    </p:spTree>
+    <p:extLst>
+      <p:ext uri="{BB962C8B-B14F-4D97-AF65-F5344CB8AC3E}">
+        <p14:creationId xmlns:p14="http://schemas.microsoft.com/office/powerpoint/2010/main" val="345810850"/>
+      </p:ext>
+    </p:extLst>
+  </p:cSld>
+  <p:clrMapOvr>
+    <a:masterClrMapping/>
+  </p:clrMapOvr>
+  <mc:AlternateContent xmlns:mc="http://schemas.openxmlformats.org/markup-compatibility/2006">
+    <mc:Choice xmlns:p14="http://schemas.microsoft.com/office/powerpoint/2010/main" Requires="p14">
+      <p:transition spd="med" p14:dur="700">
+        <p:fade/>
+      </p:transition>
+    </mc:Choice>
+    <mc:Fallback>
+      <p:transition xmlns:p14="http://schemas.microsoft.com/office/powerpoint/2010/main" spd="med">
+        <p:fade/>
+      </p:transition>
+    </mc:Fallback>
+  </mc:AlternateContent>
+  <p:timing>
+    <p:tnLst>
+      <p:par>
+        <p:cTn xmlns:p14="http://schemas.microsoft.com/office/powerpoint/2010/main" id="1" dur="indefinite" restart="never" nodeType="tmRoot"/>
+      </p:par>
+    </p:tnLst>
+  </p:timing>
+</p:sld>
+</file>
+
+<file path=ppt/slides/slide5.xml><?xml version="1.0" encoding="utf-8"?>
+<p:sld xmlns:a="http://schemas.openxmlformats.org/drawingml/2006/main" xmlns:r="http://schemas.openxmlformats.org/officeDocument/2006/relationships" xmlns:p="http://schemas.openxmlformats.org/presentationml/2006/main">
+  <p:cSld>
+    <p:spTree>
+      <p:nvGrpSpPr>
+        <p:cNvPr id="1" name=""/>
+        <p:cNvGrpSpPr/>
+        <p:nvPr/>
+      </p:nvGrpSpPr>
+      <p:grpSpPr>
+        <a:xfrm>
+          <a:off x="0" y="0"/>
+          <a:ext cx="0" cy="0"/>
+          <a:chOff x="0" y="0"/>
+          <a:chExt cx="0" cy="0"/>
+        </a:xfrm>
+      </p:grpSpPr>
+      <p:sp>
+        <p:nvSpPr>
+          <p:cNvPr id="2" name="Titel 1"/>
+          <p:cNvSpPr>
+            <a:spLocks noGrp="1"/>
+          </p:cNvSpPr>
+          <p:nvPr>
+            <p:ph type="title"/>
+          </p:nvPr>
+        </p:nvSpPr>
+        <p:spPr/>
+        <p:txBody>
+          <a:bodyPr/>
+          <a:lstStyle/>
+          <a:p>
+            <a:r>
+              <a:rPr lang="nl-NL" dirty="0" smtClean="0"/>
+              <a:t>Nul – één principe</a:t>
+            </a:r>
+            <a:endParaRPr lang="nl-NL" dirty="0"/>
+          </a:p>
+        </p:txBody>
+      </p:sp>
+      <p:sp>
+        <p:nvSpPr>
+          <p:cNvPr id="11" name="Tijdelijke aanduiding voor inhoud 10"/>
+          <p:cNvSpPr>
+            <a:spLocks noGrp="1"/>
+          </p:cNvSpPr>
+          <p:nvPr>
+            <p:ph idx="1"/>
+          </p:nvPr>
+        </p:nvSpPr>
+        <p:spPr>
+          <a:xfrm>
+            <a:off x="779463" y="3230487"/>
+            <a:ext cx="7583488" cy="1687687"/>
+          </a:xfrm>
+          <a:gradFill flip="none" rotWithShape="1">
+            <a:gsLst>
+              <a:gs pos="20000">
+                <a:schemeClr val="bg2"/>
+              </a:gs>
+              <a:gs pos="100000">
+                <a:schemeClr val="tx1">
+                  <a:lumMod val="75000"/>
+                  <a:lumOff val="25000"/>
+                </a:schemeClr>
+              </a:gs>
+            </a:gsLst>
+            <a:lin ang="5400000" scaled="0"/>
+            <a:tileRect/>
+          </a:gradFill>
+          <a:ln/>
+        </p:spPr>
+        <p:style>
+          <a:lnRef idx="2">
+            <a:schemeClr val="dk1"/>
+          </a:lnRef>
+          <a:fillRef idx="1">
+            <a:schemeClr val="lt1"/>
+          </a:fillRef>
+          <a:effectRef idx="0">
+            <a:schemeClr val="dk1"/>
+          </a:effectRef>
+          <a:fontRef idx="minor">
+            <a:schemeClr val="dk1"/>
+          </a:fontRef>
+        </p:style>
+        <p:txBody>
+          <a:bodyPr/>
+          <a:lstStyle/>
+          <a:p>
+            <a:r>
+              <a:rPr lang="nl-NL" dirty="0" smtClean="0"/>
+              <a:t>(x) = x</a:t>
+            </a:r>
+            <a:r>
+              <a:rPr lang="nl-NL" baseline="-25000" dirty="0" smtClean="0"/>
+              <a:t>1</a:t>
+            </a:r>
+            <a:r>
+              <a:rPr lang="is-IS" dirty="0"/>
+              <a:t>…x</a:t>
+            </a:r>
+            <a:r>
+              <a:rPr lang="is-IS" baseline="-25000" dirty="0"/>
+              <a:t>n</a:t>
+            </a:r>
+            <a:r>
+              <a:rPr lang="is-IS" dirty="0"/>
+              <a:t> ∈{</a:t>
+            </a:r>
+            <a:r>
+              <a:rPr lang="is-IS" dirty="0" smtClean="0"/>
+              <a:t>0,1}</a:t>
+            </a:r>
+            <a:r>
+              <a:rPr lang="is-IS" baseline="30000" dirty="0" smtClean="0"/>
+              <a:t>n</a:t>
+            </a:r>
+          </a:p>
+          <a:p>
+            <a:r>
+              <a:rPr lang="is-IS" dirty="0" smtClean="0"/>
+              <a:t>(y) = sequentie van een totaal geordende set</a:t>
+            </a:r>
+            <a:endParaRPr lang="nl-NL" dirty="0" smtClean="0"/>
+          </a:p>
+          <a:p>
+            <a:r>
+              <a:rPr lang="nl-NL" dirty="0" smtClean="0"/>
+              <a:t>∀(x) gesorteerd ⇒ ∀(y) gesorteerd</a:t>
+            </a:r>
+          </a:p>
+        </p:txBody>
+      </p:sp>
+    </p:spTree>
+    <p:extLst>
+      <p:ext uri="{BB962C8B-B14F-4D97-AF65-F5344CB8AC3E}">
+        <p14:creationId xmlns:p14="http://schemas.microsoft.com/office/powerpoint/2010/main" val="330839700"/>
+      </p:ext>
+    </p:extLst>
+  </p:cSld>
+  <p:clrMapOvr>
+    <a:masterClrMapping/>
+  </p:clrMapOvr>
+  <mc:AlternateContent xmlns:mc="http://schemas.openxmlformats.org/markup-compatibility/2006">
+    <mc:Choice xmlns:p14="http://schemas.microsoft.com/office/powerpoint/2010/main" Requires="p14">
+      <p:transition spd="med" p14:dur="700">
+        <p:fade/>
+      </p:transition>
+    </mc:Choice>
+    <mc:Fallback>
+      <p:transition xmlns:p14="http://schemas.microsoft.com/office/powerpoint/2010/main" spd="med">
+        <p:fade/>
+      </p:transition>
+    </mc:Fallback>
+  </mc:AlternateContent>
+  <p:timing>
+    <p:tnLst>
+      <p:par>
+        <p:cTn xmlns:p14="http://schemas.microsoft.com/office/powerpoint/2010/main" id="1" dur="indefinite" restart="never" nodeType="tmRoot"/>
+      </p:par>
+    </p:tnLst>
+  </p:timing>
+</p:sld>
+</file>
+
+<file path=ppt/slides/slide6.xml><?xml version="1.0" encoding="utf-8"?>
+<p:sld xmlns:a="http://schemas.openxmlformats.org/drawingml/2006/main" xmlns:r="http://schemas.openxmlformats.org/officeDocument/2006/relationships" xmlns:p="http://schemas.openxmlformats.org/presentationml/2006/main">
+  <p:cSld>
+    <p:spTree>
+      <p:nvGrpSpPr>
+        <p:cNvPr id="1" name=""/>
+        <p:cNvGrpSpPr/>
+        <p:nvPr/>
+      </p:nvGrpSpPr>
+      <p:grpSpPr>
+        <a:xfrm>
+          <a:off x="0" y="0"/>
+          <a:ext cx="0" cy="0"/>
+          <a:chOff x="0" y="0"/>
+          <a:chExt cx="0" cy="0"/>
+        </a:xfrm>
+      </p:grpSpPr>
+      <p:sp>
+        <p:nvSpPr>
+          <p:cNvPr id="2" name="Titel 1"/>
+          <p:cNvSpPr>
+            <a:spLocks noGrp="1"/>
+          </p:cNvSpPr>
+          <p:nvPr>
+            <p:ph type="title"/>
+          </p:nvPr>
+        </p:nvSpPr>
+        <p:spPr/>
+        <p:txBody>
+          <a:bodyPr/>
+          <a:lstStyle/>
+          <a:p>
+            <a:r>
+              <a:rPr lang="nl-NL" dirty="0" smtClean="0"/>
+              <a:t>Toepassingen</a:t>
+            </a:r>
+            <a:endParaRPr lang="nl-NL" dirty="0"/>
+          </a:p>
+        </p:txBody>
+      </p:sp>
+      <p:sp>
+        <p:nvSpPr>
+          <p:cNvPr id="3" name="Tijdelijke aanduiding voor inhoud 2"/>
+          <p:cNvSpPr>
+            <a:spLocks noGrp="1"/>
+          </p:cNvSpPr>
+          <p:nvPr>
+            <p:ph sz="half" idx="1"/>
+          </p:nvPr>
+        </p:nvSpPr>
+        <p:spPr>
+          <a:xfrm>
+            <a:off x="779461" y="1981201"/>
+            <a:ext cx="3657600" cy="3860800"/>
+          </a:xfrm>
+        </p:spPr>
+        <p:txBody>
+          <a:bodyPr>
+            <a:normAutofit/>
+          </a:bodyPr>
+          <a:lstStyle/>
+          <a:p>
+            <a:r>
+              <a:rPr lang="nl-NL" dirty="0" err="1" smtClean="0"/>
+              <a:t>Switching</a:t>
+            </a:r>
+            <a:r>
+              <a:rPr lang="nl-NL" dirty="0" smtClean="0"/>
+              <a:t> </a:t>
+            </a:r>
+            <a:r>
+              <a:rPr lang="nl-NL" dirty="0" err="1" smtClean="0"/>
+              <a:t>network</a:t>
+            </a:r>
+            <a:r>
+              <a:rPr lang="nl-NL" dirty="0" smtClean="0"/>
+              <a:t> </a:t>
+            </a:r>
+            <a:r>
+              <a:rPr lang="nl-NL" dirty="0" err="1" smtClean="0"/>
+              <a:t>with</a:t>
+            </a:r>
+            <a:r>
+              <a:rPr lang="nl-NL" dirty="0" smtClean="0"/>
+              <a:t> </a:t>
+            </a:r>
+            <a:r>
+              <a:rPr lang="nl-NL" dirty="0" smtClean="0"/>
+              <a:t>buffering</a:t>
+            </a:r>
+          </a:p>
+          <a:p>
+            <a:pPr lvl="1">
+              <a:buFont typeface="Wingdings" charset="2"/>
+              <a:buChar char="Ø"/>
+            </a:pPr>
+            <a:r>
+              <a:rPr lang="nl-NL" dirty="0" smtClean="0"/>
+              <a:t>Input = bestemmingsgetal</a:t>
+            </a:r>
+            <a:endParaRPr lang="nl-NL" dirty="0" smtClean="0"/>
+          </a:p>
+          <a:p>
+            <a:r>
+              <a:rPr lang="nl-NL" dirty="0" err="1" smtClean="0"/>
+              <a:t>Multiaccess</a:t>
+            </a:r>
+            <a:r>
+              <a:rPr lang="nl-NL" dirty="0" smtClean="0"/>
+              <a:t> </a:t>
+            </a:r>
+            <a:r>
+              <a:rPr lang="nl-NL" dirty="0" smtClean="0"/>
+              <a:t>memory</a:t>
+            </a:r>
+            <a:endParaRPr lang="nl-NL" dirty="0" smtClean="0"/>
+          </a:p>
+          <a:p>
+            <a:r>
+              <a:rPr lang="nl-NL" dirty="0" smtClean="0"/>
+              <a:t>Multiprocessor</a:t>
+            </a:r>
+          </a:p>
+          <a:p>
+            <a:r>
+              <a:rPr lang="nl-NL" dirty="0" smtClean="0"/>
+              <a:t>Om te sorteren</a:t>
+            </a:r>
+          </a:p>
+        </p:txBody>
+      </p:sp>
+      <p:pic>
+        <p:nvPicPr>
+          <p:cNvPr id="7" name="Tijdelijke aanduiding voor inhoud 6" descr="2197_008.jpg"/>
+          <p:cNvPicPr>
+            <a:picLocks noGrp="1" noChangeAspect="1"/>
+          </p:cNvPicPr>
+          <p:nvPr>
+            <p:ph sz="half" idx="2"/>
+          </p:nvPr>
+        </p:nvPicPr>
+        <p:blipFill>
+          <a:blip r:embed="rId3">
+            <a:extLst>
+              <a:ext uri="{28A0092B-C50C-407E-A947-70E740481C1C}">
+                <a14:useLocalDpi xmlns:a14="http://schemas.microsoft.com/office/drawing/2010/main" val="0"/>
+              </a:ext>
+            </a:extLst>
+          </a:blip>
+          <a:srcRect t="-27757" b="-27757"/>
+          <a:stretch>
+            <a:fillRect/>
+          </a:stretch>
+        </p:blipFill>
+        <p:spPr/>
+      </p:pic>
+    </p:spTree>
+    <p:extLst>
+      <p:ext uri="{BB962C8B-B14F-4D97-AF65-F5344CB8AC3E}">
+        <p14:creationId xmlns:p14="http://schemas.microsoft.com/office/powerpoint/2010/main" val="4139928805"/>
+      </p:ext>
+    </p:extLst>
+  </p:cSld>
+  <p:clrMapOvr>
+    <a:masterClrMapping/>
+  </p:clrMapOvr>
+  <mc:AlternateContent xmlns:mc="http://schemas.openxmlformats.org/markup-compatibility/2006">
+    <mc:Choice xmlns:p14="http://schemas.microsoft.com/office/powerpoint/2010/main" Requires="p14">
+      <p:transition spd="med" p14:dur="700">
+        <p:fade/>
+      </p:transition>
+    </mc:Choice>
+    <mc:Fallback>
+      <p:transition xmlns:p14="http://schemas.microsoft.com/office/powerpoint/2010/main" spd="med">
+        <p:fade/>
+      </p:transition>
+    </mc:Fallback>
+  </mc:AlternateContent>
+  <p:timing>
+    <p:tnLst>
+      <p:par>
+        <p:cTn xmlns:p14="http://schemas.microsoft.com/office/powerpoint/2010/main" id="1" dur="indefinite" restart="never" nodeType="tmRoot"/>
+      </p:par>
+    </p:tnLst>
+  </p:timing>
+</p:sld>
+</file>
+
+<file path=ppt/slides/slide7.xml><?xml version="1.0" encoding="utf-8"?>
+<p:sld xmlns:a="http://schemas.openxmlformats.org/drawingml/2006/main" xmlns:r="http://schemas.openxmlformats.org/officeDocument/2006/relationships" xmlns:p="http://schemas.openxmlformats.org/presentationml/2006/main">
+  <p:cSld>
+    <p:spTree>
+      <p:nvGrpSpPr>
+        <p:cNvPr id="1" name=""/>
+        <p:cNvGrpSpPr/>
+        <p:nvPr/>
+      </p:nvGrpSpPr>
+      <p:grpSpPr>
+        <a:xfrm>
+          <a:off x="0" y="0"/>
+          <a:ext cx="0" cy="0"/>
+          <a:chOff x="0" y="0"/>
+          <a:chExt cx="0" cy="0"/>
+        </a:xfrm>
+      </p:grpSpPr>
+      <p:sp>
+        <p:nvSpPr>
+          <p:cNvPr id="2" name="Titel 1"/>
+          <p:cNvSpPr>
+            <a:spLocks noGrp="1"/>
+          </p:cNvSpPr>
+          <p:nvPr>
+            <p:ph type="title"/>
+          </p:nvPr>
+        </p:nvSpPr>
+        <p:spPr/>
+        <p:txBody>
+          <a:bodyPr/>
+          <a:lstStyle/>
+          <a:p>
+            <a:r>
+              <a:rPr lang="nl-NL" dirty="0" smtClean="0"/>
+              <a:t>Toepassingen</a:t>
+            </a:r>
+            <a:endParaRPr lang="nl-NL" dirty="0"/>
+          </a:p>
+        </p:txBody>
+      </p:sp>
+      <p:sp>
+        <p:nvSpPr>
+          <p:cNvPr id="3" name="Tijdelijke aanduiding voor inhoud 2"/>
+          <p:cNvSpPr>
+            <a:spLocks noGrp="1"/>
+          </p:cNvSpPr>
+          <p:nvPr>
+            <p:ph sz="half" idx="1"/>
+          </p:nvPr>
+        </p:nvSpPr>
+        <p:spPr>
+          <a:xfrm>
+            <a:off x="779461" y="1981201"/>
+            <a:ext cx="3657600" cy="3975100"/>
+          </a:xfrm>
+        </p:spPr>
+        <p:txBody>
+          <a:bodyPr>
+            <a:normAutofit/>
+          </a:bodyPr>
+          <a:lstStyle/>
+          <a:p>
+            <a:r>
+              <a:rPr lang="nl-NL" dirty="0" err="1" smtClean="0"/>
+              <a:t>Switching</a:t>
+            </a:r>
+            <a:r>
+              <a:rPr lang="nl-NL" dirty="0" smtClean="0"/>
+              <a:t> </a:t>
+            </a:r>
+            <a:r>
+              <a:rPr lang="nl-NL" dirty="0" err="1" smtClean="0"/>
+              <a:t>network</a:t>
+            </a:r>
+            <a:r>
+              <a:rPr lang="nl-NL" dirty="0" smtClean="0"/>
+              <a:t> </a:t>
+            </a:r>
+            <a:r>
+              <a:rPr lang="nl-NL" dirty="0" err="1" smtClean="0"/>
+              <a:t>with</a:t>
+            </a:r>
+            <a:r>
+              <a:rPr lang="nl-NL" dirty="0" smtClean="0"/>
+              <a:t> </a:t>
+            </a:r>
+            <a:r>
+              <a:rPr lang="nl-NL" dirty="0" smtClean="0"/>
+              <a:t>buffering</a:t>
+            </a:r>
+          </a:p>
+          <a:p>
+            <a:r>
+              <a:rPr lang="nl-NL" dirty="0" err="1" smtClean="0"/>
+              <a:t>Multiaccess</a:t>
+            </a:r>
+            <a:r>
+              <a:rPr lang="nl-NL" dirty="0" smtClean="0"/>
+              <a:t> memory</a:t>
+            </a:r>
+          </a:p>
+          <a:p>
+            <a:pPr lvl="1">
+              <a:buFont typeface="Wingdings" charset="2"/>
+              <a:buChar char="Ø"/>
+            </a:pPr>
+            <a:r>
+              <a:rPr lang="nl-NL" dirty="0" smtClean="0"/>
+              <a:t>Vertraging in </a:t>
+            </a:r>
+            <a:r>
+              <a:rPr lang="nl-NL" dirty="0" err="1" smtClean="0"/>
+              <a:t>comparators</a:t>
+            </a:r>
+            <a:r>
+              <a:rPr lang="nl-NL" dirty="0" smtClean="0"/>
+              <a:t> = opslagcapaciteit</a:t>
+            </a:r>
+          </a:p>
+          <a:p>
+            <a:pPr lvl="1">
+              <a:buFont typeface="Wingdings" charset="2"/>
+              <a:buChar char="Ø"/>
+            </a:pPr>
+            <a:r>
+              <a:rPr lang="nl-NL" dirty="0" smtClean="0"/>
+              <a:t>Output is verbonden met input</a:t>
+            </a:r>
+            <a:endParaRPr lang="nl-NL" dirty="0" smtClean="0"/>
+          </a:p>
+          <a:p>
+            <a:r>
+              <a:rPr lang="nl-NL" dirty="0" smtClean="0"/>
+              <a:t>Multiprocessor</a:t>
+            </a:r>
+            <a:endParaRPr lang="nl-NL" dirty="0" smtClean="0"/>
+          </a:p>
+          <a:p>
+            <a:r>
+              <a:rPr lang="nl-NL" dirty="0" smtClean="0"/>
+              <a:t>Om te sorteren</a:t>
+            </a:r>
+          </a:p>
+        </p:txBody>
+      </p:sp>
+      <p:pic>
+        <p:nvPicPr>
+          <p:cNvPr id="6" name="Tijdelijke aanduiding voor inhoud 5" descr="Schermafbeelding 2015-10-26 om 14.28.26.png"/>
+          <p:cNvPicPr>
+            <a:picLocks noGrp="1" noChangeAspect="1"/>
+          </p:cNvPicPr>
+          <p:nvPr>
+            <p:ph sz="half" idx="2"/>
+          </p:nvPr>
+        </p:nvPicPr>
+        <p:blipFill>
+          <a:blip r:embed="rId3">
+            <a:extLst>
+              <a:ext uri="{28A0092B-C50C-407E-A947-70E740481C1C}">
+                <a14:useLocalDpi xmlns:a14="http://schemas.microsoft.com/office/drawing/2010/main" val="0"/>
+              </a:ext>
+            </a:extLst>
+          </a:blip>
+          <a:srcRect t="-28351" b="-28351"/>
+          <a:stretch>
+            <a:fillRect/>
+          </a:stretch>
+        </p:blipFill>
+        <p:spPr/>
+      </p:pic>
+    </p:spTree>
+    <p:extLst>
+      <p:ext uri="{BB962C8B-B14F-4D97-AF65-F5344CB8AC3E}">
+        <p14:creationId xmlns:p14="http://schemas.microsoft.com/office/powerpoint/2010/main" val="122638075"/>
+      </p:ext>
+    </p:extLst>
+  </p:cSld>
+  <p:clrMapOvr>
+    <a:masterClrMapping/>
+  </p:clrMapOvr>
+  <mc:AlternateContent xmlns:mc="http://schemas.openxmlformats.org/markup-compatibility/2006">
+    <mc:Choice xmlns:p14="http://schemas.microsoft.com/office/powerpoint/2010/main" Requires="p14">
+      <p:transition spd="med" p14:dur="700">
+        <p:fade/>
+      </p:transition>
+    </mc:Choice>
+    <mc:Fallback>
+      <p:transition xmlns:p14="http://schemas.microsoft.com/office/powerpoint/2010/main" spd="med">
+        <p:fade/>
+      </p:transition>
+    </mc:Fallback>
+  </mc:AlternateContent>
+  <p:timing>
+    <p:tnLst>
+      <p:par>
+        <p:cTn xmlns:p14="http://schemas.microsoft.com/office/powerpoint/2010/main" id="1" dur="indefinite" restart="never" nodeType="tmRoot"/>
+      </p:par>
+    </p:tnLst>
+  </p:timing>
+</p:sld>
+</file>
+
+<file path=ppt/slides/slide8.xml><?xml version="1.0" encoding="utf-8"?>
+<p:sld xmlns:a="http://schemas.openxmlformats.org/drawingml/2006/main" xmlns:r="http://schemas.openxmlformats.org/officeDocument/2006/relationships" xmlns:p="http://schemas.openxmlformats.org/presentationml/2006/main">
+  <p:cSld>
+    <p:spTree>
+      <p:nvGrpSpPr>
+        <p:cNvPr id="1" name=""/>
+        <p:cNvGrpSpPr/>
+        <p:nvPr/>
+      </p:nvGrpSpPr>
+      <p:grpSpPr>
+        <a:xfrm>
+          <a:off x="0" y="0"/>
+          <a:ext cx="0" cy="0"/>
+          <a:chOff x="0" y="0"/>
+          <a:chExt cx="0" cy="0"/>
+        </a:xfrm>
+      </p:grpSpPr>
+      <p:sp>
+        <p:nvSpPr>
+          <p:cNvPr id="2" name="Titel 1"/>
+          <p:cNvSpPr>
+            <a:spLocks noGrp="1"/>
+          </p:cNvSpPr>
+          <p:nvPr>
+            <p:ph type="title"/>
+          </p:nvPr>
+        </p:nvSpPr>
+        <p:spPr/>
+        <p:txBody>
+          <a:bodyPr/>
+          <a:lstStyle/>
+          <a:p>
+            <a:r>
+              <a:rPr lang="nl-NL" dirty="0" smtClean="0"/>
+              <a:t>Toepassingen</a:t>
+            </a:r>
+            <a:endParaRPr lang="nl-NL" dirty="0"/>
+          </a:p>
+        </p:txBody>
+      </p:sp>
+      <p:sp>
+        <p:nvSpPr>
+          <p:cNvPr id="3" name="Tijdelijke aanduiding voor inhoud 2"/>
+          <p:cNvSpPr>
+            <a:spLocks noGrp="1"/>
+          </p:cNvSpPr>
+          <p:nvPr>
+            <p:ph sz="half" idx="1"/>
+          </p:nvPr>
+        </p:nvSpPr>
+        <p:spPr>
+          <a:xfrm>
+            <a:off x="779461" y="1981201"/>
+            <a:ext cx="3657600" cy="3975100"/>
+          </a:xfrm>
+        </p:spPr>
+        <p:txBody>
+          <a:bodyPr>
+            <a:normAutofit/>
+          </a:bodyPr>
+          <a:lstStyle/>
+          <a:p>
+            <a:r>
+              <a:rPr lang="nl-NL" dirty="0" err="1" smtClean="0"/>
+              <a:t>Switching</a:t>
+            </a:r>
+            <a:r>
+              <a:rPr lang="nl-NL" dirty="0" smtClean="0"/>
+              <a:t> </a:t>
+            </a:r>
+            <a:r>
+              <a:rPr lang="nl-NL" dirty="0" err="1" smtClean="0"/>
+              <a:t>network</a:t>
+            </a:r>
+            <a:r>
+              <a:rPr lang="nl-NL" dirty="0" smtClean="0"/>
+              <a:t> </a:t>
+            </a:r>
+            <a:r>
+              <a:rPr lang="nl-NL" dirty="0" err="1" smtClean="0"/>
+              <a:t>with</a:t>
+            </a:r>
+            <a:r>
+              <a:rPr lang="nl-NL" dirty="0" smtClean="0"/>
+              <a:t> </a:t>
+            </a:r>
+            <a:r>
+              <a:rPr lang="nl-NL" dirty="0" smtClean="0"/>
+              <a:t>buffering</a:t>
+            </a:r>
+          </a:p>
+          <a:p>
+            <a:r>
+              <a:rPr lang="nl-NL" dirty="0" err="1" smtClean="0"/>
+              <a:t>Multiaccess</a:t>
+            </a:r>
+            <a:r>
+              <a:rPr lang="nl-NL" dirty="0" smtClean="0"/>
+              <a:t> memory</a:t>
+            </a:r>
+          </a:p>
+          <a:p>
+            <a:r>
+              <a:rPr lang="nl-NL" dirty="0" smtClean="0"/>
+              <a:t>Multiprocessor</a:t>
+            </a:r>
+          </a:p>
+          <a:p>
+            <a:r>
+              <a:rPr lang="nl-NL" dirty="0" smtClean="0"/>
+              <a:t>Om </a:t>
+            </a:r>
+            <a:r>
+              <a:rPr lang="nl-NL" dirty="0" smtClean="0"/>
+              <a:t>te sorteren</a:t>
+            </a:r>
+          </a:p>
+        </p:txBody>
+      </p:sp>
+      <p:sp>
+        <p:nvSpPr>
+          <p:cNvPr id="4" name="Tijdelijke aanduiding voor inhoud 3"/>
+          <p:cNvSpPr>
+            <a:spLocks noGrp="1"/>
+          </p:cNvSpPr>
+          <p:nvPr>
+            <p:ph sz="half" idx="2"/>
+          </p:nvPr>
+        </p:nvSpPr>
+        <p:spPr/>
+        <p:txBody>
+          <a:bodyPr/>
+          <a:lstStyle/>
+          <a:p>
+            <a:endParaRPr lang="nl-NL"/>
+          </a:p>
+        </p:txBody>
+      </p:sp>
+    </p:spTree>
+    <p:extLst>
+      <p:ext uri="{BB962C8B-B14F-4D97-AF65-F5344CB8AC3E}">
+        <p14:creationId xmlns:p14="http://schemas.microsoft.com/office/powerpoint/2010/main" val="2224980381"/>
+      </p:ext>
+    </p:extLst>
+  </p:cSld>
+  <p:clrMapOvr>
+    <a:masterClrMapping/>
+  </p:clrMapOvr>
+  <mc:AlternateContent xmlns:mc="http://schemas.openxmlformats.org/markup-compatibility/2006">
+    <mc:Choice xmlns:p14="http://schemas.microsoft.com/office/powerpoint/2010/main" Requires="p14">
+      <p:transition spd="med" p14:dur="700">
+        <p:fade/>
+      </p:transition>
+    </mc:Choice>
+    <mc:Fallback>
+      <p:transition xmlns:p14="http://schemas.microsoft.com/office/powerpoint/2010/main" spd="med">
+        <p:fade/>
+      </p:transition>
+    </mc:Fallback>
+  </mc:AlternateContent>
+  <p:timing>
+    <p:tnLst>
+      <p:par>
+        <p:cTn xmlns:p14="http://schemas.microsoft.com/office/powerpoint/2010/main" id="1" dur="indefinite" restart="never" nodeType="tmRoot"/>
+      </p:par>
+    </p:tnLst>
+  </p:timing>
+</p:sld>
+</file>
+
+<file path=ppt/slides/slide9.xml><?xml version="1.0" encoding="utf-8"?>
+<p:sld xmlns:a="http://schemas.openxmlformats.org/drawingml/2006/main" xmlns:r="http://schemas.openxmlformats.org/officeDocument/2006/relationships" xmlns:p="http://schemas.openxmlformats.org/presentationml/2006/main">
+  <p:cSld>
+    <p:spTree>
+      <p:nvGrpSpPr>
+        <p:cNvPr id="1" name=""/>
+        <p:cNvGrpSpPr/>
+        <p:nvPr/>
+      </p:nvGrpSpPr>
+      <p:grpSpPr>
+        <a:xfrm>
+          <a:off x="0" y="0"/>
+          <a:ext cx="0" cy="0"/>
+          <a:chOff x="0" y="0"/>
+          <a:chExt cx="0" cy="0"/>
+        </a:xfrm>
+      </p:grpSpPr>
+      <p:sp>
+        <p:nvSpPr>
+          <p:cNvPr id="2" name="Titel 1"/>
+          <p:cNvSpPr>
+            <a:spLocks noGrp="1"/>
+          </p:cNvSpPr>
+          <p:nvPr>
+            <p:ph type="title"/>
+          </p:nvPr>
+        </p:nvSpPr>
+        <p:spPr/>
+        <p:txBody>
+          <a:bodyPr/>
+          <a:lstStyle/>
+          <a:p>
+            <a:r>
+              <a:rPr lang="nl-NL" dirty="0" smtClean="0"/>
+              <a:t>Toepassingen</a:t>
+            </a:r>
+            <a:endParaRPr lang="nl-NL" dirty="0"/>
+          </a:p>
+        </p:txBody>
+      </p:sp>
+      <p:sp>
+        <p:nvSpPr>
+          <p:cNvPr id="3" name="Tijdelijke aanduiding voor inhoud 2"/>
+          <p:cNvSpPr>
+            <a:spLocks noGrp="1"/>
+          </p:cNvSpPr>
+          <p:nvPr>
+            <p:ph sz="half" idx="1"/>
+          </p:nvPr>
+        </p:nvSpPr>
+        <p:spPr>
+          <a:xfrm>
+            <a:off x="779461" y="1981201"/>
+            <a:ext cx="3657600" cy="3975100"/>
+          </a:xfrm>
+        </p:spPr>
+        <p:txBody>
+          <a:bodyPr>
+            <a:normAutofit/>
+          </a:bodyPr>
+          <a:lstStyle/>
+          <a:p>
+            <a:r>
+              <a:rPr lang="nl-NL" dirty="0" err="1" smtClean="0"/>
+              <a:t>Switching</a:t>
+            </a:r>
+            <a:r>
+              <a:rPr lang="nl-NL" dirty="0" smtClean="0"/>
+              <a:t> </a:t>
+            </a:r>
+            <a:r>
+              <a:rPr lang="nl-NL" dirty="0" err="1" smtClean="0"/>
+              <a:t>network</a:t>
+            </a:r>
+            <a:r>
+              <a:rPr lang="nl-NL" dirty="0" smtClean="0"/>
+              <a:t> </a:t>
+            </a:r>
+            <a:r>
+              <a:rPr lang="nl-NL" dirty="0" err="1" smtClean="0"/>
+              <a:t>with</a:t>
+            </a:r>
+            <a:r>
+              <a:rPr lang="nl-NL" dirty="0" smtClean="0"/>
+              <a:t> </a:t>
+            </a:r>
+            <a:r>
+              <a:rPr lang="nl-NL" dirty="0" smtClean="0"/>
+              <a:t>buffering</a:t>
+            </a:r>
+          </a:p>
+          <a:p>
+            <a:r>
+              <a:rPr lang="nl-NL" dirty="0" err="1" smtClean="0"/>
+              <a:t>Multiaccess</a:t>
+            </a:r>
+            <a:r>
+              <a:rPr lang="nl-NL" dirty="0" smtClean="0"/>
+              <a:t> memory</a:t>
+            </a:r>
+          </a:p>
+          <a:p>
+            <a:r>
+              <a:rPr lang="nl-NL" dirty="0" smtClean="0"/>
+              <a:t>Multiprocessor</a:t>
+            </a:r>
+            <a:endParaRPr lang="nl-NL" dirty="0" smtClean="0"/>
+          </a:p>
+          <a:p>
+            <a:r>
+              <a:rPr lang="nl-NL" dirty="0" smtClean="0"/>
+              <a:t>Om te </a:t>
+            </a:r>
+            <a:r>
+              <a:rPr lang="nl-NL" dirty="0" smtClean="0"/>
+              <a:t>sorteren</a:t>
+            </a:r>
+          </a:p>
+          <a:p>
+            <a:pPr lvl="1">
+              <a:buFont typeface="Wingdings" charset="2"/>
+              <a:buChar char="Ø"/>
+            </a:pPr>
+            <a:r>
+              <a:rPr lang="nl-NL" dirty="0" smtClean="0"/>
+              <a:t>Sorteren van data</a:t>
+            </a:r>
+            <a:endParaRPr lang="nl-NL" dirty="0" smtClean="0"/>
+          </a:p>
+        </p:txBody>
+      </p:sp>
+      <p:pic>
+        <p:nvPicPr>
+          <p:cNvPr id="7" name="Tijdelijke aanduiding voor inhoud 6" descr="650px-SimpleSortingNetworkFullOperation.svg.png"/>
+          <p:cNvPicPr>
+            <a:picLocks noGrp="1" noChangeAspect="1"/>
+          </p:cNvPicPr>
+          <p:nvPr>
+            <p:ph sz="half" idx="2"/>
+          </p:nvPr>
+        </p:nvPicPr>
+        <p:blipFill>
+          <a:blip r:embed="rId3">
+            <a:extLst>
+              <a:ext uri="{28A0092B-C50C-407E-A947-70E740481C1C}">
+                <a14:useLocalDpi xmlns:a14="http://schemas.microsoft.com/office/drawing/2010/main" val="0"/>
+              </a:ext>
+            </a:extLst>
+          </a:blip>
+          <a:srcRect t="-54210" b="-54210"/>
+          <a:stretch>
+            <a:fillRect/>
+          </a:stretch>
+        </p:blipFill>
+        <p:spPr/>
+      </p:pic>
+    </p:spTree>
+    <p:extLst>
+      <p:ext uri="{BB962C8B-B14F-4D97-AF65-F5344CB8AC3E}">
+        <p14:creationId xmlns:p14="http://schemas.microsoft.com/office/powerpoint/2010/main" val="1963509458"/>
+      </p:ext>
+    </p:extLst>
+  </p:cSld>
+  <p:clrMapOvr>
+    <a:masterClrMapping/>
+  </p:clrMapOvr>
+  <mc:AlternateContent xmlns:mc="http://schemas.openxmlformats.org/markup-compatibility/2006">
+    <mc:Choice xmlns:p14="http://schemas.microsoft.com/office/powerpoint/2010/main" Requires="p14">
+      <p:transition spd="med" p14:dur="700">
+        <p:fade/>
+      </p:transition>
+    </mc:Choice>
+    <mc:Fallback>
+      <p:transition xmlns:p14="http://schemas.microsoft.com/office/powerpoint/2010/main" spd="med">
+        <p:fade/>
+      </p:transition>
+    </mc:Fallback>
+  </mc:AlternateContent>
+  <p:timing>
+    <p:tnLst>
+      <p:par>
+        <p:cTn xmlns:p14="http://schemas.microsoft.com/office/powerpoint/2010/main" id="1" dur="indefinite" restart="never" nodeType="tmRoot"/>
       </p:par>
     </p:tnLst>
   </p:timing>
@@ -11348,4 +13299,324 @@
   </a:objectDefaults>
   <a:extraClrSchemeLst/>
 </a:theme>
+</file>
+
+<file path=ppt/theme/theme3.xml><?xml version="1.0" encoding="utf-8"?>
+<a:theme xmlns:a="http://schemas.openxmlformats.org/drawingml/2006/main" name="Office-thema">
+  <a:themeElements>
+    <a:clrScheme name="Office">
+      <a:dk1>
+        <a:sysClr val="windowText" lastClr="000000"/>
+      </a:dk1>
+      <a:lt1>
+        <a:sysClr val="window" lastClr="FFFFFF"/>
+      </a:lt1>
+      <a:dk2>
+        <a:srgbClr val="1F497D"/>
+      </a:dk2>
+      <a:lt2>
+        <a:srgbClr val="EEECE1"/>
+      </a:lt2>
+      <a:accent1>
+        <a:srgbClr val="4F81BD"/>
+      </a:accent1>
+      <a:accent2>
+        <a:srgbClr val="C0504D"/>
+      </a:accent2>
+      <a:accent3>
+        <a:srgbClr val="9BBB59"/>
+      </a:accent3>
+      <a:accent4>
+        <a:srgbClr val="8064A2"/>
+      </a:accent4>
+      <a:accent5>
+        <a:srgbClr val="4BACC6"/>
+      </a:accent5>
+      <a:accent6>
+        <a:srgbClr val="F79646"/>
+      </a:accent6>
+      <a:hlink>
+        <a:srgbClr val="0000FF"/>
+      </a:hlink>
+      <a:folHlink>
+        <a:srgbClr val="800080"/>
+      </a:folHlink>
+    </a:clrScheme>
+    <a:fontScheme name="Office">
+      <a:majorFont>
+        <a:latin typeface="Calibri"/>
+        <a:ea typeface=""/>
+        <a:cs typeface=""/>
+        <a:font script="Jpan" typeface="ＭＳ Ｐゴシック"/>
+        <a:font script="Hang" typeface="맑은 고딕"/>
+        <a:font script="Hans" typeface="宋体"/>
+        <a:font script="Hant" typeface="新細明體"/>
+        <a:font script="Arab" typeface="Times New Roman"/>
+        <a:font script="Hebr" typeface="Times New Roman"/>
+        <a:font script="Thai" typeface="Angsana New"/>
+        <a:font script="Ethi" typeface="Nyala"/>
+        <a:font script="Beng" typeface="Vrinda"/>
+        <a:font script="Gujr" typeface="Shruti"/>
+        <a:font script="Khmr" typeface="MoolBoran"/>
+        <a:font script="Knda" typeface="Tunga"/>
+        <a:font script="Guru" typeface="Raavi"/>
+        <a:font script="Cans" typeface="Euphemia"/>
+        <a:font script="Cher" typeface="Plantagenet Cherokee"/>
+        <a:font script="Yiii" typeface="Microsoft Yi Baiti"/>
+        <a:font script="Tibt" typeface="Microsoft Himalaya"/>
+        <a:font script="Thaa" typeface="MV Boli"/>
+        <a:font script="Deva" typeface="Mangal"/>
+        <a:font script="Telu" typeface="Gautami"/>
+        <a:font script="Taml" typeface="Latha"/>
+        <a:font script="Syrc" typeface="Estrangelo Edessa"/>
+        <a:font script="Orya" typeface="Kalinga"/>
+        <a:font script="Mlym" typeface="Kartika"/>
+        <a:font script="Laoo" typeface="DokChampa"/>
+        <a:font script="Sinh" typeface="Iskoola Pota"/>
+        <a:font script="Mong" typeface="Mongolian Baiti"/>
+        <a:font script="Viet" typeface="Times New Roman"/>
+        <a:font script="Uigh" typeface="Microsoft Uighur"/>
+        <a:font script="Geor" typeface="Sylfaen"/>
+      </a:majorFont>
+      <a:minorFont>
+        <a:latin typeface="Calibri"/>
+        <a:ea typeface=""/>
+        <a:cs typeface=""/>
+        <a:font script="Jpan" typeface="ＭＳ Ｐゴシック"/>
+        <a:font script="Hang" typeface="맑은 고딕"/>
+        <a:font script="Hans" typeface="宋体"/>
+        <a:font script="Hant" typeface="新細明體"/>
+        <a:font script="Arab" typeface="Arial"/>
+        <a:font script="Hebr" typeface="Arial"/>
+        <a:font script="Thai" typeface="Cordia New"/>
+        <a:font script="Ethi" typeface="Nyala"/>
+        <a:font script="Beng" typeface="Vrinda"/>
+        <a:font script="Gujr" typeface="Shruti"/>
+        <a:font script="Khmr" typeface="DaunPenh"/>
+        <a:font script="Knda" typeface="Tunga"/>
+        <a:font script="Guru" typeface="Raavi"/>
+        <a:font script="Cans" typeface="Euphemia"/>
+        <a:font script="Cher" typeface="Plantagenet Cherokee"/>
+        <a:font script="Yiii" typeface="Microsoft Yi Baiti"/>
+        <a:font script="Tibt" typeface="Microsoft Himalaya"/>
+        <a:font script="Thaa" typeface="MV Boli"/>
+        <a:font script="Deva" typeface="Mangal"/>
+        <a:font script="Telu" typeface="Gautami"/>
+        <a:font script="Taml" typeface="Latha"/>
+        <a:font script="Syrc" typeface="Estrangelo Edessa"/>
+        <a:font script="Orya" typeface="Kalinga"/>
+        <a:font script="Mlym" typeface="Kartika"/>
+        <a:font script="Laoo" typeface="DokChampa"/>
+        <a:font script="Sinh" typeface="Iskoola Pota"/>
+        <a:font script="Mong" typeface="Mongolian Baiti"/>
+        <a:font script="Viet" typeface="Arial"/>
+        <a:font script="Uigh" typeface="Microsoft Uighur"/>
+        <a:font script="Geor" typeface="Sylfaen"/>
+      </a:minorFont>
+    </a:fontScheme>
+    <a:fmtScheme name="Office">
+      <a:fillStyleLst>
+        <a:solidFill>
+          <a:schemeClr val="phClr"/>
+        </a:solidFill>
+        <a:gradFill rotWithShape="1">
+          <a:gsLst>
+            <a:gs pos="0">
+              <a:schemeClr val="phClr">
+                <a:tint val="50000"/>
+                <a:satMod val="300000"/>
+              </a:schemeClr>
+            </a:gs>
+            <a:gs pos="35000">
+              <a:schemeClr val="phClr">
+                <a:tint val="37000"/>
+                <a:satMod val="300000"/>
+              </a:schemeClr>
+            </a:gs>
+            <a:gs pos="100000">
+              <a:schemeClr val="phClr">
+                <a:tint val="15000"/>
+                <a:satMod val="350000"/>
+              </a:schemeClr>
+            </a:gs>
+          </a:gsLst>
+          <a:lin ang="16200000" scaled="1"/>
+        </a:gradFill>
+        <a:gradFill rotWithShape="1">
+          <a:gsLst>
+            <a:gs pos="0">
+              <a:schemeClr val="phClr">
+                <a:tint val="100000"/>
+                <a:shade val="100000"/>
+                <a:satMod val="130000"/>
+              </a:schemeClr>
+            </a:gs>
+            <a:gs pos="100000">
+              <a:schemeClr val="phClr">
+                <a:tint val="50000"/>
+                <a:shade val="100000"/>
+                <a:satMod val="350000"/>
+              </a:schemeClr>
+            </a:gs>
+          </a:gsLst>
+          <a:lin ang="16200000" scaled="0"/>
+        </a:gradFill>
+      </a:fillStyleLst>
+      <a:lnStyleLst>
+        <a:ln w="9525" cap="flat" cmpd="sng" algn="ctr">
+          <a:solidFill>
+            <a:schemeClr val="phClr">
+              <a:shade val="95000"/>
+              <a:satMod val="105000"/>
+            </a:schemeClr>
+          </a:solidFill>
+          <a:prstDash val="solid"/>
+        </a:ln>
+        <a:ln w="25400" cap="flat" cmpd="sng" algn="ctr">
+          <a:solidFill>
+            <a:schemeClr val="phClr"/>
+          </a:solidFill>
+          <a:prstDash val="solid"/>
+        </a:ln>
+        <a:ln w="38100" cap="flat" cmpd="sng" algn="ctr">
+          <a:solidFill>
+            <a:schemeClr val="phClr"/>
+          </a:solidFill>
+          <a:prstDash val="solid"/>
+        </a:ln>
+      </a:lnStyleLst>
+      <a:effectStyleLst>
+        <a:effectStyle>
+          <a:effectLst>
+            <a:outerShdw blurRad="40000" dist="20000" dir="5400000" rotWithShape="0">
+              <a:srgbClr val="000000">
+                <a:alpha val="38000"/>
+              </a:srgbClr>
+            </a:outerShdw>
+          </a:effectLst>
+        </a:effectStyle>
+        <a:effectStyle>
+          <a:effectLst>
+            <a:outerShdw blurRad="40000" dist="23000" dir="5400000" rotWithShape="0">
+              <a:srgbClr val="000000">
+                <a:alpha val="35000"/>
+              </a:srgbClr>
+            </a:outerShdw>
+          </a:effectLst>
+        </a:effectStyle>
+        <a:effectStyle>
+          <a:effectLst>
+            <a:outerShdw blurRad="40000" dist="23000" dir="5400000" rotWithShape="0">
+              <a:srgbClr val="000000">
+                <a:alpha val="35000"/>
+              </a:srgbClr>
+            </a:outerShdw>
+          </a:effectLst>
+          <a:scene3d>
+            <a:camera prst="orthographicFront">
+              <a:rot lat="0" lon="0" rev="0"/>
+            </a:camera>
+            <a:lightRig rig="threePt" dir="t">
+              <a:rot lat="0" lon="0" rev="1200000"/>
+            </a:lightRig>
+          </a:scene3d>
+          <a:sp3d>
+            <a:bevelT w="63500" h="25400"/>
+          </a:sp3d>
+        </a:effectStyle>
+      </a:effectStyleLst>
+      <a:bgFillStyleLst>
+        <a:solidFill>
+          <a:schemeClr val="phClr"/>
+        </a:solidFill>
+        <a:gradFill rotWithShape="1">
+          <a:gsLst>
+            <a:gs pos="0">
+              <a:schemeClr val="phClr">
+                <a:tint val="40000"/>
+                <a:satMod val="350000"/>
+              </a:schemeClr>
+            </a:gs>
+            <a:gs pos="40000">
+              <a:schemeClr val="phClr">
+                <a:tint val="45000"/>
+                <a:shade val="99000"/>
+                <a:satMod val="350000"/>
+              </a:schemeClr>
+            </a:gs>
+            <a:gs pos="100000">
+              <a:schemeClr val="phClr">
+                <a:shade val="20000"/>
+                <a:satMod val="255000"/>
+              </a:schemeClr>
+            </a:gs>
+          </a:gsLst>
+          <a:path path="circle">
+            <a:fillToRect l="50000" t="-80000" r="50000" b="180000"/>
+          </a:path>
+        </a:gradFill>
+        <a:gradFill rotWithShape="1">
+          <a:gsLst>
+            <a:gs pos="0">
+              <a:schemeClr val="phClr">
+                <a:tint val="80000"/>
+                <a:satMod val="300000"/>
+              </a:schemeClr>
+            </a:gs>
+            <a:gs pos="100000">
+              <a:schemeClr val="phClr">
+                <a:shade val="30000"/>
+                <a:satMod val="200000"/>
+              </a:schemeClr>
+            </a:gs>
+          </a:gsLst>
+          <a:path path="circle">
+            <a:fillToRect l="50000" t="50000" r="50000" b="50000"/>
+          </a:path>
+        </a:gradFill>
+      </a:bgFillStyleLst>
+    </a:fmtScheme>
+  </a:themeElements>
+  <a:objectDefaults>
+    <a:spDef>
+      <a:spPr/>
+      <a:bodyPr/>
+      <a:lstStyle/>
+      <a:style>
+        <a:lnRef idx="1">
+          <a:schemeClr val="accent1"/>
+        </a:lnRef>
+        <a:fillRef idx="3">
+          <a:schemeClr val="accent1"/>
+        </a:fillRef>
+        <a:effectRef idx="2">
+          <a:schemeClr val="accent1"/>
+        </a:effectRef>
+        <a:fontRef idx="minor">
+          <a:schemeClr val="lt1"/>
+        </a:fontRef>
+      </a:style>
+    </a:spDef>
+    <a:lnDef>
+      <a:spPr/>
+      <a:bodyPr/>
+      <a:lstStyle/>
+      <a:style>
+        <a:lnRef idx="2">
+          <a:schemeClr val="accent1"/>
+        </a:lnRef>
+        <a:fillRef idx="0">
+          <a:schemeClr val="accent1"/>
+        </a:fillRef>
+        <a:effectRef idx="1">
+          <a:schemeClr val="accent1"/>
+        </a:effectRef>
+        <a:fontRef idx="minor">
+          <a:schemeClr val="tx1"/>
+        </a:fontRef>
+      </a:style>
+    </a:lnDef>
+  </a:objectDefaults>
+  <a:extraClrSchemeLst/>
+</a:theme>
 </file>
--- a/PPP1_WV.pptx
+++ b/PPP1_WV.pptx
@@ -10094,6 +10094,29 @@
               <a:rPr lang="nl-NL" dirty="0" smtClean="0"/>
               <a:t>)</a:t>
             </a:r>
+            <a:br>
+              <a:rPr lang="nl-NL" dirty="0" smtClean="0"/>
+            </a:br>
+            <a:r>
+              <a:rPr lang="nl-NL" dirty="0" smtClean="0"/>
+              <a:t>p(</a:t>
+            </a:r>
+            <a:r>
+              <a:rPr lang="nl-NL" dirty="0" err="1" smtClean="0"/>
+              <a:t>outputs</a:t>
+            </a:r>
+            <a:r>
+              <a:rPr lang="nl-NL" smtClean="0"/>
+              <a:t>(C</a:t>
+            </a:r>
+            <a:r>
+              <a:rPr lang="nl-NL" baseline="-25000" smtClean="0"/>
+              <a:t>a</a:t>
+            </a:r>
+            <a:r>
+              <a:rPr lang="nl-NL" smtClean="0"/>
+              <a:t>)) = {(0,0,0), (1,0,0), (0,0,1), (1,0,1), (0,1,1), (1,1,1)}</a:t>
+            </a:r>
             <a:endParaRPr lang="nl-NL" dirty="0" smtClean="0"/>
           </a:p>
         </p:txBody>
@@ -10533,11 +10556,11 @@
               <a:t>R</a:t>
             </a:r>
             <a:r>
-              <a:rPr lang="nl-NL" i="1" baseline="30000" smtClean="0"/>
+              <a:rPr lang="nl-NL" i="1" baseline="30000" dirty="0" err="1" smtClean="0"/>
               <a:t>n</a:t>
             </a:r>
             <a:r>
-              <a:rPr lang="nl-NL" i="1" baseline="-25000" smtClean="0"/>
+              <a:rPr lang="nl-NL" i="1" baseline="-25000" dirty="0" err="1" smtClean="0"/>
               <a:t>k</a:t>
             </a:r>
             <a:r>

--- a/PPP1_WV.pptx
+++ b/PPP1_WV.pptx
@@ -5,10 +5,10 @@
     <p:sldMasterId id="2147483677" r:id="rId1"/>
   </p:sldMasterIdLst>
   <p:notesMasterIdLst>
-    <p:notesMasterId r:id="rId20"/>
+    <p:notesMasterId r:id="rId21"/>
   </p:notesMasterIdLst>
   <p:handoutMasterIdLst>
-    <p:handoutMasterId r:id="rId21"/>
+    <p:handoutMasterId r:id="rId22"/>
   </p:handoutMasterIdLst>
   <p:sldIdLst>
     <p:sldId id="256" r:id="rId2"/>
@@ -29,6 +29,7 @@
     <p:sldId id="275" r:id="rId17"/>
     <p:sldId id="276" r:id="rId18"/>
     <p:sldId id="277" r:id="rId19"/>
+    <p:sldId id="278" r:id="rId20"/>
   </p:sldIdLst>
   <p:sldSz cx="9144000" cy="6858000" type="screen4x3"/>
   <p:notesSz cx="6858000" cy="9144000"/>
@@ -212,7 +213,7 @@
           <a:p>
             <a:fld id="{E2865B6A-A572-6A49-9497-876CFF488E2C}" type="datetimeFigureOut">
               <a:rPr lang="nl-NL" smtClean="0"/>
-              <a:t>26/10/15</a:t>
+              <a:t>2/11/15</a:t>
             </a:fld>
             <a:endParaRPr lang="nl-NL"/>
           </a:p>
@@ -377,7 +378,7 @@
           <a:p>
             <a:fld id="{9AFCC6B9-8706-0F4D-A3CC-6A72CC9B9592}" type="datetimeFigureOut">
               <a:rPr lang="nl-NL" smtClean="0"/>
-              <a:t>26/10/15</a:t>
+              <a:t>2/11/15</a:t>
             </a:fld>
             <a:endParaRPr lang="nl-NL"/>
           </a:p>
@@ -1414,6 +1415,21 @@
             <a:r>
               <a:rPr lang="nl-NL" baseline="0" dirty="0" err="1" smtClean="0"/>
               <a:t>comparators</a:t>
+            </a:r>
+            <a:endParaRPr lang="nl-NL" baseline="0" dirty="0" smtClean="0"/>
+          </a:p>
+          <a:p>
+            <a:r>
+              <a:rPr lang="nl-NL" baseline="0" dirty="0" smtClean="0"/>
+              <a:t>Niet(Ca &lt; </a:t>
+            </a:r>
+            <a:r>
+              <a:rPr lang="nl-NL" baseline="0" dirty="0" err="1" smtClean="0"/>
+              <a:t>Cb</a:t>
+            </a:r>
+            <a:r>
+              <a:rPr lang="nl-NL" baseline="0" dirty="0" smtClean="0"/>
+              <a:t>) =&gt; VOOR ALLE a != b</a:t>
             </a:r>
             <a:endParaRPr lang="nl-NL" dirty="0"/>
           </a:p>
@@ -2674,7 +2690,7 @@
           <a:p>
             <a:fld id="{4708D4E0-8E34-BE43-A9D9-F58B6D72D4C6}" type="datetimeFigureOut">
               <a:rPr lang="nl-NL" smtClean="0"/>
-              <a:t>26/10/15</a:t>
+              <a:t>2/11/15</a:t>
             </a:fld>
             <a:endParaRPr lang="nl-NL"/>
           </a:p>
@@ -3103,7 +3119,7 @@
           <a:p>
             <a:fld id="{4708D4E0-8E34-BE43-A9D9-F58B6D72D4C6}" type="datetimeFigureOut">
               <a:rPr lang="nl-NL" smtClean="0"/>
-              <a:t>26/10/15</a:t>
+              <a:t>2/11/15</a:t>
             </a:fld>
             <a:endParaRPr lang="nl-NL"/>
           </a:p>
@@ -3308,7 +3324,7 @@
           <a:p>
             <a:fld id="{4708D4E0-8E34-BE43-A9D9-F58B6D72D4C6}" type="datetimeFigureOut">
               <a:rPr lang="nl-NL" smtClean="0"/>
-              <a:t>26/10/15</a:t>
+              <a:t>2/11/15</a:t>
             </a:fld>
             <a:endParaRPr lang="nl-NL"/>
           </a:p>
@@ -3579,7 +3595,7 @@
           <a:p>
             <a:fld id="{4708D4E0-8E34-BE43-A9D9-F58B6D72D4C6}" type="datetimeFigureOut">
               <a:rPr lang="nl-NL" smtClean="0"/>
-              <a:t>26/10/15</a:t>
+              <a:t>2/11/15</a:t>
             </a:fld>
             <a:endParaRPr lang="nl-NL"/>
           </a:p>
@@ -3860,7 +3876,7 @@
           <a:p>
             <a:fld id="{4708D4E0-8E34-BE43-A9D9-F58B6D72D4C6}" type="datetimeFigureOut">
               <a:rPr lang="nl-NL" smtClean="0"/>
-              <a:t>26/10/15</a:t>
+              <a:t>2/11/15</a:t>
             </a:fld>
             <a:endParaRPr lang="nl-NL"/>
           </a:p>
@@ -4095,7 +4111,7 @@
           <a:p>
             <a:fld id="{4708D4E0-8E34-BE43-A9D9-F58B6D72D4C6}" type="datetimeFigureOut">
               <a:rPr lang="nl-NL" smtClean="0"/>
-              <a:t>26/10/15</a:t>
+              <a:t>2/11/15</a:t>
             </a:fld>
             <a:endParaRPr lang="nl-NL"/>
           </a:p>
@@ -4376,7 +4392,7 @@
           <a:p>
             <a:fld id="{4708D4E0-8E34-BE43-A9D9-F58B6D72D4C6}" type="datetimeFigureOut">
               <a:rPr lang="nl-NL" smtClean="0"/>
-              <a:t>26/10/15</a:t>
+              <a:t>2/11/15</a:t>
             </a:fld>
             <a:endParaRPr lang="nl-NL"/>
           </a:p>
@@ -4803,7 +4819,7 @@
           <a:p>
             <a:fld id="{4708D4E0-8E34-BE43-A9D9-F58B6D72D4C6}" type="datetimeFigureOut">
               <a:rPr lang="nl-NL" smtClean="0"/>
-              <a:t>26/10/15</a:t>
+              <a:t>2/11/15</a:t>
             </a:fld>
             <a:endParaRPr lang="nl-NL"/>
           </a:p>
@@ -5326,7 +5342,7 @@
           <a:p>
             <a:fld id="{4708D4E0-8E34-BE43-A9D9-F58B6D72D4C6}" type="datetimeFigureOut">
               <a:rPr lang="nl-NL" smtClean="0"/>
-              <a:t>26/10/15</a:t>
+              <a:t>2/11/15</a:t>
             </a:fld>
             <a:endParaRPr lang="nl-NL"/>
           </a:p>
@@ -5688,7 +5704,7 @@
           <a:p>
             <a:fld id="{4708D4E0-8E34-BE43-A9D9-F58B6D72D4C6}" type="datetimeFigureOut">
               <a:rPr lang="nl-NL" smtClean="0"/>
-              <a:t>26/10/15</a:t>
+              <a:t>2/11/15</a:t>
             </a:fld>
             <a:endParaRPr lang="nl-NL"/>
           </a:p>
@@ -6244,7 +6260,7 @@
           <a:p>
             <a:fld id="{4708D4E0-8E34-BE43-A9D9-F58B6D72D4C6}" type="datetimeFigureOut">
               <a:rPr lang="nl-NL" smtClean="0"/>
-              <a:t>26/10/15</a:t>
+              <a:t>2/11/15</a:t>
             </a:fld>
             <a:endParaRPr lang="nl-NL"/>
           </a:p>
@@ -6469,7 +6485,7 @@
           <a:p>
             <a:fld id="{4708D4E0-8E34-BE43-A9D9-F58B6D72D4C6}" type="datetimeFigureOut">
               <a:rPr lang="nl-NL" smtClean="0"/>
-              <a:t>26/10/15</a:t>
+              <a:t>2/11/15</a:t>
             </a:fld>
             <a:endParaRPr lang="nl-NL"/>
           </a:p>
@@ -6615,7 +6631,7 @@
           <a:p>
             <a:fld id="{4708D4E0-8E34-BE43-A9D9-F58B6D72D4C6}" type="datetimeFigureOut">
               <a:rPr lang="nl-NL" smtClean="0"/>
-              <a:t>26/10/15</a:t>
+              <a:t>2/11/15</a:t>
             </a:fld>
             <a:endParaRPr lang="nl-NL"/>
           </a:p>
@@ -7080,7 +7096,7 @@
           <a:p>
             <a:fld id="{4708D4E0-8E34-BE43-A9D9-F58B6D72D4C6}" type="datetimeFigureOut">
               <a:rPr lang="nl-NL" smtClean="0"/>
-              <a:t>26/10/15</a:t>
+              <a:t>2/11/15</a:t>
             </a:fld>
             <a:endParaRPr lang="nl-NL"/>
           </a:p>
@@ -7302,7 +7318,7 @@
           <a:p>
             <a:fld id="{4708D4E0-8E34-BE43-A9D9-F58B6D72D4C6}" type="datetimeFigureOut">
               <a:rPr lang="nl-NL" smtClean="0"/>
-              <a:t>26/10/15</a:t>
+              <a:t>2/11/15</a:t>
             </a:fld>
             <a:endParaRPr lang="nl-NL"/>
           </a:p>
@@ -7845,13 +7861,13 @@
   <p:clrMapOvr>
     <a:masterClrMapping/>
   </p:clrMapOvr>
-  <mc:AlternateContent xmlns:mc="http://schemas.openxmlformats.org/markup-compatibility/2006">
-    <mc:Choice xmlns:p14="http://schemas.microsoft.com/office/powerpoint/2010/main" Requires="p14">
+  <mc:AlternateContent xmlns:mc="http://schemas.openxmlformats.org/markup-compatibility/2006" xmlns:p14="http://schemas.microsoft.com/office/powerpoint/2010/main">
+    <mc:Choice Requires="p14">
       <p:transition spd="med" p14:dur="700">
         <p:fade/>
       </p:transition>
     </mc:Choice>
-    <mc:Fallback>
+    <mc:Fallback xmlns="">
       <p:transition xmlns:p14="http://schemas.microsoft.com/office/powerpoint/2010/main" spd="med">
         <p:fade/>
       </p:transition>
@@ -7995,45 +8011,68 @@
             </a:r>
             <a:endParaRPr lang="nl-NL" dirty="0" smtClean="0"/>
           </a:p>
-          <a:p>
-            <a:pPr lvl="1">
-              <a:buFont typeface="Wingdings" charset="2"/>
-              <a:buChar char="Ø"/>
-            </a:pPr>
-            <a:r>
-              <a:rPr lang="nl-NL" dirty="0" smtClean="0"/>
-              <a:t>Depth 17 kanalen = ?</a:t>
-            </a:r>
-          </a:p>
-          <a:p>
-            <a:pPr lvl="1"/>
-            <a:endParaRPr lang="nl-NL" dirty="0" smtClean="0"/>
-          </a:p>
-        </p:txBody>
-      </p:sp>
-      <p:sp>
-        <p:nvSpPr>
-          <p:cNvPr id="4" name="Tijdelijke aanduiding voor inhoud 3"/>
-          <p:cNvSpPr>
-            <a:spLocks noGrp="1"/>
-          </p:cNvSpPr>
-          <p:nvPr>
-            <p:ph sz="half" idx="2"/>
-          </p:nvPr>
-        </p:nvSpPr>
-        <p:spPr/>
-        <p:txBody>
-          <a:bodyPr/>
-          <a:lstStyle/>
-          <a:p>
-            <a:r>
-              <a:rPr lang="nl-NL" dirty="0" smtClean="0"/>
-              <a:t>(twee voorbeelden)</a:t>
-            </a:r>
-            <a:endParaRPr lang="nl-NL" dirty="0"/>
-          </a:p>
-        </p:txBody>
-      </p:sp>
+        </p:txBody>
+      </p:sp>
+      <p:pic>
+        <p:nvPicPr>
+          <p:cNvPr id="8" name="Afbeelding 7" descr="SortingNetworkSize7.png"/>
+          <p:cNvPicPr>
+            <a:picLocks noChangeAspect="1"/>
+          </p:cNvPicPr>
+          <p:nvPr/>
+        </p:nvPicPr>
+        <p:blipFill>
+          <a:blip r:embed="rId3">
+            <a:extLst>
+              <a:ext uri="{28A0092B-C50C-407E-A947-70E740481C1C}">
+                <a14:useLocalDpi xmlns:a14="http://schemas.microsoft.com/office/drawing/2010/main" val="0"/>
+              </a:ext>
+            </a:extLst>
+          </a:blip>
+          <a:stretch>
+            <a:fillRect/>
+          </a:stretch>
+        </p:blipFill>
+        <p:spPr>
+          <a:xfrm>
+            <a:off x="5206051" y="1981201"/>
+            <a:ext cx="2817724" cy="1961136"/>
+          </a:xfrm>
+          <a:prstGeom prst="rect">
+            <a:avLst/>
+          </a:prstGeom>
+        </p:spPr>
+      </p:pic>
+      <p:pic>
+        <p:nvPicPr>
+          <p:cNvPr id="9" name="Afbeelding 8" descr="SortingNetworkDepth20.png"/>
+          <p:cNvPicPr>
+            <a:picLocks noChangeAspect="1"/>
+          </p:cNvPicPr>
+          <p:nvPr/>
+        </p:nvPicPr>
+        <p:blipFill>
+          <a:blip r:embed="rId4">
+            <a:extLst>
+              <a:ext uri="{28A0092B-C50C-407E-A947-70E740481C1C}">
+                <a14:useLocalDpi xmlns:a14="http://schemas.microsoft.com/office/drawing/2010/main" val="0"/>
+              </a:ext>
+            </a:extLst>
+          </a:blip>
+          <a:stretch>
+            <a:fillRect/>
+          </a:stretch>
+        </p:blipFill>
+        <p:spPr>
+          <a:xfrm>
+            <a:off x="5206051" y="4069651"/>
+            <a:ext cx="2817724" cy="1886650"/>
+          </a:xfrm>
+          <a:prstGeom prst="rect">
+            <a:avLst/>
+          </a:prstGeom>
+        </p:spPr>
+      </p:pic>
     </p:spTree>
     <p:extLst>
       <p:ext uri="{BB962C8B-B14F-4D97-AF65-F5344CB8AC3E}">
@@ -8044,13 +8083,13 @@
   <p:clrMapOvr>
     <a:masterClrMapping/>
   </p:clrMapOvr>
-  <mc:AlternateContent xmlns:mc="http://schemas.openxmlformats.org/markup-compatibility/2006">
-    <mc:Choice xmlns:p14="http://schemas.microsoft.com/office/powerpoint/2010/main" Requires="p14">
+  <mc:AlternateContent xmlns:mc="http://schemas.openxmlformats.org/markup-compatibility/2006" xmlns:p14="http://schemas.microsoft.com/office/powerpoint/2010/main">
+    <mc:Choice Requires="p14">
       <p:transition spd="med" p14:dur="700">
         <p:fade/>
       </p:transition>
     </mc:Choice>
-    <mc:Fallback>
+    <mc:Fallback xmlns="">
       <p:transition xmlns:p14="http://schemas.microsoft.com/office/powerpoint/2010/main" spd="med">
         <p:fade/>
       </p:transition>
@@ -8118,7 +8157,9 @@
         </p:nvSpPr>
         <p:spPr/>
         <p:txBody>
-          <a:bodyPr/>
+          <a:bodyPr>
+            <a:normAutofit/>
+          </a:bodyPr>
           <a:lstStyle/>
           <a:p>
             <a:r>
@@ -8235,12 +8276,47 @@
             <p:ph sz="half" idx="2"/>
           </p:nvPr>
         </p:nvSpPr>
-        <p:spPr/>
-        <p:txBody>
-          <a:bodyPr/>
+        <p:spPr>
+          <a:xfrm>
+            <a:off x="4705350" y="3723016"/>
+            <a:ext cx="3823517" cy="1414172"/>
+          </a:xfrm>
+        </p:spPr>
+        <p:txBody>
+          <a:bodyPr>
+            <a:normAutofit/>
+          </a:bodyPr>
           <a:lstStyle/>
           <a:p>
-            <a:endParaRPr lang="nl-NL"/>
+            <a:pPr marL="0" indent="0">
+              <a:buNone/>
+            </a:pPr>
+            <a:r>
+              <a:rPr lang="nl-NL" sz="2000" dirty="0" smtClean="0"/>
+              <a:t># verschillende </a:t>
+            </a:r>
+            <a:r>
+              <a:rPr lang="nl-NL" sz="2000" dirty="0" err="1" smtClean="0"/>
+              <a:t>Comparator</a:t>
+            </a:r>
+            <a:r>
+              <a:rPr lang="nl-NL" sz="2000" dirty="0" smtClean="0"/>
+              <a:t>: 11*10/2 = 55</a:t>
+            </a:r>
+          </a:p>
+          <a:p>
+            <a:pPr marL="0" indent="0">
+              <a:buNone/>
+            </a:pPr>
+            <a:r>
+              <a:rPr lang="nl-NL" sz="2000" dirty="0" smtClean="0"/>
+              <a:t>33,34,35 </a:t>
+            </a:r>
+            <a:r>
+              <a:rPr lang="nl-NL" sz="2000" dirty="0" err="1" smtClean="0"/>
+              <a:t>Comparators</a:t>
+            </a:r>
+            <a:endParaRPr lang="nl-NL" sz="2000" dirty="0" smtClean="0"/>
           </a:p>
         </p:txBody>
       </p:sp>
@@ -8254,13 +8330,13 @@
   <p:clrMapOvr>
     <a:masterClrMapping/>
   </p:clrMapOvr>
-  <mc:AlternateContent xmlns:mc="http://schemas.openxmlformats.org/markup-compatibility/2006">
-    <mc:Choice xmlns:p14="http://schemas.microsoft.com/office/powerpoint/2010/main" Requires="p14">
+  <mc:AlternateContent xmlns:mc="http://schemas.openxmlformats.org/markup-compatibility/2006" xmlns:p14="http://schemas.microsoft.com/office/powerpoint/2010/main">
+    <mc:Choice Requires="p14">
       <p:transition spd="med" p14:dur="700">
         <p:fade/>
       </p:transition>
     </mc:Choice>
-    <mc:Fallback>
+    <mc:Fallback xmlns="">
       <p:transition xmlns:p14="http://schemas.microsoft.com/office/powerpoint/2010/main" spd="med">
         <p:fade/>
       </p:transition>
@@ -9256,13 +9332,13 @@
   <p:clrMapOvr>
     <a:masterClrMapping/>
   </p:clrMapOvr>
-  <mc:AlternateContent xmlns:mc="http://schemas.openxmlformats.org/markup-compatibility/2006">
-    <mc:Choice xmlns:p14="http://schemas.microsoft.com/office/powerpoint/2010/main" Requires="p14">
+  <mc:AlternateContent xmlns:mc="http://schemas.openxmlformats.org/markup-compatibility/2006" xmlns:p14="http://schemas.microsoft.com/office/powerpoint/2010/main">
+    <mc:Choice Requires="p14">
       <p:transition spd="med" p14:dur="700">
         <p:fade/>
       </p:transition>
     </mc:Choice>
-    <mc:Fallback>
+    <mc:Fallback xmlns="">
       <p:transition xmlns:p14="http://schemas.microsoft.com/office/powerpoint/2010/main" spd="med">
         <p:fade/>
       </p:transition>
@@ -9365,6 +9441,13 @@
               <a:buFont typeface="Wingdings" charset="2"/>
               <a:buChar char="Ø"/>
             </a:pPr>
+            <a:r>
+              <a:rPr lang="nl-NL" dirty="0" smtClean="0"/>
+              <a:t>Bijvoorbeeld:</a:t>
+            </a:r>
+            <a:br>
+              <a:rPr lang="nl-NL" dirty="0" smtClean="0"/>
+            </a:br>
             <a:r>
               <a:rPr lang="nl-NL" dirty="0" smtClean="0"/>
               <a:t>Overbodige </a:t>
@@ -9480,13 +9563,13 @@
   <p:clrMapOvr>
     <a:masterClrMapping/>
   </p:clrMapOvr>
-  <mc:AlternateContent xmlns:mc="http://schemas.openxmlformats.org/markup-compatibility/2006">
-    <mc:Choice xmlns:p14="http://schemas.microsoft.com/office/powerpoint/2010/main" Requires="p14">
+  <mc:AlternateContent xmlns:mc="http://schemas.openxmlformats.org/markup-compatibility/2006" xmlns:p14="http://schemas.microsoft.com/office/powerpoint/2010/main">
+    <mc:Choice Requires="p14">
       <p:transition spd="med" p14:dur="700">
         <p:fade/>
       </p:transition>
     </mc:Choice>
-    <mc:Fallback>
+    <mc:Fallback xmlns="">
       <p:transition xmlns:p14="http://schemas.microsoft.com/office/powerpoint/2010/main" spd="med">
         <p:fade/>
       </p:transition>
@@ -9834,13 +9917,13 @@
   <p:clrMapOvr>
     <a:masterClrMapping/>
   </p:clrMapOvr>
-  <mc:AlternateContent xmlns:mc="http://schemas.openxmlformats.org/markup-compatibility/2006">
-    <mc:Choice xmlns:p14="http://schemas.microsoft.com/office/powerpoint/2010/main" Requires="p14">
+  <mc:AlternateContent xmlns:mc="http://schemas.openxmlformats.org/markup-compatibility/2006" xmlns:p14="http://schemas.microsoft.com/office/powerpoint/2010/main">
+    <mc:Choice Requires="p14">
       <p:transition spd="med" p14:dur="700">
         <p:fade/>
       </p:transition>
     </mc:Choice>
-    <mc:Fallback>
+    <mc:Fallback xmlns="">
       <p:transition xmlns:p14="http://schemas.microsoft.com/office/powerpoint/2010/main" spd="med">
         <p:fade/>
       </p:transition>
@@ -10088,11 +10171,7 @@
             </a:r>
             <a:r>
               <a:rPr lang="nl-NL" dirty="0" smtClean="0"/>
-              <a:t> = (2 3)(1 2</a:t>
-            </a:r>
-            <a:r>
-              <a:rPr lang="nl-NL" dirty="0" smtClean="0"/>
-              <a:t>)</a:t>
+              <a:t> = (2 3)(1 2)</a:t>
             </a:r>
             <a:br>
               <a:rPr lang="nl-NL" dirty="0" smtClean="0"/>
@@ -10140,12 +10219,15 @@
           <a:gradFill flip="none" rotWithShape="1">
             <a:gsLst>
               <a:gs pos="20000">
-                <a:schemeClr val="bg2"/>
+                <a:schemeClr val="bg2">
+                  <a:lumMod val="40000"/>
+                  <a:lumOff val="60000"/>
+                </a:schemeClr>
               </a:gs>
               <a:gs pos="100000">
                 <a:schemeClr val="tx1">
-                  <a:lumMod val="75000"/>
-                  <a:lumOff val="25000"/>
+                  <a:lumMod val="50000"/>
+                  <a:lumOff val="50000"/>
                 </a:schemeClr>
               </a:gs>
             </a:gsLst>
@@ -10443,13 +10525,13 @@
   <p:clrMapOvr>
     <a:masterClrMapping/>
   </p:clrMapOvr>
-  <mc:AlternateContent xmlns:mc="http://schemas.openxmlformats.org/markup-compatibility/2006">
-    <mc:Choice xmlns:p14="http://schemas.microsoft.com/office/powerpoint/2010/main" Requires="p14">
+  <mc:AlternateContent xmlns:mc="http://schemas.openxmlformats.org/markup-compatibility/2006" xmlns:p14="http://schemas.microsoft.com/office/powerpoint/2010/main">
+    <mc:Choice Requires="p14">
       <p:transition spd="med" p14:dur="700">
         <p:fade/>
       </p:transition>
     </mc:Choice>
-    <mc:Fallback>
+    <mc:Fallback xmlns="">
       <p:transition xmlns:p14="http://schemas.microsoft.com/office/powerpoint/2010/main" spd="med">
         <p:fade/>
       </p:transition>
@@ -10718,8 +10800,13 @@
             </a:r>
             <a:r>
               <a:rPr lang="nl-NL" i="1" baseline="-25000" dirty="0" smtClean="0"/>
-              <a:t>k+1</a:t>
-            </a:r>
+              <a:t>k+</a:t>
+            </a:r>
+            <a:r>
+              <a:rPr lang="nl-NL" i="1" baseline="-25000" dirty="0" smtClean="0"/>
+              <a:t>1 </a:t>
+            </a:r>
+            <a:endParaRPr lang="nl-NL" i="1" baseline="-25000" dirty="0" smtClean="0"/>
           </a:p>
           <a:p>
             <a:pPr marL="457200" indent="-457200">
@@ -10749,13 +10836,13 @@
   <p:clrMapOvr>
     <a:masterClrMapping/>
   </p:clrMapOvr>
-  <mc:AlternateContent xmlns:mc="http://schemas.openxmlformats.org/markup-compatibility/2006">
-    <mc:Choice xmlns:p14="http://schemas.microsoft.com/office/powerpoint/2010/main" Requires="p14">
+  <mc:AlternateContent xmlns:mc="http://schemas.openxmlformats.org/markup-compatibility/2006" xmlns:p14="http://schemas.microsoft.com/office/powerpoint/2010/main">
+    <mc:Choice Requires="p14">
       <p:transition spd="med" p14:dur="700">
         <p:fade/>
       </p:transition>
     </mc:Choice>
-    <mc:Fallback>
+    <mc:Fallback xmlns="">
       <p:transition xmlns:p14="http://schemas.microsoft.com/office/powerpoint/2010/main" spd="med">
         <p:fade/>
       </p:transition>
@@ -10941,13 +11028,13 @@
   <p:clrMapOvr>
     <a:masterClrMapping/>
   </p:clrMapOvr>
-  <mc:AlternateContent xmlns:mc="http://schemas.openxmlformats.org/markup-compatibility/2006">
-    <mc:Choice xmlns:p14="http://schemas.microsoft.com/office/powerpoint/2010/main" Requires="p14">
+  <mc:AlternateContent xmlns:mc="http://schemas.openxmlformats.org/markup-compatibility/2006" xmlns:p14="http://schemas.microsoft.com/office/powerpoint/2010/main">
+    <mc:Choice Requires="p14">
       <p:transition spd="med" p14:dur="700">
         <p:fade/>
       </p:transition>
     </mc:Choice>
-    <mc:Fallback>
+    <mc:Fallback xmlns="">
       <p:transition xmlns:p14="http://schemas.microsoft.com/office/powerpoint/2010/main" spd="med">
         <p:fade/>
       </p:transition>
@@ -11157,13 +11244,13 @@
   <p:clrMapOvr>
     <a:masterClrMapping/>
   </p:clrMapOvr>
-  <mc:AlternateContent xmlns:mc="http://schemas.openxmlformats.org/markup-compatibility/2006">
-    <mc:Choice xmlns:p14="http://schemas.microsoft.com/office/powerpoint/2010/main" Requires="p14">
+  <mc:AlternateContent xmlns:mc="http://schemas.openxmlformats.org/markup-compatibility/2006" xmlns:p14="http://schemas.microsoft.com/office/powerpoint/2010/main">
+    <mc:Choice Requires="p14">
       <p:transition spd="med" p14:dur="700">
         <p:fade/>
       </p:transition>
     </mc:Choice>
-    <mc:Fallback>
+    <mc:Fallback xmlns="">
       <p:transition xmlns:p14="http://schemas.microsoft.com/office/powerpoint/2010/main" spd="med">
         <p:fade/>
       </p:transition>
@@ -11176,6 +11263,208 @@
       </p:par>
     </p:tnLst>
   </p:timing>
+</p:sld>
+</file>
+
+<file path=ppt/slides/slide19.xml><?xml version="1.0" encoding="utf-8"?>
+<p:sld xmlns:a="http://schemas.openxmlformats.org/drawingml/2006/main" xmlns:r="http://schemas.openxmlformats.org/officeDocument/2006/relationships" xmlns:p="http://schemas.openxmlformats.org/presentationml/2006/main">
+  <p:cSld>
+    <p:spTree>
+      <p:nvGrpSpPr>
+        <p:cNvPr id="1" name=""/>
+        <p:cNvGrpSpPr/>
+        <p:nvPr/>
+      </p:nvGrpSpPr>
+      <p:grpSpPr>
+        <a:xfrm>
+          <a:off x="0" y="0"/>
+          <a:ext cx="0" cy="0"/>
+          <a:chOff x="0" y="0"/>
+          <a:chExt cx="0" cy="0"/>
+        </a:xfrm>
+      </p:grpSpPr>
+      <p:sp>
+        <p:nvSpPr>
+          <p:cNvPr id="2" name="Titel 1"/>
+          <p:cNvSpPr>
+            <a:spLocks noGrp="1"/>
+          </p:cNvSpPr>
+          <p:nvPr>
+            <p:ph type="title"/>
+          </p:nvPr>
+        </p:nvSpPr>
+        <p:spPr/>
+        <p:txBody>
+          <a:bodyPr/>
+          <a:lstStyle/>
+          <a:p>
+            <a:r>
+              <a:rPr lang="nl-NL" dirty="0" smtClean="0"/>
+              <a:t>Papers</a:t>
+            </a:r>
+            <a:endParaRPr lang="nl-NL" dirty="0"/>
+          </a:p>
+        </p:txBody>
+      </p:sp>
+      <p:sp>
+        <p:nvSpPr>
+          <p:cNvPr id="3" name="Tijdelijke aanduiding voor inhoud 2"/>
+          <p:cNvSpPr>
+            <a:spLocks noGrp="1"/>
+          </p:cNvSpPr>
+          <p:nvPr>
+            <p:ph idx="1"/>
+          </p:nvPr>
+        </p:nvSpPr>
+        <p:spPr/>
+        <p:txBody>
+          <a:bodyPr/>
+          <a:lstStyle/>
+          <a:p>
+            <a:r>
+              <a:rPr lang="nl-NL" b="1" dirty="0" err="1" smtClean="0"/>
+              <a:t>Twenty</a:t>
+            </a:r>
+            <a:r>
+              <a:rPr lang="nl-NL" b="1" dirty="0" smtClean="0"/>
+              <a:t>-Five </a:t>
+            </a:r>
+            <a:r>
+              <a:rPr lang="nl-NL" b="1" dirty="0" err="1" smtClean="0"/>
+              <a:t>Comparators</a:t>
+            </a:r>
+            <a:r>
+              <a:rPr lang="nl-NL" b="1" dirty="0" smtClean="0"/>
+              <a:t> is </a:t>
+            </a:r>
+            <a:r>
+              <a:rPr lang="nl-NL" b="1" dirty="0" err="1" smtClean="0"/>
+              <a:t>Optimal</a:t>
+            </a:r>
+            <a:r>
+              <a:rPr lang="nl-NL" b="1" dirty="0" smtClean="0"/>
+              <a:t> </a:t>
+            </a:r>
+            <a:r>
+              <a:rPr lang="nl-NL" b="1" dirty="0" err="1" smtClean="0"/>
+              <a:t>when</a:t>
+            </a:r>
+            <a:r>
+              <a:rPr lang="nl-NL" b="1" dirty="0" smtClean="0"/>
+              <a:t> </a:t>
+            </a:r>
+            <a:r>
+              <a:rPr lang="nl-NL" b="1" dirty="0" err="1" smtClean="0"/>
+              <a:t>Sorting</a:t>
+            </a:r>
+            <a:r>
+              <a:rPr lang="nl-NL" b="1" dirty="0" smtClean="0"/>
+              <a:t> </a:t>
+            </a:r>
+            <a:r>
+              <a:rPr lang="nl-NL" b="1" dirty="0" err="1" smtClean="0"/>
+              <a:t>Nine</a:t>
+            </a:r>
+            <a:r>
+              <a:rPr lang="nl-NL" b="1" dirty="0" smtClean="0"/>
+              <a:t> </a:t>
+            </a:r>
+            <a:r>
+              <a:rPr lang="nl-NL" b="1" dirty="0" err="1" smtClean="0"/>
+              <a:t>Inputs</a:t>
+            </a:r>
+            <a:r>
+              <a:rPr lang="nl-NL" b="1" dirty="0" smtClean="0"/>
+              <a:t> (</a:t>
+            </a:r>
+            <a:r>
+              <a:rPr lang="nl-NL" b="1" dirty="0" err="1" smtClean="0"/>
+              <a:t>and</a:t>
+            </a:r>
+            <a:r>
+              <a:rPr lang="nl-NL" b="1" dirty="0" smtClean="0"/>
+              <a:t> </a:t>
+            </a:r>
+            <a:r>
+              <a:rPr lang="nl-NL" b="1" dirty="0" err="1" smtClean="0"/>
+              <a:t>Twenty-Nine</a:t>
+            </a:r>
+            <a:r>
+              <a:rPr lang="nl-NL" b="1" dirty="0" smtClean="0"/>
+              <a:t> </a:t>
+            </a:r>
+            <a:r>
+              <a:rPr lang="nl-NL" b="1" dirty="0" err="1" smtClean="0"/>
+              <a:t>for</a:t>
+            </a:r>
+            <a:r>
+              <a:rPr lang="nl-NL" b="1" dirty="0" smtClean="0"/>
+              <a:t> Ten)</a:t>
+            </a:r>
+            <a:r>
+              <a:rPr lang="nl-NL" dirty="0" smtClean="0"/>
+              <a:t>, M. </a:t>
+            </a:r>
+            <a:r>
+              <a:rPr lang="nl-NL" dirty="0" err="1" smtClean="0"/>
+              <a:t>Codish</a:t>
+            </a:r>
+            <a:r>
+              <a:rPr lang="nl-NL" dirty="0" smtClean="0"/>
+              <a:t>, L. Cruz-</a:t>
+            </a:r>
+            <a:r>
+              <a:rPr lang="nl-NL" dirty="0" err="1" smtClean="0"/>
+              <a:t>Filipe</a:t>
+            </a:r>
+            <a:r>
+              <a:rPr lang="nl-NL" dirty="0" smtClean="0"/>
+              <a:t>, M. Frank, P. Schneider-Kamp, 24 juni 2014.</a:t>
+            </a:r>
+          </a:p>
+          <a:p>
+            <a:r>
+              <a:rPr lang="nl-NL" b="1" dirty="0" err="1" smtClean="0"/>
+              <a:t>Sorting</a:t>
+            </a:r>
+            <a:r>
+              <a:rPr lang="nl-NL" b="1" dirty="0" smtClean="0"/>
+              <a:t> Networks </a:t>
+            </a:r>
+            <a:r>
+              <a:rPr lang="nl-NL" b="1" dirty="0" err="1" smtClean="0"/>
+              <a:t>and</a:t>
+            </a:r>
+            <a:r>
+              <a:rPr lang="nl-NL" b="1" dirty="0" smtClean="0"/>
+              <a:t> </a:t>
+            </a:r>
+            <a:r>
+              <a:rPr lang="nl-NL" b="1" dirty="0" err="1" smtClean="0"/>
+              <a:t>Their</a:t>
+            </a:r>
+            <a:r>
+              <a:rPr lang="nl-NL" b="1" dirty="0" smtClean="0"/>
+              <a:t> Applications</a:t>
+            </a:r>
+            <a:r>
+              <a:rPr lang="nl-NL" dirty="0" smtClean="0"/>
+              <a:t>, </a:t>
+            </a:r>
+            <a:endParaRPr lang="nl-NL" dirty="0"/>
+          </a:p>
+        </p:txBody>
+      </p:sp>
+    </p:spTree>
+    <p:extLst>
+      <p:ext uri="{BB962C8B-B14F-4D97-AF65-F5344CB8AC3E}">
+        <p14:creationId xmlns:p14="http://schemas.microsoft.com/office/powerpoint/2010/main" val="3644345602"/>
+      </p:ext>
+    </p:extLst>
+  </p:cSld>
+  <p:clrMapOvr>
+    <a:masterClrMapping/>
+  </p:clrMapOvr>
 </p:sld>
 </file>
 
@@ -11248,13 +11537,13 @@
   <p:clrMapOvr>
     <a:masterClrMapping/>
   </p:clrMapOvr>
-  <mc:AlternateContent xmlns:mc="http://schemas.openxmlformats.org/markup-compatibility/2006">
-    <mc:Choice xmlns:p14="http://schemas.microsoft.com/office/powerpoint/2010/main" Requires="p14">
+  <mc:AlternateContent xmlns:mc="http://schemas.openxmlformats.org/markup-compatibility/2006" xmlns:p14="http://schemas.microsoft.com/office/powerpoint/2010/main">
+    <mc:Choice Requires="p14">
       <p:transition spd="med" p14:dur="700">
         <p:fade/>
       </p:transition>
     </mc:Choice>
-    <mc:Fallback>
+    <mc:Fallback xmlns="">
       <p:transition xmlns:p14="http://schemas.microsoft.com/office/powerpoint/2010/main" spd="med">
         <p:fade/>
       </p:transition>
@@ -11429,11 +11718,7 @@
             </a:pPr>
             <a:r>
               <a:rPr lang="nl-NL" dirty="0" smtClean="0"/>
-              <a:t>a &gt; b:  </a:t>
-            </a:r>
-            <a:r>
-              <a:rPr lang="nl-NL" dirty="0" smtClean="0"/>
-              <a:t>a </a:t>
+              <a:t>a &gt; b:  a </a:t>
             </a:r>
             <a:r>
               <a:rPr lang="nl-BE" dirty="0" smtClean="0"/>
@@ -11443,7 +11728,6 @@
               <a:rPr lang="nl-NL" dirty="0" smtClean="0"/>
               <a:t>b</a:t>
             </a:r>
-            <a:endParaRPr lang="nl-NL" dirty="0" smtClean="0"/>
           </a:p>
         </p:txBody>
       </p:sp>
@@ -11539,13 +11823,13 @@
   <p:clrMapOvr>
     <a:masterClrMapping/>
   </p:clrMapOvr>
-  <mc:AlternateContent xmlns:mc="http://schemas.openxmlformats.org/markup-compatibility/2006">
-    <mc:Choice xmlns:p14="http://schemas.microsoft.com/office/powerpoint/2010/main" Requires="p14">
+  <mc:AlternateContent xmlns:mc="http://schemas.openxmlformats.org/markup-compatibility/2006" xmlns:p14="http://schemas.microsoft.com/office/powerpoint/2010/main">
+    <mc:Choice Requires="p14">
       <p:transition spd="med" p14:dur="700">
         <p:fade/>
       </p:transition>
     </mc:Choice>
-    <mc:Fallback>
+    <mc:Fallback xmlns="">
       <p:transition xmlns:p14="http://schemas.microsoft.com/office/powerpoint/2010/main" spd="med">
         <p:fade/>
       </p:transition>
@@ -11836,13 +12120,13 @@
   <p:clrMapOvr>
     <a:masterClrMapping/>
   </p:clrMapOvr>
-  <mc:AlternateContent xmlns:mc="http://schemas.openxmlformats.org/markup-compatibility/2006">
-    <mc:Choice xmlns:p14="http://schemas.microsoft.com/office/powerpoint/2010/main" Requires="p14">
+  <mc:AlternateContent xmlns:mc="http://schemas.openxmlformats.org/markup-compatibility/2006" xmlns:p14="http://schemas.microsoft.com/office/powerpoint/2010/main">
+    <mc:Choice Requires="p14">
       <p:transition spd="med" p14:dur="700">
         <p:fade/>
       </p:transition>
     </mc:Choice>
-    <mc:Fallback>
+    <mc:Fallback xmlns="">
       <p:transition xmlns:p14="http://schemas.microsoft.com/office/powerpoint/2010/main" spd="med">
         <p:fade/>
       </p:transition>
@@ -11916,12 +12200,15 @@
           <a:gradFill flip="none" rotWithShape="1">
             <a:gsLst>
               <a:gs pos="20000">
-                <a:schemeClr val="bg2"/>
+                <a:schemeClr val="bg2">
+                  <a:lumMod val="40000"/>
+                  <a:lumOff val="60000"/>
+                </a:schemeClr>
               </a:gs>
               <a:gs pos="100000">
                 <a:schemeClr val="tx1">
-                  <a:lumMod val="75000"/>
-                  <a:lumOff val="25000"/>
+                  <a:lumMod val="50000"/>
+                  <a:lumOff val="50000"/>
                 </a:schemeClr>
               </a:gs>
             </a:gsLst>
@@ -12002,13 +12289,13 @@
   <p:clrMapOvr>
     <a:masterClrMapping/>
   </p:clrMapOvr>
-  <mc:AlternateContent xmlns:mc="http://schemas.openxmlformats.org/markup-compatibility/2006">
-    <mc:Choice xmlns:p14="http://schemas.microsoft.com/office/powerpoint/2010/main" Requires="p14">
+  <mc:AlternateContent xmlns:mc="http://schemas.openxmlformats.org/markup-compatibility/2006" xmlns:p14="http://schemas.microsoft.com/office/powerpoint/2010/main">
+    <mc:Choice Requires="p14">
       <p:transition spd="med" p14:dur="700">
         <p:fade/>
       </p:transition>
     </mc:Choice>
-    <mc:Fallback>
+    <mc:Fallback xmlns="">
       <p:transition xmlns:p14="http://schemas.microsoft.com/office/powerpoint/2010/main" spd="med">
         <p:fade/>
       </p:transition>
@@ -12108,11 +12395,7 @@
             </a:r>
             <a:r>
               <a:rPr lang="nl-NL" dirty="0" smtClean="0"/>
-              <a:t> </a:t>
-            </a:r>
-            <a:r>
-              <a:rPr lang="nl-NL" dirty="0" smtClean="0"/>
-              <a:t>buffering</a:t>
+              <a:t> buffering</a:t>
             </a:r>
           </a:p>
           <a:p>
@@ -12124,7 +12407,6 @@
               <a:rPr lang="nl-NL" dirty="0" smtClean="0"/>
               <a:t>Input = bestemmingsgetal</a:t>
             </a:r>
-            <a:endParaRPr lang="nl-NL" dirty="0" smtClean="0"/>
           </a:p>
           <a:p>
             <a:r>
@@ -12133,13 +12415,8 @@
             </a:r>
             <a:r>
               <a:rPr lang="nl-NL" dirty="0" smtClean="0"/>
-              <a:t> </a:t>
-            </a:r>
-            <a:r>
-              <a:rPr lang="nl-NL" dirty="0" smtClean="0"/>
-              <a:t>memory</a:t>
-            </a:r>
-            <a:endParaRPr lang="nl-NL" dirty="0" smtClean="0"/>
+              <a:t> memory</a:t>
+            </a:r>
           </a:p>
           <a:p>
             <a:r>
@@ -12190,13 +12467,13 @@
   <p:clrMapOvr>
     <a:masterClrMapping/>
   </p:clrMapOvr>
-  <mc:AlternateContent xmlns:mc="http://schemas.openxmlformats.org/markup-compatibility/2006">
-    <mc:Choice xmlns:p14="http://schemas.microsoft.com/office/powerpoint/2010/main" Requires="p14">
+  <mc:AlternateContent xmlns:mc="http://schemas.openxmlformats.org/markup-compatibility/2006" xmlns:p14="http://schemas.microsoft.com/office/powerpoint/2010/main">
+    <mc:Choice Requires="p14">
       <p:transition spd="med" p14:dur="700">
         <p:fade/>
       </p:transition>
     </mc:Choice>
-    <mc:Fallback>
+    <mc:Fallback xmlns="">
       <p:transition xmlns:p14="http://schemas.microsoft.com/office/powerpoint/2010/main" spd="med">
         <p:fade/>
       </p:transition>
@@ -12213,7 +12490,7 @@
 </file>
 
 <file path=ppt/slides/slide7.xml><?xml version="1.0" encoding="utf-8"?>
-<p:sld xmlns:a="http://schemas.openxmlformats.org/drawingml/2006/main" xmlns:r="http://schemas.openxmlformats.org/officeDocument/2006/relationships" xmlns:p="http://schemas.openxmlformats.org/presentationml/2006/main">
+<p:sld xmlns:a="http://schemas.openxmlformats.org/drawingml/2006/main" xmlns:r="http://schemas.openxmlformats.org/officeDocument/2006/relationships" xmlns:p="http://schemas.openxmlformats.org/presentationml/2006/main" show="0">
   <p:cSld>
     <p:spTree>
       <p:nvGrpSpPr>
@@ -12296,11 +12573,7 @@
             </a:r>
             <a:r>
               <a:rPr lang="nl-NL" dirty="0" smtClean="0"/>
-              <a:t> </a:t>
-            </a:r>
-            <a:r>
-              <a:rPr lang="nl-NL" dirty="0" smtClean="0"/>
-              <a:t>buffering</a:t>
+              <a:t> buffering</a:t>
             </a:r>
           </a:p>
           <a:p>
@@ -12340,14 +12613,12 @@
               <a:rPr lang="nl-NL" dirty="0" smtClean="0"/>
               <a:t>Output is verbonden met input</a:t>
             </a:r>
-            <a:endParaRPr lang="nl-NL" dirty="0" smtClean="0"/>
           </a:p>
           <a:p>
             <a:r>
               <a:rPr lang="nl-NL" dirty="0" smtClean="0"/>
               <a:t>Multiprocessor</a:t>
             </a:r>
-            <a:endParaRPr lang="nl-NL" dirty="0" smtClean="0"/>
           </a:p>
           <a:p>
             <a:r>
@@ -12415,7 +12686,7 @@
 </file>
 
 <file path=ppt/slides/slide8.xml><?xml version="1.0" encoding="utf-8"?>
-<p:sld xmlns:a="http://schemas.openxmlformats.org/drawingml/2006/main" xmlns:r="http://schemas.openxmlformats.org/officeDocument/2006/relationships" xmlns:p="http://schemas.openxmlformats.org/presentationml/2006/main">
+<p:sld xmlns:a="http://schemas.openxmlformats.org/drawingml/2006/main" xmlns:r="http://schemas.openxmlformats.org/officeDocument/2006/relationships" xmlns:p="http://schemas.openxmlformats.org/presentationml/2006/main" show="0">
   <p:cSld>
     <p:spTree>
       <p:nvGrpSpPr>
@@ -12498,11 +12769,7 @@
             </a:r>
             <a:r>
               <a:rPr lang="nl-NL" dirty="0" smtClean="0"/>
-              <a:t> </a:t>
-            </a:r>
-            <a:r>
-              <a:rPr lang="nl-NL" dirty="0" smtClean="0"/>
-              <a:t>buffering</a:t>
+              <a:t> buffering</a:t>
             </a:r>
           </a:p>
           <a:p>
@@ -12524,11 +12791,7 @@
           <a:p>
             <a:r>
               <a:rPr lang="nl-NL" dirty="0" smtClean="0"/>
-              <a:t>Om </a:t>
-            </a:r>
-            <a:r>
-              <a:rPr lang="nl-NL" dirty="0" smtClean="0"/>
-              <a:t>te sorteren</a:t>
+              <a:t>Om te sorteren</a:t>
             </a:r>
           </a:p>
         </p:txBody>
@@ -12668,11 +12931,7 @@
             </a:r>
             <a:r>
               <a:rPr lang="nl-NL" dirty="0" smtClean="0"/>
-              <a:t> </a:t>
-            </a:r>
-            <a:r>
-              <a:rPr lang="nl-NL" dirty="0" smtClean="0"/>
-              <a:t>buffering</a:t>
+              <a:t> buffering</a:t>
             </a:r>
           </a:p>
           <a:p>
@@ -12690,16 +12949,11 @@
               <a:rPr lang="nl-NL" dirty="0" smtClean="0"/>
               <a:t>Multiprocessor</a:t>
             </a:r>
-            <a:endParaRPr lang="nl-NL" dirty="0" smtClean="0"/>
-          </a:p>
-          <a:p>
-            <a:r>
-              <a:rPr lang="nl-NL" dirty="0" smtClean="0"/>
-              <a:t>Om te </a:t>
-            </a:r>
-            <a:r>
-              <a:rPr lang="nl-NL" dirty="0" smtClean="0"/>
-              <a:t>sorteren</a:t>
+          </a:p>
+          <a:p>
+            <a:r>
+              <a:rPr lang="nl-NL" dirty="0" smtClean="0"/>
+              <a:t>Om te sorteren</a:t>
             </a:r>
           </a:p>
           <a:p>
@@ -12711,7 +12965,6 @@
               <a:rPr lang="nl-NL" dirty="0" smtClean="0"/>
               <a:t>Sorteren van data</a:t>
             </a:r>
-            <a:endParaRPr lang="nl-NL" dirty="0" smtClean="0"/>
           </a:p>
         </p:txBody>
       </p:sp>

--- a/PPP1_WV.pptx
+++ b/PPP1_WV.pptx
@@ -5,10 +5,10 @@
     <p:sldMasterId id="2147483677" r:id="rId1"/>
   </p:sldMasterIdLst>
   <p:notesMasterIdLst>
-    <p:notesMasterId r:id="rId21"/>
+    <p:notesMasterId r:id="rId25"/>
   </p:notesMasterIdLst>
   <p:handoutMasterIdLst>
-    <p:handoutMasterId r:id="rId22"/>
+    <p:handoutMasterId r:id="rId26"/>
   </p:handoutMasterIdLst>
   <p:sldIdLst>
     <p:sldId id="256" r:id="rId2"/>
@@ -29,7 +29,11 @@
     <p:sldId id="275" r:id="rId17"/>
     <p:sldId id="276" r:id="rId18"/>
     <p:sldId id="277" r:id="rId19"/>
-    <p:sldId id="278" r:id="rId20"/>
+    <p:sldId id="279" r:id="rId20"/>
+    <p:sldId id="280" r:id="rId21"/>
+    <p:sldId id="281" r:id="rId22"/>
+    <p:sldId id="283" r:id="rId23"/>
+    <p:sldId id="278" r:id="rId24"/>
   </p:sldIdLst>
   <p:sldSz cx="9144000" cy="6858000" type="screen4x3"/>
   <p:notesSz cx="6858000" cy="9144000"/>
@@ -690,6 +694,10 @@
           <a:bodyPr/>
           <a:lstStyle/>
           <a:p>
+            <a:r>
+              <a:rPr lang="nl-NL" dirty="0" smtClean="0"/>
+              <a:t>M</a:t>
+            </a:r>
             <a:endParaRPr lang="nl-NL" dirty="0"/>
           </a:p>
         </p:txBody>
@@ -776,6 +784,13 @@
           <a:p>
             <a:r>
               <a:rPr lang="nl-NL" dirty="0" smtClean="0"/>
+              <a:t>V</a:t>
+            </a:r>
+            <a:br>
+              <a:rPr lang="nl-NL" dirty="0" smtClean="0"/>
+            </a:br>
+            <a:r>
+              <a:rPr lang="nl-NL" dirty="0" smtClean="0"/>
               <a:t>Uitleggen </a:t>
             </a:r>
             <a:r>
@@ -880,7 +895,18 @@
           <a:p>
             <a:r>
               <a:rPr lang="nl-NL" dirty="0" smtClean="0"/>
-              <a:t>Uitleg hoe we aan de 55^33 komen.</a:t>
+              <a:t>V</a:t>
+            </a:r>
+            <a:br>
+              <a:rPr lang="nl-NL" dirty="0" smtClean="0"/>
+            </a:br>
+            <a:r>
+              <a:rPr lang="nl-NL" dirty="0" smtClean="0"/>
+              <a:t>Uitleg </a:t>
+            </a:r>
+            <a:r>
+              <a:rPr lang="nl-NL" dirty="0" smtClean="0"/>
+              <a:t>hoe we aan de 55^33 komen.</a:t>
             </a:r>
           </a:p>
           <a:p>
@@ -984,7 +1010,18 @@
           <a:p>
             <a:r>
               <a:rPr lang="nl-NL" dirty="0" smtClean="0"/>
-              <a:t>Als n</a:t>
+              <a:t>M</a:t>
+            </a:r>
+            <a:br>
+              <a:rPr lang="nl-NL" dirty="0" smtClean="0"/>
+            </a:br>
+            <a:r>
+              <a:rPr lang="nl-NL" dirty="0" smtClean="0"/>
+              <a:t>Als </a:t>
+            </a:r>
+            <a:r>
+              <a:rPr lang="nl-NL" dirty="0" smtClean="0"/>
+              <a:t>n</a:t>
             </a:r>
             <a:r>
               <a:rPr lang="nl-NL" baseline="0" dirty="0" smtClean="0"/>
@@ -1099,13 +1136,44 @@
           <a:lstStyle/>
           <a:p>
             <a:r>
+              <a:rPr lang="nl-NL" dirty="0" smtClean="0"/>
+              <a:t>M</a:t>
+            </a:r>
+            <a:br>
+              <a:rPr lang="nl-NL" dirty="0" smtClean="0"/>
+            </a:br>
+            <a:r>
               <a:rPr lang="nl-NL" dirty="0" err="1" smtClean="0"/>
               <a:t>Prunen</a:t>
             </a:r>
             <a:r>
               <a:rPr lang="nl-NL" baseline="0" dirty="0" smtClean="0"/>
-              <a:t> = schrap de HELE TAK voor de generatie</a:t>
-            </a:r>
+              <a:t> </a:t>
+            </a:r>
+            <a:r>
+              <a:rPr lang="nl-NL" baseline="0" dirty="0" smtClean="0"/>
+              <a:t>= schrap de HELE TAK voor de </a:t>
+            </a:r>
+            <a:r>
+              <a:rPr lang="nl-NL" baseline="0" dirty="0" smtClean="0"/>
+              <a:t>generatie</a:t>
+            </a:r>
+            <a:br>
+              <a:rPr lang="nl-NL" baseline="0" dirty="0" smtClean="0"/>
+            </a:br>
+            <a:r>
+              <a:rPr lang="nl-NL" baseline="0" dirty="0" smtClean="0"/>
+              <a:t>2 voorbeelden: zelfde </a:t>
+            </a:r>
+            <a:r>
+              <a:rPr lang="nl-NL" baseline="0" dirty="0" err="1" smtClean="0"/>
+              <a:t>comps</a:t>
+            </a:r>
+            <a:r>
+              <a:rPr lang="nl-NL" baseline="0" dirty="0" smtClean="0"/>
+              <a:t> na elkaar EN parallel</a:t>
+            </a:r>
+            <a:endParaRPr lang="nl-NL" baseline="0" dirty="0" smtClean="0"/>
           </a:p>
           <a:p>
             <a:endParaRPr lang="nl-NL" baseline="0" dirty="0" smtClean="0"/>
@@ -1281,12 +1349,23 @@
           <a:lstStyle/>
           <a:p>
             <a:r>
+              <a:rPr lang="nl-NL" dirty="0" smtClean="0"/>
+              <a:t>V</a:t>
+            </a:r>
+            <a:br>
+              <a:rPr lang="nl-NL" dirty="0" smtClean="0"/>
+            </a:br>
+            <a:r>
               <a:rPr lang="nl-NL" dirty="0" err="1" smtClean="0"/>
               <a:t>Cb</a:t>
             </a:r>
             <a:r>
               <a:rPr lang="nl-NL" dirty="0" smtClean="0"/>
-              <a:t> niet uitbreiden want als er een een </a:t>
+              <a:t> </a:t>
+            </a:r>
+            <a:r>
+              <a:rPr lang="nl-NL" dirty="0" smtClean="0"/>
+              <a:t>niet uitbreiden want als er een een </a:t>
             </a:r>
             <a:r>
               <a:rPr lang="nl-NL" dirty="0" err="1" smtClean="0"/>
@@ -1302,17 +1381,13 @@
             </a:r>
             <a:r>
               <a:rPr lang="nl-NL" dirty="0" smtClean="0"/>
-              <a:t> volgt dan bestaat er ook 1 van </a:t>
-            </a:r>
-            <a:r>
-              <a:rPr lang="nl-NL" smtClean="0"/>
-              <a:t>zelfde</a:t>
-            </a:r>
-            <a:r>
-              <a:rPr lang="nl-NL" baseline="0" smtClean="0"/>
+              <a:t> volgt dan bestaat er ook 1 van zelfde</a:t>
+            </a:r>
+            <a:r>
+              <a:rPr lang="nl-NL" baseline="0" dirty="0" smtClean="0"/>
               <a:t> lengte dat uit Ca volgt.</a:t>
             </a:r>
-            <a:endParaRPr lang="nl-NL"/>
+            <a:endParaRPr lang="nl-NL" dirty="0"/>
           </a:p>
         </p:txBody>
       </p:sp>
@@ -1398,7 +1473,18 @@
           <a:p>
             <a:r>
               <a:rPr lang="nl-NL" dirty="0" smtClean="0"/>
-              <a:t>n = #</a:t>
+              <a:t>V</a:t>
+            </a:r>
+            <a:br>
+              <a:rPr lang="nl-NL" dirty="0" smtClean="0"/>
+            </a:br>
+            <a:r>
+              <a:rPr lang="nl-NL" dirty="0" smtClean="0"/>
+              <a:t>n </a:t>
+            </a:r>
+            <a:r>
+              <a:rPr lang="nl-NL" dirty="0" smtClean="0"/>
+              <a:t>= #</a:t>
             </a:r>
             <a:r>
               <a:rPr lang="nl-NL" baseline="0" dirty="0" smtClean="0"/>
@@ -1429,7 +1515,11 @@
             </a:r>
             <a:r>
               <a:rPr lang="nl-NL" baseline="0" dirty="0" smtClean="0"/>
-              <a:t>) =&gt; VOOR ALLE a != b</a:t>
+              <a:t>) =&gt; VOOR ALLE a != </a:t>
+            </a:r>
+            <a:r>
+              <a:rPr lang="nl-NL" baseline="0" dirty="0" smtClean="0"/>
+              <a:t>b</a:t>
             </a:r>
             <a:endParaRPr lang="nl-NL" dirty="0"/>
           </a:p>
@@ -1515,7 +1605,11 @@
           <a:bodyPr/>
           <a:lstStyle/>
           <a:p>
-            <a:endParaRPr lang="nl-NL"/>
+            <a:r>
+              <a:rPr lang="nl-NL" dirty="0" smtClean="0"/>
+              <a:t>V</a:t>
+            </a:r>
+            <a:endParaRPr lang="nl-NL" dirty="0"/>
           </a:p>
         </p:txBody>
       </p:sp>
@@ -1639,6 +1733,148 @@
 </p:notes>
 </file>
 
+<file path=ppt/notesSlides/notesSlide19.xml><?xml version="1.0" encoding="utf-8"?>
+<p:notes xmlns:a="http://schemas.openxmlformats.org/drawingml/2006/main" xmlns:r="http://schemas.openxmlformats.org/officeDocument/2006/relationships" xmlns:p="http://schemas.openxmlformats.org/presentationml/2006/main">
+  <p:cSld>
+    <p:spTree>
+      <p:nvGrpSpPr>
+        <p:cNvPr id="1" name=""/>
+        <p:cNvGrpSpPr/>
+        <p:nvPr/>
+      </p:nvGrpSpPr>
+      <p:grpSpPr>
+        <a:xfrm>
+          <a:off x="0" y="0"/>
+          <a:ext cx="0" cy="0"/>
+          <a:chOff x="0" y="0"/>
+          <a:chExt cx="0" cy="0"/>
+        </a:xfrm>
+      </p:grpSpPr>
+      <p:sp>
+        <p:nvSpPr>
+          <p:cNvPr id="2" name="Tijdelijke aanduiding voor dia-afbeelding 1"/>
+          <p:cNvSpPr>
+            <a:spLocks noGrp="1" noRot="1" noChangeAspect="1"/>
+          </p:cNvSpPr>
+          <p:nvPr>
+            <p:ph type="sldImg"/>
+          </p:nvPr>
+        </p:nvSpPr>
+        <p:spPr/>
+      </p:sp>
+      <p:sp>
+        <p:nvSpPr>
+          <p:cNvPr id="3" name="Tijdelijke aanduiding voor notities 2"/>
+          <p:cNvSpPr>
+            <a:spLocks noGrp="1"/>
+          </p:cNvSpPr>
+          <p:nvPr>
+            <p:ph type="body" idx="1"/>
+          </p:nvPr>
+        </p:nvSpPr>
+        <p:spPr/>
+        <p:txBody>
+          <a:bodyPr/>
+          <a:lstStyle/>
+          <a:p>
+            <a:r>
+              <a:rPr lang="nl-NL" dirty="0" smtClean="0"/>
+              <a:t>V</a:t>
+            </a:r>
+            <a:br>
+              <a:rPr lang="nl-NL" dirty="0" smtClean="0"/>
+            </a:br>
+            <a:r>
+              <a:rPr lang="nl-NL" dirty="0" smtClean="0"/>
+              <a:t>Parallel:</a:t>
+            </a:r>
+            <a:r>
+              <a:rPr lang="nl-NL" baseline="0" dirty="0" smtClean="0"/>
+              <a:t> </a:t>
+            </a:r>
+            <a:r>
+              <a:rPr lang="nl-NL" baseline="0" dirty="0" err="1" smtClean="0"/>
+              <a:t>generate</a:t>
+            </a:r>
+            <a:r>
+              <a:rPr lang="nl-NL" baseline="0" dirty="0" smtClean="0"/>
+              <a:t> + </a:t>
+            </a:r>
+            <a:r>
+              <a:rPr lang="nl-NL" baseline="0" dirty="0" err="1" smtClean="0"/>
+              <a:t>merge</a:t>
+            </a:r>
+            <a:r>
+              <a:rPr lang="nl-NL" baseline="0" dirty="0" smtClean="0"/>
+              <a:t>;</a:t>
+            </a:r>
+            <a:br>
+              <a:rPr lang="nl-NL" baseline="0" dirty="0" smtClean="0"/>
+            </a:br>
+            <a:r>
+              <a:rPr lang="nl-NL" baseline="0" dirty="0" smtClean="0"/>
+              <a:t>Parallel: prune = 1) </a:t>
+            </a:r>
+            <a:r>
+              <a:rPr lang="nl-NL" baseline="0" dirty="0" err="1" smtClean="0"/>
+              <a:t>Subsumes</a:t>
+            </a:r>
+            <a:r>
+              <a:rPr lang="nl-NL" baseline="0" dirty="0" smtClean="0"/>
+              <a:t> BINNEN set 2) </a:t>
+            </a:r>
+            <a:r>
+              <a:rPr lang="nl-NL" baseline="0" dirty="0" err="1" smtClean="0"/>
+              <a:t>Subsumes</a:t>
+            </a:r>
+            <a:r>
+              <a:rPr lang="nl-NL" baseline="0" dirty="0" smtClean="0"/>
+              <a:t> over Sets; + </a:t>
+            </a:r>
+            <a:r>
+              <a:rPr lang="nl-NL" baseline="0" dirty="0" err="1" smtClean="0"/>
+              <a:t>merge</a:t>
+            </a:r>
+            <a:endParaRPr lang="nl-NL" dirty="0"/>
+          </a:p>
+        </p:txBody>
+      </p:sp>
+      <p:sp>
+        <p:nvSpPr>
+          <p:cNvPr id="4" name="Tijdelijke aanduiding voor dianummer 3"/>
+          <p:cNvSpPr>
+            <a:spLocks noGrp="1"/>
+          </p:cNvSpPr>
+          <p:nvPr>
+            <p:ph type="sldNum" sz="quarter" idx="10"/>
+          </p:nvPr>
+        </p:nvSpPr>
+        <p:spPr/>
+        <p:txBody>
+          <a:bodyPr/>
+          <a:lstStyle/>
+          <a:p>
+            <a:fld id="{8787E021-A170-414E-8B92-16820204145C}" type="slidenum">
+              <a:rPr lang="nl-NL" smtClean="0"/>
+              <a:t>19</a:t>
+            </a:fld>
+            <a:endParaRPr lang="nl-NL"/>
+          </a:p>
+        </p:txBody>
+      </p:sp>
+    </p:spTree>
+    <p:extLst>
+      <p:ext uri="{BB962C8B-B14F-4D97-AF65-F5344CB8AC3E}">
+        <p14:creationId xmlns:p14="http://schemas.microsoft.com/office/powerpoint/2010/main" val="1696110007"/>
+      </p:ext>
+    </p:extLst>
+  </p:cSld>
+  <p:clrMapOvr>
+    <a:masterClrMapping/>
+  </p:clrMapOvr>
+</p:notes>
+</file>
+
 <file path=ppt/notesSlides/notesSlide2.xml><?xml version="1.0" encoding="utf-8"?>
 <p:notes xmlns:a="http://schemas.openxmlformats.org/drawingml/2006/main" xmlns:r="http://schemas.openxmlformats.org/officeDocument/2006/relationships" xmlns:p="http://schemas.openxmlformats.org/presentationml/2006/main">
   <p:cSld>
@@ -1683,7 +1919,11 @@
           <a:bodyPr/>
           <a:lstStyle/>
           <a:p>
-            <a:endParaRPr lang="nl-NL"/>
+            <a:r>
+              <a:rPr lang="nl-NL" dirty="0" smtClean="0"/>
+              <a:t>M</a:t>
+            </a:r>
+            <a:endParaRPr lang="nl-NL" dirty="0"/>
           </a:p>
         </p:txBody>
       </p:sp>
@@ -1714,6 +1954,306 @@
     <p:extLst>
       <p:ext uri="{BB962C8B-B14F-4D97-AF65-F5344CB8AC3E}">
         <p14:creationId xmlns:p14="http://schemas.microsoft.com/office/powerpoint/2010/main" val="601608008"/>
+      </p:ext>
+    </p:extLst>
+  </p:cSld>
+  <p:clrMapOvr>
+    <a:masterClrMapping/>
+  </p:clrMapOvr>
+</p:notes>
+</file>
+
+<file path=ppt/notesSlides/notesSlide20.xml><?xml version="1.0" encoding="utf-8"?>
+<p:notes xmlns:a="http://schemas.openxmlformats.org/drawingml/2006/main" xmlns:r="http://schemas.openxmlformats.org/officeDocument/2006/relationships" xmlns:p="http://schemas.openxmlformats.org/presentationml/2006/main">
+  <p:cSld>
+    <p:spTree>
+      <p:nvGrpSpPr>
+        <p:cNvPr id="1" name=""/>
+        <p:cNvGrpSpPr/>
+        <p:nvPr/>
+      </p:nvGrpSpPr>
+      <p:grpSpPr>
+        <a:xfrm>
+          <a:off x="0" y="0"/>
+          <a:ext cx="0" cy="0"/>
+          <a:chOff x="0" y="0"/>
+          <a:chExt cx="0" cy="0"/>
+        </a:xfrm>
+      </p:grpSpPr>
+      <p:sp>
+        <p:nvSpPr>
+          <p:cNvPr id="2" name="Tijdelijke aanduiding voor dia-afbeelding 1"/>
+          <p:cNvSpPr>
+            <a:spLocks noGrp="1" noRot="1" noChangeAspect="1"/>
+          </p:cNvSpPr>
+          <p:nvPr>
+            <p:ph type="sldImg"/>
+          </p:nvPr>
+        </p:nvSpPr>
+        <p:spPr/>
+      </p:sp>
+      <p:sp>
+        <p:nvSpPr>
+          <p:cNvPr id="3" name="Tijdelijke aanduiding voor notities 2"/>
+          <p:cNvSpPr>
+            <a:spLocks noGrp="1"/>
+          </p:cNvSpPr>
+          <p:nvPr>
+            <p:ph type="body" idx="1"/>
+          </p:nvPr>
+        </p:nvSpPr>
+        <p:spPr/>
+        <p:txBody>
+          <a:bodyPr/>
+          <a:lstStyle/>
+          <a:p>
+            <a:r>
+              <a:rPr lang="nl-NL" dirty="0" smtClean="0"/>
+              <a:t>M</a:t>
+            </a:r>
+            <a:endParaRPr lang="nl-NL" dirty="0"/>
+          </a:p>
+        </p:txBody>
+      </p:sp>
+      <p:sp>
+        <p:nvSpPr>
+          <p:cNvPr id="4" name="Tijdelijke aanduiding voor dianummer 3"/>
+          <p:cNvSpPr>
+            <a:spLocks noGrp="1"/>
+          </p:cNvSpPr>
+          <p:nvPr>
+            <p:ph type="sldNum" sz="quarter" idx="10"/>
+          </p:nvPr>
+        </p:nvSpPr>
+        <p:spPr/>
+        <p:txBody>
+          <a:bodyPr/>
+          <a:lstStyle/>
+          <a:p>
+            <a:fld id="{8787E021-A170-414E-8B92-16820204145C}" type="slidenum">
+              <a:rPr lang="nl-NL" smtClean="0"/>
+              <a:t>20</a:t>
+            </a:fld>
+            <a:endParaRPr lang="nl-NL"/>
+          </a:p>
+        </p:txBody>
+      </p:sp>
+    </p:spTree>
+    <p:extLst>
+      <p:ext uri="{BB962C8B-B14F-4D97-AF65-F5344CB8AC3E}">
+        <p14:creationId xmlns:p14="http://schemas.microsoft.com/office/powerpoint/2010/main" val="1022905567"/>
+      </p:ext>
+    </p:extLst>
+  </p:cSld>
+  <p:clrMapOvr>
+    <a:masterClrMapping/>
+  </p:clrMapOvr>
+</p:notes>
+</file>
+
+<file path=ppt/notesSlides/notesSlide21.xml><?xml version="1.0" encoding="utf-8"?>
+<p:notes xmlns:a="http://schemas.openxmlformats.org/drawingml/2006/main" xmlns:r="http://schemas.openxmlformats.org/officeDocument/2006/relationships" xmlns:p="http://schemas.openxmlformats.org/presentationml/2006/main">
+  <p:cSld>
+    <p:spTree>
+      <p:nvGrpSpPr>
+        <p:cNvPr id="1" name=""/>
+        <p:cNvGrpSpPr/>
+        <p:nvPr/>
+      </p:nvGrpSpPr>
+      <p:grpSpPr>
+        <a:xfrm>
+          <a:off x="0" y="0"/>
+          <a:ext cx="0" cy="0"/>
+          <a:chOff x="0" y="0"/>
+          <a:chExt cx="0" cy="0"/>
+        </a:xfrm>
+      </p:grpSpPr>
+      <p:sp>
+        <p:nvSpPr>
+          <p:cNvPr id="2" name="Tijdelijke aanduiding voor dia-afbeelding 1"/>
+          <p:cNvSpPr>
+            <a:spLocks noGrp="1" noRot="1" noChangeAspect="1"/>
+          </p:cNvSpPr>
+          <p:nvPr>
+            <p:ph type="sldImg"/>
+          </p:nvPr>
+        </p:nvSpPr>
+        <p:spPr/>
+      </p:sp>
+      <p:sp>
+        <p:nvSpPr>
+          <p:cNvPr id="3" name="Tijdelijke aanduiding voor notities 2"/>
+          <p:cNvSpPr>
+            <a:spLocks noGrp="1"/>
+          </p:cNvSpPr>
+          <p:nvPr>
+            <p:ph type="body" idx="1"/>
+          </p:nvPr>
+        </p:nvSpPr>
+        <p:spPr/>
+        <p:txBody>
+          <a:bodyPr/>
+          <a:lstStyle/>
+          <a:p>
+            <a:r>
+              <a:rPr lang="nl-NL" dirty="0" smtClean="0"/>
+              <a:t>M</a:t>
+            </a:r>
+          </a:p>
+          <a:p>
+            <a:r>
+              <a:rPr lang="nl-NL" dirty="0" smtClean="0"/>
+              <a:t>Ons</a:t>
+            </a:r>
+            <a:r>
+              <a:rPr lang="nl-NL" baseline="0" dirty="0" smtClean="0"/>
+              <a:t> probleem in het kort is dus eigenlijk: Wat is het minimum aantal </a:t>
+            </a:r>
+            <a:r>
+              <a:rPr lang="nl-NL" baseline="0" dirty="0" err="1" smtClean="0"/>
+              <a:t>comparators</a:t>
+            </a:r>
+            <a:r>
+              <a:rPr lang="nl-NL" baseline="0" dirty="0" smtClean="0"/>
+              <a:t> bij een </a:t>
+            </a:r>
+            <a:r>
+              <a:rPr lang="nl-NL" baseline="0" dirty="0" err="1" smtClean="0"/>
+              <a:t>sorteernetwork</a:t>
+            </a:r>
+            <a:r>
+              <a:rPr lang="nl-NL" baseline="0" dirty="0" smtClean="0"/>
+              <a:t> van 11 </a:t>
+            </a:r>
+            <a:r>
+              <a:rPr lang="nl-NL" baseline="0" dirty="0" err="1" smtClean="0"/>
+              <a:t>kanelen</a:t>
+            </a:r>
+            <a:r>
+              <a:rPr lang="nl-NL" baseline="0" dirty="0" smtClean="0"/>
+              <a:t>?</a:t>
+            </a:r>
+            <a:endParaRPr lang="nl-NL" dirty="0"/>
+          </a:p>
+        </p:txBody>
+      </p:sp>
+      <p:sp>
+        <p:nvSpPr>
+          <p:cNvPr id="4" name="Tijdelijke aanduiding voor dianummer 3"/>
+          <p:cNvSpPr>
+            <a:spLocks noGrp="1"/>
+          </p:cNvSpPr>
+          <p:nvPr>
+            <p:ph type="sldNum" sz="quarter" idx="10"/>
+          </p:nvPr>
+        </p:nvSpPr>
+        <p:spPr/>
+        <p:txBody>
+          <a:bodyPr/>
+          <a:lstStyle/>
+          <a:p>
+            <a:fld id="{8787E021-A170-414E-8B92-16820204145C}" type="slidenum">
+              <a:rPr lang="nl-NL" smtClean="0"/>
+              <a:t>21</a:t>
+            </a:fld>
+            <a:endParaRPr lang="nl-NL"/>
+          </a:p>
+        </p:txBody>
+      </p:sp>
+    </p:spTree>
+    <p:extLst>
+      <p:ext uri="{BB962C8B-B14F-4D97-AF65-F5344CB8AC3E}">
+        <p14:creationId xmlns:p14="http://schemas.microsoft.com/office/powerpoint/2010/main" val="27870416"/>
+      </p:ext>
+    </p:extLst>
+  </p:cSld>
+  <p:clrMapOvr>
+    <a:masterClrMapping/>
+  </p:clrMapOvr>
+</p:notes>
+</file>
+
+<file path=ppt/notesSlides/notesSlide22.xml><?xml version="1.0" encoding="utf-8"?>
+<p:notes xmlns:a="http://schemas.openxmlformats.org/drawingml/2006/main" xmlns:r="http://schemas.openxmlformats.org/officeDocument/2006/relationships" xmlns:p="http://schemas.openxmlformats.org/presentationml/2006/main">
+  <p:cSld>
+    <p:spTree>
+      <p:nvGrpSpPr>
+        <p:cNvPr id="1" name=""/>
+        <p:cNvGrpSpPr/>
+        <p:nvPr/>
+      </p:nvGrpSpPr>
+      <p:grpSpPr>
+        <a:xfrm>
+          <a:off x="0" y="0"/>
+          <a:ext cx="0" cy="0"/>
+          <a:chOff x="0" y="0"/>
+          <a:chExt cx="0" cy="0"/>
+        </a:xfrm>
+      </p:grpSpPr>
+      <p:sp>
+        <p:nvSpPr>
+          <p:cNvPr id="2" name="Tijdelijke aanduiding voor dia-afbeelding 1"/>
+          <p:cNvSpPr>
+            <a:spLocks noGrp="1" noRot="1" noChangeAspect="1"/>
+          </p:cNvSpPr>
+          <p:nvPr>
+            <p:ph type="sldImg"/>
+          </p:nvPr>
+        </p:nvSpPr>
+        <p:spPr/>
+      </p:sp>
+      <p:sp>
+        <p:nvSpPr>
+          <p:cNvPr id="3" name="Tijdelijke aanduiding voor notities 2"/>
+          <p:cNvSpPr>
+            <a:spLocks noGrp="1"/>
+          </p:cNvSpPr>
+          <p:nvPr>
+            <p:ph type="body" idx="1"/>
+          </p:nvPr>
+        </p:nvSpPr>
+        <p:spPr/>
+        <p:txBody>
+          <a:bodyPr/>
+          <a:lstStyle/>
+          <a:p>
+            <a:r>
+              <a:rPr lang="nl-NL" dirty="0" smtClean="0"/>
+              <a:t>M</a:t>
+            </a:r>
+          </a:p>
+          <a:p>
+            <a:endParaRPr lang="nl-NL" dirty="0"/>
+          </a:p>
+        </p:txBody>
+      </p:sp>
+      <p:sp>
+        <p:nvSpPr>
+          <p:cNvPr id="4" name="Tijdelijke aanduiding voor dianummer 3"/>
+          <p:cNvSpPr>
+            <a:spLocks noGrp="1"/>
+          </p:cNvSpPr>
+          <p:nvPr>
+            <p:ph type="sldNum" sz="quarter" idx="10"/>
+          </p:nvPr>
+        </p:nvSpPr>
+        <p:spPr/>
+        <p:txBody>
+          <a:bodyPr/>
+          <a:lstStyle/>
+          <a:p>
+            <a:fld id="{8787E021-A170-414E-8B92-16820204145C}" type="slidenum">
+              <a:rPr lang="nl-NL" smtClean="0"/>
+              <a:t>22</a:t>
+            </a:fld>
+            <a:endParaRPr lang="nl-NL"/>
+          </a:p>
+        </p:txBody>
+      </p:sp>
+    </p:spTree>
+    <p:extLst>
+      <p:ext uri="{BB962C8B-B14F-4D97-AF65-F5344CB8AC3E}">
+        <p14:creationId xmlns:p14="http://schemas.microsoft.com/office/powerpoint/2010/main" val="1692200381"/>
       </p:ext>
     </p:extLst>
   </p:cSld>
@@ -1769,13 +2309,32 @@
           <a:p>
             <a:r>
               <a:rPr lang="nl-BE" dirty="0" smtClean="0"/>
-              <a:t>i</a:t>
+              <a:t>M</a:t>
+            </a:r>
+            <a:br>
+              <a:rPr lang="nl-BE" dirty="0" smtClean="0"/>
+            </a:br>
+            <a:r>
+              <a:rPr lang="nl-BE" dirty="0" smtClean="0"/>
+              <a:t>Layer</a:t>
             </a:r>
             <a:r>
               <a:rPr lang="nl-BE" baseline="0" dirty="0" smtClean="0"/>
-              <a:t> &lt; j vermelden!</a:t>
-            </a:r>
-            <a:endParaRPr lang="nl-BE" dirty="0"/>
+              <a:t> vermelden! (parallel uitgevoerd)</a:t>
+            </a:r>
+          </a:p>
+          <a:p>
+            <a:r>
+              <a:rPr lang="nl-BE" dirty="0" smtClean="0"/>
+              <a:t>w(</a:t>
+            </a:r>
+            <a:r>
+              <a:rPr lang="nl-BE" baseline="0" dirty="0" smtClean="0"/>
+              <a:t> ) uitleggen</a:t>
+            </a:r>
+          </a:p>
+          <a:p>
+            <a:endParaRPr lang="nl-BE" baseline="0" dirty="0" smtClean="0"/>
           </a:p>
         </p:txBody>
       </p:sp>
@@ -1859,7 +2418,11 @@
           <a:bodyPr/>
           <a:lstStyle/>
           <a:p>
-            <a:endParaRPr lang="nl-NL"/>
+            <a:r>
+              <a:rPr lang="nl-NL" dirty="0" smtClean="0"/>
+              <a:t>M</a:t>
+            </a:r>
+            <a:endParaRPr lang="nl-NL" dirty="0"/>
           </a:p>
         </p:txBody>
       </p:sp>
@@ -1943,7 +2506,11 @@
           <a:bodyPr/>
           <a:lstStyle/>
           <a:p>
-            <a:endParaRPr lang="nl-NL"/>
+            <a:r>
+              <a:rPr lang="nl-NL" dirty="0" smtClean="0"/>
+              <a:t>V</a:t>
+            </a:r>
+            <a:endParaRPr lang="nl-NL" dirty="0"/>
           </a:p>
         </p:txBody>
       </p:sp>
@@ -2027,7 +2594,11 @@
           <a:bodyPr/>
           <a:lstStyle/>
           <a:p>
-            <a:endParaRPr lang="nl-NL"/>
+            <a:r>
+              <a:rPr lang="nl-NL" dirty="0" smtClean="0"/>
+              <a:t>V</a:t>
+            </a:r>
+            <a:endParaRPr lang="nl-NL" dirty="0"/>
           </a:p>
         </p:txBody>
       </p:sp>
@@ -2279,7 +2850,11 @@
           <a:bodyPr/>
           <a:lstStyle/>
           <a:p>
-            <a:endParaRPr lang="nl-NL"/>
+            <a:r>
+              <a:rPr lang="nl-NL" dirty="0" smtClean="0"/>
+              <a:t>V</a:t>
+            </a:r>
+            <a:endParaRPr lang="nl-NL" dirty="0"/>
           </a:p>
         </p:txBody>
       </p:sp>
@@ -8466,6 +9041,7 @@
               <a:rPr lang="nl-NL" dirty="0" smtClean="0"/>
               <a:t>n⎤</a:t>
             </a:r>
+            <a:endParaRPr lang="nl-NL" dirty="0" smtClean="0"/>
           </a:p>
         </p:txBody>
       </p:sp>
@@ -9322,6 +9898,105 @@
           </a:graphicData>
         </a:graphic>
       </p:graphicFrame>
+      <p:sp>
+        <p:nvSpPr>
+          <p:cNvPr id="7" name="Tijdelijke aanduiding voor voettekst 6"/>
+          <p:cNvSpPr>
+            <a:spLocks noGrp="1"/>
+          </p:cNvSpPr>
+          <p:nvPr>
+            <p:ph type="ftr" sz="quarter" idx="11"/>
+          </p:nvPr>
+        </p:nvSpPr>
+        <p:spPr>
+          <a:xfrm>
+            <a:off x="3972227" y="6248400"/>
+            <a:ext cx="4790773" cy="365125"/>
+          </a:xfrm>
+        </p:spPr>
+        <p:txBody>
+          <a:bodyPr/>
+          <a:lstStyle/>
+          <a:p>
+            <a:r>
+              <a:rPr lang="nl-NL" dirty="0" smtClean="0"/>
+              <a:t>[3] </a:t>
+            </a:r>
+            <a:r>
+              <a:rPr lang="nl-NL" dirty="0" err="1" smtClean="0"/>
+              <a:t>Bounds</a:t>
+            </a:r>
+            <a:r>
+              <a:rPr lang="nl-NL" dirty="0" smtClean="0"/>
+              <a:t> on the </a:t>
+            </a:r>
+            <a:r>
+              <a:rPr lang="nl-NL" dirty="0" err="1" smtClean="0"/>
+              <a:t>size</a:t>
+            </a:r>
+            <a:r>
+              <a:rPr lang="nl-NL" dirty="0" smtClean="0"/>
+              <a:t> of test sets </a:t>
+            </a:r>
+            <a:r>
+              <a:rPr lang="nl-NL" dirty="0" err="1" smtClean="0"/>
+              <a:t>for</a:t>
+            </a:r>
+            <a:r>
+              <a:rPr lang="nl-NL" dirty="0" smtClean="0"/>
+              <a:t> </a:t>
+            </a:r>
+            <a:r>
+              <a:rPr lang="nl-NL" dirty="0" err="1" smtClean="0"/>
+              <a:t>sorting</a:t>
+            </a:r>
+            <a:r>
+              <a:rPr lang="nl-NL" dirty="0" smtClean="0"/>
+              <a:t> </a:t>
+            </a:r>
+            <a:r>
+              <a:rPr lang="nl-NL" dirty="0" err="1" smtClean="0"/>
+              <a:t>and</a:t>
+            </a:r>
+            <a:r>
+              <a:rPr lang="nl-NL" dirty="0" smtClean="0"/>
+              <a:t> </a:t>
+            </a:r>
+            <a:r>
+              <a:rPr lang="nl-NL" dirty="0" err="1" smtClean="0"/>
+              <a:t>related</a:t>
+            </a:r>
+            <a:r>
+              <a:rPr lang="nl-NL" dirty="0" smtClean="0"/>
+              <a:t> </a:t>
+            </a:r>
+            <a:r>
+              <a:rPr lang="nl-NL" dirty="0" err="1" smtClean="0"/>
+              <a:t>networks</a:t>
+            </a:r>
+            <a:r>
+              <a:rPr lang="nl-NL" dirty="0" smtClean="0"/>
+              <a:t/>
+            </a:r>
+            <a:br>
+              <a:rPr lang="nl-NL" dirty="0" smtClean="0"/>
+            </a:br>
+            <a:r>
+              <a:rPr lang="nl-NL" dirty="0" smtClean="0"/>
+              <a:t>M</a:t>
+            </a:r>
+            <a:r>
+              <a:rPr lang="nl-NL" dirty="0"/>
+              <a:t>. J. Chung, B. </a:t>
+            </a:r>
+            <a:r>
+              <a:rPr lang="nl-NL" dirty="0" err="1"/>
+              <a:t>Ravikumar</a:t>
+            </a:r>
+            <a:endParaRPr lang="nl-NL" dirty="0"/>
+          </a:p>
+        </p:txBody>
+      </p:sp>
     </p:spTree>
     <p:extLst>
       <p:ext uri="{BB962C8B-B14F-4D97-AF65-F5344CB8AC3E}">
@@ -9586,7 +10261,7 @@
 </file>
 
 <file path=ppt/slides/slide14.xml><?xml version="1.0" encoding="utf-8"?>
-<p:sld xmlns:a="http://schemas.openxmlformats.org/drawingml/2006/main" xmlns:r="http://schemas.openxmlformats.org/officeDocument/2006/relationships" xmlns:p="http://schemas.openxmlformats.org/presentationml/2006/main">
+<p:sld xmlns:a="http://schemas.openxmlformats.org/drawingml/2006/main" xmlns:r="http://schemas.openxmlformats.org/officeDocument/2006/relationships" xmlns:p="http://schemas.openxmlformats.org/presentationml/2006/main" show="0">
   <p:cSld>
     <p:spTree>
       <p:nvGrpSpPr>
@@ -9917,13 +10592,13 @@
   <p:clrMapOvr>
     <a:masterClrMapping/>
   </p:clrMapOvr>
-  <mc:AlternateContent xmlns:mc="http://schemas.openxmlformats.org/markup-compatibility/2006" xmlns:p14="http://schemas.microsoft.com/office/powerpoint/2010/main">
-    <mc:Choice Requires="p14">
+  <mc:AlternateContent xmlns:mc="http://schemas.openxmlformats.org/markup-compatibility/2006">
+    <mc:Choice xmlns:p14="http://schemas.microsoft.com/office/powerpoint/2010/main" Requires="p14">
       <p:transition spd="med" p14:dur="700">
         <p:fade/>
       </p:transition>
     </mc:Choice>
-    <mc:Fallback xmlns="">
+    <mc:Fallback>
       <p:transition xmlns:p14="http://schemas.microsoft.com/office/powerpoint/2010/main" spd="med">
         <p:fade/>
       </p:transition>
@@ -9972,8 +10647,16 @@
           <a:lstStyle/>
           <a:p>
             <a:r>
+              <a:rPr lang="nl-NL" dirty="0" smtClean="0"/>
+              <a:t>Concept </a:t>
+            </a:r>
+            <a:r>
+              <a:rPr lang="nl-NL" dirty="0" err="1"/>
+              <a:t>s</a:t>
+            </a:r>
+            <a:r>
               <a:rPr lang="nl-NL" dirty="0" err="1" smtClean="0"/>
-              <a:t>Subsumes</a:t>
+              <a:t>ubsumes</a:t>
             </a:r>
             <a:endParaRPr lang="nl-NL" dirty="0"/>
           </a:p>
@@ -10800,13 +11483,8 @@
             </a:r>
             <a:r>
               <a:rPr lang="nl-NL" i="1" baseline="-25000" dirty="0" smtClean="0"/>
-              <a:t>k+</a:t>
-            </a:r>
-            <a:r>
-              <a:rPr lang="nl-NL" i="1" baseline="-25000" dirty="0" smtClean="0"/>
-              <a:t>1 </a:t>
-            </a:r>
-            <a:endParaRPr lang="nl-NL" i="1" baseline="-25000" dirty="0" smtClean="0"/>
+              <a:t>k+1 </a:t>
+            </a:r>
           </a:p>
           <a:p>
             <a:pPr marL="457200" indent="-457200">
@@ -10815,8 +11493,29 @@
             </a:pPr>
             <a:r>
               <a:rPr lang="nl-NL" dirty="0" smtClean="0"/>
-              <a:t>Herhaal het proces</a:t>
-            </a:r>
+              <a:t>Herhaal het </a:t>
+            </a:r>
+            <a:r>
+              <a:rPr lang="nl-NL" dirty="0" smtClean="0"/>
+              <a:t>proces tot |</a:t>
+            </a:r>
+            <a:r>
+              <a:rPr lang="nl-NL" dirty="0" err="1" smtClean="0"/>
+              <a:t>N</a:t>
+            </a:r>
+            <a:r>
+              <a:rPr lang="nl-NL" baseline="30000" dirty="0" err="1" smtClean="0"/>
+              <a:t>n</a:t>
+            </a:r>
+            <a:r>
+              <a:rPr lang="nl-NL" baseline="-25000" dirty="0" err="1"/>
+              <a:t>c</a:t>
+            </a:r>
+            <a:r>
+              <a:rPr lang="nl-NL" dirty="0" smtClean="0"/>
+              <a:t>| = 1</a:t>
+            </a:r>
+            <a:endParaRPr lang="nl-NL" dirty="0" smtClean="0"/>
           </a:p>
           <a:p>
             <a:endParaRPr lang="nl-NL" dirty="0"/>
@@ -11051,7 +11750,7 @@
 </file>
 
 <file path=ppt/slides/slide18.xml><?xml version="1.0" encoding="utf-8"?>
-<p:sld xmlns:a="http://schemas.openxmlformats.org/drawingml/2006/main" xmlns:r="http://schemas.openxmlformats.org/officeDocument/2006/relationships" xmlns:p="http://schemas.openxmlformats.org/presentationml/2006/main">
+<p:sld xmlns:a="http://schemas.openxmlformats.org/drawingml/2006/main" xmlns:r="http://schemas.openxmlformats.org/officeDocument/2006/relationships" xmlns:p="http://schemas.openxmlformats.org/presentationml/2006/main" show="0">
   <p:cSld>
     <p:spTree>
       <p:nvGrpSpPr>
@@ -11244,13 +11943,13 @@
   <p:clrMapOvr>
     <a:masterClrMapping/>
   </p:clrMapOvr>
-  <mc:AlternateContent xmlns:mc="http://schemas.openxmlformats.org/markup-compatibility/2006" xmlns:p14="http://schemas.microsoft.com/office/powerpoint/2010/main">
-    <mc:Choice Requires="p14">
+  <mc:AlternateContent xmlns:mc="http://schemas.openxmlformats.org/markup-compatibility/2006">
+    <mc:Choice xmlns:p14="http://schemas.microsoft.com/office/powerpoint/2010/main" Requires="p14">
       <p:transition spd="med" p14:dur="700">
         <p:fade/>
       </p:transition>
     </mc:Choice>
-    <mc:Fallback xmlns="">
+    <mc:Fallback>
       <p:transition xmlns:p14="http://schemas.microsoft.com/office/powerpoint/2010/main" spd="med">
         <p:fade/>
       </p:transition>
@@ -11299,8 +11998,12 @@
           <a:lstStyle/>
           <a:p>
             <a:r>
-              <a:rPr lang="nl-NL" dirty="0" smtClean="0"/>
-              <a:t>Papers</a:t>
+              <a:rPr lang="nl-NL" dirty="0" err="1" smtClean="0"/>
+              <a:t>Generate</a:t>
+            </a:r>
+            <a:r>
+              <a:rPr lang="nl-NL" dirty="0" smtClean="0"/>
+              <a:t> &amp; prune</a:t>
             </a:r>
             <a:endParaRPr lang="nl-NL" dirty="0"/>
           </a:p>
@@ -11321,150 +12024,132 @@
           <a:bodyPr/>
           <a:lstStyle/>
           <a:p>
-            <a:r>
-              <a:rPr lang="nl-NL" b="1" dirty="0" err="1" smtClean="0"/>
-              <a:t>Twenty</a:t>
-            </a:r>
-            <a:r>
-              <a:rPr lang="nl-NL" b="1" dirty="0" smtClean="0"/>
-              <a:t>-Five </a:t>
-            </a:r>
-            <a:r>
-              <a:rPr lang="nl-NL" b="1" dirty="0" err="1" smtClean="0"/>
-              <a:t>Comparators</a:t>
-            </a:r>
-            <a:r>
-              <a:rPr lang="nl-NL" b="1" dirty="0" smtClean="0"/>
-              <a:t> is </a:t>
-            </a:r>
-            <a:r>
-              <a:rPr lang="nl-NL" b="1" dirty="0" err="1" smtClean="0"/>
-              <a:t>Optimal</a:t>
-            </a:r>
-            <a:r>
-              <a:rPr lang="nl-NL" b="1" dirty="0" smtClean="0"/>
+            <a:pPr marL="0" indent="0">
+              <a:buNone/>
+            </a:pPr>
+            <a:r>
+              <a:rPr lang="nl-NL" dirty="0" err="1" smtClean="0"/>
+              <a:t>Subsumes</a:t>
+            </a:r>
+            <a:r>
+              <a:rPr lang="nl-NL" dirty="0" smtClean="0"/>
+              <a:t> = dure operatie ⇒ extra prune methodes</a:t>
+            </a:r>
+            <a:br>
+              <a:rPr lang="nl-NL" dirty="0" smtClean="0"/>
+            </a:br>
+            <a:r>
+              <a:rPr lang="nl-NL" dirty="0" smtClean="0"/>
               <a:t> </a:t>
             </a:r>
-            <a:r>
-              <a:rPr lang="nl-NL" b="1" dirty="0" err="1" smtClean="0"/>
-              <a:t>when</a:t>
-            </a:r>
-            <a:r>
-              <a:rPr lang="nl-NL" b="1" dirty="0" smtClean="0"/>
-              <a:t> </a:t>
-            </a:r>
-            <a:r>
-              <a:rPr lang="nl-NL" b="1" dirty="0" err="1" smtClean="0"/>
-              <a:t>Sorting</a:t>
-            </a:r>
-            <a:r>
-              <a:rPr lang="nl-NL" b="1" dirty="0" smtClean="0"/>
-              <a:t> </a:t>
-            </a:r>
-            <a:r>
-              <a:rPr lang="nl-NL" b="1" dirty="0" err="1" smtClean="0"/>
-              <a:t>Nine</a:t>
-            </a:r>
-            <a:r>
-              <a:rPr lang="nl-NL" b="1" dirty="0" smtClean="0"/>
-              <a:t> </a:t>
-            </a:r>
-            <a:r>
-              <a:rPr lang="nl-NL" b="1" dirty="0" err="1" smtClean="0"/>
-              <a:t>Inputs</a:t>
-            </a:r>
-            <a:r>
-              <a:rPr lang="nl-NL" b="1" dirty="0" smtClean="0"/>
-              <a:t> (</a:t>
-            </a:r>
-            <a:r>
-              <a:rPr lang="nl-NL" b="1" dirty="0" err="1" smtClean="0"/>
-              <a:t>and</a:t>
-            </a:r>
-            <a:r>
-              <a:rPr lang="nl-NL" b="1" dirty="0" smtClean="0"/>
-              <a:t> </a:t>
-            </a:r>
-            <a:r>
-              <a:rPr lang="nl-NL" b="1" dirty="0" err="1" smtClean="0"/>
-              <a:t>Twenty-Nine</a:t>
-            </a:r>
-            <a:r>
-              <a:rPr lang="nl-NL" b="1" dirty="0" smtClean="0"/>
-              <a:t> </a:t>
-            </a:r>
-            <a:r>
-              <a:rPr lang="nl-NL" b="1" dirty="0" err="1" smtClean="0"/>
-              <a:t>for</a:t>
-            </a:r>
-            <a:r>
-              <a:rPr lang="nl-NL" b="1" dirty="0" smtClean="0"/>
-              <a:t> Ten)</a:t>
-            </a:r>
-            <a:r>
-              <a:rPr lang="nl-NL" dirty="0" smtClean="0"/>
-              <a:t>, M. </a:t>
+          </a:p>
+          <a:p>
+            <a:pPr lvl="1">
+              <a:lnSpc>
+                <a:spcPct val="70000"/>
+              </a:lnSpc>
+            </a:pPr>
+            <a:r>
+              <a:rPr lang="nl-NL" dirty="0" smtClean="0"/>
+              <a:t>Contradicties bij </a:t>
             </a:r>
             <a:r>
               <a:rPr lang="nl-NL" dirty="0" err="1" smtClean="0"/>
-              <a:t>Codish</a:t>
-            </a:r>
-            <a:r>
-              <a:rPr lang="nl-NL" dirty="0" smtClean="0"/>
-              <a:t>, L. Cruz-</a:t>
+              <a:t>subsumes</a:t>
+            </a:r>
+            <a:r>
+              <a:rPr lang="nl-NL" dirty="0" smtClean="0"/>
+              <a:t/>
+            </a:r>
+            <a:br>
+              <a:rPr lang="nl-NL" dirty="0" smtClean="0"/>
+            </a:br>
+            <a:endParaRPr lang="nl-NL" dirty="0"/>
+          </a:p>
+          <a:p>
+            <a:pPr lvl="1">
+              <a:lnSpc>
+                <a:spcPct val="70000"/>
+              </a:lnSpc>
+            </a:pPr>
+            <a:r>
+              <a:rPr lang="nl-NL" dirty="0" smtClean="0"/>
+              <a:t>Verwijderen overbodige </a:t>
             </a:r>
             <a:r>
               <a:rPr lang="nl-NL" dirty="0" err="1" smtClean="0"/>
-              <a:t>Filipe</a:t>
-            </a:r>
-            <a:r>
-              <a:rPr lang="nl-NL" dirty="0" smtClean="0"/>
-              <a:t>, M. Frank, P. Schneider-Kamp, 24 juni 2014.</a:t>
-            </a:r>
-          </a:p>
-          <a:p>
-            <a:r>
-              <a:rPr lang="nl-NL" b="1" dirty="0" err="1" smtClean="0"/>
-              <a:t>Sorting</a:t>
-            </a:r>
-            <a:r>
-              <a:rPr lang="nl-NL" b="1" dirty="0" smtClean="0"/>
-              <a:t> Networks </a:t>
-            </a:r>
-            <a:r>
-              <a:rPr lang="nl-NL" b="1" dirty="0" err="1" smtClean="0"/>
-              <a:t>and</a:t>
-            </a:r>
-            <a:r>
-              <a:rPr lang="nl-NL" b="1" dirty="0" smtClean="0"/>
-              <a:t> </a:t>
-            </a:r>
-            <a:r>
-              <a:rPr lang="nl-NL" b="1" dirty="0" err="1" smtClean="0"/>
-              <a:t>Their</a:t>
-            </a:r>
-            <a:r>
-              <a:rPr lang="nl-NL" b="1" dirty="0" smtClean="0"/>
-              <a:t> Applications</a:t>
-            </a:r>
-            <a:r>
-              <a:rPr lang="nl-NL" dirty="0" smtClean="0"/>
-              <a:t>, </a:t>
-            </a:r>
+              <a:t>comparators</a:t>
+            </a:r>
+            <a:r>
+              <a:rPr lang="nl-NL" dirty="0" smtClean="0"/>
+              <a:t> (i j) :</a:t>
+            </a:r>
+            <a:br>
+              <a:rPr lang="nl-NL" dirty="0" smtClean="0"/>
+            </a:br>
+            <a:r>
+              <a:rPr lang="nl-NL" dirty="0" smtClean="0"/>
+              <a:t>∀</a:t>
+            </a:r>
+            <a:r>
+              <a:rPr lang="nl-NL" dirty="0" err="1" smtClean="0"/>
+              <a:t>outputs</a:t>
+            </a:r>
+            <a:r>
+              <a:rPr lang="nl-NL" dirty="0" smtClean="0"/>
+              <a:t>(C) : x</a:t>
+            </a:r>
+            <a:r>
+              <a:rPr lang="nl-NL" baseline="-25000" dirty="0" smtClean="0"/>
+              <a:t>i</a:t>
+            </a:r>
+            <a:r>
+              <a:rPr lang="nl-NL" dirty="0" smtClean="0"/>
+              <a:t> ≤ </a:t>
+            </a:r>
+            <a:r>
+              <a:rPr lang="nl-NL" dirty="0" err="1" smtClean="0"/>
+              <a:t>x</a:t>
+            </a:r>
+            <a:r>
+              <a:rPr lang="nl-NL" baseline="-25000" dirty="0" err="1" smtClean="0"/>
+              <a:t>j</a:t>
+            </a:r>
+            <a:r>
+              <a:rPr lang="nl-NL" baseline="-25000" dirty="0" smtClean="0"/>
+              <a:t/>
+            </a:r>
+            <a:br>
+              <a:rPr lang="nl-NL" baseline="-25000" dirty="0" smtClean="0"/>
+            </a:br>
             <a:endParaRPr lang="nl-NL" dirty="0"/>
+          </a:p>
+          <a:p>
+            <a:pPr lvl="1"/>
+            <a:r>
+              <a:rPr lang="nl-NL" dirty="0" smtClean="0"/>
+              <a:t>Parallel uitvoeren</a:t>
+            </a:r>
           </a:p>
         </p:txBody>
       </p:sp>
     </p:spTree>
     <p:extLst>
       <p:ext uri="{BB962C8B-B14F-4D97-AF65-F5344CB8AC3E}">
-        <p14:creationId xmlns:p14="http://schemas.microsoft.com/office/powerpoint/2010/main" val="3644345602"/>
+        <p14:creationId xmlns:p14="http://schemas.microsoft.com/office/powerpoint/2010/main" val="1458489023"/>
       </p:ext>
     </p:extLst>
   </p:cSld>
   <p:clrMapOvr>
     <a:masterClrMapping/>
   </p:clrMapOvr>
+  <p:timing>
+    <p:tnLst>
+      <p:par>
+        <p:cTn xmlns:p14="http://schemas.microsoft.com/office/powerpoint/2010/main" id="1" dur="indefinite" restart="never" nodeType="tmRoot"/>
+      </p:par>
+    </p:tnLst>
+  </p:timing>
 </p:sld>
 </file>
 
@@ -11518,12 +12203,126 @@
             <p:ph idx="1"/>
           </p:nvPr>
         </p:nvSpPr>
-        <p:spPr/>
-        <p:txBody>
-          <a:bodyPr/>
+        <p:spPr>
+          <a:xfrm>
+            <a:off x="779463" y="1949824"/>
+            <a:ext cx="7583488" cy="4667084"/>
+          </a:xfrm>
+        </p:spPr>
+        <p:txBody>
+          <a:bodyPr>
+            <a:normAutofit/>
+          </a:bodyPr>
           <a:lstStyle/>
           <a:p>
-            <a:endParaRPr lang="nl-NL"/>
+            <a:r>
+              <a:rPr lang="nl-NL" dirty="0" smtClean="0"/>
+              <a:t>Wat is een </a:t>
+            </a:r>
+            <a:r>
+              <a:rPr lang="nl-NL" dirty="0" err="1" smtClean="0"/>
+              <a:t>comparator</a:t>
+            </a:r>
+            <a:r>
+              <a:rPr lang="nl-NL" dirty="0" smtClean="0"/>
+              <a:t> </a:t>
+            </a:r>
+            <a:r>
+              <a:rPr lang="nl-NL" dirty="0" err="1" smtClean="0"/>
+              <a:t>network</a:t>
+            </a:r>
+            <a:r>
+              <a:rPr lang="nl-NL" dirty="0" smtClean="0"/>
+              <a:t>?</a:t>
+            </a:r>
+          </a:p>
+          <a:p>
+            <a:r>
+              <a:rPr lang="nl-NL" dirty="0" smtClean="0"/>
+              <a:t>Wat is een </a:t>
+            </a:r>
+            <a:r>
+              <a:rPr lang="nl-NL" dirty="0" err="1" smtClean="0"/>
+              <a:t>sorting</a:t>
+            </a:r>
+            <a:r>
+              <a:rPr lang="nl-NL" dirty="0" smtClean="0"/>
+              <a:t> </a:t>
+            </a:r>
+            <a:r>
+              <a:rPr lang="nl-NL" dirty="0" err="1" smtClean="0"/>
+              <a:t>network</a:t>
+            </a:r>
+            <a:r>
+              <a:rPr lang="nl-NL" dirty="0" smtClean="0"/>
+              <a:t>?</a:t>
+            </a:r>
+          </a:p>
+          <a:p>
+            <a:r>
+              <a:rPr lang="nl-NL" dirty="0" smtClean="0"/>
+              <a:t>Nul – één principe</a:t>
+            </a:r>
+          </a:p>
+          <a:p>
+            <a:r>
+              <a:rPr lang="nl-NL" dirty="0" smtClean="0"/>
+              <a:t>Toepassingen</a:t>
+            </a:r>
+          </a:p>
+          <a:p>
+            <a:r>
+              <a:rPr lang="nl-NL" dirty="0" smtClean="0"/>
+              <a:t>Doel</a:t>
+            </a:r>
+          </a:p>
+          <a:p>
+            <a:r>
+              <a:rPr lang="nl-NL" dirty="0" smtClean="0"/>
+              <a:t>Concept </a:t>
+            </a:r>
+            <a:r>
+              <a:rPr lang="nl-NL" dirty="0" err="1"/>
+              <a:t>s</a:t>
+            </a:r>
+            <a:r>
+              <a:rPr lang="nl-NL" dirty="0" err="1" smtClean="0"/>
+              <a:t>ubsumes</a:t>
+            </a:r>
+            <a:endParaRPr lang="nl-NL" dirty="0" smtClean="0"/>
+          </a:p>
+          <a:p>
+            <a:r>
+              <a:rPr lang="nl-NL" dirty="0" err="1" smtClean="0"/>
+              <a:t>Generate</a:t>
+            </a:r>
+            <a:r>
+              <a:rPr lang="nl-NL" dirty="0" smtClean="0"/>
+              <a:t> &amp; prune</a:t>
+            </a:r>
+          </a:p>
+          <a:p>
+            <a:r>
+              <a:rPr lang="nl-NL" dirty="0" err="1" smtClean="0"/>
+              <a:t>Optimal</a:t>
+            </a:r>
+            <a:r>
+              <a:rPr lang="nl-NL" dirty="0" smtClean="0"/>
+              <a:t> </a:t>
+            </a:r>
+            <a:r>
+              <a:rPr lang="nl-NL" dirty="0" err="1" smtClean="0"/>
+              <a:t>size</a:t>
+            </a:r>
+            <a:r>
+              <a:rPr lang="nl-NL" dirty="0" smtClean="0"/>
+              <a:t>, 9 </a:t>
+            </a:r>
+            <a:r>
+              <a:rPr lang="nl-NL" dirty="0" err="1" smtClean="0"/>
+              <a:t>channels</a:t>
+            </a:r>
+            <a:endParaRPr lang="nl-NL" dirty="0" smtClean="0"/>
           </a:p>
         </p:txBody>
       </p:sp>
@@ -11559,6 +12358,1168 @@
 </p:sld>
 </file>
 
+<file path=ppt/slides/slide20.xml><?xml version="1.0" encoding="utf-8"?>
+<p:sld xmlns:a="http://schemas.openxmlformats.org/drawingml/2006/main" xmlns:r="http://schemas.openxmlformats.org/officeDocument/2006/relationships" xmlns:p="http://schemas.openxmlformats.org/presentationml/2006/main">
+  <p:cSld>
+    <p:spTree>
+      <p:nvGrpSpPr>
+        <p:cNvPr id="1" name=""/>
+        <p:cNvGrpSpPr/>
+        <p:nvPr/>
+      </p:nvGrpSpPr>
+      <p:grpSpPr>
+        <a:xfrm>
+          <a:off x="0" y="0"/>
+          <a:ext cx="0" cy="0"/>
+          <a:chOff x="0" y="0"/>
+          <a:chExt cx="0" cy="0"/>
+        </a:xfrm>
+      </p:grpSpPr>
+      <p:sp>
+        <p:nvSpPr>
+          <p:cNvPr id="2" name="Titel 1"/>
+          <p:cNvSpPr>
+            <a:spLocks noGrp="1"/>
+          </p:cNvSpPr>
+          <p:nvPr>
+            <p:ph type="title"/>
+          </p:nvPr>
+        </p:nvSpPr>
+        <p:spPr/>
+        <p:txBody>
+          <a:bodyPr/>
+          <a:lstStyle/>
+          <a:p>
+            <a:r>
+              <a:rPr lang="nl-NL" dirty="0" err="1" smtClean="0"/>
+              <a:t>Optimal</a:t>
+            </a:r>
+            <a:r>
+              <a:rPr lang="nl-NL" dirty="0" smtClean="0"/>
+              <a:t> </a:t>
+            </a:r>
+            <a:r>
+              <a:rPr lang="nl-NL" dirty="0" err="1" smtClean="0"/>
+              <a:t>size</a:t>
+            </a:r>
+            <a:r>
+              <a:rPr lang="nl-NL" dirty="0" smtClean="0"/>
+              <a:t>, 9 </a:t>
+            </a:r>
+            <a:r>
+              <a:rPr lang="nl-NL" dirty="0" err="1" smtClean="0"/>
+              <a:t>channels</a:t>
+            </a:r>
+            <a:endParaRPr lang="nl-NL" dirty="0"/>
+          </a:p>
+        </p:txBody>
+      </p:sp>
+      <p:sp>
+        <p:nvSpPr>
+          <p:cNvPr id="3" name="Tijdelijke aanduiding voor inhoud 2"/>
+          <p:cNvSpPr>
+            <a:spLocks noGrp="1"/>
+          </p:cNvSpPr>
+          <p:nvPr>
+            <p:ph idx="1"/>
+          </p:nvPr>
+        </p:nvSpPr>
+        <p:spPr>
+          <a:xfrm>
+            <a:off x="779463" y="2241176"/>
+            <a:ext cx="7583488" cy="4007224"/>
+          </a:xfrm>
+        </p:spPr>
+        <p:txBody>
+          <a:bodyPr/>
+          <a:lstStyle/>
+          <a:p>
+            <a:r>
+              <a:rPr lang="nl-NL" dirty="0" err="1" smtClean="0"/>
+              <a:t>Generate</a:t>
+            </a:r>
+            <a:r>
+              <a:rPr lang="nl-NL" dirty="0" smtClean="0"/>
+              <a:t> &amp; prune tot |R</a:t>
+            </a:r>
+            <a:r>
+              <a:rPr lang="nl-NL" baseline="30000" dirty="0" smtClean="0"/>
+              <a:t>9</a:t>
+            </a:r>
+            <a:r>
+              <a:rPr lang="nl-NL" baseline="-25000" dirty="0" smtClean="0"/>
+              <a:t>14</a:t>
+            </a:r>
+            <a:r>
+              <a:rPr lang="nl-NL" dirty="0" smtClean="0"/>
+              <a:t>| = 914 444	(1 week)</a:t>
+            </a:r>
+          </a:p>
+          <a:p>
+            <a:pPr marL="800100" lvl="1" indent="-457200">
+              <a:buFont typeface="+mj-lt"/>
+              <a:buAutoNum type="arabicPeriod"/>
+            </a:pPr>
+            <a:r>
+              <a:rPr lang="nl-NL" sz="2200" dirty="0" err="1" smtClean="0"/>
+              <a:t>Generate</a:t>
+            </a:r>
+            <a:r>
+              <a:rPr lang="nl-NL" sz="2200" dirty="0" smtClean="0"/>
+              <a:t> &amp; prune tot |R</a:t>
+            </a:r>
+            <a:r>
+              <a:rPr lang="nl-NL" sz="2200" baseline="30000" dirty="0" smtClean="0"/>
+              <a:t>9</a:t>
+            </a:r>
+            <a:r>
+              <a:rPr lang="nl-NL" sz="2200" baseline="-25000" dirty="0" smtClean="0"/>
+              <a:t>25</a:t>
+            </a:r>
+            <a:r>
+              <a:rPr lang="nl-NL" sz="2200" dirty="0" smtClean="0"/>
+              <a:t>|</a:t>
+            </a:r>
+            <a:r>
+              <a:rPr lang="nl-NL" sz="2200" baseline="-25000" dirty="0" smtClean="0"/>
+              <a:t> </a:t>
+            </a:r>
+            <a:r>
+              <a:rPr lang="nl-NL" sz="2200" dirty="0" smtClean="0"/>
+              <a:t>= 1		(5 dagen)</a:t>
+            </a:r>
+          </a:p>
+          <a:p>
+            <a:pPr marL="800100" lvl="1" indent="-457200">
+              <a:buFont typeface="+mj-lt"/>
+              <a:buAutoNum type="arabicPeriod"/>
+            </a:pPr>
+            <a:r>
+              <a:rPr lang="nl-NL" sz="2200" dirty="0" smtClean="0"/>
+              <a:t>SAT </a:t>
+            </a:r>
+            <a:r>
+              <a:rPr lang="nl-NL" sz="2200" dirty="0" err="1" smtClean="0"/>
+              <a:t>encoding</a:t>
+            </a:r>
+            <a:r>
+              <a:rPr lang="nl-NL" sz="2200" dirty="0" smtClean="0"/>
+              <a:t> methode			(halve dag)</a:t>
+            </a:r>
+          </a:p>
+          <a:p>
+            <a:pPr marL="342900" lvl="1" indent="0">
+              <a:buNone/>
+            </a:pPr>
+            <a:r>
+              <a:rPr lang="nl-NL" dirty="0"/>
+              <a:t/>
+            </a:r>
+            <a:br>
+              <a:rPr lang="nl-NL" dirty="0"/>
+            </a:br>
+            <a:endParaRPr lang="nl-NL" dirty="0"/>
+          </a:p>
+          <a:p>
+            <a:pPr marL="0" indent="0">
+              <a:buNone/>
+            </a:pPr>
+            <a:r>
+              <a:rPr lang="nl-NL" dirty="0" smtClean="0"/>
+              <a:t>SAT </a:t>
+            </a:r>
+            <a:r>
+              <a:rPr lang="nl-NL" dirty="0" err="1" smtClean="0"/>
+              <a:t>encoding</a:t>
+            </a:r>
+            <a:r>
+              <a:rPr lang="nl-NL" dirty="0" smtClean="0"/>
+              <a:t>: Gegeven </a:t>
+            </a:r>
+            <a:r>
+              <a:rPr lang="nl-NL" dirty="0" err="1" smtClean="0"/>
+              <a:t>constraints</a:t>
+            </a:r>
+            <a:r>
+              <a:rPr lang="nl-NL" dirty="0" smtClean="0"/>
+              <a:t>, via SAT </a:t>
+            </a:r>
+            <a:r>
+              <a:rPr lang="nl-NL" dirty="0" err="1"/>
+              <a:t>s</a:t>
+            </a:r>
+            <a:r>
+              <a:rPr lang="nl-NL" dirty="0" err="1" smtClean="0"/>
+              <a:t>olver</a:t>
+            </a:r>
+            <a:r>
+              <a:rPr lang="nl-NL" dirty="0" smtClean="0"/>
+              <a:t> bestaand model zoeken.</a:t>
+            </a:r>
+          </a:p>
+        </p:txBody>
+      </p:sp>
+      <p:sp>
+        <p:nvSpPr>
+          <p:cNvPr id="4" name="Tijdelijke aanduiding voor voettekst 3"/>
+          <p:cNvSpPr>
+            <a:spLocks noGrp="1"/>
+          </p:cNvSpPr>
+          <p:nvPr>
+            <p:ph type="ftr" sz="quarter" idx="11"/>
+          </p:nvPr>
+        </p:nvSpPr>
+        <p:spPr>
+          <a:xfrm>
+            <a:off x="2664066" y="6248400"/>
+            <a:ext cx="6098935" cy="365125"/>
+          </a:xfrm>
+        </p:spPr>
+        <p:txBody>
+          <a:bodyPr/>
+          <a:lstStyle/>
+          <a:p>
+            <a:r>
+              <a:rPr lang="nl-NL" dirty="0" smtClean="0"/>
+              <a:t>[1] </a:t>
+            </a:r>
+            <a:r>
+              <a:rPr lang="nl-NL" dirty="0" err="1" smtClean="0"/>
+              <a:t>Twenty</a:t>
+            </a:r>
+            <a:r>
+              <a:rPr lang="nl-NL" dirty="0" smtClean="0"/>
+              <a:t>-Five </a:t>
+            </a:r>
+            <a:r>
+              <a:rPr lang="nl-NL" dirty="0" err="1" smtClean="0"/>
+              <a:t>Comparators</a:t>
+            </a:r>
+            <a:r>
+              <a:rPr lang="nl-NL" dirty="0" smtClean="0"/>
+              <a:t> is </a:t>
+            </a:r>
+            <a:r>
+              <a:rPr lang="nl-NL" dirty="0" err="1" smtClean="0"/>
+              <a:t>Optimal</a:t>
+            </a:r>
+            <a:r>
+              <a:rPr lang="nl-NL" dirty="0" smtClean="0"/>
+              <a:t> </a:t>
+            </a:r>
+            <a:r>
+              <a:rPr lang="nl-NL" dirty="0" err="1" smtClean="0"/>
+              <a:t>when</a:t>
+            </a:r>
+            <a:r>
+              <a:rPr lang="nl-NL" dirty="0" smtClean="0"/>
+              <a:t> </a:t>
+            </a:r>
+            <a:r>
+              <a:rPr lang="nl-NL" dirty="0" err="1" smtClean="0"/>
+              <a:t>Sorting</a:t>
+            </a:r>
+            <a:r>
+              <a:rPr lang="nl-NL" dirty="0" smtClean="0"/>
+              <a:t> </a:t>
+            </a:r>
+            <a:r>
+              <a:rPr lang="nl-NL" dirty="0" err="1" smtClean="0"/>
+              <a:t>Nine</a:t>
+            </a:r>
+            <a:r>
+              <a:rPr lang="nl-NL" dirty="0" smtClean="0"/>
+              <a:t> </a:t>
+            </a:r>
+            <a:r>
+              <a:rPr lang="nl-NL" dirty="0" err="1" smtClean="0"/>
+              <a:t>Inputs</a:t>
+            </a:r>
+            <a:r>
+              <a:rPr lang="nl-NL" dirty="0" smtClean="0"/>
+              <a:t> (</a:t>
+            </a:r>
+            <a:r>
+              <a:rPr lang="nl-NL" dirty="0" err="1" smtClean="0"/>
+              <a:t>and</a:t>
+            </a:r>
+            <a:r>
+              <a:rPr lang="nl-NL" dirty="0" smtClean="0"/>
+              <a:t> </a:t>
+            </a:r>
+            <a:r>
+              <a:rPr lang="nl-NL" dirty="0" err="1" smtClean="0"/>
+              <a:t>Twenty-Nine</a:t>
+            </a:r>
+            <a:r>
+              <a:rPr lang="nl-NL" dirty="0" smtClean="0"/>
+              <a:t> </a:t>
+            </a:r>
+            <a:r>
+              <a:rPr lang="nl-NL" dirty="0" err="1" smtClean="0"/>
+              <a:t>for</a:t>
+            </a:r>
+            <a:r>
+              <a:rPr lang="nl-NL" dirty="0" smtClean="0"/>
+              <a:t> Ten)</a:t>
+            </a:r>
+          </a:p>
+          <a:p>
+            <a:r>
+              <a:rPr lang="nl-NL" dirty="0"/>
+              <a:t>M. </a:t>
+            </a:r>
+            <a:r>
+              <a:rPr lang="nl-NL" dirty="0" err="1"/>
+              <a:t>Codish</a:t>
+            </a:r>
+            <a:r>
+              <a:rPr lang="nl-NL" dirty="0"/>
+              <a:t>, L. Cruz-</a:t>
+            </a:r>
+            <a:r>
+              <a:rPr lang="nl-NL" dirty="0" err="1"/>
+              <a:t>Filipe</a:t>
+            </a:r>
+            <a:r>
+              <a:rPr lang="nl-NL" dirty="0"/>
+              <a:t>, M. Frank, P. Schneider-Kamp </a:t>
+            </a:r>
+            <a:endParaRPr lang="nl-NL" dirty="0"/>
+          </a:p>
+        </p:txBody>
+      </p:sp>
+    </p:spTree>
+    <p:extLst>
+      <p:ext uri="{BB962C8B-B14F-4D97-AF65-F5344CB8AC3E}">
+        <p14:creationId xmlns:p14="http://schemas.microsoft.com/office/powerpoint/2010/main" val="2717097136"/>
+      </p:ext>
+    </p:extLst>
+  </p:cSld>
+  <p:clrMapOvr>
+    <a:masterClrMapping/>
+  </p:clrMapOvr>
+  <p:timing>
+    <p:tnLst>
+      <p:par>
+        <p:cTn xmlns:p14="http://schemas.microsoft.com/office/powerpoint/2010/main" id="1" dur="indefinite" restart="never" nodeType="tmRoot"/>
+      </p:par>
+    </p:tnLst>
+  </p:timing>
+</p:sld>
+</file>
+
+<file path=ppt/slides/slide21.xml><?xml version="1.0" encoding="utf-8"?>
+<p:sld xmlns:a="http://schemas.openxmlformats.org/drawingml/2006/main" xmlns:r="http://schemas.openxmlformats.org/officeDocument/2006/relationships" xmlns:p="http://schemas.openxmlformats.org/presentationml/2006/main">
+  <p:cSld>
+    <p:spTree>
+      <p:nvGrpSpPr>
+        <p:cNvPr id="1" name=""/>
+        <p:cNvGrpSpPr/>
+        <p:nvPr/>
+      </p:nvGrpSpPr>
+      <p:grpSpPr>
+        <a:xfrm>
+          <a:off x="0" y="0"/>
+          <a:ext cx="0" cy="0"/>
+          <a:chOff x="0" y="0"/>
+          <a:chExt cx="0" cy="0"/>
+        </a:xfrm>
+      </p:grpSpPr>
+      <p:sp>
+        <p:nvSpPr>
+          <p:cNvPr id="2" name="Titel 1"/>
+          <p:cNvSpPr>
+            <a:spLocks noGrp="1"/>
+          </p:cNvSpPr>
+          <p:nvPr>
+            <p:ph type="title"/>
+          </p:nvPr>
+        </p:nvSpPr>
+        <p:spPr/>
+        <p:txBody>
+          <a:bodyPr/>
+          <a:lstStyle/>
+          <a:p>
+            <a:r>
+              <a:rPr lang="nl-NL" dirty="0" err="1" smtClean="0"/>
+              <a:t>Optimal</a:t>
+            </a:r>
+            <a:r>
+              <a:rPr lang="nl-NL" dirty="0" smtClean="0"/>
+              <a:t> </a:t>
+            </a:r>
+            <a:r>
+              <a:rPr lang="nl-NL" dirty="0" err="1" smtClean="0"/>
+              <a:t>size</a:t>
+            </a:r>
+            <a:r>
+              <a:rPr lang="nl-NL" dirty="0" smtClean="0"/>
+              <a:t>, 9 </a:t>
+            </a:r>
+            <a:r>
+              <a:rPr lang="nl-NL" dirty="0" err="1" smtClean="0"/>
+              <a:t>channels</a:t>
+            </a:r>
+            <a:r>
+              <a:rPr lang="nl-NL" dirty="0" smtClean="0"/>
+              <a:t>: resultaten</a:t>
+            </a:r>
+            <a:endParaRPr lang="nl-NL" dirty="0"/>
+          </a:p>
+        </p:txBody>
+      </p:sp>
+      <p:sp>
+        <p:nvSpPr>
+          <p:cNvPr id="3" name="Tijdelijke aanduiding voor inhoud 2"/>
+          <p:cNvSpPr>
+            <a:spLocks noGrp="1"/>
+          </p:cNvSpPr>
+          <p:nvPr>
+            <p:ph idx="1"/>
+          </p:nvPr>
+        </p:nvSpPr>
+        <p:spPr>
+          <a:xfrm>
+            <a:off x="779463" y="1949824"/>
+            <a:ext cx="7583488" cy="4667084"/>
+          </a:xfrm>
+        </p:spPr>
+        <p:txBody>
+          <a:bodyPr>
+            <a:normAutofit/>
+          </a:bodyPr>
+          <a:lstStyle/>
+          <a:p>
+            <a:pPr marL="457200" indent="-457200">
+              <a:buFont typeface="+mj-lt"/>
+              <a:buAutoNum type="arabicPeriod"/>
+            </a:pPr>
+            <a:r>
+              <a:rPr lang="nl-NL" dirty="0" err="1" smtClean="0"/>
+              <a:t>Size</a:t>
+            </a:r>
+            <a:r>
+              <a:rPr lang="nl-NL" dirty="0" smtClean="0"/>
+              <a:t>(9) = 25</a:t>
+            </a:r>
+            <a:br>
+              <a:rPr lang="nl-NL" dirty="0" smtClean="0"/>
+            </a:br>
+            <a:r>
+              <a:rPr lang="nl-NL" dirty="0" smtClean="0"/>
+              <a:t/>
+            </a:r>
+            <a:br>
+              <a:rPr lang="nl-NL" dirty="0" smtClean="0"/>
+            </a:br>
+            <a:r>
+              <a:rPr lang="nl-NL" dirty="0" smtClean="0"/>
+              <a:t/>
+            </a:r>
+            <a:br>
+              <a:rPr lang="nl-NL" dirty="0" smtClean="0"/>
+            </a:br>
+            <a:r>
+              <a:rPr lang="nl-NL" dirty="0" smtClean="0"/>
+              <a:t/>
+            </a:r>
+            <a:br>
+              <a:rPr lang="nl-NL" dirty="0" smtClean="0"/>
+            </a:br>
+            <a:endParaRPr lang="nl-NL" dirty="0" smtClean="0"/>
+          </a:p>
+          <a:p>
+            <a:pPr marL="457200" indent="-457200">
+              <a:buFont typeface="+mj-lt"/>
+              <a:buAutoNum type="arabicPeriod"/>
+            </a:pPr>
+            <a:r>
+              <a:rPr lang="nl-NL" dirty="0" err="1" smtClean="0"/>
+              <a:t>Size</a:t>
+            </a:r>
+            <a:r>
+              <a:rPr lang="nl-NL" dirty="0" smtClean="0"/>
+              <a:t>(10) = 29</a:t>
+            </a:r>
+          </a:p>
+          <a:p>
+            <a:pPr lvl="1"/>
+            <a:r>
+              <a:rPr lang="nl-NL" dirty="0" err="1" smtClean="0"/>
+              <a:t>Lower</a:t>
+            </a:r>
+            <a:r>
+              <a:rPr lang="nl-NL" dirty="0" smtClean="0"/>
+              <a:t> </a:t>
+            </a:r>
+            <a:r>
+              <a:rPr lang="nl-NL" dirty="0" err="1" smtClean="0"/>
+              <a:t>bound</a:t>
+            </a:r>
+            <a:r>
+              <a:rPr lang="nl-NL" dirty="0" smtClean="0"/>
+              <a:t> S(10) ≥ S(9) </a:t>
+            </a:r>
+            <a:r>
+              <a:rPr lang="nl-NL" dirty="0"/>
+              <a:t>+ ⎡</a:t>
+            </a:r>
+            <a:r>
+              <a:rPr lang="nl-NL" dirty="0" smtClean="0"/>
+              <a:t>log</a:t>
+            </a:r>
+            <a:r>
+              <a:rPr lang="nl-NL" baseline="-25000" dirty="0" smtClean="0"/>
+              <a:t>2</a:t>
+            </a:r>
+            <a:r>
+              <a:rPr lang="nl-NL" dirty="0" smtClean="0"/>
+              <a:t>9⎤ ≥ 25 + 4 ≥ 29</a:t>
+            </a:r>
+          </a:p>
+          <a:p>
+            <a:pPr lvl="1"/>
+            <a:r>
+              <a:rPr lang="nl-NL" dirty="0" err="1" smtClean="0"/>
+              <a:t>Upper</a:t>
+            </a:r>
+            <a:r>
+              <a:rPr lang="nl-NL" dirty="0"/>
+              <a:t> </a:t>
+            </a:r>
+            <a:r>
+              <a:rPr lang="nl-NL" dirty="0" err="1" smtClean="0"/>
+              <a:t>bound</a:t>
+            </a:r>
+            <a:r>
+              <a:rPr lang="nl-NL" dirty="0" smtClean="0"/>
+              <a:t>: 29</a:t>
+            </a:r>
+          </a:p>
+          <a:p>
+            <a:pPr lvl="1">
+              <a:buFont typeface="Wingdings" charset="2"/>
+              <a:buChar char="Ø"/>
+            </a:pPr>
+            <a:r>
+              <a:rPr lang="nl-NL" dirty="0" err="1" smtClean="0"/>
+              <a:t>Size</a:t>
+            </a:r>
+            <a:r>
+              <a:rPr lang="nl-NL" dirty="0" smtClean="0"/>
+              <a:t>(10) = 29</a:t>
+            </a:r>
+          </a:p>
+          <a:p>
+            <a:pPr marL="0" indent="0">
+              <a:buNone/>
+            </a:pPr>
+            <a:endParaRPr lang="nl-NL" dirty="0"/>
+          </a:p>
+          <a:p>
+            <a:endParaRPr lang="nl-NL" dirty="0"/>
+          </a:p>
+        </p:txBody>
+      </p:sp>
+      <p:pic>
+        <p:nvPicPr>
+          <p:cNvPr id="4" name="Afbeelding 3" descr="SortingNetworkSize9.png"/>
+          <p:cNvPicPr>
+            <a:picLocks noChangeAspect="1"/>
+          </p:cNvPicPr>
+          <p:nvPr/>
+        </p:nvPicPr>
+        <p:blipFill>
+          <a:blip r:embed="rId3">
+            <a:extLst>
+              <a:ext uri="{28A0092B-C50C-407E-A947-70E740481C1C}">
+                <a14:useLocalDpi xmlns:a14="http://schemas.microsoft.com/office/drawing/2010/main" val="0"/>
+              </a:ext>
+            </a:extLst>
+          </a:blip>
+          <a:stretch>
+            <a:fillRect/>
+          </a:stretch>
+        </p:blipFill>
+        <p:spPr>
+          <a:xfrm>
+            <a:off x="3182550" y="1949825"/>
+            <a:ext cx="2794887" cy="1897762"/>
+          </a:xfrm>
+          <a:prstGeom prst="rect">
+            <a:avLst/>
+          </a:prstGeom>
+        </p:spPr>
+      </p:pic>
+    </p:spTree>
+    <p:extLst>
+      <p:ext uri="{BB962C8B-B14F-4D97-AF65-F5344CB8AC3E}">
+        <p14:creationId xmlns:p14="http://schemas.microsoft.com/office/powerpoint/2010/main" val="3221524727"/>
+      </p:ext>
+    </p:extLst>
+  </p:cSld>
+  <p:clrMapOvr>
+    <a:masterClrMapping/>
+  </p:clrMapOvr>
+  <p:timing>
+    <p:tnLst>
+      <p:par>
+        <p:cTn xmlns:p14="http://schemas.microsoft.com/office/powerpoint/2010/main" id="1" dur="indefinite" restart="never" nodeType="tmRoot"/>
+      </p:par>
+    </p:tnLst>
+  </p:timing>
+</p:sld>
+</file>
+
+<file path=ppt/slides/slide22.xml><?xml version="1.0" encoding="utf-8"?>
+<p:sld xmlns:a="http://schemas.openxmlformats.org/drawingml/2006/main" xmlns:r="http://schemas.openxmlformats.org/officeDocument/2006/relationships" xmlns:p="http://schemas.openxmlformats.org/presentationml/2006/main">
+  <p:cSld>
+    <p:spTree>
+      <p:nvGrpSpPr>
+        <p:cNvPr id="1" name=""/>
+        <p:cNvGrpSpPr/>
+        <p:nvPr/>
+      </p:nvGrpSpPr>
+      <p:grpSpPr>
+        <a:xfrm>
+          <a:off x="0" y="0"/>
+          <a:ext cx="0" cy="0"/>
+          <a:chOff x="0" y="0"/>
+          <a:chExt cx="0" cy="0"/>
+        </a:xfrm>
+      </p:grpSpPr>
+      <p:pic>
+        <p:nvPicPr>
+          <p:cNvPr id="4" name="Afbeelding 3" descr="Question-transparent.png"/>
+          <p:cNvPicPr>
+            <a:picLocks noChangeAspect="1"/>
+          </p:cNvPicPr>
+          <p:nvPr/>
+        </p:nvPicPr>
+        <p:blipFill>
+          <a:blip r:embed="rId3">
+            <a:extLst>
+              <a:ext uri="{28A0092B-C50C-407E-A947-70E740481C1C}">
+                <a14:useLocalDpi xmlns:a14="http://schemas.microsoft.com/office/drawing/2010/main" val="0"/>
+              </a:ext>
+            </a:extLst>
+          </a:blip>
+          <a:stretch>
+            <a:fillRect/>
+          </a:stretch>
+        </p:blipFill>
+        <p:spPr>
+          <a:xfrm>
+            <a:off x="1146" y="-200508"/>
+            <a:ext cx="2785872" cy="3048000"/>
+          </a:xfrm>
+          <a:prstGeom prst="rect">
+            <a:avLst/>
+          </a:prstGeom>
+        </p:spPr>
+      </p:pic>
+      <p:pic>
+        <p:nvPicPr>
+          <p:cNvPr id="5" name="Afbeelding 4" descr="faq.png"/>
+          <p:cNvPicPr>
+            <a:picLocks noChangeAspect="1"/>
+          </p:cNvPicPr>
+          <p:nvPr/>
+        </p:nvPicPr>
+        <p:blipFill>
+          <a:blip r:embed="rId4">
+            <a:extLst>
+              <a:ext uri="{28A0092B-C50C-407E-A947-70E740481C1C}">
+                <a14:useLocalDpi xmlns:a14="http://schemas.microsoft.com/office/drawing/2010/main" val="0"/>
+              </a:ext>
+            </a:extLst>
+          </a:blip>
+          <a:stretch>
+            <a:fillRect/>
+          </a:stretch>
+        </p:blipFill>
+        <p:spPr>
+          <a:xfrm>
+            <a:off x="5962528" y="2978156"/>
+            <a:ext cx="3181472" cy="3879844"/>
+          </a:xfrm>
+          <a:prstGeom prst="rect">
+            <a:avLst/>
+          </a:prstGeom>
+        </p:spPr>
+      </p:pic>
+      <p:sp>
+        <p:nvSpPr>
+          <p:cNvPr id="6" name="Rechthoek 5"/>
+          <p:cNvSpPr/>
+          <p:nvPr/>
+        </p:nvSpPr>
+        <p:spPr>
+          <a:xfrm>
+            <a:off x="763888" y="2780650"/>
+            <a:ext cx="5328132" cy="1446550"/>
+          </a:xfrm>
+          <a:prstGeom prst="rect">
+            <a:avLst/>
+          </a:prstGeom>
+          <a:noFill/>
+          <a:ln>
+            <a:noFill/>
+          </a:ln>
+        </p:spPr>
+        <p:txBody>
+          <a:bodyPr wrap="square" lIns="91440" tIns="45720" rIns="91440" bIns="45720">
+            <a:spAutoFit/>
+          </a:bodyPr>
+          <a:lstStyle/>
+          <a:p>
+            <a:pPr algn="ctr"/>
+            <a:r>
+              <a:rPr lang="nl-BE" sz="8800" b="1" cap="none" spc="0" dirty="0" smtClean="0">
+                <a:ln w="12700">
+                  <a:solidFill>
+                    <a:srgbClr val="000000"/>
+                  </a:solidFill>
+                  <a:prstDash val="solid"/>
+                </a:ln>
+                <a:solidFill>
+                  <a:srgbClr val="0000FF"/>
+                </a:solidFill>
+                <a:effectLst>
+                  <a:outerShdw blurRad="41275" dist="20320" dir="1800000" algn="tl" rotWithShape="0">
+                    <a:srgbClr val="000000">
+                      <a:alpha val="40000"/>
+                    </a:srgbClr>
+                  </a:outerShdw>
+                </a:effectLst>
+              </a:rPr>
+              <a:t>VRAGEN?</a:t>
+            </a:r>
+            <a:endParaRPr lang="nl-BE" sz="8800" b="1" cap="none" spc="0" dirty="0">
+              <a:ln w="12700">
+                <a:solidFill>
+                  <a:srgbClr val="000000"/>
+                </a:solidFill>
+                <a:prstDash val="solid"/>
+              </a:ln>
+              <a:solidFill>
+                <a:srgbClr val="0000FF"/>
+              </a:solidFill>
+              <a:effectLst>
+                <a:outerShdw blurRad="41275" dist="20320" dir="1800000" algn="tl" rotWithShape="0">
+                  <a:srgbClr val="000000">
+                    <a:alpha val="40000"/>
+                  </a:srgbClr>
+                </a:outerShdw>
+              </a:effectLst>
+            </a:endParaRPr>
+          </a:p>
+        </p:txBody>
+      </p:sp>
+    </p:spTree>
+    <p:extLst>
+      <p:ext uri="{BB962C8B-B14F-4D97-AF65-F5344CB8AC3E}">
+        <p14:creationId xmlns:p14="http://schemas.microsoft.com/office/powerpoint/2010/main" val="2744547577"/>
+      </p:ext>
+    </p:extLst>
+  </p:cSld>
+  <p:clrMapOvr>
+    <a:masterClrMapping/>
+  </p:clrMapOvr>
+  <p:timing>
+    <p:tnLst>
+      <p:par>
+        <p:cTn xmlns:p14="http://schemas.microsoft.com/office/powerpoint/2010/main" id="1" dur="indefinite" restart="never" nodeType="tmRoot"/>
+      </p:par>
+    </p:tnLst>
+  </p:timing>
+</p:sld>
+</file>
+
+<file path=ppt/slides/slide23.xml><?xml version="1.0" encoding="utf-8"?>
+<p:sld xmlns:a="http://schemas.openxmlformats.org/drawingml/2006/main" xmlns:r="http://schemas.openxmlformats.org/officeDocument/2006/relationships" xmlns:p="http://schemas.openxmlformats.org/presentationml/2006/main">
+  <p:cSld>
+    <p:spTree>
+      <p:nvGrpSpPr>
+        <p:cNvPr id="1" name=""/>
+        <p:cNvGrpSpPr/>
+        <p:nvPr/>
+      </p:nvGrpSpPr>
+      <p:grpSpPr>
+        <a:xfrm>
+          <a:off x="0" y="0"/>
+          <a:ext cx="0" cy="0"/>
+          <a:chOff x="0" y="0"/>
+          <a:chExt cx="0" cy="0"/>
+        </a:xfrm>
+      </p:grpSpPr>
+      <p:sp>
+        <p:nvSpPr>
+          <p:cNvPr id="2" name="Titel 1"/>
+          <p:cNvSpPr>
+            <a:spLocks noGrp="1"/>
+          </p:cNvSpPr>
+          <p:nvPr>
+            <p:ph type="title"/>
+          </p:nvPr>
+        </p:nvSpPr>
+        <p:spPr/>
+        <p:txBody>
+          <a:bodyPr/>
+          <a:lstStyle/>
+          <a:p>
+            <a:r>
+              <a:rPr lang="nl-NL" dirty="0" smtClean="0"/>
+              <a:t>Papers</a:t>
+            </a:r>
+            <a:endParaRPr lang="nl-NL" dirty="0"/>
+          </a:p>
+        </p:txBody>
+      </p:sp>
+      <p:sp>
+        <p:nvSpPr>
+          <p:cNvPr id="3" name="Tijdelijke aanduiding voor inhoud 2"/>
+          <p:cNvSpPr>
+            <a:spLocks noGrp="1"/>
+          </p:cNvSpPr>
+          <p:nvPr>
+            <p:ph idx="1"/>
+          </p:nvPr>
+        </p:nvSpPr>
+        <p:spPr/>
+        <p:txBody>
+          <a:bodyPr>
+            <a:normAutofit fontScale="85000" lnSpcReduction="20000"/>
+          </a:bodyPr>
+          <a:lstStyle/>
+          <a:p>
+            <a:r>
+              <a:rPr lang="nl-NL" b="1" dirty="0" err="1" smtClean="0"/>
+              <a:t>Twenty</a:t>
+            </a:r>
+            <a:r>
+              <a:rPr lang="nl-NL" b="1" dirty="0" smtClean="0"/>
+              <a:t>-Five </a:t>
+            </a:r>
+            <a:r>
+              <a:rPr lang="nl-NL" b="1" dirty="0" err="1" smtClean="0"/>
+              <a:t>Comparators</a:t>
+            </a:r>
+            <a:r>
+              <a:rPr lang="nl-NL" b="1" dirty="0" smtClean="0"/>
+              <a:t> is </a:t>
+            </a:r>
+            <a:r>
+              <a:rPr lang="nl-NL" b="1" dirty="0" err="1" smtClean="0"/>
+              <a:t>Optimal</a:t>
+            </a:r>
+            <a:r>
+              <a:rPr lang="nl-NL" b="1" dirty="0" smtClean="0"/>
+              <a:t> </a:t>
+            </a:r>
+            <a:r>
+              <a:rPr lang="nl-NL" b="1" dirty="0" err="1" smtClean="0"/>
+              <a:t>when</a:t>
+            </a:r>
+            <a:r>
+              <a:rPr lang="nl-NL" b="1" dirty="0" smtClean="0"/>
+              <a:t> </a:t>
+            </a:r>
+            <a:r>
+              <a:rPr lang="nl-NL" b="1" dirty="0" err="1" smtClean="0"/>
+              <a:t>Sorting</a:t>
+            </a:r>
+            <a:r>
+              <a:rPr lang="nl-NL" b="1" dirty="0" smtClean="0"/>
+              <a:t> </a:t>
+            </a:r>
+            <a:r>
+              <a:rPr lang="nl-NL" b="1" dirty="0" err="1" smtClean="0"/>
+              <a:t>Nine</a:t>
+            </a:r>
+            <a:r>
+              <a:rPr lang="nl-NL" b="1" dirty="0" smtClean="0"/>
+              <a:t> </a:t>
+            </a:r>
+            <a:r>
+              <a:rPr lang="nl-NL" b="1" dirty="0" err="1" smtClean="0"/>
+              <a:t>Inputs</a:t>
+            </a:r>
+            <a:r>
+              <a:rPr lang="nl-NL" b="1" dirty="0" smtClean="0"/>
+              <a:t> (</a:t>
+            </a:r>
+            <a:r>
+              <a:rPr lang="nl-NL" b="1" dirty="0" err="1" smtClean="0"/>
+              <a:t>and</a:t>
+            </a:r>
+            <a:r>
+              <a:rPr lang="nl-NL" b="1" dirty="0" smtClean="0"/>
+              <a:t> </a:t>
+            </a:r>
+            <a:r>
+              <a:rPr lang="nl-NL" b="1" dirty="0" err="1" smtClean="0"/>
+              <a:t>Twenty-Nine</a:t>
+            </a:r>
+            <a:r>
+              <a:rPr lang="nl-NL" b="1" dirty="0" smtClean="0"/>
+              <a:t> </a:t>
+            </a:r>
+            <a:r>
+              <a:rPr lang="nl-NL" b="1" dirty="0" err="1" smtClean="0"/>
+              <a:t>for</a:t>
+            </a:r>
+            <a:r>
+              <a:rPr lang="nl-NL" b="1" dirty="0" smtClean="0"/>
+              <a:t> Ten)</a:t>
+            </a:r>
+            <a:r>
+              <a:rPr lang="nl-NL" dirty="0" smtClean="0"/>
+              <a:t/>
+            </a:r>
+            <a:br>
+              <a:rPr lang="nl-NL" dirty="0" smtClean="0"/>
+            </a:br>
+            <a:r>
+              <a:rPr lang="nl-NL" dirty="0" smtClean="0"/>
+              <a:t>M</a:t>
+            </a:r>
+            <a:r>
+              <a:rPr lang="nl-NL" dirty="0" smtClean="0"/>
+              <a:t>. </a:t>
+            </a:r>
+            <a:r>
+              <a:rPr lang="nl-NL" dirty="0" err="1" smtClean="0"/>
+              <a:t>Codish</a:t>
+            </a:r>
+            <a:r>
+              <a:rPr lang="nl-NL" dirty="0" smtClean="0"/>
+              <a:t>, L. Cruz-</a:t>
+            </a:r>
+            <a:r>
+              <a:rPr lang="nl-NL" dirty="0" err="1" smtClean="0"/>
+              <a:t>Filipe</a:t>
+            </a:r>
+            <a:r>
+              <a:rPr lang="nl-NL" dirty="0" smtClean="0"/>
+              <a:t>, M. Frank, P. Schneider-</a:t>
+            </a:r>
+            <a:r>
+              <a:rPr lang="nl-NL" dirty="0" smtClean="0"/>
+              <a:t>Kamp</a:t>
+            </a:r>
+            <a:br>
+              <a:rPr lang="nl-NL" dirty="0" smtClean="0"/>
+            </a:br>
+            <a:r>
+              <a:rPr lang="nl-NL" dirty="0" smtClean="0"/>
+              <a:t>24 </a:t>
+            </a:r>
+            <a:r>
+              <a:rPr lang="nl-NL" dirty="0" smtClean="0"/>
+              <a:t>juni 2014.</a:t>
+            </a:r>
+          </a:p>
+          <a:p>
+            <a:r>
+              <a:rPr lang="nl-NL" b="1" dirty="0" err="1" smtClean="0"/>
+              <a:t>Sorting</a:t>
+            </a:r>
+            <a:r>
+              <a:rPr lang="nl-NL" b="1" dirty="0" smtClean="0"/>
+              <a:t> Networks </a:t>
+            </a:r>
+            <a:r>
+              <a:rPr lang="nl-NL" b="1" dirty="0" err="1" smtClean="0"/>
+              <a:t>and</a:t>
+            </a:r>
+            <a:r>
+              <a:rPr lang="nl-NL" b="1" dirty="0" smtClean="0"/>
+              <a:t> </a:t>
+            </a:r>
+            <a:r>
+              <a:rPr lang="nl-NL" b="1" dirty="0" err="1" smtClean="0"/>
+              <a:t>Their</a:t>
+            </a:r>
+            <a:r>
+              <a:rPr lang="nl-NL" b="1" dirty="0" smtClean="0"/>
+              <a:t> </a:t>
+            </a:r>
+            <a:r>
+              <a:rPr lang="nl-NL" b="1" dirty="0" smtClean="0"/>
+              <a:t>Applications</a:t>
+            </a:r>
+            <a:r>
+              <a:rPr lang="nl-NL" dirty="0"/>
+              <a:t/>
+            </a:r>
+            <a:br>
+              <a:rPr lang="nl-NL" dirty="0"/>
+            </a:br>
+            <a:r>
+              <a:rPr lang="nl-NL" dirty="0" smtClean="0"/>
+              <a:t>K.E. </a:t>
+            </a:r>
+            <a:r>
+              <a:rPr lang="nl-NL" dirty="0" err="1" smtClean="0"/>
+              <a:t>Batcher</a:t>
+            </a:r>
+            <a:r>
+              <a:rPr lang="nl-NL" dirty="0" smtClean="0"/>
+              <a:t/>
+            </a:r>
+            <a:br>
+              <a:rPr lang="nl-NL" dirty="0" smtClean="0"/>
+            </a:br>
+            <a:r>
+              <a:rPr lang="nl-NL" dirty="0" smtClean="0"/>
+              <a:t>2 mei 1968</a:t>
+            </a:r>
+          </a:p>
+          <a:p>
+            <a:r>
+              <a:rPr lang="nl-NL" b="1" dirty="0" err="1" smtClean="0"/>
+              <a:t>Bounds</a:t>
+            </a:r>
+            <a:r>
+              <a:rPr lang="nl-NL" b="1" dirty="0" smtClean="0"/>
+              <a:t> on the </a:t>
+            </a:r>
+            <a:r>
+              <a:rPr lang="nl-NL" b="1" dirty="0" err="1" smtClean="0"/>
+              <a:t>size</a:t>
+            </a:r>
+            <a:r>
+              <a:rPr lang="nl-NL" b="1" dirty="0" smtClean="0"/>
+              <a:t> of test sets </a:t>
+            </a:r>
+            <a:r>
+              <a:rPr lang="nl-NL" b="1" dirty="0" err="1" smtClean="0"/>
+              <a:t>for</a:t>
+            </a:r>
+            <a:r>
+              <a:rPr lang="nl-NL" b="1" dirty="0" smtClean="0"/>
+              <a:t> </a:t>
+            </a:r>
+            <a:r>
+              <a:rPr lang="nl-NL" b="1" dirty="0" err="1" smtClean="0"/>
+              <a:t>sorting</a:t>
+            </a:r>
+            <a:r>
+              <a:rPr lang="nl-NL" b="1" dirty="0" smtClean="0"/>
+              <a:t> </a:t>
+            </a:r>
+            <a:r>
+              <a:rPr lang="nl-NL" b="1" dirty="0" err="1" smtClean="0"/>
+              <a:t>and</a:t>
+            </a:r>
+            <a:r>
+              <a:rPr lang="nl-NL" b="1" dirty="0" smtClean="0"/>
+              <a:t> </a:t>
+            </a:r>
+            <a:r>
+              <a:rPr lang="nl-NL" b="1" dirty="0" err="1" smtClean="0"/>
+              <a:t>related</a:t>
+            </a:r>
+            <a:r>
+              <a:rPr lang="nl-NL" b="1" dirty="0" smtClean="0"/>
+              <a:t> </a:t>
+            </a:r>
+            <a:r>
+              <a:rPr lang="nl-NL" b="1" dirty="0" err="1" smtClean="0"/>
+              <a:t>networks</a:t>
+            </a:r>
+            <a:r>
+              <a:rPr lang="nl-NL" dirty="0" smtClean="0"/>
+              <a:t/>
+            </a:r>
+            <a:br>
+              <a:rPr lang="nl-NL" dirty="0" smtClean="0"/>
+            </a:br>
+            <a:r>
+              <a:rPr lang="nl-NL" dirty="0" smtClean="0"/>
+              <a:t>M. J. Chung, B. </a:t>
+            </a:r>
+            <a:r>
+              <a:rPr lang="nl-NL" dirty="0" err="1" smtClean="0"/>
+              <a:t>Ravikumar</a:t>
+            </a:r>
+            <a:r>
+              <a:rPr lang="nl-NL" dirty="0" smtClean="0"/>
+              <a:t/>
+            </a:r>
+            <a:br>
+              <a:rPr lang="nl-NL" dirty="0" smtClean="0"/>
+            </a:br>
+            <a:r>
+              <a:rPr lang="nl-NL" dirty="0" smtClean="0"/>
+              <a:t>1990.</a:t>
+            </a:r>
+          </a:p>
+          <a:p>
+            <a:r>
+              <a:rPr lang="nl-NL" b="1" dirty="0" err="1" smtClean="0"/>
+              <a:t>Sorting</a:t>
+            </a:r>
+            <a:r>
+              <a:rPr lang="nl-NL" b="1" dirty="0" smtClean="0"/>
+              <a:t> Networks: the End Game</a:t>
+            </a:r>
+            <a:br>
+              <a:rPr lang="nl-NL" b="1" dirty="0" smtClean="0"/>
+            </a:br>
+            <a:r>
+              <a:rPr lang="nl-NL" dirty="0" smtClean="0"/>
+              <a:t>M. </a:t>
+            </a:r>
+            <a:r>
+              <a:rPr lang="nl-NL" dirty="0" err="1" smtClean="0"/>
+              <a:t>Codish</a:t>
+            </a:r>
+            <a:r>
+              <a:rPr lang="nl-NL" dirty="0" smtClean="0"/>
+              <a:t>, L. Cruz-</a:t>
+            </a:r>
+            <a:r>
+              <a:rPr lang="nl-NL" dirty="0" err="1" smtClean="0"/>
+              <a:t>Filipe</a:t>
+            </a:r>
+            <a:r>
+              <a:rPr lang="nl-NL" dirty="0" smtClean="0"/>
+              <a:t>, P. Schneider-Kamp</a:t>
+            </a:r>
+            <a:br>
+              <a:rPr lang="nl-NL" dirty="0" smtClean="0"/>
+            </a:br>
+            <a:r>
+              <a:rPr lang="nl-NL" dirty="0" smtClean="0"/>
+              <a:t>24 november 2014.</a:t>
+            </a:r>
+            <a:endParaRPr lang="nl-NL" dirty="0"/>
+          </a:p>
+        </p:txBody>
+      </p:sp>
+    </p:spTree>
+    <p:extLst>
+      <p:ext uri="{BB962C8B-B14F-4D97-AF65-F5344CB8AC3E}">
+        <p14:creationId xmlns:p14="http://schemas.microsoft.com/office/powerpoint/2010/main" val="3644345602"/>
+      </p:ext>
+    </p:extLst>
+  </p:cSld>
+  <p:clrMapOvr>
+    <a:masterClrMapping/>
+  </p:clrMapOvr>
+  <p:timing>
+    <p:tnLst>
+      <p:par>
+        <p:cTn xmlns:p14="http://schemas.microsoft.com/office/powerpoint/2010/main" id="1" dur="indefinite" restart="never" nodeType="tmRoot"/>
+      </p:par>
+    </p:tnLst>
+  </p:timing>
+</p:sld>
+</file>
+
 <file path=ppt/slides/slide3.xml><?xml version="1.0" encoding="utf-8"?>
 <p:sld xmlns:a="http://schemas.openxmlformats.org/drawingml/2006/main" xmlns:r="http://schemas.openxmlformats.org/officeDocument/2006/relationships" xmlns:p="http://schemas.openxmlformats.org/presentationml/2006/main">
   <p:cSld>
@@ -11657,7 +13618,12 @@
             <p:ph sz="half" idx="2"/>
           </p:nvPr>
         </p:nvSpPr>
-        <p:spPr/>
+        <p:spPr>
+          <a:xfrm>
+            <a:off x="4583339" y="1981201"/>
+            <a:ext cx="3779612" cy="3975100"/>
+          </a:xfrm>
+        </p:spPr>
         <p:txBody>
           <a:bodyPr/>
           <a:lstStyle/>
@@ -11698,8 +13664,13 @@
             </a:r>
             <a:r>
               <a:rPr lang="nl-NL" dirty="0" smtClean="0"/>
-              <a:t>(a b)</a:t>
-            </a:r>
+              <a:t>(a b</a:t>
+            </a:r>
+            <a:r>
+              <a:rPr lang="nl-NL" dirty="0" smtClean="0"/>
+              <a:t>) met a &lt; b</a:t>
+            </a:r>
+            <a:endParaRPr lang="nl-NL" dirty="0" smtClean="0"/>
           </a:p>
           <a:p>
             <a:pPr lvl="1">
@@ -11707,9 +13678,22 @@
               <a:buChar char="Ø"/>
             </a:pPr>
             <a:r>
-              <a:rPr lang="nl-NL" dirty="0" smtClean="0"/>
-              <a:t>a &lt; b</a:t>
-            </a:r>
+              <a:rPr lang="nl-NL" dirty="0"/>
+              <a:t>w</a:t>
+            </a:r>
+            <a:r>
+              <a:rPr lang="nl-NL" dirty="0" smtClean="0"/>
+              <a:t>(a) </a:t>
+            </a:r>
+            <a:r>
+              <a:rPr lang="nl-NL" dirty="0" smtClean="0"/>
+              <a:t>&lt; </a:t>
+            </a:r>
+            <a:r>
+              <a:rPr lang="nl-NL" dirty="0" smtClean="0"/>
+              <a:t>w(b)</a:t>
+            </a:r>
+            <a:endParaRPr lang="nl-NL" dirty="0" smtClean="0"/>
           </a:p>
           <a:p>
             <a:pPr lvl="1">
@@ -11717,17 +13701,34 @@
               <a:buChar char="Ø"/>
             </a:pPr>
             <a:r>
-              <a:rPr lang="nl-NL" dirty="0" smtClean="0"/>
-              <a:t>a &gt; b:  a </a:t>
+              <a:rPr lang="nl-NL" dirty="0"/>
+              <a:t>w</a:t>
+            </a:r>
+            <a:r>
+              <a:rPr lang="nl-NL" dirty="0" smtClean="0"/>
+              <a:t>(a) </a:t>
+            </a:r>
+            <a:r>
+              <a:rPr lang="nl-NL" dirty="0" smtClean="0"/>
+              <a:t>&gt; </a:t>
+            </a:r>
+            <a:r>
+              <a:rPr lang="nl-NL" dirty="0" smtClean="0"/>
+              <a:t>w(b):  w(a) </a:t>
             </a:r>
             <a:r>
               <a:rPr lang="nl-BE" dirty="0" smtClean="0"/>
               <a:t>↔ </a:t>
             </a:r>
             <a:r>
-              <a:rPr lang="nl-NL" dirty="0" smtClean="0"/>
-              <a:t>b</a:t>
-            </a:r>
+              <a:rPr lang="nl-BE" dirty="0" smtClean="0"/>
+              <a:t>w(</a:t>
+            </a:r>
+            <a:r>
+              <a:rPr lang="nl-NL" dirty="0" smtClean="0"/>
+              <a:t>b)</a:t>
+            </a:r>
+            <a:endParaRPr lang="nl-NL" dirty="0" smtClean="0"/>
           </a:p>
         </p:txBody>
       </p:sp>
@@ -13003,13 +15004,13 @@
   <p:clrMapOvr>
     <a:masterClrMapping/>
   </p:clrMapOvr>
-  <mc:AlternateContent xmlns:mc="http://schemas.openxmlformats.org/markup-compatibility/2006">
-    <mc:Choice xmlns:p14="http://schemas.microsoft.com/office/powerpoint/2010/main" Requires="p14">
+  <mc:AlternateContent xmlns:mc="http://schemas.openxmlformats.org/markup-compatibility/2006" xmlns:p14="http://schemas.microsoft.com/office/powerpoint/2010/main">
+    <mc:Choice Requires="p14">
       <p:transition spd="med" p14:dur="700">
         <p:fade/>
       </p:transition>
     </mc:Choice>
-    <mc:Fallback>
+    <mc:Fallback xmlns="">
       <p:transition xmlns:p14="http://schemas.microsoft.com/office/powerpoint/2010/main" spd="med">
         <p:fade/>
       </p:transition>

--- a/PPP1_WV.pptx
+++ b/PPP1_WV.pptx
@@ -16638,8 +16638,8 @@
         </p:blipFill>
         <p:spPr bwMode="auto">
           <a:xfrm>
-            <a:off x="1576745" y="3492133"/>
-            <a:ext cx="5457110" cy="2477354"/>
+            <a:off x="876099" y="3615899"/>
+            <a:ext cx="4383555" cy="1989995"/>
           </a:xfrm>
           <a:prstGeom prst="rect">
             <a:avLst/>
@@ -16679,6 +16679,36 @@
           </a:p>
         </p:txBody>
       </p:sp>
+      <p:pic>
+        <p:nvPicPr>
+          <p:cNvPr id="6" name="Afbeelding 5" descr="150px-Sorting-network-comparator-demonstration.svg.png"/>
+          <p:cNvPicPr>
+            <a:picLocks noChangeAspect="1"/>
+          </p:cNvPicPr>
+          <p:nvPr/>
+        </p:nvPicPr>
+        <p:blipFill>
+          <a:blip r:embed="rId4">
+            <a:extLst>
+              <a:ext uri="{28A0092B-C50C-407E-A947-70E740481C1C}">
+                <a14:useLocalDpi xmlns:a14="http://schemas.microsoft.com/office/drawing/2010/main" val="0"/>
+              </a:ext>
+            </a:extLst>
+          </a:blip>
+          <a:stretch>
+            <a:fillRect/>
+          </a:stretch>
+        </p:blipFill>
+        <p:spPr>
+          <a:xfrm>
+            <a:off x="6005118" y="3060616"/>
+            <a:ext cx="2357833" cy="3033745"/>
+          </a:xfrm>
+          <a:prstGeom prst="rect">
+            <a:avLst/>
+          </a:prstGeom>
+        </p:spPr>
+      </p:pic>
     </p:spTree>
     <p:extLst>
       <p:ext uri="{BB962C8B-B14F-4D97-AF65-F5344CB8AC3E}">

--- a/PPP1_WV.pptx
+++ b/PPP1_WV.pptx
@@ -1235,6 +1235,13 @@
         </dgm:presLayoutVars>
       </dgm:prSet>
       <dgm:spPr/>
+      <dgm:t>
+        <a:bodyPr/>
+        <a:lstStyle/>
+        <a:p>
+          <a:endParaRPr lang="nl-NL"/>
+        </a:p>
+      </dgm:t>
     </dgm:pt>
     <dgm:pt modelId="{78E9F35C-5675-5146-8A12-C31144F6E846}" type="pres">
       <dgm:prSet presAssocID="{B2C66E7C-893D-BD41-A275-B8BEBB141401}" presName="hierFlow" presStyleCnt="0"/>
@@ -1280,6 +1287,13 @@
     <dgm:pt modelId="{B9DD53CE-3DBF-1C43-B531-C28F2971D87D}" type="pres">
       <dgm:prSet presAssocID="{21D2E0BC-CEFF-EF4F-BE28-D0862582451A}" presName="Name19" presStyleLbl="parChTrans1D2" presStyleIdx="0" presStyleCnt="2"/>
       <dgm:spPr/>
+      <dgm:t>
+        <a:bodyPr/>
+        <a:lstStyle/>
+        <a:p>
+          <a:endParaRPr lang="nl-NL"/>
+        </a:p>
+      </dgm:t>
     </dgm:pt>
     <dgm:pt modelId="{2E0EB8CE-D431-D34A-8665-0B18FA721A80}" type="pres">
       <dgm:prSet presAssocID="{C835C0D3-7D10-FF41-920B-34A3DA8A8472}" presName="Name21" presStyleCnt="0"/>
@@ -1303,6 +1317,13 @@
     <dgm:pt modelId="{488217F5-CE82-DF47-BEBA-A7166CE74F55}" type="pres">
       <dgm:prSet presAssocID="{A9FA45DC-E2C5-2D45-930B-B90B5BCFDA53}" presName="Name19" presStyleLbl="parChTrans1D2" presStyleIdx="1" presStyleCnt="2"/>
       <dgm:spPr/>
+      <dgm:t>
+        <a:bodyPr/>
+        <a:lstStyle/>
+        <a:p>
+          <a:endParaRPr lang="nl-NL"/>
+        </a:p>
+      </dgm:t>
     </dgm:pt>
     <dgm:pt modelId="{C04CE917-0B69-804B-851A-B47F40AE7E62}" type="pres">
       <dgm:prSet presAssocID="{42E90185-680B-D943-BA9F-376105B8980C}" presName="Name21" presStyleCnt="0"/>
@@ -1311,6 +1332,13 @@
     <dgm:pt modelId="{AC9F363B-6248-5944-B661-505A6E664FFD}" type="pres">
       <dgm:prSet presAssocID="{42E90185-680B-D943-BA9F-376105B8980C}" presName="level2Shape" presStyleLbl="node2" presStyleIdx="1" presStyleCnt="2" custScaleX="1999" custScaleY="2999"/>
       <dgm:spPr/>
+      <dgm:t>
+        <a:bodyPr/>
+        <a:lstStyle/>
+        <a:p>
+          <a:endParaRPr lang="nl-NL"/>
+        </a:p>
+      </dgm:t>
     </dgm:pt>
     <dgm:pt modelId="{92E276F5-2E23-C643-950B-958E7D28E200}" type="pres">
       <dgm:prSet presAssocID="{42E90185-680B-D943-BA9F-376105B8980C}" presName="hierChild3" presStyleCnt="0"/>
@@ -1319,6 +1347,13 @@
     <dgm:pt modelId="{450C5848-4019-C54D-B01D-F7DFF5426E87}" type="pres">
       <dgm:prSet presAssocID="{642C0FEA-7CB3-A049-8A28-EB1AA32AC2A8}" presName="Name19" presStyleLbl="parChTrans1D3" presStyleIdx="0" presStyleCnt="1"/>
       <dgm:spPr/>
+      <dgm:t>
+        <a:bodyPr/>
+        <a:lstStyle/>
+        <a:p>
+          <a:endParaRPr lang="nl-NL"/>
+        </a:p>
+      </dgm:t>
     </dgm:pt>
     <dgm:pt modelId="{1B7DB915-34EA-1D4C-942B-F7617CA00778}" type="pres">
       <dgm:prSet presAssocID="{AA0FCC43-EF8B-614E-AF00-57F8F98FF233}" presName="Name21" presStyleCnt="0"/>
@@ -1350,6 +1385,13 @@
     <dgm:pt modelId="{D2CE4296-4441-6742-9922-1C04B980F8E7}" type="pres">
       <dgm:prSet presAssocID="{FE9F9F81-3019-444B-B9E0-6BFC7AFC3AD2}" presName="bgRect" presStyleLbl="bgShp" presStyleIdx="0" presStyleCnt="3"/>
       <dgm:spPr/>
+      <dgm:t>
+        <a:bodyPr/>
+        <a:lstStyle/>
+        <a:p>
+          <a:endParaRPr lang="nl-NL"/>
+        </a:p>
+      </dgm:t>
     </dgm:pt>
     <dgm:pt modelId="{2B249C17-7471-584E-ADA3-C54612C85DC1}" type="pres">
       <dgm:prSet presAssocID="{FE9F9F81-3019-444B-B9E0-6BFC7AFC3AD2}" presName="bgRectTx" presStyleLbl="bgShp" presStyleIdx="0" presStyleCnt="3">
@@ -1358,6 +1400,13 @@
         </dgm:presLayoutVars>
       </dgm:prSet>
       <dgm:spPr/>
+      <dgm:t>
+        <a:bodyPr/>
+        <a:lstStyle/>
+        <a:p>
+          <a:endParaRPr lang="nl-NL"/>
+        </a:p>
+      </dgm:t>
     </dgm:pt>
     <dgm:pt modelId="{55494D9C-75AA-2A47-A56A-B2B878E1893C}" type="pres">
       <dgm:prSet presAssocID="{FE9F9F81-3019-444B-B9E0-6BFC7AFC3AD2}" presName="spComp" presStyleCnt="0"/>
@@ -1412,6 +1461,13 @@
     <dgm:pt modelId="{339D88F6-9E8D-BB4A-8298-FBBA56797CB8}" type="pres">
       <dgm:prSet presAssocID="{C47D10F9-DB07-F947-A0A8-14C413FFC716}" presName="bgRect" presStyleLbl="bgShp" presStyleIdx="2" presStyleCnt="3"/>
       <dgm:spPr/>
+      <dgm:t>
+        <a:bodyPr/>
+        <a:lstStyle/>
+        <a:p>
+          <a:endParaRPr lang="nl-NL"/>
+        </a:p>
+      </dgm:t>
     </dgm:pt>
     <dgm:pt modelId="{23174130-BDEA-7A45-8C4F-B4B5A1DDDE33}" type="pres">
       <dgm:prSet presAssocID="{C47D10F9-DB07-F947-A0A8-14C413FFC716}" presName="bgRectTx" presStyleLbl="bgShp" presStyleIdx="2" presStyleCnt="3">
@@ -1420,30 +1476,37 @@
         </dgm:presLayoutVars>
       </dgm:prSet>
       <dgm:spPr/>
+      <dgm:t>
+        <a:bodyPr/>
+        <a:lstStyle/>
+        <a:p>
+          <a:endParaRPr lang="nl-NL"/>
+        </a:p>
+      </dgm:t>
     </dgm:pt>
   </dgm:ptLst>
   <dgm:cxnLst>
+    <dgm:cxn modelId="{B4D07139-E34A-9044-935B-E16051F5CC69}" type="presOf" srcId="{642C0FEA-7CB3-A049-8A28-EB1AA32AC2A8}" destId="{450C5848-4019-C54D-B01D-F7DFF5426E87}" srcOrd="0" destOrd="0" presId="urn:microsoft.com/office/officeart/2005/8/layout/hierarchy6"/>
+    <dgm:cxn modelId="{9FECF53E-8FBD-E146-9E90-B92125BB2910}" type="presOf" srcId="{420ED882-B3C4-E142-9666-93115A4EA0E8}" destId="{05D5BD09-1392-6649-9C17-BB058BAD39C7}" srcOrd="1" destOrd="0" presId="urn:microsoft.com/office/officeart/2005/8/layout/hierarchy6"/>
+    <dgm:cxn modelId="{46C9B773-924A-7749-8EFC-A9332DDFCABB}" type="presOf" srcId="{C835C0D3-7D10-FF41-920B-34A3DA8A8472}" destId="{C58D1304-76FB-F740-AC76-EAFEFF48D178}" srcOrd="0" destOrd="0" presId="urn:microsoft.com/office/officeart/2005/8/layout/hierarchy6"/>
+    <dgm:cxn modelId="{8C227950-6A67-7E4F-86EF-EF9801B9C82A}" srcId="{53D0E2FF-F7F8-CA42-8DCC-705970D0E6D4}" destId="{42E90185-680B-D943-BA9F-376105B8980C}" srcOrd="1" destOrd="0" parTransId="{A9FA45DC-E2C5-2D45-930B-B90B5BCFDA53}" sibTransId="{6E30EA07-75F1-7343-8301-A786F02EB3A4}"/>
+    <dgm:cxn modelId="{56038FF0-E5A3-4643-8843-E62CE1F136BB}" type="presOf" srcId="{FE9F9F81-3019-444B-B9E0-6BFC7AFC3AD2}" destId="{2B249C17-7471-584E-ADA3-C54612C85DC1}" srcOrd="1" destOrd="0" presId="urn:microsoft.com/office/officeart/2005/8/layout/hierarchy6"/>
+    <dgm:cxn modelId="{B533F23C-7FC9-3549-A832-8C0520A39E25}" srcId="{42E90185-680B-D943-BA9F-376105B8980C}" destId="{AA0FCC43-EF8B-614E-AF00-57F8F98FF233}" srcOrd="0" destOrd="0" parTransId="{642C0FEA-7CB3-A049-8A28-EB1AA32AC2A8}" sibTransId="{77C4A083-866B-8C48-9B9C-92838280E010}"/>
+    <dgm:cxn modelId="{BD1327BD-D8E2-F948-9C6B-14CEB4EE19DB}" type="presOf" srcId="{21D2E0BC-CEFF-EF4F-BE28-D0862582451A}" destId="{B9DD53CE-3DBF-1C43-B531-C28F2971D87D}" srcOrd="0" destOrd="0" presId="urn:microsoft.com/office/officeart/2005/8/layout/hierarchy6"/>
+    <dgm:cxn modelId="{7E6AE403-F799-8548-B360-916628C3E243}" type="presOf" srcId="{420ED882-B3C4-E142-9666-93115A4EA0E8}" destId="{5909C020-AE44-3F43-A68C-AAD8A037DBA2}" srcOrd="0" destOrd="0" presId="urn:microsoft.com/office/officeart/2005/8/layout/hierarchy6"/>
+    <dgm:cxn modelId="{5476447D-2EF8-A941-8A42-CAA0795053FB}" type="presOf" srcId="{AA0FCC43-EF8B-614E-AF00-57F8F98FF233}" destId="{4D30D259-3323-5A4F-BEA9-572EC9D45156}" srcOrd="0" destOrd="0" presId="urn:microsoft.com/office/officeart/2005/8/layout/hierarchy6"/>
+    <dgm:cxn modelId="{AAC7494C-17D3-164D-A3CC-6F60445C3698}" type="presOf" srcId="{C47D10F9-DB07-F947-A0A8-14C413FFC716}" destId="{339D88F6-9E8D-BB4A-8298-FBBA56797CB8}" srcOrd="0" destOrd="0" presId="urn:microsoft.com/office/officeart/2005/8/layout/hierarchy6"/>
+    <dgm:cxn modelId="{07B48913-EA1D-FF44-A5BD-CCC3B913A350}" srcId="{B2C66E7C-893D-BD41-A275-B8BEBB141401}" destId="{FE9F9F81-3019-444B-B9E0-6BFC7AFC3AD2}" srcOrd="1" destOrd="0" parTransId="{856C76D3-A8B1-4A4F-8562-63035C0FE725}" sibTransId="{724A40FD-5471-1946-874E-9E858CE07D0E}"/>
+    <dgm:cxn modelId="{F6C9C4B3-B7C5-1942-BE25-C8CA9BD2D10C}" srcId="{53D0E2FF-F7F8-CA42-8DCC-705970D0E6D4}" destId="{C835C0D3-7D10-FF41-920B-34A3DA8A8472}" srcOrd="0" destOrd="0" parTransId="{21D2E0BC-CEFF-EF4F-BE28-D0862582451A}" sibTransId="{6563503A-7CEE-1A41-BE70-5534109FC6AA}"/>
+    <dgm:cxn modelId="{396FCC40-197F-9744-901F-2A2F881EBF97}" type="presOf" srcId="{A9FA45DC-E2C5-2D45-930B-B90B5BCFDA53}" destId="{488217F5-CE82-DF47-BEBA-A7166CE74F55}" srcOrd="0" destOrd="0" presId="urn:microsoft.com/office/officeart/2005/8/layout/hierarchy6"/>
+    <dgm:cxn modelId="{E59AA179-C601-C84C-8614-DB4BD19ACCA3}" srcId="{B2C66E7C-893D-BD41-A275-B8BEBB141401}" destId="{420ED882-B3C4-E142-9666-93115A4EA0E8}" srcOrd="2" destOrd="0" parTransId="{A5767999-C640-B949-A240-73723440CF6B}" sibTransId="{1CDDC529-D593-A44D-8340-ED9B9BAAEBBE}"/>
+    <dgm:cxn modelId="{F214B193-D384-2248-A0A0-94210908B0D1}" type="presOf" srcId="{53D0E2FF-F7F8-CA42-8DCC-705970D0E6D4}" destId="{13EDADE2-372B-0941-9C5F-7D3A46CE55F8}" srcOrd="0" destOrd="0" presId="urn:microsoft.com/office/officeart/2005/8/layout/hierarchy6"/>
+    <dgm:cxn modelId="{406C5AB1-38A0-DA48-97F4-A519483D05BE}" type="presOf" srcId="{FE9F9F81-3019-444B-B9E0-6BFC7AFC3AD2}" destId="{D2CE4296-4441-6742-9922-1C04B980F8E7}" srcOrd="0" destOrd="0" presId="urn:microsoft.com/office/officeart/2005/8/layout/hierarchy6"/>
     <dgm:cxn modelId="{BE90FBFE-B457-2D40-9140-6DB650768716}" type="presOf" srcId="{42E90185-680B-D943-BA9F-376105B8980C}" destId="{AC9F363B-6248-5944-B661-505A6E664FFD}" srcOrd="0" destOrd="0" presId="urn:microsoft.com/office/officeart/2005/8/layout/hierarchy6"/>
-    <dgm:cxn modelId="{BD1327BD-D8E2-F948-9C6B-14CEB4EE19DB}" type="presOf" srcId="{21D2E0BC-CEFF-EF4F-BE28-D0862582451A}" destId="{B9DD53CE-3DBF-1C43-B531-C28F2971D87D}" srcOrd="0" destOrd="0" presId="urn:microsoft.com/office/officeart/2005/8/layout/hierarchy6"/>
-    <dgm:cxn modelId="{396FCC40-197F-9744-901F-2A2F881EBF97}" type="presOf" srcId="{A9FA45DC-E2C5-2D45-930B-B90B5BCFDA53}" destId="{488217F5-CE82-DF47-BEBA-A7166CE74F55}" srcOrd="0" destOrd="0" presId="urn:microsoft.com/office/officeart/2005/8/layout/hierarchy6"/>
-    <dgm:cxn modelId="{F214B193-D384-2248-A0A0-94210908B0D1}" type="presOf" srcId="{53D0E2FF-F7F8-CA42-8DCC-705970D0E6D4}" destId="{13EDADE2-372B-0941-9C5F-7D3A46CE55F8}" srcOrd="0" destOrd="0" presId="urn:microsoft.com/office/officeart/2005/8/layout/hierarchy6"/>
-    <dgm:cxn modelId="{56038FF0-E5A3-4643-8843-E62CE1F136BB}" type="presOf" srcId="{FE9F9F81-3019-444B-B9E0-6BFC7AFC3AD2}" destId="{2B249C17-7471-584E-ADA3-C54612C85DC1}" srcOrd="1" destOrd="0" presId="urn:microsoft.com/office/officeart/2005/8/layout/hierarchy6"/>
-    <dgm:cxn modelId="{07B48913-EA1D-FF44-A5BD-CCC3B913A350}" srcId="{B2C66E7C-893D-BD41-A275-B8BEBB141401}" destId="{FE9F9F81-3019-444B-B9E0-6BFC7AFC3AD2}" srcOrd="1" destOrd="0" parTransId="{856C76D3-A8B1-4A4F-8562-63035C0FE725}" sibTransId="{724A40FD-5471-1946-874E-9E858CE07D0E}"/>
-    <dgm:cxn modelId="{E59AA179-C601-C84C-8614-DB4BD19ACCA3}" srcId="{B2C66E7C-893D-BD41-A275-B8BEBB141401}" destId="{420ED882-B3C4-E142-9666-93115A4EA0E8}" srcOrd="2" destOrd="0" parTransId="{A5767999-C640-B949-A240-73723440CF6B}" sibTransId="{1CDDC529-D593-A44D-8340-ED9B9BAAEBBE}"/>
-    <dgm:cxn modelId="{8C227950-6A67-7E4F-86EF-EF9801B9C82A}" srcId="{53D0E2FF-F7F8-CA42-8DCC-705970D0E6D4}" destId="{42E90185-680B-D943-BA9F-376105B8980C}" srcOrd="1" destOrd="0" parTransId="{A9FA45DC-E2C5-2D45-930B-B90B5BCFDA53}" sibTransId="{6E30EA07-75F1-7343-8301-A786F02EB3A4}"/>
-    <dgm:cxn modelId="{46C9B773-924A-7749-8EFC-A9332DDFCABB}" type="presOf" srcId="{C835C0D3-7D10-FF41-920B-34A3DA8A8472}" destId="{C58D1304-76FB-F740-AC76-EAFEFF48D178}" srcOrd="0" destOrd="0" presId="urn:microsoft.com/office/officeart/2005/8/layout/hierarchy6"/>
     <dgm:cxn modelId="{9F3E40BB-7EB2-C546-9B9E-FD096223E726}" type="presOf" srcId="{B2C66E7C-893D-BD41-A275-B8BEBB141401}" destId="{6D612A36-2EC1-8E42-B1C5-60C380E55B59}" srcOrd="0" destOrd="0" presId="urn:microsoft.com/office/officeart/2005/8/layout/hierarchy6"/>
-    <dgm:cxn modelId="{F6C9C4B3-B7C5-1942-BE25-C8CA9BD2D10C}" srcId="{53D0E2FF-F7F8-CA42-8DCC-705970D0E6D4}" destId="{C835C0D3-7D10-FF41-920B-34A3DA8A8472}" srcOrd="0" destOrd="0" parTransId="{21D2E0BC-CEFF-EF4F-BE28-D0862582451A}" sibTransId="{6563503A-7CEE-1A41-BE70-5534109FC6AA}"/>
+    <dgm:cxn modelId="{220E72FB-90C5-974C-B305-A5ACD6558448}" srcId="{B2C66E7C-893D-BD41-A275-B8BEBB141401}" destId="{53D0E2FF-F7F8-CA42-8DCC-705970D0E6D4}" srcOrd="0" destOrd="0" parTransId="{9D5151E8-AC2C-2A41-9465-2B07F8FBDC4F}" sibTransId="{3B50DB19-85BA-F94E-8C77-8FBE56A0F1FC}"/>
     <dgm:cxn modelId="{2E3F4924-3227-B147-A628-F85B8ABB0E56}" type="presOf" srcId="{C47D10F9-DB07-F947-A0A8-14C413FFC716}" destId="{23174130-BDEA-7A45-8C4F-B4B5A1DDDE33}" srcOrd="1" destOrd="0" presId="urn:microsoft.com/office/officeart/2005/8/layout/hierarchy6"/>
     <dgm:cxn modelId="{92F3A686-5606-F245-8745-65643A3B60BB}" srcId="{B2C66E7C-893D-BD41-A275-B8BEBB141401}" destId="{C47D10F9-DB07-F947-A0A8-14C413FFC716}" srcOrd="3" destOrd="0" parTransId="{E4217A31-F8E8-2347-9354-B2DD216F7F4C}" sibTransId="{DF17F940-C385-8C4E-BEA8-8205F0E62BAF}"/>
-    <dgm:cxn modelId="{5476447D-2EF8-A941-8A42-CAA0795053FB}" type="presOf" srcId="{AA0FCC43-EF8B-614E-AF00-57F8F98FF233}" destId="{4D30D259-3323-5A4F-BEA9-572EC9D45156}" srcOrd="0" destOrd="0" presId="urn:microsoft.com/office/officeart/2005/8/layout/hierarchy6"/>
-    <dgm:cxn modelId="{B533F23C-7FC9-3549-A832-8C0520A39E25}" srcId="{42E90185-680B-D943-BA9F-376105B8980C}" destId="{AA0FCC43-EF8B-614E-AF00-57F8F98FF233}" srcOrd="0" destOrd="0" parTransId="{642C0FEA-7CB3-A049-8A28-EB1AA32AC2A8}" sibTransId="{77C4A083-866B-8C48-9B9C-92838280E010}"/>
-    <dgm:cxn modelId="{406C5AB1-38A0-DA48-97F4-A519483D05BE}" type="presOf" srcId="{FE9F9F81-3019-444B-B9E0-6BFC7AFC3AD2}" destId="{D2CE4296-4441-6742-9922-1C04B980F8E7}" srcOrd="0" destOrd="0" presId="urn:microsoft.com/office/officeart/2005/8/layout/hierarchy6"/>
-    <dgm:cxn modelId="{9FECF53E-8FBD-E146-9E90-B92125BB2910}" type="presOf" srcId="{420ED882-B3C4-E142-9666-93115A4EA0E8}" destId="{05D5BD09-1392-6649-9C17-BB058BAD39C7}" srcOrd="1" destOrd="0" presId="urn:microsoft.com/office/officeart/2005/8/layout/hierarchy6"/>
-    <dgm:cxn modelId="{7E6AE403-F799-8548-B360-916628C3E243}" type="presOf" srcId="{420ED882-B3C4-E142-9666-93115A4EA0E8}" destId="{5909C020-AE44-3F43-A68C-AAD8A037DBA2}" srcOrd="0" destOrd="0" presId="urn:microsoft.com/office/officeart/2005/8/layout/hierarchy6"/>
-    <dgm:cxn modelId="{220E72FB-90C5-974C-B305-A5ACD6558448}" srcId="{B2C66E7C-893D-BD41-A275-B8BEBB141401}" destId="{53D0E2FF-F7F8-CA42-8DCC-705970D0E6D4}" srcOrd="0" destOrd="0" parTransId="{9D5151E8-AC2C-2A41-9465-2B07F8FBDC4F}" sibTransId="{3B50DB19-85BA-F94E-8C77-8FBE56A0F1FC}"/>
-    <dgm:cxn modelId="{AAC7494C-17D3-164D-A3CC-6F60445C3698}" type="presOf" srcId="{C47D10F9-DB07-F947-A0A8-14C413FFC716}" destId="{339D88F6-9E8D-BB4A-8298-FBBA56797CB8}" srcOrd="0" destOrd="0" presId="urn:microsoft.com/office/officeart/2005/8/layout/hierarchy6"/>
-    <dgm:cxn modelId="{B4D07139-E34A-9044-935B-E16051F5CC69}" type="presOf" srcId="{642C0FEA-7CB3-A049-8A28-EB1AA32AC2A8}" destId="{450C5848-4019-C54D-B01D-F7DFF5426E87}" srcOrd="0" destOrd="0" presId="urn:microsoft.com/office/officeart/2005/8/layout/hierarchy6"/>
     <dgm:cxn modelId="{DF1D29AB-57B3-5B48-A0E2-73EE49B0D867}" type="presParOf" srcId="{6D612A36-2EC1-8E42-B1C5-60C380E55B59}" destId="{78E9F35C-5675-5146-8A12-C31144F6E846}" srcOrd="0" destOrd="0" presId="urn:microsoft.com/office/officeart/2005/8/layout/hierarchy6"/>
     <dgm:cxn modelId="{1861BA35-C9E9-E240-B535-B6FD6FB4A317}" type="presParOf" srcId="{78E9F35C-5675-5146-8A12-C31144F6E846}" destId="{C8F65946-3037-FF45-B4A4-D06BD2A5BE7C}" srcOrd="0" destOrd="0" presId="urn:microsoft.com/office/officeart/2005/8/layout/hierarchy6"/>
     <dgm:cxn modelId="{579C86BF-0CA3-584D-89BA-0C073C0D2666}" type="presParOf" srcId="{78E9F35C-5675-5146-8A12-C31144F6E846}" destId="{DFDCB30D-454B-E940-901D-A8D2CD94CE26}" srcOrd="1" destOrd="0" presId="urn:microsoft.com/office/officeart/2005/8/layout/hierarchy6"/>
@@ -3915,7 +3978,7 @@
           <a:p>
             <a:fld id="{E2865B6A-A572-6A49-9497-876CFF488E2C}" type="datetimeFigureOut">
               <a:rPr lang="nl-NL" smtClean="0"/>
-              <a:t>6/11/15</a:t>
+              <a:t>7/11/15</a:t>
             </a:fld>
             <a:endParaRPr lang="nl-NL"/>
           </a:p>
@@ -4081,7 +4144,7 @@
           <a:p>
             <a:fld id="{9AFCC6B9-8706-0F4D-A3CC-6A72CC9B9592}" type="datetimeFigureOut">
               <a:rPr lang="nl-NL" smtClean="0"/>
-              <a:t>6/11/15</a:t>
+              <a:t>7/11/15</a:t>
             </a:fld>
             <a:endParaRPr lang="nl-NL"/>
           </a:p>
@@ -5843,11 +5906,7 @@
             </a:br>
             <a:r>
               <a:rPr lang="nl-BE" dirty="0" smtClean="0"/>
-              <a:t>w</a:t>
-            </a:r>
-            <a:r>
-              <a:rPr lang="nl-BE" dirty="0" smtClean="0"/>
-              <a:t>(</a:t>
+              <a:t>w(</a:t>
             </a:r>
             <a:r>
               <a:rPr lang="nl-BE" baseline="0" dirty="0" smtClean="0"/>
@@ -5960,7 +6019,6 @@
               <a:rPr lang="nl-BE" baseline="0" dirty="0" smtClean="0"/>
               <a:t>De tekstuele voorstelling </a:t>
             </a:r>
-            <a:endParaRPr lang="nl-BE" baseline="0" dirty="0" smtClean="0"/>
           </a:p>
         </p:txBody>
       </p:sp>
@@ -6811,7 +6869,7 @@
           <a:p>
             <a:fld id="{2EDFC153-0A04-BA4E-8141-1BF6FB7F6A2C}" type="datetime1">
               <a:rPr lang="nl-BE" smtClean="0"/>
-              <a:t>6/11/15</a:t>
+              <a:t>7/11/15</a:t>
             </a:fld>
             <a:endParaRPr lang="nl-NL"/>
           </a:p>
@@ -7240,7 +7298,7 @@
           <a:p>
             <a:fld id="{EA46CFA9-1D25-C744-AB8F-76EE975136C8}" type="datetime1">
               <a:rPr lang="nl-BE" smtClean="0"/>
-              <a:t>6/11/15</a:t>
+              <a:t>7/11/15</a:t>
             </a:fld>
             <a:endParaRPr lang="nl-NL"/>
           </a:p>
@@ -7445,7 +7503,7 @@
           <a:p>
             <a:fld id="{7247E15F-9161-1640-BD7E-F38AB8AAD6C7}" type="datetime1">
               <a:rPr lang="nl-BE" smtClean="0"/>
-              <a:t>6/11/15</a:t>
+              <a:t>7/11/15</a:t>
             </a:fld>
             <a:endParaRPr lang="nl-NL"/>
           </a:p>
@@ -7716,7 +7774,7 @@
           <a:p>
             <a:fld id="{AF3C91E2-930E-954C-AFE3-A263E1094596}" type="datetime1">
               <a:rPr lang="nl-BE" smtClean="0"/>
-              <a:t>6/11/15</a:t>
+              <a:t>7/11/15</a:t>
             </a:fld>
             <a:endParaRPr lang="nl-NL"/>
           </a:p>
@@ -7997,7 +8055,7 @@
           <a:p>
             <a:fld id="{EF757EBF-1FD2-5743-ADA6-802C60F520E6}" type="datetime1">
               <a:rPr lang="nl-BE" smtClean="0"/>
-              <a:t>6/11/15</a:t>
+              <a:t>7/11/15</a:t>
             </a:fld>
             <a:endParaRPr lang="nl-NL"/>
           </a:p>
@@ -8232,7 +8290,7 @@
           <a:p>
             <a:fld id="{9C2298F6-96DE-3A48-8D75-B6ED2E032514}" type="datetime1">
               <a:rPr lang="nl-BE" smtClean="0"/>
-              <a:t>6/11/15</a:t>
+              <a:t>7/11/15</a:t>
             </a:fld>
             <a:endParaRPr lang="nl-NL"/>
           </a:p>
@@ -8513,7 +8571,7 @@
           <a:p>
             <a:fld id="{D80A9105-2D92-D140-9401-B6B2B4E0474F}" type="datetime1">
               <a:rPr lang="nl-BE" smtClean="0"/>
-              <a:t>6/11/15</a:t>
+              <a:t>7/11/15</a:t>
             </a:fld>
             <a:endParaRPr lang="nl-NL"/>
           </a:p>
@@ -8940,7 +8998,7 @@
           <a:p>
             <a:fld id="{A030C3C0-DD13-764B-AD62-C0D32A684DFE}" type="datetime1">
               <a:rPr lang="nl-BE" smtClean="0"/>
-              <a:t>6/11/15</a:t>
+              <a:t>7/11/15</a:t>
             </a:fld>
             <a:endParaRPr lang="nl-NL"/>
           </a:p>
@@ -9463,7 +9521,7 @@
           <a:p>
             <a:fld id="{7D15289D-F6C3-F442-A73A-46A4E1DD7935}" type="datetime1">
               <a:rPr lang="nl-BE" smtClean="0"/>
-              <a:t>6/11/15</a:t>
+              <a:t>7/11/15</a:t>
             </a:fld>
             <a:endParaRPr lang="nl-NL"/>
           </a:p>
@@ -9825,7 +9883,7 @@
           <a:p>
             <a:fld id="{7649E866-252E-EA4C-BDA7-8FD6419C4ED8}" type="datetime1">
               <a:rPr lang="nl-BE" smtClean="0"/>
-              <a:t>6/11/15</a:t>
+              <a:t>7/11/15</a:t>
             </a:fld>
             <a:endParaRPr lang="nl-NL"/>
           </a:p>
@@ -10381,7 +10439,7 @@
           <a:p>
             <a:fld id="{140AB75C-0F83-D948-B9EC-7ECE3030D706}" type="datetime1">
               <a:rPr lang="nl-BE" smtClean="0"/>
-              <a:t>6/11/15</a:t>
+              <a:t>7/11/15</a:t>
             </a:fld>
             <a:endParaRPr lang="nl-NL"/>
           </a:p>
@@ -10606,7 +10664,7 @@
           <a:p>
             <a:fld id="{4F9050E8-DC1A-6C45-BDBE-A940FCD72D21}" type="datetime1">
               <a:rPr lang="nl-BE" smtClean="0"/>
-              <a:t>6/11/15</a:t>
+              <a:t>7/11/15</a:t>
             </a:fld>
             <a:endParaRPr lang="nl-NL"/>
           </a:p>
@@ -10752,7 +10810,7 @@
           <a:p>
             <a:fld id="{17691BFA-472B-FB42-9118-FB47F7BA5917}" type="datetime1">
               <a:rPr lang="nl-BE" smtClean="0"/>
-              <a:t>6/11/15</a:t>
+              <a:t>7/11/15</a:t>
             </a:fld>
             <a:endParaRPr lang="nl-NL"/>
           </a:p>
@@ -11217,7 +11275,7 @@
           <a:p>
             <a:fld id="{1D83D387-81E7-B943-A58F-9D33FAAFEC7C}" type="datetime1">
               <a:rPr lang="nl-BE" smtClean="0"/>
-              <a:t>6/11/15</a:t>
+              <a:t>7/11/15</a:t>
             </a:fld>
             <a:endParaRPr lang="nl-NL"/>
           </a:p>
@@ -11439,7 +11497,7 @@
           <a:p>
             <a:fld id="{6396F903-1DA5-254A-90F8-70882336A6D9}" type="datetime1">
               <a:rPr lang="nl-BE" smtClean="0"/>
-              <a:t>6/11/15</a:t>
+              <a:t>7/11/15</a:t>
             </a:fld>
             <a:endParaRPr lang="nl-NL"/>
           </a:p>
@@ -11979,13 +12037,13 @@
   <p:clrMapOvr>
     <a:masterClrMapping/>
   </p:clrMapOvr>
-  <mc:AlternateContent xmlns:mc="http://schemas.openxmlformats.org/markup-compatibility/2006">
-    <mc:Choice xmlns:p14="http://schemas.microsoft.com/office/powerpoint/2010/main" Requires="p14">
+  <mc:AlternateContent xmlns:mc="http://schemas.openxmlformats.org/markup-compatibility/2006" xmlns:p14="http://schemas.microsoft.com/office/powerpoint/2010/main">
+    <mc:Choice Requires="p14">
       <p:transition spd="med" p14:dur="700">
         <p:fade/>
       </p:transition>
     </mc:Choice>
-    <mc:Fallback>
+    <mc:Fallback xmlns="">
       <p:transition xmlns:p14="http://schemas.microsoft.com/office/powerpoint/2010/main" spd="med">
         <p:fade/>
       </p:transition>
@@ -12219,13 +12277,13 @@
   <p:clrMapOvr>
     <a:masterClrMapping/>
   </p:clrMapOvr>
-  <mc:AlternateContent xmlns:mc="http://schemas.openxmlformats.org/markup-compatibility/2006">
-    <mc:Choice xmlns:p14="http://schemas.microsoft.com/office/powerpoint/2010/main" Requires="p14">
+  <mc:AlternateContent xmlns:mc="http://schemas.openxmlformats.org/markup-compatibility/2006" xmlns:p14="http://schemas.microsoft.com/office/powerpoint/2010/main">
+    <mc:Choice Requires="p14">
       <p:transition spd="med" p14:dur="700">
         <p:fade/>
       </p:transition>
     </mc:Choice>
-    <mc:Fallback>
+    <mc:Fallback xmlns="">
       <p:transition xmlns:p14="http://schemas.microsoft.com/office/powerpoint/2010/main" spd="med">
         <p:fade/>
       </p:transition>
@@ -12234,7 +12292,387 @@
   <p:timing>
     <p:tnLst>
       <p:par>
-        <p:cTn xmlns:p14="http://schemas.microsoft.com/office/powerpoint/2010/main" id="1" dur="indefinite" restart="never" nodeType="tmRoot"/>
+        <p:cTn xmlns:p14="http://schemas.microsoft.com/office/powerpoint/2010/main" id="1" dur="indefinite" restart="never" nodeType="tmRoot">
+          <p:childTnLst>
+            <p:seq concurrent="1" nextAc="seek">
+              <p:cTn id="2" dur="indefinite" nodeType="mainSeq">
+                <p:childTnLst>
+                  <p:par>
+                    <p:cTn id="3" fill="hold">
+                      <p:stCondLst>
+                        <p:cond delay="indefinite"/>
+                      </p:stCondLst>
+                      <p:childTnLst>
+                        <p:par>
+                          <p:cTn id="4" fill="hold">
+                            <p:stCondLst>
+                              <p:cond delay="0"/>
+                            </p:stCondLst>
+                            <p:childTnLst>
+                              <p:par>
+                                <p:cTn id="5" presetID="10" presetClass="entr" presetSubtype="0" fill="hold" nodeType="clickEffect">
+                                  <p:stCondLst>
+                                    <p:cond delay="0"/>
+                                  </p:stCondLst>
+                                  <p:childTnLst>
+                                    <p:set>
+                                      <p:cBhvr>
+                                        <p:cTn id="6" dur="1" fill="hold">
+                                          <p:stCondLst>
+                                            <p:cond delay="0"/>
+                                          </p:stCondLst>
+                                        </p:cTn>
+                                        <p:tgtEl>
+                                          <p:spTgt spid="3">
+                                            <p:txEl>
+                                              <p:pRg st="0" end="0"/>
+                                            </p:txEl>
+                                          </p:spTgt>
+                                        </p:tgtEl>
+                                        <p:attrNameLst>
+                                          <p:attrName>style.visibility</p:attrName>
+                                        </p:attrNameLst>
+                                      </p:cBhvr>
+                                      <p:to>
+                                        <p:strVal val="visible"/>
+                                      </p:to>
+                                    </p:set>
+                                    <p:animEffect transition="in" filter="fade">
+                                      <p:cBhvr>
+                                        <p:cTn id="7" dur="500"/>
+                                        <p:tgtEl>
+                                          <p:spTgt spid="3">
+                                            <p:txEl>
+                                              <p:pRg st="0" end="0"/>
+                                            </p:txEl>
+                                          </p:spTgt>
+                                        </p:tgtEl>
+                                      </p:cBhvr>
+                                    </p:animEffect>
+                                  </p:childTnLst>
+                                </p:cTn>
+                              </p:par>
+                              <p:par>
+                                <p:cTn id="8" presetID="10" presetClass="entr" presetSubtype="0" fill="hold" nodeType="withEffect">
+                                  <p:stCondLst>
+                                    <p:cond delay="0"/>
+                                  </p:stCondLst>
+                                  <p:childTnLst>
+                                    <p:set>
+                                      <p:cBhvr>
+                                        <p:cTn id="9" dur="1" fill="hold">
+                                          <p:stCondLst>
+                                            <p:cond delay="0"/>
+                                          </p:stCondLst>
+                                        </p:cTn>
+                                        <p:tgtEl>
+                                          <p:spTgt spid="8"/>
+                                        </p:tgtEl>
+                                        <p:attrNameLst>
+                                          <p:attrName>style.visibility</p:attrName>
+                                        </p:attrNameLst>
+                                      </p:cBhvr>
+                                      <p:to>
+                                        <p:strVal val="visible"/>
+                                      </p:to>
+                                    </p:set>
+                                    <p:animEffect transition="in" filter="fade">
+                                      <p:cBhvr>
+                                        <p:cTn id="10" dur="500"/>
+                                        <p:tgtEl>
+                                          <p:spTgt spid="8"/>
+                                        </p:tgtEl>
+                                      </p:cBhvr>
+                                    </p:animEffect>
+                                  </p:childTnLst>
+                                </p:cTn>
+                              </p:par>
+                            </p:childTnLst>
+                          </p:cTn>
+                        </p:par>
+                      </p:childTnLst>
+                    </p:cTn>
+                  </p:par>
+                  <p:par>
+                    <p:cTn id="11" fill="hold">
+                      <p:stCondLst>
+                        <p:cond delay="indefinite"/>
+                      </p:stCondLst>
+                      <p:childTnLst>
+                        <p:par>
+                          <p:cTn id="12" fill="hold">
+                            <p:stCondLst>
+                              <p:cond delay="0"/>
+                            </p:stCondLst>
+                            <p:childTnLst>
+                              <p:par>
+                                <p:cTn id="13" presetID="10" presetClass="entr" presetSubtype="0" fill="hold" nodeType="clickEffect">
+                                  <p:stCondLst>
+                                    <p:cond delay="0"/>
+                                  </p:stCondLst>
+                                  <p:childTnLst>
+                                    <p:set>
+                                      <p:cBhvr>
+                                        <p:cTn id="14" dur="1" fill="hold">
+                                          <p:stCondLst>
+                                            <p:cond delay="0"/>
+                                          </p:stCondLst>
+                                        </p:cTn>
+                                        <p:tgtEl>
+                                          <p:spTgt spid="3">
+                                            <p:txEl>
+                                              <p:pRg st="3" end="3"/>
+                                            </p:txEl>
+                                          </p:spTgt>
+                                        </p:tgtEl>
+                                        <p:attrNameLst>
+                                          <p:attrName>style.visibility</p:attrName>
+                                        </p:attrNameLst>
+                                      </p:cBhvr>
+                                      <p:to>
+                                        <p:strVal val="visible"/>
+                                      </p:to>
+                                    </p:set>
+                                    <p:animEffect transition="in" filter="fade">
+                                      <p:cBhvr>
+                                        <p:cTn id="15" dur="500"/>
+                                        <p:tgtEl>
+                                          <p:spTgt spid="3">
+                                            <p:txEl>
+                                              <p:pRg st="3" end="3"/>
+                                            </p:txEl>
+                                          </p:spTgt>
+                                        </p:tgtEl>
+                                      </p:cBhvr>
+                                    </p:animEffect>
+                                  </p:childTnLst>
+                                </p:cTn>
+                              </p:par>
+                              <p:par>
+                                <p:cTn id="16" presetID="10" presetClass="entr" presetSubtype="0" fill="hold" nodeType="withEffect">
+                                  <p:stCondLst>
+                                    <p:cond delay="0"/>
+                                  </p:stCondLst>
+                                  <p:childTnLst>
+                                    <p:set>
+                                      <p:cBhvr>
+                                        <p:cTn id="17" dur="1" fill="hold">
+                                          <p:stCondLst>
+                                            <p:cond delay="0"/>
+                                          </p:stCondLst>
+                                        </p:cTn>
+                                        <p:tgtEl>
+                                          <p:spTgt spid="9"/>
+                                        </p:tgtEl>
+                                        <p:attrNameLst>
+                                          <p:attrName>style.visibility</p:attrName>
+                                        </p:attrNameLst>
+                                      </p:cBhvr>
+                                      <p:to>
+                                        <p:strVal val="visible"/>
+                                      </p:to>
+                                    </p:set>
+                                    <p:animEffect transition="in" filter="fade">
+                                      <p:cBhvr>
+                                        <p:cTn id="18" dur="500"/>
+                                        <p:tgtEl>
+                                          <p:spTgt spid="9"/>
+                                        </p:tgtEl>
+                                      </p:cBhvr>
+                                    </p:animEffect>
+                                  </p:childTnLst>
+                                </p:cTn>
+                              </p:par>
+                            </p:childTnLst>
+                          </p:cTn>
+                        </p:par>
+                      </p:childTnLst>
+                    </p:cTn>
+                  </p:par>
+                  <p:par>
+                    <p:cTn id="19" fill="hold">
+                      <p:stCondLst>
+                        <p:cond delay="indefinite"/>
+                      </p:stCondLst>
+                      <p:childTnLst>
+                        <p:par>
+                          <p:cTn id="20" fill="hold">
+                            <p:stCondLst>
+                              <p:cond delay="0"/>
+                            </p:stCondLst>
+                            <p:childTnLst>
+                              <p:par>
+                                <p:cTn id="21" presetID="10" presetClass="entr" presetSubtype="0" fill="hold" nodeType="clickEffect">
+                                  <p:stCondLst>
+                                    <p:cond delay="0"/>
+                                  </p:stCondLst>
+                                  <p:childTnLst>
+                                    <p:set>
+                                      <p:cBhvr>
+                                        <p:cTn id="22" dur="1" fill="hold">
+                                          <p:stCondLst>
+                                            <p:cond delay="0"/>
+                                          </p:stCondLst>
+                                        </p:cTn>
+                                        <p:tgtEl>
+                                          <p:spTgt spid="3">
+                                            <p:txEl>
+                                              <p:pRg st="1" end="1"/>
+                                            </p:txEl>
+                                          </p:spTgt>
+                                        </p:tgtEl>
+                                        <p:attrNameLst>
+                                          <p:attrName>style.visibility</p:attrName>
+                                        </p:attrNameLst>
+                                      </p:cBhvr>
+                                      <p:to>
+                                        <p:strVal val="visible"/>
+                                      </p:to>
+                                    </p:set>
+                                    <p:animEffect transition="in" filter="fade">
+                                      <p:cBhvr>
+                                        <p:cTn id="23" dur="500"/>
+                                        <p:tgtEl>
+                                          <p:spTgt spid="3">
+                                            <p:txEl>
+                                              <p:pRg st="1" end="1"/>
+                                            </p:txEl>
+                                          </p:spTgt>
+                                        </p:tgtEl>
+                                      </p:cBhvr>
+                                    </p:animEffect>
+                                  </p:childTnLst>
+                                </p:cTn>
+                              </p:par>
+                              <p:par>
+                                <p:cTn id="24" presetID="10" presetClass="entr" presetSubtype="0" fill="hold" nodeType="withEffect">
+                                  <p:stCondLst>
+                                    <p:cond delay="0"/>
+                                  </p:stCondLst>
+                                  <p:childTnLst>
+                                    <p:set>
+                                      <p:cBhvr>
+                                        <p:cTn id="25" dur="1" fill="hold">
+                                          <p:stCondLst>
+                                            <p:cond delay="0"/>
+                                          </p:stCondLst>
+                                        </p:cTn>
+                                        <p:tgtEl>
+                                          <p:spTgt spid="3">
+                                            <p:txEl>
+                                              <p:pRg st="2" end="2"/>
+                                            </p:txEl>
+                                          </p:spTgt>
+                                        </p:tgtEl>
+                                        <p:attrNameLst>
+                                          <p:attrName>style.visibility</p:attrName>
+                                        </p:attrNameLst>
+                                      </p:cBhvr>
+                                      <p:to>
+                                        <p:strVal val="visible"/>
+                                      </p:to>
+                                    </p:set>
+                                    <p:animEffect transition="in" filter="fade">
+                                      <p:cBhvr>
+                                        <p:cTn id="26" dur="500"/>
+                                        <p:tgtEl>
+                                          <p:spTgt spid="3">
+                                            <p:txEl>
+                                              <p:pRg st="2" end="2"/>
+                                            </p:txEl>
+                                          </p:spTgt>
+                                        </p:tgtEl>
+                                      </p:cBhvr>
+                                    </p:animEffect>
+                                  </p:childTnLst>
+                                </p:cTn>
+                              </p:par>
+                            </p:childTnLst>
+                          </p:cTn>
+                        </p:par>
+                      </p:childTnLst>
+                    </p:cTn>
+                  </p:par>
+                  <p:par>
+                    <p:cTn id="27" fill="hold">
+                      <p:stCondLst>
+                        <p:cond delay="indefinite"/>
+                      </p:stCondLst>
+                      <p:childTnLst>
+                        <p:par>
+                          <p:cTn id="28" fill="hold">
+                            <p:stCondLst>
+                              <p:cond delay="0"/>
+                            </p:stCondLst>
+                            <p:childTnLst>
+                              <p:par>
+                                <p:cTn id="29" presetID="10" presetClass="entr" presetSubtype="0" fill="hold" nodeType="clickEffect">
+                                  <p:stCondLst>
+                                    <p:cond delay="0"/>
+                                  </p:stCondLst>
+                                  <p:childTnLst>
+                                    <p:set>
+                                      <p:cBhvr>
+                                        <p:cTn id="30" dur="1" fill="hold">
+                                          <p:stCondLst>
+                                            <p:cond delay="0"/>
+                                          </p:stCondLst>
+                                        </p:cTn>
+                                        <p:tgtEl>
+                                          <p:spTgt spid="3">
+                                            <p:txEl>
+                                              <p:pRg st="4" end="4"/>
+                                            </p:txEl>
+                                          </p:spTgt>
+                                        </p:tgtEl>
+                                        <p:attrNameLst>
+                                          <p:attrName>style.visibility</p:attrName>
+                                        </p:attrNameLst>
+                                      </p:cBhvr>
+                                      <p:to>
+                                        <p:strVal val="visible"/>
+                                      </p:to>
+                                    </p:set>
+                                    <p:animEffect transition="in" filter="fade">
+                                      <p:cBhvr>
+                                        <p:cTn id="31" dur="500"/>
+                                        <p:tgtEl>
+                                          <p:spTgt spid="3">
+                                            <p:txEl>
+                                              <p:pRg st="4" end="4"/>
+                                            </p:txEl>
+                                          </p:spTgt>
+                                        </p:tgtEl>
+                                      </p:cBhvr>
+                                    </p:animEffect>
+                                  </p:childTnLst>
+                                </p:cTn>
+                              </p:par>
+                            </p:childTnLst>
+                          </p:cTn>
+                        </p:par>
+                      </p:childTnLst>
+                    </p:cTn>
+                  </p:par>
+                </p:childTnLst>
+              </p:cTn>
+              <p:prevCondLst>
+                <p:cond evt="onPrev" delay="0">
+                  <p:tgtEl>
+                    <p:sldTgt/>
+                  </p:tgtEl>
+                </p:cond>
+              </p:prevCondLst>
+              <p:nextCondLst>
+                <p:cond evt="onNext" delay="0">
+                  <p:tgtEl>
+                    <p:sldTgt/>
+                  </p:tgtEl>
+                </p:cond>
+              </p:nextCondLst>
+            </p:seq>
+          </p:childTnLst>
+        </p:cTn>
       </p:par>
     </p:tnLst>
   </p:timing>
@@ -12425,19 +12863,7 @@
             </a:pPr>
             <a:r>
               <a:rPr lang="nl-NL" sz="2000" dirty="0" smtClean="0"/>
-              <a:t># verschillende </a:t>
-            </a:r>
-            <a:r>
-              <a:rPr lang="nl-NL" sz="2000" dirty="0" smtClean="0"/>
-              <a:t>c</a:t>
-            </a:r>
-            <a:r>
-              <a:rPr lang="nl-NL" sz="2000" dirty="0" smtClean="0"/>
-              <a:t>omparators: </a:t>
-            </a:r>
-            <a:r>
-              <a:rPr lang="nl-NL" sz="2000" dirty="0" smtClean="0"/>
-              <a:t>11*10/2 = 55</a:t>
+              <a:t># verschillende comparators: 11*10/2 = 55</a:t>
             </a:r>
           </a:p>
           <a:p>
@@ -12456,7 +12882,6 @@
               <a:rPr lang="nl-NL" sz="2000" dirty="0" smtClean="0"/>
               <a:t>omparators</a:t>
             </a:r>
-            <a:endParaRPr lang="nl-NL" sz="2000" dirty="0" smtClean="0"/>
           </a:p>
         </p:txBody>
       </p:sp>
@@ -12493,13 +12918,13 @@
   <p:clrMapOvr>
     <a:masterClrMapping/>
   </p:clrMapOvr>
-  <mc:AlternateContent xmlns:mc="http://schemas.openxmlformats.org/markup-compatibility/2006">
-    <mc:Choice xmlns:p14="http://schemas.microsoft.com/office/powerpoint/2010/main" Requires="p14">
+  <mc:AlternateContent xmlns:mc="http://schemas.openxmlformats.org/markup-compatibility/2006" xmlns:p14="http://schemas.microsoft.com/office/powerpoint/2010/main">
+    <mc:Choice Requires="p14">
       <p:transition spd="med" p14:dur="700">
         <p:fade/>
       </p:transition>
     </mc:Choice>
-    <mc:Fallback>
+    <mc:Fallback xmlns="">
       <p:transition xmlns:p14="http://schemas.microsoft.com/office/powerpoint/2010/main" spd="med">
         <p:fade/>
       </p:transition>
@@ -12508,7 +12933,299 @@
   <p:timing>
     <p:tnLst>
       <p:par>
-        <p:cTn xmlns:p14="http://schemas.microsoft.com/office/powerpoint/2010/main" id="1" dur="indefinite" restart="never" nodeType="tmRoot"/>
+        <p:cTn xmlns:p14="http://schemas.microsoft.com/office/powerpoint/2010/main" id="1" dur="indefinite" restart="never" nodeType="tmRoot">
+          <p:childTnLst>
+            <p:seq concurrent="1" nextAc="seek">
+              <p:cTn id="2" dur="indefinite" nodeType="mainSeq">
+                <p:childTnLst>
+                  <p:par>
+                    <p:cTn id="3" fill="hold">
+                      <p:stCondLst>
+                        <p:cond delay="indefinite"/>
+                      </p:stCondLst>
+                      <p:childTnLst>
+                        <p:par>
+                          <p:cTn id="4" fill="hold">
+                            <p:stCondLst>
+                              <p:cond delay="0"/>
+                            </p:stCondLst>
+                            <p:childTnLst>
+                              <p:par>
+                                <p:cTn id="5" presetID="10" presetClass="entr" presetSubtype="0" fill="hold" nodeType="clickEffect">
+                                  <p:stCondLst>
+                                    <p:cond delay="0"/>
+                                  </p:stCondLst>
+                                  <p:childTnLst>
+                                    <p:set>
+                                      <p:cBhvr>
+                                        <p:cTn id="6" dur="1" fill="hold">
+                                          <p:stCondLst>
+                                            <p:cond delay="0"/>
+                                          </p:stCondLst>
+                                        </p:cTn>
+                                        <p:tgtEl>
+                                          <p:spTgt spid="3">
+                                            <p:txEl>
+                                              <p:pRg st="2" end="2"/>
+                                            </p:txEl>
+                                          </p:spTgt>
+                                        </p:tgtEl>
+                                        <p:attrNameLst>
+                                          <p:attrName>style.visibility</p:attrName>
+                                        </p:attrNameLst>
+                                      </p:cBhvr>
+                                      <p:to>
+                                        <p:strVal val="visible"/>
+                                      </p:to>
+                                    </p:set>
+                                    <p:animEffect transition="in" filter="fade">
+                                      <p:cBhvr>
+                                        <p:cTn id="7" dur="500"/>
+                                        <p:tgtEl>
+                                          <p:spTgt spid="3">
+                                            <p:txEl>
+                                              <p:pRg st="2" end="2"/>
+                                            </p:txEl>
+                                          </p:spTgt>
+                                        </p:tgtEl>
+                                      </p:cBhvr>
+                                    </p:animEffect>
+                                  </p:childTnLst>
+                                </p:cTn>
+                              </p:par>
+                            </p:childTnLst>
+                          </p:cTn>
+                        </p:par>
+                      </p:childTnLst>
+                    </p:cTn>
+                  </p:par>
+                  <p:par>
+                    <p:cTn id="8" fill="hold">
+                      <p:stCondLst>
+                        <p:cond delay="indefinite"/>
+                      </p:stCondLst>
+                      <p:childTnLst>
+                        <p:par>
+                          <p:cTn id="9" fill="hold">
+                            <p:stCondLst>
+                              <p:cond delay="0"/>
+                            </p:stCondLst>
+                            <p:childTnLst>
+                              <p:par>
+                                <p:cTn id="10" presetID="10" presetClass="entr" presetSubtype="0" fill="hold" nodeType="clickEffect">
+                                  <p:stCondLst>
+                                    <p:cond delay="0"/>
+                                  </p:stCondLst>
+                                  <p:childTnLst>
+                                    <p:set>
+                                      <p:cBhvr>
+                                        <p:cTn id="11" dur="1" fill="hold">
+                                          <p:stCondLst>
+                                            <p:cond delay="0"/>
+                                          </p:stCondLst>
+                                        </p:cTn>
+                                        <p:tgtEl>
+                                          <p:spTgt spid="3">
+                                            <p:txEl>
+                                              <p:pRg st="3" end="3"/>
+                                            </p:txEl>
+                                          </p:spTgt>
+                                        </p:tgtEl>
+                                        <p:attrNameLst>
+                                          <p:attrName>style.visibility</p:attrName>
+                                        </p:attrNameLst>
+                                      </p:cBhvr>
+                                      <p:to>
+                                        <p:strVal val="visible"/>
+                                      </p:to>
+                                    </p:set>
+                                    <p:animEffect transition="in" filter="fade">
+                                      <p:cBhvr>
+                                        <p:cTn id="12" dur="500"/>
+                                        <p:tgtEl>
+                                          <p:spTgt spid="3">
+                                            <p:txEl>
+                                              <p:pRg st="3" end="3"/>
+                                            </p:txEl>
+                                          </p:spTgt>
+                                        </p:tgtEl>
+                                      </p:cBhvr>
+                                    </p:animEffect>
+                                  </p:childTnLst>
+                                </p:cTn>
+                              </p:par>
+                              <p:par>
+                                <p:cTn id="13" presetID="10" presetClass="entr" presetSubtype="0" fill="hold" nodeType="withEffect">
+                                  <p:stCondLst>
+                                    <p:cond delay="0"/>
+                                  </p:stCondLst>
+                                  <p:childTnLst>
+                                    <p:set>
+                                      <p:cBhvr>
+                                        <p:cTn id="14" dur="1" fill="hold">
+                                          <p:stCondLst>
+                                            <p:cond delay="0"/>
+                                          </p:stCondLst>
+                                        </p:cTn>
+                                        <p:tgtEl>
+                                          <p:spTgt spid="3">
+                                            <p:txEl>
+                                              <p:pRg st="4" end="4"/>
+                                            </p:txEl>
+                                          </p:spTgt>
+                                        </p:tgtEl>
+                                        <p:attrNameLst>
+                                          <p:attrName>style.visibility</p:attrName>
+                                        </p:attrNameLst>
+                                      </p:cBhvr>
+                                      <p:to>
+                                        <p:strVal val="visible"/>
+                                      </p:to>
+                                    </p:set>
+                                    <p:animEffect transition="in" filter="fade">
+                                      <p:cBhvr>
+                                        <p:cTn id="15" dur="500"/>
+                                        <p:tgtEl>
+                                          <p:spTgt spid="3">
+                                            <p:txEl>
+                                              <p:pRg st="4" end="4"/>
+                                            </p:txEl>
+                                          </p:spTgt>
+                                        </p:tgtEl>
+                                      </p:cBhvr>
+                                    </p:animEffect>
+                                  </p:childTnLst>
+                                </p:cTn>
+                              </p:par>
+                            </p:childTnLst>
+                          </p:cTn>
+                        </p:par>
+                      </p:childTnLst>
+                    </p:cTn>
+                  </p:par>
+                  <p:par>
+                    <p:cTn id="16" fill="hold">
+                      <p:stCondLst>
+                        <p:cond delay="indefinite"/>
+                      </p:stCondLst>
+                      <p:childTnLst>
+                        <p:par>
+                          <p:cTn id="17" fill="hold">
+                            <p:stCondLst>
+                              <p:cond delay="0"/>
+                            </p:stCondLst>
+                            <p:childTnLst>
+                              <p:par>
+                                <p:cTn id="18" presetID="10" presetClass="entr" presetSubtype="0" fill="hold" nodeType="clickEffect">
+                                  <p:stCondLst>
+                                    <p:cond delay="0"/>
+                                  </p:stCondLst>
+                                  <p:childTnLst>
+                                    <p:set>
+                                      <p:cBhvr>
+                                        <p:cTn id="19" dur="1" fill="hold">
+                                          <p:stCondLst>
+                                            <p:cond delay="0"/>
+                                          </p:stCondLst>
+                                        </p:cTn>
+                                        <p:tgtEl>
+                                          <p:spTgt spid="5">
+                                            <p:txEl>
+                                              <p:pRg st="0" end="0"/>
+                                            </p:txEl>
+                                          </p:spTgt>
+                                        </p:tgtEl>
+                                        <p:attrNameLst>
+                                          <p:attrName>style.visibility</p:attrName>
+                                        </p:attrNameLst>
+                                      </p:cBhvr>
+                                      <p:to>
+                                        <p:strVal val="visible"/>
+                                      </p:to>
+                                    </p:set>
+                                    <p:animEffect transition="in" filter="fade">
+                                      <p:cBhvr>
+                                        <p:cTn id="20" dur="500"/>
+                                        <p:tgtEl>
+                                          <p:spTgt spid="5">
+                                            <p:txEl>
+                                              <p:pRg st="0" end="0"/>
+                                            </p:txEl>
+                                          </p:spTgt>
+                                        </p:tgtEl>
+                                      </p:cBhvr>
+                                    </p:animEffect>
+                                  </p:childTnLst>
+                                </p:cTn>
+                              </p:par>
+                              <p:par>
+                                <p:cTn id="21" presetID="10" presetClass="entr" presetSubtype="0" fill="hold" nodeType="withEffect">
+                                  <p:stCondLst>
+                                    <p:cond delay="0"/>
+                                  </p:stCondLst>
+                                  <p:childTnLst>
+                                    <p:set>
+                                      <p:cBhvr>
+                                        <p:cTn id="22" dur="1" fill="hold">
+                                          <p:stCondLst>
+                                            <p:cond delay="0"/>
+                                          </p:stCondLst>
+                                        </p:cTn>
+                                        <p:tgtEl>
+                                          <p:spTgt spid="5">
+                                            <p:txEl>
+                                              <p:pRg st="1" end="1"/>
+                                            </p:txEl>
+                                          </p:spTgt>
+                                        </p:tgtEl>
+                                        <p:attrNameLst>
+                                          <p:attrName>style.visibility</p:attrName>
+                                        </p:attrNameLst>
+                                      </p:cBhvr>
+                                      <p:to>
+                                        <p:strVal val="visible"/>
+                                      </p:to>
+                                    </p:set>
+                                    <p:animEffect transition="in" filter="fade">
+                                      <p:cBhvr>
+                                        <p:cTn id="23" dur="500"/>
+                                        <p:tgtEl>
+                                          <p:spTgt spid="5">
+                                            <p:txEl>
+                                              <p:pRg st="1" end="1"/>
+                                            </p:txEl>
+                                          </p:spTgt>
+                                        </p:tgtEl>
+                                      </p:cBhvr>
+                                    </p:animEffect>
+                                  </p:childTnLst>
+                                </p:cTn>
+                              </p:par>
+                            </p:childTnLst>
+                          </p:cTn>
+                        </p:par>
+                      </p:childTnLst>
+                    </p:cTn>
+                  </p:par>
+                </p:childTnLst>
+              </p:cTn>
+              <p:prevCondLst>
+                <p:cond evt="onPrev" delay="0">
+                  <p:tgtEl>
+                    <p:sldTgt/>
+                  </p:tgtEl>
+                </p:cond>
+              </p:prevCondLst>
+              <p:nextCondLst>
+                <p:cond evt="onNext" delay="0">
+                  <p:tgtEl>
+                    <p:sldTgt/>
+                  </p:tgtEl>
+                </p:cond>
+              </p:nextCondLst>
+            </p:seq>
+          </p:childTnLst>
+        </p:cTn>
       </p:par>
     </p:tnLst>
   </p:timing>
@@ -13518,13 +14235,13 @@
   <p:clrMapOvr>
     <a:masterClrMapping/>
   </p:clrMapOvr>
-  <mc:AlternateContent xmlns:mc="http://schemas.openxmlformats.org/markup-compatibility/2006">
-    <mc:Choice xmlns:p14="http://schemas.microsoft.com/office/powerpoint/2010/main" Requires="p14">
+  <mc:AlternateContent xmlns:mc="http://schemas.openxmlformats.org/markup-compatibility/2006" xmlns:p14="http://schemas.microsoft.com/office/powerpoint/2010/main">
+    <mc:Choice Requires="p14">
       <p:transition spd="med" p14:dur="700">
         <p:fade/>
       </p:transition>
     </mc:Choice>
-    <mc:Fallback>
+    <mc:Fallback xmlns="">
       <p:transition xmlns:p14="http://schemas.microsoft.com/office/powerpoint/2010/main" spd="med">
         <p:fade/>
       </p:transition>
@@ -13533,7 +14250,173 @@
   <p:timing>
     <p:tnLst>
       <p:par>
-        <p:cTn xmlns:p14="http://schemas.microsoft.com/office/powerpoint/2010/main" id="1" dur="indefinite" restart="never" nodeType="tmRoot"/>
+        <p:cTn xmlns:p14="http://schemas.microsoft.com/office/powerpoint/2010/main" id="1" dur="indefinite" restart="never" nodeType="tmRoot">
+          <p:childTnLst>
+            <p:seq concurrent="1" nextAc="seek">
+              <p:cTn id="2" dur="indefinite" nodeType="mainSeq">
+                <p:childTnLst>
+                  <p:par>
+                    <p:cTn id="3" fill="hold">
+                      <p:stCondLst>
+                        <p:cond delay="indefinite"/>
+                      </p:stCondLst>
+                      <p:childTnLst>
+                        <p:par>
+                          <p:cTn id="4" fill="hold">
+                            <p:stCondLst>
+                              <p:cond delay="0"/>
+                            </p:stCondLst>
+                            <p:childTnLst>
+                              <p:par>
+                                <p:cTn id="5" presetID="10" presetClass="entr" presetSubtype="0" fill="hold" nodeType="clickEffect">
+                                  <p:stCondLst>
+                                    <p:cond delay="0"/>
+                                  </p:stCondLst>
+                                  <p:childTnLst>
+                                    <p:set>
+                                      <p:cBhvr>
+                                        <p:cTn id="6" dur="1" fill="hold">
+                                          <p:stCondLst>
+                                            <p:cond delay="0"/>
+                                          </p:stCondLst>
+                                        </p:cTn>
+                                        <p:tgtEl>
+                                          <p:spTgt spid="3">
+                                            <p:txEl>
+                                              <p:pRg st="1" end="1"/>
+                                            </p:txEl>
+                                          </p:spTgt>
+                                        </p:tgtEl>
+                                        <p:attrNameLst>
+                                          <p:attrName>style.visibility</p:attrName>
+                                        </p:attrNameLst>
+                                      </p:cBhvr>
+                                      <p:to>
+                                        <p:strVal val="visible"/>
+                                      </p:to>
+                                    </p:set>
+                                    <p:animEffect transition="in" filter="fade">
+                                      <p:cBhvr>
+                                        <p:cTn id="7" dur="500"/>
+                                        <p:tgtEl>
+                                          <p:spTgt spid="3">
+                                            <p:txEl>
+                                              <p:pRg st="1" end="1"/>
+                                            </p:txEl>
+                                          </p:spTgt>
+                                        </p:tgtEl>
+                                      </p:cBhvr>
+                                    </p:animEffect>
+                                  </p:childTnLst>
+                                </p:cTn>
+                              </p:par>
+                            </p:childTnLst>
+                          </p:cTn>
+                        </p:par>
+                        <p:par>
+                          <p:cTn id="8" fill="hold">
+                            <p:stCondLst>
+                              <p:cond delay="500"/>
+                            </p:stCondLst>
+                            <p:childTnLst>
+                              <p:par>
+                                <p:cTn id="9" presetID="2" presetClass="entr" presetSubtype="4" fill="hold" nodeType="afterEffect">
+                                  <p:stCondLst>
+                                    <p:cond delay="0"/>
+                                  </p:stCondLst>
+                                  <p:childTnLst>
+                                    <p:set>
+                                      <p:cBhvr>
+                                        <p:cTn id="10" dur="1" fill="hold">
+                                          <p:stCondLst>
+                                            <p:cond delay="0"/>
+                                          </p:stCondLst>
+                                        </p:cTn>
+                                        <p:tgtEl>
+                                          <p:spTgt spid="4"/>
+                                        </p:tgtEl>
+                                        <p:attrNameLst>
+                                          <p:attrName>style.visibility</p:attrName>
+                                        </p:attrNameLst>
+                                      </p:cBhvr>
+                                      <p:to>
+                                        <p:strVal val="visible"/>
+                                      </p:to>
+                                    </p:set>
+                                    <p:anim calcmode="lin" valueType="num">
+                                      <p:cBhvr additive="base">
+                                        <p:cTn id="11" dur="500" fill="hold"/>
+                                        <p:tgtEl>
+                                          <p:spTgt spid="4"/>
+                                        </p:tgtEl>
+                                        <p:attrNameLst>
+                                          <p:attrName>ppt_x</p:attrName>
+                                        </p:attrNameLst>
+                                      </p:cBhvr>
+                                      <p:tavLst>
+                                        <p:tav tm="0">
+                                          <p:val>
+                                            <p:strVal val="#ppt_x"/>
+                                          </p:val>
+                                        </p:tav>
+                                        <p:tav tm="100000">
+                                          <p:val>
+                                            <p:strVal val="#ppt_x"/>
+                                          </p:val>
+                                        </p:tav>
+                                      </p:tavLst>
+                                    </p:anim>
+                                    <p:anim calcmode="lin" valueType="num">
+                                      <p:cBhvr additive="base">
+                                        <p:cTn id="12" dur="500" fill="hold"/>
+                                        <p:tgtEl>
+                                          <p:spTgt spid="4"/>
+                                        </p:tgtEl>
+                                        <p:attrNameLst>
+                                          <p:attrName>ppt_y</p:attrName>
+                                        </p:attrNameLst>
+                                      </p:cBhvr>
+                                      <p:tavLst>
+                                        <p:tav tm="0">
+                                          <p:val>
+                                            <p:strVal val="1+#ppt_h/2"/>
+                                          </p:val>
+                                        </p:tav>
+                                        <p:tav tm="100000">
+                                          <p:val>
+                                            <p:strVal val="#ppt_y"/>
+                                          </p:val>
+                                        </p:tav>
+                                      </p:tavLst>
+                                    </p:anim>
+                                  </p:childTnLst>
+                                </p:cTn>
+                              </p:par>
+                            </p:childTnLst>
+                          </p:cTn>
+                        </p:par>
+                      </p:childTnLst>
+                    </p:cTn>
+                  </p:par>
+                </p:childTnLst>
+              </p:cTn>
+              <p:prevCondLst>
+                <p:cond evt="onPrev" delay="0">
+                  <p:tgtEl>
+                    <p:sldTgt/>
+                  </p:tgtEl>
+                </p:cond>
+              </p:prevCondLst>
+              <p:nextCondLst>
+                <p:cond evt="onNext" delay="0">
+                  <p:tgtEl>
+                    <p:sldTgt/>
+                  </p:tgtEl>
+                </p:cond>
+              </p:nextCondLst>
+            </p:seq>
+          </p:childTnLst>
+        </p:cTn>
       </p:par>
     </p:tnLst>
   </p:timing>
@@ -13603,11 +14486,7 @@
           <a:p>
             <a:r>
               <a:rPr lang="nl-NL" dirty="0" smtClean="0"/>
-              <a:t>Optimalisatie domein </a:t>
-            </a:r>
-            <a:r>
-              <a:rPr lang="nl-NL" dirty="0" smtClean="0"/>
-              <a:t>(</a:t>
+              <a:t>Optimalisatie domein (</a:t>
             </a:r>
             <a:r>
               <a:rPr lang="nl-NL" dirty="0" err="1"/>
@@ -13619,17 +14498,8 @@
             </a:r>
             <a:r>
               <a:rPr lang="nl-NL" dirty="0" smtClean="0"/>
-              <a:t> </a:t>
-            </a:r>
-            <a:r>
-              <a:rPr lang="nl-NL" dirty="0" smtClean="0"/>
-              <a:t>+ </a:t>
-            </a:r>
-            <a:r>
-              <a:rPr lang="nl-NL" dirty="0" smtClean="0"/>
-              <a:t>prune)</a:t>
-            </a:r>
-            <a:endParaRPr lang="nl-NL" dirty="0" smtClean="0"/>
+              <a:t> + prune)</a:t>
+            </a:r>
           </a:p>
           <a:p>
             <a:pPr lvl="1">
@@ -13645,13 +14515,8 @@
             </a:br>
             <a:r>
               <a:rPr lang="nl-NL" dirty="0" smtClean="0"/>
-              <a:t>Overbodige comparators </a:t>
-            </a:r>
-            <a:r>
-              <a:rPr lang="nl-NL" dirty="0" smtClean="0"/>
-              <a:t>verwijderen</a:t>
-            </a:r>
-            <a:endParaRPr lang="nl-NL" dirty="0" smtClean="0"/>
+              <a:t>Overbodige comparators verwijderen</a:t>
+            </a:r>
           </a:p>
           <a:p>
             <a:pPr lvl="1"/>
@@ -13778,13 +14643,13 @@
   <p:clrMapOvr>
     <a:masterClrMapping/>
   </p:clrMapOvr>
-  <mc:AlternateContent xmlns:mc="http://schemas.openxmlformats.org/markup-compatibility/2006">
-    <mc:Choice xmlns:p14="http://schemas.microsoft.com/office/powerpoint/2010/main" Requires="p14">
+  <mc:AlternateContent xmlns:mc="http://schemas.openxmlformats.org/markup-compatibility/2006" xmlns:p14="http://schemas.microsoft.com/office/powerpoint/2010/main">
+    <mc:Choice Requires="p14">
       <p:transition spd="med" p14:dur="700">
         <p:fade/>
       </p:transition>
     </mc:Choice>
-    <mc:Fallback>
+    <mc:Fallback xmlns="">
       <p:transition xmlns:p14="http://schemas.microsoft.com/office/powerpoint/2010/main" spd="med">
         <p:fade/>
       </p:transition>
@@ -13793,7 +14658,283 @@
   <p:timing>
     <p:tnLst>
       <p:par>
-        <p:cTn xmlns:p14="http://schemas.microsoft.com/office/powerpoint/2010/main" id="1" dur="indefinite" restart="never" nodeType="tmRoot"/>
+        <p:cTn xmlns:p14="http://schemas.microsoft.com/office/powerpoint/2010/main" id="1" dur="indefinite" restart="never" nodeType="tmRoot">
+          <p:childTnLst>
+            <p:seq concurrent="1" nextAc="seek">
+              <p:cTn id="2" dur="indefinite" nodeType="mainSeq">
+                <p:childTnLst>
+                  <p:par>
+                    <p:cTn id="3" fill="hold">
+                      <p:stCondLst>
+                        <p:cond delay="indefinite"/>
+                      </p:stCondLst>
+                      <p:childTnLst>
+                        <p:par>
+                          <p:cTn id="4" fill="hold">
+                            <p:stCondLst>
+                              <p:cond delay="0"/>
+                            </p:stCondLst>
+                            <p:childTnLst>
+                              <p:par>
+                                <p:cTn id="5" presetID="10" presetClass="entr" presetSubtype="0" fill="hold" nodeType="clickEffect">
+                                  <p:stCondLst>
+                                    <p:cond delay="0"/>
+                                  </p:stCondLst>
+                                  <p:childTnLst>
+                                    <p:set>
+                                      <p:cBhvr>
+                                        <p:cTn id="6" dur="1" fill="hold">
+                                          <p:stCondLst>
+                                            <p:cond delay="0"/>
+                                          </p:stCondLst>
+                                        </p:cTn>
+                                        <p:tgtEl>
+                                          <p:spTgt spid="3">
+                                            <p:txEl>
+                                              <p:pRg st="0" end="0"/>
+                                            </p:txEl>
+                                          </p:spTgt>
+                                        </p:tgtEl>
+                                        <p:attrNameLst>
+                                          <p:attrName>style.visibility</p:attrName>
+                                        </p:attrNameLst>
+                                      </p:cBhvr>
+                                      <p:to>
+                                        <p:strVal val="visible"/>
+                                      </p:to>
+                                    </p:set>
+                                    <p:animEffect transition="in" filter="fade">
+                                      <p:cBhvr>
+                                        <p:cTn id="7" dur="500"/>
+                                        <p:tgtEl>
+                                          <p:spTgt spid="3">
+                                            <p:txEl>
+                                              <p:pRg st="0" end="0"/>
+                                            </p:txEl>
+                                          </p:spTgt>
+                                        </p:tgtEl>
+                                      </p:cBhvr>
+                                    </p:animEffect>
+                                  </p:childTnLst>
+                                </p:cTn>
+                              </p:par>
+                            </p:childTnLst>
+                          </p:cTn>
+                        </p:par>
+                      </p:childTnLst>
+                    </p:cTn>
+                  </p:par>
+                  <p:par>
+                    <p:cTn id="8" fill="hold">
+                      <p:stCondLst>
+                        <p:cond delay="indefinite"/>
+                      </p:stCondLst>
+                      <p:childTnLst>
+                        <p:par>
+                          <p:cTn id="9" fill="hold">
+                            <p:stCondLst>
+                              <p:cond delay="0"/>
+                            </p:stCondLst>
+                            <p:childTnLst>
+                              <p:par>
+                                <p:cTn id="10" presetID="10" presetClass="entr" presetSubtype="0" fill="hold" nodeType="clickEffect">
+                                  <p:stCondLst>
+                                    <p:cond delay="0"/>
+                                  </p:stCondLst>
+                                  <p:childTnLst>
+                                    <p:set>
+                                      <p:cBhvr>
+                                        <p:cTn id="11" dur="1" fill="hold">
+                                          <p:stCondLst>
+                                            <p:cond delay="0"/>
+                                          </p:stCondLst>
+                                        </p:cTn>
+                                        <p:tgtEl>
+                                          <p:spTgt spid="3">
+                                            <p:txEl>
+                                              <p:pRg st="1" end="1"/>
+                                            </p:txEl>
+                                          </p:spTgt>
+                                        </p:tgtEl>
+                                        <p:attrNameLst>
+                                          <p:attrName>style.visibility</p:attrName>
+                                        </p:attrNameLst>
+                                      </p:cBhvr>
+                                      <p:to>
+                                        <p:strVal val="visible"/>
+                                      </p:to>
+                                    </p:set>
+                                    <p:animEffect transition="in" filter="fade">
+                                      <p:cBhvr>
+                                        <p:cTn id="12" dur="500"/>
+                                        <p:tgtEl>
+                                          <p:spTgt spid="3">
+                                            <p:txEl>
+                                              <p:pRg st="1" end="1"/>
+                                            </p:txEl>
+                                          </p:spTgt>
+                                        </p:tgtEl>
+                                      </p:cBhvr>
+                                    </p:animEffect>
+                                  </p:childTnLst>
+                                </p:cTn>
+                              </p:par>
+                            </p:childTnLst>
+                          </p:cTn>
+                        </p:par>
+                      </p:childTnLst>
+                    </p:cTn>
+                  </p:par>
+                  <p:par>
+                    <p:cTn id="13" fill="hold">
+                      <p:stCondLst>
+                        <p:cond delay="indefinite"/>
+                      </p:stCondLst>
+                      <p:childTnLst>
+                        <p:par>
+                          <p:cTn id="14" fill="hold">
+                            <p:stCondLst>
+                              <p:cond delay="0"/>
+                            </p:stCondLst>
+                            <p:childTnLst>
+                              <p:par>
+                                <p:cTn id="15" presetID="10" presetClass="entr" presetSubtype="0" fill="hold" nodeType="clickEffect">
+                                  <p:stCondLst>
+                                    <p:cond delay="0"/>
+                                  </p:stCondLst>
+                                  <p:childTnLst>
+                                    <p:set>
+                                      <p:cBhvr>
+                                        <p:cTn id="16" dur="1" fill="hold">
+                                          <p:stCondLst>
+                                            <p:cond delay="0"/>
+                                          </p:stCondLst>
+                                        </p:cTn>
+                                        <p:tgtEl>
+                                          <p:spTgt spid="3">
+                                            <p:txEl>
+                                              <p:pRg st="2" end="2"/>
+                                            </p:txEl>
+                                          </p:spTgt>
+                                        </p:tgtEl>
+                                        <p:attrNameLst>
+                                          <p:attrName>style.visibility</p:attrName>
+                                        </p:attrNameLst>
+                                      </p:cBhvr>
+                                      <p:to>
+                                        <p:strVal val="visible"/>
+                                      </p:to>
+                                    </p:set>
+                                    <p:animEffect transition="in" filter="fade">
+                                      <p:cBhvr>
+                                        <p:cTn id="17" dur="500"/>
+                                        <p:tgtEl>
+                                          <p:spTgt spid="3">
+                                            <p:txEl>
+                                              <p:pRg st="2" end="2"/>
+                                            </p:txEl>
+                                          </p:spTgt>
+                                        </p:tgtEl>
+                                      </p:cBhvr>
+                                    </p:animEffect>
+                                  </p:childTnLst>
+                                </p:cTn>
+                              </p:par>
+                              <p:par>
+                                <p:cTn id="18" presetID="10" presetClass="entr" presetSubtype="0" fill="hold" nodeType="withEffect">
+                                  <p:stCondLst>
+                                    <p:cond delay="0"/>
+                                  </p:stCondLst>
+                                  <p:childTnLst>
+                                    <p:set>
+                                      <p:cBhvr>
+                                        <p:cTn id="19" dur="1" fill="hold">
+                                          <p:stCondLst>
+                                            <p:cond delay="0"/>
+                                          </p:stCondLst>
+                                        </p:cTn>
+                                        <p:tgtEl>
+                                          <p:spTgt spid="2050"/>
+                                        </p:tgtEl>
+                                        <p:attrNameLst>
+                                          <p:attrName>style.visibility</p:attrName>
+                                        </p:attrNameLst>
+                                      </p:cBhvr>
+                                      <p:to>
+                                        <p:strVal val="visible"/>
+                                      </p:to>
+                                    </p:set>
+                                    <p:animEffect transition="in" filter="fade">
+                                      <p:cBhvr>
+                                        <p:cTn id="20" dur="500"/>
+                                        <p:tgtEl>
+                                          <p:spTgt spid="2050"/>
+                                        </p:tgtEl>
+                                      </p:cBhvr>
+                                    </p:animEffect>
+                                  </p:childTnLst>
+                                </p:cTn>
+                              </p:par>
+                              <p:par>
+                                <p:cTn id="21" presetID="10" presetClass="entr" presetSubtype="0" fill="hold" nodeType="withEffect">
+                                  <p:stCondLst>
+                                    <p:cond delay="0"/>
+                                  </p:stCondLst>
+                                  <p:childTnLst>
+                                    <p:set>
+                                      <p:cBhvr>
+                                        <p:cTn id="22" dur="1" fill="hold">
+                                          <p:stCondLst>
+                                            <p:cond delay="0"/>
+                                          </p:stCondLst>
+                                        </p:cTn>
+                                        <p:tgtEl>
+                                          <p:spTgt spid="2051"/>
+                                        </p:tgtEl>
+                                        <p:attrNameLst>
+                                          <p:attrName>style.visibility</p:attrName>
+                                        </p:attrNameLst>
+                                      </p:cBhvr>
+                                      <p:to>
+                                        <p:strVal val="visible"/>
+                                      </p:to>
+                                    </p:set>
+                                    <p:animEffect transition="in" filter="fade">
+                                      <p:cBhvr>
+                                        <p:cTn id="23" dur="500"/>
+                                        <p:tgtEl>
+                                          <p:spTgt spid="2051"/>
+                                        </p:tgtEl>
+                                      </p:cBhvr>
+                                    </p:animEffect>
+                                  </p:childTnLst>
+                                </p:cTn>
+                              </p:par>
+                            </p:childTnLst>
+                          </p:cTn>
+                        </p:par>
+                      </p:childTnLst>
+                    </p:cTn>
+                  </p:par>
+                </p:childTnLst>
+              </p:cTn>
+              <p:prevCondLst>
+                <p:cond evt="onPrev" delay="0">
+                  <p:tgtEl>
+                    <p:sldTgt/>
+                  </p:tgtEl>
+                </p:cond>
+              </p:prevCondLst>
+              <p:nextCondLst>
+                <p:cond evt="onNext" delay="0">
+                  <p:tgtEl>
+                    <p:sldTgt/>
+                  </p:tgtEl>
+                </p:cond>
+              </p:nextCondLst>
+            </p:seq>
+          </p:childTnLst>
+        </p:cTn>
       </p:par>
     </p:tnLst>
   </p:timing>
@@ -14119,13 +15260,13 @@
   <p:clrMapOvr>
     <a:masterClrMapping/>
   </p:clrMapOvr>
-  <mc:AlternateContent xmlns:mc="http://schemas.openxmlformats.org/markup-compatibility/2006">
-    <mc:Choice xmlns:p14="http://schemas.microsoft.com/office/powerpoint/2010/main" Requires="p14">
+  <mc:AlternateContent xmlns:mc="http://schemas.openxmlformats.org/markup-compatibility/2006" xmlns:p14="http://schemas.microsoft.com/office/powerpoint/2010/main">
+    <mc:Choice Requires="p14">
       <p:transition spd="med" p14:dur="700">
         <p:fade/>
       </p:transition>
     </mc:Choice>
-    <mc:Fallback>
+    <mc:Fallback xmlns="">
       <p:transition xmlns:p14="http://schemas.microsoft.com/office/powerpoint/2010/main" spd="med">
         <p:fade/>
       </p:transition>
@@ -14134,7 +15275,213 @@
   <p:timing>
     <p:tnLst>
       <p:par>
-        <p:cTn xmlns:p14="http://schemas.microsoft.com/office/powerpoint/2010/main" id="1" dur="indefinite" restart="never" nodeType="tmRoot"/>
+        <p:cTn xmlns:p14="http://schemas.microsoft.com/office/powerpoint/2010/main" id="1" dur="indefinite" restart="never" nodeType="tmRoot">
+          <p:childTnLst>
+            <p:seq concurrent="1" nextAc="seek">
+              <p:cTn id="2" dur="indefinite" nodeType="mainSeq">
+                <p:childTnLst>
+                  <p:par>
+                    <p:cTn id="3" fill="hold">
+                      <p:stCondLst>
+                        <p:cond delay="indefinite"/>
+                      </p:stCondLst>
+                      <p:childTnLst>
+                        <p:par>
+                          <p:cTn id="4" fill="hold">
+                            <p:stCondLst>
+                              <p:cond delay="0"/>
+                            </p:stCondLst>
+                            <p:childTnLst>
+                              <p:par>
+                                <p:cTn id="5" presetID="10" presetClass="entr" presetSubtype="0" fill="hold" nodeType="clickEffect">
+                                  <p:stCondLst>
+                                    <p:cond delay="0"/>
+                                  </p:stCondLst>
+                                  <p:childTnLst>
+                                    <p:set>
+                                      <p:cBhvr>
+                                        <p:cTn id="6" dur="1" fill="hold">
+                                          <p:stCondLst>
+                                            <p:cond delay="0"/>
+                                          </p:stCondLst>
+                                        </p:cTn>
+                                        <p:tgtEl>
+                                          <p:spTgt spid="3">
+                                            <p:txEl>
+                                              <p:pRg st="0" end="0"/>
+                                            </p:txEl>
+                                          </p:spTgt>
+                                        </p:tgtEl>
+                                        <p:attrNameLst>
+                                          <p:attrName>style.visibility</p:attrName>
+                                        </p:attrNameLst>
+                                      </p:cBhvr>
+                                      <p:to>
+                                        <p:strVal val="visible"/>
+                                      </p:to>
+                                    </p:set>
+                                    <p:animEffect transition="in" filter="fade">
+                                      <p:cBhvr>
+                                        <p:cTn id="7" dur="500"/>
+                                        <p:tgtEl>
+                                          <p:spTgt spid="3">
+                                            <p:txEl>
+                                              <p:pRg st="0" end="0"/>
+                                            </p:txEl>
+                                          </p:spTgt>
+                                        </p:tgtEl>
+                                      </p:cBhvr>
+                                    </p:animEffect>
+                                  </p:childTnLst>
+                                </p:cTn>
+                              </p:par>
+                            </p:childTnLst>
+                          </p:cTn>
+                        </p:par>
+                      </p:childTnLst>
+                    </p:cTn>
+                  </p:par>
+                  <p:par>
+                    <p:cTn id="8" fill="hold">
+                      <p:stCondLst>
+                        <p:cond delay="indefinite"/>
+                      </p:stCondLst>
+                      <p:childTnLst>
+                        <p:par>
+                          <p:cTn id="9" fill="hold">
+                            <p:stCondLst>
+                              <p:cond delay="0"/>
+                            </p:stCondLst>
+                            <p:childTnLst>
+                              <p:par>
+                                <p:cTn id="10" presetID="10" presetClass="entr" presetSubtype="0" fill="hold" nodeType="clickEffect">
+                                  <p:stCondLst>
+                                    <p:cond delay="0"/>
+                                  </p:stCondLst>
+                                  <p:childTnLst>
+                                    <p:set>
+                                      <p:cBhvr>
+                                        <p:cTn id="11" dur="1" fill="hold">
+                                          <p:stCondLst>
+                                            <p:cond delay="0"/>
+                                          </p:stCondLst>
+                                        </p:cTn>
+                                        <p:tgtEl>
+                                          <p:spTgt spid="3">
+                                            <p:txEl>
+                                              <p:pRg st="1" end="1"/>
+                                            </p:txEl>
+                                          </p:spTgt>
+                                        </p:tgtEl>
+                                        <p:attrNameLst>
+                                          <p:attrName>style.visibility</p:attrName>
+                                        </p:attrNameLst>
+                                      </p:cBhvr>
+                                      <p:to>
+                                        <p:strVal val="visible"/>
+                                      </p:to>
+                                    </p:set>
+                                    <p:animEffect transition="in" filter="fade">
+                                      <p:cBhvr>
+                                        <p:cTn id="12" dur="500"/>
+                                        <p:tgtEl>
+                                          <p:spTgt spid="3">
+                                            <p:txEl>
+                                              <p:pRg st="1" end="1"/>
+                                            </p:txEl>
+                                          </p:spTgt>
+                                        </p:tgtEl>
+                                      </p:cBhvr>
+                                    </p:animEffect>
+                                  </p:childTnLst>
+                                </p:cTn>
+                              </p:par>
+                            </p:childTnLst>
+                          </p:cTn>
+                        </p:par>
+                      </p:childTnLst>
+                    </p:cTn>
+                  </p:par>
+                  <p:par>
+                    <p:cTn id="13" fill="hold">
+                      <p:stCondLst>
+                        <p:cond delay="indefinite"/>
+                      </p:stCondLst>
+                      <p:childTnLst>
+                        <p:par>
+                          <p:cTn id="14" fill="hold">
+                            <p:stCondLst>
+                              <p:cond delay="0"/>
+                            </p:stCondLst>
+                            <p:childTnLst>
+                              <p:par>
+                                <p:cTn id="15" presetID="10" presetClass="entr" presetSubtype="0" fill="hold" nodeType="clickEffect">
+                                  <p:stCondLst>
+                                    <p:cond delay="0"/>
+                                  </p:stCondLst>
+                                  <p:childTnLst>
+                                    <p:set>
+                                      <p:cBhvr>
+                                        <p:cTn id="16" dur="1" fill="hold">
+                                          <p:stCondLst>
+                                            <p:cond delay="0"/>
+                                          </p:stCondLst>
+                                        </p:cTn>
+                                        <p:tgtEl>
+                                          <p:spTgt spid="3">
+                                            <p:txEl>
+                                              <p:pRg st="2" end="2"/>
+                                            </p:txEl>
+                                          </p:spTgt>
+                                        </p:tgtEl>
+                                        <p:attrNameLst>
+                                          <p:attrName>style.visibility</p:attrName>
+                                        </p:attrNameLst>
+                                      </p:cBhvr>
+                                      <p:to>
+                                        <p:strVal val="visible"/>
+                                      </p:to>
+                                    </p:set>
+                                    <p:animEffect transition="in" filter="fade">
+                                      <p:cBhvr>
+                                        <p:cTn id="17" dur="500"/>
+                                        <p:tgtEl>
+                                          <p:spTgt spid="3">
+                                            <p:txEl>
+                                              <p:pRg st="2" end="2"/>
+                                            </p:txEl>
+                                          </p:spTgt>
+                                        </p:tgtEl>
+                                      </p:cBhvr>
+                                    </p:animEffect>
+                                  </p:childTnLst>
+                                </p:cTn>
+                              </p:par>
+                            </p:childTnLst>
+                          </p:cTn>
+                        </p:par>
+                      </p:childTnLst>
+                    </p:cTn>
+                  </p:par>
+                </p:childTnLst>
+              </p:cTn>
+              <p:prevCondLst>
+                <p:cond evt="onPrev" delay="0">
+                  <p:tgtEl>
+                    <p:sldTgt/>
+                  </p:tgtEl>
+                </p:cond>
+              </p:prevCondLst>
+              <p:nextCondLst>
+                <p:cond evt="onNext" delay="0">
+                  <p:tgtEl>
+                    <p:sldTgt/>
+                  </p:tgtEl>
+                </p:cond>
+              </p:nextCondLst>
+            </p:seq>
+          </p:childTnLst>
+        </p:cTn>
       </p:par>
     </p:tnLst>
   </p:timing>
@@ -14322,13 +15669,13 @@
   <p:clrMapOvr>
     <a:masterClrMapping/>
   </p:clrMapOvr>
-  <mc:AlternateContent xmlns:mc="http://schemas.openxmlformats.org/markup-compatibility/2006">
-    <mc:Choice xmlns:p14="http://schemas.microsoft.com/office/powerpoint/2010/main" Requires="p14">
+  <mc:AlternateContent xmlns:mc="http://schemas.openxmlformats.org/markup-compatibility/2006" xmlns:p14="http://schemas.microsoft.com/office/powerpoint/2010/main">
+    <mc:Choice Requires="p14">
       <p:transition spd="med" p14:dur="700">
         <p:fade/>
       </p:transition>
     </mc:Choice>
-    <mc:Fallback>
+    <mc:Fallback xmlns="">
       <p:transition xmlns:p14="http://schemas.microsoft.com/office/powerpoint/2010/main" spd="med">
         <p:fade/>
       </p:transition>
@@ -14337,7 +15684,173 @@
   <p:timing>
     <p:tnLst>
       <p:par>
-        <p:cTn xmlns:p14="http://schemas.microsoft.com/office/powerpoint/2010/main" id="1" dur="indefinite" restart="never" nodeType="tmRoot"/>
+        <p:cTn xmlns:p14="http://schemas.microsoft.com/office/powerpoint/2010/main" id="1" dur="indefinite" restart="never" nodeType="tmRoot">
+          <p:childTnLst>
+            <p:seq concurrent="1" nextAc="seek">
+              <p:cTn id="2" dur="indefinite" nodeType="mainSeq">
+                <p:childTnLst>
+                  <p:par>
+                    <p:cTn id="3" fill="hold">
+                      <p:stCondLst>
+                        <p:cond delay="indefinite"/>
+                      </p:stCondLst>
+                      <p:childTnLst>
+                        <p:par>
+                          <p:cTn id="4" fill="hold">
+                            <p:stCondLst>
+                              <p:cond delay="0"/>
+                            </p:stCondLst>
+                            <p:childTnLst>
+                              <p:par>
+                                <p:cTn id="5" presetID="10" presetClass="entr" presetSubtype="0" fill="hold" nodeType="clickEffect">
+                                  <p:stCondLst>
+                                    <p:cond delay="0"/>
+                                  </p:stCondLst>
+                                  <p:childTnLst>
+                                    <p:set>
+                                      <p:cBhvr>
+                                        <p:cTn id="6" dur="1" fill="hold">
+                                          <p:stCondLst>
+                                            <p:cond delay="0"/>
+                                          </p:stCondLst>
+                                        </p:cTn>
+                                        <p:tgtEl>
+                                          <p:spTgt spid="3">
+                                            <p:txEl>
+                                              <p:pRg st="0" end="0"/>
+                                            </p:txEl>
+                                          </p:spTgt>
+                                        </p:tgtEl>
+                                        <p:attrNameLst>
+                                          <p:attrName>style.visibility</p:attrName>
+                                        </p:attrNameLst>
+                                      </p:cBhvr>
+                                      <p:to>
+                                        <p:strVal val="visible"/>
+                                      </p:to>
+                                    </p:set>
+                                    <p:animEffect transition="in" filter="fade">
+                                      <p:cBhvr>
+                                        <p:cTn id="7" dur="500"/>
+                                        <p:tgtEl>
+                                          <p:spTgt spid="3">
+                                            <p:txEl>
+                                              <p:pRg st="0" end="0"/>
+                                            </p:txEl>
+                                          </p:spTgt>
+                                        </p:tgtEl>
+                                      </p:cBhvr>
+                                    </p:animEffect>
+                                  </p:childTnLst>
+                                </p:cTn>
+                              </p:par>
+                            </p:childTnLst>
+                          </p:cTn>
+                        </p:par>
+                        <p:par>
+                          <p:cTn id="8" fill="hold">
+                            <p:stCondLst>
+                              <p:cond delay="500"/>
+                            </p:stCondLst>
+                            <p:childTnLst>
+                              <p:par>
+                                <p:cTn id="9" presetID="2" presetClass="entr" presetSubtype="4" fill="hold" nodeType="afterEffect">
+                                  <p:stCondLst>
+                                    <p:cond delay="0"/>
+                                  </p:stCondLst>
+                                  <p:childTnLst>
+                                    <p:set>
+                                      <p:cBhvr>
+                                        <p:cTn id="10" dur="1" fill="hold">
+                                          <p:stCondLst>
+                                            <p:cond delay="0"/>
+                                          </p:stCondLst>
+                                        </p:cTn>
+                                        <p:tgtEl>
+                                          <p:spTgt spid="4"/>
+                                        </p:tgtEl>
+                                        <p:attrNameLst>
+                                          <p:attrName>style.visibility</p:attrName>
+                                        </p:attrNameLst>
+                                      </p:cBhvr>
+                                      <p:to>
+                                        <p:strVal val="visible"/>
+                                      </p:to>
+                                    </p:set>
+                                    <p:anim calcmode="lin" valueType="num">
+                                      <p:cBhvr additive="base">
+                                        <p:cTn id="11" dur="500" fill="hold"/>
+                                        <p:tgtEl>
+                                          <p:spTgt spid="4"/>
+                                        </p:tgtEl>
+                                        <p:attrNameLst>
+                                          <p:attrName>ppt_x</p:attrName>
+                                        </p:attrNameLst>
+                                      </p:cBhvr>
+                                      <p:tavLst>
+                                        <p:tav tm="0">
+                                          <p:val>
+                                            <p:strVal val="#ppt_x"/>
+                                          </p:val>
+                                        </p:tav>
+                                        <p:tav tm="100000">
+                                          <p:val>
+                                            <p:strVal val="#ppt_x"/>
+                                          </p:val>
+                                        </p:tav>
+                                      </p:tavLst>
+                                    </p:anim>
+                                    <p:anim calcmode="lin" valueType="num">
+                                      <p:cBhvr additive="base">
+                                        <p:cTn id="12" dur="500" fill="hold"/>
+                                        <p:tgtEl>
+                                          <p:spTgt spid="4"/>
+                                        </p:tgtEl>
+                                        <p:attrNameLst>
+                                          <p:attrName>ppt_y</p:attrName>
+                                        </p:attrNameLst>
+                                      </p:cBhvr>
+                                      <p:tavLst>
+                                        <p:tav tm="0">
+                                          <p:val>
+                                            <p:strVal val="1+#ppt_h/2"/>
+                                          </p:val>
+                                        </p:tav>
+                                        <p:tav tm="100000">
+                                          <p:val>
+                                            <p:strVal val="#ppt_y"/>
+                                          </p:val>
+                                        </p:tav>
+                                      </p:tavLst>
+                                    </p:anim>
+                                  </p:childTnLst>
+                                </p:cTn>
+                              </p:par>
+                            </p:childTnLst>
+                          </p:cTn>
+                        </p:par>
+                      </p:childTnLst>
+                    </p:cTn>
+                  </p:par>
+                </p:childTnLst>
+              </p:cTn>
+              <p:prevCondLst>
+                <p:cond evt="onPrev" delay="0">
+                  <p:tgtEl>
+                    <p:sldTgt/>
+                  </p:tgtEl>
+                </p:cond>
+              </p:prevCondLst>
+              <p:nextCondLst>
+                <p:cond evt="onNext" delay="0">
+                  <p:tgtEl>
+                    <p:sldTgt/>
+                  </p:tgtEl>
+                </p:cond>
+              </p:nextCondLst>
+            </p:seq>
+          </p:childTnLst>
+        </p:cTn>
       </p:par>
     </p:tnLst>
   </p:timing>
@@ -14598,18 +16111,17 @@
               <a:t>outputs</a:t>
             </a:r>
             <a:r>
-              <a:rPr lang="nl-NL" smtClean="0"/>
+              <a:rPr lang="nl-NL" dirty="0" smtClean="0"/>
               <a:t>(C</a:t>
             </a:r>
             <a:r>
-              <a:rPr lang="nl-NL" baseline="-25000" smtClean="0"/>
+              <a:rPr lang="nl-NL" baseline="-25000" dirty="0" smtClean="0"/>
               <a:t>a</a:t>
             </a:r>
             <a:r>
-              <a:rPr lang="nl-NL" smtClean="0"/>
+              <a:rPr lang="nl-NL" dirty="0" smtClean="0"/>
               <a:t>)) = {(0,0,0), (1,0,0), (0,0,1), (1,0,1), (0,1,1), (1,1,1)}</a:t>
             </a:r>
-            <a:endParaRPr lang="nl-NL" dirty="0" smtClean="0"/>
           </a:p>
         </p:txBody>
       </p:sp>
@@ -14961,13 +16473,13 @@
   <p:clrMapOvr>
     <a:masterClrMapping/>
   </p:clrMapOvr>
-  <mc:AlternateContent xmlns:mc="http://schemas.openxmlformats.org/markup-compatibility/2006">
-    <mc:Choice xmlns:p14="http://schemas.microsoft.com/office/powerpoint/2010/main" Requires="p14">
+  <mc:AlternateContent xmlns:mc="http://schemas.openxmlformats.org/markup-compatibility/2006" xmlns:p14="http://schemas.microsoft.com/office/powerpoint/2010/main">
+    <mc:Choice Requires="p14">
       <p:transition spd="med" p14:dur="700">
         <p:fade/>
       </p:transition>
     </mc:Choice>
-    <mc:Fallback>
+    <mc:Fallback xmlns="">
       <p:transition xmlns:p14="http://schemas.microsoft.com/office/powerpoint/2010/main" spd="med">
         <p:fade/>
       </p:transition>
@@ -14976,9 +16488,249 @@
   <p:timing>
     <p:tnLst>
       <p:par>
-        <p:cTn xmlns:p14="http://schemas.microsoft.com/office/powerpoint/2010/main" id="1" dur="indefinite" restart="never" nodeType="tmRoot"/>
+        <p:cTn xmlns:p14="http://schemas.microsoft.com/office/powerpoint/2010/main" id="1" dur="indefinite" restart="never" nodeType="tmRoot">
+          <p:childTnLst>
+            <p:seq concurrent="1" nextAc="seek">
+              <p:cTn id="2" dur="indefinite" nodeType="mainSeq">
+                <p:childTnLst>
+                  <p:par>
+                    <p:cTn id="3" fill="hold">
+                      <p:stCondLst>
+                        <p:cond delay="indefinite"/>
+                      </p:stCondLst>
+                      <p:childTnLst>
+                        <p:par>
+                          <p:cTn id="4" fill="hold">
+                            <p:stCondLst>
+                              <p:cond delay="0"/>
+                            </p:stCondLst>
+                            <p:childTnLst>
+                              <p:par>
+                                <p:cTn id="5" presetID="2" presetClass="entr" presetSubtype="4" fill="hold" grpId="0" nodeType="clickEffect">
+                                  <p:stCondLst>
+                                    <p:cond delay="0"/>
+                                  </p:stCondLst>
+                                  <p:childTnLst>
+                                    <p:set>
+                                      <p:cBhvr>
+                                        <p:cTn id="6" dur="1" fill="hold">
+                                          <p:stCondLst>
+                                            <p:cond delay="0"/>
+                                          </p:stCondLst>
+                                        </p:cTn>
+                                        <p:tgtEl>
+                                          <p:spTgt spid="6"/>
+                                        </p:tgtEl>
+                                        <p:attrNameLst>
+                                          <p:attrName>style.visibility</p:attrName>
+                                        </p:attrNameLst>
+                                      </p:cBhvr>
+                                      <p:to>
+                                        <p:strVal val="visible"/>
+                                      </p:to>
+                                    </p:set>
+                                    <p:anim calcmode="lin" valueType="num">
+                                      <p:cBhvr additive="base">
+                                        <p:cTn id="7" dur="500" fill="hold"/>
+                                        <p:tgtEl>
+                                          <p:spTgt spid="6"/>
+                                        </p:tgtEl>
+                                        <p:attrNameLst>
+                                          <p:attrName>ppt_x</p:attrName>
+                                        </p:attrNameLst>
+                                      </p:cBhvr>
+                                      <p:tavLst>
+                                        <p:tav tm="0">
+                                          <p:val>
+                                            <p:strVal val="#ppt_x"/>
+                                          </p:val>
+                                        </p:tav>
+                                        <p:tav tm="100000">
+                                          <p:val>
+                                            <p:strVal val="#ppt_x"/>
+                                          </p:val>
+                                        </p:tav>
+                                      </p:tavLst>
+                                    </p:anim>
+                                    <p:anim calcmode="lin" valueType="num">
+                                      <p:cBhvr additive="base">
+                                        <p:cTn id="8" dur="500" fill="hold"/>
+                                        <p:tgtEl>
+                                          <p:spTgt spid="6"/>
+                                        </p:tgtEl>
+                                        <p:attrNameLst>
+                                          <p:attrName>ppt_y</p:attrName>
+                                        </p:attrNameLst>
+                                      </p:cBhvr>
+                                      <p:tavLst>
+                                        <p:tav tm="0">
+                                          <p:val>
+                                            <p:strVal val="1+#ppt_h/2"/>
+                                          </p:val>
+                                        </p:tav>
+                                        <p:tav tm="100000">
+                                          <p:val>
+                                            <p:strVal val="#ppt_y"/>
+                                          </p:val>
+                                        </p:tav>
+                                      </p:tavLst>
+                                    </p:anim>
+                                  </p:childTnLst>
+                                </p:cTn>
+                              </p:par>
+                            </p:childTnLst>
+                          </p:cTn>
+                        </p:par>
+                      </p:childTnLst>
+                    </p:cTn>
+                  </p:par>
+                  <p:par>
+                    <p:cTn id="9" fill="hold">
+                      <p:stCondLst>
+                        <p:cond delay="indefinite"/>
+                      </p:stCondLst>
+                      <p:childTnLst>
+                        <p:par>
+                          <p:cTn id="10" fill="hold">
+                            <p:stCondLst>
+                              <p:cond delay="0"/>
+                            </p:stCondLst>
+                            <p:childTnLst>
+                              <p:par>
+                                <p:cTn id="11" presetID="10" presetClass="entr" presetSubtype="0" fill="hold" grpId="0" nodeType="clickEffect">
+                                  <p:stCondLst>
+                                    <p:cond delay="0"/>
+                                  </p:stCondLst>
+                                  <p:childTnLst>
+                                    <p:set>
+                                      <p:cBhvr>
+                                        <p:cTn id="12" dur="1" fill="hold">
+                                          <p:stCondLst>
+                                            <p:cond delay="0"/>
+                                          </p:stCondLst>
+                                        </p:cTn>
+                                        <p:tgtEl>
+                                          <p:spTgt spid="5">
+                                            <p:txEl>
+                                              <p:pRg st="0" end="0"/>
+                                            </p:txEl>
+                                          </p:spTgt>
+                                        </p:tgtEl>
+                                        <p:attrNameLst>
+                                          <p:attrName>style.visibility</p:attrName>
+                                        </p:attrNameLst>
+                                      </p:cBhvr>
+                                      <p:to>
+                                        <p:strVal val="visible"/>
+                                      </p:to>
+                                    </p:set>
+                                    <p:animEffect transition="in" filter="fade">
+                                      <p:cBhvr>
+                                        <p:cTn id="13" dur="500"/>
+                                        <p:tgtEl>
+                                          <p:spTgt spid="5">
+                                            <p:txEl>
+                                              <p:pRg st="0" end="0"/>
+                                            </p:txEl>
+                                          </p:spTgt>
+                                        </p:tgtEl>
+                                      </p:cBhvr>
+                                    </p:animEffect>
+                                  </p:childTnLst>
+                                </p:cTn>
+                              </p:par>
+                            </p:childTnLst>
+                          </p:cTn>
+                        </p:par>
+                      </p:childTnLst>
+                    </p:cTn>
+                  </p:par>
+                  <p:par>
+                    <p:cTn id="14" fill="hold">
+                      <p:stCondLst>
+                        <p:cond delay="indefinite"/>
+                      </p:stCondLst>
+                      <p:childTnLst>
+                        <p:par>
+                          <p:cTn id="15" fill="hold">
+                            <p:stCondLst>
+                              <p:cond delay="0"/>
+                            </p:stCondLst>
+                            <p:childTnLst>
+                              <p:par>
+                                <p:cTn id="16" presetID="10" presetClass="entr" presetSubtype="0" fill="hold" grpId="0" nodeType="clickEffect">
+                                  <p:stCondLst>
+                                    <p:cond delay="0"/>
+                                  </p:stCondLst>
+                                  <p:childTnLst>
+                                    <p:set>
+                                      <p:cBhvr>
+                                        <p:cTn id="17" dur="1" fill="hold">
+                                          <p:stCondLst>
+                                            <p:cond delay="0"/>
+                                          </p:stCondLst>
+                                        </p:cTn>
+                                        <p:tgtEl>
+                                          <p:spTgt spid="5">
+                                            <p:txEl>
+                                              <p:pRg st="1" end="1"/>
+                                            </p:txEl>
+                                          </p:spTgt>
+                                        </p:tgtEl>
+                                        <p:attrNameLst>
+                                          <p:attrName>style.visibility</p:attrName>
+                                        </p:attrNameLst>
+                                      </p:cBhvr>
+                                      <p:to>
+                                        <p:strVal val="visible"/>
+                                      </p:to>
+                                    </p:set>
+                                    <p:animEffect transition="in" filter="fade">
+                                      <p:cBhvr>
+                                        <p:cTn id="18" dur="500"/>
+                                        <p:tgtEl>
+                                          <p:spTgt spid="5">
+                                            <p:txEl>
+                                              <p:pRg st="1" end="1"/>
+                                            </p:txEl>
+                                          </p:spTgt>
+                                        </p:tgtEl>
+                                      </p:cBhvr>
+                                    </p:animEffect>
+                                  </p:childTnLst>
+                                </p:cTn>
+                              </p:par>
+                            </p:childTnLst>
+                          </p:cTn>
+                        </p:par>
+                      </p:childTnLst>
+                    </p:cTn>
+                  </p:par>
+                </p:childTnLst>
+              </p:cTn>
+              <p:prevCondLst>
+                <p:cond evt="onPrev" delay="0">
+                  <p:tgtEl>
+                    <p:sldTgt/>
+                  </p:tgtEl>
+                </p:cond>
+              </p:prevCondLst>
+              <p:nextCondLst>
+                <p:cond evt="onNext" delay="0">
+                  <p:tgtEl>
+                    <p:sldTgt/>
+                  </p:tgtEl>
+                </p:cond>
+              </p:nextCondLst>
+            </p:seq>
+          </p:childTnLst>
+        </p:cTn>
       </p:par>
     </p:tnLst>
+    <p:bldLst>
+      <p:bldP spid="5" grpId="0" build="p"/>
+      <p:bldP spid="6" grpId="0" animBg="1"/>
+    </p:bldLst>
   </p:timing>
 </p:sld>
 </file>
@@ -15176,13 +16928,13 @@
   <p:clrMapOvr>
     <a:masterClrMapping/>
   </p:clrMapOvr>
-  <mc:AlternateContent xmlns:mc="http://schemas.openxmlformats.org/markup-compatibility/2006">
-    <mc:Choice xmlns:p14="http://schemas.microsoft.com/office/powerpoint/2010/main" Requires="p14">
+  <mc:AlternateContent xmlns:mc="http://schemas.openxmlformats.org/markup-compatibility/2006" xmlns:p14="http://schemas.microsoft.com/office/powerpoint/2010/main">
+    <mc:Choice Requires="p14">
       <p:transition spd="med" p14:dur="700">
         <p:fade/>
       </p:transition>
     </mc:Choice>
-    <mc:Fallback>
+    <mc:Fallback xmlns="">
       <p:transition xmlns:p14="http://schemas.microsoft.com/office/powerpoint/2010/main" spd="med">
         <p:fade/>
       </p:transition>
@@ -15191,9 +16943,279 @@
   <p:timing>
     <p:tnLst>
       <p:par>
-        <p:cTn xmlns:p14="http://schemas.microsoft.com/office/powerpoint/2010/main" id="1" dur="indefinite" restart="never" nodeType="tmRoot"/>
+        <p:cTn xmlns:p14="http://schemas.microsoft.com/office/powerpoint/2010/main" id="1" dur="indefinite" restart="never" nodeType="tmRoot">
+          <p:childTnLst>
+            <p:seq concurrent="1" nextAc="seek">
+              <p:cTn id="2" dur="indefinite" nodeType="mainSeq">
+                <p:childTnLst>
+                  <p:par>
+                    <p:cTn id="3" fill="hold">
+                      <p:stCondLst>
+                        <p:cond delay="indefinite"/>
+                      </p:stCondLst>
+                      <p:childTnLst>
+                        <p:par>
+                          <p:cTn id="4" fill="hold">
+                            <p:stCondLst>
+                              <p:cond delay="0"/>
+                            </p:stCondLst>
+                            <p:childTnLst>
+                              <p:par>
+                                <p:cTn id="5" presetID="10" presetClass="entr" presetSubtype="0" fill="hold" grpId="0" nodeType="clickEffect">
+                                  <p:stCondLst>
+                                    <p:cond delay="0"/>
+                                  </p:stCondLst>
+                                  <p:childTnLst>
+                                    <p:set>
+                                      <p:cBhvr>
+                                        <p:cTn id="6" dur="1" fill="hold">
+                                          <p:stCondLst>
+                                            <p:cond delay="0"/>
+                                          </p:stCondLst>
+                                        </p:cTn>
+                                        <p:tgtEl>
+                                          <p:spTgt spid="3">
+                                            <p:txEl>
+                                              <p:pRg st="0" end="0"/>
+                                            </p:txEl>
+                                          </p:spTgt>
+                                        </p:tgtEl>
+                                        <p:attrNameLst>
+                                          <p:attrName>style.visibility</p:attrName>
+                                        </p:attrNameLst>
+                                      </p:cBhvr>
+                                      <p:to>
+                                        <p:strVal val="visible"/>
+                                      </p:to>
+                                    </p:set>
+                                    <p:animEffect transition="in" filter="fade">
+                                      <p:cBhvr>
+                                        <p:cTn id="7" dur="500"/>
+                                        <p:tgtEl>
+                                          <p:spTgt spid="3">
+                                            <p:txEl>
+                                              <p:pRg st="0" end="0"/>
+                                            </p:txEl>
+                                          </p:spTgt>
+                                        </p:tgtEl>
+                                      </p:cBhvr>
+                                    </p:animEffect>
+                                  </p:childTnLst>
+                                </p:cTn>
+                              </p:par>
+                            </p:childTnLst>
+                          </p:cTn>
+                        </p:par>
+                      </p:childTnLst>
+                    </p:cTn>
+                  </p:par>
+                  <p:par>
+                    <p:cTn id="8" fill="hold">
+                      <p:stCondLst>
+                        <p:cond delay="indefinite"/>
+                      </p:stCondLst>
+                      <p:childTnLst>
+                        <p:par>
+                          <p:cTn id="9" fill="hold">
+                            <p:stCondLst>
+                              <p:cond delay="0"/>
+                            </p:stCondLst>
+                            <p:childTnLst>
+                              <p:par>
+                                <p:cTn id="10" presetID="10" presetClass="entr" presetSubtype="0" fill="hold" grpId="0" nodeType="clickEffect">
+                                  <p:stCondLst>
+                                    <p:cond delay="0"/>
+                                  </p:stCondLst>
+                                  <p:childTnLst>
+                                    <p:set>
+                                      <p:cBhvr>
+                                        <p:cTn id="11" dur="1" fill="hold">
+                                          <p:stCondLst>
+                                            <p:cond delay="0"/>
+                                          </p:stCondLst>
+                                        </p:cTn>
+                                        <p:tgtEl>
+                                          <p:spTgt spid="3">
+                                            <p:txEl>
+                                              <p:pRg st="1" end="1"/>
+                                            </p:txEl>
+                                          </p:spTgt>
+                                        </p:tgtEl>
+                                        <p:attrNameLst>
+                                          <p:attrName>style.visibility</p:attrName>
+                                        </p:attrNameLst>
+                                      </p:cBhvr>
+                                      <p:to>
+                                        <p:strVal val="visible"/>
+                                      </p:to>
+                                    </p:set>
+                                    <p:animEffect transition="in" filter="fade">
+                                      <p:cBhvr>
+                                        <p:cTn id="12" dur="500"/>
+                                        <p:tgtEl>
+                                          <p:spTgt spid="3">
+                                            <p:txEl>
+                                              <p:pRg st="1" end="1"/>
+                                            </p:txEl>
+                                          </p:spTgt>
+                                        </p:tgtEl>
+                                      </p:cBhvr>
+                                    </p:animEffect>
+                                  </p:childTnLst>
+                                </p:cTn>
+                              </p:par>
+                            </p:childTnLst>
+                          </p:cTn>
+                        </p:par>
+                      </p:childTnLst>
+                    </p:cTn>
+                  </p:par>
+                  <p:par>
+                    <p:cTn id="13" fill="hold">
+                      <p:stCondLst>
+                        <p:cond delay="indefinite"/>
+                      </p:stCondLst>
+                      <p:childTnLst>
+                        <p:par>
+                          <p:cTn id="14" fill="hold">
+                            <p:stCondLst>
+                              <p:cond delay="0"/>
+                            </p:stCondLst>
+                            <p:childTnLst>
+                              <p:par>
+                                <p:cTn id="15" presetID="10" presetClass="entr" presetSubtype="0" fill="hold" grpId="0" nodeType="clickEffect">
+                                  <p:stCondLst>
+                                    <p:cond delay="0"/>
+                                  </p:stCondLst>
+                                  <p:childTnLst>
+                                    <p:set>
+                                      <p:cBhvr>
+                                        <p:cTn id="16" dur="1" fill="hold">
+                                          <p:stCondLst>
+                                            <p:cond delay="0"/>
+                                          </p:stCondLst>
+                                        </p:cTn>
+                                        <p:tgtEl>
+                                          <p:spTgt spid="3">
+                                            <p:txEl>
+                                              <p:pRg st="2" end="2"/>
+                                            </p:txEl>
+                                          </p:spTgt>
+                                        </p:tgtEl>
+                                        <p:attrNameLst>
+                                          <p:attrName>style.visibility</p:attrName>
+                                        </p:attrNameLst>
+                                      </p:cBhvr>
+                                      <p:to>
+                                        <p:strVal val="visible"/>
+                                      </p:to>
+                                    </p:set>
+                                    <p:animEffect transition="in" filter="fade">
+                                      <p:cBhvr>
+                                        <p:cTn id="17" dur="500"/>
+                                        <p:tgtEl>
+                                          <p:spTgt spid="3">
+                                            <p:txEl>
+                                              <p:pRg st="2" end="2"/>
+                                            </p:txEl>
+                                          </p:spTgt>
+                                        </p:tgtEl>
+                                      </p:cBhvr>
+                                    </p:animEffect>
+                                  </p:childTnLst>
+                                </p:cTn>
+                              </p:par>
+                            </p:childTnLst>
+                          </p:cTn>
+                        </p:par>
+                      </p:childTnLst>
+                    </p:cTn>
+                  </p:par>
+                  <p:par>
+                    <p:cTn id="18" fill="hold">
+                      <p:stCondLst>
+                        <p:cond delay="indefinite"/>
+                      </p:stCondLst>
+                      <p:childTnLst>
+                        <p:par>
+                          <p:cTn id="19" fill="hold">
+                            <p:stCondLst>
+                              <p:cond delay="0"/>
+                            </p:stCondLst>
+                            <p:childTnLst>
+                              <p:par>
+                                <p:cTn id="20" presetID="10" presetClass="entr" presetSubtype="0" fill="hold" grpId="0" nodeType="clickEffect">
+                                  <p:stCondLst>
+                                    <p:cond delay="0"/>
+                                  </p:stCondLst>
+                                  <p:childTnLst>
+                                    <p:set>
+                                      <p:cBhvr>
+                                        <p:cTn id="21" dur="1" fill="hold">
+                                          <p:stCondLst>
+                                            <p:cond delay="0"/>
+                                          </p:stCondLst>
+                                        </p:cTn>
+                                        <p:tgtEl>
+                                          <p:spTgt spid="3">
+                                            <p:txEl>
+                                              <p:pRg st="3" end="3"/>
+                                            </p:txEl>
+                                          </p:spTgt>
+                                        </p:tgtEl>
+                                        <p:attrNameLst>
+                                          <p:attrName>style.visibility</p:attrName>
+                                        </p:attrNameLst>
+                                      </p:cBhvr>
+                                      <p:to>
+                                        <p:strVal val="visible"/>
+                                      </p:to>
+                                    </p:set>
+                                    <p:animEffect transition="in" filter="fade">
+                                      <p:cBhvr>
+                                        <p:cTn id="22" dur="500"/>
+                                        <p:tgtEl>
+                                          <p:spTgt spid="3">
+                                            <p:txEl>
+                                              <p:pRg st="3" end="3"/>
+                                            </p:txEl>
+                                          </p:spTgt>
+                                        </p:tgtEl>
+                                      </p:cBhvr>
+                                    </p:animEffect>
+                                  </p:childTnLst>
+                                </p:cTn>
+                              </p:par>
+                            </p:childTnLst>
+                          </p:cTn>
+                        </p:par>
+                      </p:childTnLst>
+                    </p:cTn>
+                  </p:par>
+                </p:childTnLst>
+              </p:cTn>
+              <p:prevCondLst>
+                <p:cond evt="onPrev" delay="0">
+                  <p:tgtEl>
+                    <p:sldTgt/>
+                  </p:tgtEl>
+                </p:cond>
+              </p:prevCondLst>
+              <p:nextCondLst>
+                <p:cond evt="onNext" delay="0">
+                  <p:tgtEl>
+                    <p:sldTgt/>
+                  </p:tgtEl>
+                </p:cond>
+              </p:nextCondLst>
+            </p:seq>
+          </p:childTnLst>
+        </p:cTn>
       </p:par>
     </p:tnLst>
+    <p:bldLst>
+      <p:bldP spid="3" grpId="0" build="p"/>
+    </p:bldLst>
   </p:timing>
 </p:sld>
 </file>
@@ -15316,13 +17338,13 @@
   <p:clrMapOvr>
     <a:masterClrMapping/>
   </p:clrMapOvr>
-  <mc:AlternateContent xmlns:mc="http://schemas.openxmlformats.org/markup-compatibility/2006">
-    <mc:Choice xmlns:p14="http://schemas.microsoft.com/office/powerpoint/2010/main" Requires="p14">
+  <mc:AlternateContent xmlns:mc="http://schemas.openxmlformats.org/markup-compatibility/2006" xmlns:p14="http://schemas.microsoft.com/office/powerpoint/2010/main">
+    <mc:Choice Requires="p14">
       <p:transition spd="med" p14:dur="700">
         <p:fade/>
       </p:transition>
     </mc:Choice>
-    <mc:Fallback>
+    <mc:Fallback xmlns="">
       <p:transition xmlns:p14="http://schemas.microsoft.com/office/powerpoint/2010/main" spd="med">
         <p:fade/>
       </p:transition>
@@ -15614,13 +17636,13 @@
   <p:clrMapOvr>
     <a:masterClrMapping/>
   </p:clrMapOvr>
-  <mc:AlternateContent xmlns:mc="http://schemas.openxmlformats.org/markup-compatibility/2006">
-    <mc:Choice xmlns:p14="http://schemas.microsoft.com/office/powerpoint/2010/main" Requires="p14">
+  <mc:AlternateContent xmlns:mc="http://schemas.openxmlformats.org/markup-compatibility/2006" xmlns:p14="http://schemas.microsoft.com/office/powerpoint/2010/main">
+    <mc:Choice Requires="p14">
       <p:transition spd="med" p14:dur="700">
         <p:fade/>
       </p:transition>
     </mc:Choice>
-    <mc:Fallback>
+    <mc:Fallback xmlns="">
       <p:transition xmlns:p14="http://schemas.microsoft.com/office/powerpoint/2010/main" spd="med">
         <p:fade/>
       </p:transition>
@@ -15629,7 +17651,343 @@
   <p:timing>
     <p:tnLst>
       <p:par>
-        <p:cTn xmlns:p14="http://schemas.microsoft.com/office/powerpoint/2010/main" id="1" dur="indefinite" restart="never" nodeType="tmRoot"/>
+        <p:cTn xmlns:p14="http://schemas.microsoft.com/office/powerpoint/2010/main" id="1" dur="indefinite" restart="never" nodeType="tmRoot">
+          <p:childTnLst>
+            <p:seq concurrent="1" nextAc="seek">
+              <p:cTn id="2" dur="indefinite" nodeType="mainSeq">
+                <p:childTnLst>
+                  <p:par>
+                    <p:cTn id="3" fill="hold">
+                      <p:stCondLst>
+                        <p:cond delay="indefinite"/>
+                      </p:stCondLst>
+                      <p:childTnLst>
+                        <p:par>
+                          <p:cTn id="4" fill="hold">
+                            <p:stCondLst>
+                              <p:cond delay="0"/>
+                            </p:stCondLst>
+                            <p:childTnLst>
+                              <p:par>
+                                <p:cTn id="5" presetID="10" presetClass="entr" presetSubtype="0" fill="hold" nodeType="clickEffect">
+                                  <p:stCondLst>
+                                    <p:cond delay="0"/>
+                                  </p:stCondLst>
+                                  <p:childTnLst>
+                                    <p:set>
+                                      <p:cBhvr>
+                                        <p:cTn id="6" dur="1" fill="hold">
+                                          <p:stCondLst>
+                                            <p:cond delay="0"/>
+                                          </p:stCondLst>
+                                        </p:cTn>
+                                        <p:tgtEl>
+                                          <p:spTgt spid="3">
+                                            <p:txEl>
+                                              <p:pRg st="0" end="0"/>
+                                            </p:txEl>
+                                          </p:spTgt>
+                                        </p:tgtEl>
+                                        <p:attrNameLst>
+                                          <p:attrName>style.visibility</p:attrName>
+                                        </p:attrNameLst>
+                                      </p:cBhvr>
+                                      <p:to>
+                                        <p:strVal val="visible"/>
+                                      </p:to>
+                                    </p:set>
+                                    <p:animEffect transition="in" filter="fade">
+                                      <p:cBhvr>
+                                        <p:cTn id="7" dur="500"/>
+                                        <p:tgtEl>
+                                          <p:spTgt spid="3">
+                                            <p:txEl>
+                                              <p:pRg st="0" end="0"/>
+                                            </p:txEl>
+                                          </p:spTgt>
+                                        </p:tgtEl>
+                                      </p:cBhvr>
+                                    </p:animEffect>
+                                  </p:childTnLst>
+                                </p:cTn>
+                              </p:par>
+                            </p:childTnLst>
+                          </p:cTn>
+                        </p:par>
+                        <p:par>
+                          <p:cTn id="8" fill="hold">
+                            <p:stCondLst>
+                              <p:cond delay="500"/>
+                            </p:stCondLst>
+                            <p:childTnLst>
+                              <p:par>
+                                <p:cTn id="9" presetID="10" presetClass="entr" presetSubtype="0" fill="hold" nodeType="afterEffect">
+                                  <p:stCondLst>
+                                    <p:cond delay="0"/>
+                                  </p:stCondLst>
+                                  <p:childTnLst>
+                                    <p:set>
+                                      <p:cBhvr>
+                                        <p:cTn id="10" dur="1" fill="hold">
+                                          <p:stCondLst>
+                                            <p:cond delay="0"/>
+                                          </p:stCondLst>
+                                        </p:cTn>
+                                        <p:tgtEl>
+                                          <p:spTgt spid="4"/>
+                                        </p:tgtEl>
+                                        <p:attrNameLst>
+                                          <p:attrName>style.visibility</p:attrName>
+                                        </p:attrNameLst>
+                                      </p:cBhvr>
+                                      <p:to>
+                                        <p:strVal val="visible"/>
+                                      </p:to>
+                                    </p:set>
+                                    <p:animEffect transition="in" filter="fade">
+                                      <p:cBhvr>
+                                        <p:cTn id="11" dur="500"/>
+                                        <p:tgtEl>
+                                          <p:spTgt spid="4"/>
+                                        </p:tgtEl>
+                                      </p:cBhvr>
+                                    </p:animEffect>
+                                  </p:childTnLst>
+                                </p:cTn>
+                              </p:par>
+                            </p:childTnLst>
+                          </p:cTn>
+                        </p:par>
+                      </p:childTnLst>
+                    </p:cTn>
+                  </p:par>
+                  <p:par>
+                    <p:cTn id="12" fill="hold">
+                      <p:stCondLst>
+                        <p:cond delay="indefinite"/>
+                      </p:stCondLst>
+                      <p:childTnLst>
+                        <p:par>
+                          <p:cTn id="13" fill="hold">
+                            <p:stCondLst>
+                              <p:cond delay="0"/>
+                            </p:stCondLst>
+                            <p:childTnLst>
+                              <p:par>
+                                <p:cTn id="14" presetID="10" presetClass="entr" presetSubtype="0" fill="hold" nodeType="clickEffect">
+                                  <p:stCondLst>
+                                    <p:cond delay="0"/>
+                                  </p:stCondLst>
+                                  <p:childTnLst>
+                                    <p:set>
+                                      <p:cBhvr>
+                                        <p:cTn id="15" dur="1" fill="hold">
+                                          <p:stCondLst>
+                                            <p:cond delay="0"/>
+                                          </p:stCondLst>
+                                        </p:cTn>
+                                        <p:tgtEl>
+                                          <p:spTgt spid="3">
+                                            <p:txEl>
+                                              <p:pRg st="1" end="1"/>
+                                            </p:txEl>
+                                          </p:spTgt>
+                                        </p:tgtEl>
+                                        <p:attrNameLst>
+                                          <p:attrName>style.visibility</p:attrName>
+                                        </p:attrNameLst>
+                                      </p:cBhvr>
+                                      <p:to>
+                                        <p:strVal val="visible"/>
+                                      </p:to>
+                                    </p:set>
+                                    <p:animEffect transition="in" filter="fade">
+                                      <p:cBhvr>
+                                        <p:cTn id="16" dur="500"/>
+                                        <p:tgtEl>
+                                          <p:spTgt spid="3">
+                                            <p:txEl>
+                                              <p:pRg st="1" end="1"/>
+                                            </p:txEl>
+                                          </p:spTgt>
+                                        </p:tgtEl>
+                                      </p:cBhvr>
+                                    </p:animEffect>
+                                  </p:childTnLst>
+                                </p:cTn>
+                              </p:par>
+                            </p:childTnLst>
+                          </p:cTn>
+                        </p:par>
+                      </p:childTnLst>
+                    </p:cTn>
+                  </p:par>
+                  <p:par>
+                    <p:cTn id="17" fill="hold">
+                      <p:stCondLst>
+                        <p:cond delay="indefinite"/>
+                      </p:stCondLst>
+                      <p:childTnLst>
+                        <p:par>
+                          <p:cTn id="18" fill="hold">
+                            <p:stCondLst>
+                              <p:cond delay="0"/>
+                            </p:stCondLst>
+                            <p:childTnLst>
+                              <p:par>
+                                <p:cTn id="19" presetID="10" presetClass="entr" presetSubtype="0" fill="hold" nodeType="clickEffect">
+                                  <p:stCondLst>
+                                    <p:cond delay="0"/>
+                                  </p:stCondLst>
+                                  <p:childTnLst>
+                                    <p:set>
+                                      <p:cBhvr>
+                                        <p:cTn id="20" dur="1" fill="hold">
+                                          <p:stCondLst>
+                                            <p:cond delay="0"/>
+                                          </p:stCondLst>
+                                        </p:cTn>
+                                        <p:tgtEl>
+                                          <p:spTgt spid="3">
+                                            <p:txEl>
+                                              <p:pRg st="2" end="2"/>
+                                            </p:txEl>
+                                          </p:spTgt>
+                                        </p:tgtEl>
+                                        <p:attrNameLst>
+                                          <p:attrName>style.visibility</p:attrName>
+                                        </p:attrNameLst>
+                                      </p:cBhvr>
+                                      <p:to>
+                                        <p:strVal val="visible"/>
+                                      </p:to>
+                                    </p:set>
+                                    <p:animEffect transition="in" filter="fade">
+                                      <p:cBhvr>
+                                        <p:cTn id="21" dur="500"/>
+                                        <p:tgtEl>
+                                          <p:spTgt spid="3">
+                                            <p:txEl>
+                                              <p:pRg st="2" end="2"/>
+                                            </p:txEl>
+                                          </p:spTgt>
+                                        </p:tgtEl>
+                                      </p:cBhvr>
+                                    </p:animEffect>
+                                  </p:childTnLst>
+                                </p:cTn>
+                              </p:par>
+                              <p:par>
+                                <p:cTn id="22" presetID="10" presetClass="entr" presetSubtype="0" fill="hold" nodeType="withEffect">
+                                  <p:stCondLst>
+                                    <p:cond delay="0"/>
+                                  </p:stCondLst>
+                                  <p:childTnLst>
+                                    <p:set>
+                                      <p:cBhvr>
+                                        <p:cTn id="23" dur="1" fill="hold">
+                                          <p:stCondLst>
+                                            <p:cond delay="0"/>
+                                          </p:stCondLst>
+                                        </p:cTn>
+                                        <p:tgtEl>
+                                          <p:spTgt spid="3">
+                                            <p:txEl>
+                                              <p:pRg st="3" end="3"/>
+                                            </p:txEl>
+                                          </p:spTgt>
+                                        </p:tgtEl>
+                                        <p:attrNameLst>
+                                          <p:attrName>style.visibility</p:attrName>
+                                        </p:attrNameLst>
+                                      </p:cBhvr>
+                                      <p:to>
+                                        <p:strVal val="visible"/>
+                                      </p:to>
+                                    </p:set>
+                                    <p:animEffect transition="in" filter="fade">
+                                      <p:cBhvr>
+                                        <p:cTn id="24" dur="500"/>
+                                        <p:tgtEl>
+                                          <p:spTgt spid="3">
+                                            <p:txEl>
+                                              <p:pRg st="3" end="3"/>
+                                            </p:txEl>
+                                          </p:spTgt>
+                                        </p:tgtEl>
+                                      </p:cBhvr>
+                                    </p:animEffect>
+                                  </p:childTnLst>
+                                </p:cTn>
+                              </p:par>
+                              <p:par>
+                                <p:cTn id="25" presetID="10" presetClass="entr" presetSubtype="0" fill="hold" nodeType="withEffect">
+                                  <p:stCondLst>
+                                    <p:cond delay="0"/>
+                                  </p:stCondLst>
+                                  <p:childTnLst>
+                                    <p:set>
+                                      <p:cBhvr>
+                                        <p:cTn id="26" dur="1" fill="hold">
+                                          <p:stCondLst>
+                                            <p:cond delay="0"/>
+                                          </p:stCondLst>
+                                        </p:cTn>
+                                        <p:tgtEl>
+                                          <p:spTgt spid="3">
+                                            <p:txEl>
+                                              <p:pRg st="4" end="4"/>
+                                            </p:txEl>
+                                          </p:spTgt>
+                                        </p:tgtEl>
+                                        <p:attrNameLst>
+                                          <p:attrName>style.visibility</p:attrName>
+                                        </p:attrNameLst>
+                                      </p:cBhvr>
+                                      <p:to>
+                                        <p:strVal val="visible"/>
+                                      </p:to>
+                                    </p:set>
+                                    <p:animEffect transition="in" filter="fade">
+                                      <p:cBhvr>
+                                        <p:cTn id="27" dur="500"/>
+                                        <p:tgtEl>
+                                          <p:spTgt spid="3">
+                                            <p:txEl>
+                                              <p:pRg st="4" end="4"/>
+                                            </p:txEl>
+                                          </p:spTgt>
+                                        </p:tgtEl>
+                                      </p:cBhvr>
+                                    </p:animEffect>
+                                  </p:childTnLst>
+                                </p:cTn>
+                              </p:par>
+                            </p:childTnLst>
+                          </p:cTn>
+                        </p:par>
+                      </p:childTnLst>
+                    </p:cTn>
+                  </p:par>
+                </p:childTnLst>
+              </p:cTn>
+              <p:prevCondLst>
+                <p:cond evt="onPrev" delay="0">
+                  <p:tgtEl>
+                    <p:sldTgt/>
+                  </p:tgtEl>
+                </p:cond>
+              </p:prevCondLst>
+              <p:nextCondLst>
+                <p:cond evt="onNext" delay="0">
+                  <p:tgtEl>
+                    <p:sldTgt/>
+                  </p:tgtEl>
+                </p:cond>
+              </p:nextCondLst>
+            </p:seq>
+          </p:childTnLst>
+        </p:cTn>
       </p:par>
     </p:tnLst>
   </p:timing>
@@ -15700,11 +18058,7 @@
           <a:p>
             <a:r>
               <a:rPr lang="nl-NL" sz="2400" dirty="0" smtClean="0"/>
-              <a:t>I</a:t>
-            </a:r>
-            <a:r>
-              <a:rPr lang="nl-NL" sz="2400" dirty="0" smtClean="0"/>
-              <a:t>nleiding: sorting network</a:t>
+              <a:t>Inleiding: sorting network</a:t>
             </a:r>
           </a:p>
           <a:p>
@@ -15712,14 +18066,12 @@
               <a:rPr lang="nl-NL" sz="2400" dirty="0" smtClean="0"/>
               <a:t>Toepassingen</a:t>
             </a:r>
-            <a:endParaRPr lang="nl-NL" sz="2400" dirty="0" smtClean="0"/>
           </a:p>
           <a:p>
             <a:r>
               <a:rPr lang="nl-NL" sz="2400" dirty="0" smtClean="0"/>
               <a:t>Probleemstelling</a:t>
             </a:r>
-            <a:endParaRPr lang="nl-NL" sz="2400" dirty="0" smtClean="0"/>
           </a:p>
           <a:p>
             <a:r>
@@ -15732,7 +18084,6 @@
               <a:rPr lang="nl-NL" sz="2400" dirty="0" smtClean="0"/>
               <a:t>Conclusie</a:t>
             </a:r>
-            <a:endParaRPr lang="nl-NL" sz="2400" dirty="0" smtClean="0"/>
           </a:p>
         </p:txBody>
       </p:sp>
@@ -15769,13 +18120,13 @@
   <p:clrMapOvr>
     <a:masterClrMapping/>
   </p:clrMapOvr>
-  <mc:AlternateContent xmlns:mc="http://schemas.openxmlformats.org/markup-compatibility/2006">
-    <mc:Choice xmlns:p14="http://schemas.microsoft.com/office/powerpoint/2010/main" Requires="p14">
+  <mc:AlternateContent xmlns:mc="http://schemas.openxmlformats.org/markup-compatibility/2006" xmlns:p14="http://schemas.microsoft.com/office/powerpoint/2010/main">
+    <mc:Choice Requires="p14">
       <p:transition spd="med" p14:dur="700">
         <p:fade/>
       </p:transition>
     </mc:Choice>
-    <mc:Fallback>
+    <mc:Fallback xmlns="">
       <p:transition xmlns:p14="http://schemas.microsoft.com/office/powerpoint/2010/main" spd="med">
         <p:fade/>
       </p:transition>
@@ -15926,18 +18277,604 @@
   <p:clrMapOvr>
     <a:masterClrMapping/>
   </p:clrMapOvr>
-  <mc:AlternateContent xmlns:mc="http://schemas.openxmlformats.org/markup-compatibility/2006">
-    <mc:Choice xmlns:p14="http://schemas.microsoft.com/office/powerpoint/2010/main" Requires="p14">
+  <mc:AlternateContent xmlns:mc="http://schemas.openxmlformats.org/markup-compatibility/2006" xmlns:p14="http://schemas.microsoft.com/office/powerpoint/2010/main">
+    <mc:Choice Requires="p14">
       <p:transition spd="med" p14:dur="700">
         <p:fade/>
       </p:transition>
     </mc:Choice>
-    <mc:Fallback>
+    <mc:Fallback xmlns="">
       <p:transition xmlns:p14="http://schemas.microsoft.com/office/powerpoint/2010/main" spd="med">
         <p:fade/>
       </p:transition>
     </mc:Fallback>
   </mc:AlternateContent>
+  <p:timing>
+    <p:tnLst>
+      <p:par>
+        <p:cTn xmlns:p14="http://schemas.microsoft.com/office/powerpoint/2010/main" id="1" dur="indefinite" restart="never" nodeType="tmRoot">
+          <p:childTnLst>
+            <p:seq concurrent="1" nextAc="seek">
+              <p:cTn id="2" dur="indefinite" nodeType="mainSeq">
+                <p:childTnLst>
+                  <p:par>
+                    <p:cTn id="3" fill="hold">
+                      <p:stCondLst>
+                        <p:cond delay="indefinite"/>
+                      </p:stCondLst>
+                      <p:childTnLst>
+                        <p:par>
+                          <p:cTn id="4" fill="hold">
+                            <p:stCondLst>
+                              <p:cond delay="0"/>
+                            </p:stCondLst>
+                            <p:childTnLst>
+                              <p:par>
+                                <p:cTn id="5" presetID="25" presetClass="entr" presetSubtype="0" fill="hold" nodeType="clickEffect">
+                                  <p:stCondLst>
+                                    <p:cond delay="0"/>
+                                  </p:stCondLst>
+                                  <p:childTnLst>
+                                    <p:set>
+                                      <p:cBhvr>
+                                        <p:cTn id="6" dur="1" fill="hold">
+                                          <p:stCondLst>
+                                            <p:cond delay="0"/>
+                                          </p:stCondLst>
+                                        </p:cTn>
+                                        <p:tgtEl>
+                                          <p:spTgt spid="3">
+                                            <p:txEl>
+                                              <p:pRg st="0" end="0"/>
+                                            </p:txEl>
+                                          </p:spTgt>
+                                        </p:tgtEl>
+                                        <p:attrNameLst>
+                                          <p:attrName>style.visibility</p:attrName>
+                                        </p:attrNameLst>
+                                      </p:cBhvr>
+                                      <p:to>
+                                        <p:strVal val="visible"/>
+                                      </p:to>
+                                    </p:set>
+                                    <p:anim calcmode="lin" valueType="num">
+                                      <p:cBhvr>
+                                        <p:cTn id="7" dur="500" decel="50000" fill="hold">
+                                          <p:stCondLst>
+                                            <p:cond delay="0"/>
+                                          </p:stCondLst>
+                                        </p:cTn>
+                                        <p:tgtEl>
+                                          <p:spTgt spid="3">
+                                            <p:txEl>
+                                              <p:pRg st="0" end="0"/>
+                                            </p:txEl>
+                                          </p:spTgt>
+                                        </p:tgtEl>
+                                        <p:attrNameLst>
+                                          <p:attrName>style.rotation</p:attrName>
+                                        </p:attrNameLst>
+                                      </p:cBhvr>
+                                      <p:tavLst>
+                                        <p:tav tm="0">
+                                          <p:val>
+                                            <p:fltVal val="-90"/>
+                                          </p:val>
+                                        </p:tav>
+                                        <p:tav tm="100000">
+                                          <p:val>
+                                            <p:fltVal val="0"/>
+                                          </p:val>
+                                        </p:tav>
+                                      </p:tavLst>
+                                    </p:anim>
+                                    <p:anim calcmode="lin" valueType="num">
+                                      <p:cBhvr>
+                                        <p:cTn id="8" dur="500" decel="50000" fill="hold">
+                                          <p:stCondLst>
+                                            <p:cond delay="0"/>
+                                          </p:stCondLst>
+                                        </p:cTn>
+                                        <p:tgtEl>
+                                          <p:spTgt spid="3">
+                                            <p:txEl>
+                                              <p:pRg st="0" end="0"/>
+                                            </p:txEl>
+                                          </p:spTgt>
+                                        </p:tgtEl>
+                                        <p:attrNameLst>
+                                          <p:attrName>ppt_w</p:attrName>
+                                        </p:attrNameLst>
+                                      </p:cBhvr>
+                                      <p:tavLst>
+                                        <p:tav tm="0">
+                                          <p:val>
+                                            <p:strVal val="#ppt_w"/>
+                                          </p:val>
+                                        </p:tav>
+                                        <p:tav tm="100000">
+                                          <p:val>
+                                            <p:strVal val="#ppt_w*.05"/>
+                                          </p:val>
+                                        </p:tav>
+                                      </p:tavLst>
+                                    </p:anim>
+                                    <p:anim calcmode="lin" valueType="num">
+                                      <p:cBhvr>
+                                        <p:cTn id="9" dur="500" accel="50000" fill="hold">
+                                          <p:stCondLst>
+                                            <p:cond delay="500"/>
+                                          </p:stCondLst>
+                                        </p:cTn>
+                                        <p:tgtEl>
+                                          <p:spTgt spid="3">
+                                            <p:txEl>
+                                              <p:pRg st="0" end="0"/>
+                                            </p:txEl>
+                                          </p:spTgt>
+                                        </p:tgtEl>
+                                        <p:attrNameLst>
+                                          <p:attrName>ppt_w</p:attrName>
+                                        </p:attrNameLst>
+                                      </p:cBhvr>
+                                      <p:tavLst>
+                                        <p:tav tm="0">
+                                          <p:val>
+                                            <p:strVal val="#ppt_w*.05"/>
+                                          </p:val>
+                                        </p:tav>
+                                        <p:tav tm="100000">
+                                          <p:val>
+                                            <p:strVal val="#ppt_w"/>
+                                          </p:val>
+                                        </p:tav>
+                                      </p:tavLst>
+                                    </p:anim>
+                                    <p:anim calcmode="lin" valueType="num">
+                                      <p:cBhvr>
+                                        <p:cTn id="10" dur="1000" fill="hold"/>
+                                        <p:tgtEl>
+                                          <p:spTgt spid="3">
+                                            <p:txEl>
+                                              <p:pRg st="0" end="0"/>
+                                            </p:txEl>
+                                          </p:spTgt>
+                                        </p:tgtEl>
+                                        <p:attrNameLst>
+                                          <p:attrName>ppt_h</p:attrName>
+                                        </p:attrNameLst>
+                                      </p:cBhvr>
+                                      <p:tavLst>
+                                        <p:tav tm="0">
+                                          <p:val>
+                                            <p:strVal val="#ppt_h"/>
+                                          </p:val>
+                                        </p:tav>
+                                        <p:tav tm="100000">
+                                          <p:val>
+                                            <p:strVal val="#ppt_h"/>
+                                          </p:val>
+                                        </p:tav>
+                                      </p:tavLst>
+                                    </p:anim>
+                                    <p:anim calcmode="lin" valueType="num">
+                                      <p:cBhvr>
+                                        <p:cTn id="11" dur="500" decel="50000" fill="hold">
+                                          <p:stCondLst>
+                                            <p:cond delay="0"/>
+                                          </p:stCondLst>
+                                        </p:cTn>
+                                        <p:tgtEl>
+                                          <p:spTgt spid="3">
+                                            <p:txEl>
+                                              <p:pRg st="0" end="0"/>
+                                            </p:txEl>
+                                          </p:spTgt>
+                                        </p:tgtEl>
+                                        <p:attrNameLst>
+                                          <p:attrName>ppt_x</p:attrName>
+                                        </p:attrNameLst>
+                                      </p:cBhvr>
+                                      <p:tavLst>
+                                        <p:tav tm="0">
+                                          <p:val>
+                                            <p:strVal val="#ppt_x+.4"/>
+                                          </p:val>
+                                        </p:tav>
+                                        <p:tav tm="100000">
+                                          <p:val>
+                                            <p:strVal val="#ppt_x"/>
+                                          </p:val>
+                                        </p:tav>
+                                      </p:tavLst>
+                                    </p:anim>
+                                    <p:anim calcmode="lin" valueType="num">
+                                      <p:cBhvr>
+                                        <p:cTn id="12" dur="500" decel="50000" fill="hold">
+                                          <p:stCondLst>
+                                            <p:cond delay="0"/>
+                                          </p:stCondLst>
+                                        </p:cTn>
+                                        <p:tgtEl>
+                                          <p:spTgt spid="3">
+                                            <p:txEl>
+                                              <p:pRg st="0" end="0"/>
+                                            </p:txEl>
+                                          </p:spTgt>
+                                        </p:tgtEl>
+                                        <p:attrNameLst>
+                                          <p:attrName>ppt_y</p:attrName>
+                                        </p:attrNameLst>
+                                      </p:cBhvr>
+                                      <p:tavLst>
+                                        <p:tav tm="0">
+                                          <p:val>
+                                            <p:strVal val="#ppt_y-.2"/>
+                                          </p:val>
+                                        </p:tav>
+                                        <p:tav tm="100000">
+                                          <p:val>
+                                            <p:strVal val="#ppt_y+.1"/>
+                                          </p:val>
+                                        </p:tav>
+                                      </p:tavLst>
+                                    </p:anim>
+                                    <p:anim calcmode="lin" valueType="num">
+                                      <p:cBhvr>
+                                        <p:cTn id="13" dur="500" accel="50000" fill="hold">
+                                          <p:stCondLst>
+                                            <p:cond delay="500"/>
+                                          </p:stCondLst>
+                                        </p:cTn>
+                                        <p:tgtEl>
+                                          <p:spTgt spid="3">
+                                            <p:txEl>
+                                              <p:pRg st="0" end="0"/>
+                                            </p:txEl>
+                                          </p:spTgt>
+                                        </p:tgtEl>
+                                        <p:attrNameLst>
+                                          <p:attrName>ppt_y</p:attrName>
+                                        </p:attrNameLst>
+                                      </p:cBhvr>
+                                      <p:tavLst>
+                                        <p:tav tm="0">
+                                          <p:val>
+                                            <p:strVal val="#ppt_y+.1"/>
+                                          </p:val>
+                                        </p:tav>
+                                        <p:tav tm="100000">
+                                          <p:val>
+                                            <p:strVal val="#ppt_y"/>
+                                          </p:val>
+                                        </p:tav>
+                                      </p:tavLst>
+                                    </p:anim>
+                                    <p:animEffect transition="in" filter="fade">
+                                      <p:cBhvr>
+                                        <p:cTn id="14" dur="1000" decel="50000">
+                                          <p:stCondLst>
+                                            <p:cond delay="0"/>
+                                          </p:stCondLst>
+                                        </p:cTn>
+                                        <p:tgtEl>
+                                          <p:spTgt spid="3">
+                                            <p:txEl>
+                                              <p:pRg st="0" end="0"/>
+                                            </p:txEl>
+                                          </p:spTgt>
+                                        </p:tgtEl>
+                                      </p:cBhvr>
+                                    </p:animEffect>
+                                  </p:childTnLst>
+                                </p:cTn>
+                              </p:par>
+                            </p:childTnLst>
+                          </p:cTn>
+                        </p:par>
+                      </p:childTnLst>
+                    </p:cTn>
+                  </p:par>
+                  <p:par>
+                    <p:cTn id="15" fill="hold">
+                      <p:stCondLst>
+                        <p:cond delay="indefinite"/>
+                      </p:stCondLst>
+                      <p:childTnLst>
+                        <p:par>
+                          <p:cTn id="16" fill="hold">
+                            <p:stCondLst>
+                              <p:cond delay="0"/>
+                            </p:stCondLst>
+                            <p:childTnLst>
+                              <p:par>
+                                <p:cTn id="17" presetID="25" presetClass="entr" presetSubtype="0" fill="hold" nodeType="clickEffect">
+                                  <p:stCondLst>
+                                    <p:cond delay="0"/>
+                                  </p:stCondLst>
+                                  <p:childTnLst>
+                                    <p:set>
+                                      <p:cBhvr>
+                                        <p:cTn id="18" dur="1" fill="hold">
+                                          <p:stCondLst>
+                                            <p:cond delay="0"/>
+                                          </p:stCondLst>
+                                        </p:cTn>
+                                        <p:tgtEl>
+                                          <p:spTgt spid="3">
+                                            <p:txEl>
+                                              <p:pRg st="1" end="1"/>
+                                            </p:txEl>
+                                          </p:spTgt>
+                                        </p:tgtEl>
+                                        <p:attrNameLst>
+                                          <p:attrName>style.visibility</p:attrName>
+                                        </p:attrNameLst>
+                                      </p:cBhvr>
+                                      <p:to>
+                                        <p:strVal val="visible"/>
+                                      </p:to>
+                                    </p:set>
+                                    <p:anim calcmode="lin" valueType="num">
+                                      <p:cBhvr>
+                                        <p:cTn id="19" dur="500" decel="50000" fill="hold">
+                                          <p:stCondLst>
+                                            <p:cond delay="0"/>
+                                          </p:stCondLst>
+                                        </p:cTn>
+                                        <p:tgtEl>
+                                          <p:spTgt spid="3">
+                                            <p:txEl>
+                                              <p:pRg st="1" end="1"/>
+                                            </p:txEl>
+                                          </p:spTgt>
+                                        </p:tgtEl>
+                                        <p:attrNameLst>
+                                          <p:attrName>style.rotation</p:attrName>
+                                        </p:attrNameLst>
+                                      </p:cBhvr>
+                                      <p:tavLst>
+                                        <p:tav tm="0">
+                                          <p:val>
+                                            <p:fltVal val="-90"/>
+                                          </p:val>
+                                        </p:tav>
+                                        <p:tav tm="100000">
+                                          <p:val>
+                                            <p:fltVal val="0"/>
+                                          </p:val>
+                                        </p:tav>
+                                      </p:tavLst>
+                                    </p:anim>
+                                    <p:anim calcmode="lin" valueType="num">
+                                      <p:cBhvr>
+                                        <p:cTn id="20" dur="500" decel="50000" fill="hold">
+                                          <p:stCondLst>
+                                            <p:cond delay="0"/>
+                                          </p:stCondLst>
+                                        </p:cTn>
+                                        <p:tgtEl>
+                                          <p:spTgt spid="3">
+                                            <p:txEl>
+                                              <p:pRg st="1" end="1"/>
+                                            </p:txEl>
+                                          </p:spTgt>
+                                        </p:tgtEl>
+                                        <p:attrNameLst>
+                                          <p:attrName>ppt_w</p:attrName>
+                                        </p:attrNameLst>
+                                      </p:cBhvr>
+                                      <p:tavLst>
+                                        <p:tav tm="0">
+                                          <p:val>
+                                            <p:strVal val="#ppt_w"/>
+                                          </p:val>
+                                        </p:tav>
+                                        <p:tav tm="100000">
+                                          <p:val>
+                                            <p:strVal val="#ppt_w*.05"/>
+                                          </p:val>
+                                        </p:tav>
+                                      </p:tavLst>
+                                    </p:anim>
+                                    <p:anim calcmode="lin" valueType="num">
+                                      <p:cBhvr>
+                                        <p:cTn id="21" dur="500" accel="50000" fill="hold">
+                                          <p:stCondLst>
+                                            <p:cond delay="500"/>
+                                          </p:stCondLst>
+                                        </p:cTn>
+                                        <p:tgtEl>
+                                          <p:spTgt spid="3">
+                                            <p:txEl>
+                                              <p:pRg st="1" end="1"/>
+                                            </p:txEl>
+                                          </p:spTgt>
+                                        </p:tgtEl>
+                                        <p:attrNameLst>
+                                          <p:attrName>ppt_w</p:attrName>
+                                        </p:attrNameLst>
+                                      </p:cBhvr>
+                                      <p:tavLst>
+                                        <p:tav tm="0">
+                                          <p:val>
+                                            <p:strVal val="#ppt_w*.05"/>
+                                          </p:val>
+                                        </p:tav>
+                                        <p:tav tm="100000">
+                                          <p:val>
+                                            <p:strVal val="#ppt_w"/>
+                                          </p:val>
+                                        </p:tav>
+                                      </p:tavLst>
+                                    </p:anim>
+                                    <p:anim calcmode="lin" valueType="num">
+                                      <p:cBhvr>
+                                        <p:cTn id="22" dur="1000" fill="hold"/>
+                                        <p:tgtEl>
+                                          <p:spTgt spid="3">
+                                            <p:txEl>
+                                              <p:pRg st="1" end="1"/>
+                                            </p:txEl>
+                                          </p:spTgt>
+                                        </p:tgtEl>
+                                        <p:attrNameLst>
+                                          <p:attrName>ppt_h</p:attrName>
+                                        </p:attrNameLst>
+                                      </p:cBhvr>
+                                      <p:tavLst>
+                                        <p:tav tm="0">
+                                          <p:val>
+                                            <p:strVal val="#ppt_h"/>
+                                          </p:val>
+                                        </p:tav>
+                                        <p:tav tm="100000">
+                                          <p:val>
+                                            <p:strVal val="#ppt_h"/>
+                                          </p:val>
+                                        </p:tav>
+                                      </p:tavLst>
+                                    </p:anim>
+                                    <p:anim calcmode="lin" valueType="num">
+                                      <p:cBhvr>
+                                        <p:cTn id="23" dur="500" decel="50000" fill="hold">
+                                          <p:stCondLst>
+                                            <p:cond delay="0"/>
+                                          </p:stCondLst>
+                                        </p:cTn>
+                                        <p:tgtEl>
+                                          <p:spTgt spid="3">
+                                            <p:txEl>
+                                              <p:pRg st="1" end="1"/>
+                                            </p:txEl>
+                                          </p:spTgt>
+                                        </p:tgtEl>
+                                        <p:attrNameLst>
+                                          <p:attrName>ppt_x</p:attrName>
+                                        </p:attrNameLst>
+                                      </p:cBhvr>
+                                      <p:tavLst>
+                                        <p:tav tm="0">
+                                          <p:val>
+                                            <p:strVal val="#ppt_x+.4"/>
+                                          </p:val>
+                                        </p:tav>
+                                        <p:tav tm="100000">
+                                          <p:val>
+                                            <p:strVal val="#ppt_x"/>
+                                          </p:val>
+                                        </p:tav>
+                                      </p:tavLst>
+                                    </p:anim>
+                                    <p:anim calcmode="lin" valueType="num">
+                                      <p:cBhvr>
+                                        <p:cTn id="24" dur="500" decel="50000" fill="hold">
+                                          <p:stCondLst>
+                                            <p:cond delay="0"/>
+                                          </p:stCondLst>
+                                        </p:cTn>
+                                        <p:tgtEl>
+                                          <p:spTgt spid="3">
+                                            <p:txEl>
+                                              <p:pRg st="1" end="1"/>
+                                            </p:txEl>
+                                          </p:spTgt>
+                                        </p:tgtEl>
+                                        <p:attrNameLst>
+                                          <p:attrName>ppt_y</p:attrName>
+                                        </p:attrNameLst>
+                                      </p:cBhvr>
+                                      <p:tavLst>
+                                        <p:tav tm="0">
+                                          <p:val>
+                                            <p:strVal val="#ppt_y-.2"/>
+                                          </p:val>
+                                        </p:tav>
+                                        <p:tav tm="100000">
+                                          <p:val>
+                                            <p:strVal val="#ppt_y+.1"/>
+                                          </p:val>
+                                        </p:tav>
+                                      </p:tavLst>
+                                    </p:anim>
+                                    <p:anim calcmode="lin" valueType="num">
+                                      <p:cBhvr>
+                                        <p:cTn id="25" dur="500" accel="50000" fill="hold">
+                                          <p:stCondLst>
+                                            <p:cond delay="500"/>
+                                          </p:stCondLst>
+                                        </p:cTn>
+                                        <p:tgtEl>
+                                          <p:spTgt spid="3">
+                                            <p:txEl>
+                                              <p:pRg st="1" end="1"/>
+                                            </p:txEl>
+                                          </p:spTgt>
+                                        </p:tgtEl>
+                                        <p:attrNameLst>
+                                          <p:attrName>ppt_y</p:attrName>
+                                        </p:attrNameLst>
+                                      </p:cBhvr>
+                                      <p:tavLst>
+                                        <p:tav tm="0">
+                                          <p:val>
+                                            <p:strVal val="#ppt_y+.1"/>
+                                          </p:val>
+                                        </p:tav>
+                                        <p:tav tm="100000">
+                                          <p:val>
+                                            <p:strVal val="#ppt_y"/>
+                                          </p:val>
+                                        </p:tav>
+                                      </p:tavLst>
+                                    </p:anim>
+                                    <p:animEffect transition="in" filter="fade">
+                                      <p:cBhvr>
+                                        <p:cTn id="26" dur="1000" decel="50000">
+                                          <p:stCondLst>
+                                            <p:cond delay="0"/>
+                                          </p:stCondLst>
+                                        </p:cTn>
+                                        <p:tgtEl>
+                                          <p:spTgt spid="3">
+                                            <p:txEl>
+                                              <p:pRg st="1" end="1"/>
+                                            </p:txEl>
+                                          </p:spTgt>
+                                        </p:tgtEl>
+                                      </p:cBhvr>
+                                    </p:animEffect>
+                                  </p:childTnLst>
+                                </p:cTn>
+                              </p:par>
+                            </p:childTnLst>
+                          </p:cTn>
+                        </p:par>
+                      </p:childTnLst>
+                    </p:cTn>
+                  </p:par>
+                </p:childTnLst>
+              </p:cTn>
+              <p:prevCondLst>
+                <p:cond evt="onPrev" delay="0">
+                  <p:tgtEl>
+                    <p:sldTgt/>
+                  </p:tgtEl>
+                </p:cond>
+              </p:prevCondLst>
+              <p:nextCondLst>
+                <p:cond evt="onNext" delay="0">
+                  <p:tgtEl>
+                    <p:sldTgt/>
+                  </p:tgtEl>
+                </p:cond>
+              </p:nextCondLst>
+            </p:seq>
+          </p:childTnLst>
+        </p:cTn>
+      </p:par>
+    </p:tnLst>
+  </p:timing>
 </p:sld>
 </file>
 
@@ -16289,13 +19226,13 @@
   <p:clrMapOvr>
     <a:masterClrMapping/>
   </p:clrMapOvr>
-  <mc:AlternateContent xmlns:mc="http://schemas.openxmlformats.org/markup-compatibility/2006">
-    <mc:Choice xmlns:p14="http://schemas.microsoft.com/office/powerpoint/2010/main" Requires="p14">
+  <mc:AlternateContent xmlns:mc="http://schemas.openxmlformats.org/markup-compatibility/2006" xmlns:p14="http://schemas.microsoft.com/office/powerpoint/2010/main">
+    <mc:Choice Requires="p14">
       <p:transition spd="med" p14:dur="700">
         <p:fade/>
       </p:transition>
     </mc:Choice>
-    <mc:Fallback>
+    <mc:Fallback xmlns="">
       <p:transition xmlns:p14="http://schemas.microsoft.com/office/powerpoint/2010/main" spd="med">
         <p:fade/>
       </p:transition>
@@ -16489,13 +19426,13 @@
   <p:clrMapOvr>
     <a:masterClrMapping/>
   </p:clrMapOvr>
-  <mc:AlternateContent xmlns:mc="http://schemas.openxmlformats.org/markup-compatibility/2006">
-    <mc:Choice xmlns:p14="http://schemas.microsoft.com/office/powerpoint/2010/main" Requires="p14">
+  <mc:AlternateContent xmlns:mc="http://schemas.openxmlformats.org/markup-compatibility/2006" xmlns:p14="http://schemas.microsoft.com/office/powerpoint/2010/main">
+    <mc:Choice Requires="p14">
       <p:transition spd="med" p14:dur="700">
         <p:fade/>
       </p:transition>
     </mc:Choice>
-    <mc:Fallback>
+    <mc:Fallback xmlns="">
       <p:transition xmlns:p14="http://schemas.microsoft.com/office/powerpoint/2010/main" spd="med">
         <p:fade/>
       </p:transition>
@@ -16545,11 +19482,7 @@
           <a:p>
             <a:r>
               <a:rPr lang="nl-NL" dirty="0" smtClean="0"/>
-              <a:t>Wat is een </a:t>
-            </a:r>
-            <a:r>
-              <a:rPr lang="nl-NL" dirty="0" smtClean="0"/>
-              <a:t>comparator?</a:t>
+              <a:t>Wat is een comparator?</a:t>
             </a:r>
             <a:endParaRPr lang="nl-NL" dirty="0"/>
           </a:p>
@@ -16587,11 +19520,7 @@
             </a:pPr>
             <a:r>
               <a:rPr lang="nl-NL" dirty="0" smtClean="0"/>
-              <a:t>A = w</a:t>
-            </a:r>
-            <a:r>
-              <a:rPr lang="nl-NL" dirty="0" smtClean="0"/>
-              <a:t>(a) &lt; w(b) = B</a:t>
+              <a:t>A = w(a) &lt; w(b) = B</a:t>
             </a:r>
           </a:p>
           <a:p>
@@ -16611,7 +19540,6 @@
               <a:rPr lang="nl-NL" dirty="0" smtClean="0"/>
               <a:t>b)</a:t>
             </a:r>
-            <a:endParaRPr lang="nl-NL" dirty="0" smtClean="0"/>
           </a:p>
         </p:txBody>
       </p:sp>
@@ -16719,13 +19647,13 @@
   <p:clrMapOvr>
     <a:masterClrMapping/>
   </p:clrMapOvr>
-  <mc:AlternateContent xmlns:mc="http://schemas.openxmlformats.org/markup-compatibility/2006">
-    <mc:Choice xmlns:p14="http://schemas.microsoft.com/office/powerpoint/2010/main" Requires="p14">
+  <mc:AlternateContent xmlns:mc="http://schemas.openxmlformats.org/markup-compatibility/2006" xmlns:p14="http://schemas.microsoft.com/office/powerpoint/2010/main">
+    <mc:Choice Requires="p14">
       <p:transition spd="med" p14:dur="700">
         <p:fade/>
       </p:transition>
     </mc:Choice>
-    <mc:Fallback>
+    <mc:Fallback xmlns="">
       <p:transition xmlns:p14="http://schemas.microsoft.com/office/powerpoint/2010/main" spd="med">
         <p:fade/>
       </p:transition>
@@ -16734,7 +19662,265 @@
   <p:timing>
     <p:tnLst>
       <p:par>
-        <p:cTn xmlns:p14="http://schemas.microsoft.com/office/powerpoint/2010/main" id="1" dur="indefinite" restart="never" nodeType="tmRoot"/>
+        <p:cTn xmlns:p14="http://schemas.microsoft.com/office/powerpoint/2010/main" id="1" dur="indefinite" restart="never" nodeType="tmRoot">
+          <p:childTnLst>
+            <p:seq concurrent="1" nextAc="seek">
+              <p:cTn id="2" dur="indefinite" nodeType="mainSeq">
+                <p:childTnLst>
+                  <p:par>
+                    <p:cTn id="3" fill="hold">
+                      <p:stCondLst>
+                        <p:cond delay="indefinite"/>
+                      </p:stCondLst>
+                      <p:childTnLst>
+                        <p:par>
+                          <p:cTn id="4" fill="hold">
+                            <p:stCondLst>
+                              <p:cond delay="0"/>
+                            </p:stCondLst>
+                            <p:childTnLst>
+                              <p:par>
+                                <p:cTn id="5" presetID="10" presetClass="entr" presetSubtype="0" fill="hold" nodeType="clickEffect">
+                                  <p:stCondLst>
+                                    <p:cond delay="0"/>
+                                  </p:stCondLst>
+                                  <p:childTnLst>
+                                    <p:set>
+                                      <p:cBhvr>
+                                        <p:cTn id="6" dur="1" fill="hold">
+                                          <p:stCondLst>
+                                            <p:cond delay="0"/>
+                                          </p:stCondLst>
+                                        </p:cTn>
+                                        <p:tgtEl>
+                                          <p:spTgt spid="4">
+                                            <p:txEl>
+                                              <p:pRg st="0" end="0"/>
+                                            </p:txEl>
+                                          </p:spTgt>
+                                        </p:tgtEl>
+                                        <p:attrNameLst>
+                                          <p:attrName>style.visibility</p:attrName>
+                                        </p:attrNameLst>
+                                      </p:cBhvr>
+                                      <p:to>
+                                        <p:strVal val="visible"/>
+                                      </p:to>
+                                    </p:set>
+                                    <p:animEffect transition="in" filter="fade">
+                                      <p:cBhvr>
+                                        <p:cTn id="7" dur="500"/>
+                                        <p:tgtEl>
+                                          <p:spTgt spid="4">
+                                            <p:txEl>
+                                              <p:pRg st="0" end="0"/>
+                                            </p:txEl>
+                                          </p:spTgt>
+                                        </p:tgtEl>
+                                      </p:cBhvr>
+                                    </p:animEffect>
+                                  </p:childTnLst>
+                                </p:cTn>
+                              </p:par>
+                              <p:par>
+                                <p:cTn id="8" presetID="10" presetClass="entr" presetSubtype="0" fill="hold" nodeType="withEffect">
+                                  <p:stCondLst>
+                                    <p:cond delay="0"/>
+                                  </p:stCondLst>
+                                  <p:childTnLst>
+                                    <p:set>
+                                      <p:cBhvr>
+                                        <p:cTn id="9" dur="1" fill="hold">
+                                          <p:stCondLst>
+                                            <p:cond delay="0"/>
+                                          </p:stCondLst>
+                                        </p:cTn>
+                                        <p:tgtEl>
+                                          <p:spTgt spid="4098"/>
+                                        </p:tgtEl>
+                                        <p:attrNameLst>
+                                          <p:attrName>style.visibility</p:attrName>
+                                        </p:attrNameLst>
+                                      </p:cBhvr>
+                                      <p:to>
+                                        <p:strVal val="visible"/>
+                                      </p:to>
+                                    </p:set>
+                                    <p:animEffect transition="in" filter="fade">
+                                      <p:cBhvr>
+                                        <p:cTn id="10" dur="500"/>
+                                        <p:tgtEl>
+                                          <p:spTgt spid="4098"/>
+                                        </p:tgtEl>
+                                      </p:cBhvr>
+                                    </p:animEffect>
+                                  </p:childTnLst>
+                                </p:cTn>
+                              </p:par>
+                              <p:par>
+                                <p:cTn id="11" presetID="10" presetClass="entr" presetSubtype="0" fill="hold" nodeType="withEffect">
+                                  <p:stCondLst>
+                                    <p:cond delay="0"/>
+                                  </p:stCondLst>
+                                  <p:childTnLst>
+                                    <p:set>
+                                      <p:cBhvr>
+                                        <p:cTn id="12" dur="1" fill="hold">
+                                          <p:stCondLst>
+                                            <p:cond delay="0"/>
+                                          </p:stCondLst>
+                                        </p:cTn>
+                                        <p:tgtEl>
+                                          <p:spTgt spid="6"/>
+                                        </p:tgtEl>
+                                        <p:attrNameLst>
+                                          <p:attrName>style.visibility</p:attrName>
+                                        </p:attrNameLst>
+                                      </p:cBhvr>
+                                      <p:to>
+                                        <p:strVal val="visible"/>
+                                      </p:to>
+                                    </p:set>
+                                    <p:animEffect transition="in" filter="fade">
+                                      <p:cBhvr>
+                                        <p:cTn id="13" dur="500"/>
+                                        <p:tgtEl>
+                                          <p:spTgt spid="6"/>
+                                        </p:tgtEl>
+                                      </p:cBhvr>
+                                    </p:animEffect>
+                                  </p:childTnLst>
+                                </p:cTn>
+                              </p:par>
+                            </p:childTnLst>
+                          </p:cTn>
+                        </p:par>
+                      </p:childTnLst>
+                    </p:cTn>
+                  </p:par>
+                  <p:par>
+                    <p:cTn id="14" fill="hold">
+                      <p:stCondLst>
+                        <p:cond delay="indefinite"/>
+                      </p:stCondLst>
+                      <p:childTnLst>
+                        <p:par>
+                          <p:cTn id="15" fill="hold">
+                            <p:stCondLst>
+                              <p:cond delay="0"/>
+                            </p:stCondLst>
+                            <p:childTnLst>
+                              <p:par>
+                                <p:cTn id="16" presetID="10" presetClass="entr" presetSubtype="0" fill="hold" nodeType="clickEffect">
+                                  <p:stCondLst>
+                                    <p:cond delay="0"/>
+                                  </p:stCondLst>
+                                  <p:childTnLst>
+                                    <p:set>
+                                      <p:cBhvr>
+                                        <p:cTn id="17" dur="1" fill="hold">
+                                          <p:stCondLst>
+                                            <p:cond delay="0"/>
+                                          </p:stCondLst>
+                                        </p:cTn>
+                                        <p:tgtEl>
+                                          <p:spTgt spid="4">
+                                            <p:txEl>
+                                              <p:pRg st="1" end="1"/>
+                                            </p:txEl>
+                                          </p:spTgt>
+                                        </p:tgtEl>
+                                        <p:attrNameLst>
+                                          <p:attrName>style.visibility</p:attrName>
+                                        </p:attrNameLst>
+                                      </p:cBhvr>
+                                      <p:to>
+                                        <p:strVal val="visible"/>
+                                      </p:to>
+                                    </p:set>
+                                    <p:animEffect transition="in" filter="fade">
+                                      <p:cBhvr>
+                                        <p:cTn id="18" dur="500"/>
+                                        <p:tgtEl>
+                                          <p:spTgt spid="4">
+                                            <p:txEl>
+                                              <p:pRg st="1" end="1"/>
+                                            </p:txEl>
+                                          </p:spTgt>
+                                        </p:tgtEl>
+                                      </p:cBhvr>
+                                    </p:animEffect>
+                                  </p:childTnLst>
+                                </p:cTn>
+                              </p:par>
+                              <p:par>
+                                <p:cTn id="19" presetID="10" presetClass="entr" presetSubtype="0" fill="hold" nodeType="withEffect">
+                                  <p:stCondLst>
+                                    <p:cond delay="0"/>
+                                  </p:stCondLst>
+                                  <p:childTnLst>
+                                    <p:set>
+                                      <p:cBhvr>
+                                        <p:cTn id="20" dur="1" fill="hold">
+                                          <p:stCondLst>
+                                            <p:cond delay="0"/>
+                                          </p:stCondLst>
+                                        </p:cTn>
+                                        <p:tgtEl>
+                                          <p:spTgt spid="4">
+                                            <p:txEl>
+                                              <p:pRg st="2" end="2"/>
+                                            </p:txEl>
+                                          </p:spTgt>
+                                        </p:tgtEl>
+                                        <p:attrNameLst>
+                                          <p:attrName>style.visibility</p:attrName>
+                                        </p:attrNameLst>
+                                      </p:cBhvr>
+                                      <p:to>
+                                        <p:strVal val="visible"/>
+                                      </p:to>
+                                    </p:set>
+                                    <p:animEffect transition="in" filter="fade">
+                                      <p:cBhvr>
+                                        <p:cTn id="21" dur="500"/>
+                                        <p:tgtEl>
+                                          <p:spTgt spid="4">
+                                            <p:txEl>
+                                              <p:pRg st="2" end="2"/>
+                                            </p:txEl>
+                                          </p:spTgt>
+                                        </p:tgtEl>
+                                      </p:cBhvr>
+                                    </p:animEffect>
+                                  </p:childTnLst>
+                                </p:cTn>
+                              </p:par>
+                            </p:childTnLst>
+                          </p:cTn>
+                        </p:par>
+                      </p:childTnLst>
+                    </p:cTn>
+                  </p:par>
+                </p:childTnLst>
+              </p:cTn>
+              <p:prevCondLst>
+                <p:cond evt="onPrev" delay="0">
+                  <p:tgtEl>
+                    <p:sldTgt/>
+                  </p:tgtEl>
+                </p:cond>
+              </p:prevCondLst>
+              <p:nextCondLst>
+                <p:cond evt="onNext" delay="0">
+                  <p:tgtEl>
+                    <p:sldTgt/>
+                  </p:tgtEl>
+                </p:cond>
+              </p:nextCondLst>
+            </p:seq>
+          </p:childTnLst>
+        </p:cTn>
       </p:par>
     </p:tnLst>
   </p:timing>
@@ -16808,11 +19994,7 @@
             </a:pPr>
             <a:r>
               <a:rPr lang="nl-NL" dirty="0" smtClean="0"/>
-              <a:t>(</a:t>
-            </a:r>
-            <a:r>
-              <a:rPr lang="nl-NL" dirty="0" smtClean="0"/>
-              <a:t>1 2)(3 4)(2 3)(1 2)</a:t>
+              <a:t>(1 2)(3 4)(2 3)(1 2)</a:t>
             </a:r>
           </a:p>
         </p:txBody>
@@ -16963,13 +20145,13 @@
   <p:clrMapOvr>
     <a:masterClrMapping/>
   </p:clrMapOvr>
-  <mc:AlternateContent xmlns:mc="http://schemas.openxmlformats.org/markup-compatibility/2006">
-    <mc:Choice xmlns:p14="http://schemas.microsoft.com/office/powerpoint/2010/main" Requires="p14">
+  <mc:AlternateContent xmlns:mc="http://schemas.openxmlformats.org/markup-compatibility/2006" xmlns:p14="http://schemas.microsoft.com/office/powerpoint/2010/main">
+    <mc:Choice Requires="p14">
       <p:transition spd="med" p14:dur="700">
         <p:fade/>
       </p:transition>
     </mc:Choice>
-    <mc:Fallback>
+    <mc:Fallback xmlns="">
       <p:transition xmlns:p14="http://schemas.microsoft.com/office/powerpoint/2010/main" spd="med">
         <p:fade/>
       </p:transition>
@@ -16978,7 +20160,439 @@
   <p:timing>
     <p:tnLst>
       <p:par>
-        <p:cTn xmlns:p14="http://schemas.microsoft.com/office/powerpoint/2010/main" id="1" dur="indefinite" restart="never" nodeType="tmRoot"/>
+        <p:cTn xmlns:p14="http://schemas.microsoft.com/office/powerpoint/2010/main" id="1" dur="indefinite" restart="never" nodeType="tmRoot">
+          <p:childTnLst>
+            <p:seq concurrent="1" nextAc="seek">
+              <p:cTn id="2" dur="indefinite" nodeType="mainSeq">
+                <p:childTnLst>
+                  <p:par>
+                    <p:cTn id="3" fill="hold">
+                      <p:stCondLst>
+                        <p:cond delay="indefinite"/>
+                      </p:stCondLst>
+                      <p:childTnLst>
+                        <p:par>
+                          <p:cTn id="4" fill="hold">
+                            <p:stCondLst>
+                              <p:cond delay="0"/>
+                            </p:stCondLst>
+                            <p:childTnLst>
+                              <p:par>
+                                <p:cTn id="5" presetID="10" presetClass="entr" presetSubtype="0" fill="hold" nodeType="clickEffect">
+                                  <p:stCondLst>
+                                    <p:cond delay="0"/>
+                                  </p:stCondLst>
+                                  <p:childTnLst>
+                                    <p:set>
+                                      <p:cBhvr>
+                                        <p:cTn id="6" dur="1" fill="hold">
+                                          <p:stCondLst>
+                                            <p:cond delay="0"/>
+                                          </p:stCondLst>
+                                        </p:cTn>
+                                        <p:tgtEl>
+                                          <p:spTgt spid="4">
+                                            <p:txEl>
+                                              <p:pRg st="0" end="0"/>
+                                            </p:txEl>
+                                          </p:spTgt>
+                                        </p:tgtEl>
+                                        <p:attrNameLst>
+                                          <p:attrName>style.visibility</p:attrName>
+                                        </p:attrNameLst>
+                                      </p:cBhvr>
+                                      <p:to>
+                                        <p:strVal val="visible"/>
+                                      </p:to>
+                                    </p:set>
+                                    <p:animEffect transition="in" filter="fade">
+                                      <p:cBhvr>
+                                        <p:cTn id="7" dur="500"/>
+                                        <p:tgtEl>
+                                          <p:spTgt spid="4">
+                                            <p:txEl>
+                                              <p:pRg st="0" end="0"/>
+                                            </p:txEl>
+                                          </p:spTgt>
+                                        </p:tgtEl>
+                                      </p:cBhvr>
+                                    </p:animEffect>
+                                  </p:childTnLst>
+                                </p:cTn>
+                              </p:par>
+                            </p:childTnLst>
+                          </p:cTn>
+                        </p:par>
+                      </p:childTnLst>
+                    </p:cTn>
+                  </p:par>
+                  <p:par>
+                    <p:cTn id="8" fill="hold">
+                      <p:stCondLst>
+                        <p:cond delay="indefinite"/>
+                      </p:stCondLst>
+                      <p:childTnLst>
+                        <p:par>
+                          <p:cTn id="9" fill="hold">
+                            <p:stCondLst>
+                              <p:cond delay="0"/>
+                            </p:stCondLst>
+                            <p:childTnLst>
+                              <p:par>
+                                <p:cTn id="10" presetID="10" presetClass="entr" presetSubtype="0" fill="hold" nodeType="clickEffect">
+                                  <p:stCondLst>
+                                    <p:cond delay="0"/>
+                                  </p:stCondLst>
+                                  <p:childTnLst>
+                                    <p:set>
+                                      <p:cBhvr>
+                                        <p:cTn id="11" dur="1" fill="hold">
+                                          <p:stCondLst>
+                                            <p:cond delay="0"/>
+                                          </p:stCondLst>
+                                        </p:cTn>
+                                        <p:tgtEl>
+                                          <p:spTgt spid="4">
+                                            <p:txEl>
+                                              <p:pRg st="1" end="1"/>
+                                            </p:txEl>
+                                          </p:spTgt>
+                                        </p:tgtEl>
+                                        <p:attrNameLst>
+                                          <p:attrName>style.visibility</p:attrName>
+                                        </p:attrNameLst>
+                                      </p:cBhvr>
+                                      <p:to>
+                                        <p:strVal val="visible"/>
+                                      </p:to>
+                                    </p:set>
+                                    <p:animEffect transition="in" filter="fade">
+                                      <p:cBhvr>
+                                        <p:cTn id="12" dur="500"/>
+                                        <p:tgtEl>
+                                          <p:spTgt spid="4">
+                                            <p:txEl>
+                                              <p:pRg st="1" end="1"/>
+                                            </p:txEl>
+                                          </p:spTgt>
+                                        </p:tgtEl>
+                                      </p:cBhvr>
+                                    </p:animEffect>
+                                  </p:childTnLst>
+                                </p:cTn>
+                              </p:par>
+                              <p:par>
+                                <p:cTn id="13" presetID="10" presetClass="entr" presetSubtype="0" fill="hold" nodeType="withEffect">
+                                  <p:stCondLst>
+                                    <p:cond delay="0"/>
+                                  </p:stCondLst>
+                                  <p:childTnLst>
+                                    <p:set>
+                                      <p:cBhvr>
+                                        <p:cTn id="14" dur="1" fill="hold">
+                                          <p:stCondLst>
+                                            <p:cond delay="0"/>
+                                          </p:stCondLst>
+                                        </p:cTn>
+                                        <p:tgtEl>
+                                          <p:spTgt spid="4">
+                                            <p:txEl>
+                                              <p:pRg st="2" end="2"/>
+                                            </p:txEl>
+                                          </p:spTgt>
+                                        </p:tgtEl>
+                                        <p:attrNameLst>
+                                          <p:attrName>style.visibility</p:attrName>
+                                        </p:attrNameLst>
+                                      </p:cBhvr>
+                                      <p:to>
+                                        <p:strVal val="visible"/>
+                                      </p:to>
+                                    </p:set>
+                                    <p:animEffect transition="in" filter="fade">
+                                      <p:cBhvr>
+                                        <p:cTn id="15" dur="500"/>
+                                        <p:tgtEl>
+                                          <p:spTgt spid="4">
+                                            <p:txEl>
+                                              <p:pRg st="2" end="2"/>
+                                            </p:txEl>
+                                          </p:spTgt>
+                                        </p:tgtEl>
+                                      </p:cBhvr>
+                                    </p:animEffect>
+                                  </p:childTnLst>
+                                </p:cTn>
+                              </p:par>
+                            </p:childTnLst>
+                          </p:cTn>
+                        </p:par>
+                      </p:childTnLst>
+                    </p:cTn>
+                  </p:par>
+                  <p:par>
+                    <p:cTn id="16" fill="hold">
+                      <p:stCondLst>
+                        <p:cond delay="indefinite"/>
+                      </p:stCondLst>
+                      <p:childTnLst>
+                        <p:par>
+                          <p:cTn id="17" fill="hold">
+                            <p:stCondLst>
+                              <p:cond delay="0"/>
+                            </p:stCondLst>
+                            <p:childTnLst>
+                              <p:par>
+                                <p:cTn id="18" presetID="10" presetClass="entr" presetSubtype="0" fill="hold" nodeType="clickEffect">
+                                  <p:stCondLst>
+                                    <p:cond delay="0"/>
+                                  </p:stCondLst>
+                                  <p:childTnLst>
+                                    <p:set>
+                                      <p:cBhvr>
+                                        <p:cTn id="19" dur="1" fill="hold">
+                                          <p:stCondLst>
+                                            <p:cond delay="0"/>
+                                          </p:stCondLst>
+                                        </p:cTn>
+                                        <p:tgtEl>
+                                          <p:spTgt spid="4">
+                                            <p:txEl>
+                                              <p:pRg st="3" end="3"/>
+                                            </p:txEl>
+                                          </p:spTgt>
+                                        </p:tgtEl>
+                                        <p:attrNameLst>
+                                          <p:attrName>style.visibility</p:attrName>
+                                        </p:attrNameLst>
+                                      </p:cBhvr>
+                                      <p:to>
+                                        <p:strVal val="visible"/>
+                                      </p:to>
+                                    </p:set>
+                                    <p:animEffect transition="in" filter="fade">
+                                      <p:cBhvr>
+                                        <p:cTn id="20" dur="500"/>
+                                        <p:tgtEl>
+                                          <p:spTgt spid="4">
+                                            <p:txEl>
+                                              <p:pRg st="3" end="3"/>
+                                            </p:txEl>
+                                          </p:spTgt>
+                                        </p:tgtEl>
+                                      </p:cBhvr>
+                                    </p:animEffect>
+                                  </p:childTnLst>
+                                </p:cTn>
+                              </p:par>
+                            </p:childTnLst>
+                          </p:cTn>
+                        </p:par>
+                      </p:childTnLst>
+                    </p:cTn>
+                  </p:par>
+                  <p:par>
+                    <p:cTn id="21" fill="hold">
+                      <p:stCondLst>
+                        <p:cond delay="indefinite"/>
+                      </p:stCondLst>
+                      <p:childTnLst>
+                        <p:par>
+                          <p:cTn id="22" fill="hold">
+                            <p:stCondLst>
+                              <p:cond delay="0"/>
+                            </p:stCondLst>
+                            <p:childTnLst>
+                              <p:par>
+                                <p:cTn id="23" presetID="10" presetClass="entr" presetSubtype="0" fill="hold" nodeType="clickEffect">
+                                  <p:stCondLst>
+                                    <p:cond delay="0"/>
+                                  </p:stCondLst>
+                                  <p:childTnLst>
+                                    <p:set>
+                                      <p:cBhvr>
+                                        <p:cTn id="24" dur="1" fill="hold">
+                                          <p:stCondLst>
+                                            <p:cond delay="0"/>
+                                          </p:stCondLst>
+                                        </p:cTn>
+                                        <p:tgtEl>
+                                          <p:spTgt spid="4">
+                                            <p:txEl>
+                                              <p:pRg st="4" end="4"/>
+                                            </p:txEl>
+                                          </p:spTgt>
+                                        </p:tgtEl>
+                                        <p:attrNameLst>
+                                          <p:attrName>style.visibility</p:attrName>
+                                        </p:attrNameLst>
+                                      </p:cBhvr>
+                                      <p:to>
+                                        <p:strVal val="visible"/>
+                                      </p:to>
+                                    </p:set>
+                                    <p:animEffect transition="in" filter="fade">
+                                      <p:cBhvr>
+                                        <p:cTn id="25" dur="500"/>
+                                        <p:tgtEl>
+                                          <p:spTgt spid="4">
+                                            <p:txEl>
+                                              <p:pRg st="4" end="4"/>
+                                            </p:txEl>
+                                          </p:spTgt>
+                                        </p:tgtEl>
+                                      </p:cBhvr>
+                                    </p:animEffect>
+                                  </p:childTnLst>
+                                </p:cTn>
+                              </p:par>
+                            </p:childTnLst>
+                          </p:cTn>
+                        </p:par>
+                      </p:childTnLst>
+                    </p:cTn>
+                  </p:par>
+                  <p:par>
+                    <p:cTn id="26" fill="hold">
+                      <p:stCondLst>
+                        <p:cond delay="indefinite"/>
+                      </p:stCondLst>
+                      <p:childTnLst>
+                        <p:par>
+                          <p:cTn id="27" fill="hold">
+                            <p:stCondLst>
+                              <p:cond delay="0"/>
+                            </p:stCondLst>
+                            <p:childTnLst>
+                              <p:par>
+                                <p:cTn id="28" presetID="10" presetClass="entr" presetSubtype="0" fill="hold" nodeType="clickEffect">
+                                  <p:stCondLst>
+                                    <p:cond delay="0"/>
+                                  </p:stCondLst>
+                                  <p:childTnLst>
+                                    <p:set>
+                                      <p:cBhvr>
+                                        <p:cTn id="29" dur="1" fill="hold">
+                                          <p:stCondLst>
+                                            <p:cond delay="0"/>
+                                          </p:stCondLst>
+                                        </p:cTn>
+                                        <p:tgtEl>
+                                          <p:spTgt spid="4">
+                                            <p:txEl>
+                                              <p:pRg st="5" end="5"/>
+                                            </p:txEl>
+                                          </p:spTgt>
+                                        </p:tgtEl>
+                                        <p:attrNameLst>
+                                          <p:attrName>style.visibility</p:attrName>
+                                        </p:attrNameLst>
+                                      </p:cBhvr>
+                                      <p:to>
+                                        <p:strVal val="visible"/>
+                                      </p:to>
+                                    </p:set>
+                                    <p:animEffect transition="in" filter="fade">
+                                      <p:cBhvr>
+                                        <p:cTn id="30" dur="500"/>
+                                        <p:tgtEl>
+                                          <p:spTgt spid="4">
+                                            <p:txEl>
+                                              <p:pRg st="5" end="5"/>
+                                            </p:txEl>
+                                          </p:spTgt>
+                                        </p:tgtEl>
+                                      </p:cBhvr>
+                                    </p:animEffect>
+                                  </p:childTnLst>
+                                </p:cTn>
+                              </p:par>
+                            </p:childTnLst>
+                          </p:cTn>
+                        </p:par>
+                      </p:childTnLst>
+                    </p:cTn>
+                  </p:par>
+                  <p:par>
+                    <p:cTn id="31" fill="hold">
+                      <p:stCondLst>
+                        <p:cond delay="indefinite"/>
+                      </p:stCondLst>
+                      <p:childTnLst>
+                        <p:par>
+                          <p:cTn id="32" fill="hold">
+                            <p:stCondLst>
+                              <p:cond delay="0"/>
+                            </p:stCondLst>
+                            <p:childTnLst>
+                              <p:par>
+                                <p:cTn id="33" presetID="10" presetClass="entr" presetSubtype="0" fill="hold" nodeType="clickEffect">
+                                  <p:stCondLst>
+                                    <p:cond delay="0"/>
+                                  </p:stCondLst>
+                                  <p:childTnLst>
+                                    <p:set>
+                                      <p:cBhvr>
+                                        <p:cTn id="34" dur="1" fill="hold">
+                                          <p:stCondLst>
+                                            <p:cond delay="0"/>
+                                          </p:stCondLst>
+                                        </p:cTn>
+                                        <p:tgtEl>
+                                          <p:spTgt spid="3">
+                                            <p:txEl>
+                                              <p:pRg st="0" end="0"/>
+                                            </p:txEl>
+                                          </p:spTgt>
+                                        </p:tgtEl>
+                                        <p:attrNameLst>
+                                          <p:attrName>style.visibility</p:attrName>
+                                        </p:attrNameLst>
+                                      </p:cBhvr>
+                                      <p:to>
+                                        <p:strVal val="visible"/>
+                                      </p:to>
+                                    </p:set>
+                                    <p:animEffect transition="in" filter="fade">
+                                      <p:cBhvr>
+                                        <p:cTn id="35" dur="500"/>
+                                        <p:tgtEl>
+                                          <p:spTgt spid="3">
+                                            <p:txEl>
+                                              <p:pRg st="0" end="0"/>
+                                            </p:txEl>
+                                          </p:spTgt>
+                                        </p:tgtEl>
+                                      </p:cBhvr>
+                                    </p:animEffect>
+                                  </p:childTnLst>
+                                </p:cTn>
+                              </p:par>
+                            </p:childTnLst>
+                          </p:cTn>
+                        </p:par>
+                      </p:childTnLst>
+                    </p:cTn>
+                  </p:par>
+                </p:childTnLst>
+              </p:cTn>
+              <p:prevCondLst>
+                <p:cond evt="onPrev" delay="0">
+                  <p:tgtEl>
+                    <p:sldTgt/>
+                  </p:tgtEl>
+                </p:cond>
+              </p:prevCondLst>
+              <p:nextCondLst>
+                <p:cond evt="onNext" delay="0">
+                  <p:tgtEl>
+                    <p:sldTgt/>
+                  </p:tgtEl>
+                </p:cond>
+              </p:nextCondLst>
+            </p:seq>
+          </p:childTnLst>
+        </p:cTn>
       </p:par>
     </p:tnLst>
   </p:timing>
@@ -17088,13 +20702,13 @@
   <p:clrMapOvr>
     <a:masterClrMapping/>
   </p:clrMapOvr>
-  <mc:AlternateContent xmlns:mc="http://schemas.openxmlformats.org/markup-compatibility/2006">
-    <mc:Choice xmlns:p14="http://schemas.microsoft.com/office/powerpoint/2010/main" Requires="p14">
+  <mc:AlternateContent xmlns:mc="http://schemas.openxmlformats.org/markup-compatibility/2006" xmlns:p14="http://schemas.microsoft.com/office/powerpoint/2010/main">
+    <mc:Choice Requires="p14">
       <p:transition spd="med" p14:dur="700">
         <p:fade/>
       </p:transition>
     </mc:Choice>
-    <mc:Fallback>
+    <mc:Fallback xmlns="">
       <p:transition xmlns:p14="http://schemas.microsoft.com/office/powerpoint/2010/main" spd="med">
         <p:fade/>
       </p:transition>
@@ -17144,11 +20758,7 @@
           <a:p>
             <a:r>
               <a:rPr lang="nl-NL" dirty="0" smtClean="0"/>
-              <a:t>Wat is een </a:t>
-            </a:r>
-            <a:r>
-              <a:rPr lang="nl-NL" dirty="0" smtClean="0"/>
-              <a:t>sorting </a:t>
+              <a:t>Wat is een sorting </a:t>
             </a:r>
             <a:r>
               <a:rPr lang="nl-NL" dirty="0"/>
@@ -17156,11 +20766,7 @@
             </a:r>
             <a:r>
               <a:rPr lang="nl-NL" dirty="0" smtClean="0"/>
-              <a:t>etwork</a:t>
-            </a:r>
-            <a:r>
-              <a:rPr lang="nl-NL" dirty="0" smtClean="0"/>
-              <a:t>?</a:t>
+              <a:t>etwork?</a:t>
             </a:r>
             <a:endParaRPr lang="nl-NL" dirty="0"/>
           </a:p>
@@ -17218,11 +20824,7 @@
           <a:p>
             <a:r>
               <a:rPr lang="nl-NL" sz="2200" dirty="0" smtClean="0"/>
-              <a:t>Output </a:t>
-            </a:r>
-            <a:r>
-              <a:rPr lang="nl-NL" sz="2200" dirty="0" smtClean="0"/>
-              <a:t>is gesorteerd</a:t>
+              <a:t>Output is gesorteerd</a:t>
             </a:r>
             <a:endParaRPr lang="nl-NL" sz="2200" dirty="0"/>
           </a:p>
@@ -17280,26 +20882,14 @@
           <a:p>
             <a:r>
               <a:rPr lang="nl-NL" sz="2200" dirty="0" smtClean="0"/>
-              <a:t>Niet </a:t>
-            </a:r>
-            <a:r>
-              <a:rPr lang="nl-NL" sz="2200" dirty="0" smtClean="0"/>
-              <a:t>alle output </a:t>
-            </a:r>
-            <a:r>
-              <a:rPr lang="nl-NL" sz="2200" dirty="0" smtClean="0"/>
-              <a:t>gesorteerd</a:t>
+              <a:t>Niet alle output gesorteerd</a:t>
             </a:r>
             <a:br>
               <a:rPr lang="nl-NL" sz="2200" dirty="0" smtClean="0"/>
             </a:br>
             <a:r>
               <a:rPr lang="nl-NL" sz="2200" dirty="0" smtClean="0"/>
-              <a:t>(</a:t>
-            </a:r>
-            <a:r>
-              <a:rPr lang="nl-NL" sz="2200" dirty="0" smtClean="0"/>
-              <a:t>110 </a:t>
+              <a:t>(110 </a:t>
             </a:r>
             <a:r>
               <a:rPr lang="nl-BE" sz="2400" dirty="0" smtClean="0"/>
@@ -17424,13 +21014,13 @@
   <p:clrMapOvr>
     <a:masterClrMapping/>
   </p:clrMapOvr>
-  <mc:AlternateContent xmlns:mc="http://schemas.openxmlformats.org/markup-compatibility/2006">
-    <mc:Choice xmlns:p14="http://schemas.microsoft.com/office/powerpoint/2010/main" Requires="p14">
+  <mc:AlternateContent xmlns:mc="http://schemas.openxmlformats.org/markup-compatibility/2006" xmlns:p14="http://schemas.microsoft.com/office/powerpoint/2010/main">
+    <mc:Choice Requires="p14">
       <p:transition spd="med" p14:dur="700">
         <p:fade/>
       </p:transition>
     </mc:Choice>
-    <mc:Fallback>
+    <mc:Fallback xmlns="">
       <p:transition xmlns:p14="http://schemas.microsoft.com/office/powerpoint/2010/main" spd="med">
         <p:fade/>
       </p:transition>
@@ -17439,7 +21029,380 @@
   <p:timing>
     <p:tnLst>
       <p:par>
-        <p:cTn xmlns:p14="http://schemas.microsoft.com/office/powerpoint/2010/main" id="1" dur="indefinite" restart="never" nodeType="tmRoot"/>
+        <p:cTn xmlns:p14="http://schemas.microsoft.com/office/powerpoint/2010/main" id="1" dur="indefinite" restart="never" nodeType="tmRoot">
+          <p:childTnLst>
+            <p:seq concurrent="1" nextAc="seek">
+              <p:cTn id="2" dur="indefinite" nodeType="mainSeq">
+                <p:childTnLst>
+                  <p:par>
+                    <p:cTn id="3" fill="hold">
+                      <p:stCondLst>
+                        <p:cond delay="indefinite"/>
+                      </p:stCondLst>
+                      <p:childTnLst>
+                        <p:par>
+                          <p:cTn id="4" fill="hold">
+                            <p:stCondLst>
+                              <p:cond delay="0"/>
+                            </p:stCondLst>
+                            <p:childTnLst>
+                              <p:par>
+                                <p:cTn id="5" presetID="10" presetClass="entr" presetSubtype="0" fill="hold" nodeType="clickEffect">
+                                  <p:stCondLst>
+                                    <p:cond delay="0"/>
+                                  </p:stCondLst>
+                                  <p:childTnLst>
+                                    <p:set>
+                                      <p:cBhvr>
+                                        <p:cTn id="6" dur="1" fill="hold">
+                                          <p:stCondLst>
+                                            <p:cond delay="0"/>
+                                          </p:stCondLst>
+                                        </p:cTn>
+                                        <p:tgtEl>
+                                          <p:spTgt spid="3">
+                                            <p:txEl>
+                                              <p:pRg st="0" end="0"/>
+                                            </p:txEl>
+                                          </p:spTgt>
+                                        </p:tgtEl>
+                                        <p:attrNameLst>
+                                          <p:attrName>style.visibility</p:attrName>
+                                        </p:attrNameLst>
+                                      </p:cBhvr>
+                                      <p:to>
+                                        <p:strVal val="visible"/>
+                                      </p:to>
+                                    </p:set>
+                                    <p:animEffect transition="in" filter="fade">
+                                      <p:cBhvr>
+                                        <p:cTn id="7" dur="500"/>
+                                        <p:tgtEl>
+                                          <p:spTgt spid="3">
+                                            <p:txEl>
+                                              <p:pRg st="0" end="0"/>
+                                            </p:txEl>
+                                          </p:spTgt>
+                                        </p:tgtEl>
+                                      </p:cBhvr>
+                                    </p:animEffect>
+                                  </p:childTnLst>
+                                </p:cTn>
+                              </p:par>
+                            </p:childTnLst>
+                          </p:cTn>
+                        </p:par>
+                      </p:childTnLst>
+                    </p:cTn>
+                  </p:par>
+                  <p:par>
+                    <p:cTn id="8" fill="hold">
+                      <p:stCondLst>
+                        <p:cond delay="indefinite"/>
+                      </p:stCondLst>
+                      <p:childTnLst>
+                        <p:par>
+                          <p:cTn id="9" fill="hold">
+                            <p:stCondLst>
+                              <p:cond delay="0"/>
+                            </p:stCondLst>
+                            <p:childTnLst>
+                              <p:par>
+                                <p:cTn id="10" presetID="10" presetClass="entr" presetSubtype="0" fill="hold" nodeType="clickEffect">
+                                  <p:stCondLst>
+                                    <p:cond delay="0"/>
+                                  </p:stCondLst>
+                                  <p:childTnLst>
+                                    <p:set>
+                                      <p:cBhvr>
+                                        <p:cTn id="11" dur="1" fill="hold">
+                                          <p:stCondLst>
+                                            <p:cond delay="0"/>
+                                          </p:stCondLst>
+                                        </p:cTn>
+                                        <p:tgtEl>
+                                          <p:spTgt spid="1026"/>
+                                        </p:tgtEl>
+                                        <p:attrNameLst>
+                                          <p:attrName>style.visibility</p:attrName>
+                                        </p:attrNameLst>
+                                      </p:cBhvr>
+                                      <p:to>
+                                        <p:strVal val="visible"/>
+                                      </p:to>
+                                    </p:set>
+                                    <p:animEffect transition="in" filter="fade">
+                                      <p:cBhvr>
+                                        <p:cTn id="12" dur="500"/>
+                                        <p:tgtEl>
+                                          <p:spTgt spid="1026"/>
+                                        </p:tgtEl>
+                                      </p:cBhvr>
+                                    </p:animEffect>
+                                  </p:childTnLst>
+                                </p:cTn>
+                              </p:par>
+                            </p:childTnLst>
+                          </p:cTn>
+                        </p:par>
+                      </p:childTnLst>
+                    </p:cTn>
+                  </p:par>
+                  <p:par>
+                    <p:cTn id="13" fill="hold">
+                      <p:stCondLst>
+                        <p:cond delay="indefinite"/>
+                      </p:stCondLst>
+                      <p:childTnLst>
+                        <p:par>
+                          <p:cTn id="14" fill="hold">
+                            <p:stCondLst>
+                              <p:cond delay="0"/>
+                            </p:stCondLst>
+                            <p:childTnLst>
+                              <p:par>
+                                <p:cTn id="15" presetID="10" presetClass="entr" presetSubtype="0" fill="hold" nodeType="clickEffect">
+                                  <p:stCondLst>
+                                    <p:cond delay="0"/>
+                                  </p:stCondLst>
+                                  <p:childTnLst>
+                                    <p:set>
+                                      <p:cBhvr>
+                                        <p:cTn id="16" dur="1" fill="hold">
+                                          <p:stCondLst>
+                                            <p:cond delay="0"/>
+                                          </p:stCondLst>
+                                        </p:cTn>
+                                        <p:tgtEl>
+                                          <p:spTgt spid="4">
+                                            <p:txEl>
+                                              <p:pRg st="0" end="0"/>
+                                            </p:txEl>
+                                          </p:spTgt>
+                                        </p:tgtEl>
+                                        <p:attrNameLst>
+                                          <p:attrName>style.visibility</p:attrName>
+                                        </p:attrNameLst>
+                                      </p:cBhvr>
+                                      <p:to>
+                                        <p:strVal val="visible"/>
+                                      </p:to>
+                                    </p:set>
+                                    <p:animEffect transition="in" filter="fade">
+                                      <p:cBhvr>
+                                        <p:cTn id="17" dur="500"/>
+                                        <p:tgtEl>
+                                          <p:spTgt spid="4">
+                                            <p:txEl>
+                                              <p:pRg st="0" end="0"/>
+                                            </p:txEl>
+                                          </p:spTgt>
+                                        </p:tgtEl>
+                                      </p:cBhvr>
+                                    </p:animEffect>
+                                  </p:childTnLst>
+                                </p:cTn>
+                              </p:par>
+                            </p:childTnLst>
+                          </p:cTn>
+                        </p:par>
+                      </p:childTnLst>
+                    </p:cTn>
+                  </p:par>
+                  <p:par>
+                    <p:cTn id="18" fill="hold">
+                      <p:stCondLst>
+                        <p:cond delay="indefinite"/>
+                      </p:stCondLst>
+                      <p:childTnLst>
+                        <p:par>
+                          <p:cTn id="19" fill="hold">
+                            <p:stCondLst>
+                              <p:cond delay="0"/>
+                            </p:stCondLst>
+                            <p:childTnLst>
+                              <p:par>
+                                <p:cTn id="20" presetID="10" presetClass="entr" presetSubtype="0" fill="hold" nodeType="clickEffect">
+                                  <p:stCondLst>
+                                    <p:cond delay="0"/>
+                                  </p:stCondLst>
+                                  <p:childTnLst>
+                                    <p:set>
+                                      <p:cBhvr>
+                                        <p:cTn id="21" dur="1" fill="hold">
+                                          <p:stCondLst>
+                                            <p:cond delay="0"/>
+                                          </p:stCondLst>
+                                        </p:cTn>
+                                        <p:tgtEl>
+                                          <p:spTgt spid="5">
+                                            <p:txEl>
+                                              <p:pRg st="0" end="0"/>
+                                            </p:txEl>
+                                          </p:spTgt>
+                                        </p:tgtEl>
+                                        <p:attrNameLst>
+                                          <p:attrName>style.visibility</p:attrName>
+                                        </p:attrNameLst>
+                                      </p:cBhvr>
+                                      <p:to>
+                                        <p:strVal val="visible"/>
+                                      </p:to>
+                                    </p:set>
+                                    <p:animEffect transition="in" filter="fade">
+                                      <p:cBhvr>
+                                        <p:cTn id="22" dur="500"/>
+                                        <p:tgtEl>
+                                          <p:spTgt spid="5">
+                                            <p:txEl>
+                                              <p:pRg st="0" end="0"/>
+                                            </p:txEl>
+                                          </p:spTgt>
+                                        </p:tgtEl>
+                                      </p:cBhvr>
+                                    </p:animEffect>
+                                  </p:childTnLst>
+                                </p:cTn>
+                              </p:par>
+                            </p:childTnLst>
+                          </p:cTn>
+                        </p:par>
+                      </p:childTnLst>
+                    </p:cTn>
+                  </p:par>
+                  <p:par>
+                    <p:cTn id="23" fill="hold">
+                      <p:stCondLst>
+                        <p:cond delay="indefinite"/>
+                      </p:stCondLst>
+                      <p:childTnLst>
+                        <p:par>
+                          <p:cTn id="24" fill="hold">
+                            <p:stCondLst>
+                              <p:cond delay="0"/>
+                            </p:stCondLst>
+                            <p:childTnLst>
+                              <p:par>
+                                <p:cTn id="25" presetID="10" presetClass="entr" presetSubtype="0" fill="hold" nodeType="clickEffect">
+                                  <p:stCondLst>
+                                    <p:cond delay="0"/>
+                                  </p:stCondLst>
+                                  <p:childTnLst>
+                                    <p:set>
+                                      <p:cBhvr>
+                                        <p:cTn id="26" dur="1" fill="hold">
+                                          <p:stCondLst>
+                                            <p:cond delay="0"/>
+                                          </p:stCondLst>
+                                        </p:cTn>
+                                        <p:tgtEl>
+                                          <p:spTgt spid="1027"/>
+                                        </p:tgtEl>
+                                        <p:attrNameLst>
+                                          <p:attrName>style.visibility</p:attrName>
+                                        </p:attrNameLst>
+                                      </p:cBhvr>
+                                      <p:to>
+                                        <p:strVal val="visible"/>
+                                      </p:to>
+                                    </p:set>
+                                    <p:animEffect transition="in" filter="fade">
+                                      <p:cBhvr>
+                                        <p:cTn id="27" dur="500"/>
+                                        <p:tgtEl>
+                                          <p:spTgt spid="1027"/>
+                                        </p:tgtEl>
+                                      </p:cBhvr>
+                                    </p:animEffect>
+                                  </p:childTnLst>
+                                </p:cTn>
+                              </p:par>
+                            </p:childTnLst>
+                          </p:cTn>
+                        </p:par>
+                      </p:childTnLst>
+                    </p:cTn>
+                  </p:par>
+                  <p:par>
+                    <p:cTn id="28" fill="hold">
+                      <p:stCondLst>
+                        <p:cond delay="indefinite"/>
+                      </p:stCondLst>
+                      <p:childTnLst>
+                        <p:par>
+                          <p:cTn id="29" fill="hold">
+                            <p:stCondLst>
+                              <p:cond delay="0"/>
+                            </p:stCondLst>
+                            <p:childTnLst>
+                              <p:par>
+                                <p:cTn id="30" presetID="10" presetClass="entr" presetSubtype="0" fill="hold" nodeType="clickEffect">
+                                  <p:stCondLst>
+                                    <p:cond delay="0"/>
+                                  </p:stCondLst>
+                                  <p:childTnLst>
+                                    <p:set>
+                                      <p:cBhvr>
+                                        <p:cTn id="31" dur="1" fill="hold">
+                                          <p:stCondLst>
+                                            <p:cond delay="0"/>
+                                          </p:stCondLst>
+                                        </p:cTn>
+                                        <p:tgtEl>
+                                          <p:spTgt spid="6">
+                                            <p:txEl>
+                                              <p:pRg st="0" end="0"/>
+                                            </p:txEl>
+                                          </p:spTgt>
+                                        </p:tgtEl>
+                                        <p:attrNameLst>
+                                          <p:attrName>style.visibility</p:attrName>
+                                        </p:attrNameLst>
+                                      </p:cBhvr>
+                                      <p:to>
+                                        <p:strVal val="visible"/>
+                                      </p:to>
+                                    </p:set>
+                                    <p:animEffect transition="in" filter="fade">
+                                      <p:cBhvr>
+                                        <p:cTn id="32" dur="500"/>
+                                        <p:tgtEl>
+                                          <p:spTgt spid="6">
+                                            <p:txEl>
+                                              <p:pRg st="0" end="0"/>
+                                            </p:txEl>
+                                          </p:spTgt>
+                                        </p:tgtEl>
+                                      </p:cBhvr>
+                                    </p:animEffect>
+                                  </p:childTnLst>
+                                </p:cTn>
+                              </p:par>
+                            </p:childTnLst>
+                          </p:cTn>
+                        </p:par>
+                      </p:childTnLst>
+                    </p:cTn>
+                  </p:par>
+                </p:childTnLst>
+              </p:cTn>
+              <p:prevCondLst>
+                <p:cond evt="onPrev" delay="0">
+                  <p:tgtEl>
+                    <p:sldTgt/>
+                  </p:tgtEl>
+                </p:cond>
+              </p:prevCondLst>
+              <p:nextCondLst>
+                <p:cond evt="onNext" delay="0">
+                  <p:tgtEl>
+                    <p:sldTgt/>
+                  </p:tgtEl>
+                </p:cond>
+              </p:nextCondLst>
+            </p:seq>
+          </p:childTnLst>
+        </p:cTn>
       </p:par>
     </p:tnLst>
   </p:timing>
@@ -17480,15 +21443,7 @@
           <a:p>
             <a:r>
               <a:rPr lang="nl-NL" dirty="0" smtClean="0"/>
-              <a:t>Nul – </a:t>
-            </a:r>
-            <a:r>
-              <a:rPr lang="nl-NL" dirty="0" smtClean="0"/>
-              <a:t>één </a:t>
-            </a:r>
-            <a:r>
-              <a:rPr lang="nl-NL" dirty="0" smtClean="0"/>
-              <a:t>principe</a:t>
+              <a:t>Nul – één principe</a:t>
             </a:r>
             <a:endParaRPr lang="nl-NL" dirty="0"/>
           </a:p>
@@ -17589,15 +21544,7 @@
             </a:r>
             <a:r>
               <a:rPr lang="is-IS" dirty="0" smtClean="0"/>
-              <a:t>an totaal </a:t>
-            </a:r>
-            <a:r>
-              <a:rPr lang="is-IS" dirty="0" smtClean="0"/>
-              <a:t>geordende </a:t>
-            </a:r>
-            <a:r>
-              <a:rPr lang="is-IS" dirty="0" smtClean="0"/>
-              <a:t>set</a:t>
+              <a:t>an totaal geordende set</a:t>
             </a:r>
             <a:endParaRPr lang="nl-NL" dirty="0" smtClean="0"/>
           </a:p>
@@ -17912,13 +21859,13 @@
   <p:clrMapOvr>
     <a:masterClrMapping/>
   </p:clrMapOvr>
-  <mc:AlternateContent xmlns:mc="http://schemas.openxmlformats.org/markup-compatibility/2006">
-    <mc:Choice xmlns:p14="http://schemas.microsoft.com/office/powerpoint/2010/main" Requires="p14">
+  <mc:AlternateContent xmlns:mc="http://schemas.openxmlformats.org/markup-compatibility/2006" xmlns:p14="http://schemas.microsoft.com/office/powerpoint/2010/main">
+    <mc:Choice Requires="p14">
       <p:transition spd="med" p14:dur="700">
         <p:fade/>
       </p:transition>
     </mc:Choice>
-    <mc:Fallback>
+    <mc:Fallback xmlns="">
       <p:transition xmlns:p14="http://schemas.microsoft.com/office/powerpoint/2010/main" spd="med">
         <p:fade/>
       </p:transition>
@@ -17927,9 +21874,424 @@
   <p:timing>
     <p:tnLst>
       <p:par>
-        <p:cTn xmlns:p14="http://schemas.microsoft.com/office/powerpoint/2010/main" id="1" dur="indefinite" restart="never" nodeType="tmRoot"/>
+        <p:cTn xmlns:p14="http://schemas.microsoft.com/office/powerpoint/2010/main" id="1" dur="indefinite" restart="never" nodeType="tmRoot">
+          <p:childTnLst>
+            <p:seq concurrent="1" nextAc="seek">
+              <p:cTn id="2" dur="indefinite" nodeType="mainSeq">
+                <p:childTnLst>
+                  <p:par>
+                    <p:cTn id="3" fill="hold">
+                      <p:stCondLst>
+                        <p:cond delay="indefinite"/>
+                      </p:stCondLst>
+                      <p:childTnLst>
+                        <p:par>
+                          <p:cTn id="4" fill="hold">
+                            <p:stCondLst>
+                              <p:cond delay="0"/>
+                            </p:stCondLst>
+                            <p:childTnLst>
+                              <p:par>
+                                <p:cTn id="5" presetID="10" presetClass="entr" presetSubtype="0" fill="hold" nodeType="clickEffect">
+                                  <p:stCondLst>
+                                    <p:cond delay="0"/>
+                                  </p:stCondLst>
+                                  <p:childTnLst>
+                                    <p:set>
+                                      <p:cBhvr>
+                                        <p:cTn id="6" dur="1" fill="hold">
+                                          <p:stCondLst>
+                                            <p:cond delay="0"/>
+                                          </p:stCondLst>
+                                        </p:cTn>
+                                        <p:tgtEl>
+                                          <p:spTgt spid="5">
+                                            <p:txEl>
+                                              <p:pRg st="0" end="0"/>
+                                            </p:txEl>
+                                          </p:spTgt>
+                                        </p:tgtEl>
+                                        <p:attrNameLst>
+                                          <p:attrName>style.visibility</p:attrName>
+                                        </p:attrNameLst>
+                                      </p:cBhvr>
+                                      <p:to>
+                                        <p:strVal val="visible"/>
+                                      </p:to>
+                                    </p:set>
+                                    <p:animEffect transition="in" filter="fade">
+                                      <p:cBhvr>
+                                        <p:cTn id="7" dur="500"/>
+                                        <p:tgtEl>
+                                          <p:spTgt spid="5">
+                                            <p:txEl>
+                                              <p:pRg st="0" end="0"/>
+                                            </p:txEl>
+                                          </p:spTgt>
+                                        </p:tgtEl>
+                                      </p:cBhvr>
+                                    </p:animEffect>
+                                  </p:childTnLst>
+                                </p:cTn>
+                              </p:par>
+                            </p:childTnLst>
+                          </p:cTn>
+                        </p:par>
+                      </p:childTnLst>
+                    </p:cTn>
+                  </p:par>
+                  <p:par>
+                    <p:cTn id="8" fill="hold">
+                      <p:stCondLst>
+                        <p:cond delay="indefinite"/>
+                      </p:stCondLst>
+                      <p:childTnLst>
+                        <p:par>
+                          <p:cTn id="9" fill="hold">
+                            <p:stCondLst>
+                              <p:cond delay="0"/>
+                            </p:stCondLst>
+                            <p:childTnLst>
+                              <p:par>
+                                <p:cTn id="10" presetID="10" presetClass="entr" presetSubtype="0" fill="hold" nodeType="clickEffect">
+                                  <p:stCondLst>
+                                    <p:cond delay="0"/>
+                                  </p:stCondLst>
+                                  <p:childTnLst>
+                                    <p:set>
+                                      <p:cBhvr>
+                                        <p:cTn id="11" dur="1" fill="hold">
+                                          <p:stCondLst>
+                                            <p:cond delay="0"/>
+                                          </p:stCondLst>
+                                        </p:cTn>
+                                        <p:tgtEl>
+                                          <p:spTgt spid="5">
+                                            <p:txEl>
+                                              <p:pRg st="1" end="1"/>
+                                            </p:txEl>
+                                          </p:spTgt>
+                                        </p:tgtEl>
+                                        <p:attrNameLst>
+                                          <p:attrName>style.visibility</p:attrName>
+                                        </p:attrNameLst>
+                                      </p:cBhvr>
+                                      <p:to>
+                                        <p:strVal val="visible"/>
+                                      </p:to>
+                                    </p:set>
+                                    <p:animEffect transition="in" filter="fade">
+                                      <p:cBhvr>
+                                        <p:cTn id="12" dur="500"/>
+                                        <p:tgtEl>
+                                          <p:spTgt spid="5">
+                                            <p:txEl>
+                                              <p:pRg st="1" end="1"/>
+                                            </p:txEl>
+                                          </p:spTgt>
+                                        </p:tgtEl>
+                                      </p:cBhvr>
+                                    </p:animEffect>
+                                  </p:childTnLst>
+                                </p:cTn>
+                              </p:par>
+                            </p:childTnLst>
+                          </p:cTn>
+                        </p:par>
+                      </p:childTnLst>
+                    </p:cTn>
+                  </p:par>
+                  <p:par>
+                    <p:cTn id="13" fill="hold">
+                      <p:stCondLst>
+                        <p:cond delay="indefinite"/>
+                      </p:stCondLst>
+                      <p:childTnLst>
+                        <p:par>
+                          <p:cTn id="14" fill="hold">
+                            <p:stCondLst>
+                              <p:cond delay="0"/>
+                            </p:stCondLst>
+                            <p:childTnLst>
+                              <p:par>
+                                <p:cTn id="15" presetID="2" presetClass="entr" presetSubtype="4" fill="hold" grpId="0" nodeType="clickEffect">
+                                  <p:stCondLst>
+                                    <p:cond delay="0"/>
+                                  </p:stCondLst>
+                                  <p:childTnLst>
+                                    <p:set>
+                                      <p:cBhvr>
+                                        <p:cTn id="16" dur="1" fill="hold">
+                                          <p:stCondLst>
+                                            <p:cond delay="0"/>
+                                          </p:stCondLst>
+                                        </p:cTn>
+                                        <p:tgtEl>
+                                          <p:spTgt spid="11">
+                                            <p:bg/>
+                                          </p:spTgt>
+                                        </p:tgtEl>
+                                        <p:attrNameLst>
+                                          <p:attrName>style.visibility</p:attrName>
+                                        </p:attrNameLst>
+                                      </p:cBhvr>
+                                      <p:to>
+                                        <p:strVal val="visible"/>
+                                      </p:to>
+                                    </p:set>
+                                    <p:anim calcmode="lin" valueType="num">
+                                      <p:cBhvr additive="base">
+                                        <p:cTn id="17" dur="500" fill="hold"/>
+                                        <p:tgtEl>
+                                          <p:spTgt spid="11">
+                                            <p:bg/>
+                                          </p:spTgt>
+                                        </p:tgtEl>
+                                        <p:attrNameLst>
+                                          <p:attrName>ppt_x</p:attrName>
+                                        </p:attrNameLst>
+                                      </p:cBhvr>
+                                      <p:tavLst>
+                                        <p:tav tm="0">
+                                          <p:val>
+                                            <p:strVal val="#ppt_x"/>
+                                          </p:val>
+                                        </p:tav>
+                                        <p:tav tm="100000">
+                                          <p:val>
+                                            <p:strVal val="#ppt_x"/>
+                                          </p:val>
+                                        </p:tav>
+                                      </p:tavLst>
+                                    </p:anim>
+                                    <p:anim calcmode="lin" valueType="num">
+                                      <p:cBhvr additive="base">
+                                        <p:cTn id="18" dur="500" fill="hold"/>
+                                        <p:tgtEl>
+                                          <p:spTgt spid="11">
+                                            <p:bg/>
+                                          </p:spTgt>
+                                        </p:tgtEl>
+                                        <p:attrNameLst>
+                                          <p:attrName>ppt_y</p:attrName>
+                                        </p:attrNameLst>
+                                      </p:cBhvr>
+                                      <p:tavLst>
+                                        <p:tav tm="0">
+                                          <p:val>
+                                            <p:strVal val="1+#ppt_h/2"/>
+                                          </p:val>
+                                        </p:tav>
+                                        <p:tav tm="100000">
+                                          <p:val>
+                                            <p:strVal val="#ppt_y"/>
+                                          </p:val>
+                                        </p:tav>
+                                      </p:tavLst>
+                                    </p:anim>
+                                  </p:childTnLst>
+                                </p:cTn>
+                              </p:par>
+                              <p:par>
+                                <p:cTn id="19" presetID="2" presetClass="entr" presetSubtype="4" fill="hold" grpId="0" nodeType="withEffect">
+                                  <p:stCondLst>
+                                    <p:cond delay="0"/>
+                                  </p:stCondLst>
+                                  <p:childTnLst>
+                                    <p:set>
+                                      <p:cBhvr>
+                                        <p:cTn id="20" dur="1" fill="hold">
+                                          <p:stCondLst>
+                                            <p:cond delay="0"/>
+                                          </p:stCondLst>
+                                        </p:cTn>
+                                        <p:tgtEl>
+                                          <p:spTgt spid="11">
+                                            <p:txEl>
+                                              <p:pRg st="0" end="0"/>
+                                            </p:txEl>
+                                          </p:spTgt>
+                                        </p:tgtEl>
+                                        <p:attrNameLst>
+                                          <p:attrName>style.visibility</p:attrName>
+                                        </p:attrNameLst>
+                                      </p:cBhvr>
+                                      <p:to>
+                                        <p:strVal val="visible"/>
+                                      </p:to>
+                                    </p:set>
+                                    <p:anim calcmode="lin" valueType="num">
+                                      <p:cBhvr additive="base">
+                                        <p:cTn id="21" dur="500" fill="hold"/>
+                                        <p:tgtEl>
+                                          <p:spTgt spid="11">
+                                            <p:txEl>
+                                              <p:pRg st="0" end="0"/>
+                                            </p:txEl>
+                                          </p:spTgt>
+                                        </p:tgtEl>
+                                        <p:attrNameLst>
+                                          <p:attrName>ppt_x</p:attrName>
+                                        </p:attrNameLst>
+                                      </p:cBhvr>
+                                      <p:tavLst>
+                                        <p:tav tm="0">
+                                          <p:val>
+                                            <p:strVal val="#ppt_x"/>
+                                          </p:val>
+                                        </p:tav>
+                                        <p:tav tm="100000">
+                                          <p:val>
+                                            <p:strVal val="#ppt_x"/>
+                                          </p:val>
+                                        </p:tav>
+                                      </p:tavLst>
+                                    </p:anim>
+                                    <p:anim calcmode="lin" valueType="num">
+                                      <p:cBhvr additive="base">
+                                        <p:cTn id="22" dur="500" fill="hold"/>
+                                        <p:tgtEl>
+                                          <p:spTgt spid="11">
+                                            <p:txEl>
+                                              <p:pRg st="0" end="0"/>
+                                            </p:txEl>
+                                          </p:spTgt>
+                                        </p:tgtEl>
+                                        <p:attrNameLst>
+                                          <p:attrName>ppt_y</p:attrName>
+                                        </p:attrNameLst>
+                                      </p:cBhvr>
+                                      <p:tavLst>
+                                        <p:tav tm="0">
+                                          <p:val>
+                                            <p:strVal val="1+#ppt_h/2"/>
+                                          </p:val>
+                                        </p:tav>
+                                        <p:tav tm="100000">
+                                          <p:val>
+                                            <p:strVal val="#ppt_y"/>
+                                          </p:val>
+                                        </p:tav>
+                                      </p:tavLst>
+                                    </p:anim>
+                                  </p:childTnLst>
+                                </p:cTn>
+                              </p:par>
+                              <p:par>
+                                <p:cTn id="23" presetID="2" presetClass="entr" presetSubtype="4" fill="hold" grpId="0" nodeType="withEffect">
+                                  <p:stCondLst>
+                                    <p:cond delay="0"/>
+                                  </p:stCondLst>
+                                  <p:childTnLst>
+                                    <p:set>
+                                      <p:cBhvr>
+                                        <p:cTn id="24" dur="1" fill="hold">
+                                          <p:stCondLst>
+                                            <p:cond delay="0"/>
+                                          </p:stCondLst>
+                                        </p:cTn>
+                                        <p:tgtEl>
+                                          <p:spTgt spid="11">
+                                            <p:txEl>
+                                              <p:pRg st="1" end="1"/>
+                                            </p:txEl>
+                                          </p:spTgt>
+                                        </p:tgtEl>
+                                        <p:attrNameLst>
+                                          <p:attrName>style.visibility</p:attrName>
+                                        </p:attrNameLst>
+                                      </p:cBhvr>
+                                      <p:to>
+                                        <p:strVal val="visible"/>
+                                      </p:to>
+                                    </p:set>
+                                    <p:anim calcmode="lin" valueType="num">
+                                      <p:cBhvr additive="base">
+                                        <p:cTn id="25" dur="500" fill="hold"/>
+                                        <p:tgtEl>
+                                          <p:spTgt spid="11">
+                                            <p:txEl>
+                                              <p:pRg st="1" end="1"/>
+                                            </p:txEl>
+                                          </p:spTgt>
+                                        </p:tgtEl>
+                                        <p:attrNameLst>
+                                          <p:attrName>ppt_x</p:attrName>
+                                        </p:attrNameLst>
+                                      </p:cBhvr>
+                                      <p:tavLst>
+                                        <p:tav tm="0">
+                                          <p:val>
+                                            <p:strVal val="#ppt_x"/>
+                                          </p:val>
+                                        </p:tav>
+                                        <p:tav tm="100000">
+                                          <p:val>
+                                            <p:strVal val="#ppt_x"/>
+                                          </p:val>
+                                        </p:tav>
+                                      </p:tavLst>
+                                    </p:anim>
+                                    <p:anim calcmode="lin" valueType="num">
+                                      <p:cBhvr additive="base">
+                                        <p:cTn id="26" dur="500" fill="hold"/>
+                                        <p:tgtEl>
+                                          <p:spTgt spid="11">
+                                            <p:txEl>
+                                              <p:pRg st="1" end="1"/>
+                                            </p:txEl>
+                                          </p:spTgt>
+                                        </p:tgtEl>
+                                        <p:attrNameLst>
+                                          <p:attrName>ppt_y</p:attrName>
+                                        </p:attrNameLst>
+                                      </p:cBhvr>
+                                      <p:tavLst>
+                                        <p:tav tm="0">
+                                          <p:val>
+                                            <p:strVal val="1+#ppt_h/2"/>
+                                          </p:val>
+                                        </p:tav>
+                                        <p:tav tm="100000">
+                                          <p:val>
+                                            <p:strVal val="#ppt_y"/>
+                                          </p:val>
+                                        </p:tav>
+                                      </p:tavLst>
+                                    </p:anim>
+                                  </p:childTnLst>
+                                </p:cTn>
+                              </p:par>
+                            </p:childTnLst>
+                          </p:cTn>
+                        </p:par>
+                      </p:childTnLst>
+                    </p:cTn>
+                  </p:par>
+                </p:childTnLst>
+              </p:cTn>
+              <p:prevCondLst>
+                <p:cond evt="onPrev" delay="0">
+                  <p:tgtEl>
+                    <p:sldTgt/>
+                  </p:tgtEl>
+                </p:cond>
+              </p:prevCondLst>
+              <p:nextCondLst>
+                <p:cond evt="onNext" delay="0">
+                  <p:tgtEl>
+                    <p:sldTgt/>
+                  </p:tgtEl>
+                </p:cond>
+              </p:nextCondLst>
+            </p:seq>
+          </p:childTnLst>
+        </p:cTn>
       </p:par>
     </p:tnLst>
+    <p:bldLst>
+      <p:bldP spid="11" grpId="0" build="p" animBg="1"/>
+    </p:bldLst>
   </p:timing>
 </p:sld>
 </file>
@@ -18105,13 +22467,13 @@
   <p:clrMapOvr>
     <a:masterClrMapping/>
   </p:clrMapOvr>
-  <mc:AlternateContent xmlns:mc="http://schemas.openxmlformats.org/markup-compatibility/2006">
-    <mc:Choice xmlns:p14="http://schemas.microsoft.com/office/powerpoint/2010/main" Requires="p14">
+  <mc:AlternateContent xmlns:mc="http://schemas.openxmlformats.org/markup-compatibility/2006" xmlns:p14="http://schemas.microsoft.com/office/powerpoint/2010/main">
+    <mc:Choice Requires="p14">
       <p:transition spd="med" p14:dur="700">
         <p:fade/>
       </p:transition>
     </mc:Choice>
-    <mc:Fallback>
+    <mc:Fallback xmlns="">
       <p:transition xmlns:p14="http://schemas.microsoft.com/office/powerpoint/2010/main" spd="med">
         <p:fade/>
       </p:transition>
@@ -18120,7 +22482,370 @@
   <p:timing>
     <p:tnLst>
       <p:par>
-        <p:cTn xmlns:p14="http://schemas.microsoft.com/office/powerpoint/2010/main" id="1" dur="indefinite" restart="never" nodeType="tmRoot"/>
+        <p:cTn xmlns:p14="http://schemas.microsoft.com/office/powerpoint/2010/main" id="1" dur="indefinite" restart="never" nodeType="tmRoot">
+          <p:childTnLst>
+            <p:seq concurrent="1" nextAc="seek">
+              <p:cTn id="2" dur="indefinite" nodeType="mainSeq">
+                <p:childTnLst>
+                  <p:par>
+                    <p:cTn id="3" fill="hold">
+                      <p:stCondLst>
+                        <p:cond delay="indefinite"/>
+                      </p:stCondLst>
+                      <p:childTnLst>
+                        <p:par>
+                          <p:cTn id="4" fill="hold">
+                            <p:stCondLst>
+                              <p:cond delay="0"/>
+                            </p:stCondLst>
+                            <p:childTnLst>
+                              <p:par>
+                                <p:cTn id="5" presetID="10" presetClass="entr" presetSubtype="0" fill="hold" nodeType="clickEffect">
+                                  <p:stCondLst>
+                                    <p:cond delay="0"/>
+                                  </p:stCondLst>
+                                  <p:childTnLst>
+                                    <p:set>
+                                      <p:cBhvr>
+                                        <p:cTn id="6" dur="1" fill="hold">
+                                          <p:stCondLst>
+                                            <p:cond delay="0"/>
+                                          </p:stCondLst>
+                                        </p:cTn>
+                                        <p:tgtEl>
+                                          <p:spTgt spid="3">
+                                            <p:txEl>
+                                              <p:pRg st="0" end="0"/>
+                                            </p:txEl>
+                                          </p:spTgt>
+                                        </p:tgtEl>
+                                        <p:attrNameLst>
+                                          <p:attrName>style.visibility</p:attrName>
+                                        </p:attrNameLst>
+                                      </p:cBhvr>
+                                      <p:to>
+                                        <p:strVal val="visible"/>
+                                      </p:to>
+                                    </p:set>
+                                    <p:animEffect transition="in" filter="fade">
+                                      <p:cBhvr>
+                                        <p:cTn id="7" dur="500"/>
+                                        <p:tgtEl>
+                                          <p:spTgt spid="3">
+                                            <p:txEl>
+                                              <p:pRg st="0" end="0"/>
+                                            </p:txEl>
+                                          </p:spTgt>
+                                        </p:tgtEl>
+                                      </p:cBhvr>
+                                    </p:animEffect>
+                                  </p:childTnLst>
+                                </p:cTn>
+                              </p:par>
+                            </p:childTnLst>
+                          </p:cTn>
+                        </p:par>
+                      </p:childTnLst>
+                    </p:cTn>
+                  </p:par>
+                  <p:par>
+                    <p:cTn id="8" fill="hold">
+                      <p:stCondLst>
+                        <p:cond delay="indefinite"/>
+                      </p:stCondLst>
+                      <p:childTnLst>
+                        <p:par>
+                          <p:cTn id="9" fill="hold">
+                            <p:stCondLst>
+                              <p:cond delay="0"/>
+                            </p:stCondLst>
+                            <p:childTnLst>
+                              <p:par>
+                                <p:cTn id="10" presetID="10" presetClass="entr" presetSubtype="0" fill="hold" nodeType="clickEffect">
+                                  <p:stCondLst>
+                                    <p:cond delay="0"/>
+                                  </p:stCondLst>
+                                  <p:childTnLst>
+                                    <p:set>
+                                      <p:cBhvr>
+                                        <p:cTn id="11" dur="1" fill="hold">
+                                          <p:stCondLst>
+                                            <p:cond delay="0"/>
+                                          </p:stCondLst>
+                                        </p:cTn>
+                                        <p:tgtEl>
+                                          <p:spTgt spid="7"/>
+                                        </p:tgtEl>
+                                        <p:attrNameLst>
+                                          <p:attrName>style.visibility</p:attrName>
+                                        </p:attrNameLst>
+                                      </p:cBhvr>
+                                      <p:to>
+                                        <p:strVal val="visible"/>
+                                      </p:to>
+                                    </p:set>
+                                    <p:animEffect transition="in" filter="fade">
+                                      <p:cBhvr>
+                                        <p:cTn id="12" dur="500"/>
+                                        <p:tgtEl>
+                                          <p:spTgt spid="7"/>
+                                        </p:tgtEl>
+                                      </p:cBhvr>
+                                    </p:animEffect>
+                                  </p:childTnLst>
+                                </p:cTn>
+                              </p:par>
+                              <p:par>
+                                <p:cTn id="13" presetID="10" presetClass="entr" presetSubtype="0" fill="hold" nodeType="withEffect">
+                                  <p:stCondLst>
+                                    <p:cond delay="0"/>
+                                  </p:stCondLst>
+                                  <p:childTnLst>
+                                    <p:set>
+                                      <p:cBhvr>
+                                        <p:cTn id="14" dur="1" fill="hold">
+                                          <p:stCondLst>
+                                            <p:cond delay="0"/>
+                                          </p:stCondLst>
+                                        </p:cTn>
+                                        <p:tgtEl>
+                                          <p:spTgt spid="3">
+                                            <p:txEl>
+                                              <p:pRg st="1" end="1"/>
+                                            </p:txEl>
+                                          </p:spTgt>
+                                        </p:tgtEl>
+                                        <p:attrNameLst>
+                                          <p:attrName>style.visibility</p:attrName>
+                                        </p:attrNameLst>
+                                      </p:cBhvr>
+                                      <p:to>
+                                        <p:strVal val="visible"/>
+                                      </p:to>
+                                    </p:set>
+                                    <p:animEffect transition="in" filter="fade">
+                                      <p:cBhvr>
+                                        <p:cTn id="15" dur="500"/>
+                                        <p:tgtEl>
+                                          <p:spTgt spid="3">
+                                            <p:txEl>
+                                              <p:pRg st="1" end="1"/>
+                                            </p:txEl>
+                                          </p:spTgt>
+                                        </p:tgtEl>
+                                      </p:cBhvr>
+                                    </p:animEffect>
+                                  </p:childTnLst>
+                                </p:cTn>
+                              </p:par>
+                            </p:childTnLst>
+                          </p:cTn>
+                        </p:par>
+                      </p:childTnLst>
+                    </p:cTn>
+                  </p:par>
+                  <p:par>
+                    <p:cTn id="16" fill="hold">
+                      <p:stCondLst>
+                        <p:cond delay="indefinite"/>
+                      </p:stCondLst>
+                      <p:childTnLst>
+                        <p:par>
+                          <p:cTn id="17" fill="hold">
+                            <p:stCondLst>
+                              <p:cond delay="0"/>
+                            </p:stCondLst>
+                            <p:childTnLst>
+                              <p:par>
+                                <p:cTn id="18" presetID="10" presetClass="entr" presetSubtype="0" fill="hold" nodeType="clickEffect">
+                                  <p:stCondLst>
+                                    <p:cond delay="0"/>
+                                  </p:stCondLst>
+                                  <p:childTnLst>
+                                    <p:set>
+                                      <p:cBhvr>
+                                        <p:cTn id="19" dur="1" fill="hold">
+                                          <p:stCondLst>
+                                            <p:cond delay="0"/>
+                                          </p:stCondLst>
+                                        </p:cTn>
+                                        <p:tgtEl>
+                                          <p:spTgt spid="3">
+                                            <p:txEl>
+                                              <p:pRg st="2" end="2"/>
+                                            </p:txEl>
+                                          </p:spTgt>
+                                        </p:tgtEl>
+                                        <p:attrNameLst>
+                                          <p:attrName>style.visibility</p:attrName>
+                                        </p:attrNameLst>
+                                      </p:cBhvr>
+                                      <p:to>
+                                        <p:strVal val="visible"/>
+                                      </p:to>
+                                    </p:set>
+                                    <p:animEffect transition="in" filter="fade">
+                                      <p:cBhvr>
+                                        <p:cTn id="20" dur="500"/>
+                                        <p:tgtEl>
+                                          <p:spTgt spid="3">
+                                            <p:txEl>
+                                              <p:pRg st="2" end="2"/>
+                                            </p:txEl>
+                                          </p:spTgt>
+                                        </p:tgtEl>
+                                      </p:cBhvr>
+                                    </p:animEffect>
+                                  </p:childTnLst>
+                                </p:cTn>
+                              </p:par>
+                            </p:childTnLst>
+                          </p:cTn>
+                        </p:par>
+                      </p:childTnLst>
+                    </p:cTn>
+                  </p:par>
+                  <p:par>
+                    <p:cTn id="21" fill="hold">
+                      <p:stCondLst>
+                        <p:cond delay="indefinite"/>
+                      </p:stCondLst>
+                      <p:childTnLst>
+                        <p:par>
+                          <p:cTn id="22" fill="hold">
+                            <p:stCondLst>
+                              <p:cond delay="0"/>
+                            </p:stCondLst>
+                            <p:childTnLst>
+                              <p:par>
+                                <p:cTn id="23" presetID="10" presetClass="entr" presetSubtype="0" fill="hold" nodeType="clickEffect">
+                                  <p:stCondLst>
+                                    <p:cond delay="0"/>
+                                  </p:stCondLst>
+                                  <p:childTnLst>
+                                    <p:set>
+                                      <p:cBhvr>
+                                        <p:cTn id="24" dur="1" fill="hold">
+                                          <p:stCondLst>
+                                            <p:cond delay="0"/>
+                                          </p:stCondLst>
+                                        </p:cTn>
+                                        <p:tgtEl>
+                                          <p:spTgt spid="3">
+                                            <p:txEl>
+                                              <p:pRg st="3" end="3"/>
+                                            </p:txEl>
+                                          </p:spTgt>
+                                        </p:tgtEl>
+                                        <p:attrNameLst>
+                                          <p:attrName>style.visibility</p:attrName>
+                                        </p:attrNameLst>
+                                      </p:cBhvr>
+                                      <p:to>
+                                        <p:strVal val="visible"/>
+                                      </p:to>
+                                    </p:set>
+                                    <p:animEffect transition="in" filter="fade">
+                                      <p:cBhvr>
+                                        <p:cTn id="25" dur="500"/>
+                                        <p:tgtEl>
+                                          <p:spTgt spid="3">
+                                            <p:txEl>
+                                              <p:pRg st="3" end="3"/>
+                                            </p:txEl>
+                                          </p:spTgt>
+                                        </p:tgtEl>
+                                      </p:cBhvr>
+                                    </p:animEffect>
+                                  </p:childTnLst>
+                                </p:cTn>
+                              </p:par>
+                            </p:childTnLst>
+                          </p:cTn>
+                        </p:par>
+                      </p:childTnLst>
+                    </p:cTn>
+                  </p:par>
+                  <p:par>
+                    <p:cTn id="26" fill="hold">
+                      <p:stCondLst>
+                        <p:cond delay="indefinite"/>
+                      </p:stCondLst>
+                      <p:childTnLst>
+                        <p:par>
+                          <p:cTn id="27" fill="hold">
+                            <p:stCondLst>
+                              <p:cond delay="0"/>
+                            </p:stCondLst>
+                            <p:childTnLst>
+                              <p:par>
+                                <p:cTn id="28" presetID="10" presetClass="entr" presetSubtype="0" fill="hold" nodeType="clickEffect">
+                                  <p:stCondLst>
+                                    <p:cond delay="0"/>
+                                  </p:stCondLst>
+                                  <p:childTnLst>
+                                    <p:set>
+                                      <p:cBhvr>
+                                        <p:cTn id="29" dur="1" fill="hold">
+                                          <p:stCondLst>
+                                            <p:cond delay="0"/>
+                                          </p:stCondLst>
+                                        </p:cTn>
+                                        <p:tgtEl>
+                                          <p:spTgt spid="3">
+                                            <p:txEl>
+                                              <p:pRg st="4" end="4"/>
+                                            </p:txEl>
+                                          </p:spTgt>
+                                        </p:tgtEl>
+                                        <p:attrNameLst>
+                                          <p:attrName>style.visibility</p:attrName>
+                                        </p:attrNameLst>
+                                      </p:cBhvr>
+                                      <p:to>
+                                        <p:strVal val="visible"/>
+                                      </p:to>
+                                    </p:set>
+                                    <p:animEffect transition="in" filter="fade">
+                                      <p:cBhvr>
+                                        <p:cTn id="30" dur="500"/>
+                                        <p:tgtEl>
+                                          <p:spTgt spid="3">
+                                            <p:txEl>
+                                              <p:pRg st="4" end="4"/>
+                                            </p:txEl>
+                                          </p:spTgt>
+                                        </p:tgtEl>
+                                      </p:cBhvr>
+                                    </p:animEffect>
+                                  </p:childTnLst>
+                                </p:cTn>
+                              </p:par>
+                            </p:childTnLst>
+                          </p:cTn>
+                        </p:par>
+                      </p:childTnLst>
+                    </p:cTn>
+                  </p:par>
+                </p:childTnLst>
+              </p:cTn>
+              <p:prevCondLst>
+                <p:cond evt="onPrev" delay="0">
+                  <p:tgtEl>
+                    <p:sldTgt/>
+                  </p:tgtEl>
+                </p:cond>
+              </p:prevCondLst>
+              <p:nextCondLst>
+                <p:cond evt="onNext" delay="0">
+                  <p:tgtEl>
+                    <p:sldTgt/>
+                  </p:tgtEl>
+                </p:cond>
+              </p:nextCondLst>
+            </p:seq>
+          </p:childTnLst>
+        </p:cTn>
       </p:par>
     </p:tnLst>
   </p:timing>
@@ -18298,13 +23023,13 @@
   <p:clrMapOvr>
     <a:masterClrMapping/>
   </p:clrMapOvr>
-  <mc:AlternateContent xmlns:mc="http://schemas.openxmlformats.org/markup-compatibility/2006">
-    <mc:Choice xmlns:p14="http://schemas.microsoft.com/office/powerpoint/2010/main" Requires="p14">
+  <mc:AlternateContent xmlns:mc="http://schemas.openxmlformats.org/markup-compatibility/2006" xmlns:p14="http://schemas.microsoft.com/office/powerpoint/2010/main">
+    <mc:Choice Requires="p14">
       <p:transition spd="med" p14:dur="700">
         <p:fade/>
       </p:transition>
     </mc:Choice>
-    <mc:Fallback>
+    <mc:Fallback xmlns="">
       <p:transition xmlns:p14="http://schemas.microsoft.com/office/powerpoint/2010/main" spd="med">
         <p:fade/>
       </p:transition>
@@ -18313,7 +23038,126 @@
   <p:timing>
     <p:tnLst>
       <p:par>
-        <p:cTn xmlns:p14="http://schemas.microsoft.com/office/powerpoint/2010/main" id="1" dur="indefinite" restart="never" nodeType="tmRoot"/>
+        <p:cTn xmlns:p14="http://schemas.microsoft.com/office/powerpoint/2010/main" id="1" dur="indefinite" restart="never" nodeType="tmRoot">
+          <p:childTnLst>
+            <p:seq concurrent="1" nextAc="seek">
+              <p:cTn id="2" dur="indefinite" nodeType="mainSeq">
+                <p:childTnLst>
+                  <p:par>
+                    <p:cTn id="3" fill="hold">
+                      <p:stCondLst>
+                        <p:cond delay="indefinite"/>
+                      </p:stCondLst>
+                      <p:childTnLst>
+                        <p:par>
+                          <p:cTn id="4" fill="hold">
+                            <p:stCondLst>
+                              <p:cond delay="0"/>
+                            </p:stCondLst>
+                            <p:childTnLst>
+                              <p:par>
+                                <p:cTn id="5" presetID="10" presetClass="entr" presetSubtype="0" fill="hold" nodeType="clickEffect">
+                                  <p:stCondLst>
+                                    <p:cond delay="0"/>
+                                  </p:stCondLst>
+                                  <p:childTnLst>
+                                    <p:set>
+                                      <p:cBhvr>
+                                        <p:cTn id="6" dur="1" fill="hold">
+                                          <p:stCondLst>
+                                            <p:cond delay="0"/>
+                                          </p:stCondLst>
+                                        </p:cTn>
+                                        <p:tgtEl>
+                                          <p:spTgt spid="3">
+                                            <p:txEl>
+                                              <p:pRg st="4" end="4"/>
+                                            </p:txEl>
+                                          </p:spTgt>
+                                        </p:tgtEl>
+                                        <p:attrNameLst>
+                                          <p:attrName>style.visibility</p:attrName>
+                                        </p:attrNameLst>
+                                      </p:cBhvr>
+                                      <p:to>
+                                        <p:strVal val="visible"/>
+                                      </p:to>
+                                    </p:set>
+                                    <p:animEffect transition="in" filter="fade">
+                                      <p:cBhvr>
+                                        <p:cTn id="7" dur="500"/>
+                                        <p:tgtEl>
+                                          <p:spTgt spid="3">
+                                            <p:txEl>
+                                              <p:pRg st="4" end="4"/>
+                                            </p:txEl>
+                                          </p:spTgt>
+                                        </p:tgtEl>
+                                      </p:cBhvr>
+                                    </p:animEffect>
+                                  </p:childTnLst>
+                                </p:cTn>
+                              </p:par>
+                              <p:par>
+                                <p:cTn id="8" presetID="10" presetClass="entr" presetSubtype="0" fill="hold" nodeType="withEffect">
+                                  <p:stCondLst>
+                                    <p:cond delay="0"/>
+                                  </p:stCondLst>
+                                  <p:childTnLst>
+                                    <p:set>
+                                      <p:cBhvr>
+                                        <p:cTn id="9" dur="1" fill="hold">
+                                          <p:stCondLst>
+                                            <p:cond delay="0"/>
+                                          </p:stCondLst>
+                                        </p:cTn>
+                                        <p:tgtEl>
+                                          <p:spTgt spid="7"/>
+                                        </p:tgtEl>
+                                        <p:attrNameLst>
+                                          <p:attrName>style.visibility</p:attrName>
+                                        </p:attrNameLst>
+                                      </p:cBhvr>
+                                      <p:to>
+                                        <p:strVal val="visible"/>
+                                      </p:to>
+                                    </p:set>
+                                    <p:animEffect transition="in" filter="fade">
+                                      <p:cBhvr>
+                                        <p:cTn id="10" dur="500"/>
+                                        <p:tgtEl>
+                                          <p:spTgt spid="7"/>
+                                        </p:tgtEl>
+                                      </p:cBhvr>
+                                    </p:animEffect>
+                                  </p:childTnLst>
+                                </p:cTn>
+                              </p:par>
+                            </p:childTnLst>
+                          </p:cTn>
+                        </p:par>
+                      </p:childTnLst>
+                    </p:cTn>
+                  </p:par>
+                </p:childTnLst>
+              </p:cTn>
+              <p:prevCondLst>
+                <p:cond evt="onPrev" delay="0">
+                  <p:tgtEl>
+                    <p:sldTgt/>
+                  </p:tgtEl>
+                </p:cond>
+              </p:prevCondLst>
+              <p:nextCondLst>
+                <p:cond evt="onNext" delay="0">
+                  <p:tgtEl>
+                    <p:sldTgt/>
+                  </p:tgtEl>
+                </p:cond>
+              </p:nextCondLst>
+            </p:seq>
+          </p:childTnLst>
+        </p:cTn>
       </p:par>
     </p:tnLst>
   </p:timing>

--- a/PPP1_WV.pptx
+++ b/PPP1_WV.pptx
@@ -3978,7 +3978,7 @@
           <a:p>
             <a:fld id="{E2865B6A-A572-6A49-9497-876CFF488E2C}" type="datetimeFigureOut">
               <a:rPr lang="nl-NL" smtClean="0"/>
-              <a:t>7/11/15</a:t>
+              <a:t>8/11/15</a:t>
             </a:fld>
             <a:endParaRPr lang="nl-NL"/>
           </a:p>
@@ -4144,7 +4144,7 @@
           <a:p>
             <a:fld id="{9AFCC6B9-8706-0F4D-A3CC-6A72CC9B9592}" type="datetimeFigureOut">
               <a:rPr lang="nl-NL" smtClean="0"/>
-              <a:t>7/11/15</a:t>
+              <a:t>8/11/15</a:t>
             </a:fld>
             <a:endParaRPr lang="nl-NL"/>
           </a:p>
@@ -5517,8 +5517,44 @@
             </a:r>
             <a:r>
               <a:rPr lang="nl-NL" dirty="0" smtClean="0"/>
-              <a:t> bestaand model zoeken.</a:t>
-            </a:r>
+              <a:t> bestaand model zoeken</a:t>
+            </a:r>
+            <a:r>
+              <a:rPr lang="nl-NL" dirty="0" smtClean="0"/>
+              <a:t>.</a:t>
+            </a:r>
+          </a:p>
+          <a:p>
+            <a:pPr marL="0" marR="0" indent="0" algn="l" defTabSz="457200" rtl="0" eaLnBrk="1" fontAlgn="auto" latinLnBrk="0" hangingPunct="1">
+              <a:lnSpc>
+                <a:spcPct val="100000"/>
+              </a:lnSpc>
+              <a:spcBef>
+                <a:spcPts val="0"/>
+              </a:spcBef>
+              <a:spcAft>
+                <a:spcPts val="0"/>
+              </a:spcAft>
+              <a:buClrTx/>
+              <a:buSzTx/>
+              <a:buFontTx/>
+              <a:buNone/>
+              <a:tabLst/>
+              <a:defRPr/>
+            </a:pPr>
+            <a:r>
+              <a:rPr lang="nl-NL" dirty="0" err="1" smtClean="0"/>
+              <a:t>Generate</a:t>
+            </a:r>
+            <a:r>
+              <a:rPr lang="nl-NL" baseline="0" dirty="0" smtClean="0"/>
+              <a:t> </a:t>
+            </a:r>
+            <a:r>
+              <a:rPr lang="nl-NL" baseline="0" smtClean="0"/>
+              <a:t>&amp; prune TOT</a:t>
+            </a:r>
+            <a:endParaRPr lang="nl-NL" dirty="0" smtClean="0"/>
           </a:p>
           <a:p>
             <a:endParaRPr lang="nl-NL" dirty="0"/>
@@ -5764,6 +5800,174 @@
 </file>
 
 <file path=ppt/notesSlides/notesSlide20.xml><?xml version="1.0" encoding="utf-8"?>
+<p:notes xmlns:a="http://schemas.openxmlformats.org/drawingml/2006/main" xmlns:r="http://schemas.openxmlformats.org/officeDocument/2006/relationships" xmlns:p="http://schemas.openxmlformats.org/presentationml/2006/main">
+  <p:cSld>
+    <p:spTree>
+      <p:nvGrpSpPr>
+        <p:cNvPr id="1" name=""/>
+        <p:cNvGrpSpPr/>
+        <p:nvPr/>
+      </p:nvGrpSpPr>
+      <p:grpSpPr>
+        <a:xfrm>
+          <a:off x="0" y="0"/>
+          <a:ext cx="0" cy="0"/>
+          <a:chOff x="0" y="0"/>
+          <a:chExt cx="0" cy="0"/>
+        </a:xfrm>
+      </p:grpSpPr>
+      <p:sp>
+        <p:nvSpPr>
+          <p:cNvPr id="2" name="Tijdelijke aanduiding voor dia-afbeelding 1"/>
+          <p:cNvSpPr>
+            <a:spLocks noGrp="1" noRot="1" noChangeAspect="1"/>
+          </p:cNvSpPr>
+          <p:nvPr>
+            <p:ph type="sldImg"/>
+          </p:nvPr>
+        </p:nvSpPr>
+        <p:spPr/>
+      </p:sp>
+      <p:sp>
+        <p:nvSpPr>
+          <p:cNvPr id="3" name="Tijdelijke aanduiding voor notities 2"/>
+          <p:cNvSpPr>
+            <a:spLocks noGrp="1"/>
+          </p:cNvSpPr>
+          <p:nvPr>
+            <p:ph type="body" idx="1"/>
+          </p:nvPr>
+        </p:nvSpPr>
+        <p:spPr/>
+        <p:txBody>
+          <a:bodyPr/>
+          <a:lstStyle/>
+          <a:p>
+            <a:endParaRPr lang="nl-NL"/>
+          </a:p>
+        </p:txBody>
+      </p:sp>
+      <p:sp>
+        <p:nvSpPr>
+          <p:cNvPr id="4" name="Tijdelijke aanduiding voor dianummer 3"/>
+          <p:cNvSpPr>
+            <a:spLocks noGrp="1"/>
+          </p:cNvSpPr>
+          <p:nvPr>
+            <p:ph type="sldNum" sz="quarter" idx="10"/>
+          </p:nvPr>
+        </p:nvSpPr>
+        <p:spPr/>
+        <p:txBody>
+          <a:bodyPr/>
+          <a:lstStyle/>
+          <a:p>
+            <a:fld id="{8787E021-A170-414E-8B92-16820204145C}" type="slidenum">
+              <a:rPr lang="nl-NL" smtClean="0"/>
+              <a:t>20</a:t>
+            </a:fld>
+            <a:endParaRPr lang="nl-NL"/>
+          </a:p>
+        </p:txBody>
+      </p:sp>
+    </p:spTree>
+    <p:extLst>
+      <p:ext uri="{BB962C8B-B14F-4D97-AF65-F5344CB8AC3E}">
+        <p14:creationId xmlns:p14="http://schemas.microsoft.com/office/powerpoint/2010/main" val="310736214"/>
+      </p:ext>
+    </p:extLst>
+  </p:cSld>
+  <p:clrMapOvr>
+    <a:masterClrMapping/>
+  </p:clrMapOvr>
+</p:notes>
+</file>
+
+<file path=ppt/notesSlides/notesSlide21.xml><?xml version="1.0" encoding="utf-8"?>
+<p:notes xmlns:a="http://schemas.openxmlformats.org/drawingml/2006/main" xmlns:r="http://schemas.openxmlformats.org/officeDocument/2006/relationships" xmlns:p="http://schemas.openxmlformats.org/presentationml/2006/main">
+  <p:cSld>
+    <p:spTree>
+      <p:nvGrpSpPr>
+        <p:cNvPr id="1" name=""/>
+        <p:cNvGrpSpPr/>
+        <p:nvPr/>
+      </p:nvGrpSpPr>
+      <p:grpSpPr>
+        <a:xfrm>
+          <a:off x="0" y="0"/>
+          <a:ext cx="0" cy="0"/>
+          <a:chOff x="0" y="0"/>
+          <a:chExt cx="0" cy="0"/>
+        </a:xfrm>
+      </p:grpSpPr>
+      <p:sp>
+        <p:nvSpPr>
+          <p:cNvPr id="2" name="Tijdelijke aanduiding voor dia-afbeelding 1"/>
+          <p:cNvSpPr>
+            <a:spLocks noGrp="1" noRot="1" noChangeAspect="1"/>
+          </p:cNvSpPr>
+          <p:nvPr>
+            <p:ph type="sldImg"/>
+          </p:nvPr>
+        </p:nvSpPr>
+        <p:spPr/>
+      </p:sp>
+      <p:sp>
+        <p:nvSpPr>
+          <p:cNvPr id="3" name="Tijdelijke aanduiding voor notities 2"/>
+          <p:cNvSpPr>
+            <a:spLocks noGrp="1"/>
+          </p:cNvSpPr>
+          <p:nvPr>
+            <p:ph type="body" idx="1"/>
+          </p:nvPr>
+        </p:nvSpPr>
+        <p:spPr/>
+        <p:txBody>
+          <a:bodyPr/>
+          <a:lstStyle/>
+          <a:p>
+            <a:endParaRPr lang="nl-NL"/>
+          </a:p>
+        </p:txBody>
+      </p:sp>
+      <p:sp>
+        <p:nvSpPr>
+          <p:cNvPr id="4" name="Tijdelijke aanduiding voor dianummer 3"/>
+          <p:cNvSpPr>
+            <a:spLocks noGrp="1"/>
+          </p:cNvSpPr>
+          <p:nvPr>
+            <p:ph type="sldNum" sz="quarter" idx="10"/>
+          </p:nvPr>
+        </p:nvSpPr>
+        <p:spPr/>
+        <p:txBody>
+          <a:bodyPr/>
+          <a:lstStyle/>
+          <a:p>
+            <a:fld id="{8787E021-A170-414E-8B92-16820204145C}" type="slidenum">
+              <a:rPr lang="nl-NL" smtClean="0"/>
+              <a:t>21</a:t>
+            </a:fld>
+            <a:endParaRPr lang="nl-NL"/>
+          </a:p>
+        </p:txBody>
+      </p:sp>
+    </p:spTree>
+    <p:extLst>
+      <p:ext uri="{BB962C8B-B14F-4D97-AF65-F5344CB8AC3E}">
+        <p14:creationId xmlns:p14="http://schemas.microsoft.com/office/powerpoint/2010/main" val="2669894668"/>
+      </p:ext>
+    </p:extLst>
+  </p:cSld>
+  <p:clrMapOvr>
+    <a:masterClrMapping/>
+  </p:clrMapOvr>
+</p:notes>
+</file>
+
+<file path=ppt/notesSlides/notesSlide22.xml><?xml version="1.0" encoding="utf-8"?>
 <p:notes xmlns:a="http://schemas.openxmlformats.org/drawingml/2006/main" xmlns:r="http://schemas.openxmlformats.org/officeDocument/2006/relationships" xmlns:p="http://schemas.openxmlformats.org/presentationml/2006/main">
   <p:cSld>
     <p:spTree>
@@ -6869,7 +7073,7 @@
           <a:p>
             <a:fld id="{2EDFC153-0A04-BA4E-8141-1BF6FB7F6A2C}" type="datetime1">
               <a:rPr lang="nl-BE" smtClean="0"/>
-              <a:t>7/11/15</a:t>
+              <a:t>8/11/15</a:t>
             </a:fld>
             <a:endParaRPr lang="nl-NL"/>
           </a:p>
@@ -7298,7 +7502,7 @@
           <a:p>
             <a:fld id="{EA46CFA9-1D25-C744-AB8F-76EE975136C8}" type="datetime1">
               <a:rPr lang="nl-BE" smtClean="0"/>
-              <a:t>7/11/15</a:t>
+              <a:t>8/11/15</a:t>
             </a:fld>
             <a:endParaRPr lang="nl-NL"/>
           </a:p>
@@ -7503,7 +7707,7 @@
           <a:p>
             <a:fld id="{7247E15F-9161-1640-BD7E-F38AB8AAD6C7}" type="datetime1">
               <a:rPr lang="nl-BE" smtClean="0"/>
-              <a:t>7/11/15</a:t>
+              <a:t>8/11/15</a:t>
             </a:fld>
             <a:endParaRPr lang="nl-NL"/>
           </a:p>
@@ -7774,7 +7978,7 @@
           <a:p>
             <a:fld id="{AF3C91E2-930E-954C-AFE3-A263E1094596}" type="datetime1">
               <a:rPr lang="nl-BE" smtClean="0"/>
-              <a:t>7/11/15</a:t>
+              <a:t>8/11/15</a:t>
             </a:fld>
             <a:endParaRPr lang="nl-NL"/>
           </a:p>
@@ -8055,7 +8259,7 @@
           <a:p>
             <a:fld id="{EF757EBF-1FD2-5743-ADA6-802C60F520E6}" type="datetime1">
               <a:rPr lang="nl-BE" smtClean="0"/>
-              <a:t>7/11/15</a:t>
+              <a:t>8/11/15</a:t>
             </a:fld>
             <a:endParaRPr lang="nl-NL"/>
           </a:p>
@@ -8290,7 +8494,7 @@
           <a:p>
             <a:fld id="{9C2298F6-96DE-3A48-8D75-B6ED2E032514}" type="datetime1">
               <a:rPr lang="nl-BE" smtClean="0"/>
-              <a:t>7/11/15</a:t>
+              <a:t>8/11/15</a:t>
             </a:fld>
             <a:endParaRPr lang="nl-NL"/>
           </a:p>
@@ -8571,7 +8775,7 @@
           <a:p>
             <a:fld id="{D80A9105-2D92-D140-9401-B6B2B4E0474F}" type="datetime1">
               <a:rPr lang="nl-BE" smtClean="0"/>
-              <a:t>7/11/15</a:t>
+              <a:t>8/11/15</a:t>
             </a:fld>
             <a:endParaRPr lang="nl-NL"/>
           </a:p>
@@ -8998,7 +9202,7 @@
           <a:p>
             <a:fld id="{A030C3C0-DD13-764B-AD62-C0D32A684DFE}" type="datetime1">
               <a:rPr lang="nl-BE" smtClean="0"/>
-              <a:t>7/11/15</a:t>
+              <a:t>8/11/15</a:t>
             </a:fld>
             <a:endParaRPr lang="nl-NL"/>
           </a:p>
@@ -9521,7 +9725,7 @@
           <a:p>
             <a:fld id="{7D15289D-F6C3-F442-A73A-46A4E1DD7935}" type="datetime1">
               <a:rPr lang="nl-BE" smtClean="0"/>
-              <a:t>7/11/15</a:t>
+              <a:t>8/11/15</a:t>
             </a:fld>
             <a:endParaRPr lang="nl-NL"/>
           </a:p>
@@ -9883,7 +10087,7 @@
           <a:p>
             <a:fld id="{7649E866-252E-EA4C-BDA7-8FD6419C4ED8}" type="datetime1">
               <a:rPr lang="nl-BE" smtClean="0"/>
-              <a:t>7/11/15</a:t>
+              <a:t>8/11/15</a:t>
             </a:fld>
             <a:endParaRPr lang="nl-NL"/>
           </a:p>
@@ -10439,7 +10643,7 @@
           <a:p>
             <a:fld id="{140AB75C-0F83-D948-B9EC-7ECE3030D706}" type="datetime1">
               <a:rPr lang="nl-BE" smtClean="0"/>
-              <a:t>7/11/15</a:t>
+              <a:t>8/11/15</a:t>
             </a:fld>
             <a:endParaRPr lang="nl-NL"/>
           </a:p>
@@ -10664,7 +10868,7 @@
           <a:p>
             <a:fld id="{4F9050E8-DC1A-6C45-BDBE-A940FCD72D21}" type="datetime1">
               <a:rPr lang="nl-BE" smtClean="0"/>
-              <a:t>7/11/15</a:t>
+              <a:t>8/11/15</a:t>
             </a:fld>
             <a:endParaRPr lang="nl-NL"/>
           </a:p>
@@ -10810,7 +11014,7 @@
           <a:p>
             <a:fld id="{17691BFA-472B-FB42-9118-FB47F7BA5917}" type="datetime1">
               <a:rPr lang="nl-BE" smtClean="0"/>
-              <a:t>7/11/15</a:t>
+              <a:t>8/11/15</a:t>
             </a:fld>
             <a:endParaRPr lang="nl-NL"/>
           </a:p>
@@ -11275,7 +11479,7 @@
           <a:p>
             <a:fld id="{1D83D387-81E7-B943-A58F-9D33FAAFEC7C}" type="datetime1">
               <a:rPr lang="nl-BE" smtClean="0"/>
-              <a:t>7/11/15</a:t>
+              <a:t>8/11/15</a:t>
             </a:fld>
             <a:endParaRPr lang="nl-NL"/>
           </a:p>
@@ -11497,7 +11701,7 @@
           <a:p>
             <a:fld id="{6396F903-1DA5-254A-90F8-70882336A6D9}" type="datetime1">
               <a:rPr lang="nl-BE" smtClean="0"/>
-              <a:t>7/11/15</a:t>
+              <a:t>8/11/15</a:t>
             </a:fld>
             <a:endParaRPr lang="nl-NL"/>
           </a:p>
